--- a/Python.pptx
+++ b/Python.pptx
@@ -5,7 +5,7 @@
     <p:sldMasterId id="2147483659" r:id="rId1"/>
   </p:sldMasterIdLst>
   <p:notesMasterIdLst>
-    <p:notesMasterId r:id="rId9"/>
+    <p:notesMasterId r:id="rId11"/>
   </p:notesMasterIdLst>
   <p:sldIdLst>
     <p:sldId id="256" r:id="rId2"/>
@@ -13,8 +13,10 @@
     <p:sldId id="258" r:id="rId4"/>
     <p:sldId id="259" r:id="rId5"/>
     <p:sldId id="260" r:id="rId6"/>
-    <p:sldId id="261" r:id="rId7"/>
-    <p:sldId id="262" r:id="rId8"/>
+    <p:sldId id="263" r:id="rId7"/>
+    <p:sldId id="264" r:id="rId8"/>
+    <p:sldId id="261" r:id="rId9"/>
+    <p:sldId id="262" r:id="rId10"/>
   </p:sldIdLst>
   <p:sldSz cx="9144000" cy="5143500" type="screen16x9"/>
   <p:notesSz cx="6858000" cy="9144000"/>
@@ -269,9 +271,192 @@
 <file path=ppt/revisionInfo.xml><?xml version="1.0" encoding="utf-8"?>
 <p1510:revInfo xmlns:a="http://schemas.openxmlformats.org/drawingml/2006/main" xmlns:r="http://schemas.openxmlformats.org/officeDocument/2006/relationships" xmlns:p1510="http://schemas.microsoft.com/office/powerpoint/2015/10/main">
   <p1510:revLst>
-    <p1510:client id="{4F71BE14-C53D-0861-4E1D-406D0C4E55B4}" v="10" dt="2022-02-05T23:55:44.511"/>
+    <p1510:client id="{268579DD-9F3E-DD42-ADBD-2C5BCBEBF3D0}" v="12" dt="2023-05-09T05:27:58.790"/>
   </p1510:revLst>
 </p1510:revInfo>
+</file>
+
+<file path=ppt/changesInfos/changesInfo1.xml><?xml version="1.0" encoding="utf-8"?>
+<pc:chgInfo xmlns:a="http://schemas.openxmlformats.org/drawingml/2006/main" xmlns:r="http://schemas.openxmlformats.org/officeDocument/2006/relationships" xmlns:ac="http://schemas.microsoft.com/office/drawing/2013/main/command" xmlns:pc="http://schemas.microsoft.com/office/powerpoint/2013/main/command">
+  <pc:docChgLst>
+    <pc:chgData name="Kaitlin Eustaquio" userId="1db1b819-5a69-4e28-a1f3-107bdd323ba9" providerId="ADAL" clId="{268579DD-9F3E-DD42-ADBD-2C5BCBEBF3D0}"/>
+    <pc:docChg chg="undo custSel addSld delSld modSld sldOrd">
+      <pc:chgData name="Kaitlin Eustaquio" userId="1db1b819-5a69-4e28-a1f3-107bdd323ba9" providerId="ADAL" clId="{268579DD-9F3E-DD42-ADBD-2C5BCBEBF3D0}" dt="2023-05-09T05:28:02.915" v="190" actId="1076"/>
+      <pc:docMkLst>
+        <pc:docMk/>
+      </pc:docMkLst>
+      <pc:sldChg chg="modSp mod">
+        <pc:chgData name="Kaitlin Eustaquio" userId="1db1b819-5a69-4e28-a1f3-107bdd323ba9" providerId="ADAL" clId="{268579DD-9F3E-DD42-ADBD-2C5BCBEBF3D0}" dt="2023-05-09T04:52:35.784" v="15" actId="20577"/>
+        <pc:sldMkLst>
+          <pc:docMk/>
+          <pc:sldMk cId="0" sldId="256"/>
+        </pc:sldMkLst>
+        <pc:spChg chg="mod">
+          <ac:chgData name="Kaitlin Eustaquio" userId="1db1b819-5a69-4e28-a1f3-107bdd323ba9" providerId="ADAL" clId="{268579DD-9F3E-DD42-ADBD-2C5BCBEBF3D0}" dt="2023-05-09T04:52:35.784" v="15" actId="20577"/>
+          <ac:spMkLst>
+            <pc:docMk/>
+            <pc:sldMk cId="0" sldId="256"/>
+            <ac:spMk id="55" creationId="{00000000-0000-0000-0000-000000000000}"/>
+          </ac:spMkLst>
+        </pc:spChg>
+      </pc:sldChg>
+      <pc:sldChg chg="addSp delSp modSp mod">
+        <pc:chgData name="Kaitlin Eustaquio" userId="1db1b819-5a69-4e28-a1f3-107bdd323ba9" providerId="ADAL" clId="{268579DD-9F3E-DD42-ADBD-2C5BCBEBF3D0}" dt="2023-05-09T04:55:47.971" v="24" actId="1076"/>
+        <pc:sldMkLst>
+          <pc:docMk/>
+          <pc:sldMk cId="0" sldId="258"/>
+        </pc:sldMkLst>
+        <pc:spChg chg="add del mod">
+          <ac:chgData name="Kaitlin Eustaquio" userId="1db1b819-5a69-4e28-a1f3-107bdd323ba9" providerId="ADAL" clId="{268579DD-9F3E-DD42-ADBD-2C5BCBEBF3D0}" dt="2023-05-09T04:55:40.159" v="19" actId="478"/>
+          <ac:spMkLst>
+            <pc:docMk/>
+            <pc:sldMk cId="0" sldId="258"/>
+            <ac:spMk id="4" creationId="{AB57A767-31AB-6138-7DEA-B71B3752866A}"/>
+          </ac:spMkLst>
+        </pc:spChg>
+        <pc:spChg chg="del">
+          <ac:chgData name="Kaitlin Eustaquio" userId="1db1b819-5a69-4e28-a1f3-107bdd323ba9" providerId="ADAL" clId="{268579DD-9F3E-DD42-ADBD-2C5BCBEBF3D0}" dt="2023-05-09T04:55:38.598" v="18" actId="478"/>
+          <ac:spMkLst>
+            <pc:docMk/>
+            <pc:sldMk cId="0" sldId="258"/>
+            <ac:spMk id="68" creationId="{00000000-0000-0000-0000-000000000000}"/>
+          </ac:spMkLst>
+        </pc:spChg>
+        <pc:picChg chg="add mod">
+          <ac:chgData name="Kaitlin Eustaquio" userId="1db1b819-5a69-4e28-a1f3-107bdd323ba9" providerId="ADAL" clId="{268579DD-9F3E-DD42-ADBD-2C5BCBEBF3D0}" dt="2023-05-09T04:55:47.971" v="24" actId="1076"/>
+          <ac:picMkLst>
+            <pc:docMk/>
+            <pc:sldMk cId="0" sldId="258"/>
+            <ac:picMk id="2" creationId="{B931585D-67AC-65AB-643E-E7634C4A0A3E}"/>
+          </ac:picMkLst>
+        </pc:picChg>
+      </pc:sldChg>
+      <pc:sldChg chg="addSp modSp mod">
+        <pc:chgData name="Kaitlin Eustaquio" userId="1db1b819-5a69-4e28-a1f3-107bdd323ba9" providerId="ADAL" clId="{268579DD-9F3E-DD42-ADBD-2C5BCBEBF3D0}" dt="2023-05-09T05:02:54.936" v="35" actId="20577"/>
+        <pc:sldMkLst>
+          <pc:docMk/>
+          <pc:sldMk cId="0" sldId="259"/>
+        </pc:sldMkLst>
+        <pc:spChg chg="mod">
+          <ac:chgData name="Kaitlin Eustaquio" userId="1db1b819-5a69-4e28-a1f3-107bdd323ba9" providerId="ADAL" clId="{268579DD-9F3E-DD42-ADBD-2C5BCBEBF3D0}" dt="2023-05-09T05:02:54.936" v="35" actId="20577"/>
+          <ac:spMkLst>
+            <pc:docMk/>
+            <pc:sldMk cId="0" sldId="259"/>
+            <ac:spMk id="73" creationId="{00000000-0000-0000-0000-000000000000}"/>
+          </ac:spMkLst>
+        </pc:spChg>
+        <pc:picChg chg="add mod">
+          <ac:chgData name="Kaitlin Eustaquio" userId="1db1b819-5a69-4e28-a1f3-107bdd323ba9" providerId="ADAL" clId="{268579DD-9F3E-DD42-ADBD-2C5BCBEBF3D0}" dt="2023-05-09T05:02:48.455" v="34" actId="1076"/>
+          <ac:picMkLst>
+            <pc:docMk/>
+            <pc:sldMk cId="0" sldId="259"/>
+            <ac:picMk id="2" creationId="{37A45D8F-E441-8C22-54AD-FE2695590B55}"/>
+          </ac:picMkLst>
+        </pc:picChg>
+      </pc:sldChg>
+      <pc:sldChg chg="addSp delSp modSp mod ord">
+        <pc:chgData name="Kaitlin Eustaquio" userId="1db1b819-5a69-4e28-a1f3-107bdd323ba9" providerId="ADAL" clId="{268579DD-9F3E-DD42-ADBD-2C5BCBEBF3D0}" dt="2023-05-09T05:28:02.915" v="190" actId="1076"/>
+        <pc:sldMkLst>
+          <pc:docMk/>
+          <pc:sldMk cId="0" sldId="260"/>
+        </pc:sldMkLst>
+        <pc:spChg chg="mod">
+          <ac:chgData name="Kaitlin Eustaquio" userId="1db1b819-5a69-4e28-a1f3-107bdd323ba9" providerId="ADAL" clId="{268579DD-9F3E-DD42-ADBD-2C5BCBEBF3D0}" dt="2023-05-09T05:18:54.792" v="37" actId="20577"/>
+          <ac:spMkLst>
+            <pc:docMk/>
+            <pc:sldMk cId="0" sldId="260"/>
+            <ac:spMk id="78" creationId="{00000000-0000-0000-0000-000000000000}"/>
+          </ac:spMkLst>
+        </pc:spChg>
+        <pc:graphicFrameChg chg="mod modGraphic">
+          <ac:chgData name="Kaitlin Eustaquio" userId="1db1b819-5a69-4e28-a1f3-107bdd323ba9" providerId="ADAL" clId="{268579DD-9F3E-DD42-ADBD-2C5BCBEBF3D0}" dt="2023-05-09T05:27:25.458" v="186" actId="20577"/>
+          <ac:graphicFrameMkLst>
+            <pc:docMk/>
+            <pc:sldMk cId="0" sldId="260"/>
+            <ac:graphicFrameMk id="79" creationId="{00000000-0000-0000-0000-000000000000}"/>
+          </ac:graphicFrameMkLst>
+        </pc:graphicFrameChg>
+        <pc:picChg chg="add del mod">
+          <ac:chgData name="Kaitlin Eustaquio" userId="1db1b819-5a69-4e28-a1f3-107bdd323ba9" providerId="ADAL" clId="{268579DD-9F3E-DD42-ADBD-2C5BCBEBF3D0}" dt="2023-05-09T05:25:49.490" v="52" actId="478"/>
+          <ac:picMkLst>
+            <pc:docMk/>
+            <pc:sldMk cId="0" sldId="260"/>
+            <ac:picMk id="2" creationId="{632B440D-B71A-5C1B-6149-8D61E3124C24}"/>
+          </ac:picMkLst>
+        </pc:picChg>
+        <pc:picChg chg="add del mod">
+          <ac:chgData name="Kaitlin Eustaquio" userId="1db1b819-5a69-4e28-a1f3-107bdd323ba9" providerId="ADAL" clId="{268579DD-9F3E-DD42-ADBD-2C5BCBEBF3D0}" dt="2023-05-09T05:24:45.050" v="50" actId="478"/>
+          <ac:picMkLst>
+            <pc:docMk/>
+            <pc:sldMk cId="0" sldId="260"/>
+            <ac:picMk id="3" creationId="{8BCB0F01-F8E6-F2EC-B875-0131D2E0AFFE}"/>
+          </ac:picMkLst>
+        </pc:picChg>
+        <pc:picChg chg="add del mod">
+          <ac:chgData name="Kaitlin Eustaquio" userId="1db1b819-5a69-4e28-a1f3-107bdd323ba9" providerId="ADAL" clId="{268579DD-9F3E-DD42-ADBD-2C5BCBEBF3D0}" dt="2023-05-09T05:27:58.226" v="187" actId="478"/>
+          <ac:picMkLst>
+            <pc:docMk/>
+            <pc:sldMk cId="0" sldId="260"/>
+            <ac:picMk id="4" creationId="{FBACDC87-229C-FFEB-DAA3-D5E8F451530E}"/>
+          </ac:picMkLst>
+        </pc:picChg>
+        <pc:picChg chg="add mod">
+          <ac:chgData name="Kaitlin Eustaquio" userId="1db1b819-5a69-4e28-a1f3-107bdd323ba9" providerId="ADAL" clId="{268579DD-9F3E-DD42-ADBD-2C5BCBEBF3D0}" dt="2023-05-09T05:26:22.728" v="58" actId="1076"/>
+          <ac:picMkLst>
+            <pc:docMk/>
+            <pc:sldMk cId="0" sldId="260"/>
+            <ac:picMk id="5" creationId="{D0CAAE50-CBFC-E53B-87F3-FD0C81546649}"/>
+          </ac:picMkLst>
+        </pc:picChg>
+        <pc:picChg chg="add mod">
+          <ac:chgData name="Kaitlin Eustaquio" userId="1db1b819-5a69-4e28-a1f3-107bdd323ba9" providerId="ADAL" clId="{268579DD-9F3E-DD42-ADBD-2C5BCBEBF3D0}" dt="2023-05-09T05:28:02.915" v="190" actId="1076"/>
+          <ac:picMkLst>
+            <pc:docMk/>
+            <pc:sldMk cId="0" sldId="260"/>
+            <ac:picMk id="6" creationId="{1227600E-64C5-7BB4-F862-ACB307798D3B}"/>
+          </ac:picMkLst>
+        </pc:picChg>
+      </pc:sldChg>
+      <pc:sldChg chg="modSp add mod">
+        <pc:chgData name="Kaitlin Eustaquio" userId="1db1b819-5a69-4e28-a1f3-107bdd323ba9" providerId="ADAL" clId="{268579DD-9F3E-DD42-ADBD-2C5BCBEBF3D0}" dt="2023-05-09T05:02:37.805" v="30" actId="20577"/>
+        <pc:sldMkLst>
+          <pc:docMk/>
+          <pc:sldMk cId="1524299445" sldId="263"/>
+        </pc:sldMkLst>
+        <pc:spChg chg="mod">
+          <ac:chgData name="Kaitlin Eustaquio" userId="1db1b819-5a69-4e28-a1f3-107bdd323ba9" providerId="ADAL" clId="{268579DD-9F3E-DD42-ADBD-2C5BCBEBF3D0}" dt="2023-05-09T05:02:37.805" v="30" actId="20577"/>
+          <ac:spMkLst>
+            <pc:docMk/>
+            <pc:sldMk cId="1524299445" sldId="263"/>
+            <ac:spMk id="73" creationId="{00000000-0000-0000-0000-000000000000}"/>
+          </ac:spMkLst>
+        </pc:spChg>
+      </pc:sldChg>
+      <pc:sldChg chg="modSp add mod">
+        <pc:chgData name="Kaitlin Eustaquio" userId="1db1b819-5a69-4e28-a1f3-107bdd323ba9" providerId="ADAL" clId="{268579DD-9F3E-DD42-ADBD-2C5BCBEBF3D0}" dt="2023-05-09T05:02:45.580" v="32" actId="20577"/>
+        <pc:sldMkLst>
+          <pc:docMk/>
+          <pc:sldMk cId="504931959" sldId="264"/>
+        </pc:sldMkLst>
+        <pc:spChg chg="mod">
+          <ac:chgData name="Kaitlin Eustaquio" userId="1db1b819-5a69-4e28-a1f3-107bdd323ba9" providerId="ADAL" clId="{268579DD-9F3E-DD42-ADBD-2C5BCBEBF3D0}" dt="2023-05-09T05:02:45.580" v="32" actId="20577"/>
+          <ac:spMkLst>
+            <pc:docMk/>
+            <pc:sldMk cId="504931959" sldId="264"/>
+            <ac:spMk id="78" creationId="{00000000-0000-0000-0000-000000000000}"/>
+          </ac:spMkLst>
+        </pc:spChg>
+      </pc:sldChg>
+      <pc:sldChg chg="add del">
+        <pc:chgData name="Kaitlin Eustaquio" userId="1db1b819-5a69-4e28-a1f3-107bdd323ba9" providerId="ADAL" clId="{268579DD-9F3E-DD42-ADBD-2C5BCBEBF3D0}" dt="2023-05-09T05:02:28.748" v="27" actId="2890"/>
+        <pc:sldMkLst>
+          <pc:docMk/>
+          <pc:sldMk cId="3170754785" sldId="264"/>
+        </pc:sldMkLst>
+      </pc:sldChg>
+    </pc:docChg>
+  </pc:docChgLst>
+</pc:chgInfo>
 </file>
 
 <file path=ppt/notesMasters/notesMaster1.xml><?xml version="1.0" encoding="utf-8"?>
@@ -1265,6 +1450,224 @@
   <p:cSld>
     <p:spTree>
       <p:nvGrpSpPr>
+        <p:cNvPr id="1" name="Shape 69"/>
+        <p:cNvGrpSpPr/>
+        <p:nvPr/>
+      </p:nvGrpSpPr>
+      <p:grpSpPr>
+        <a:xfrm>
+          <a:off x="0" y="0"/>
+          <a:ext cx="0" cy="0"/>
+          <a:chOff x="0" y="0"/>
+          <a:chExt cx="0" cy="0"/>
+        </a:xfrm>
+      </p:grpSpPr>
+      <p:sp>
+        <p:nvSpPr>
+          <p:cNvPr id="70" name="Google Shape;70;gac10fef634_0_16:notes"/>
+          <p:cNvSpPr>
+            <a:spLocks noGrp="1" noRot="1" noChangeAspect="1"/>
+          </p:cNvSpPr>
+          <p:nvPr>
+            <p:ph type="sldImg" idx="2"/>
+          </p:nvPr>
+        </p:nvSpPr>
+        <p:spPr>
+          <a:xfrm>
+            <a:off x="381000" y="685800"/>
+            <a:ext cx="6096000" cy="3429000"/>
+          </a:xfrm>
+          <a:custGeom>
+            <a:avLst/>
+            <a:gdLst/>
+            <a:ahLst/>
+            <a:cxnLst/>
+            <a:rect l="l" t="t" r="r" b="b"/>
+            <a:pathLst>
+              <a:path w="120000" h="120000" extrusionOk="0">
+                <a:moveTo>
+                  <a:pt x="0" y="0"/>
+                </a:moveTo>
+                <a:lnTo>
+                  <a:pt x="120000" y="0"/>
+                </a:lnTo>
+                <a:lnTo>
+                  <a:pt x="120000" y="120000"/>
+                </a:lnTo>
+                <a:lnTo>
+                  <a:pt x="0" y="120000"/>
+                </a:lnTo>
+                <a:close/>
+              </a:path>
+            </a:pathLst>
+          </a:custGeom>
+        </p:spPr>
+      </p:sp>
+      <p:sp>
+        <p:nvSpPr>
+          <p:cNvPr id="71" name="Google Shape;71;gac10fef634_0_16:notes"/>
+          <p:cNvSpPr txBox="1">
+            <a:spLocks noGrp="1"/>
+          </p:cNvSpPr>
+          <p:nvPr>
+            <p:ph type="body" idx="1"/>
+          </p:nvPr>
+        </p:nvSpPr>
+        <p:spPr>
+          <a:xfrm>
+            <a:off x="685800" y="4343400"/>
+            <a:ext cx="5486400" cy="4114800"/>
+          </a:xfrm>
+          <a:prstGeom prst="rect">
+            <a:avLst/>
+          </a:prstGeom>
+        </p:spPr>
+        <p:txBody>
+          <a:bodyPr spcFirstLastPara="1" wrap="square" lIns="91425" tIns="91425" rIns="91425" bIns="91425" anchor="t" anchorCtr="0">
+            <a:noAutofit/>
+          </a:bodyPr>
+          <a:lstStyle/>
+          <a:p>
+            <a:pPr marL="0" lvl="0" indent="0" algn="l" rtl="0">
+              <a:spcBef>
+                <a:spcPts val="0"/>
+              </a:spcBef>
+              <a:spcAft>
+                <a:spcPts val="0"/>
+              </a:spcAft>
+              <a:buNone/>
+            </a:pPr>
+            <a:endParaRPr/>
+          </a:p>
+        </p:txBody>
+      </p:sp>
+    </p:spTree>
+    <p:extLst>
+      <p:ext uri="{BB962C8B-B14F-4D97-AF65-F5344CB8AC3E}">
+        <p14:creationId xmlns:p14="http://schemas.microsoft.com/office/powerpoint/2010/main" val="2361206653"/>
+      </p:ext>
+    </p:extLst>
+  </p:cSld>
+  <p:clrMapOvr>
+    <a:masterClrMapping/>
+  </p:clrMapOvr>
+</p:notes>
+</file>
+
+<file path=ppt/notesSlides/notesSlide7.xml><?xml version="1.0" encoding="utf-8"?>
+<p:notes xmlns:a="http://schemas.openxmlformats.org/drawingml/2006/main" xmlns:r="http://schemas.openxmlformats.org/officeDocument/2006/relationships" xmlns:p="http://schemas.openxmlformats.org/presentationml/2006/main" showMasterSp="0" showMasterPhAnim="0">
+  <p:cSld>
+    <p:spTree>
+      <p:nvGrpSpPr>
+        <p:cNvPr id="1" name="Shape 74"/>
+        <p:cNvGrpSpPr/>
+        <p:nvPr/>
+      </p:nvGrpSpPr>
+      <p:grpSpPr>
+        <a:xfrm>
+          <a:off x="0" y="0"/>
+          <a:ext cx="0" cy="0"/>
+          <a:chOff x="0" y="0"/>
+          <a:chExt cx="0" cy="0"/>
+        </a:xfrm>
+      </p:grpSpPr>
+      <p:sp>
+        <p:nvSpPr>
+          <p:cNvPr id="75" name="Google Shape;75;gac10fef634_0_20:notes"/>
+          <p:cNvSpPr>
+            <a:spLocks noGrp="1" noRot="1" noChangeAspect="1"/>
+          </p:cNvSpPr>
+          <p:nvPr>
+            <p:ph type="sldImg" idx="2"/>
+          </p:nvPr>
+        </p:nvSpPr>
+        <p:spPr>
+          <a:xfrm>
+            <a:off x="381000" y="685800"/>
+            <a:ext cx="6096000" cy="3429000"/>
+          </a:xfrm>
+          <a:custGeom>
+            <a:avLst/>
+            <a:gdLst/>
+            <a:ahLst/>
+            <a:cxnLst/>
+            <a:rect l="l" t="t" r="r" b="b"/>
+            <a:pathLst>
+              <a:path w="120000" h="120000" extrusionOk="0">
+                <a:moveTo>
+                  <a:pt x="0" y="0"/>
+                </a:moveTo>
+                <a:lnTo>
+                  <a:pt x="120000" y="0"/>
+                </a:lnTo>
+                <a:lnTo>
+                  <a:pt x="120000" y="120000"/>
+                </a:lnTo>
+                <a:lnTo>
+                  <a:pt x="0" y="120000"/>
+                </a:lnTo>
+                <a:close/>
+              </a:path>
+            </a:pathLst>
+          </a:custGeom>
+        </p:spPr>
+      </p:sp>
+      <p:sp>
+        <p:nvSpPr>
+          <p:cNvPr id="76" name="Google Shape;76;gac10fef634_0_20:notes"/>
+          <p:cNvSpPr txBox="1">
+            <a:spLocks noGrp="1"/>
+          </p:cNvSpPr>
+          <p:nvPr>
+            <p:ph type="body" idx="1"/>
+          </p:nvPr>
+        </p:nvSpPr>
+        <p:spPr>
+          <a:xfrm>
+            <a:off x="685800" y="4343400"/>
+            <a:ext cx="5486400" cy="4114800"/>
+          </a:xfrm>
+          <a:prstGeom prst="rect">
+            <a:avLst/>
+          </a:prstGeom>
+        </p:spPr>
+        <p:txBody>
+          <a:bodyPr spcFirstLastPara="1" wrap="square" lIns="91425" tIns="91425" rIns="91425" bIns="91425" anchor="t" anchorCtr="0">
+            <a:noAutofit/>
+          </a:bodyPr>
+          <a:lstStyle/>
+          <a:p>
+            <a:pPr marL="0" lvl="0" indent="0" algn="l" rtl="0">
+              <a:spcBef>
+                <a:spcPts val="0"/>
+              </a:spcBef>
+              <a:spcAft>
+                <a:spcPts val="0"/>
+              </a:spcAft>
+              <a:buNone/>
+            </a:pPr>
+            <a:endParaRPr/>
+          </a:p>
+        </p:txBody>
+      </p:sp>
+    </p:spTree>
+    <p:extLst>
+      <p:ext uri="{BB962C8B-B14F-4D97-AF65-F5344CB8AC3E}">
+        <p14:creationId xmlns:p14="http://schemas.microsoft.com/office/powerpoint/2010/main" val="4041328121"/>
+      </p:ext>
+    </p:extLst>
+  </p:cSld>
+  <p:clrMapOvr>
+    <a:masterClrMapping/>
+  </p:clrMapOvr>
+</p:notes>
+</file>
+
+<file path=ppt/notesSlides/notesSlide8.xml><?xml version="1.0" encoding="utf-8"?>
+<p:notes xmlns:a="http://schemas.openxmlformats.org/drawingml/2006/main" xmlns:r="http://schemas.openxmlformats.org/officeDocument/2006/relationships" xmlns:p="http://schemas.openxmlformats.org/presentationml/2006/main" showMasterSp="0" showMasterPhAnim="0">
+  <p:cSld>
+    <p:spTree>
+      <p:nvGrpSpPr>
         <p:cNvPr id="1" name="Shape 80"/>
         <p:cNvGrpSpPr/>
         <p:nvPr/>
@@ -1385,7 +1788,7 @@
 </p:notes>
 </file>
 
-<file path=ppt/notesSlides/notesSlide7.xml><?xml version="1.0" encoding="utf-8"?>
+<file path=ppt/notesSlides/notesSlide9.xml><?xml version="1.0" encoding="utf-8"?>
 <p:notes xmlns:a="http://schemas.openxmlformats.org/drawingml/2006/main" xmlns:r="http://schemas.openxmlformats.org/officeDocument/2006/relationships" xmlns:p="http://schemas.openxmlformats.org/presentationml/2006/main" showMasterSp="0" showMasterPhAnim="0">
   <p:cSld>
     <p:spTree>
@@ -6379,11 +6782,6 @@
               </a:rPr>
               <a:t> Repository: </a:t>
             </a:r>
-            <a:endParaRPr sz="2000" b="1" dirty="0">
-              <a:solidFill>
-                <a:srgbClr val="274E13"/>
-              </a:solidFill>
-            </a:endParaRPr>
           </a:p>
           <a:p>
             <a:pPr marL="0" lvl="0" indent="0" algn="l" rtl="0">
@@ -6403,7 +6801,16 @@
               <a:buFont typeface="Arial"/>
               <a:buNone/>
             </a:pPr>
-            <a:endParaRPr sz="2000">
+            <a:r>
+              <a:rPr lang="en-NZ" sz="2000" b="1" dirty="0">
+                <a:solidFill>
+                  <a:srgbClr val="274E13"/>
+                </a:solidFill>
+                <a:hlinkClick r:id="rId3"/>
+              </a:rPr>
+              <a:t>github</a:t>
+            </a:r>
+            <a:endParaRPr sz="2000" b="1" dirty="0">
               <a:solidFill>
                 <a:srgbClr val="274E13"/>
               </a:solidFill>
@@ -6451,7 +6858,39 @@
               </a:rPr>
               <a:t> board / project management tools:</a:t>
             </a:r>
-            <a:endParaRPr sz="2000" dirty="0"/>
+          </a:p>
+          <a:p>
+            <a:pPr marL="0" lvl="0" indent="0" algn="l" rtl="0">
+              <a:lnSpc>
+                <a:spcPct val="100000"/>
+              </a:lnSpc>
+              <a:spcBef>
+                <a:spcPts val="0"/>
+              </a:spcBef>
+              <a:spcAft>
+                <a:spcPts val="0"/>
+              </a:spcAft>
+              <a:buClr>
+                <a:schemeClr val="dk1"/>
+              </a:buClr>
+              <a:buSzPts val="1100"/>
+              <a:buFont typeface="Arial"/>
+              <a:buNone/>
+            </a:pPr>
+            <a:r>
+              <a:rPr lang="en-NZ" sz="2000" b="1" dirty="0">
+                <a:solidFill>
+                  <a:srgbClr val="274E13"/>
+                </a:solidFill>
+                <a:hlinkClick r:id="rId4"/>
+              </a:rPr>
+              <a:t>planner</a:t>
+            </a:r>
+            <a:endParaRPr lang="en" sz="2000" b="1" dirty="0">
+              <a:solidFill>
+                <a:srgbClr val="274E13"/>
+              </a:solidFill>
+            </a:endParaRPr>
           </a:p>
         </p:txBody>
       </p:sp>
@@ -6500,14 +6939,30 @@
                         <a:buNone/>
                       </a:pPr>
                       <a:r>
-                        <a:rPr lang="en" sz="2000" b="1" i="1">
+                        <a:rPr lang="en" sz="2000" b="1" i="1" dirty="0">
                           <a:solidFill>
                             <a:srgbClr val="990000"/>
                           </a:solidFill>
                         </a:rPr>
-                        <a:t>You MUST provide evidence showing how the problem has been decomposed, how the components have been developed and trialled, and of how they have been assembled and tested to create a final, working outcome.</a:t>
+                        <a:t>You MUST provide evidence showing how the problem has been decomposed, how the components have been developed and </a:t>
                       </a:r>
-                      <a:endParaRPr sz="2000" b="1" i="1">
+                      <a:r>
+                        <a:rPr lang="en" sz="2000" b="1" i="1" dirty="0" err="1">
+                          <a:solidFill>
+                            <a:srgbClr val="990000"/>
+                          </a:solidFill>
+                        </a:rPr>
+                        <a:t>trialled</a:t>
+                      </a:r>
+                      <a:r>
+                        <a:rPr lang="en" sz="2000" b="1" i="1" dirty="0">
+                          <a:solidFill>
+                            <a:srgbClr val="990000"/>
+                          </a:solidFill>
+                        </a:rPr>
+                        <a:t>, and of how they have been assembled and tested to create a final, working outcome.</a:t>
+                      </a:r>
+                      <a:endParaRPr sz="2000" b="1" i="1" dirty="0">
                         <a:solidFill>
                           <a:srgbClr val="990000"/>
                         </a:solidFill>
@@ -6767,48 +7222,36 @@
           </a:p>
         </p:txBody>
       </p:sp>
-      <p:sp>
-        <p:nvSpPr>
-          <p:cNvPr id="68" name="Google Shape;68;p15"/>
-          <p:cNvSpPr txBox="1">
-            <a:spLocks noGrp="1"/>
-          </p:cNvSpPr>
-          <p:nvPr>
-            <p:ph type="body" idx="1"/>
-          </p:nvPr>
-        </p:nvSpPr>
+      <p:pic>
+        <p:nvPicPr>
+          <p:cNvPr id="2" name="Picture 1">
+            <a:extLst>
+              <a:ext uri="{FF2B5EF4-FFF2-40B4-BE49-F238E27FC236}">
+                <a16:creationId xmlns:a16="http://schemas.microsoft.com/office/drawing/2014/main" id="{B931585D-67AC-65AB-643E-E7634C4A0A3E}"/>
+              </a:ext>
+            </a:extLst>
+          </p:cNvPr>
+          <p:cNvPicPr>
+            <a:picLocks noChangeAspect="1"/>
+          </p:cNvPicPr>
+          <p:nvPr/>
+        </p:nvPicPr>
+        <p:blipFill>
+          <a:blip r:embed="rId3"/>
+          <a:stretch>
+            <a:fillRect/>
+          </a:stretch>
+        </p:blipFill>
         <p:spPr>
           <a:xfrm>
-            <a:off x="311700" y="1152475"/>
-            <a:ext cx="8424300" cy="1180800"/>
+            <a:off x="2006850" y="1113183"/>
+            <a:ext cx="5485642" cy="3855389"/>
           </a:xfrm>
           <a:prstGeom prst="rect">
             <a:avLst/>
           </a:prstGeom>
         </p:spPr>
-        <p:txBody>
-          <a:bodyPr spcFirstLastPara="1" wrap="square" lIns="91425" tIns="91425" rIns="91425" bIns="91425" anchor="t" anchorCtr="0">
-            <a:noAutofit/>
-          </a:bodyPr>
-          <a:lstStyle/>
-          <a:p>
-            <a:pPr marL="0" lvl="0" indent="0" algn="l" rtl="0">
-              <a:spcBef>
-                <a:spcPts val="0"/>
-              </a:spcBef>
-              <a:spcAft>
-                <a:spcPts val="1600"/>
-              </a:spcAft>
-              <a:buNone/>
-            </a:pPr>
-            <a:r>
-              <a:rPr lang="en" i="1"/>
-              <a:t>Paste screenshots of your initial Trello board / task decomposition on this slide.  If you have a long list, you might need to break it up into several columns.  Delete this instruction when you are done.</a:t>
-            </a:r>
-            <a:endParaRPr i="1"/>
-          </a:p>
-        </p:txBody>
-      </p:sp>
+      </p:pic>
     </p:spTree>
   </p:cSld>
   <p:clrMapOvr>
@@ -6877,13 +7320,43 @@
               <a:buNone/>
             </a:pPr>
             <a:r>
-              <a:rPr lang="en"/>
-              <a:t>Component 1 (Trello screenshot)</a:t>
+              <a:rPr lang="en" dirty="0"/>
+              <a:t>Component 1</a:t>
             </a:r>
-            <a:endParaRPr/>
+            <a:endParaRPr dirty="0"/>
           </a:p>
         </p:txBody>
       </p:sp>
+      <p:pic>
+        <p:nvPicPr>
+          <p:cNvPr id="2" name="Picture 1">
+            <a:extLst>
+              <a:ext uri="{FF2B5EF4-FFF2-40B4-BE49-F238E27FC236}">
+                <a16:creationId xmlns:a16="http://schemas.microsoft.com/office/drawing/2014/main" id="{37A45D8F-E441-8C22-54AD-FE2695590B55}"/>
+              </a:ext>
+            </a:extLst>
+          </p:cNvPr>
+          <p:cNvPicPr>
+            <a:picLocks noChangeAspect="1"/>
+          </p:cNvPicPr>
+          <p:nvPr/>
+        </p:nvPicPr>
+        <p:blipFill>
+          <a:blip r:embed="rId3"/>
+          <a:stretch>
+            <a:fillRect/>
+          </a:stretch>
+        </p:blipFill>
+        <p:spPr>
+          <a:xfrm>
+            <a:off x="606287" y="1618167"/>
+            <a:ext cx="7772400" cy="2384244"/>
+          </a:xfrm>
+          <a:prstGeom prst="rect">
+            <a:avLst/>
+          </a:prstGeom>
+        </p:spPr>
+      </p:pic>
     </p:spTree>
   </p:cSld>
   <p:clrMapOvr>
@@ -6944,10 +7417,374 @@
               <a:buNone/>
             </a:pPr>
             <a:r>
-              <a:rPr lang="en"/>
-              <a:t>Component 1 - Test Plan (?and screenshot)</a:t>
+              <a:rPr lang="en" dirty="0"/>
+              <a:t>Component 1 - Test Plan (and screenshot)</a:t>
             </a:r>
-            <a:endParaRPr/>
+            <a:endParaRPr dirty="0"/>
+          </a:p>
+        </p:txBody>
+      </p:sp>
+      <p:graphicFrame>
+        <p:nvGraphicFramePr>
+          <p:cNvPr id="79" name="Google Shape;79;p17"/>
+          <p:cNvGraphicFramePr/>
+          <p:nvPr>
+            <p:extLst>
+              <p:ext uri="{D42A27DB-BD31-4B8C-83A1-F6EECF244321}">
+                <p14:modId xmlns:p14="http://schemas.microsoft.com/office/powerpoint/2010/main" val="884988926"/>
+              </p:ext>
+            </p:extLst>
+          </p:nvPr>
+        </p:nvGraphicFramePr>
+        <p:xfrm>
+          <a:off x="454824" y="2743655"/>
+          <a:ext cx="8520600" cy="1462980"/>
+        </p:xfrm>
+        <a:graphic>
+          <a:graphicData uri="http://schemas.openxmlformats.org/drawingml/2006/table">
+            <a:tbl>
+              <a:tblPr>
+                <a:noFill/>
+                <a:tableStyleId>{E1099E06-0E6B-448D-9D27-60429F06E6F4}</a:tableStyleId>
+              </a:tblPr>
+              <a:tblGrid>
+                <a:gridCol w="4260300">
+                  <a:extLst>
+                    <a:ext uri="{9D8B030D-6E8A-4147-A177-3AD203B41FA5}">
+                      <a16:colId xmlns:a16="http://schemas.microsoft.com/office/drawing/2014/main" val="20000"/>
+                    </a:ext>
+                  </a:extLst>
+                </a:gridCol>
+                <a:gridCol w="4260300">
+                  <a:extLst>
+                    <a:ext uri="{9D8B030D-6E8A-4147-A177-3AD203B41FA5}">
+                      <a16:colId xmlns:a16="http://schemas.microsoft.com/office/drawing/2014/main" val="20001"/>
+                    </a:ext>
+                  </a:extLst>
+                </a:gridCol>
+              </a:tblGrid>
+              <a:tr h="312906">
+                <a:tc>
+                  <a:txBody>
+                    <a:bodyPr/>
+                    <a:lstStyle/>
+                    <a:p>
+                      <a:pPr marL="0" lvl="0" indent="0" algn="l" rtl="0">
+                        <a:spcBef>
+                          <a:spcPts val="0"/>
+                        </a:spcBef>
+                        <a:spcAft>
+                          <a:spcPts val="0"/>
+                        </a:spcAft>
+                        <a:buNone/>
+                      </a:pPr>
+                      <a:r>
+                        <a:rPr lang="en" sz="1800" b="1" dirty="0"/>
+                        <a:t>Test Case</a:t>
+                      </a:r>
+                      <a:endParaRPr sz="1800" b="1" dirty="0"/>
+                    </a:p>
+                  </a:txBody>
+                  <a:tcPr marL="91425" marR="91425" marT="91425" marB="91425">
+                    <a:solidFill>
+                      <a:srgbClr val="CCCCCC"/>
+                    </a:solidFill>
+                  </a:tcPr>
+                </a:tc>
+                <a:tc>
+                  <a:txBody>
+                    <a:bodyPr/>
+                    <a:lstStyle/>
+                    <a:p>
+                      <a:pPr marL="0" lvl="0" indent="0" algn="l" rtl="0">
+                        <a:spcBef>
+                          <a:spcPts val="0"/>
+                        </a:spcBef>
+                        <a:spcAft>
+                          <a:spcPts val="0"/>
+                        </a:spcAft>
+                        <a:buNone/>
+                      </a:pPr>
+                      <a:r>
+                        <a:rPr lang="en" sz="1800" b="1"/>
+                        <a:t>Expected Values</a:t>
+                      </a:r>
+                      <a:endParaRPr sz="1800" b="1"/>
+                    </a:p>
+                  </a:txBody>
+                  <a:tcPr marL="91425" marR="91425" marT="91425" marB="91425">
+                    <a:solidFill>
+                      <a:srgbClr val="CCCCCC"/>
+                    </a:solidFill>
+                  </a:tcPr>
+                </a:tc>
+                <a:extLst>
+                  <a:ext uri="{0D108BD9-81ED-4DB2-BD59-A6C34878D82A}">
+                    <a16:rowId xmlns:a16="http://schemas.microsoft.com/office/drawing/2014/main" val="10000"/>
+                  </a:ext>
+                </a:extLst>
+              </a:tr>
+              <a:tr h="396200">
+                <a:tc>
+                  <a:txBody>
+                    <a:bodyPr/>
+                    <a:lstStyle/>
+                    <a:p>
+                      <a:pPr marL="0" lvl="0" indent="0" algn="l" rtl="0">
+                        <a:spcBef>
+                          <a:spcPts val="0"/>
+                        </a:spcBef>
+                        <a:spcAft>
+                          <a:spcPts val="0"/>
+                        </a:spcAft>
+                        <a:buNone/>
+                      </a:pPr>
+                      <a:r>
+                        <a:rPr lang="en-US" sz="1800" dirty="0"/>
+                        <a:t>Run program</a:t>
+                      </a:r>
+                      <a:endParaRPr sz="1800" dirty="0"/>
+                    </a:p>
+                  </a:txBody>
+                  <a:tcPr marL="91425" marR="91425" marT="91425" marB="91425"/>
+                </a:tc>
+                <a:tc>
+                  <a:txBody>
+                    <a:bodyPr/>
+                    <a:lstStyle/>
+                    <a:p>
+                      <a:pPr marL="0" lvl="0" indent="0" algn="l" rtl="0">
+                        <a:spcBef>
+                          <a:spcPts val="0"/>
+                        </a:spcBef>
+                        <a:spcAft>
+                          <a:spcPts val="0"/>
+                        </a:spcAft>
+                        <a:buNone/>
+                      </a:pPr>
+                      <a:r>
+                        <a:rPr lang="en-US" sz="1800" dirty="0"/>
+                        <a:t>Print welcome message with random name from list of names – Runs correctly</a:t>
+                      </a:r>
+                      <a:endParaRPr sz="1800" dirty="0"/>
+                    </a:p>
+                  </a:txBody>
+                  <a:tcPr marL="91425" marR="91425" marT="91425" marB="91425"/>
+                </a:tc>
+                <a:extLst>
+                  <a:ext uri="{0D108BD9-81ED-4DB2-BD59-A6C34878D82A}">
+                    <a16:rowId xmlns:a16="http://schemas.microsoft.com/office/drawing/2014/main" val="10001"/>
+                  </a:ext>
+                </a:extLst>
+              </a:tr>
+            </a:tbl>
+          </a:graphicData>
+        </a:graphic>
+      </p:graphicFrame>
+      <p:pic>
+        <p:nvPicPr>
+          <p:cNvPr id="5" name="Picture 4">
+            <a:extLst>
+              <a:ext uri="{FF2B5EF4-FFF2-40B4-BE49-F238E27FC236}">
+                <a16:creationId xmlns:a16="http://schemas.microsoft.com/office/drawing/2014/main" id="{D0CAAE50-CBFC-E53B-87F3-FD0C81546649}"/>
+              </a:ext>
+            </a:extLst>
+          </p:cNvPr>
+          <p:cNvPicPr>
+            <a:picLocks noChangeAspect="1"/>
+          </p:cNvPicPr>
+          <p:nvPr/>
+        </p:nvPicPr>
+        <p:blipFill>
+          <a:blip r:embed="rId3"/>
+          <a:stretch>
+            <a:fillRect/>
+          </a:stretch>
+        </p:blipFill>
+        <p:spPr>
+          <a:xfrm>
+            <a:off x="4570413" y="1123126"/>
+            <a:ext cx="4573587" cy="472478"/>
+          </a:xfrm>
+          <a:prstGeom prst="rect">
+            <a:avLst/>
+          </a:prstGeom>
+        </p:spPr>
+      </p:pic>
+      <p:pic>
+        <p:nvPicPr>
+          <p:cNvPr id="6" name="Picture 5">
+            <a:extLst>
+              <a:ext uri="{FF2B5EF4-FFF2-40B4-BE49-F238E27FC236}">
+                <a16:creationId xmlns:a16="http://schemas.microsoft.com/office/drawing/2014/main" id="{1227600E-64C5-7BB4-F862-ACB307798D3B}"/>
+              </a:ext>
+            </a:extLst>
+          </p:cNvPr>
+          <p:cNvPicPr>
+            <a:picLocks noChangeAspect="1"/>
+          </p:cNvPicPr>
+          <p:nvPr/>
+        </p:nvPicPr>
+        <p:blipFill>
+          <a:blip r:embed="rId4"/>
+          <a:stretch>
+            <a:fillRect/>
+          </a:stretch>
+        </p:blipFill>
+        <p:spPr>
+          <a:xfrm>
+            <a:off x="176177" y="1084864"/>
+            <a:ext cx="4394236" cy="1486886"/>
+          </a:xfrm>
+          <a:prstGeom prst="rect">
+            <a:avLst/>
+          </a:prstGeom>
+        </p:spPr>
+      </p:pic>
+    </p:spTree>
+  </p:cSld>
+  <p:clrMapOvr>
+    <a:masterClrMapping/>
+  </p:clrMapOvr>
+</p:sld>
+</file>
+
+<file path=ppt/slides/slide6.xml><?xml version="1.0" encoding="utf-8"?>
+<p:sld xmlns:a="http://schemas.openxmlformats.org/drawingml/2006/main" xmlns:r="http://schemas.openxmlformats.org/officeDocument/2006/relationships" xmlns:p="http://schemas.openxmlformats.org/presentationml/2006/main">
+  <p:cSld>
+    <p:bg>
+      <p:bgPr>
+        <a:solidFill>
+          <a:srgbClr val="D9EAD3"/>
+        </a:solidFill>
+        <a:effectLst/>
+      </p:bgPr>
+    </p:bg>
+    <p:spTree>
+      <p:nvGrpSpPr>
+        <p:cNvPr id="1" name="Shape 72"/>
+        <p:cNvGrpSpPr/>
+        <p:nvPr/>
+      </p:nvGrpSpPr>
+      <p:grpSpPr>
+        <a:xfrm>
+          <a:off x="0" y="0"/>
+          <a:ext cx="0" cy="0"/>
+          <a:chOff x="0" y="0"/>
+          <a:chExt cx="0" cy="0"/>
+        </a:xfrm>
+      </p:grpSpPr>
+      <p:sp>
+        <p:nvSpPr>
+          <p:cNvPr id="73" name="Google Shape;73;p16"/>
+          <p:cNvSpPr txBox="1">
+            <a:spLocks noGrp="1"/>
+          </p:cNvSpPr>
+          <p:nvPr>
+            <p:ph type="title"/>
+          </p:nvPr>
+        </p:nvSpPr>
+        <p:spPr>
+          <a:xfrm>
+            <a:off x="311700" y="445025"/>
+            <a:ext cx="8520600" cy="572700"/>
+          </a:xfrm>
+          <a:prstGeom prst="rect">
+            <a:avLst/>
+          </a:prstGeom>
+        </p:spPr>
+        <p:txBody>
+          <a:bodyPr spcFirstLastPara="1" wrap="square" lIns="91425" tIns="91425" rIns="91425" bIns="91425" anchor="t" anchorCtr="0">
+            <a:noAutofit/>
+          </a:bodyPr>
+          <a:lstStyle/>
+          <a:p>
+            <a:pPr marL="0" lvl="0" indent="0" algn="l" rtl="0">
+              <a:spcBef>
+                <a:spcPts val="0"/>
+              </a:spcBef>
+              <a:spcAft>
+                <a:spcPts val="0"/>
+              </a:spcAft>
+              <a:buNone/>
+            </a:pPr>
+            <a:r>
+              <a:rPr lang="en" dirty="0"/>
+              <a:t>Component 2 (Trello screenshot)</a:t>
+            </a:r>
+            <a:endParaRPr dirty="0"/>
+          </a:p>
+        </p:txBody>
+      </p:sp>
+    </p:spTree>
+    <p:extLst>
+      <p:ext uri="{BB962C8B-B14F-4D97-AF65-F5344CB8AC3E}">
+        <p14:creationId xmlns:p14="http://schemas.microsoft.com/office/powerpoint/2010/main" val="1524299445"/>
+      </p:ext>
+    </p:extLst>
+  </p:cSld>
+  <p:clrMapOvr>
+    <a:masterClrMapping/>
+  </p:clrMapOvr>
+</p:sld>
+</file>
+
+<file path=ppt/slides/slide7.xml><?xml version="1.0" encoding="utf-8"?>
+<p:sld xmlns:a="http://schemas.openxmlformats.org/drawingml/2006/main" xmlns:r="http://schemas.openxmlformats.org/officeDocument/2006/relationships" xmlns:p="http://schemas.openxmlformats.org/presentationml/2006/main">
+  <p:cSld>
+    <p:spTree>
+      <p:nvGrpSpPr>
+        <p:cNvPr id="1" name="Shape 77"/>
+        <p:cNvGrpSpPr/>
+        <p:nvPr/>
+      </p:nvGrpSpPr>
+      <p:grpSpPr>
+        <a:xfrm>
+          <a:off x="0" y="0"/>
+          <a:ext cx="0" cy="0"/>
+          <a:chOff x="0" y="0"/>
+          <a:chExt cx="0" cy="0"/>
+        </a:xfrm>
+      </p:grpSpPr>
+      <p:sp>
+        <p:nvSpPr>
+          <p:cNvPr id="78" name="Google Shape;78;p17"/>
+          <p:cNvSpPr txBox="1">
+            <a:spLocks noGrp="1"/>
+          </p:cNvSpPr>
+          <p:nvPr>
+            <p:ph type="title"/>
+          </p:nvPr>
+        </p:nvSpPr>
+        <p:spPr>
+          <a:xfrm>
+            <a:off x="311700" y="445025"/>
+            <a:ext cx="8520600" cy="572700"/>
+          </a:xfrm>
+          <a:prstGeom prst="rect">
+            <a:avLst/>
+          </a:prstGeom>
+        </p:spPr>
+        <p:txBody>
+          <a:bodyPr spcFirstLastPara="1" wrap="square" lIns="91425" tIns="91425" rIns="91425" bIns="91425" anchor="t" anchorCtr="0">
+            <a:noAutofit/>
+          </a:bodyPr>
+          <a:lstStyle/>
+          <a:p>
+            <a:pPr marL="0" lvl="0" indent="0" algn="l" rtl="0">
+              <a:spcBef>
+                <a:spcPts val="0"/>
+              </a:spcBef>
+              <a:spcAft>
+                <a:spcPts val="0"/>
+              </a:spcAft>
+              <a:buNone/>
+            </a:pPr>
+            <a:r>
+              <a:rPr lang="en" dirty="0"/>
+              <a:t>Component 2 - Test Plan (?and screenshot)</a:t>
+            </a:r>
+            <a:endParaRPr dirty="0"/>
           </a:p>
         </p:txBody>
       </p:sp>
@@ -7095,6 +7932,11 @@
         </a:graphic>
       </p:graphicFrame>
     </p:spTree>
+    <p:extLst>
+      <p:ext uri="{BB962C8B-B14F-4D97-AF65-F5344CB8AC3E}">
+        <p14:creationId xmlns:p14="http://schemas.microsoft.com/office/powerpoint/2010/main" val="504931959"/>
+      </p:ext>
+    </p:extLst>
   </p:cSld>
   <p:clrMapOvr>
     <a:masterClrMapping/>
@@ -7102,7 +7944,7 @@
 </p:sld>
 </file>
 
-<file path=ppt/slides/slide6.xml><?xml version="1.0" encoding="utf-8"?>
+<file path=ppt/slides/slide8.xml><?xml version="1.0" encoding="utf-8"?>
 <p:sld xmlns:a="http://schemas.openxmlformats.org/drawingml/2006/main" xmlns:r="http://schemas.openxmlformats.org/officeDocument/2006/relationships" xmlns:p="http://schemas.openxmlformats.org/presentationml/2006/main">
   <p:cSld>
     <p:bg>
@@ -7219,7 +8061,7 @@
 </p:sld>
 </file>
 
-<file path=ppt/slides/slide7.xml><?xml version="1.0" encoding="utf-8"?>
+<file path=ppt/slides/slide9.xml><?xml version="1.0" encoding="utf-8"?>
 <p:sld xmlns:a="http://schemas.openxmlformats.org/drawingml/2006/main" xmlns:r="http://schemas.openxmlformats.org/officeDocument/2006/relationships" xmlns:p="http://schemas.openxmlformats.org/presentationml/2006/main">
   <p:cSld>
     <p:bg>

--- a/Python.pptx
+++ b/Python.pptx
@@ -5,7 +5,7 @@
     <p:sldMasterId id="2147483659" r:id="rId1"/>
   </p:sldMasterIdLst>
   <p:notesMasterIdLst>
-    <p:notesMasterId r:id="rId11"/>
+    <p:notesMasterId r:id="rId12"/>
   </p:notesMasterIdLst>
   <p:sldIdLst>
     <p:sldId id="256" r:id="rId2"/>
@@ -13,10 +13,11 @@
     <p:sldId id="258" r:id="rId4"/>
     <p:sldId id="259" r:id="rId5"/>
     <p:sldId id="260" r:id="rId6"/>
-    <p:sldId id="263" r:id="rId7"/>
-    <p:sldId id="264" r:id="rId8"/>
-    <p:sldId id="261" r:id="rId9"/>
-    <p:sldId id="262" r:id="rId10"/>
+    <p:sldId id="265" r:id="rId7"/>
+    <p:sldId id="263" r:id="rId8"/>
+    <p:sldId id="264" r:id="rId9"/>
+    <p:sldId id="261" r:id="rId10"/>
+    <p:sldId id="262" r:id="rId11"/>
   </p:sldIdLst>
   <p:sldSz cx="9144000" cy="5143500" type="screen16x9"/>
   <p:notesSz cx="6858000" cy="9144000"/>
@@ -271,7 +272,7 @@
 <file path=ppt/revisionInfo.xml><?xml version="1.0" encoding="utf-8"?>
 <p1510:revInfo xmlns:a="http://schemas.openxmlformats.org/drawingml/2006/main" xmlns:r="http://schemas.openxmlformats.org/officeDocument/2006/relationships" xmlns:p1510="http://schemas.microsoft.com/office/powerpoint/2015/10/main">
   <p1510:revLst>
-    <p1510:client id="{268579DD-9F3E-DD42-ADBD-2C5BCBEBF3D0}" v="12" dt="2023-05-09T05:27:58.790"/>
+    <p1510:client id="{268579DD-9F3E-DD42-ADBD-2C5BCBEBF3D0}" v="15" dt="2023-05-09T06:37:40.555"/>
   </p1510:revLst>
 </p1510:revInfo>
 </file>
@@ -281,7 +282,7 @@
   <pc:docChgLst>
     <pc:chgData name="Kaitlin Eustaquio" userId="1db1b819-5a69-4e28-a1f3-107bdd323ba9" providerId="ADAL" clId="{268579DD-9F3E-DD42-ADBD-2C5BCBEBF3D0}"/>
     <pc:docChg chg="undo custSel addSld delSld modSld sldOrd">
-      <pc:chgData name="Kaitlin Eustaquio" userId="1db1b819-5a69-4e28-a1f3-107bdd323ba9" providerId="ADAL" clId="{268579DD-9F3E-DD42-ADBD-2C5BCBEBF3D0}" dt="2023-05-09T05:28:02.915" v="190" actId="1076"/>
+      <pc:chgData name="Kaitlin Eustaquio" userId="1db1b819-5a69-4e28-a1f3-107bdd323ba9" providerId="ADAL" clId="{268579DD-9F3E-DD42-ADBD-2C5BCBEBF3D0}" dt="2023-05-09T06:37:49.302" v="316" actId="1076"/>
       <pc:docMkLst>
         <pc:docMk/>
       </pc:docMkLst>
@@ -332,7 +333,7 @@
         </pc:picChg>
       </pc:sldChg>
       <pc:sldChg chg="addSp modSp mod">
-        <pc:chgData name="Kaitlin Eustaquio" userId="1db1b819-5a69-4e28-a1f3-107bdd323ba9" providerId="ADAL" clId="{268579DD-9F3E-DD42-ADBD-2C5BCBEBF3D0}" dt="2023-05-09T05:02:54.936" v="35" actId="20577"/>
+        <pc:chgData name="Kaitlin Eustaquio" userId="1db1b819-5a69-4e28-a1f3-107bdd323ba9" providerId="ADAL" clId="{268579DD-9F3E-DD42-ADBD-2C5BCBEBF3D0}" dt="2023-05-09T06:37:49.302" v="316" actId="1076"/>
         <pc:sldMkLst>
           <pc:docMk/>
           <pc:sldMk cId="0" sldId="259"/>
@@ -346,11 +347,19 @@
           </ac:spMkLst>
         </pc:spChg>
         <pc:picChg chg="add mod">
-          <ac:chgData name="Kaitlin Eustaquio" userId="1db1b819-5a69-4e28-a1f3-107bdd323ba9" providerId="ADAL" clId="{268579DD-9F3E-DD42-ADBD-2C5BCBEBF3D0}" dt="2023-05-09T05:02:48.455" v="34" actId="1076"/>
+          <ac:chgData name="Kaitlin Eustaquio" userId="1db1b819-5a69-4e28-a1f3-107bdd323ba9" providerId="ADAL" clId="{268579DD-9F3E-DD42-ADBD-2C5BCBEBF3D0}" dt="2023-05-09T06:37:49.302" v="316" actId="1076"/>
           <ac:picMkLst>
             <pc:docMk/>
             <pc:sldMk cId="0" sldId="259"/>
             <ac:picMk id="2" creationId="{37A45D8F-E441-8C22-54AD-FE2695590B55}"/>
+          </ac:picMkLst>
+        </pc:picChg>
+        <pc:picChg chg="add mod">
+          <ac:chgData name="Kaitlin Eustaquio" userId="1db1b819-5a69-4e28-a1f3-107bdd323ba9" providerId="ADAL" clId="{268579DD-9F3E-DD42-ADBD-2C5BCBEBF3D0}" dt="2023-05-09T06:37:47.471" v="315" actId="1076"/>
+          <ac:picMkLst>
+            <pc:docMk/>
+            <pc:sldMk cId="0" sldId="259"/>
+            <ac:picMk id="3" creationId="{66F4099A-BB1A-53FE-4388-2A8E62082ED8}"/>
           </ac:picMkLst>
         </pc:picChg>
       </pc:sldChg>
@@ -453,6 +462,61 @@
           <pc:docMk/>
           <pc:sldMk cId="3170754785" sldId="264"/>
         </pc:sldMkLst>
+      </pc:sldChg>
+      <pc:sldChg chg="addSp delSp modSp add mod">
+        <pc:chgData name="Kaitlin Eustaquio" userId="1db1b819-5a69-4e28-a1f3-107bdd323ba9" providerId="ADAL" clId="{268579DD-9F3E-DD42-ADBD-2C5BCBEBF3D0}" dt="2023-05-09T06:36:45.693" v="307" actId="20577"/>
+        <pc:sldMkLst>
+          <pc:docMk/>
+          <pc:sldMk cId="4254561938" sldId="265"/>
+        </pc:sldMkLst>
+        <pc:spChg chg="mod">
+          <ac:chgData name="Kaitlin Eustaquio" userId="1db1b819-5a69-4e28-a1f3-107bdd323ba9" providerId="ADAL" clId="{268579DD-9F3E-DD42-ADBD-2C5BCBEBF3D0}" dt="2023-05-09T06:34:01.348" v="202" actId="20577"/>
+          <ac:spMkLst>
+            <pc:docMk/>
+            <pc:sldMk cId="4254561938" sldId="265"/>
+            <ac:spMk id="78" creationId="{00000000-0000-0000-0000-000000000000}"/>
+          </ac:spMkLst>
+        </pc:spChg>
+        <pc:graphicFrameChg chg="mod modGraphic">
+          <ac:chgData name="Kaitlin Eustaquio" userId="1db1b819-5a69-4e28-a1f3-107bdd323ba9" providerId="ADAL" clId="{268579DD-9F3E-DD42-ADBD-2C5BCBEBF3D0}" dt="2023-05-09T06:36:45.693" v="307" actId="20577"/>
+          <ac:graphicFrameMkLst>
+            <pc:docMk/>
+            <pc:sldMk cId="4254561938" sldId="265"/>
+            <ac:graphicFrameMk id="79" creationId="{00000000-0000-0000-0000-000000000000}"/>
+          </ac:graphicFrameMkLst>
+        </pc:graphicFrameChg>
+        <pc:picChg chg="add mod">
+          <ac:chgData name="Kaitlin Eustaquio" userId="1db1b819-5a69-4e28-a1f3-107bdd323ba9" providerId="ADAL" clId="{268579DD-9F3E-DD42-ADBD-2C5BCBEBF3D0}" dt="2023-05-09T06:34:57.804" v="208" actId="14100"/>
+          <ac:picMkLst>
+            <pc:docMk/>
+            <pc:sldMk cId="4254561938" sldId="265"/>
+            <ac:picMk id="2" creationId="{1EC52B93-9C4A-0CC2-D468-E20C5511DA77}"/>
+          </ac:picMkLst>
+        </pc:picChg>
+        <pc:picChg chg="add mod">
+          <ac:chgData name="Kaitlin Eustaquio" userId="1db1b819-5a69-4e28-a1f3-107bdd323ba9" providerId="ADAL" clId="{268579DD-9F3E-DD42-ADBD-2C5BCBEBF3D0}" dt="2023-05-09T06:35:40.101" v="212" actId="1076"/>
+          <ac:picMkLst>
+            <pc:docMk/>
+            <pc:sldMk cId="4254561938" sldId="265"/>
+            <ac:picMk id="3" creationId="{A4FA6C18-DDAF-B2D2-B776-35E88547B1BE}"/>
+          </ac:picMkLst>
+        </pc:picChg>
+        <pc:picChg chg="del">
+          <ac:chgData name="Kaitlin Eustaquio" userId="1db1b819-5a69-4e28-a1f3-107bdd323ba9" providerId="ADAL" clId="{268579DD-9F3E-DD42-ADBD-2C5BCBEBF3D0}" dt="2023-05-09T06:18:05.268" v="193" actId="478"/>
+          <ac:picMkLst>
+            <pc:docMk/>
+            <pc:sldMk cId="4254561938" sldId="265"/>
+            <ac:picMk id="5" creationId="{D0CAAE50-CBFC-E53B-87F3-FD0C81546649}"/>
+          </ac:picMkLst>
+        </pc:picChg>
+        <pc:picChg chg="del">
+          <ac:chgData name="Kaitlin Eustaquio" userId="1db1b819-5a69-4e28-a1f3-107bdd323ba9" providerId="ADAL" clId="{268579DD-9F3E-DD42-ADBD-2C5BCBEBF3D0}" dt="2023-05-09T06:18:04.484" v="192" actId="478"/>
+          <ac:picMkLst>
+            <pc:docMk/>
+            <pc:sldMk cId="4254561938" sldId="265"/>
+            <ac:picMk id="6" creationId="{1227600E-64C5-7BB4-F862-ACB307798D3B}"/>
+          </ac:picMkLst>
+        </pc:picChg>
       </pc:sldChg>
     </pc:docChg>
   </pc:docChgLst>
@@ -1004,6 +1068,114 @@
 </p:notes>
 </file>
 
+<file path=ppt/notesSlides/notesSlide10.xml><?xml version="1.0" encoding="utf-8"?>
+<p:notes xmlns:a="http://schemas.openxmlformats.org/drawingml/2006/main" xmlns:r="http://schemas.openxmlformats.org/officeDocument/2006/relationships" xmlns:p="http://schemas.openxmlformats.org/presentationml/2006/main" showMasterSp="0" showMasterPhAnim="0">
+  <p:cSld>
+    <p:spTree>
+      <p:nvGrpSpPr>
+        <p:cNvPr id="1" name="Shape 86"/>
+        <p:cNvGrpSpPr/>
+        <p:nvPr/>
+      </p:nvGrpSpPr>
+      <p:grpSpPr>
+        <a:xfrm>
+          <a:off x="0" y="0"/>
+          <a:ext cx="0" cy="0"/>
+          <a:chOff x="0" y="0"/>
+          <a:chExt cx="0" cy="0"/>
+        </a:xfrm>
+      </p:grpSpPr>
+      <p:sp>
+        <p:nvSpPr>
+          <p:cNvPr id="87" name="Google Shape;87;gac10fef634_0_30:notes"/>
+          <p:cNvSpPr>
+            <a:spLocks noGrp="1" noRot="1" noChangeAspect="1"/>
+          </p:cNvSpPr>
+          <p:nvPr>
+            <p:ph type="sldImg" idx="2"/>
+          </p:nvPr>
+        </p:nvSpPr>
+        <p:spPr>
+          <a:xfrm>
+            <a:off x="381000" y="685800"/>
+            <a:ext cx="6096000" cy="3429000"/>
+          </a:xfrm>
+          <a:custGeom>
+            <a:avLst/>
+            <a:gdLst/>
+            <a:ahLst/>
+            <a:cxnLst/>
+            <a:rect l="l" t="t" r="r" b="b"/>
+            <a:pathLst>
+              <a:path w="120000" h="120000" extrusionOk="0">
+                <a:moveTo>
+                  <a:pt x="0" y="0"/>
+                </a:moveTo>
+                <a:lnTo>
+                  <a:pt x="120000" y="0"/>
+                </a:lnTo>
+                <a:lnTo>
+                  <a:pt x="120000" y="120000"/>
+                </a:lnTo>
+                <a:lnTo>
+                  <a:pt x="0" y="120000"/>
+                </a:lnTo>
+                <a:close/>
+              </a:path>
+            </a:pathLst>
+          </a:custGeom>
+        </p:spPr>
+      </p:sp>
+      <p:sp>
+        <p:nvSpPr>
+          <p:cNvPr id="88" name="Google Shape;88;gac10fef634_0_30:notes"/>
+          <p:cNvSpPr txBox="1">
+            <a:spLocks noGrp="1"/>
+          </p:cNvSpPr>
+          <p:nvPr>
+            <p:ph type="body" idx="1"/>
+          </p:nvPr>
+        </p:nvSpPr>
+        <p:spPr>
+          <a:xfrm>
+            <a:off x="685800" y="4343400"/>
+            <a:ext cx="5486400" cy="4114800"/>
+          </a:xfrm>
+          <a:prstGeom prst="rect">
+            <a:avLst/>
+          </a:prstGeom>
+        </p:spPr>
+        <p:txBody>
+          <a:bodyPr spcFirstLastPara="1" wrap="square" lIns="91425" tIns="91425" rIns="91425" bIns="91425" anchor="t" anchorCtr="0">
+            <a:noAutofit/>
+          </a:bodyPr>
+          <a:lstStyle/>
+          <a:p>
+            <a:pPr marL="0" lvl="0" indent="0" algn="l" rtl="0">
+              <a:spcBef>
+                <a:spcPts val="0"/>
+              </a:spcBef>
+              <a:spcAft>
+                <a:spcPts val="0"/>
+              </a:spcAft>
+              <a:buNone/>
+            </a:pPr>
+            <a:r>
+              <a:rPr lang="en"/>
+              <a:t>Discusses how the information from planning, testing and trialling of components assisted in the development of a high-quality outcome</a:t>
+            </a:r>
+            <a:endParaRPr/>
+          </a:p>
+        </p:txBody>
+      </p:sp>
+    </p:spTree>
+  </p:cSld>
+  <p:clrMapOvr>
+    <a:masterClrMapping/>
+  </p:clrMapOvr>
+</p:notes>
+</file>
+
 <file path=ppt/notesSlides/notesSlide2.xml><?xml version="1.0" encoding="utf-8"?>
 <p:notes xmlns:a="http://schemas.openxmlformats.org/drawingml/2006/main" xmlns:r="http://schemas.openxmlformats.org/officeDocument/2006/relationships" xmlns:p="http://schemas.openxmlformats.org/presentationml/2006/main" showMasterSp="0" showMasterPhAnim="0">
   <p:cSld>
@@ -1450,6 +1622,115 @@
   <p:cSld>
     <p:spTree>
       <p:nvGrpSpPr>
+        <p:cNvPr id="1" name="Shape 74"/>
+        <p:cNvGrpSpPr/>
+        <p:nvPr/>
+      </p:nvGrpSpPr>
+      <p:grpSpPr>
+        <a:xfrm>
+          <a:off x="0" y="0"/>
+          <a:ext cx="0" cy="0"/>
+          <a:chOff x="0" y="0"/>
+          <a:chExt cx="0" cy="0"/>
+        </a:xfrm>
+      </p:grpSpPr>
+      <p:sp>
+        <p:nvSpPr>
+          <p:cNvPr id="75" name="Google Shape;75;gac10fef634_0_20:notes"/>
+          <p:cNvSpPr>
+            <a:spLocks noGrp="1" noRot="1" noChangeAspect="1"/>
+          </p:cNvSpPr>
+          <p:nvPr>
+            <p:ph type="sldImg" idx="2"/>
+          </p:nvPr>
+        </p:nvSpPr>
+        <p:spPr>
+          <a:xfrm>
+            <a:off x="381000" y="685800"/>
+            <a:ext cx="6096000" cy="3429000"/>
+          </a:xfrm>
+          <a:custGeom>
+            <a:avLst/>
+            <a:gdLst/>
+            <a:ahLst/>
+            <a:cxnLst/>
+            <a:rect l="l" t="t" r="r" b="b"/>
+            <a:pathLst>
+              <a:path w="120000" h="120000" extrusionOk="0">
+                <a:moveTo>
+                  <a:pt x="0" y="0"/>
+                </a:moveTo>
+                <a:lnTo>
+                  <a:pt x="120000" y="0"/>
+                </a:lnTo>
+                <a:lnTo>
+                  <a:pt x="120000" y="120000"/>
+                </a:lnTo>
+                <a:lnTo>
+                  <a:pt x="0" y="120000"/>
+                </a:lnTo>
+                <a:close/>
+              </a:path>
+            </a:pathLst>
+          </a:custGeom>
+        </p:spPr>
+      </p:sp>
+      <p:sp>
+        <p:nvSpPr>
+          <p:cNvPr id="76" name="Google Shape;76;gac10fef634_0_20:notes"/>
+          <p:cNvSpPr txBox="1">
+            <a:spLocks noGrp="1"/>
+          </p:cNvSpPr>
+          <p:nvPr>
+            <p:ph type="body" idx="1"/>
+          </p:nvPr>
+        </p:nvSpPr>
+        <p:spPr>
+          <a:xfrm>
+            <a:off x="685800" y="4343400"/>
+            <a:ext cx="5486400" cy="4114800"/>
+          </a:xfrm>
+          <a:prstGeom prst="rect">
+            <a:avLst/>
+          </a:prstGeom>
+        </p:spPr>
+        <p:txBody>
+          <a:bodyPr spcFirstLastPara="1" wrap="square" lIns="91425" tIns="91425" rIns="91425" bIns="91425" anchor="t" anchorCtr="0">
+            <a:noAutofit/>
+          </a:bodyPr>
+          <a:lstStyle/>
+          <a:p>
+            <a:pPr marL="0" lvl="0" indent="0" algn="l" rtl="0">
+              <a:spcBef>
+                <a:spcPts val="0"/>
+              </a:spcBef>
+              <a:spcAft>
+                <a:spcPts val="0"/>
+              </a:spcAft>
+              <a:buNone/>
+            </a:pPr>
+            <a:endParaRPr/>
+          </a:p>
+        </p:txBody>
+      </p:sp>
+    </p:spTree>
+    <p:extLst>
+      <p:ext uri="{BB962C8B-B14F-4D97-AF65-F5344CB8AC3E}">
+        <p14:creationId xmlns:p14="http://schemas.microsoft.com/office/powerpoint/2010/main" val="2993569978"/>
+      </p:ext>
+    </p:extLst>
+  </p:cSld>
+  <p:clrMapOvr>
+    <a:masterClrMapping/>
+  </p:clrMapOvr>
+</p:notes>
+</file>
+
+<file path=ppt/notesSlides/notesSlide7.xml><?xml version="1.0" encoding="utf-8"?>
+<p:notes xmlns:a="http://schemas.openxmlformats.org/drawingml/2006/main" xmlns:r="http://schemas.openxmlformats.org/officeDocument/2006/relationships" xmlns:p="http://schemas.openxmlformats.org/presentationml/2006/main" showMasterSp="0" showMasterPhAnim="0">
+  <p:cSld>
+    <p:spTree>
+      <p:nvGrpSpPr>
         <p:cNvPr id="1" name="Shape 69"/>
         <p:cNvGrpSpPr/>
         <p:nvPr/>
@@ -1554,7 +1835,7 @@
 </p:notes>
 </file>
 
-<file path=ppt/notesSlides/notesSlide7.xml><?xml version="1.0" encoding="utf-8"?>
+<file path=ppt/notesSlides/notesSlide8.xml><?xml version="1.0" encoding="utf-8"?>
 <p:notes xmlns:a="http://schemas.openxmlformats.org/drawingml/2006/main" xmlns:r="http://schemas.openxmlformats.org/officeDocument/2006/relationships" xmlns:p="http://schemas.openxmlformats.org/presentationml/2006/main" showMasterSp="0" showMasterPhAnim="0">
   <p:cSld>
     <p:spTree>
@@ -1663,7 +1944,7 @@
 </p:notes>
 </file>
 
-<file path=ppt/notesSlides/notesSlide8.xml><?xml version="1.0" encoding="utf-8"?>
+<file path=ppt/notesSlides/notesSlide9.xml><?xml version="1.0" encoding="utf-8"?>
 <p:notes xmlns:a="http://schemas.openxmlformats.org/drawingml/2006/main" xmlns:r="http://schemas.openxmlformats.org/officeDocument/2006/relationships" xmlns:p="http://schemas.openxmlformats.org/presentationml/2006/main" showMasterSp="0" showMasterPhAnim="0">
   <p:cSld>
     <p:spTree>
@@ -1776,114 +2057,6 @@
               </a:spcAft>
               <a:buNone/>
             </a:pPr>
-            <a:endParaRPr/>
-          </a:p>
-        </p:txBody>
-      </p:sp>
-    </p:spTree>
-  </p:cSld>
-  <p:clrMapOvr>
-    <a:masterClrMapping/>
-  </p:clrMapOvr>
-</p:notes>
-</file>
-
-<file path=ppt/notesSlides/notesSlide9.xml><?xml version="1.0" encoding="utf-8"?>
-<p:notes xmlns:a="http://schemas.openxmlformats.org/drawingml/2006/main" xmlns:r="http://schemas.openxmlformats.org/officeDocument/2006/relationships" xmlns:p="http://schemas.openxmlformats.org/presentationml/2006/main" showMasterSp="0" showMasterPhAnim="0">
-  <p:cSld>
-    <p:spTree>
-      <p:nvGrpSpPr>
-        <p:cNvPr id="1" name="Shape 86"/>
-        <p:cNvGrpSpPr/>
-        <p:nvPr/>
-      </p:nvGrpSpPr>
-      <p:grpSpPr>
-        <a:xfrm>
-          <a:off x="0" y="0"/>
-          <a:ext cx="0" cy="0"/>
-          <a:chOff x="0" y="0"/>
-          <a:chExt cx="0" cy="0"/>
-        </a:xfrm>
-      </p:grpSpPr>
-      <p:sp>
-        <p:nvSpPr>
-          <p:cNvPr id="87" name="Google Shape;87;gac10fef634_0_30:notes"/>
-          <p:cNvSpPr>
-            <a:spLocks noGrp="1" noRot="1" noChangeAspect="1"/>
-          </p:cNvSpPr>
-          <p:nvPr>
-            <p:ph type="sldImg" idx="2"/>
-          </p:nvPr>
-        </p:nvSpPr>
-        <p:spPr>
-          <a:xfrm>
-            <a:off x="381000" y="685800"/>
-            <a:ext cx="6096000" cy="3429000"/>
-          </a:xfrm>
-          <a:custGeom>
-            <a:avLst/>
-            <a:gdLst/>
-            <a:ahLst/>
-            <a:cxnLst/>
-            <a:rect l="l" t="t" r="r" b="b"/>
-            <a:pathLst>
-              <a:path w="120000" h="120000" extrusionOk="0">
-                <a:moveTo>
-                  <a:pt x="0" y="0"/>
-                </a:moveTo>
-                <a:lnTo>
-                  <a:pt x="120000" y="0"/>
-                </a:lnTo>
-                <a:lnTo>
-                  <a:pt x="120000" y="120000"/>
-                </a:lnTo>
-                <a:lnTo>
-                  <a:pt x="0" y="120000"/>
-                </a:lnTo>
-                <a:close/>
-              </a:path>
-            </a:pathLst>
-          </a:custGeom>
-        </p:spPr>
-      </p:sp>
-      <p:sp>
-        <p:nvSpPr>
-          <p:cNvPr id="88" name="Google Shape;88;gac10fef634_0_30:notes"/>
-          <p:cNvSpPr txBox="1">
-            <a:spLocks noGrp="1"/>
-          </p:cNvSpPr>
-          <p:nvPr>
-            <p:ph type="body" idx="1"/>
-          </p:nvPr>
-        </p:nvSpPr>
-        <p:spPr>
-          <a:xfrm>
-            <a:off x="685800" y="4343400"/>
-            <a:ext cx="5486400" cy="4114800"/>
-          </a:xfrm>
-          <a:prstGeom prst="rect">
-            <a:avLst/>
-          </a:prstGeom>
-        </p:spPr>
-        <p:txBody>
-          <a:bodyPr spcFirstLastPara="1" wrap="square" lIns="91425" tIns="91425" rIns="91425" bIns="91425" anchor="t" anchorCtr="0">
-            <a:noAutofit/>
-          </a:bodyPr>
-          <a:lstStyle/>
-          <a:p>
-            <a:pPr marL="0" lvl="0" indent="0" algn="l" rtl="0">
-              <a:spcBef>
-                <a:spcPts val="0"/>
-              </a:spcBef>
-              <a:spcAft>
-                <a:spcPts val="0"/>
-              </a:spcAft>
-              <a:buNone/>
-            </a:pPr>
-            <a:r>
-              <a:rPr lang="en"/>
-              <a:t>Discusses how the information from planning, testing and trialling of components assisted in the development of a high-quality outcome</a:t>
-            </a:r>
             <a:endParaRPr/>
           </a:p>
         </p:txBody>
@@ -6993,6 +7166,85 @@
 </p:sld>
 </file>
 
+<file path=ppt/slides/slide10.xml><?xml version="1.0" encoding="utf-8"?>
+<p:sld xmlns:a="http://schemas.openxmlformats.org/drawingml/2006/main" xmlns:r="http://schemas.openxmlformats.org/officeDocument/2006/relationships" xmlns:p="http://schemas.openxmlformats.org/presentationml/2006/main">
+  <p:cSld>
+    <p:bg>
+      <p:bgPr>
+        <a:solidFill>
+          <a:srgbClr val="FFE599"/>
+        </a:solidFill>
+        <a:effectLst/>
+      </p:bgPr>
+    </p:bg>
+    <p:spTree>
+      <p:nvGrpSpPr>
+        <p:cNvPr id="1" name="Shape 89"/>
+        <p:cNvGrpSpPr/>
+        <p:nvPr/>
+      </p:nvGrpSpPr>
+      <p:grpSpPr>
+        <a:xfrm>
+          <a:off x="0" y="0"/>
+          <a:ext cx="0" cy="0"/>
+          <a:chOff x="0" y="0"/>
+          <a:chExt cx="0" cy="0"/>
+        </a:xfrm>
+      </p:grpSpPr>
+      <p:sp>
+        <p:nvSpPr>
+          <p:cNvPr id="90" name="Google Shape;90;p19"/>
+          <p:cNvSpPr txBox="1">
+            <a:spLocks noGrp="1"/>
+          </p:cNvSpPr>
+          <p:nvPr>
+            <p:ph type="body" idx="1"/>
+          </p:nvPr>
+        </p:nvSpPr>
+        <p:spPr>
+          <a:xfrm>
+            <a:off x="311700" y="397700"/>
+            <a:ext cx="8520600" cy="4171200"/>
+          </a:xfrm>
+          <a:prstGeom prst="rect">
+            <a:avLst/>
+          </a:prstGeom>
+        </p:spPr>
+        <p:txBody>
+          <a:bodyPr spcFirstLastPara="1" wrap="square" lIns="91425" tIns="91425" rIns="91425" bIns="91425" anchor="t" anchorCtr="0">
+            <a:noAutofit/>
+          </a:bodyPr>
+          <a:lstStyle/>
+          <a:p>
+            <a:pPr marL="0" lvl="0" indent="0" algn="l" rtl="0">
+              <a:spcBef>
+                <a:spcPts val="0"/>
+              </a:spcBef>
+              <a:spcAft>
+                <a:spcPts val="1600"/>
+              </a:spcAft>
+              <a:buNone/>
+            </a:pPr>
+            <a:r>
+              <a:rPr lang="en" b="1" i="1">
+                <a:solidFill>
+                  <a:srgbClr val="595959"/>
+                </a:solidFill>
+              </a:rPr>
+              <a:t>Discusses how the information from planning, testing and trialling of components assisted in the development of a high-quality outcome</a:t>
+            </a:r>
+            <a:endParaRPr/>
+          </a:p>
+        </p:txBody>
+      </p:sp>
+    </p:spTree>
+  </p:cSld>
+  <p:clrMapOvr>
+    <a:masterClrMapping/>
+  </p:clrMapOvr>
+</p:sld>
+</file>
+
 <file path=ppt/slides/slide2.xml><?xml version="1.0" encoding="utf-8"?>
 <p:sld xmlns:a="http://schemas.openxmlformats.org/drawingml/2006/main" xmlns:r="http://schemas.openxmlformats.org/officeDocument/2006/relationships" xmlns:p="http://schemas.openxmlformats.org/presentationml/2006/main">
   <p:cSld>
@@ -7349,8 +7601,38 @@
         </p:blipFill>
         <p:spPr>
           <a:xfrm>
-            <a:off x="606287" y="1618167"/>
-            <a:ext cx="7772400" cy="2384244"/>
+            <a:off x="1552490" y="1073384"/>
+            <a:ext cx="5420803" cy="1662873"/>
+          </a:xfrm>
+          <a:prstGeom prst="rect">
+            <a:avLst/>
+          </a:prstGeom>
+        </p:spPr>
+      </p:pic>
+      <p:pic>
+        <p:nvPicPr>
+          <p:cNvPr id="3" name="Picture 2">
+            <a:extLst>
+              <a:ext uri="{FF2B5EF4-FFF2-40B4-BE49-F238E27FC236}">
+                <a16:creationId xmlns:a16="http://schemas.microsoft.com/office/drawing/2014/main" id="{66F4099A-BB1A-53FE-4388-2A8E62082ED8}"/>
+              </a:ext>
+            </a:extLst>
+          </p:cNvPr>
+          <p:cNvPicPr>
+            <a:picLocks noChangeAspect="1"/>
+          </p:cNvPicPr>
+          <p:nvPr/>
+        </p:nvPicPr>
+        <p:blipFill>
+          <a:blip r:embed="rId4"/>
+          <a:stretch>
+            <a:fillRect/>
+          </a:stretch>
+        </p:blipFill>
+        <p:spPr>
+          <a:xfrm>
+            <a:off x="1552491" y="2947860"/>
+            <a:ext cx="5420802" cy="1980277"/>
           </a:xfrm>
           <a:prstGeom prst="rect">
             <a:avLst/>
@@ -7652,6 +7934,310 @@
 <file path=ppt/slides/slide6.xml><?xml version="1.0" encoding="utf-8"?>
 <p:sld xmlns:a="http://schemas.openxmlformats.org/drawingml/2006/main" xmlns:r="http://schemas.openxmlformats.org/officeDocument/2006/relationships" xmlns:p="http://schemas.openxmlformats.org/presentationml/2006/main">
   <p:cSld>
+    <p:spTree>
+      <p:nvGrpSpPr>
+        <p:cNvPr id="1" name="Shape 77"/>
+        <p:cNvGrpSpPr/>
+        <p:nvPr/>
+      </p:nvGrpSpPr>
+      <p:grpSpPr>
+        <a:xfrm>
+          <a:off x="0" y="0"/>
+          <a:ext cx="0" cy="0"/>
+          <a:chOff x="0" y="0"/>
+          <a:chExt cx="0" cy="0"/>
+        </a:xfrm>
+      </p:grpSpPr>
+      <p:sp>
+        <p:nvSpPr>
+          <p:cNvPr id="78" name="Google Shape;78;p17"/>
+          <p:cNvSpPr txBox="1">
+            <a:spLocks noGrp="1"/>
+          </p:cNvSpPr>
+          <p:nvPr>
+            <p:ph type="title"/>
+          </p:nvPr>
+        </p:nvSpPr>
+        <p:spPr>
+          <a:xfrm>
+            <a:off x="311700" y="445025"/>
+            <a:ext cx="8520600" cy="572700"/>
+          </a:xfrm>
+          <a:prstGeom prst="rect">
+            <a:avLst/>
+          </a:prstGeom>
+        </p:spPr>
+        <p:txBody>
+          <a:bodyPr spcFirstLastPara="1" wrap="square" lIns="91425" tIns="91425" rIns="91425" bIns="91425" anchor="t" anchorCtr="0">
+            <a:noAutofit/>
+          </a:bodyPr>
+          <a:lstStyle/>
+          <a:p>
+            <a:pPr marL="0" lvl="0" indent="0" algn="l" rtl="0">
+              <a:spcBef>
+                <a:spcPts val="0"/>
+              </a:spcBef>
+              <a:spcAft>
+                <a:spcPts val="0"/>
+              </a:spcAft>
+              <a:buNone/>
+            </a:pPr>
+            <a:r>
+              <a:rPr lang="en" dirty="0"/>
+              <a:t>Component 1 v2- Test Plan (and screenshot)</a:t>
+            </a:r>
+            <a:endParaRPr dirty="0"/>
+          </a:p>
+        </p:txBody>
+      </p:sp>
+      <p:graphicFrame>
+        <p:nvGraphicFramePr>
+          <p:cNvPr id="79" name="Google Shape;79;p17"/>
+          <p:cNvGraphicFramePr/>
+          <p:nvPr>
+            <p:extLst>
+              <p:ext uri="{D42A27DB-BD31-4B8C-83A1-F6EECF244321}">
+                <p14:modId xmlns:p14="http://schemas.microsoft.com/office/powerpoint/2010/main" val="1572139470"/>
+              </p:ext>
+            </p:extLst>
+          </p:nvPr>
+        </p:nvGraphicFramePr>
+        <p:xfrm>
+          <a:off x="454824" y="3316149"/>
+          <a:ext cx="8520600" cy="1462980"/>
+        </p:xfrm>
+        <a:graphic>
+          <a:graphicData uri="http://schemas.openxmlformats.org/drawingml/2006/table">
+            <a:tbl>
+              <a:tblPr>
+                <a:noFill/>
+                <a:tableStyleId>{E1099E06-0E6B-448D-9D27-60429F06E6F4}</a:tableStyleId>
+              </a:tblPr>
+              <a:tblGrid>
+                <a:gridCol w="4260300">
+                  <a:extLst>
+                    <a:ext uri="{9D8B030D-6E8A-4147-A177-3AD203B41FA5}">
+                      <a16:colId xmlns:a16="http://schemas.microsoft.com/office/drawing/2014/main" val="20000"/>
+                    </a:ext>
+                  </a:extLst>
+                </a:gridCol>
+                <a:gridCol w="4260300">
+                  <a:extLst>
+                    <a:ext uri="{9D8B030D-6E8A-4147-A177-3AD203B41FA5}">
+                      <a16:colId xmlns:a16="http://schemas.microsoft.com/office/drawing/2014/main" val="20001"/>
+                    </a:ext>
+                  </a:extLst>
+                </a:gridCol>
+              </a:tblGrid>
+              <a:tr h="312906">
+                <a:tc>
+                  <a:txBody>
+                    <a:bodyPr/>
+                    <a:lstStyle/>
+                    <a:p>
+                      <a:pPr marL="0" lvl="0" indent="0" algn="l" rtl="0">
+                        <a:spcBef>
+                          <a:spcPts val="0"/>
+                        </a:spcBef>
+                        <a:spcAft>
+                          <a:spcPts val="0"/>
+                        </a:spcAft>
+                        <a:buNone/>
+                      </a:pPr>
+                      <a:r>
+                        <a:rPr lang="en" sz="1800" b="1" dirty="0"/>
+                        <a:t>Test Case</a:t>
+                      </a:r>
+                      <a:endParaRPr sz="1800" b="1" dirty="0"/>
+                    </a:p>
+                  </a:txBody>
+                  <a:tcPr marL="91425" marR="91425" marT="91425" marB="91425">
+                    <a:solidFill>
+                      <a:srgbClr val="CCCCCC"/>
+                    </a:solidFill>
+                  </a:tcPr>
+                </a:tc>
+                <a:tc>
+                  <a:txBody>
+                    <a:bodyPr/>
+                    <a:lstStyle/>
+                    <a:p>
+                      <a:pPr marL="0" lvl="0" indent="0" algn="l" rtl="0">
+                        <a:spcBef>
+                          <a:spcPts val="0"/>
+                        </a:spcBef>
+                        <a:spcAft>
+                          <a:spcPts val="0"/>
+                        </a:spcAft>
+                        <a:buNone/>
+                      </a:pPr>
+                      <a:r>
+                        <a:rPr lang="en" sz="1800" b="1" dirty="0"/>
+                        <a:t>Expected Values</a:t>
+                      </a:r>
+                      <a:endParaRPr sz="1800" b="1" dirty="0"/>
+                    </a:p>
+                  </a:txBody>
+                  <a:tcPr marL="91425" marR="91425" marT="91425" marB="91425">
+                    <a:solidFill>
+                      <a:srgbClr val="CCCCCC"/>
+                    </a:solidFill>
+                  </a:tcPr>
+                </a:tc>
+                <a:extLst>
+                  <a:ext uri="{0D108BD9-81ED-4DB2-BD59-A6C34878D82A}">
+                    <a16:rowId xmlns:a16="http://schemas.microsoft.com/office/drawing/2014/main" val="10000"/>
+                  </a:ext>
+                </a:extLst>
+              </a:tr>
+              <a:tr h="396200">
+                <a:tc>
+                  <a:txBody>
+                    <a:bodyPr/>
+                    <a:lstStyle/>
+                    <a:p>
+                      <a:pPr marL="0" lvl="0" indent="0" algn="l" rtl="0">
+                        <a:spcBef>
+                          <a:spcPts val="0"/>
+                        </a:spcBef>
+                        <a:spcAft>
+                          <a:spcPts val="0"/>
+                        </a:spcAft>
+                        <a:buNone/>
+                      </a:pPr>
+                      <a:r>
+                        <a:rPr lang="en-US" sz="1800" dirty="0"/>
+                        <a:t>Run program</a:t>
+                      </a:r>
+                      <a:endParaRPr sz="1800" dirty="0"/>
+                    </a:p>
+                  </a:txBody>
+                  <a:tcPr marL="91425" marR="91425" marT="91425" marB="91425"/>
+                </a:tc>
+                <a:tc>
+                  <a:txBody>
+                    <a:bodyPr/>
+                    <a:lstStyle/>
+                    <a:p>
+                      <a:pPr marL="0" lvl="0" indent="0" algn="l" rtl="0">
+                        <a:spcBef>
+                          <a:spcPts val="0"/>
+                        </a:spcBef>
+                        <a:spcAft>
+                          <a:spcPts val="0"/>
+                        </a:spcAft>
+                        <a:buNone/>
+                      </a:pPr>
+                      <a:r>
+                        <a:rPr lang="en-US" sz="1800" dirty="0"/>
+                        <a:t>Main and welcome run correctly. </a:t>
+                      </a:r>
+                    </a:p>
+                    <a:p>
+                      <a:pPr marL="0" lvl="0" indent="0" algn="l" rtl="0">
+                        <a:spcBef>
+                          <a:spcPts val="0"/>
+                        </a:spcBef>
+                        <a:spcAft>
+                          <a:spcPts val="0"/>
+                        </a:spcAft>
+                        <a:buNone/>
+                      </a:pPr>
+                      <a:r>
+                        <a:rPr lang="en-US" sz="1800" dirty="0"/>
+                        <a:t>Welcome message prints with random name.</a:t>
+                      </a:r>
+                      <a:endParaRPr sz="1800" dirty="0"/>
+                    </a:p>
+                  </a:txBody>
+                  <a:tcPr marL="91425" marR="91425" marT="91425" marB="91425"/>
+                </a:tc>
+                <a:extLst>
+                  <a:ext uri="{0D108BD9-81ED-4DB2-BD59-A6C34878D82A}">
+                    <a16:rowId xmlns:a16="http://schemas.microsoft.com/office/drawing/2014/main" val="10001"/>
+                  </a:ext>
+                </a:extLst>
+              </a:tr>
+            </a:tbl>
+          </a:graphicData>
+        </a:graphic>
+      </p:graphicFrame>
+      <p:pic>
+        <p:nvPicPr>
+          <p:cNvPr id="2" name="Picture 1">
+            <a:extLst>
+              <a:ext uri="{FF2B5EF4-FFF2-40B4-BE49-F238E27FC236}">
+                <a16:creationId xmlns:a16="http://schemas.microsoft.com/office/drawing/2014/main" id="{1EC52B93-9C4A-0CC2-D468-E20C5511DA77}"/>
+              </a:ext>
+            </a:extLst>
+          </p:cNvPr>
+          <p:cNvPicPr>
+            <a:picLocks noChangeAspect="1"/>
+          </p:cNvPicPr>
+          <p:nvPr/>
+        </p:nvPicPr>
+        <p:blipFill>
+          <a:blip r:embed="rId3"/>
+          <a:stretch>
+            <a:fillRect/>
+          </a:stretch>
+        </p:blipFill>
+        <p:spPr>
+          <a:xfrm>
+            <a:off x="454824" y="936865"/>
+            <a:ext cx="3115312" cy="2252778"/>
+          </a:xfrm>
+          <a:prstGeom prst="rect">
+            <a:avLst/>
+          </a:prstGeom>
+        </p:spPr>
+      </p:pic>
+      <p:pic>
+        <p:nvPicPr>
+          <p:cNvPr id="3" name="Picture 2">
+            <a:extLst>
+              <a:ext uri="{FF2B5EF4-FFF2-40B4-BE49-F238E27FC236}">
+                <a16:creationId xmlns:a16="http://schemas.microsoft.com/office/drawing/2014/main" id="{A4FA6C18-DDAF-B2D2-B776-35E88547B1BE}"/>
+              </a:ext>
+            </a:extLst>
+          </p:cNvPr>
+          <p:cNvPicPr>
+            <a:picLocks noChangeAspect="1"/>
+          </p:cNvPicPr>
+          <p:nvPr/>
+        </p:nvPicPr>
+        <p:blipFill>
+          <a:blip r:embed="rId4"/>
+          <a:stretch>
+            <a:fillRect/>
+          </a:stretch>
+        </p:blipFill>
+        <p:spPr>
+          <a:xfrm>
+            <a:off x="3812140" y="1776903"/>
+            <a:ext cx="4845232" cy="572701"/>
+          </a:xfrm>
+          <a:prstGeom prst="rect">
+            <a:avLst/>
+          </a:prstGeom>
+        </p:spPr>
+      </p:pic>
+    </p:spTree>
+    <p:extLst>
+      <p:ext uri="{BB962C8B-B14F-4D97-AF65-F5344CB8AC3E}">
+        <p14:creationId xmlns:p14="http://schemas.microsoft.com/office/powerpoint/2010/main" val="4254561938"/>
+      </p:ext>
+    </p:extLst>
+  </p:cSld>
+  <p:clrMapOvr>
+    <a:masterClrMapping/>
+  </p:clrMapOvr>
+</p:sld>
+</file>
+
+<file path=ppt/slides/slide7.xml><?xml version="1.0" encoding="utf-8"?>
+<p:sld xmlns:a="http://schemas.openxmlformats.org/drawingml/2006/main" xmlns:r="http://schemas.openxmlformats.org/officeDocument/2006/relationships" xmlns:p="http://schemas.openxmlformats.org/presentationml/2006/main">
+  <p:cSld>
     <p:bg>
       <p:bgPr>
         <a:solidFill>
@@ -7729,7 +8315,7 @@
 </p:sld>
 </file>
 
-<file path=ppt/slides/slide7.xml><?xml version="1.0" encoding="utf-8"?>
+<file path=ppt/slides/slide8.xml><?xml version="1.0" encoding="utf-8"?>
 <p:sld xmlns:a="http://schemas.openxmlformats.org/drawingml/2006/main" xmlns:r="http://schemas.openxmlformats.org/officeDocument/2006/relationships" xmlns:p="http://schemas.openxmlformats.org/presentationml/2006/main">
   <p:cSld>
     <p:spTree>
@@ -7944,7 +8530,7 @@
 </p:sld>
 </file>
 
-<file path=ppt/slides/slide8.xml><?xml version="1.0" encoding="utf-8"?>
+<file path=ppt/slides/slide9.xml><?xml version="1.0" encoding="utf-8"?>
 <p:sld xmlns:a="http://schemas.openxmlformats.org/drawingml/2006/main" xmlns:r="http://schemas.openxmlformats.org/officeDocument/2006/relationships" xmlns:p="http://schemas.openxmlformats.org/presentationml/2006/main">
   <p:cSld>
     <p:bg>
@@ -8050,85 +8636,6 @@
               <a:t>Your version control evidence should go here.  This could be in the form of annotated screenshots which show you you managed this process or you could make a brief screencast explaining how you implemented version control.</a:t>
             </a:r>
             <a:endParaRPr i="1"/>
-          </a:p>
-        </p:txBody>
-      </p:sp>
-    </p:spTree>
-  </p:cSld>
-  <p:clrMapOvr>
-    <a:masterClrMapping/>
-  </p:clrMapOvr>
-</p:sld>
-</file>
-
-<file path=ppt/slides/slide9.xml><?xml version="1.0" encoding="utf-8"?>
-<p:sld xmlns:a="http://schemas.openxmlformats.org/drawingml/2006/main" xmlns:r="http://schemas.openxmlformats.org/officeDocument/2006/relationships" xmlns:p="http://schemas.openxmlformats.org/presentationml/2006/main">
-  <p:cSld>
-    <p:bg>
-      <p:bgPr>
-        <a:solidFill>
-          <a:srgbClr val="FFE599"/>
-        </a:solidFill>
-        <a:effectLst/>
-      </p:bgPr>
-    </p:bg>
-    <p:spTree>
-      <p:nvGrpSpPr>
-        <p:cNvPr id="1" name="Shape 89"/>
-        <p:cNvGrpSpPr/>
-        <p:nvPr/>
-      </p:nvGrpSpPr>
-      <p:grpSpPr>
-        <a:xfrm>
-          <a:off x="0" y="0"/>
-          <a:ext cx="0" cy="0"/>
-          <a:chOff x="0" y="0"/>
-          <a:chExt cx="0" cy="0"/>
-        </a:xfrm>
-      </p:grpSpPr>
-      <p:sp>
-        <p:nvSpPr>
-          <p:cNvPr id="90" name="Google Shape;90;p19"/>
-          <p:cNvSpPr txBox="1">
-            <a:spLocks noGrp="1"/>
-          </p:cNvSpPr>
-          <p:nvPr>
-            <p:ph type="body" idx="1"/>
-          </p:nvPr>
-        </p:nvSpPr>
-        <p:spPr>
-          <a:xfrm>
-            <a:off x="311700" y="397700"/>
-            <a:ext cx="8520600" cy="4171200"/>
-          </a:xfrm>
-          <a:prstGeom prst="rect">
-            <a:avLst/>
-          </a:prstGeom>
-        </p:spPr>
-        <p:txBody>
-          <a:bodyPr spcFirstLastPara="1" wrap="square" lIns="91425" tIns="91425" rIns="91425" bIns="91425" anchor="t" anchorCtr="0">
-            <a:noAutofit/>
-          </a:bodyPr>
-          <a:lstStyle/>
-          <a:p>
-            <a:pPr marL="0" lvl="0" indent="0" algn="l" rtl="0">
-              <a:spcBef>
-                <a:spcPts val="0"/>
-              </a:spcBef>
-              <a:spcAft>
-                <a:spcPts val="1600"/>
-              </a:spcAft>
-              <a:buNone/>
-            </a:pPr>
-            <a:r>
-              <a:rPr lang="en" b="1" i="1">
-                <a:solidFill>
-                  <a:srgbClr val="595959"/>
-                </a:solidFill>
-              </a:rPr>
-              <a:t>Discusses how the information from planning, testing and trialling of components assisted in the development of a high-quality outcome</a:t>
-            </a:r>
-            <a:endParaRPr/>
           </a:p>
         </p:txBody>
       </p:sp>

--- a/Python.pptx
+++ b/Python.pptx
@@ -5,7 +5,7 @@
     <p:sldMasterId id="2147483659" r:id="rId1"/>
   </p:sldMasterIdLst>
   <p:notesMasterIdLst>
-    <p:notesMasterId r:id="rId12"/>
+    <p:notesMasterId r:id="rId17"/>
   </p:notesMasterIdLst>
   <p:sldIdLst>
     <p:sldId id="256" r:id="rId2"/>
@@ -16,8 +16,13 @@
     <p:sldId id="265" r:id="rId7"/>
     <p:sldId id="263" r:id="rId8"/>
     <p:sldId id="264" r:id="rId9"/>
-    <p:sldId id="261" r:id="rId10"/>
-    <p:sldId id="262" r:id="rId11"/>
+    <p:sldId id="266" r:id="rId10"/>
+    <p:sldId id="267" r:id="rId11"/>
+    <p:sldId id="268" r:id="rId12"/>
+    <p:sldId id="270" r:id="rId13"/>
+    <p:sldId id="269" r:id="rId14"/>
+    <p:sldId id="261" r:id="rId15"/>
+    <p:sldId id="262" r:id="rId16"/>
   </p:sldIdLst>
   <p:sldSz cx="9144000" cy="5143500" type="screen16x9"/>
   <p:notesSz cx="6858000" cy="9144000"/>
@@ -272,7 +277,7 @@
 <file path=ppt/revisionInfo.xml><?xml version="1.0" encoding="utf-8"?>
 <p1510:revInfo xmlns:a="http://schemas.openxmlformats.org/drawingml/2006/main" xmlns:r="http://schemas.openxmlformats.org/officeDocument/2006/relationships" xmlns:p1510="http://schemas.microsoft.com/office/powerpoint/2015/10/main">
   <p1510:revLst>
-    <p1510:client id="{268579DD-9F3E-DD42-ADBD-2C5BCBEBF3D0}" v="15" dt="2023-05-09T06:37:40.555"/>
+    <p1510:client id="{268579DD-9F3E-DD42-ADBD-2C5BCBEBF3D0}" v="45" dt="2023-05-09T08:51:45.627"/>
   </p1510:revLst>
 </p1510:revInfo>
 </file>
@@ -281,8 +286,8 @@
 <pc:chgInfo xmlns:a="http://schemas.openxmlformats.org/drawingml/2006/main" xmlns:r="http://schemas.openxmlformats.org/officeDocument/2006/relationships" xmlns:ac="http://schemas.microsoft.com/office/drawing/2013/main/command" xmlns:pc="http://schemas.microsoft.com/office/powerpoint/2013/main/command">
   <pc:docChgLst>
     <pc:chgData name="Kaitlin Eustaquio" userId="1db1b819-5a69-4e28-a1f3-107bdd323ba9" providerId="ADAL" clId="{268579DD-9F3E-DD42-ADBD-2C5BCBEBF3D0}"/>
-    <pc:docChg chg="undo custSel addSld delSld modSld sldOrd">
-      <pc:chgData name="Kaitlin Eustaquio" userId="1db1b819-5a69-4e28-a1f3-107bdd323ba9" providerId="ADAL" clId="{268579DD-9F3E-DD42-ADBD-2C5BCBEBF3D0}" dt="2023-05-09T06:37:49.302" v="316" actId="1076"/>
+    <pc:docChg chg="undo redo custSel addSld delSld modSld sldOrd">
+      <pc:chgData name="Kaitlin Eustaquio" userId="1db1b819-5a69-4e28-a1f3-107bdd323ba9" providerId="ADAL" clId="{268579DD-9F3E-DD42-ADBD-2C5BCBEBF3D0}" dt="2023-05-09T08:52:54.229" v="1061" actId="1076"/>
       <pc:docMkLst>
         <pc:docMk/>
       </pc:docMkLst>
@@ -364,13 +369,13 @@
         </pc:picChg>
       </pc:sldChg>
       <pc:sldChg chg="addSp delSp modSp mod ord">
-        <pc:chgData name="Kaitlin Eustaquio" userId="1db1b819-5a69-4e28-a1f3-107bdd323ba9" providerId="ADAL" clId="{268579DD-9F3E-DD42-ADBD-2C5BCBEBF3D0}" dt="2023-05-09T05:28:02.915" v="190" actId="1076"/>
+        <pc:chgData name="Kaitlin Eustaquio" userId="1db1b819-5a69-4e28-a1f3-107bdd323ba9" providerId="ADAL" clId="{268579DD-9F3E-DD42-ADBD-2C5BCBEBF3D0}" dt="2023-05-09T07:56:40.581" v="321" actId="20577"/>
         <pc:sldMkLst>
           <pc:docMk/>
           <pc:sldMk cId="0" sldId="260"/>
         </pc:sldMkLst>
         <pc:spChg chg="mod">
-          <ac:chgData name="Kaitlin Eustaquio" userId="1db1b819-5a69-4e28-a1f3-107bdd323ba9" providerId="ADAL" clId="{268579DD-9F3E-DD42-ADBD-2C5BCBEBF3D0}" dt="2023-05-09T05:18:54.792" v="37" actId="20577"/>
+          <ac:chgData name="Kaitlin Eustaquio" userId="1db1b819-5a69-4e28-a1f3-107bdd323ba9" providerId="ADAL" clId="{268579DD-9F3E-DD42-ADBD-2C5BCBEBF3D0}" dt="2023-05-09T07:56:40.581" v="321" actId="20577"/>
           <ac:spMkLst>
             <pc:docMk/>
             <pc:sldMk cId="0" sldId="260"/>
@@ -426,8 +431,8 @@
           </ac:picMkLst>
         </pc:picChg>
       </pc:sldChg>
-      <pc:sldChg chg="modSp add mod">
-        <pc:chgData name="Kaitlin Eustaquio" userId="1db1b819-5a69-4e28-a1f3-107bdd323ba9" providerId="ADAL" clId="{268579DD-9F3E-DD42-ADBD-2C5BCBEBF3D0}" dt="2023-05-09T05:02:37.805" v="30" actId="20577"/>
+      <pc:sldChg chg="addSp delSp modSp add mod">
+        <pc:chgData name="Kaitlin Eustaquio" userId="1db1b819-5a69-4e28-a1f3-107bdd323ba9" providerId="ADAL" clId="{268579DD-9F3E-DD42-ADBD-2C5BCBEBF3D0}" dt="2023-05-09T08:02:09.831" v="327" actId="478"/>
         <pc:sldMkLst>
           <pc:docMk/>
           <pc:sldMk cId="1524299445" sldId="263"/>
@@ -440,21 +445,85 @@
             <ac:spMk id="73" creationId="{00000000-0000-0000-0000-000000000000}"/>
           </ac:spMkLst>
         </pc:spChg>
+        <pc:picChg chg="add mod">
+          <ac:chgData name="Kaitlin Eustaquio" userId="1db1b819-5a69-4e28-a1f3-107bdd323ba9" providerId="ADAL" clId="{268579DD-9F3E-DD42-ADBD-2C5BCBEBF3D0}" dt="2023-05-09T08:01:47.762" v="324" actId="14100"/>
+          <ac:picMkLst>
+            <pc:docMk/>
+            <pc:sldMk cId="1524299445" sldId="263"/>
+            <ac:picMk id="2" creationId="{643D12D5-043B-0FD8-8E8F-FC86355C8336}"/>
+          </ac:picMkLst>
+        </pc:picChg>
+        <pc:picChg chg="add del mod">
+          <ac:chgData name="Kaitlin Eustaquio" userId="1db1b819-5a69-4e28-a1f3-107bdd323ba9" providerId="ADAL" clId="{268579DD-9F3E-DD42-ADBD-2C5BCBEBF3D0}" dt="2023-05-09T08:02:09.831" v="327" actId="478"/>
+          <ac:picMkLst>
+            <pc:docMk/>
+            <pc:sldMk cId="1524299445" sldId="263"/>
+            <ac:picMk id="3" creationId="{8651C733-993C-A849-754F-75B2CC51ECDC}"/>
+          </ac:picMkLst>
+        </pc:picChg>
       </pc:sldChg>
-      <pc:sldChg chg="modSp add mod">
-        <pc:chgData name="Kaitlin Eustaquio" userId="1db1b819-5a69-4e28-a1f3-107bdd323ba9" providerId="ADAL" clId="{268579DD-9F3E-DD42-ADBD-2C5BCBEBF3D0}" dt="2023-05-09T05:02:45.580" v="32" actId="20577"/>
+      <pc:sldChg chg="addSp delSp modSp add mod">
+        <pc:chgData name="Kaitlin Eustaquio" userId="1db1b819-5a69-4e28-a1f3-107bdd323ba9" providerId="ADAL" clId="{268579DD-9F3E-DD42-ADBD-2C5BCBEBF3D0}" dt="2023-05-09T08:08:11.118" v="575" actId="14100"/>
         <pc:sldMkLst>
           <pc:docMk/>
           <pc:sldMk cId="504931959" sldId="264"/>
         </pc:sldMkLst>
         <pc:spChg chg="mod">
-          <ac:chgData name="Kaitlin Eustaquio" userId="1db1b819-5a69-4e28-a1f3-107bdd323ba9" providerId="ADAL" clId="{268579DD-9F3E-DD42-ADBD-2C5BCBEBF3D0}" dt="2023-05-09T05:02:45.580" v="32" actId="20577"/>
+          <ac:chgData name="Kaitlin Eustaquio" userId="1db1b819-5a69-4e28-a1f3-107bdd323ba9" providerId="ADAL" clId="{268579DD-9F3E-DD42-ADBD-2C5BCBEBF3D0}" dt="2023-05-09T07:56:35.201" v="319" actId="20577"/>
           <ac:spMkLst>
             <pc:docMk/>
             <pc:sldMk cId="504931959" sldId="264"/>
             <ac:spMk id="78" creationId="{00000000-0000-0000-0000-000000000000}"/>
           </ac:spMkLst>
         </pc:spChg>
+        <pc:graphicFrameChg chg="mod modGraphic">
+          <ac:chgData name="Kaitlin Eustaquio" userId="1db1b819-5a69-4e28-a1f3-107bdd323ba9" providerId="ADAL" clId="{268579DD-9F3E-DD42-ADBD-2C5BCBEBF3D0}" dt="2023-05-09T08:07:11.857" v="568" actId="1076"/>
+          <ac:graphicFrameMkLst>
+            <pc:docMk/>
+            <pc:sldMk cId="504931959" sldId="264"/>
+            <ac:graphicFrameMk id="79" creationId="{00000000-0000-0000-0000-000000000000}"/>
+          </ac:graphicFrameMkLst>
+        </pc:graphicFrameChg>
+        <pc:picChg chg="add del mod">
+          <ac:chgData name="Kaitlin Eustaquio" userId="1db1b819-5a69-4e28-a1f3-107bdd323ba9" providerId="ADAL" clId="{268579DD-9F3E-DD42-ADBD-2C5BCBEBF3D0}" dt="2023-05-09T08:04:27.248" v="342" actId="478"/>
+          <ac:picMkLst>
+            <pc:docMk/>
+            <pc:sldMk cId="504931959" sldId="264"/>
+            <ac:picMk id="2" creationId="{CC6A0858-8484-48C2-507A-A7CEDC4B336A}"/>
+          </ac:picMkLst>
+        </pc:picChg>
+        <pc:picChg chg="add mod">
+          <ac:chgData name="Kaitlin Eustaquio" userId="1db1b819-5a69-4e28-a1f3-107bdd323ba9" providerId="ADAL" clId="{268579DD-9F3E-DD42-ADBD-2C5BCBEBF3D0}" dt="2023-05-09T08:06:58.264" v="552" actId="1076"/>
+          <ac:picMkLst>
+            <pc:docMk/>
+            <pc:sldMk cId="504931959" sldId="264"/>
+            <ac:picMk id="3" creationId="{438433B3-8B4A-06EE-C83F-B2D8B9076C6C}"/>
+          </ac:picMkLst>
+        </pc:picChg>
+        <pc:picChg chg="add mod">
+          <ac:chgData name="Kaitlin Eustaquio" userId="1db1b819-5a69-4e28-a1f3-107bdd323ba9" providerId="ADAL" clId="{268579DD-9F3E-DD42-ADBD-2C5BCBEBF3D0}" dt="2023-05-09T08:06:56.040" v="551" actId="1076"/>
+          <ac:picMkLst>
+            <pc:docMk/>
+            <pc:sldMk cId="504931959" sldId="264"/>
+            <ac:picMk id="4" creationId="{F40799FD-9139-0C43-D729-1966836A3EE4}"/>
+          </ac:picMkLst>
+        </pc:picChg>
+        <pc:picChg chg="add mod">
+          <ac:chgData name="Kaitlin Eustaquio" userId="1db1b819-5a69-4e28-a1f3-107bdd323ba9" providerId="ADAL" clId="{268579DD-9F3E-DD42-ADBD-2C5BCBEBF3D0}" dt="2023-05-09T08:06:59.833" v="553" actId="1076"/>
+          <ac:picMkLst>
+            <pc:docMk/>
+            <pc:sldMk cId="504931959" sldId="264"/>
+            <ac:picMk id="5" creationId="{5ECAF66A-4C5B-8726-ED67-3C38770409DE}"/>
+          </ac:picMkLst>
+        </pc:picChg>
+        <pc:picChg chg="add mod">
+          <ac:chgData name="Kaitlin Eustaquio" userId="1db1b819-5a69-4e28-a1f3-107bdd323ba9" providerId="ADAL" clId="{268579DD-9F3E-DD42-ADBD-2C5BCBEBF3D0}" dt="2023-05-09T08:08:11.118" v="575" actId="14100"/>
+          <ac:picMkLst>
+            <pc:docMk/>
+            <pc:sldMk cId="504931959" sldId="264"/>
+            <ac:picMk id="6" creationId="{694C2A00-7E93-DBAE-84F6-9020981CC68C}"/>
+          </ac:picMkLst>
+        </pc:picChg>
       </pc:sldChg>
       <pc:sldChg chg="add del">
         <pc:chgData name="Kaitlin Eustaquio" userId="1db1b819-5a69-4e28-a1f3-107bdd323ba9" providerId="ADAL" clId="{268579DD-9F3E-DD42-ADBD-2C5BCBEBF3D0}" dt="2023-05-09T05:02:28.748" v="27" actId="2890"/>
@@ -515,6 +584,225 @@
             <pc:docMk/>
             <pc:sldMk cId="4254561938" sldId="265"/>
             <ac:picMk id="6" creationId="{1227600E-64C5-7BB4-F862-ACB307798D3B}"/>
+          </ac:picMkLst>
+        </pc:picChg>
+      </pc:sldChg>
+      <pc:sldChg chg="addSp delSp modSp add mod">
+        <pc:chgData name="Kaitlin Eustaquio" userId="1db1b819-5a69-4e28-a1f3-107bdd323ba9" providerId="ADAL" clId="{268579DD-9F3E-DD42-ADBD-2C5BCBEBF3D0}" dt="2023-05-09T08:15:54.448" v="705" actId="20577"/>
+        <pc:sldMkLst>
+          <pc:docMk/>
+          <pc:sldMk cId="3935105615" sldId="266"/>
+        </pc:sldMkLst>
+        <pc:spChg chg="mod">
+          <ac:chgData name="Kaitlin Eustaquio" userId="1db1b819-5a69-4e28-a1f3-107bdd323ba9" providerId="ADAL" clId="{268579DD-9F3E-DD42-ADBD-2C5BCBEBF3D0}" dt="2023-05-09T08:09:20.329" v="579" actId="20577"/>
+          <ac:spMkLst>
+            <pc:docMk/>
+            <pc:sldMk cId="3935105615" sldId="266"/>
+            <ac:spMk id="78" creationId="{00000000-0000-0000-0000-000000000000}"/>
+          </ac:spMkLst>
+        </pc:spChg>
+        <pc:graphicFrameChg chg="mod modGraphic">
+          <ac:chgData name="Kaitlin Eustaquio" userId="1db1b819-5a69-4e28-a1f3-107bdd323ba9" providerId="ADAL" clId="{268579DD-9F3E-DD42-ADBD-2C5BCBEBF3D0}" dt="2023-05-09T08:15:54.448" v="705" actId="20577"/>
+          <ac:graphicFrameMkLst>
+            <pc:docMk/>
+            <pc:sldMk cId="3935105615" sldId="266"/>
+            <ac:graphicFrameMk id="79" creationId="{00000000-0000-0000-0000-000000000000}"/>
+          </ac:graphicFrameMkLst>
+        </pc:graphicFrameChg>
+        <pc:picChg chg="add del mod">
+          <ac:chgData name="Kaitlin Eustaquio" userId="1db1b819-5a69-4e28-a1f3-107bdd323ba9" providerId="ADAL" clId="{268579DD-9F3E-DD42-ADBD-2C5BCBEBF3D0}" dt="2023-05-09T08:12:16.058" v="590" actId="478"/>
+          <ac:picMkLst>
+            <pc:docMk/>
+            <pc:sldMk cId="3935105615" sldId="266"/>
+            <ac:picMk id="2" creationId="{F66E9A41-F148-D9BB-6366-092EC83FE68C}"/>
+          </ac:picMkLst>
+        </pc:picChg>
+        <pc:picChg chg="add mod">
+          <ac:chgData name="Kaitlin Eustaquio" userId="1db1b819-5a69-4e28-a1f3-107bdd323ba9" providerId="ADAL" clId="{268579DD-9F3E-DD42-ADBD-2C5BCBEBF3D0}" dt="2023-05-09T08:15:21.463" v="682" actId="14100"/>
+          <ac:picMkLst>
+            <pc:docMk/>
+            <pc:sldMk cId="3935105615" sldId="266"/>
+            <ac:picMk id="3" creationId="{8CC747B7-A3CA-B39D-2EBC-D286BD91E4A1}"/>
+          </ac:picMkLst>
+        </pc:picChg>
+        <pc:picChg chg="add mod">
+          <ac:chgData name="Kaitlin Eustaquio" userId="1db1b819-5a69-4e28-a1f3-107bdd323ba9" providerId="ADAL" clId="{268579DD-9F3E-DD42-ADBD-2C5BCBEBF3D0}" dt="2023-05-09T08:15:35.816" v="688" actId="1076"/>
+          <ac:picMkLst>
+            <pc:docMk/>
+            <pc:sldMk cId="3935105615" sldId="266"/>
+            <ac:picMk id="4" creationId="{33957045-31F2-DDA5-95F2-9B376BFFB7F9}"/>
+          </ac:picMkLst>
+        </pc:picChg>
+        <pc:picChg chg="add mod">
+          <ac:chgData name="Kaitlin Eustaquio" userId="1db1b819-5a69-4e28-a1f3-107bdd323ba9" providerId="ADAL" clId="{268579DD-9F3E-DD42-ADBD-2C5BCBEBF3D0}" dt="2023-05-09T08:15:25.815" v="684" actId="1076"/>
+          <ac:picMkLst>
+            <pc:docMk/>
+            <pc:sldMk cId="3935105615" sldId="266"/>
+            <ac:picMk id="5" creationId="{2589F411-DBDF-DC6E-DFB7-B57AB6951E47}"/>
+          </ac:picMkLst>
+        </pc:picChg>
+        <pc:picChg chg="add mod">
+          <ac:chgData name="Kaitlin Eustaquio" userId="1db1b819-5a69-4e28-a1f3-107bdd323ba9" providerId="ADAL" clId="{268579DD-9F3E-DD42-ADBD-2C5BCBEBF3D0}" dt="2023-05-09T08:15:30.746" v="686" actId="1076"/>
+          <ac:picMkLst>
+            <pc:docMk/>
+            <pc:sldMk cId="3935105615" sldId="266"/>
+            <ac:picMk id="6" creationId="{CA8593E5-2016-F55C-2FB7-85DDC464C2A6}"/>
+          </ac:picMkLst>
+        </pc:picChg>
+      </pc:sldChg>
+      <pc:sldChg chg="addSp modSp add mod">
+        <pc:chgData name="Kaitlin Eustaquio" userId="1db1b819-5a69-4e28-a1f3-107bdd323ba9" providerId="ADAL" clId="{268579DD-9F3E-DD42-ADBD-2C5BCBEBF3D0}" dt="2023-05-09T08:52:14.123" v="971" actId="20577"/>
+        <pc:sldMkLst>
+          <pc:docMk/>
+          <pc:sldMk cId="3563904345" sldId="267"/>
+        </pc:sldMkLst>
+        <pc:spChg chg="mod">
+          <ac:chgData name="Kaitlin Eustaquio" userId="1db1b819-5a69-4e28-a1f3-107bdd323ba9" providerId="ADAL" clId="{268579DD-9F3E-DD42-ADBD-2C5BCBEBF3D0}" dt="2023-05-09T08:09:23.023" v="580" actId="20577"/>
+          <ac:spMkLst>
+            <pc:docMk/>
+            <pc:sldMk cId="3563904345" sldId="267"/>
+            <ac:spMk id="78" creationId="{00000000-0000-0000-0000-000000000000}"/>
+          </ac:spMkLst>
+        </pc:spChg>
+        <pc:graphicFrameChg chg="mod modGraphic">
+          <ac:chgData name="Kaitlin Eustaquio" userId="1db1b819-5a69-4e28-a1f3-107bdd323ba9" providerId="ADAL" clId="{268579DD-9F3E-DD42-ADBD-2C5BCBEBF3D0}" dt="2023-05-09T08:52:14.123" v="971" actId="20577"/>
+          <ac:graphicFrameMkLst>
+            <pc:docMk/>
+            <pc:sldMk cId="3563904345" sldId="267"/>
+            <ac:graphicFrameMk id="79" creationId="{00000000-0000-0000-0000-000000000000}"/>
+          </ac:graphicFrameMkLst>
+        </pc:graphicFrameChg>
+        <pc:picChg chg="add mod">
+          <ac:chgData name="Kaitlin Eustaquio" userId="1db1b819-5a69-4e28-a1f3-107bdd323ba9" providerId="ADAL" clId="{268579DD-9F3E-DD42-ADBD-2C5BCBEBF3D0}" dt="2023-05-09T08:24:42.639" v="805" actId="14100"/>
+          <ac:picMkLst>
+            <pc:docMk/>
+            <pc:sldMk cId="3563904345" sldId="267"/>
+            <ac:picMk id="2" creationId="{9AA8971F-1D58-C8DC-2F7E-BAD965052DF0}"/>
+          </ac:picMkLst>
+        </pc:picChg>
+        <pc:picChg chg="add mod">
+          <ac:chgData name="Kaitlin Eustaquio" userId="1db1b819-5a69-4e28-a1f3-107bdd323ba9" providerId="ADAL" clId="{268579DD-9F3E-DD42-ADBD-2C5BCBEBF3D0}" dt="2023-05-09T08:24:24.525" v="797" actId="1076"/>
+          <ac:picMkLst>
+            <pc:docMk/>
+            <pc:sldMk cId="3563904345" sldId="267"/>
+            <ac:picMk id="3" creationId="{31F30897-6506-3256-3A9D-D99859EBDC76}"/>
+          </ac:picMkLst>
+        </pc:picChg>
+        <pc:picChg chg="add mod">
+          <ac:chgData name="Kaitlin Eustaquio" userId="1db1b819-5a69-4e28-a1f3-107bdd323ba9" providerId="ADAL" clId="{268579DD-9F3E-DD42-ADBD-2C5BCBEBF3D0}" dt="2023-05-09T08:24:22.581" v="796" actId="1076"/>
+          <ac:picMkLst>
+            <pc:docMk/>
+            <pc:sldMk cId="3563904345" sldId="267"/>
+            <ac:picMk id="4" creationId="{71B8D436-C286-C9AE-C3D5-D7980C183634}"/>
+          </ac:picMkLst>
+        </pc:picChg>
+        <pc:picChg chg="add mod">
+          <ac:chgData name="Kaitlin Eustaquio" userId="1db1b819-5a69-4e28-a1f3-107bdd323ba9" providerId="ADAL" clId="{268579DD-9F3E-DD42-ADBD-2C5BCBEBF3D0}" dt="2023-05-09T08:24:18.557" v="794" actId="14100"/>
+          <ac:picMkLst>
+            <pc:docMk/>
+            <pc:sldMk cId="3563904345" sldId="267"/>
+            <ac:picMk id="5" creationId="{47106A72-0989-0003-CA73-18DD19B86EB8}"/>
+          </ac:picMkLst>
+        </pc:picChg>
+        <pc:picChg chg="add mod">
+          <ac:chgData name="Kaitlin Eustaquio" userId="1db1b819-5a69-4e28-a1f3-107bdd323ba9" providerId="ADAL" clId="{268579DD-9F3E-DD42-ADBD-2C5BCBEBF3D0}" dt="2023-05-09T08:24:20.111" v="795" actId="1076"/>
+          <ac:picMkLst>
+            <pc:docMk/>
+            <pc:sldMk cId="3563904345" sldId="267"/>
+            <ac:picMk id="6" creationId="{32DCBB0C-0E13-F067-2E6A-34DE05746BD4}"/>
+          </ac:picMkLst>
+        </pc:picChg>
+      </pc:sldChg>
+      <pc:sldChg chg="addSp modSp add mod">
+        <pc:chgData name="Kaitlin Eustaquio" userId="1db1b819-5a69-4e28-a1f3-107bdd323ba9" providerId="ADAL" clId="{268579DD-9F3E-DD42-ADBD-2C5BCBEBF3D0}" dt="2023-05-09T08:52:54.229" v="1061" actId="1076"/>
+        <pc:sldMkLst>
+          <pc:docMk/>
+          <pc:sldMk cId="4121556743" sldId="268"/>
+        </pc:sldMkLst>
+        <pc:spChg chg="mod">
+          <ac:chgData name="Kaitlin Eustaquio" userId="1db1b819-5a69-4e28-a1f3-107bdd323ba9" providerId="ADAL" clId="{268579DD-9F3E-DD42-ADBD-2C5BCBEBF3D0}" dt="2023-05-09T08:16:20.887" v="708" actId="20577"/>
+          <ac:spMkLst>
+            <pc:docMk/>
+            <pc:sldMk cId="4121556743" sldId="268"/>
+            <ac:spMk id="78" creationId="{00000000-0000-0000-0000-000000000000}"/>
+          </ac:spMkLst>
+        </pc:spChg>
+        <pc:graphicFrameChg chg="mod modGraphic">
+          <ac:chgData name="Kaitlin Eustaquio" userId="1db1b819-5a69-4e28-a1f3-107bdd323ba9" providerId="ADAL" clId="{268579DD-9F3E-DD42-ADBD-2C5BCBEBF3D0}" dt="2023-05-09T08:52:54.229" v="1061" actId="1076"/>
+          <ac:graphicFrameMkLst>
+            <pc:docMk/>
+            <pc:sldMk cId="4121556743" sldId="268"/>
+            <ac:graphicFrameMk id="79" creationId="{00000000-0000-0000-0000-000000000000}"/>
+          </ac:graphicFrameMkLst>
+        </pc:graphicFrameChg>
+        <pc:picChg chg="add mod">
+          <ac:chgData name="Kaitlin Eustaquio" userId="1db1b819-5a69-4e28-a1f3-107bdd323ba9" providerId="ADAL" clId="{268579DD-9F3E-DD42-ADBD-2C5BCBEBF3D0}" dt="2023-05-09T08:41:58.022" v="890" actId="1076"/>
+          <ac:picMkLst>
+            <pc:docMk/>
+            <pc:sldMk cId="4121556743" sldId="268"/>
+            <ac:picMk id="2" creationId="{62708D3F-65FF-8BEE-9189-58E05ADE62FF}"/>
+          </ac:picMkLst>
+        </pc:picChg>
+        <pc:picChg chg="add mod">
+          <ac:chgData name="Kaitlin Eustaquio" userId="1db1b819-5a69-4e28-a1f3-107bdd323ba9" providerId="ADAL" clId="{268579DD-9F3E-DD42-ADBD-2C5BCBEBF3D0}" dt="2023-05-09T08:39:18.428" v="813" actId="1076"/>
+          <ac:picMkLst>
+            <pc:docMk/>
+            <pc:sldMk cId="4121556743" sldId="268"/>
+            <ac:picMk id="3" creationId="{424866BD-7C71-8057-6E6B-B1585DE3857A}"/>
+          </ac:picMkLst>
+        </pc:picChg>
+      </pc:sldChg>
+      <pc:sldChg chg="modSp add mod ord">
+        <pc:chgData name="Kaitlin Eustaquio" userId="1db1b819-5a69-4e28-a1f3-107bdd323ba9" providerId="ADAL" clId="{268579DD-9F3E-DD42-ADBD-2C5BCBEBF3D0}" dt="2023-05-09T08:51:35.961" v="917" actId="20578"/>
+        <pc:sldMkLst>
+          <pc:docMk/>
+          <pc:sldMk cId="901836945" sldId="269"/>
+        </pc:sldMkLst>
+        <pc:spChg chg="mod">
+          <ac:chgData name="Kaitlin Eustaquio" userId="1db1b819-5a69-4e28-a1f3-107bdd323ba9" providerId="ADAL" clId="{268579DD-9F3E-DD42-ADBD-2C5BCBEBF3D0}" dt="2023-05-09T08:51:32.572" v="916" actId="20577"/>
+          <ac:spMkLst>
+            <pc:docMk/>
+            <pc:sldMk cId="901836945" sldId="269"/>
+            <ac:spMk id="78" creationId="{00000000-0000-0000-0000-000000000000}"/>
+          </ac:spMkLst>
+        </pc:spChg>
+      </pc:sldChg>
+      <pc:sldChg chg="addSp modSp add mod">
+        <pc:chgData name="Kaitlin Eustaquio" userId="1db1b819-5a69-4e28-a1f3-107bdd323ba9" providerId="ADAL" clId="{268579DD-9F3E-DD42-ADBD-2C5BCBEBF3D0}" dt="2023-05-09T08:52:37.388" v="1053" actId="14734"/>
+        <pc:sldMkLst>
+          <pc:docMk/>
+          <pc:sldMk cId="2131015006" sldId="270"/>
+        </pc:sldMkLst>
+        <pc:spChg chg="mod">
+          <ac:chgData name="Kaitlin Eustaquio" userId="1db1b819-5a69-4e28-a1f3-107bdd323ba9" providerId="ADAL" clId="{268579DD-9F3E-DD42-ADBD-2C5BCBEBF3D0}" dt="2023-05-09T08:51:29.825" v="914" actId="20577"/>
+          <ac:spMkLst>
+            <pc:docMk/>
+            <pc:sldMk cId="2131015006" sldId="270"/>
+            <ac:spMk id="78" creationId="{00000000-0000-0000-0000-000000000000}"/>
+          </ac:spMkLst>
+        </pc:spChg>
+        <pc:graphicFrameChg chg="mod modGraphic">
+          <ac:chgData name="Kaitlin Eustaquio" userId="1db1b819-5a69-4e28-a1f3-107bdd323ba9" providerId="ADAL" clId="{268579DD-9F3E-DD42-ADBD-2C5BCBEBF3D0}" dt="2023-05-09T08:52:37.388" v="1053" actId="14734"/>
+          <ac:graphicFrameMkLst>
+            <pc:docMk/>
+            <pc:sldMk cId="2131015006" sldId="270"/>
+            <ac:graphicFrameMk id="79" creationId="{00000000-0000-0000-0000-000000000000}"/>
+          </ac:graphicFrameMkLst>
+        </pc:graphicFrameChg>
+        <pc:picChg chg="add mod">
+          <ac:chgData name="Kaitlin Eustaquio" userId="1db1b819-5a69-4e28-a1f3-107bdd323ba9" providerId="ADAL" clId="{268579DD-9F3E-DD42-ADBD-2C5BCBEBF3D0}" dt="2023-05-09T08:51:19.626" v="911" actId="1076"/>
+          <ac:picMkLst>
+            <pc:docMk/>
+            <pc:sldMk cId="2131015006" sldId="270"/>
+            <ac:picMk id="2" creationId="{3A059A3D-2D6D-6EC3-1F9C-01790C3245D2}"/>
+          </ac:picMkLst>
+        </pc:picChg>
+        <pc:picChg chg="add mod">
+          <ac:chgData name="Kaitlin Eustaquio" userId="1db1b819-5a69-4e28-a1f3-107bdd323ba9" providerId="ADAL" clId="{268579DD-9F3E-DD42-ADBD-2C5BCBEBF3D0}" dt="2023-05-09T08:51:18.851" v="910" actId="1076"/>
+          <ac:picMkLst>
+            <pc:docMk/>
+            <pc:sldMk cId="2131015006" sldId="270"/>
+            <ac:picMk id="3" creationId="{A3AFA3B7-9BA2-E798-A022-B59AB610D355}"/>
           </ac:picMkLst>
         </pc:picChg>
       </pc:sldChg>
@@ -1073,6 +1361,567 @@
   <p:cSld>
     <p:spTree>
       <p:nvGrpSpPr>
+        <p:cNvPr id="1" name="Shape 74"/>
+        <p:cNvGrpSpPr/>
+        <p:nvPr/>
+      </p:nvGrpSpPr>
+      <p:grpSpPr>
+        <a:xfrm>
+          <a:off x="0" y="0"/>
+          <a:ext cx="0" cy="0"/>
+          <a:chOff x="0" y="0"/>
+          <a:chExt cx="0" cy="0"/>
+        </a:xfrm>
+      </p:grpSpPr>
+      <p:sp>
+        <p:nvSpPr>
+          <p:cNvPr id="75" name="Google Shape;75;gac10fef634_0_20:notes"/>
+          <p:cNvSpPr>
+            <a:spLocks noGrp="1" noRot="1" noChangeAspect="1"/>
+          </p:cNvSpPr>
+          <p:nvPr>
+            <p:ph type="sldImg" idx="2"/>
+          </p:nvPr>
+        </p:nvSpPr>
+        <p:spPr>
+          <a:xfrm>
+            <a:off x="381000" y="685800"/>
+            <a:ext cx="6096000" cy="3429000"/>
+          </a:xfrm>
+          <a:custGeom>
+            <a:avLst/>
+            <a:gdLst/>
+            <a:ahLst/>
+            <a:cxnLst/>
+            <a:rect l="l" t="t" r="r" b="b"/>
+            <a:pathLst>
+              <a:path w="120000" h="120000" extrusionOk="0">
+                <a:moveTo>
+                  <a:pt x="0" y="0"/>
+                </a:moveTo>
+                <a:lnTo>
+                  <a:pt x="120000" y="0"/>
+                </a:lnTo>
+                <a:lnTo>
+                  <a:pt x="120000" y="120000"/>
+                </a:lnTo>
+                <a:lnTo>
+                  <a:pt x="0" y="120000"/>
+                </a:lnTo>
+                <a:close/>
+              </a:path>
+            </a:pathLst>
+          </a:custGeom>
+        </p:spPr>
+      </p:sp>
+      <p:sp>
+        <p:nvSpPr>
+          <p:cNvPr id="76" name="Google Shape;76;gac10fef634_0_20:notes"/>
+          <p:cNvSpPr txBox="1">
+            <a:spLocks noGrp="1"/>
+          </p:cNvSpPr>
+          <p:nvPr>
+            <p:ph type="body" idx="1"/>
+          </p:nvPr>
+        </p:nvSpPr>
+        <p:spPr>
+          <a:xfrm>
+            <a:off x="685800" y="4343400"/>
+            <a:ext cx="5486400" cy="4114800"/>
+          </a:xfrm>
+          <a:prstGeom prst="rect">
+            <a:avLst/>
+          </a:prstGeom>
+        </p:spPr>
+        <p:txBody>
+          <a:bodyPr spcFirstLastPara="1" wrap="square" lIns="91425" tIns="91425" rIns="91425" bIns="91425" anchor="t" anchorCtr="0">
+            <a:noAutofit/>
+          </a:bodyPr>
+          <a:lstStyle/>
+          <a:p>
+            <a:pPr marL="0" lvl="0" indent="0" algn="l" rtl="0">
+              <a:spcBef>
+                <a:spcPts val="0"/>
+              </a:spcBef>
+              <a:spcAft>
+                <a:spcPts val="0"/>
+              </a:spcAft>
+              <a:buNone/>
+            </a:pPr>
+            <a:endParaRPr/>
+          </a:p>
+        </p:txBody>
+      </p:sp>
+    </p:spTree>
+    <p:extLst>
+      <p:ext uri="{BB962C8B-B14F-4D97-AF65-F5344CB8AC3E}">
+        <p14:creationId xmlns:p14="http://schemas.microsoft.com/office/powerpoint/2010/main" val="3991745932"/>
+      </p:ext>
+    </p:extLst>
+  </p:cSld>
+  <p:clrMapOvr>
+    <a:masterClrMapping/>
+  </p:clrMapOvr>
+</p:notes>
+</file>
+
+<file path=ppt/notesSlides/notesSlide11.xml><?xml version="1.0" encoding="utf-8"?>
+<p:notes xmlns:a="http://schemas.openxmlformats.org/drawingml/2006/main" xmlns:r="http://schemas.openxmlformats.org/officeDocument/2006/relationships" xmlns:p="http://schemas.openxmlformats.org/presentationml/2006/main" showMasterSp="0" showMasterPhAnim="0">
+  <p:cSld>
+    <p:spTree>
+      <p:nvGrpSpPr>
+        <p:cNvPr id="1" name="Shape 74"/>
+        <p:cNvGrpSpPr/>
+        <p:nvPr/>
+      </p:nvGrpSpPr>
+      <p:grpSpPr>
+        <a:xfrm>
+          <a:off x="0" y="0"/>
+          <a:ext cx="0" cy="0"/>
+          <a:chOff x="0" y="0"/>
+          <a:chExt cx="0" cy="0"/>
+        </a:xfrm>
+      </p:grpSpPr>
+      <p:sp>
+        <p:nvSpPr>
+          <p:cNvPr id="75" name="Google Shape;75;gac10fef634_0_20:notes"/>
+          <p:cNvSpPr>
+            <a:spLocks noGrp="1" noRot="1" noChangeAspect="1"/>
+          </p:cNvSpPr>
+          <p:nvPr>
+            <p:ph type="sldImg" idx="2"/>
+          </p:nvPr>
+        </p:nvSpPr>
+        <p:spPr>
+          <a:xfrm>
+            <a:off x="381000" y="685800"/>
+            <a:ext cx="6096000" cy="3429000"/>
+          </a:xfrm>
+          <a:custGeom>
+            <a:avLst/>
+            <a:gdLst/>
+            <a:ahLst/>
+            <a:cxnLst/>
+            <a:rect l="l" t="t" r="r" b="b"/>
+            <a:pathLst>
+              <a:path w="120000" h="120000" extrusionOk="0">
+                <a:moveTo>
+                  <a:pt x="0" y="0"/>
+                </a:moveTo>
+                <a:lnTo>
+                  <a:pt x="120000" y="0"/>
+                </a:lnTo>
+                <a:lnTo>
+                  <a:pt x="120000" y="120000"/>
+                </a:lnTo>
+                <a:lnTo>
+                  <a:pt x="0" y="120000"/>
+                </a:lnTo>
+                <a:close/>
+              </a:path>
+            </a:pathLst>
+          </a:custGeom>
+        </p:spPr>
+      </p:sp>
+      <p:sp>
+        <p:nvSpPr>
+          <p:cNvPr id="76" name="Google Shape;76;gac10fef634_0_20:notes"/>
+          <p:cNvSpPr txBox="1">
+            <a:spLocks noGrp="1"/>
+          </p:cNvSpPr>
+          <p:nvPr>
+            <p:ph type="body" idx="1"/>
+          </p:nvPr>
+        </p:nvSpPr>
+        <p:spPr>
+          <a:xfrm>
+            <a:off x="685800" y="4343400"/>
+            <a:ext cx="5486400" cy="4114800"/>
+          </a:xfrm>
+          <a:prstGeom prst="rect">
+            <a:avLst/>
+          </a:prstGeom>
+        </p:spPr>
+        <p:txBody>
+          <a:bodyPr spcFirstLastPara="1" wrap="square" lIns="91425" tIns="91425" rIns="91425" bIns="91425" anchor="t" anchorCtr="0">
+            <a:noAutofit/>
+          </a:bodyPr>
+          <a:lstStyle/>
+          <a:p>
+            <a:pPr marL="0" lvl="0" indent="0" algn="l" rtl="0">
+              <a:spcBef>
+                <a:spcPts val="0"/>
+              </a:spcBef>
+              <a:spcAft>
+                <a:spcPts val="0"/>
+              </a:spcAft>
+              <a:buNone/>
+            </a:pPr>
+            <a:endParaRPr/>
+          </a:p>
+        </p:txBody>
+      </p:sp>
+    </p:spTree>
+    <p:extLst>
+      <p:ext uri="{BB962C8B-B14F-4D97-AF65-F5344CB8AC3E}">
+        <p14:creationId xmlns:p14="http://schemas.microsoft.com/office/powerpoint/2010/main" val="4032648579"/>
+      </p:ext>
+    </p:extLst>
+  </p:cSld>
+  <p:clrMapOvr>
+    <a:masterClrMapping/>
+  </p:clrMapOvr>
+</p:notes>
+</file>
+
+<file path=ppt/notesSlides/notesSlide12.xml><?xml version="1.0" encoding="utf-8"?>
+<p:notes xmlns:a="http://schemas.openxmlformats.org/drawingml/2006/main" xmlns:r="http://schemas.openxmlformats.org/officeDocument/2006/relationships" xmlns:p="http://schemas.openxmlformats.org/presentationml/2006/main" showMasterSp="0" showMasterPhAnim="0">
+  <p:cSld>
+    <p:spTree>
+      <p:nvGrpSpPr>
+        <p:cNvPr id="1" name="Shape 74"/>
+        <p:cNvGrpSpPr/>
+        <p:nvPr/>
+      </p:nvGrpSpPr>
+      <p:grpSpPr>
+        <a:xfrm>
+          <a:off x="0" y="0"/>
+          <a:ext cx="0" cy="0"/>
+          <a:chOff x="0" y="0"/>
+          <a:chExt cx="0" cy="0"/>
+        </a:xfrm>
+      </p:grpSpPr>
+      <p:sp>
+        <p:nvSpPr>
+          <p:cNvPr id="75" name="Google Shape;75;gac10fef634_0_20:notes"/>
+          <p:cNvSpPr>
+            <a:spLocks noGrp="1" noRot="1" noChangeAspect="1"/>
+          </p:cNvSpPr>
+          <p:nvPr>
+            <p:ph type="sldImg" idx="2"/>
+          </p:nvPr>
+        </p:nvSpPr>
+        <p:spPr>
+          <a:xfrm>
+            <a:off x="381000" y="685800"/>
+            <a:ext cx="6096000" cy="3429000"/>
+          </a:xfrm>
+          <a:custGeom>
+            <a:avLst/>
+            <a:gdLst/>
+            <a:ahLst/>
+            <a:cxnLst/>
+            <a:rect l="l" t="t" r="r" b="b"/>
+            <a:pathLst>
+              <a:path w="120000" h="120000" extrusionOk="0">
+                <a:moveTo>
+                  <a:pt x="0" y="0"/>
+                </a:moveTo>
+                <a:lnTo>
+                  <a:pt x="120000" y="0"/>
+                </a:lnTo>
+                <a:lnTo>
+                  <a:pt x="120000" y="120000"/>
+                </a:lnTo>
+                <a:lnTo>
+                  <a:pt x="0" y="120000"/>
+                </a:lnTo>
+                <a:close/>
+              </a:path>
+            </a:pathLst>
+          </a:custGeom>
+        </p:spPr>
+      </p:sp>
+      <p:sp>
+        <p:nvSpPr>
+          <p:cNvPr id="76" name="Google Shape;76;gac10fef634_0_20:notes"/>
+          <p:cNvSpPr txBox="1">
+            <a:spLocks noGrp="1"/>
+          </p:cNvSpPr>
+          <p:nvPr>
+            <p:ph type="body" idx="1"/>
+          </p:nvPr>
+        </p:nvSpPr>
+        <p:spPr>
+          <a:xfrm>
+            <a:off x="685800" y="4343400"/>
+            <a:ext cx="5486400" cy="4114800"/>
+          </a:xfrm>
+          <a:prstGeom prst="rect">
+            <a:avLst/>
+          </a:prstGeom>
+        </p:spPr>
+        <p:txBody>
+          <a:bodyPr spcFirstLastPara="1" wrap="square" lIns="91425" tIns="91425" rIns="91425" bIns="91425" anchor="t" anchorCtr="0">
+            <a:noAutofit/>
+          </a:bodyPr>
+          <a:lstStyle/>
+          <a:p>
+            <a:pPr marL="0" lvl="0" indent="0" algn="l" rtl="0">
+              <a:spcBef>
+                <a:spcPts val="0"/>
+              </a:spcBef>
+              <a:spcAft>
+                <a:spcPts val="0"/>
+              </a:spcAft>
+              <a:buNone/>
+            </a:pPr>
+            <a:endParaRPr/>
+          </a:p>
+        </p:txBody>
+      </p:sp>
+    </p:spTree>
+    <p:extLst>
+      <p:ext uri="{BB962C8B-B14F-4D97-AF65-F5344CB8AC3E}">
+        <p14:creationId xmlns:p14="http://schemas.microsoft.com/office/powerpoint/2010/main" val="2659218444"/>
+      </p:ext>
+    </p:extLst>
+  </p:cSld>
+  <p:clrMapOvr>
+    <a:masterClrMapping/>
+  </p:clrMapOvr>
+</p:notes>
+</file>
+
+<file path=ppt/notesSlides/notesSlide13.xml><?xml version="1.0" encoding="utf-8"?>
+<p:notes xmlns:a="http://schemas.openxmlformats.org/drawingml/2006/main" xmlns:r="http://schemas.openxmlformats.org/officeDocument/2006/relationships" xmlns:p="http://schemas.openxmlformats.org/presentationml/2006/main" showMasterSp="0" showMasterPhAnim="0">
+  <p:cSld>
+    <p:spTree>
+      <p:nvGrpSpPr>
+        <p:cNvPr id="1" name="Shape 74"/>
+        <p:cNvGrpSpPr/>
+        <p:nvPr/>
+      </p:nvGrpSpPr>
+      <p:grpSpPr>
+        <a:xfrm>
+          <a:off x="0" y="0"/>
+          <a:ext cx="0" cy="0"/>
+          <a:chOff x="0" y="0"/>
+          <a:chExt cx="0" cy="0"/>
+        </a:xfrm>
+      </p:grpSpPr>
+      <p:sp>
+        <p:nvSpPr>
+          <p:cNvPr id="75" name="Google Shape;75;gac10fef634_0_20:notes"/>
+          <p:cNvSpPr>
+            <a:spLocks noGrp="1" noRot="1" noChangeAspect="1"/>
+          </p:cNvSpPr>
+          <p:nvPr>
+            <p:ph type="sldImg" idx="2"/>
+          </p:nvPr>
+        </p:nvSpPr>
+        <p:spPr>
+          <a:xfrm>
+            <a:off x="381000" y="685800"/>
+            <a:ext cx="6096000" cy="3429000"/>
+          </a:xfrm>
+          <a:custGeom>
+            <a:avLst/>
+            <a:gdLst/>
+            <a:ahLst/>
+            <a:cxnLst/>
+            <a:rect l="l" t="t" r="r" b="b"/>
+            <a:pathLst>
+              <a:path w="120000" h="120000" extrusionOk="0">
+                <a:moveTo>
+                  <a:pt x="0" y="0"/>
+                </a:moveTo>
+                <a:lnTo>
+                  <a:pt x="120000" y="0"/>
+                </a:lnTo>
+                <a:lnTo>
+                  <a:pt x="120000" y="120000"/>
+                </a:lnTo>
+                <a:lnTo>
+                  <a:pt x="0" y="120000"/>
+                </a:lnTo>
+                <a:close/>
+              </a:path>
+            </a:pathLst>
+          </a:custGeom>
+        </p:spPr>
+      </p:sp>
+      <p:sp>
+        <p:nvSpPr>
+          <p:cNvPr id="76" name="Google Shape;76;gac10fef634_0_20:notes"/>
+          <p:cNvSpPr txBox="1">
+            <a:spLocks noGrp="1"/>
+          </p:cNvSpPr>
+          <p:nvPr>
+            <p:ph type="body" idx="1"/>
+          </p:nvPr>
+        </p:nvSpPr>
+        <p:spPr>
+          <a:xfrm>
+            <a:off x="685800" y="4343400"/>
+            <a:ext cx="5486400" cy="4114800"/>
+          </a:xfrm>
+          <a:prstGeom prst="rect">
+            <a:avLst/>
+          </a:prstGeom>
+        </p:spPr>
+        <p:txBody>
+          <a:bodyPr spcFirstLastPara="1" wrap="square" lIns="91425" tIns="91425" rIns="91425" bIns="91425" anchor="t" anchorCtr="0">
+            <a:noAutofit/>
+          </a:bodyPr>
+          <a:lstStyle/>
+          <a:p>
+            <a:pPr marL="0" lvl="0" indent="0" algn="l" rtl="0">
+              <a:spcBef>
+                <a:spcPts val="0"/>
+              </a:spcBef>
+              <a:spcAft>
+                <a:spcPts val="0"/>
+              </a:spcAft>
+              <a:buNone/>
+            </a:pPr>
+            <a:endParaRPr/>
+          </a:p>
+        </p:txBody>
+      </p:sp>
+    </p:spTree>
+    <p:extLst>
+      <p:ext uri="{BB962C8B-B14F-4D97-AF65-F5344CB8AC3E}">
+        <p14:creationId xmlns:p14="http://schemas.microsoft.com/office/powerpoint/2010/main" val="2228932200"/>
+      </p:ext>
+    </p:extLst>
+  </p:cSld>
+  <p:clrMapOvr>
+    <a:masterClrMapping/>
+  </p:clrMapOvr>
+</p:notes>
+</file>
+
+<file path=ppt/notesSlides/notesSlide14.xml><?xml version="1.0" encoding="utf-8"?>
+<p:notes xmlns:a="http://schemas.openxmlformats.org/drawingml/2006/main" xmlns:r="http://schemas.openxmlformats.org/officeDocument/2006/relationships" xmlns:p="http://schemas.openxmlformats.org/presentationml/2006/main" showMasterSp="0" showMasterPhAnim="0">
+  <p:cSld>
+    <p:spTree>
+      <p:nvGrpSpPr>
+        <p:cNvPr id="1" name="Shape 80"/>
+        <p:cNvGrpSpPr/>
+        <p:nvPr/>
+      </p:nvGrpSpPr>
+      <p:grpSpPr>
+        <a:xfrm>
+          <a:off x="0" y="0"/>
+          <a:ext cx="0" cy="0"/>
+          <a:chOff x="0" y="0"/>
+          <a:chExt cx="0" cy="0"/>
+        </a:xfrm>
+      </p:grpSpPr>
+      <p:sp>
+        <p:nvSpPr>
+          <p:cNvPr id="81" name="Google Shape;81;gac10fef634_0_25:notes"/>
+          <p:cNvSpPr>
+            <a:spLocks noGrp="1" noRot="1" noChangeAspect="1"/>
+          </p:cNvSpPr>
+          <p:nvPr>
+            <p:ph type="sldImg" idx="2"/>
+          </p:nvPr>
+        </p:nvSpPr>
+        <p:spPr>
+          <a:xfrm>
+            <a:off x="381000" y="685800"/>
+            <a:ext cx="6096000" cy="3429000"/>
+          </a:xfrm>
+          <a:custGeom>
+            <a:avLst/>
+            <a:gdLst/>
+            <a:ahLst/>
+            <a:cxnLst/>
+            <a:rect l="l" t="t" r="r" b="b"/>
+            <a:pathLst>
+              <a:path w="120000" h="120000" extrusionOk="0">
+                <a:moveTo>
+                  <a:pt x="0" y="0"/>
+                </a:moveTo>
+                <a:lnTo>
+                  <a:pt x="120000" y="0"/>
+                </a:lnTo>
+                <a:lnTo>
+                  <a:pt x="120000" y="120000"/>
+                </a:lnTo>
+                <a:lnTo>
+                  <a:pt x="0" y="120000"/>
+                </a:lnTo>
+                <a:close/>
+              </a:path>
+            </a:pathLst>
+          </a:custGeom>
+        </p:spPr>
+      </p:sp>
+      <p:sp>
+        <p:nvSpPr>
+          <p:cNvPr id="82" name="Google Shape;82;gac10fef634_0_25:notes"/>
+          <p:cNvSpPr txBox="1">
+            <a:spLocks noGrp="1"/>
+          </p:cNvSpPr>
+          <p:nvPr>
+            <p:ph type="body" idx="1"/>
+          </p:nvPr>
+        </p:nvSpPr>
+        <p:spPr>
+          <a:xfrm>
+            <a:off x="685800" y="4343400"/>
+            <a:ext cx="5486400" cy="4114800"/>
+          </a:xfrm>
+          <a:prstGeom prst="rect">
+            <a:avLst/>
+          </a:prstGeom>
+        </p:spPr>
+        <p:txBody>
+          <a:bodyPr spcFirstLastPara="1" wrap="square" lIns="91425" tIns="91425" rIns="91425" bIns="91425" anchor="t" anchorCtr="0">
+            <a:noAutofit/>
+          </a:bodyPr>
+          <a:lstStyle/>
+          <a:p>
+            <a:pPr marL="0" lvl="0" indent="0" algn="l" rtl="0">
+              <a:spcBef>
+                <a:spcPts val="0"/>
+              </a:spcBef>
+              <a:spcAft>
+                <a:spcPts val="0"/>
+              </a:spcAft>
+              <a:buClr>
+                <a:schemeClr val="dk1"/>
+              </a:buClr>
+              <a:buSzPts val="1100"/>
+              <a:buFont typeface="Arial"/>
+              <a:buNone/>
+            </a:pPr>
+            <a:r>
+              <a:rPr lang="en"/>
+              <a:t>Your version control evidence should go here.  This could be in the form of annotated screenshots which show you you managed this process or you could make a brief screencast explaining how you implemented version control.</a:t>
+            </a:r>
+            <a:endParaRPr/>
+          </a:p>
+          <a:p>
+            <a:pPr marL="0" lvl="0" indent="0" algn="l" rtl="0">
+              <a:spcBef>
+                <a:spcPts val="0"/>
+              </a:spcBef>
+              <a:spcAft>
+                <a:spcPts val="0"/>
+              </a:spcAft>
+              <a:buNone/>
+            </a:pPr>
+            <a:endParaRPr/>
+          </a:p>
+        </p:txBody>
+      </p:sp>
+    </p:spTree>
+  </p:cSld>
+  <p:clrMapOvr>
+    <a:masterClrMapping/>
+  </p:clrMapOvr>
+</p:notes>
+</file>
+
+<file path=ppt/notesSlides/notesSlide15.xml><?xml version="1.0" encoding="utf-8"?>
+<p:notes xmlns:a="http://schemas.openxmlformats.org/drawingml/2006/main" xmlns:r="http://schemas.openxmlformats.org/officeDocument/2006/relationships" xmlns:p="http://schemas.openxmlformats.org/presentationml/2006/main" showMasterSp="0" showMasterPhAnim="0">
+  <p:cSld>
+    <p:spTree>
+      <p:nvGrpSpPr>
         <p:cNvPr id="1" name="Shape 86"/>
         <p:cNvGrpSpPr/>
         <p:nvPr/>
@@ -1949,7 +2798,7 @@
   <p:cSld>
     <p:spTree>
       <p:nvGrpSpPr>
-        <p:cNvPr id="1" name="Shape 80"/>
+        <p:cNvPr id="1" name="Shape 74"/>
         <p:cNvGrpSpPr/>
         <p:nvPr/>
       </p:nvGrpSpPr>
@@ -1963,7 +2812,7 @@
       </p:grpSpPr>
       <p:sp>
         <p:nvSpPr>
-          <p:cNvPr id="81" name="Google Shape;81;gac10fef634_0_25:notes"/>
+          <p:cNvPr id="75" name="Google Shape;75;gac10fef634_0_20:notes"/>
           <p:cNvSpPr>
             <a:spLocks noGrp="1" noRot="1" noChangeAspect="1"/>
           </p:cNvSpPr>
@@ -2004,7 +2853,7 @@
       </p:sp>
       <p:sp>
         <p:nvSpPr>
-          <p:cNvPr id="82" name="Google Shape;82;gac10fef634_0_25:notes"/>
+          <p:cNvPr id="76" name="Google Shape;76;gac10fef634_0_20:notes"/>
           <p:cNvSpPr txBox="1">
             <a:spLocks noGrp="1"/>
           </p:cNvSpPr>
@@ -2034,27 +2883,6 @@
               <a:spcAft>
                 <a:spcPts val="0"/>
               </a:spcAft>
-              <a:buClr>
-                <a:schemeClr val="dk1"/>
-              </a:buClr>
-              <a:buSzPts val="1100"/>
-              <a:buFont typeface="Arial"/>
-              <a:buNone/>
-            </a:pPr>
-            <a:r>
-              <a:rPr lang="en"/>
-              <a:t>Your version control evidence should go here.  This could be in the form of annotated screenshots which show you you managed this process or you could make a brief screencast explaining how you implemented version control.</a:t>
-            </a:r>
-            <a:endParaRPr/>
-          </a:p>
-          <a:p>
-            <a:pPr marL="0" lvl="0" indent="0" algn="l" rtl="0">
-              <a:spcBef>
-                <a:spcPts val="0"/>
-              </a:spcBef>
-              <a:spcAft>
-                <a:spcPts val="0"/>
-              </a:spcAft>
               <a:buNone/>
             </a:pPr>
             <a:endParaRPr/>
@@ -2062,6 +2890,11 @@
         </p:txBody>
       </p:sp>
     </p:spTree>
+    <p:extLst>
+      <p:ext uri="{BB962C8B-B14F-4D97-AF65-F5344CB8AC3E}">
+        <p14:creationId xmlns:p14="http://schemas.microsoft.com/office/powerpoint/2010/main" val="2626043390"/>
+      </p:ext>
+    </p:extLst>
   </p:cSld>
   <p:clrMapOvr>
     <a:masterClrMapping/>
@@ -7169,6 +8002,1479 @@
 <file path=ppt/slides/slide10.xml><?xml version="1.0" encoding="utf-8"?>
 <p:sld xmlns:a="http://schemas.openxmlformats.org/drawingml/2006/main" xmlns:r="http://schemas.openxmlformats.org/officeDocument/2006/relationships" xmlns:p="http://schemas.openxmlformats.org/presentationml/2006/main">
   <p:cSld>
+    <p:spTree>
+      <p:nvGrpSpPr>
+        <p:cNvPr id="1" name="Shape 77"/>
+        <p:cNvGrpSpPr/>
+        <p:nvPr/>
+      </p:nvGrpSpPr>
+      <p:grpSpPr>
+        <a:xfrm>
+          <a:off x="0" y="0"/>
+          <a:ext cx="0" cy="0"/>
+          <a:chOff x="0" y="0"/>
+          <a:chExt cx="0" cy="0"/>
+        </a:xfrm>
+      </p:grpSpPr>
+      <p:sp>
+        <p:nvSpPr>
+          <p:cNvPr id="78" name="Google Shape;78;p17"/>
+          <p:cNvSpPr txBox="1">
+            <a:spLocks noGrp="1"/>
+          </p:cNvSpPr>
+          <p:nvPr>
+            <p:ph type="title"/>
+          </p:nvPr>
+        </p:nvSpPr>
+        <p:spPr>
+          <a:xfrm>
+            <a:off x="311700" y="445025"/>
+            <a:ext cx="8520600" cy="572700"/>
+          </a:xfrm>
+          <a:prstGeom prst="rect">
+            <a:avLst/>
+          </a:prstGeom>
+        </p:spPr>
+        <p:txBody>
+          <a:bodyPr spcFirstLastPara="1" wrap="square" lIns="91425" tIns="91425" rIns="91425" bIns="91425" anchor="t" anchorCtr="0">
+            <a:noAutofit/>
+          </a:bodyPr>
+          <a:lstStyle/>
+          <a:p>
+            <a:pPr marL="0" lvl="0" indent="0" algn="l" rtl="0">
+              <a:spcBef>
+                <a:spcPts val="0"/>
+              </a:spcBef>
+              <a:spcAft>
+                <a:spcPts val="0"/>
+              </a:spcAft>
+              <a:buNone/>
+            </a:pPr>
+            <a:r>
+              <a:rPr lang="en" dirty="0"/>
+              <a:t>Component 2 v3 - Test Plan (and screenshot)</a:t>
+            </a:r>
+            <a:endParaRPr dirty="0"/>
+          </a:p>
+        </p:txBody>
+      </p:sp>
+      <p:graphicFrame>
+        <p:nvGraphicFramePr>
+          <p:cNvPr id="79" name="Google Shape;79;p17"/>
+          <p:cNvGraphicFramePr/>
+          <p:nvPr>
+            <p:extLst>
+              <p:ext uri="{D42A27DB-BD31-4B8C-83A1-F6EECF244321}">
+                <p14:modId xmlns:p14="http://schemas.microsoft.com/office/powerpoint/2010/main" val="899413316"/>
+              </p:ext>
+            </p:extLst>
+          </p:nvPr>
+        </p:nvGraphicFramePr>
+        <p:xfrm>
+          <a:off x="388400" y="2828444"/>
+          <a:ext cx="8520600" cy="2285940"/>
+        </p:xfrm>
+        <a:graphic>
+          <a:graphicData uri="http://schemas.openxmlformats.org/drawingml/2006/table">
+            <a:tbl>
+              <a:tblPr>
+                <a:noFill/>
+                <a:tableStyleId>{E1099E06-0E6B-448D-9D27-60429F06E6F4}</a:tableStyleId>
+              </a:tblPr>
+              <a:tblGrid>
+                <a:gridCol w="4260300">
+                  <a:extLst>
+                    <a:ext uri="{9D8B030D-6E8A-4147-A177-3AD203B41FA5}">
+                      <a16:colId xmlns:a16="http://schemas.microsoft.com/office/drawing/2014/main" val="20000"/>
+                    </a:ext>
+                  </a:extLst>
+                </a:gridCol>
+                <a:gridCol w="4260300">
+                  <a:extLst>
+                    <a:ext uri="{9D8B030D-6E8A-4147-A177-3AD203B41FA5}">
+                      <a16:colId xmlns:a16="http://schemas.microsoft.com/office/drawing/2014/main" val="20001"/>
+                    </a:ext>
+                  </a:extLst>
+                </a:gridCol>
+              </a:tblGrid>
+              <a:tr h="381000">
+                <a:tc>
+                  <a:txBody>
+                    <a:bodyPr/>
+                    <a:lstStyle/>
+                    <a:p>
+                      <a:pPr marL="0" lvl="0" indent="0" algn="l" rtl="0">
+                        <a:spcBef>
+                          <a:spcPts val="0"/>
+                        </a:spcBef>
+                        <a:spcAft>
+                          <a:spcPts val="0"/>
+                        </a:spcAft>
+                        <a:buNone/>
+                      </a:pPr>
+                      <a:r>
+                        <a:rPr lang="en" sz="1800" b="1" dirty="0"/>
+                        <a:t>Test Case</a:t>
+                      </a:r>
+                      <a:endParaRPr sz="1800" b="1" dirty="0"/>
+                    </a:p>
+                  </a:txBody>
+                  <a:tcPr marL="91425" marR="91425" marT="91425" marB="91425">
+                    <a:solidFill>
+                      <a:srgbClr val="CCCCCC"/>
+                    </a:solidFill>
+                  </a:tcPr>
+                </a:tc>
+                <a:tc>
+                  <a:txBody>
+                    <a:bodyPr/>
+                    <a:lstStyle/>
+                    <a:p>
+                      <a:pPr marL="0" lvl="0" indent="0" algn="l" rtl="0">
+                        <a:spcBef>
+                          <a:spcPts val="0"/>
+                        </a:spcBef>
+                        <a:spcAft>
+                          <a:spcPts val="0"/>
+                        </a:spcAft>
+                        <a:buNone/>
+                      </a:pPr>
+                      <a:r>
+                        <a:rPr lang="en" sz="1800" b="1" dirty="0"/>
+                        <a:t>Expected Values</a:t>
+                      </a:r>
+                      <a:endParaRPr sz="1800" b="1" dirty="0"/>
+                    </a:p>
+                  </a:txBody>
+                  <a:tcPr marL="91425" marR="91425" marT="91425" marB="91425">
+                    <a:solidFill>
+                      <a:srgbClr val="CCCCCC"/>
+                    </a:solidFill>
+                  </a:tcPr>
+                </a:tc>
+                <a:extLst>
+                  <a:ext uri="{0D108BD9-81ED-4DB2-BD59-A6C34878D82A}">
+                    <a16:rowId xmlns:a16="http://schemas.microsoft.com/office/drawing/2014/main" val="10000"/>
+                  </a:ext>
+                </a:extLst>
+              </a:tr>
+              <a:tr h="396200">
+                <a:tc>
+                  <a:txBody>
+                    <a:bodyPr/>
+                    <a:lstStyle/>
+                    <a:p>
+                      <a:pPr marL="0" lvl="0" indent="0" algn="l" rtl="0">
+                        <a:spcBef>
+                          <a:spcPts val="0"/>
+                        </a:spcBef>
+                        <a:spcAft>
+                          <a:spcPts val="0"/>
+                        </a:spcAft>
+                        <a:buNone/>
+                      </a:pPr>
+                      <a:r>
+                        <a:rPr lang="en-US" sz="1800" dirty="0"/>
+                        <a:t>Run program</a:t>
+                      </a:r>
+                      <a:endParaRPr sz="1800" dirty="0"/>
+                    </a:p>
+                  </a:txBody>
+                  <a:tcPr marL="91425" marR="91425" marT="91425" marB="91425"/>
+                </a:tc>
+                <a:tc>
+                  <a:txBody>
+                    <a:bodyPr/>
+                    <a:lstStyle/>
+                    <a:p>
+                      <a:pPr marL="0" lvl="0" indent="0" algn="l" rtl="0">
+                        <a:spcBef>
+                          <a:spcPts val="0"/>
+                        </a:spcBef>
+                        <a:spcAft>
+                          <a:spcPts val="0"/>
+                        </a:spcAft>
+                        <a:buNone/>
+                      </a:pPr>
+                      <a:r>
+                        <a:rPr lang="en-US" sz="1800" dirty="0"/>
+                        <a:t>Enter 1 and the program prints pickup</a:t>
+                      </a:r>
+                    </a:p>
+                    <a:p>
+                      <a:pPr marL="0" lvl="0" indent="0" algn="l" rtl="0">
+                        <a:spcBef>
+                          <a:spcPts val="0"/>
+                        </a:spcBef>
+                        <a:spcAft>
+                          <a:spcPts val="0"/>
+                        </a:spcAft>
+                        <a:buNone/>
+                      </a:pPr>
+                      <a:r>
+                        <a:rPr lang="en-US" sz="1800" dirty="0"/>
+                        <a:t>Enter 2 and the program prints delivery</a:t>
+                      </a:r>
+                    </a:p>
+                    <a:p>
+                      <a:pPr marL="0" lvl="0" indent="0" algn="l" rtl="0">
+                        <a:spcBef>
+                          <a:spcPts val="0"/>
+                        </a:spcBef>
+                        <a:spcAft>
+                          <a:spcPts val="0"/>
+                        </a:spcAft>
+                        <a:buNone/>
+                      </a:pPr>
+                      <a:r>
+                        <a:rPr lang="en-US" sz="1800" dirty="0"/>
+                        <a:t>Enter invalid integer and the program prints error message </a:t>
+                      </a:r>
+                    </a:p>
+                    <a:p>
+                      <a:pPr marL="0" marR="0" lvl="0" indent="0" algn="l" defTabSz="914400" rtl="0" eaLnBrk="1" fontAlgn="auto" latinLnBrk="0" hangingPunct="1">
+                        <a:lnSpc>
+                          <a:spcPct val="100000"/>
+                        </a:lnSpc>
+                        <a:spcBef>
+                          <a:spcPts val="0"/>
+                        </a:spcBef>
+                        <a:spcAft>
+                          <a:spcPts val="0"/>
+                        </a:spcAft>
+                        <a:buClr>
+                          <a:srgbClr val="000000"/>
+                        </a:buClr>
+                        <a:buSzTx/>
+                        <a:buFont typeface="Arial"/>
+                        <a:buNone/>
+                        <a:tabLst/>
+                        <a:defRPr/>
+                      </a:pPr>
+                      <a:r>
+                        <a:rPr lang="en-US" sz="1800" dirty="0"/>
+                        <a:t>Enter invalid and the program displays value error</a:t>
+                      </a:r>
+                    </a:p>
+                  </a:txBody>
+                  <a:tcPr marL="91425" marR="91425" marT="91425" marB="91425"/>
+                </a:tc>
+                <a:extLst>
+                  <a:ext uri="{0D108BD9-81ED-4DB2-BD59-A6C34878D82A}">
+                    <a16:rowId xmlns:a16="http://schemas.microsoft.com/office/drawing/2014/main" val="10001"/>
+                  </a:ext>
+                </a:extLst>
+              </a:tr>
+            </a:tbl>
+          </a:graphicData>
+        </a:graphic>
+      </p:graphicFrame>
+      <p:pic>
+        <p:nvPicPr>
+          <p:cNvPr id="2" name="Picture 1">
+            <a:extLst>
+              <a:ext uri="{FF2B5EF4-FFF2-40B4-BE49-F238E27FC236}">
+                <a16:creationId xmlns:a16="http://schemas.microsoft.com/office/drawing/2014/main" id="{9AA8971F-1D58-C8DC-2F7E-BAD965052DF0}"/>
+              </a:ext>
+            </a:extLst>
+          </p:cNvPr>
+          <p:cNvPicPr>
+            <a:picLocks noChangeAspect="1"/>
+          </p:cNvPicPr>
+          <p:nvPr/>
+        </p:nvPicPr>
+        <p:blipFill>
+          <a:blip r:embed="rId3"/>
+          <a:stretch>
+            <a:fillRect/>
+          </a:stretch>
+        </p:blipFill>
+        <p:spPr>
+          <a:xfrm>
+            <a:off x="617222" y="999476"/>
+            <a:ext cx="2685938" cy="1769491"/>
+          </a:xfrm>
+          <a:prstGeom prst="rect">
+            <a:avLst/>
+          </a:prstGeom>
+        </p:spPr>
+      </p:pic>
+      <p:pic>
+        <p:nvPicPr>
+          <p:cNvPr id="3" name="Picture 2">
+            <a:extLst>
+              <a:ext uri="{FF2B5EF4-FFF2-40B4-BE49-F238E27FC236}">
+                <a16:creationId xmlns:a16="http://schemas.microsoft.com/office/drawing/2014/main" id="{31F30897-6506-3256-3A9D-D99859EBDC76}"/>
+              </a:ext>
+            </a:extLst>
+          </p:cNvPr>
+          <p:cNvPicPr>
+            <a:picLocks noChangeAspect="1"/>
+          </p:cNvPicPr>
+          <p:nvPr/>
+        </p:nvPicPr>
+        <p:blipFill>
+          <a:blip r:embed="rId4"/>
+          <a:stretch>
+            <a:fillRect/>
+          </a:stretch>
+        </p:blipFill>
+        <p:spPr>
+          <a:xfrm>
+            <a:off x="3829546" y="1645597"/>
+            <a:ext cx="4697233" cy="608450"/>
+          </a:xfrm>
+          <a:prstGeom prst="rect">
+            <a:avLst/>
+          </a:prstGeom>
+        </p:spPr>
+      </p:pic>
+      <p:pic>
+        <p:nvPicPr>
+          <p:cNvPr id="4" name="Picture 3">
+            <a:extLst>
+              <a:ext uri="{FF2B5EF4-FFF2-40B4-BE49-F238E27FC236}">
+                <a16:creationId xmlns:a16="http://schemas.microsoft.com/office/drawing/2014/main" id="{71B8D436-C286-C9AE-C3D5-D7980C183634}"/>
+              </a:ext>
+            </a:extLst>
+          </p:cNvPr>
+          <p:cNvPicPr>
+            <a:picLocks noChangeAspect="1"/>
+          </p:cNvPicPr>
+          <p:nvPr/>
+        </p:nvPicPr>
+        <p:blipFill>
+          <a:blip r:embed="rId5"/>
+          <a:stretch>
+            <a:fillRect/>
+          </a:stretch>
+        </p:blipFill>
+        <p:spPr>
+          <a:xfrm>
+            <a:off x="7428677" y="1016791"/>
+            <a:ext cx="1667786" cy="478308"/>
+          </a:xfrm>
+          <a:prstGeom prst="rect">
+            <a:avLst/>
+          </a:prstGeom>
+        </p:spPr>
+      </p:pic>
+      <p:pic>
+        <p:nvPicPr>
+          <p:cNvPr id="5" name="Picture 4">
+            <a:extLst>
+              <a:ext uri="{FF2B5EF4-FFF2-40B4-BE49-F238E27FC236}">
+                <a16:creationId xmlns:a16="http://schemas.microsoft.com/office/drawing/2014/main" id="{47106A72-0989-0003-CA73-18DD19B86EB8}"/>
+              </a:ext>
+            </a:extLst>
+          </p:cNvPr>
+          <p:cNvPicPr>
+            <a:picLocks noChangeAspect="1"/>
+          </p:cNvPicPr>
+          <p:nvPr/>
+        </p:nvPicPr>
+        <p:blipFill>
+          <a:blip r:embed="rId6"/>
+          <a:stretch>
+            <a:fillRect/>
+          </a:stretch>
+        </p:blipFill>
+        <p:spPr>
+          <a:xfrm>
+            <a:off x="3567322" y="999476"/>
+            <a:ext cx="1825651" cy="495623"/>
+          </a:xfrm>
+          <a:prstGeom prst="rect">
+            <a:avLst/>
+          </a:prstGeom>
+        </p:spPr>
+      </p:pic>
+      <p:pic>
+        <p:nvPicPr>
+          <p:cNvPr id="6" name="Picture 5">
+            <a:extLst>
+              <a:ext uri="{FF2B5EF4-FFF2-40B4-BE49-F238E27FC236}">
+                <a16:creationId xmlns:a16="http://schemas.microsoft.com/office/drawing/2014/main" id="{32DCBB0C-0E13-F067-2E6A-34DE05746BD4}"/>
+              </a:ext>
+            </a:extLst>
+          </p:cNvPr>
+          <p:cNvPicPr>
+            <a:picLocks noChangeAspect="1"/>
+          </p:cNvPicPr>
+          <p:nvPr/>
+        </p:nvPicPr>
+        <p:blipFill>
+          <a:blip r:embed="rId7"/>
+          <a:stretch>
+            <a:fillRect/>
+          </a:stretch>
+        </p:blipFill>
+        <p:spPr>
+          <a:xfrm>
+            <a:off x="5501478" y="1015126"/>
+            <a:ext cx="1854212" cy="511272"/>
+          </a:xfrm>
+          <a:prstGeom prst="rect">
+            <a:avLst/>
+          </a:prstGeom>
+        </p:spPr>
+      </p:pic>
+    </p:spTree>
+    <p:extLst>
+      <p:ext uri="{BB962C8B-B14F-4D97-AF65-F5344CB8AC3E}">
+        <p14:creationId xmlns:p14="http://schemas.microsoft.com/office/powerpoint/2010/main" val="3563904345"/>
+      </p:ext>
+    </p:extLst>
+  </p:cSld>
+  <p:clrMapOvr>
+    <a:masterClrMapping/>
+  </p:clrMapOvr>
+</p:sld>
+</file>
+
+<file path=ppt/slides/slide11.xml><?xml version="1.0" encoding="utf-8"?>
+<p:sld xmlns:a="http://schemas.openxmlformats.org/drawingml/2006/main" xmlns:r="http://schemas.openxmlformats.org/officeDocument/2006/relationships" xmlns:p="http://schemas.openxmlformats.org/presentationml/2006/main">
+  <p:cSld>
+    <p:spTree>
+      <p:nvGrpSpPr>
+        <p:cNvPr id="1" name="Shape 77"/>
+        <p:cNvGrpSpPr/>
+        <p:nvPr/>
+      </p:nvGrpSpPr>
+      <p:grpSpPr>
+        <a:xfrm>
+          <a:off x="0" y="0"/>
+          <a:ext cx="0" cy="0"/>
+          <a:chOff x="0" y="0"/>
+          <a:chExt cx="0" cy="0"/>
+        </a:xfrm>
+      </p:grpSpPr>
+      <p:sp>
+        <p:nvSpPr>
+          <p:cNvPr id="78" name="Google Shape;78;p17"/>
+          <p:cNvSpPr txBox="1">
+            <a:spLocks noGrp="1"/>
+          </p:cNvSpPr>
+          <p:nvPr>
+            <p:ph type="title"/>
+          </p:nvPr>
+        </p:nvSpPr>
+        <p:spPr>
+          <a:xfrm>
+            <a:off x="311700" y="445025"/>
+            <a:ext cx="8520600" cy="572700"/>
+          </a:xfrm>
+          <a:prstGeom prst="rect">
+            <a:avLst/>
+          </a:prstGeom>
+        </p:spPr>
+        <p:txBody>
+          <a:bodyPr spcFirstLastPara="1" wrap="square" lIns="91425" tIns="91425" rIns="91425" bIns="91425" anchor="t" anchorCtr="0">
+            <a:noAutofit/>
+          </a:bodyPr>
+          <a:lstStyle/>
+          <a:p>
+            <a:pPr marL="0" lvl="0" indent="0" algn="l" rtl="0">
+              <a:spcBef>
+                <a:spcPts val="0"/>
+              </a:spcBef>
+              <a:spcAft>
+                <a:spcPts val="0"/>
+              </a:spcAft>
+              <a:buNone/>
+            </a:pPr>
+            <a:r>
+              <a:rPr lang="en" dirty="0"/>
+              <a:t>Component 2 v4 - Test Plan (and screenshot)</a:t>
+            </a:r>
+            <a:endParaRPr dirty="0"/>
+          </a:p>
+        </p:txBody>
+      </p:sp>
+      <p:graphicFrame>
+        <p:nvGraphicFramePr>
+          <p:cNvPr id="79" name="Google Shape;79;p17"/>
+          <p:cNvGraphicFramePr/>
+          <p:nvPr>
+            <p:extLst>
+              <p:ext uri="{D42A27DB-BD31-4B8C-83A1-F6EECF244321}">
+                <p14:modId xmlns:p14="http://schemas.microsoft.com/office/powerpoint/2010/main" val="3833034877"/>
+              </p:ext>
+            </p:extLst>
+          </p:nvPr>
+        </p:nvGraphicFramePr>
+        <p:xfrm>
+          <a:off x="311700" y="3036841"/>
+          <a:ext cx="8520600" cy="2011620"/>
+        </p:xfrm>
+        <a:graphic>
+          <a:graphicData uri="http://schemas.openxmlformats.org/drawingml/2006/table">
+            <a:tbl>
+              <a:tblPr>
+                <a:noFill/>
+                <a:tableStyleId>{E1099E06-0E6B-448D-9D27-60429F06E6F4}</a:tableStyleId>
+              </a:tblPr>
+              <a:tblGrid>
+                <a:gridCol w="2677990">
+                  <a:extLst>
+                    <a:ext uri="{9D8B030D-6E8A-4147-A177-3AD203B41FA5}">
+                      <a16:colId xmlns:a16="http://schemas.microsoft.com/office/drawing/2014/main" val="20000"/>
+                    </a:ext>
+                  </a:extLst>
+                </a:gridCol>
+                <a:gridCol w="5842610">
+                  <a:extLst>
+                    <a:ext uri="{9D8B030D-6E8A-4147-A177-3AD203B41FA5}">
+                      <a16:colId xmlns:a16="http://schemas.microsoft.com/office/drawing/2014/main" val="20001"/>
+                    </a:ext>
+                  </a:extLst>
+                </a:gridCol>
+              </a:tblGrid>
+              <a:tr h="381000">
+                <a:tc>
+                  <a:txBody>
+                    <a:bodyPr/>
+                    <a:lstStyle/>
+                    <a:p>
+                      <a:pPr marL="0" lvl="0" indent="0" algn="l" rtl="0">
+                        <a:spcBef>
+                          <a:spcPts val="0"/>
+                        </a:spcBef>
+                        <a:spcAft>
+                          <a:spcPts val="0"/>
+                        </a:spcAft>
+                        <a:buNone/>
+                      </a:pPr>
+                      <a:r>
+                        <a:rPr lang="en" sz="1800" b="1" dirty="0"/>
+                        <a:t>Test Case</a:t>
+                      </a:r>
+                      <a:endParaRPr sz="1800" b="1" dirty="0"/>
+                    </a:p>
+                  </a:txBody>
+                  <a:tcPr marL="91425" marR="91425" marT="91425" marB="91425">
+                    <a:solidFill>
+                      <a:srgbClr val="CCCCCC"/>
+                    </a:solidFill>
+                  </a:tcPr>
+                </a:tc>
+                <a:tc>
+                  <a:txBody>
+                    <a:bodyPr/>
+                    <a:lstStyle/>
+                    <a:p>
+                      <a:pPr marL="0" lvl="0" indent="0" algn="l" rtl="0">
+                        <a:spcBef>
+                          <a:spcPts val="0"/>
+                        </a:spcBef>
+                        <a:spcAft>
+                          <a:spcPts val="0"/>
+                        </a:spcAft>
+                        <a:buNone/>
+                      </a:pPr>
+                      <a:r>
+                        <a:rPr lang="en" sz="1800" b="1"/>
+                        <a:t>Expected Values</a:t>
+                      </a:r>
+                      <a:endParaRPr sz="1800" b="1"/>
+                    </a:p>
+                  </a:txBody>
+                  <a:tcPr marL="91425" marR="91425" marT="91425" marB="91425">
+                    <a:solidFill>
+                      <a:srgbClr val="CCCCCC"/>
+                    </a:solidFill>
+                  </a:tcPr>
+                </a:tc>
+                <a:extLst>
+                  <a:ext uri="{0D108BD9-81ED-4DB2-BD59-A6C34878D82A}">
+                    <a16:rowId xmlns:a16="http://schemas.microsoft.com/office/drawing/2014/main" val="10000"/>
+                  </a:ext>
+                </a:extLst>
+              </a:tr>
+              <a:tr h="333212">
+                <a:tc>
+                  <a:txBody>
+                    <a:bodyPr/>
+                    <a:lstStyle/>
+                    <a:p>
+                      <a:pPr marL="0" lvl="0" indent="0" algn="l" rtl="0">
+                        <a:spcBef>
+                          <a:spcPts val="0"/>
+                        </a:spcBef>
+                        <a:spcAft>
+                          <a:spcPts val="0"/>
+                        </a:spcAft>
+                        <a:buNone/>
+                      </a:pPr>
+                      <a:r>
+                        <a:rPr lang="en-US" sz="1800" dirty="0"/>
+                        <a:t>Run program</a:t>
+                      </a:r>
+                      <a:endParaRPr sz="1800" dirty="0"/>
+                    </a:p>
+                  </a:txBody>
+                  <a:tcPr marL="91425" marR="91425" marT="91425" marB="91425"/>
+                </a:tc>
+                <a:tc>
+                  <a:txBody>
+                    <a:bodyPr/>
+                    <a:lstStyle/>
+                    <a:p>
+                      <a:pPr marL="0" lvl="0" indent="0" algn="l" rtl="0">
+                        <a:spcBef>
+                          <a:spcPts val="0"/>
+                        </a:spcBef>
+                        <a:spcAft>
+                          <a:spcPts val="0"/>
+                        </a:spcAft>
+                        <a:buNone/>
+                      </a:pPr>
+                      <a:r>
+                        <a:rPr lang="en-US" sz="1800" dirty="0"/>
+                        <a:t>Enter 1 and the program prints pickup</a:t>
+                      </a:r>
+                    </a:p>
+                    <a:p>
+                      <a:pPr marL="0" lvl="0" indent="0" algn="l" rtl="0">
+                        <a:spcBef>
+                          <a:spcPts val="0"/>
+                        </a:spcBef>
+                        <a:spcAft>
+                          <a:spcPts val="0"/>
+                        </a:spcAft>
+                        <a:buNone/>
+                      </a:pPr>
+                      <a:r>
+                        <a:rPr lang="en-US" sz="1800" dirty="0"/>
+                        <a:t>Enter 2 and the program prints delivery</a:t>
+                      </a:r>
+                    </a:p>
+                    <a:p>
+                      <a:pPr marL="0" lvl="0" indent="0" algn="l" rtl="0">
+                        <a:spcBef>
+                          <a:spcPts val="0"/>
+                        </a:spcBef>
+                        <a:spcAft>
+                          <a:spcPts val="0"/>
+                        </a:spcAft>
+                        <a:buNone/>
+                      </a:pPr>
+                      <a:r>
+                        <a:rPr lang="en-US" sz="1800" dirty="0"/>
+                        <a:t>Enter invalid and the program prints error message and ask for input again</a:t>
+                      </a:r>
+                    </a:p>
+                    <a:p>
+                      <a:pPr marL="0" marR="0" lvl="0" indent="0" algn="l" defTabSz="914400" rtl="0" eaLnBrk="1" fontAlgn="auto" latinLnBrk="0" hangingPunct="1">
+                        <a:lnSpc>
+                          <a:spcPct val="100000"/>
+                        </a:lnSpc>
+                        <a:spcBef>
+                          <a:spcPts val="0"/>
+                        </a:spcBef>
+                        <a:spcAft>
+                          <a:spcPts val="0"/>
+                        </a:spcAft>
+                        <a:buClr>
+                          <a:srgbClr val="000000"/>
+                        </a:buClr>
+                        <a:buSzTx/>
+                        <a:buFont typeface="Arial"/>
+                        <a:buNone/>
+                        <a:tabLst/>
+                        <a:defRPr/>
+                      </a:pPr>
+                      <a:r>
+                        <a:rPr lang="en-US" sz="1800" dirty="0"/>
+                        <a:t>Enter invalid integer and the program does nothing</a:t>
+                      </a:r>
+                    </a:p>
+                  </a:txBody>
+                  <a:tcPr marL="91425" marR="91425" marT="91425" marB="91425"/>
+                </a:tc>
+                <a:extLst>
+                  <a:ext uri="{0D108BD9-81ED-4DB2-BD59-A6C34878D82A}">
+                    <a16:rowId xmlns:a16="http://schemas.microsoft.com/office/drawing/2014/main" val="10001"/>
+                  </a:ext>
+                </a:extLst>
+              </a:tr>
+            </a:tbl>
+          </a:graphicData>
+        </a:graphic>
+      </p:graphicFrame>
+      <p:pic>
+        <p:nvPicPr>
+          <p:cNvPr id="2" name="Picture 1">
+            <a:extLst>
+              <a:ext uri="{FF2B5EF4-FFF2-40B4-BE49-F238E27FC236}">
+                <a16:creationId xmlns:a16="http://schemas.microsoft.com/office/drawing/2014/main" id="{62708D3F-65FF-8BEE-9189-58E05ADE62FF}"/>
+              </a:ext>
+            </a:extLst>
+          </p:cNvPr>
+          <p:cNvPicPr>
+            <a:picLocks noChangeAspect="1"/>
+          </p:cNvPicPr>
+          <p:nvPr/>
+        </p:nvPicPr>
+        <p:blipFill>
+          <a:blip r:embed="rId3"/>
+          <a:stretch>
+            <a:fillRect/>
+          </a:stretch>
+        </p:blipFill>
+        <p:spPr>
+          <a:xfrm>
+            <a:off x="1622742" y="1100849"/>
+            <a:ext cx="1883783" cy="1678868"/>
+          </a:xfrm>
+          <a:prstGeom prst="rect">
+            <a:avLst/>
+          </a:prstGeom>
+        </p:spPr>
+      </p:pic>
+      <p:pic>
+        <p:nvPicPr>
+          <p:cNvPr id="3" name="Picture 2">
+            <a:extLst>
+              <a:ext uri="{FF2B5EF4-FFF2-40B4-BE49-F238E27FC236}">
+                <a16:creationId xmlns:a16="http://schemas.microsoft.com/office/drawing/2014/main" id="{424866BD-7C71-8057-6E6B-B1585DE3857A}"/>
+              </a:ext>
+            </a:extLst>
+          </p:cNvPr>
+          <p:cNvPicPr>
+            <a:picLocks noChangeAspect="1"/>
+          </p:cNvPicPr>
+          <p:nvPr/>
+        </p:nvPicPr>
+        <p:blipFill>
+          <a:blip r:embed="rId4"/>
+          <a:stretch>
+            <a:fillRect/>
+          </a:stretch>
+        </p:blipFill>
+        <p:spPr>
+          <a:xfrm>
+            <a:off x="4572000" y="1121133"/>
+            <a:ext cx="2628900" cy="1638300"/>
+          </a:xfrm>
+          <a:prstGeom prst="rect">
+            <a:avLst/>
+          </a:prstGeom>
+        </p:spPr>
+      </p:pic>
+    </p:spTree>
+    <p:extLst>
+      <p:ext uri="{BB962C8B-B14F-4D97-AF65-F5344CB8AC3E}">
+        <p14:creationId xmlns:p14="http://schemas.microsoft.com/office/powerpoint/2010/main" val="4121556743"/>
+      </p:ext>
+    </p:extLst>
+  </p:cSld>
+  <p:clrMapOvr>
+    <a:masterClrMapping/>
+  </p:clrMapOvr>
+</p:sld>
+</file>
+
+<file path=ppt/slides/slide12.xml><?xml version="1.0" encoding="utf-8"?>
+<p:sld xmlns:a="http://schemas.openxmlformats.org/drawingml/2006/main" xmlns:r="http://schemas.openxmlformats.org/officeDocument/2006/relationships" xmlns:p="http://schemas.openxmlformats.org/presentationml/2006/main">
+  <p:cSld>
+    <p:spTree>
+      <p:nvGrpSpPr>
+        <p:cNvPr id="1" name="Shape 77"/>
+        <p:cNvGrpSpPr/>
+        <p:nvPr/>
+      </p:nvGrpSpPr>
+      <p:grpSpPr>
+        <a:xfrm>
+          <a:off x="0" y="0"/>
+          <a:ext cx="0" cy="0"/>
+          <a:chOff x="0" y="0"/>
+          <a:chExt cx="0" cy="0"/>
+        </a:xfrm>
+      </p:grpSpPr>
+      <p:sp>
+        <p:nvSpPr>
+          <p:cNvPr id="78" name="Google Shape;78;p17"/>
+          <p:cNvSpPr txBox="1">
+            <a:spLocks noGrp="1"/>
+          </p:cNvSpPr>
+          <p:nvPr>
+            <p:ph type="title"/>
+          </p:nvPr>
+        </p:nvSpPr>
+        <p:spPr>
+          <a:xfrm>
+            <a:off x="311700" y="445025"/>
+            <a:ext cx="8520600" cy="572700"/>
+          </a:xfrm>
+          <a:prstGeom prst="rect">
+            <a:avLst/>
+          </a:prstGeom>
+        </p:spPr>
+        <p:txBody>
+          <a:bodyPr spcFirstLastPara="1" wrap="square" lIns="91425" tIns="91425" rIns="91425" bIns="91425" anchor="t" anchorCtr="0">
+            <a:noAutofit/>
+          </a:bodyPr>
+          <a:lstStyle/>
+          <a:p>
+            <a:pPr marL="0" lvl="0" indent="0" algn="l" rtl="0">
+              <a:spcBef>
+                <a:spcPts val="0"/>
+              </a:spcBef>
+              <a:spcAft>
+                <a:spcPts val="0"/>
+              </a:spcAft>
+              <a:buNone/>
+            </a:pPr>
+            <a:r>
+              <a:rPr lang="en" dirty="0"/>
+              <a:t>Component 2 v5 - Test Plan (and screenshot)</a:t>
+            </a:r>
+            <a:endParaRPr dirty="0"/>
+          </a:p>
+        </p:txBody>
+      </p:sp>
+      <p:graphicFrame>
+        <p:nvGraphicFramePr>
+          <p:cNvPr id="79" name="Google Shape;79;p17"/>
+          <p:cNvGraphicFramePr/>
+          <p:nvPr>
+            <p:extLst>
+              <p:ext uri="{D42A27DB-BD31-4B8C-83A1-F6EECF244321}">
+                <p14:modId xmlns:p14="http://schemas.microsoft.com/office/powerpoint/2010/main" val="73779957"/>
+              </p:ext>
+            </p:extLst>
+          </p:nvPr>
+        </p:nvGraphicFramePr>
+        <p:xfrm>
+          <a:off x="311700" y="2731623"/>
+          <a:ext cx="8520600" cy="2285940"/>
+        </p:xfrm>
+        <a:graphic>
+          <a:graphicData uri="http://schemas.openxmlformats.org/drawingml/2006/table">
+            <a:tbl>
+              <a:tblPr>
+                <a:noFill/>
+                <a:tableStyleId>{E1099E06-0E6B-448D-9D27-60429F06E6F4}</a:tableStyleId>
+              </a:tblPr>
+              <a:tblGrid>
+                <a:gridCol w="2709796">
+                  <a:extLst>
+                    <a:ext uri="{9D8B030D-6E8A-4147-A177-3AD203B41FA5}">
+                      <a16:colId xmlns:a16="http://schemas.microsoft.com/office/drawing/2014/main" val="20000"/>
+                    </a:ext>
+                  </a:extLst>
+                </a:gridCol>
+                <a:gridCol w="5810804">
+                  <a:extLst>
+                    <a:ext uri="{9D8B030D-6E8A-4147-A177-3AD203B41FA5}">
+                      <a16:colId xmlns:a16="http://schemas.microsoft.com/office/drawing/2014/main" val="20001"/>
+                    </a:ext>
+                  </a:extLst>
+                </a:gridCol>
+              </a:tblGrid>
+              <a:tr h="381000">
+                <a:tc>
+                  <a:txBody>
+                    <a:bodyPr/>
+                    <a:lstStyle/>
+                    <a:p>
+                      <a:pPr marL="0" lvl="0" indent="0" algn="l" rtl="0">
+                        <a:spcBef>
+                          <a:spcPts val="0"/>
+                        </a:spcBef>
+                        <a:spcAft>
+                          <a:spcPts val="0"/>
+                        </a:spcAft>
+                        <a:buNone/>
+                      </a:pPr>
+                      <a:r>
+                        <a:rPr lang="en" sz="1800" b="1" dirty="0"/>
+                        <a:t>Test Case</a:t>
+                      </a:r>
+                      <a:endParaRPr sz="1800" b="1" dirty="0"/>
+                    </a:p>
+                  </a:txBody>
+                  <a:tcPr marL="91425" marR="91425" marT="91425" marB="91425">
+                    <a:solidFill>
+                      <a:srgbClr val="CCCCCC"/>
+                    </a:solidFill>
+                  </a:tcPr>
+                </a:tc>
+                <a:tc>
+                  <a:txBody>
+                    <a:bodyPr/>
+                    <a:lstStyle/>
+                    <a:p>
+                      <a:pPr marL="0" lvl="0" indent="0" algn="l" rtl="0">
+                        <a:spcBef>
+                          <a:spcPts val="0"/>
+                        </a:spcBef>
+                        <a:spcAft>
+                          <a:spcPts val="0"/>
+                        </a:spcAft>
+                        <a:buNone/>
+                      </a:pPr>
+                      <a:r>
+                        <a:rPr lang="en" sz="1800" b="1"/>
+                        <a:t>Expected Values</a:t>
+                      </a:r>
+                      <a:endParaRPr sz="1800" b="1"/>
+                    </a:p>
+                  </a:txBody>
+                  <a:tcPr marL="91425" marR="91425" marT="91425" marB="91425">
+                    <a:solidFill>
+                      <a:srgbClr val="CCCCCC"/>
+                    </a:solidFill>
+                  </a:tcPr>
+                </a:tc>
+                <a:extLst>
+                  <a:ext uri="{0D108BD9-81ED-4DB2-BD59-A6C34878D82A}">
+                    <a16:rowId xmlns:a16="http://schemas.microsoft.com/office/drawing/2014/main" val="10000"/>
+                  </a:ext>
+                </a:extLst>
+              </a:tr>
+              <a:tr h="396200">
+                <a:tc>
+                  <a:txBody>
+                    <a:bodyPr/>
+                    <a:lstStyle/>
+                    <a:p>
+                      <a:pPr marL="0" marR="0" lvl="0" indent="0" algn="l" defTabSz="914400" rtl="0" eaLnBrk="1" fontAlgn="auto" latinLnBrk="0" hangingPunct="1">
+                        <a:lnSpc>
+                          <a:spcPct val="100000"/>
+                        </a:lnSpc>
+                        <a:spcBef>
+                          <a:spcPts val="0"/>
+                        </a:spcBef>
+                        <a:spcAft>
+                          <a:spcPts val="0"/>
+                        </a:spcAft>
+                        <a:buClr>
+                          <a:srgbClr val="000000"/>
+                        </a:buClr>
+                        <a:buSzTx/>
+                        <a:buFont typeface="Arial"/>
+                        <a:buNone/>
+                        <a:tabLst/>
+                        <a:defRPr/>
+                      </a:pPr>
+                      <a:r>
+                        <a:rPr lang="en-US" sz="1800" dirty="0"/>
+                        <a:t>Run program</a:t>
+                      </a:r>
+                    </a:p>
+                    <a:p>
+                      <a:pPr marL="0" lvl="0" indent="0" algn="l" rtl="0">
+                        <a:spcBef>
+                          <a:spcPts val="0"/>
+                        </a:spcBef>
+                        <a:spcAft>
+                          <a:spcPts val="0"/>
+                        </a:spcAft>
+                        <a:buNone/>
+                      </a:pPr>
+                      <a:endParaRPr sz="1800" dirty="0"/>
+                    </a:p>
+                  </a:txBody>
+                  <a:tcPr marL="91425" marR="91425" marT="91425" marB="91425"/>
+                </a:tc>
+                <a:tc>
+                  <a:txBody>
+                    <a:bodyPr/>
+                    <a:lstStyle/>
+                    <a:p>
+                      <a:pPr marL="0" lvl="0" indent="0" algn="l" rtl="0">
+                        <a:spcBef>
+                          <a:spcPts val="0"/>
+                        </a:spcBef>
+                        <a:spcAft>
+                          <a:spcPts val="0"/>
+                        </a:spcAft>
+                        <a:buNone/>
+                      </a:pPr>
+                      <a:r>
+                        <a:rPr lang="en-US" sz="1800" dirty="0"/>
+                        <a:t>Enter 1 and the program prints pickup</a:t>
+                      </a:r>
+                    </a:p>
+                    <a:p>
+                      <a:pPr marL="0" lvl="0" indent="0" algn="l" rtl="0">
+                        <a:spcBef>
+                          <a:spcPts val="0"/>
+                        </a:spcBef>
+                        <a:spcAft>
+                          <a:spcPts val="0"/>
+                        </a:spcAft>
+                        <a:buNone/>
+                      </a:pPr>
+                      <a:r>
+                        <a:rPr lang="en-US" sz="1800" dirty="0"/>
+                        <a:t>Enter 2 and the program prints delivery</a:t>
+                      </a:r>
+                    </a:p>
+                    <a:p>
+                      <a:pPr marL="0" lvl="0" indent="0" algn="l" rtl="0">
+                        <a:spcBef>
+                          <a:spcPts val="0"/>
+                        </a:spcBef>
+                        <a:spcAft>
+                          <a:spcPts val="0"/>
+                        </a:spcAft>
+                        <a:buNone/>
+                      </a:pPr>
+                      <a:r>
+                        <a:rPr lang="en-US" sz="1800" dirty="0"/>
+                        <a:t>Enter invalid and the program prints error message and asks for input again</a:t>
+                      </a:r>
+                    </a:p>
+                    <a:p>
+                      <a:pPr marL="0" marR="0" lvl="0" indent="0" algn="l" defTabSz="914400" rtl="0" eaLnBrk="1" fontAlgn="auto" latinLnBrk="0" hangingPunct="1">
+                        <a:lnSpc>
+                          <a:spcPct val="100000"/>
+                        </a:lnSpc>
+                        <a:spcBef>
+                          <a:spcPts val="0"/>
+                        </a:spcBef>
+                        <a:spcAft>
+                          <a:spcPts val="0"/>
+                        </a:spcAft>
+                        <a:buClr>
+                          <a:srgbClr val="000000"/>
+                        </a:buClr>
+                        <a:buSzTx/>
+                        <a:buFont typeface="Arial"/>
+                        <a:buNone/>
+                        <a:tabLst/>
+                        <a:defRPr/>
+                      </a:pPr>
+                      <a:r>
+                        <a:rPr lang="en-US" sz="1800" dirty="0"/>
+                        <a:t>Enter invalid integer and the program prints error message and asks for input again</a:t>
+                      </a:r>
+                      <a:endParaRPr sz="1800" dirty="0"/>
+                    </a:p>
+                  </a:txBody>
+                  <a:tcPr marL="91425" marR="91425" marT="91425" marB="91425"/>
+                </a:tc>
+                <a:extLst>
+                  <a:ext uri="{0D108BD9-81ED-4DB2-BD59-A6C34878D82A}">
+                    <a16:rowId xmlns:a16="http://schemas.microsoft.com/office/drawing/2014/main" val="10001"/>
+                  </a:ext>
+                </a:extLst>
+              </a:tr>
+            </a:tbl>
+          </a:graphicData>
+        </a:graphic>
+      </p:graphicFrame>
+      <p:pic>
+        <p:nvPicPr>
+          <p:cNvPr id="2" name="Picture 1">
+            <a:extLst>
+              <a:ext uri="{FF2B5EF4-FFF2-40B4-BE49-F238E27FC236}">
+                <a16:creationId xmlns:a16="http://schemas.microsoft.com/office/drawing/2014/main" id="{3A059A3D-2D6D-6EC3-1F9C-01790C3245D2}"/>
+              </a:ext>
+            </a:extLst>
+          </p:cNvPr>
+          <p:cNvPicPr>
+            <a:picLocks noChangeAspect="1"/>
+          </p:cNvPicPr>
+          <p:nvPr/>
+        </p:nvPicPr>
+        <p:blipFill>
+          <a:blip r:embed="rId3"/>
+          <a:stretch>
+            <a:fillRect/>
+          </a:stretch>
+        </p:blipFill>
+        <p:spPr>
+          <a:xfrm>
+            <a:off x="1411107" y="1074993"/>
+            <a:ext cx="1673999" cy="1599362"/>
+          </a:xfrm>
+          <a:prstGeom prst="rect">
+            <a:avLst/>
+          </a:prstGeom>
+        </p:spPr>
+      </p:pic>
+      <p:pic>
+        <p:nvPicPr>
+          <p:cNvPr id="3" name="Picture 2">
+            <a:extLst>
+              <a:ext uri="{FF2B5EF4-FFF2-40B4-BE49-F238E27FC236}">
+                <a16:creationId xmlns:a16="http://schemas.microsoft.com/office/drawing/2014/main" id="{A3AFA3B7-9BA2-E798-A022-B59AB610D355}"/>
+              </a:ext>
+            </a:extLst>
+          </p:cNvPr>
+          <p:cNvPicPr>
+            <a:picLocks noChangeAspect="1"/>
+          </p:cNvPicPr>
+          <p:nvPr/>
+        </p:nvPicPr>
+        <p:blipFill>
+          <a:blip r:embed="rId4"/>
+          <a:stretch>
+            <a:fillRect/>
+          </a:stretch>
+        </p:blipFill>
+        <p:spPr>
+          <a:xfrm>
+            <a:off x="4209222" y="1177599"/>
+            <a:ext cx="2382410" cy="1394151"/>
+          </a:xfrm>
+          <a:prstGeom prst="rect">
+            <a:avLst/>
+          </a:prstGeom>
+        </p:spPr>
+      </p:pic>
+    </p:spTree>
+    <p:extLst>
+      <p:ext uri="{BB962C8B-B14F-4D97-AF65-F5344CB8AC3E}">
+        <p14:creationId xmlns:p14="http://schemas.microsoft.com/office/powerpoint/2010/main" val="2131015006"/>
+      </p:ext>
+    </p:extLst>
+  </p:cSld>
+  <p:clrMapOvr>
+    <a:masterClrMapping/>
+  </p:clrMapOvr>
+</p:sld>
+</file>
+
+<file path=ppt/slides/slide13.xml><?xml version="1.0" encoding="utf-8"?>
+<p:sld xmlns:a="http://schemas.openxmlformats.org/drawingml/2006/main" xmlns:r="http://schemas.openxmlformats.org/officeDocument/2006/relationships" xmlns:p="http://schemas.openxmlformats.org/presentationml/2006/main">
+  <p:cSld>
+    <p:spTree>
+      <p:nvGrpSpPr>
+        <p:cNvPr id="1" name="Shape 77"/>
+        <p:cNvGrpSpPr/>
+        <p:nvPr/>
+      </p:nvGrpSpPr>
+      <p:grpSpPr>
+        <a:xfrm>
+          <a:off x="0" y="0"/>
+          <a:ext cx="0" cy="0"/>
+          <a:chOff x="0" y="0"/>
+          <a:chExt cx="0" cy="0"/>
+        </a:xfrm>
+      </p:grpSpPr>
+      <p:sp>
+        <p:nvSpPr>
+          <p:cNvPr id="78" name="Google Shape;78;p17"/>
+          <p:cNvSpPr txBox="1">
+            <a:spLocks noGrp="1"/>
+          </p:cNvSpPr>
+          <p:nvPr>
+            <p:ph type="title"/>
+          </p:nvPr>
+        </p:nvSpPr>
+        <p:spPr>
+          <a:xfrm>
+            <a:off x="311700" y="445025"/>
+            <a:ext cx="8520600" cy="572700"/>
+          </a:xfrm>
+          <a:prstGeom prst="rect">
+            <a:avLst/>
+          </a:prstGeom>
+        </p:spPr>
+        <p:txBody>
+          <a:bodyPr spcFirstLastPara="1" wrap="square" lIns="91425" tIns="91425" rIns="91425" bIns="91425" anchor="t" anchorCtr="0">
+            <a:noAutofit/>
+          </a:bodyPr>
+          <a:lstStyle/>
+          <a:p>
+            <a:pPr marL="0" lvl="0" indent="0" algn="l" rtl="0">
+              <a:spcBef>
+                <a:spcPts val="0"/>
+              </a:spcBef>
+              <a:spcAft>
+                <a:spcPts val="0"/>
+              </a:spcAft>
+              <a:buNone/>
+            </a:pPr>
+            <a:r>
+              <a:rPr lang="en" dirty="0"/>
+              <a:t>Component 2 v6 - Test Plan (and screenshot)</a:t>
+            </a:r>
+            <a:endParaRPr dirty="0"/>
+          </a:p>
+        </p:txBody>
+      </p:sp>
+      <p:graphicFrame>
+        <p:nvGraphicFramePr>
+          <p:cNvPr id="79" name="Google Shape;79;p17"/>
+          <p:cNvGraphicFramePr/>
+          <p:nvPr/>
+        </p:nvGraphicFramePr>
+        <p:xfrm>
+          <a:off x="311700" y="3947315"/>
+          <a:ext cx="8520600" cy="914340"/>
+        </p:xfrm>
+        <a:graphic>
+          <a:graphicData uri="http://schemas.openxmlformats.org/drawingml/2006/table">
+            <a:tbl>
+              <a:tblPr>
+                <a:noFill/>
+                <a:tableStyleId>{E1099E06-0E6B-448D-9D27-60429F06E6F4}</a:tableStyleId>
+              </a:tblPr>
+              <a:tblGrid>
+                <a:gridCol w="4260300">
+                  <a:extLst>
+                    <a:ext uri="{9D8B030D-6E8A-4147-A177-3AD203B41FA5}">
+                      <a16:colId xmlns:a16="http://schemas.microsoft.com/office/drawing/2014/main" val="20000"/>
+                    </a:ext>
+                  </a:extLst>
+                </a:gridCol>
+                <a:gridCol w="4260300">
+                  <a:extLst>
+                    <a:ext uri="{9D8B030D-6E8A-4147-A177-3AD203B41FA5}">
+                      <a16:colId xmlns:a16="http://schemas.microsoft.com/office/drawing/2014/main" val="20001"/>
+                    </a:ext>
+                  </a:extLst>
+                </a:gridCol>
+              </a:tblGrid>
+              <a:tr h="381000">
+                <a:tc>
+                  <a:txBody>
+                    <a:bodyPr/>
+                    <a:lstStyle/>
+                    <a:p>
+                      <a:pPr marL="0" lvl="0" indent="0" algn="l" rtl="0">
+                        <a:spcBef>
+                          <a:spcPts val="0"/>
+                        </a:spcBef>
+                        <a:spcAft>
+                          <a:spcPts val="0"/>
+                        </a:spcAft>
+                        <a:buNone/>
+                      </a:pPr>
+                      <a:r>
+                        <a:rPr lang="en" sz="1800" b="1" dirty="0"/>
+                        <a:t>Test Case</a:t>
+                      </a:r>
+                      <a:endParaRPr sz="1800" b="1" dirty="0"/>
+                    </a:p>
+                  </a:txBody>
+                  <a:tcPr marL="91425" marR="91425" marT="91425" marB="91425">
+                    <a:solidFill>
+                      <a:srgbClr val="CCCCCC"/>
+                    </a:solidFill>
+                  </a:tcPr>
+                </a:tc>
+                <a:tc>
+                  <a:txBody>
+                    <a:bodyPr/>
+                    <a:lstStyle/>
+                    <a:p>
+                      <a:pPr marL="0" lvl="0" indent="0" algn="l" rtl="0">
+                        <a:spcBef>
+                          <a:spcPts val="0"/>
+                        </a:spcBef>
+                        <a:spcAft>
+                          <a:spcPts val="0"/>
+                        </a:spcAft>
+                        <a:buNone/>
+                      </a:pPr>
+                      <a:r>
+                        <a:rPr lang="en" sz="1800" b="1"/>
+                        <a:t>Expected Values</a:t>
+                      </a:r>
+                      <a:endParaRPr sz="1800" b="1"/>
+                    </a:p>
+                  </a:txBody>
+                  <a:tcPr marL="91425" marR="91425" marT="91425" marB="91425">
+                    <a:solidFill>
+                      <a:srgbClr val="CCCCCC"/>
+                    </a:solidFill>
+                  </a:tcPr>
+                </a:tc>
+                <a:extLst>
+                  <a:ext uri="{0D108BD9-81ED-4DB2-BD59-A6C34878D82A}">
+                    <a16:rowId xmlns:a16="http://schemas.microsoft.com/office/drawing/2014/main" val="10000"/>
+                  </a:ext>
+                </a:extLst>
+              </a:tr>
+              <a:tr h="396200">
+                <a:tc>
+                  <a:txBody>
+                    <a:bodyPr/>
+                    <a:lstStyle/>
+                    <a:p>
+                      <a:pPr marL="0" lvl="0" indent="0" algn="l" rtl="0">
+                        <a:spcBef>
+                          <a:spcPts val="0"/>
+                        </a:spcBef>
+                        <a:spcAft>
+                          <a:spcPts val="0"/>
+                        </a:spcAft>
+                        <a:buNone/>
+                      </a:pPr>
+                      <a:endParaRPr sz="1800"/>
+                    </a:p>
+                  </a:txBody>
+                  <a:tcPr marL="91425" marR="91425" marT="91425" marB="91425"/>
+                </a:tc>
+                <a:tc>
+                  <a:txBody>
+                    <a:bodyPr/>
+                    <a:lstStyle/>
+                    <a:p>
+                      <a:pPr marL="0" lvl="0" indent="0" algn="l" rtl="0">
+                        <a:spcBef>
+                          <a:spcPts val="0"/>
+                        </a:spcBef>
+                        <a:spcAft>
+                          <a:spcPts val="0"/>
+                        </a:spcAft>
+                        <a:buNone/>
+                      </a:pPr>
+                      <a:endParaRPr sz="1800" dirty="0"/>
+                    </a:p>
+                  </a:txBody>
+                  <a:tcPr marL="91425" marR="91425" marT="91425" marB="91425"/>
+                </a:tc>
+                <a:extLst>
+                  <a:ext uri="{0D108BD9-81ED-4DB2-BD59-A6C34878D82A}">
+                    <a16:rowId xmlns:a16="http://schemas.microsoft.com/office/drawing/2014/main" val="10001"/>
+                  </a:ext>
+                </a:extLst>
+              </a:tr>
+            </a:tbl>
+          </a:graphicData>
+        </a:graphic>
+      </p:graphicFrame>
+    </p:spTree>
+    <p:extLst>
+      <p:ext uri="{BB962C8B-B14F-4D97-AF65-F5344CB8AC3E}">
+        <p14:creationId xmlns:p14="http://schemas.microsoft.com/office/powerpoint/2010/main" val="901836945"/>
+      </p:ext>
+    </p:extLst>
+  </p:cSld>
+  <p:clrMapOvr>
+    <a:masterClrMapping/>
+  </p:clrMapOvr>
+</p:sld>
+</file>
+
+<file path=ppt/slides/slide14.xml><?xml version="1.0" encoding="utf-8"?>
+<p:sld xmlns:a="http://schemas.openxmlformats.org/drawingml/2006/main" xmlns:r="http://schemas.openxmlformats.org/officeDocument/2006/relationships" xmlns:p="http://schemas.openxmlformats.org/presentationml/2006/main">
+  <p:cSld>
+    <p:bg>
+      <p:bgPr>
+        <a:solidFill>
+          <a:srgbClr val="D9EAD3"/>
+        </a:solidFill>
+        <a:effectLst/>
+      </p:bgPr>
+    </p:bg>
+    <p:spTree>
+      <p:nvGrpSpPr>
+        <p:cNvPr id="1" name="Shape 83"/>
+        <p:cNvGrpSpPr/>
+        <p:nvPr/>
+      </p:nvGrpSpPr>
+      <p:grpSpPr>
+        <a:xfrm>
+          <a:off x="0" y="0"/>
+          <a:ext cx="0" cy="0"/>
+          <a:chOff x="0" y="0"/>
+          <a:chExt cx="0" cy="0"/>
+        </a:xfrm>
+      </p:grpSpPr>
+      <p:sp>
+        <p:nvSpPr>
+          <p:cNvPr id="84" name="Google Shape;84;p18"/>
+          <p:cNvSpPr txBox="1">
+            <a:spLocks noGrp="1"/>
+          </p:cNvSpPr>
+          <p:nvPr>
+            <p:ph type="title"/>
+          </p:nvPr>
+        </p:nvSpPr>
+        <p:spPr>
+          <a:xfrm>
+            <a:off x="311700" y="445025"/>
+            <a:ext cx="8520600" cy="572700"/>
+          </a:xfrm>
+          <a:prstGeom prst="rect">
+            <a:avLst/>
+          </a:prstGeom>
+        </p:spPr>
+        <p:txBody>
+          <a:bodyPr spcFirstLastPara="1" wrap="square" lIns="91425" tIns="91425" rIns="91425" bIns="91425" anchor="t" anchorCtr="0">
+            <a:noAutofit/>
+          </a:bodyPr>
+          <a:lstStyle/>
+          <a:p>
+            <a:pPr marL="0" lvl="0" indent="0" algn="l" rtl="0">
+              <a:spcBef>
+                <a:spcPts val="0"/>
+              </a:spcBef>
+              <a:spcAft>
+                <a:spcPts val="0"/>
+              </a:spcAft>
+              <a:buNone/>
+            </a:pPr>
+            <a:r>
+              <a:rPr lang="en"/>
+              <a:t>Version Control Evidence</a:t>
+            </a:r>
+            <a:endParaRPr/>
+          </a:p>
+        </p:txBody>
+      </p:sp>
+      <p:sp>
+        <p:nvSpPr>
+          <p:cNvPr id="85" name="Google Shape;85;p18"/>
+          <p:cNvSpPr txBox="1">
+            <a:spLocks noGrp="1"/>
+          </p:cNvSpPr>
+          <p:nvPr>
+            <p:ph type="body" idx="1"/>
+          </p:nvPr>
+        </p:nvSpPr>
+        <p:spPr>
+          <a:xfrm>
+            <a:off x="311700" y="1152475"/>
+            <a:ext cx="8464200" cy="3739200"/>
+          </a:xfrm>
+          <a:prstGeom prst="rect">
+            <a:avLst/>
+          </a:prstGeom>
+        </p:spPr>
+        <p:txBody>
+          <a:bodyPr spcFirstLastPara="1" wrap="square" lIns="91425" tIns="91425" rIns="91425" bIns="91425" anchor="t" anchorCtr="0">
+            <a:noAutofit/>
+          </a:bodyPr>
+          <a:lstStyle/>
+          <a:p>
+            <a:pPr marL="0" lvl="0" indent="0" algn="l" rtl="0">
+              <a:spcBef>
+                <a:spcPts val="0"/>
+              </a:spcBef>
+              <a:spcAft>
+                <a:spcPts val="1600"/>
+              </a:spcAft>
+              <a:buNone/>
+            </a:pPr>
+            <a:r>
+              <a:rPr lang="en" i="1"/>
+              <a:t>Your version control evidence should go here.  This could be in the form of annotated screenshots which show you you managed this process or you could make a brief screencast explaining how you implemented version control.</a:t>
+            </a:r>
+            <a:endParaRPr i="1"/>
+          </a:p>
+        </p:txBody>
+      </p:sp>
+    </p:spTree>
+  </p:cSld>
+  <p:clrMapOvr>
+    <a:masterClrMapping/>
+  </p:clrMapOvr>
+</p:sld>
+</file>
+
+<file path=ppt/slides/slide15.xml><?xml version="1.0" encoding="utf-8"?>
+<p:sld xmlns:a="http://schemas.openxmlformats.org/drawingml/2006/main" xmlns:r="http://schemas.openxmlformats.org/officeDocument/2006/relationships" xmlns:p="http://schemas.openxmlformats.org/presentationml/2006/main">
+  <p:cSld>
     <p:bg>
       <p:bgPr>
         <a:solidFill>
@@ -7700,7 +10006,7 @@
             </a:pPr>
             <a:r>
               <a:rPr lang="en" dirty="0"/>
-              <a:t>Component 1 - Test Plan (and screenshot)</a:t>
+              <a:t>Component 1 v1- Test Plan (and screenshot)</a:t>
             </a:r>
             <a:endParaRPr dirty="0"/>
           </a:p>
@@ -8302,6 +10608,36 @@
           </a:p>
         </p:txBody>
       </p:sp>
+      <p:pic>
+        <p:nvPicPr>
+          <p:cNvPr id="2" name="Picture 1">
+            <a:extLst>
+              <a:ext uri="{FF2B5EF4-FFF2-40B4-BE49-F238E27FC236}">
+                <a16:creationId xmlns:a16="http://schemas.microsoft.com/office/drawing/2014/main" id="{643D12D5-043B-0FD8-8E8F-FC86355C8336}"/>
+              </a:ext>
+            </a:extLst>
+          </p:cNvPr>
+          <p:cNvPicPr>
+            <a:picLocks noChangeAspect="1"/>
+          </p:cNvPicPr>
+          <p:nvPr/>
+        </p:nvPicPr>
+        <p:blipFill>
+          <a:blip r:embed="rId3"/>
+          <a:stretch>
+            <a:fillRect/>
+          </a:stretch>
+        </p:blipFill>
+        <p:spPr>
+          <a:xfrm>
+            <a:off x="534726" y="1077707"/>
+            <a:ext cx="6708912" cy="2071344"/>
+          </a:xfrm>
+          <a:prstGeom prst="rect">
+            <a:avLst/>
+          </a:prstGeom>
+        </p:spPr>
+      </p:pic>
     </p:spTree>
     <p:extLst>
       <p:ext uri="{BB962C8B-B14F-4D97-AF65-F5344CB8AC3E}">
@@ -8368,7 +10704,7 @@
             </a:pPr>
             <a:r>
               <a:rPr lang="en" dirty="0"/>
-              <a:t>Component 2 - Test Plan (?and screenshot)</a:t>
+              <a:t>Component 2 v1 - Test Plan (?and screenshot)</a:t>
             </a:r>
             <a:endParaRPr dirty="0"/>
           </a:p>
@@ -8378,11 +10714,17 @@
         <p:nvGraphicFramePr>
           <p:cNvPr id="79" name="Google Shape;79;p17"/>
           <p:cNvGraphicFramePr/>
-          <p:nvPr/>
+          <p:nvPr>
+            <p:extLst>
+              <p:ext uri="{D42A27DB-BD31-4B8C-83A1-F6EECF244321}">
+                <p14:modId xmlns:p14="http://schemas.microsoft.com/office/powerpoint/2010/main" val="433374754"/>
+              </p:ext>
+            </p:extLst>
+          </p:nvPr>
         </p:nvGraphicFramePr>
         <p:xfrm>
-          <a:off x="382475" y="1267725"/>
-          <a:ext cx="8520600" cy="914340"/>
+          <a:off x="311700" y="3564674"/>
+          <a:ext cx="8520600" cy="1462980"/>
         </p:xfrm>
         <a:graphic>
           <a:graphicData uri="http://schemas.openxmlformats.org/drawingml/2006/table">
@@ -8450,10 +10792,10 @@
                         <a:buNone/>
                       </a:pPr>
                       <a:r>
-                        <a:rPr lang="en" sz="1800" b="1"/>
+                        <a:rPr lang="en" sz="1800" b="1" dirty="0"/>
                         <a:t>Expected Values</a:t>
                       </a:r>
-                      <a:endParaRPr sz="1800" b="1"/>
+                      <a:endParaRPr sz="1800" b="1" dirty="0"/>
                     </a:p>
                   </a:txBody>
                   <a:tcPr marL="91425" marR="91425" marT="91425" marB="91425">
@@ -8483,7 +10825,11 @@
                         </a:spcAft>
                         <a:buNone/>
                       </a:pPr>
-                      <a:endParaRPr sz="1800"/>
+                      <a:r>
+                        <a:rPr lang="en-US" sz="1800" dirty="0"/>
+                        <a:t>Run program</a:t>
+                      </a:r>
+                      <a:endParaRPr sz="1800" dirty="0"/>
                     </a:p>
                   </a:txBody>
                   <a:tcPr marL="91425" marR="91425" marT="91425" marB="91425"/>
@@ -8502,7 +10848,41 @@
                         </a:spcAft>
                         <a:buNone/>
                       </a:pPr>
-                      <a:endParaRPr sz="1800"/>
+                      <a:r>
+                        <a:rPr lang="en-US" sz="1800" dirty="0"/>
+                        <a:t>Enter p and the program prints pickup</a:t>
+                      </a:r>
+                    </a:p>
+                    <a:p>
+                      <a:pPr marL="0" lvl="0" indent="0" algn="l" rtl="0">
+                        <a:spcBef>
+                          <a:spcPts val="0"/>
+                        </a:spcBef>
+                        <a:spcAft>
+                          <a:spcPts val="0"/>
+                        </a:spcAft>
+                        <a:buNone/>
+                      </a:pPr>
+                      <a:r>
+                        <a:rPr lang="en-US" sz="1800" dirty="0"/>
+                        <a:t>Enter d and the program prints delivery</a:t>
+                      </a:r>
+                    </a:p>
+                    <a:p>
+                      <a:pPr marL="0" lvl="0" indent="0" algn="l" rtl="0">
+                        <a:spcBef>
+                          <a:spcPts val="0"/>
+                        </a:spcBef>
+                        <a:spcAft>
+                          <a:spcPts val="0"/>
+                        </a:spcAft>
+                        <a:buNone/>
+                      </a:pPr>
+                      <a:r>
+                        <a:rPr lang="en-US" sz="1800" dirty="0"/>
+                        <a:t>Enter invalid and the program stops</a:t>
+                      </a:r>
+                      <a:endParaRPr sz="1800" dirty="0"/>
                     </a:p>
                   </a:txBody>
                   <a:tcPr marL="91425" marR="91425" marT="91425" marB="91425"/>
@@ -8517,6 +10897,126 @@
           </a:graphicData>
         </a:graphic>
       </p:graphicFrame>
+      <p:pic>
+        <p:nvPicPr>
+          <p:cNvPr id="3" name="Picture 2">
+            <a:extLst>
+              <a:ext uri="{FF2B5EF4-FFF2-40B4-BE49-F238E27FC236}">
+                <a16:creationId xmlns:a16="http://schemas.microsoft.com/office/drawing/2014/main" id="{438433B3-8B4A-06EE-C83F-B2D8B9076C6C}"/>
+              </a:ext>
+            </a:extLst>
+          </p:cNvPr>
+          <p:cNvPicPr>
+            <a:picLocks noChangeAspect="1"/>
+          </p:cNvPicPr>
+          <p:nvPr/>
+        </p:nvPicPr>
+        <p:blipFill>
+          <a:blip r:embed="rId3"/>
+          <a:stretch>
+            <a:fillRect/>
+          </a:stretch>
+        </p:blipFill>
+        <p:spPr>
+          <a:xfrm>
+            <a:off x="4958410" y="1046833"/>
+            <a:ext cx="3295044" cy="519868"/>
+          </a:xfrm>
+          <a:prstGeom prst="rect">
+            <a:avLst/>
+          </a:prstGeom>
+        </p:spPr>
+      </p:pic>
+      <p:pic>
+        <p:nvPicPr>
+          <p:cNvPr id="4" name="Picture 3">
+            <a:extLst>
+              <a:ext uri="{FF2B5EF4-FFF2-40B4-BE49-F238E27FC236}">
+                <a16:creationId xmlns:a16="http://schemas.microsoft.com/office/drawing/2014/main" id="{F40799FD-9139-0C43-D729-1966836A3EE4}"/>
+              </a:ext>
+            </a:extLst>
+          </p:cNvPr>
+          <p:cNvPicPr>
+            <a:picLocks noChangeAspect="1"/>
+          </p:cNvPicPr>
+          <p:nvPr/>
+        </p:nvPicPr>
+        <p:blipFill>
+          <a:blip r:embed="rId4"/>
+          <a:stretch>
+            <a:fillRect/>
+          </a:stretch>
+        </p:blipFill>
+        <p:spPr>
+          <a:xfrm>
+            <a:off x="311700" y="1017725"/>
+            <a:ext cx="4349639" cy="2391907"/>
+          </a:xfrm>
+          <a:prstGeom prst="rect">
+            <a:avLst/>
+          </a:prstGeom>
+        </p:spPr>
+      </p:pic>
+      <p:pic>
+        <p:nvPicPr>
+          <p:cNvPr id="5" name="Picture 4">
+            <a:extLst>
+              <a:ext uri="{FF2B5EF4-FFF2-40B4-BE49-F238E27FC236}">
+                <a16:creationId xmlns:a16="http://schemas.microsoft.com/office/drawing/2014/main" id="{5ECAF66A-4C5B-8726-ED67-3C38770409DE}"/>
+              </a:ext>
+            </a:extLst>
+          </p:cNvPr>
+          <p:cNvPicPr>
+            <a:picLocks noChangeAspect="1"/>
+          </p:cNvPicPr>
+          <p:nvPr/>
+        </p:nvPicPr>
+        <p:blipFill>
+          <a:blip r:embed="rId5"/>
+          <a:stretch>
+            <a:fillRect/>
+          </a:stretch>
+        </p:blipFill>
+        <p:spPr>
+          <a:xfrm>
+            <a:off x="4958410" y="1764937"/>
+            <a:ext cx="3402082" cy="519868"/>
+          </a:xfrm>
+          <a:prstGeom prst="rect">
+            <a:avLst/>
+          </a:prstGeom>
+        </p:spPr>
+      </p:pic>
+      <p:pic>
+        <p:nvPicPr>
+          <p:cNvPr id="6" name="Picture 5">
+            <a:extLst>
+              <a:ext uri="{FF2B5EF4-FFF2-40B4-BE49-F238E27FC236}">
+                <a16:creationId xmlns:a16="http://schemas.microsoft.com/office/drawing/2014/main" id="{694C2A00-7E93-DBAE-84F6-9020981CC68C}"/>
+              </a:ext>
+            </a:extLst>
+          </p:cNvPr>
+          <p:cNvPicPr>
+            <a:picLocks noChangeAspect="1"/>
+          </p:cNvPicPr>
+          <p:nvPr/>
+        </p:nvPicPr>
+        <p:blipFill>
+          <a:blip r:embed="rId6"/>
+          <a:stretch>
+            <a:fillRect/>
+          </a:stretch>
+        </p:blipFill>
+        <p:spPr>
+          <a:xfrm>
+            <a:off x="4818490" y="2483040"/>
+            <a:ext cx="3903241" cy="532657"/>
+          </a:xfrm>
+          <a:prstGeom prst="rect">
+            <a:avLst/>
+          </a:prstGeom>
+        </p:spPr>
+      </p:pic>
     </p:spTree>
     <p:extLst>
       <p:ext uri="{BB962C8B-B14F-4D97-AF65-F5344CB8AC3E}">
@@ -8533,17 +11033,9 @@
 <file path=ppt/slides/slide9.xml><?xml version="1.0" encoding="utf-8"?>
 <p:sld xmlns:a="http://schemas.openxmlformats.org/drawingml/2006/main" xmlns:r="http://schemas.openxmlformats.org/officeDocument/2006/relationships" xmlns:p="http://schemas.openxmlformats.org/presentationml/2006/main">
   <p:cSld>
-    <p:bg>
-      <p:bgPr>
-        <a:solidFill>
-          <a:srgbClr val="D9EAD3"/>
-        </a:solidFill>
-        <a:effectLst/>
-      </p:bgPr>
-    </p:bg>
     <p:spTree>
       <p:nvGrpSpPr>
-        <p:cNvPr id="1" name="Shape 83"/>
+        <p:cNvPr id="1" name="Shape 77"/>
         <p:cNvGrpSpPr/>
         <p:nvPr/>
       </p:nvGrpSpPr>
@@ -8557,7 +11049,7 @@
       </p:grpSpPr>
       <p:sp>
         <p:nvSpPr>
-          <p:cNvPr id="84" name="Google Shape;84;p18"/>
+          <p:cNvPr id="78" name="Google Shape;78;p17"/>
           <p:cNvSpPr txBox="1">
             <a:spLocks noGrp="1"/>
           </p:cNvSpPr>
@@ -8590,56 +11082,347 @@
               <a:buNone/>
             </a:pPr>
             <a:r>
-              <a:rPr lang="en"/>
-              <a:t>Version Control Evidence</a:t>
+              <a:rPr lang="en" dirty="0"/>
+              <a:t>Component 2 v2 - Test Plan (and screenshot)</a:t>
             </a:r>
-            <a:endParaRPr/>
+            <a:endParaRPr dirty="0"/>
           </a:p>
         </p:txBody>
       </p:sp>
-      <p:sp>
-        <p:nvSpPr>
-          <p:cNvPr id="85" name="Google Shape;85;p18"/>
-          <p:cNvSpPr txBox="1">
-            <a:spLocks noGrp="1"/>
-          </p:cNvSpPr>
+      <p:graphicFrame>
+        <p:nvGraphicFramePr>
+          <p:cNvPr id="79" name="Google Shape;79;p17"/>
+          <p:cNvGraphicFramePr/>
           <p:nvPr>
-            <p:ph type="body" idx="1"/>
+            <p:extLst>
+              <p:ext uri="{D42A27DB-BD31-4B8C-83A1-F6EECF244321}">
+                <p14:modId xmlns:p14="http://schemas.microsoft.com/office/powerpoint/2010/main" val="2887257958"/>
+              </p:ext>
+            </p:extLst>
           </p:nvPr>
-        </p:nvSpPr>
+        </p:nvGraphicFramePr>
+        <p:xfrm>
+          <a:off x="311700" y="3318304"/>
+          <a:ext cx="8520600" cy="1737300"/>
+        </p:xfrm>
+        <a:graphic>
+          <a:graphicData uri="http://schemas.openxmlformats.org/drawingml/2006/table">
+            <a:tbl>
+              <a:tblPr>
+                <a:noFill/>
+                <a:tableStyleId>{E1099E06-0E6B-448D-9D27-60429F06E6F4}</a:tableStyleId>
+              </a:tblPr>
+              <a:tblGrid>
+                <a:gridCol w="4260300">
+                  <a:extLst>
+                    <a:ext uri="{9D8B030D-6E8A-4147-A177-3AD203B41FA5}">
+                      <a16:colId xmlns:a16="http://schemas.microsoft.com/office/drawing/2014/main" val="20000"/>
+                    </a:ext>
+                  </a:extLst>
+                </a:gridCol>
+                <a:gridCol w="4260300">
+                  <a:extLst>
+                    <a:ext uri="{9D8B030D-6E8A-4147-A177-3AD203B41FA5}">
+                      <a16:colId xmlns:a16="http://schemas.microsoft.com/office/drawing/2014/main" val="20001"/>
+                    </a:ext>
+                  </a:extLst>
+                </a:gridCol>
+              </a:tblGrid>
+              <a:tr h="381000">
+                <a:tc>
+                  <a:txBody>
+                    <a:bodyPr/>
+                    <a:lstStyle/>
+                    <a:p>
+                      <a:pPr marL="0" lvl="0" indent="0" algn="l" rtl="0">
+                        <a:spcBef>
+                          <a:spcPts val="0"/>
+                        </a:spcBef>
+                        <a:spcAft>
+                          <a:spcPts val="0"/>
+                        </a:spcAft>
+                        <a:buNone/>
+                      </a:pPr>
+                      <a:r>
+                        <a:rPr lang="en" sz="1800" b="1" dirty="0"/>
+                        <a:t>Test Case</a:t>
+                      </a:r>
+                      <a:endParaRPr sz="1800" b="1" dirty="0"/>
+                    </a:p>
+                  </a:txBody>
+                  <a:tcPr marL="91425" marR="91425" marT="91425" marB="91425">
+                    <a:solidFill>
+                      <a:srgbClr val="CCCCCC"/>
+                    </a:solidFill>
+                  </a:tcPr>
+                </a:tc>
+                <a:tc>
+                  <a:txBody>
+                    <a:bodyPr/>
+                    <a:lstStyle/>
+                    <a:p>
+                      <a:pPr marL="0" lvl="0" indent="0" algn="l" rtl="0">
+                        <a:spcBef>
+                          <a:spcPts val="0"/>
+                        </a:spcBef>
+                        <a:spcAft>
+                          <a:spcPts val="0"/>
+                        </a:spcAft>
+                        <a:buNone/>
+                      </a:pPr>
+                      <a:r>
+                        <a:rPr lang="en" sz="1800" b="1"/>
+                        <a:t>Expected Values</a:t>
+                      </a:r>
+                      <a:endParaRPr sz="1800" b="1"/>
+                    </a:p>
+                  </a:txBody>
+                  <a:tcPr marL="91425" marR="91425" marT="91425" marB="91425">
+                    <a:solidFill>
+                      <a:srgbClr val="CCCCCC"/>
+                    </a:solidFill>
+                  </a:tcPr>
+                </a:tc>
+                <a:extLst>
+                  <a:ext uri="{0D108BD9-81ED-4DB2-BD59-A6C34878D82A}">
+                    <a16:rowId xmlns:a16="http://schemas.microsoft.com/office/drawing/2014/main" val="10000"/>
+                  </a:ext>
+                </a:extLst>
+              </a:tr>
+              <a:tr h="396200">
+                <a:tc>
+                  <a:txBody>
+                    <a:bodyPr/>
+                    <a:lstStyle/>
+                    <a:p>
+                      <a:pPr marL="0" marR="0" lvl="0" indent="0" algn="l" defTabSz="914400" rtl="0" eaLnBrk="1" fontAlgn="auto" latinLnBrk="0" hangingPunct="1">
+                        <a:lnSpc>
+                          <a:spcPct val="100000"/>
+                        </a:lnSpc>
+                        <a:spcBef>
+                          <a:spcPts val="0"/>
+                        </a:spcBef>
+                        <a:spcAft>
+                          <a:spcPts val="0"/>
+                        </a:spcAft>
+                        <a:buClr>
+                          <a:srgbClr val="000000"/>
+                        </a:buClr>
+                        <a:buSzTx/>
+                        <a:buFont typeface="Arial"/>
+                        <a:buNone/>
+                        <a:tabLst/>
+                        <a:defRPr/>
+                      </a:pPr>
+                      <a:r>
+                        <a:rPr lang="en-US" sz="1800" dirty="0"/>
+                        <a:t>Run program</a:t>
+                      </a:r>
+                    </a:p>
+                    <a:p>
+                      <a:pPr marL="0" lvl="0" indent="0" algn="l" rtl="0">
+                        <a:spcBef>
+                          <a:spcPts val="0"/>
+                        </a:spcBef>
+                        <a:spcAft>
+                          <a:spcPts val="0"/>
+                        </a:spcAft>
+                        <a:buNone/>
+                      </a:pPr>
+                      <a:endParaRPr sz="1800" dirty="0"/>
+                    </a:p>
+                  </a:txBody>
+                  <a:tcPr marL="91425" marR="91425" marT="91425" marB="91425"/>
+                </a:tc>
+                <a:tc>
+                  <a:txBody>
+                    <a:bodyPr/>
+                    <a:lstStyle/>
+                    <a:p>
+                      <a:pPr marL="0" lvl="0" indent="0" algn="l" rtl="0">
+                        <a:spcBef>
+                          <a:spcPts val="0"/>
+                        </a:spcBef>
+                        <a:spcAft>
+                          <a:spcPts val="0"/>
+                        </a:spcAft>
+                        <a:buNone/>
+                      </a:pPr>
+                      <a:r>
+                        <a:rPr lang="en-US" sz="1800" dirty="0"/>
+                        <a:t>Enter p and the program prints pickup</a:t>
+                      </a:r>
+                    </a:p>
+                    <a:p>
+                      <a:pPr marL="0" lvl="0" indent="0" algn="l" rtl="0">
+                        <a:spcBef>
+                          <a:spcPts val="0"/>
+                        </a:spcBef>
+                        <a:spcAft>
+                          <a:spcPts val="0"/>
+                        </a:spcAft>
+                        <a:buNone/>
+                      </a:pPr>
+                      <a:r>
+                        <a:rPr lang="en-US" sz="1800" dirty="0"/>
+                        <a:t>Enter d and the program prints delivery</a:t>
+                      </a:r>
+                    </a:p>
+                    <a:p>
+                      <a:pPr marL="0" lvl="0" indent="0" algn="l" rtl="0">
+                        <a:spcBef>
+                          <a:spcPts val="0"/>
+                        </a:spcBef>
+                        <a:spcAft>
+                          <a:spcPts val="0"/>
+                        </a:spcAft>
+                        <a:buNone/>
+                      </a:pPr>
+                      <a:r>
+                        <a:rPr lang="en-US" sz="1800" dirty="0"/>
+                        <a:t>Enter invalid and the program prints error message</a:t>
+                      </a:r>
+                      <a:endParaRPr sz="1800" dirty="0"/>
+                    </a:p>
+                  </a:txBody>
+                  <a:tcPr marL="91425" marR="91425" marT="91425" marB="91425"/>
+                </a:tc>
+                <a:extLst>
+                  <a:ext uri="{0D108BD9-81ED-4DB2-BD59-A6C34878D82A}">
+                    <a16:rowId xmlns:a16="http://schemas.microsoft.com/office/drawing/2014/main" val="10001"/>
+                  </a:ext>
+                </a:extLst>
+              </a:tr>
+            </a:tbl>
+          </a:graphicData>
+        </a:graphic>
+      </p:graphicFrame>
+      <p:pic>
+        <p:nvPicPr>
+          <p:cNvPr id="3" name="Picture 2">
+            <a:extLst>
+              <a:ext uri="{FF2B5EF4-FFF2-40B4-BE49-F238E27FC236}">
+                <a16:creationId xmlns:a16="http://schemas.microsoft.com/office/drawing/2014/main" id="{8CC747B7-A3CA-B39D-2EBC-D286BD91E4A1}"/>
+              </a:ext>
+            </a:extLst>
+          </p:cNvPr>
+          <p:cNvPicPr>
+            <a:picLocks noChangeAspect="1"/>
+          </p:cNvPicPr>
+          <p:nvPr/>
+        </p:nvPicPr>
+        <p:blipFill>
+          <a:blip r:embed="rId3"/>
+          <a:stretch>
+            <a:fillRect/>
+          </a:stretch>
+        </p:blipFill>
         <p:spPr>
           <a:xfrm>
-            <a:off x="311700" y="1152475"/>
-            <a:ext cx="8464200" cy="3739200"/>
+            <a:off x="4722215" y="1017725"/>
+            <a:ext cx="2795019" cy="572699"/>
           </a:xfrm>
           <a:prstGeom prst="rect">
             <a:avLst/>
           </a:prstGeom>
         </p:spPr>
-        <p:txBody>
-          <a:bodyPr spcFirstLastPara="1" wrap="square" lIns="91425" tIns="91425" rIns="91425" bIns="91425" anchor="t" anchorCtr="0">
-            <a:noAutofit/>
-          </a:bodyPr>
-          <a:lstStyle/>
-          <a:p>
-            <a:pPr marL="0" lvl="0" indent="0" algn="l" rtl="0">
-              <a:spcBef>
-                <a:spcPts val="0"/>
-              </a:spcBef>
-              <a:spcAft>
-                <a:spcPts val="1600"/>
-              </a:spcAft>
-              <a:buNone/>
-            </a:pPr>
-            <a:r>
-              <a:rPr lang="en" i="1"/>
-              <a:t>Your version control evidence should go here.  This could be in the form of annotated screenshots which show you you managed this process or you could make a brief screencast explaining how you implemented version control.</a:t>
-            </a:r>
-            <a:endParaRPr i="1"/>
-          </a:p>
-        </p:txBody>
-      </p:sp>
+      </p:pic>
+      <p:pic>
+        <p:nvPicPr>
+          <p:cNvPr id="4" name="Picture 3">
+            <a:extLst>
+              <a:ext uri="{FF2B5EF4-FFF2-40B4-BE49-F238E27FC236}">
+                <a16:creationId xmlns:a16="http://schemas.microsoft.com/office/drawing/2014/main" id="{33957045-31F2-DDA5-95F2-9B376BFFB7F9}"/>
+              </a:ext>
+            </a:extLst>
+          </p:cNvPr>
+          <p:cNvPicPr>
+            <a:picLocks noChangeAspect="1"/>
+          </p:cNvPicPr>
+          <p:nvPr/>
+        </p:nvPicPr>
+        <p:blipFill>
+          <a:blip r:embed="rId4"/>
+          <a:stretch>
+            <a:fillRect/>
+          </a:stretch>
+        </p:blipFill>
+        <p:spPr>
+          <a:xfrm>
+            <a:off x="760509" y="1017725"/>
+            <a:ext cx="3366218" cy="2128069"/>
+          </a:xfrm>
+          <a:prstGeom prst="rect">
+            <a:avLst/>
+          </a:prstGeom>
+        </p:spPr>
+      </p:pic>
+      <p:pic>
+        <p:nvPicPr>
+          <p:cNvPr id="5" name="Picture 4">
+            <a:extLst>
+              <a:ext uri="{FF2B5EF4-FFF2-40B4-BE49-F238E27FC236}">
+                <a16:creationId xmlns:a16="http://schemas.microsoft.com/office/drawing/2014/main" id="{2589F411-DBDF-DC6E-DFB7-B57AB6951E47}"/>
+              </a:ext>
+            </a:extLst>
+          </p:cNvPr>
+          <p:cNvPicPr>
+            <a:picLocks noChangeAspect="1"/>
+          </p:cNvPicPr>
+          <p:nvPr/>
+        </p:nvPicPr>
+        <p:blipFill>
+          <a:blip r:embed="rId5"/>
+          <a:stretch>
+            <a:fillRect/>
+          </a:stretch>
+        </p:blipFill>
+        <p:spPr>
+          <a:xfrm>
+            <a:off x="4722215" y="1762934"/>
+            <a:ext cx="2795019" cy="544569"/>
+          </a:xfrm>
+          <a:prstGeom prst="rect">
+            <a:avLst/>
+          </a:prstGeom>
+        </p:spPr>
+      </p:pic>
+      <p:pic>
+        <p:nvPicPr>
+          <p:cNvPr id="6" name="Picture 5">
+            <a:extLst>
+              <a:ext uri="{FF2B5EF4-FFF2-40B4-BE49-F238E27FC236}">
+                <a16:creationId xmlns:a16="http://schemas.microsoft.com/office/drawing/2014/main" id="{CA8593E5-2016-F55C-2FB7-85DDC464C2A6}"/>
+              </a:ext>
+            </a:extLst>
+          </p:cNvPr>
+          <p:cNvPicPr>
+            <a:picLocks noChangeAspect="1"/>
+          </p:cNvPicPr>
+          <p:nvPr/>
+        </p:nvPicPr>
+        <p:blipFill>
+          <a:blip r:embed="rId6"/>
+          <a:stretch>
+            <a:fillRect/>
+          </a:stretch>
+        </p:blipFill>
+        <p:spPr>
+          <a:xfrm>
+            <a:off x="4722215" y="2480013"/>
+            <a:ext cx="2795019" cy="559004"/>
+          </a:xfrm>
+          <a:prstGeom prst="rect">
+            <a:avLst/>
+          </a:prstGeom>
+        </p:spPr>
+      </p:pic>
     </p:spTree>
+    <p:extLst>
+      <p:ext uri="{BB962C8B-B14F-4D97-AF65-F5344CB8AC3E}">
+        <p14:creationId xmlns:p14="http://schemas.microsoft.com/office/powerpoint/2010/main" val="3935105615"/>
+      </p:ext>
+    </p:extLst>
   </p:cSld>
   <p:clrMapOvr>
     <a:masterClrMapping/>

--- a/Python.pptx
+++ b/Python.pptx
@@ -15,12 +15,12 @@
     <p:sldId id="260" r:id="rId6"/>
     <p:sldId id="265" r:id="rId7"/>
     <p:sldId id="263" r:id="rId8"/>
-    <p:sldId id="264" r:id="rId9"/>
-    <p:sldId id="266" r:id="rId10"/>
-    <p:sldId id="267" r:id="rId11"/>
-    <p:sldId id="268" r:id="rId12"/>
-    <p:sldId id="270" r:id="rId13"/>
-    <p:sldId id="269" r:id="rId14"/>
+    <p:sldId id="271" r:id="rId9"/>
+    <p:sldId id="264" r:id="rId10"/>
+    <p:sldId id="266" r:id="rId11"/>
+    <p:sldId id="267" r:id="rId12"/>
+    <p:sldId id="268" r:id="rId13"/>
+    <p:sldId id="270" r:id="rId14"/>
     <p:sldId id="261" r:id="rId15"/>
     <p:sldId id="262" r:id="rId16"/>
   </p:sldIdLst>
@@ -277,7 +277,7 @@
 <file path=ppt/revisionInfo.xml><?xml version="1.0" encoding="utf-8"?>
 <p1510:revInfo xmlns:a="http://schemas.openxmlformats.org/drawingml/2006/main" xmlns:r="http://schemas.openxmlformats.org/officeDocument/2006/relationships" xmlns:p1510="http://schemas.microsoft.com/office/powerpoint/2015/10/main">
   <p1510:revLst>
-    <p1510:client id="{268579DD-9F3E-DD42-ADBD-2C5BCBEBF3D0}" v="45" dt="2023-05-09T08:51:45.627"/>
+    <p1510:client id="{268579DD-9F3E-DD42-ADBD-2C5BCBEBF3D0}" v="46" dt="2023-05-09T09:23:21.769"/>
   </p1510:revLst>
 </p1510:revInfo>
 </file>
@@ -287,7 +287,7 @@
   <pc:docChgLst>
     <pc:chgData name="Kaitlin Eustaquio" userId="1db1b819-5a69-4e28-a1f3-107bdd323ba9" providerId="ADAL" clId="{268579DD-9F3E-DD42-ADBD-2C5BCBEBF3D0}"/>
     <pc:docChg chg="undo redo custSel addSld delSld modSld sldOrd">
-      <pc:chgData name="Kaitlin Eustaquio" userId="1db1b819-5a69-4e28-a1f3-107bdd323ba9" providerId="ADAL" clId="{268579DD-9F3E-DD42-ADBD-2C5BCBEBF3D0}" dt="2023-05-09T08:52:54.229" v="1061" actId="1076"/>
+      <pc:chgData name="Kaitlin Eustaquio" userId="1db1b819-5a69-4e28-a1f3-107bdd323ba9" providerId="ADAL" clId="{268579DD-9F3E-DD42-ADBD-2C5BCBEBF3D0}" dt="2023-05-09T09:23:23.649" v="1066" actId="1076"/>
       <pc:docMkLst>
         <pc:docMk/>
       </pc:docMkLst>
@@ -752,8 +752,8 @@
           </ac:picMkLst>
         </pc:picChg>
       </pc:sldChg>
-      <pc:sldChg chg="modSp add mod ord">
-        <pc:chgData name="Kaitlin Eustaquio" userId="1db1b819-5a69-4e28-a1f3-107bdd323ba9" providerId="ADAL" clId="{268579DD-9F3E-DD42-ADBD-2C5BCBEBF3D0}" dt="2023-05-09T08:51:35.961" v="917" actId="20578"/>
+      <pc:sldChg chg="modSp add del mod ord">
+        <pc:chgData name="Kaitlin Eustaquio" userId="1db1b819-5a69-4e28-a1f3-107bdd323ba9" providerId="ADAL" clId="{268579DD-9F3E-DD42-ADBD-2C5BCBEBF3D0}" dt="2023-05-09T09:19:57.584" v="1062" actId="2696"/>
         <pc:sldMkLst>
           <pc:docMk/>
           <pc:sldMk cId="901836945" sldId="269"/>
@@ -803,6 +803,29 @@
             <pc:docMk/>
             <pc:sldMk cId="2131015006" sldId="270"/>
             <ac:picMk id="3" creationId="{A3AFA3B7-9BA2-E798-A022-B59AB610D355}"/>
+          </ac:picMkLst>
+        </pc:picChg>
+      </pc:sldChg>
+      <pc:sldChg chg="addSp delSp modSp add mod">
+        <pc:chgData name="Kaitlin Eustaquio" userId="1db1b819-5a69-4e28-a1f3-107bdd323ba9" providerId="ADAL" clId="{268579DD-9F3E-DD42-ADBD-2C5BCBEBF3D0}" dt="2023-05-09T09:23:23.649" v="1066" actId="1076"/>
+        <pc:sldMkLst>
+          <pc:docMk/>
+          <pc:sldMk cId="4046945229" sldId="271"/>
+        </pc:sldMkLst>
+        <pc:picChg chg="del">
+          <ac:chgData name="Kaitlin Eustaquio" userId="1db1b819-5a69-4e28-a1f3-107bdd323ba9" providerId="ADAL" clId="{268579DD-9F3E-DD42-ADBD-2C5BCBEBF3D0}" dt="2023-05-09T09:23:21.269" v="1064" actId="478"/>
+          <ac:picMkLst>
+            <pc:docMk/>
+            <pc:sldMk cId="4046945229" sldId="271"/>
+            <ac:picMk id="2" creationId="{643D12D5-043B-0FD8-8E8F-FC86355C8336}"/>
+          </ac:picMkLst>
+        </pc:picChg>
+        <pc:picChg chg="add mod">
+          <ac:chgData name="Kaitlin Eustaquio" userId="1db1b819-5a69-4e28-a1f3-107bdd323ba9" providerId="ADAL" clId="{268579DD-9F3E-DD42-ADBD-2C5BCBEBF3D0}" dt="2023-05-09T09:23:23.649" v="1066" actId="1076"/>
+          <ac:picMkLst>
+            <pc:docMk/>
+            <pc:sldMk cId="4046945229" sldId="271"/>
+            <ac:picMk id="3" creationId="{8D7ED994-57E6-6E42-B2BC-D7E9F161D3DB}"/>
           </ac:picMkLst>
         </pc:picChg>
       </pc:sldChg>
@@ -1455,7 +1478,7 @@
     </p:spTree>
     <p:extLst>
       <p:ext uri="{BB962C8B-B14F-4D97-AF65-F5344CB8AC3E}">
-        <p14:creationId xmlns:p14="http://schemas.microsoft.com/office/powerpoint/2010/main" val="3991745932"/>
+        <p14:creationId xmlns:p14="http://schemas.microsoft.com/office/powerpoint/2010/main" val="2626043390"/>
       </p:ext>
     </p:extLst>
   </p:cSld>
@@ -1564,7 +1587,7 @@
     </p:spTree>
     <p:extLst>
       <p:ext uri="{BB962C8B-B14F-4D97-AF65-F5344CB8AC3E}">
-        <p14:creationId xmlns:p14="http://schemas.microsoft.com/office/powerpoint/2010/main" val="4032648579"/>
+        <p14:creationId xmlns:p14="http://schemas.microsoft.com/office/powerpoint/2010/main" val="3991745932"/>
       </p:ext>
     </p:extLst>
   </p:cSld>
@@ -1673,7 +1696,7 @@
     </p:spTree>
     <p:extLst>
       <p:ext uri="{BB962C8B-B14F-4D97-AF65-F5344CB8AC3E}">
-        <p14:creationId xmlns:p14="http://schemas.microsoft.com/office/powerpoint/2010/main" val="2659218444"/>
+        <p14:creationId xmlns:p14="http://schemas.microsoft.com/office/powerpoint/2010/main" val="4032648579"/>
       </p:ext>
     </p:extLst>
   </p:cSld>
@@ -1782,7 +1805,7 @@
     </p:spTree>
     <p:extLst>
       <p:ext uri="{BB962C8B-B14F-4D97-AF65-F5344CB8AC3E}">
-        <p14:creationId xmlns:p14="http://schemas.microsoft.com/office/powerpoint/2010/main" val="2228932200"/>
+        <p14:creationId xmlns:p14="http://schemas.microsoft.com/office/powerpoint/2010/main" val="2659218444"/>
       </p:ext>
     </p:extLst>
   </p:cSld>
@@ -2689,7 +2712,7 @@
   <p:cSld>
     <p:spTree>
       <p:nvGrpSpPr>
-        <p:cNvPr id="1" name="Shape 74"/>
+        <p:cNvPr id="1" name="Shape 69"/>
         <p:cNvGrpSpPr/>
         <p:nvPr/>
       </p:nvGrpSpPr>
@@ -2703,7 +2726,7 @@
       </p:grpSpPr>
       <p:sp>
         <p:nvSpPr>
-          <p:cNvPr id="75" name="Google Shape;75;gac10fef634_0_20:notes"/>
+          <p:cNvPr id="70" name="Google Shape;70;gac10fef634_0_16:notes"/>
           <p:cNvSpPr>
             <a:spLocks noGrp="1" noRot="1" noChangeAspect="1"/>
           </p:cNvSpPr>
@@ -2744,7 +2767,7 @@
       </p:sp>
       <p:sp>
         <p:nvSpPr>
-          <p:cNvPr id="76" name="Google Shape;76;gac10fef634_0_20:notes"/>
+          <p:cNvPr id="71" name="Google Shape;71;gac10fef634_0_16:notes"/>
           <p:cNvSpPr txBox="1">
             <a:spLocks noGrp="1"/>
           </p:cNvSpPr>
@@ -2783,7 +2806,7 @@
     </p:spTree>
     <p:extLst>
       <p:ext uri="{BB962C8B-B14F-4D97-AF65-F5344CB8AC3E}">
-        <p14:creationId xmlns:p14="http://schemas.microsoft.com/office/powerpoint/2010/main" val="4041328121"/>
+        <p14:creationId xmlns:p14="http://schemas.microsoft.com/office/powerpoint/2010/main" val="720094619"/>
       </p:ext>
     </p:extLst>
   </p:cSld>
@@ -2892,7 +2915,7 @@
     </p:spTree>
     <p:extLst>
       <p:ext uri="{BB962C8B-B14F-4D97-AF65-F5344CB8AC3E}">
-        <p14:creationId xmlns:p14="http://schemas.microsoft.com/office/powerpoint/2010/main" val="2626043390"/>
+        <p14:creationId xmlns:p14="http://schemas.microsoft.com/office/powerpoint/2010/main" val="4041328121"/>
       </p:ext>
     </p:extLst>
   </p:cSld>
@@ -8052,6 +8075,406 @@
             </a:pPr>
             <a:r>
               <a:rPr lang="en" dirty="0"/>
+              <a:t>Component 2 v2 - Test Plan (and screenshot)</a:t>
+            </a:r>
+            <a:endParaRPr dirty="0"/>
+          </a:p>
+        </p:txBody>
+      </p:sp>
+      <p:graphicFrame>
+        <p:nvGraphicFramePr>
+          <p:cNvPr id="79" name="Google Shape;79;p17"/>
+          <p:cNvGraphicFramePr/>
+          <p:nvPr>
+            <p:extLst>
+              <p:ext uri="{D42A27DB-BD31-4B8C-83A1-F6EECF244321}">
+                <p14:modId xmlns:p14="http://schemas.microsoft.com/office/powerpoint/2010/main" val="2887257958"/>
+              </p:ext>
+            </p:extLst>
+          </p:nvPr>
+        </p:nvGraphicFramePr>
+        <p:xfrm>
+          <a:off x="311700" y="3318304"/>
+          <a:ext cx="8520600" cy="1737300"/>
+        </p:xfrm>
+        <a:graphic>
+          <a:graphicData uri="http://schemas.openxmlformats.org/drawingml/2006/table">
+            <a:tbl>
+              <a:tblPr>
+                <a:noFill/>
+                <a:tableStyleId>{E1099E06-0E6B-448D-9D27-60429F06E6F4}</a:tableStyleId>
+              </a:tblPr>
+              <a:tblGrid>
+                <a:gridCol w="4260300">
+                  <a:extLst>
+                    <a:ext uri="{9D8B030D-6E8A-4147-A177-3AD203B41FA5}">
+                      <a16:colId xmlns:a16="http://schemas.microsoft.com/office/drawing/2014/main" val="20000"/>
+                    </a:ext>
+                  </a:extLst>
+                </a:gridCol>
+                <a:gridCol w="4260300">
+                  <a:extLst>
+                    <a:ext uri="{9D8B030D-6E8A-4147-A177-3AD203B41FA5}">
+                      <a16:colId xmlns:a16="http://schemas.microsoft.com/office/drawing/2014/main" val="20001"/>
+                    </a:ext>
+                  </a:extLst>
+                </a:gridCol>
+              </a:tblGrid>
+              <a:tr h="381000">
+                <a:tc>
+                  <a:txBody>
+                    <a:bodyPr/>
+                    <a:lstStyle/>
+                    <a:p>
+                      <a:pPr marL="0" lvl="0" indent="0" algn="l" rtl="0">
+                        <a:spcBef>
+                          <a:spcPts val="0"/>
+                        </a:spcBef>
+                        <a:spcAft>
+                          <a:spcPts val="0"/>
+                        </a:spcAft>
+                        <a:buNone/>
+                      </a:pPr>
+                      <a:r>
+                        <a:rPr lang="en" sz="1800" b="1" dirty="0"/>
+                        <a:t>Test Case</a:t>
+                      </a:r>
+                      <a:endParaRPr sz="1800" b="1" dirty="0"/>
+                    </a:p>
+                  </a:txBody>
+                  <a:tcPr marL="91425" marR="91425" marT="91425" marB="91425">
+                    <a:solidFill>
+                      <a:srgbClr val="CCCCCC"/>
+                    </a:solidFill>
+                  </a:tcPr>
+                </a:tc>
+                <a:tc>
+                  <a:txBody>
+                    <a:bodyPr/>
+                    <a:lstStyle/>
+                    <a:p>
+                      <a:pPr marL="0" lvl="0" indent="0" algn="l" rtl="0">
+                        <a:spcBef>
+                          <a:spcPts val="0"/>
+                        </a:spcBef>
+                        <a:spcAft>
+                          <a:spcPts val="0"/>
+                        </a:spcAft>
+                        <a:buNone/>
+                      </a:pPr>
+                      <a:r>
+                        <a:rPr lang="en" sz="1800" b="1"/>
+                        <a:t>Expected Values</a:t>
+                      </a:r>
+                      <a:endParaRPr sz="1800" b="1"/>
+                    </a:p>
+                  </a:txBody>
+                  <a:tcPr marL="91425" marR="91425" marT="91425" marB="91425">
+                    <a:solidFill>
+                      <a:srgbClr val="CCCCCC"/>
+                    </a:solidFill>
+                  </a:tcPr>
+                </a:tc>
+                <a:extLst>
+                  <a:ext uri="{0D108BD9-81ED-4DB2-BD59-A6C34878D82A}">
+                    <a16:rowId xmlns:a16="http://schemas.microsoft.com/office/drawing/2014/main" val="10000"/>
+                  </a:ext>
+                </a:extLst>
+              </a:tr>
+              <a:tr h="396200">
+                <a:tc>
+                  <a:txBody>
+                    <a:bodyPr/>
+                    <a:lstStyle/>
+                    <a:p>
+                      <a:pPr marL="0" marR="0" lvl="0" indent="0" algn="l" defTabSz="914400" rtl="0" eaLnBrk="1" fontAlgn="auto" latinLnBrk="0" hangingPunct="1">
+                        <a:lnSpc>
+                          <a:spcPct val="100000"/>
+                        </a:lnSpc>
+                        <a:spcBef>
+                          <a:spcPts val="0"/>
+                        </a:spcBef>
+                        <a:spcAft>
+                          <a:spcPts val="0"/>
+                        </a:spcAft>
+                        <a:buClr>
+                          <a:srgbClr val="000000"/>
+                        </a:buClr>
+                        <a:buSzTx/>
+                        <a:buFont typeface="Arial"/>
+                        <a:buNone/>
+                        <a:tabLst/>
+                        <a:defRPr/>
+                      </a:pPr>
+                      <a:r>
+                        <a:rPr lang="en-US" sz="1800" dirty="0"/>
+                        <a:t>Run program</a:t>
+                      </a:r>
+                    </a:p>
+                    <a:p>
+                      <a:pPr marL="0" lvl="0" indent="0" algn="l" rtl="0">
+                        <a:spcBef>
+                          <a:spcPts val="0"/>
+                        </a:spcBef>
+                        <a:spcAft>
+                          <a:spcPts val="0"/>
+                        </a:spcAft>
+                        <a:buNone/>
+                      </a:pPr>
+                      <a:endParaRPr sz="1800" dirty="0"/>
+                    </a:p>
+                  </a:txBody>
+                  <a:tcPr marL="91425" marR="91425" marT="91425" marB="91425"/>
+                </a:tc>
+                <a:tc>
+                  <a:txBody>
+                    <a:bodyPr/>
+                    <a:lstStyle/>
+                    <a:p>
+                      <a:pPr marL="0" lvl="0" indent="0" algn="l" rtl="0">
+                        <a:spcBef>
+                          <a:spcPts val="0"/>
+                        </a:spcBef>
+                        <a:spcAft>
+                          <a:spcPts val="0"/>
+                        </a:spcAft>
+                        <a:buNone/>
+                      </a:pPr>
+                      <a:r>
+                        <a:rPr lang="en-US" sz="1800" dirty="0"/>
+                        <a:t>Enter p and the program prints pickup</a:t>
+                      </a:r>
+                    </a:p>
+                    <a:p>
+                      <a:pPr marL="0" lvl="0" indent="0" algn="l" rtl="0">
+                        <a:spcBef>
+                          <a:spcPts val="0"/>
+                        </a:spcBef>
+                        <a:spcAft>
+                          <a:spcPts val="0"/>
+                        </a:spcAft>
+                        <a:buNone/>
+                      </a:pPr>
+                      <a:r>
+                        <a:rPr lang="en-US" sz="1800" dirty="0"/>
+                        <a:t>Enter d and the program prints delivery</a:t>
+                      </a:r>
+                    </a:p>
+                    <a:p>
+                      <a:pPr marL="0" lvl="0" indent="0" algn="l" rtl="0">
+                        <a:spcBef>
+                          <a:spcPts val="0"/>
+                        </a:spcBef>
+                        <a:spcAft>
+                          <a:spcPts val="0"/>
+                        </a:spcAft>
+                        <a:buNone/>
+                      </a:pPr>
+                      <a:r>
+                        <a:rPr lang="en-US" sz="1800" dirty="0"/>
+                        <a:t>Enter invalid and the program prints error message</a:t>
+                      </a:r>
+                      <a:endParaRPr sz="1800" dirty="0"/>
+                    </a:p>
+                  </a:txBody>
+                  <a:tcPr marL="91425" marR="91425" marT="91425" marB="91425"/>
+                </a:tc>
+                <a:extLst>
+                  <a:ext uri="{0D108BD9-81ED-4DB2-BD59-A6C34878D82A}">
+                    <a16:rowId xmlns:a16="http://schemas.microsoft.com/office/drawing/2014/main" val="10001"/>
+                  </a:ext>
+                </a:extLst>
+              </a:tr>
+            </a:tbl>
+          </a:graphicData>
+        </a:graphic>
+      </p:graphicFrame>
+      <p:pic>
+        <p:nvPicPr>
+          <p:cNvPr id="3" name="Picture 2">
+            <a:extLst>
+              <a:ext uri="{FF2B5EF4-FFF2-40B4-BE49-F238E27FC236}">
+                <a16:creationId xmlns:a16="http://schemas.microsoft.com/office/drawing/2014/main" id="{8CC747B7-A3CA-B39D-2EBC-D286BD91E4A1}"/>
+              </a:ext>
+            </a:extLst>
+          </p:cNvPr>
+          <p:cNvPicPr>
+            <a:picLocks noChangeAspect="1"/>
+          </p:cNvPicPr>
+          <p:nvPr/>
+        </p:nvPicPr>
+        <p:blipFill>
+          <a:blip r:embed="rId3"/>
+          <a:stretch>
+            <a:fillRect/>
+          </a:stretch>
+        </p:blipFill>
+        <p:spPr>
+          <a:xfrm>
+            <a:off x="4722215" y="1017725"/>
+            <a:ext cx="2795019" cy="572699"/>
+          </a:xfrm>
+          <a:prstGeom prst="rect">
+            <a:avLst/>
+          </a:prstGeom>
+        </p:spPr>
+      </p:pic>
+      <p:pic>
+        <p:nvPicPr>
+          <p:cNvPr id="4" name="Picture 3">
+            <a:extLst>
+              <a:ext uri="{FF2B5EF4-FFF2-40B4-BE49-F238E27FC236}">
+                <a16:creationId xmlns:a16="http://schemas.microsoft.com/office/drawing/2014/main" id="{33957045-31F2-DDA5-95F2-9B376BFFB7F9}"/>
+              </a:ext>
+            </a:extLst>
+          </p:cNvPr>
+          <p:cNvPicPr>
+            <a:picLocks noChangeAspect="1"/>
+          </p:cNvPicPr>
+          <p:nvPr/>
+        </p:nvPicPr>
+        <p:blipFill>
+          <a:blip r:embed="rId4"/>
+          <a:stretch>
+            <a:fillRect/>
+          </a:stretch>
+        </p:blipFill>
+        <p:spPr>
+          <a:xfrm>
+            <a:off x="760509" y="1017725"/>
+            <a:ext cx="3366218" cy="2128069"/>
+          </a:xfrm>
+          <a:prstGeom prst="rect">
+            <a:avLst/>
+          </a:prstGeom>
+        </p:spPr>
+      </p:pic>
+      <p:pic>
+        <p:nvPicPr>
+          <p:cNvPr id="5" name="Picture 4">
+            <a:extLst>
+              <a:ext uri="{FF2B5EF4-FFF2-40B4-BE49-F238E27FC236}">
+                <a16:creationId xmlns:a16="http://schemas.microsoft.com/office/drawing/2014/main" id="{2589F411-DBDF-DC6E-DFB7-B57AB6951E47}"/>
+              </a:ext>
+            </a:extLst>
+          </p:cNvPr>
+          <p:cNvPicPr>
+            <a:picLocks noChangeAspect="1"/>
+          </p:cNvPicPr>
+          <p:nvPr/>
+        </p:nvPicPr>
+        <p:blipFill>
+          <a:blip r:embed="rId5"/>
+          <a:stretch>
+            <a:fillRect/>
+          </a:stretch>
+        </p:blipFill>
+        <p:spPr>
+          <a:xfrm>
+            <a:off x="4722215" y="1762934"/>
+            <a:ext cx="2795019" cy="544569"/>
+          </a:xfrm>
+          <a:prstGeom prst="rect">
+            <a:avLst/>
+          </a:prstGeom>
+        </p:spPr>
+      </p:pic>
+      <p:pic>
+        <p:nvPicPr>
+          <p:cNvPr id="6" name="Picture 5">
+            <a:extLst>
+              <a:ext uri="{FF2B5EF4-FFF2-40B4-BE49-F238E27FC236}">
+                <a16:creationId xmlns:a16="http://schemas.microsoft.com/office/drawing/2014/main" id="{CA8593E5-2016-F55C-2FB7-85DDC464C2A6}"/>
+              </a:ext>
+            </a:extLst>
+          </p:cNvPr>
+          <p:cNvPicPr>
+            <a:picLocks noChangeAspect="1"/>
+          </p:cNvPicPr>
+          <p:nvPr/>
+        </p:nvPicPr>
+        <p:blipFill>
+          <a:blip r:embed="rId6"/>
+          <a:stretch>
+            <a:fillRect/>
+          </a:stretch>
+        </p:blipFill>
+        <p:spPr>
+          <a:xfrm>
+            <a:off x="4722215" y="2480013"/>
+            <a:ext cx="2795019" cy="559004"/>
+          </a:xfrm>
+          <a:prstGeom prst="rect">
+            <a:avLst/>
+          </a:prstGeom>
+        </p:spPr>
+      </p:pic>
+    </p:spTree>
+    <p:extLst>
+      <p:ext uri="{BB962C8B-B14F-4D97-AF65-F5344CB8AC3E}">
+        <p14:creationId xmlns:p14="http://schemas.microsoft.com/office/powerpoint/2010/main" val="3935105615"/>
+      </p:ext>
+    </p:extLst>
+  </p:cSld>
+  <p:clrMapOvr>
+    <a:masterClrMapping/>
+  </p:clrMapOvr>
+</p:sld>
+</file>
+
+<file path=ppt/slides/slide11.xml><?xml version="1.0" encoding="utf-8"?>
+<p:sld xmlns:a="http://schemas.openxmlformats.org/drawingml/2006/main" xmlns:r="http://schemas.openxmlformats.org/officeDocument/2006/relationships" xmlns:p="http://schemas.openxmlformats.org/presentationml/2006/main">
+  <p:cSld>
+    <p:spTree>
+      <p:nvGrpSpPr>
+        <p:cNvPr id="1" name="Shape 77"/>
+        <p:cNvGrpSpPr/>
+        <p:nvPr/>
+      </p:nvGrpSpPr>
+      <p:grpSpPr>
+        <a:xfrm>
+          <a:off x="0" y="0"/>
+          <a:ext cx="0" cy="0"/>
+          <a:chOff x="0" y="0"/>
+          <a:chExt cx="0" cy="0"/>
+        </a:xfrm>
+      </p:grpSpPr>
+      <p:sp>
+        <p:nvSpPr>
+          <p:cNvPr id="78" name="Google Shape;78;p17"/>
+          <p:cNvSpPr txBox="1">
+            <a:spLocks noGrp="1"/>
+          </p:cNvSpPr>
+          <p:nvPr>
+            <p:ph type="title"/>
+          </p:nvPr>
+        </p:nvSpPr>
+        <p:spPr>
+          <a:xfrm>
+            <a:off x="311700" y="445025"/>
+            <a:ext cx="8520600" cy="572700"/>
+          </a:xfrm>
+          <a:prstGeom prst="rect">
+            <a:avLst/>
+          </a:prstGeom>
+        </p:spPr>
+        <p:txBody>
+          <a:bodyPr spcFirstLastPara="1" wrap="square" lIns="91425" tIns="91425" rIns="91425" bIns="91425" anchor="t" anchorCtr="0">
+            <a:noAutofit/>
+          </a:bodyPr>
+          <a:lstStyle/>
+          <a:p>
+            <a:pPr marL="0" lvl="0" indent="0" algn="l" rtl="0">
+              <a:spcBef>
+                <a:spcPts val="0"/>
+              </a:spcBef>
+              <a:spcAft>
+                <a:spcPts val="0"/>
+              </a:spcAft>
+              <a:buNone/>
+            </a:pPr>
+            <a:r>
+              <a:rPr lang="en" dirty="0"/>
               <a:t>Component 2 v3 - Test Plan (and screenshot)</a:t>
             </a:r>
             <a:endParaRPr dirty="0"/>
@@ -8432,7 +8855,7 @@
 </p:sld>
 </file>
 
-<file path=ppt/slides/slide11.xml><?xml version="1.0" encoding="utf-8"?>
+<file path=ppt/slides/slide12.xml><?xml version="1.0" encoding="utf-8"?>
 <p:sld xmlns:a="http://schemas.openxmlformats.org/drawingml/2006/main" xmlns:r="http://schemas.openxmlformats.org/officeDocument/2006/relationships" xmlns:p="http://schemas.openxmlformats.org/presentationml/2006/main">
   <p:cSld>
     <p:spTree>
@@ -8775,7 +9198,7 @@
 </p:sld>
 </file>
 
-<file path=ppt/slides/slide12.xml><?xml version="1.0" encoding="utf-8"?>
+<file path=ppt/slides/slide13.xml><?xml version="1.0" encoding="utf-8"?>
 <p:sld xmlns:a="http://schemas.openxmlformats.org/drawingml/2006/main" xmlns:r="http://schemas.openxmlformats.org/officeDocument/2006/relationships" xmlns:p="http://schemas.openxmlformats.org/presentationml/2006/main">
   <p:cSld>
     <p:spTree>
@@ -9140,221 +9563,6 @@
 </p:sld>
 </file>
 
-<file path=ppt/slides/slide13.xml><?xml version="1.0" encoding="utf-8"?>
-<p:sld xmlns:a="http://schemas.openxmlformats.org/drawingml/2006/main" xmlns:r="http://schemas.openxmlformats.org/officeDocument/2006/relationships" xmlns:p="http://schemas.openxmlformats.org/presentationml/2006/main">
-  <p:cSld>
-    <p:spTree>
-      <p:nvGrpSpPr>
-        <p:cNvPr id="1" name="Shape 77"/>
-        <p:cNvGrpSpPr/>
-        <p:nvPr/>
-      </p:nvGrpSpPr>
-      <p:grpSpPr>
-        <a:xfrm>
-          <a:off x="0" y="0"/>
-          <a:ext cx="0" cy="0"/>
-          <a:chOff x="0" y="0"/>
-          <a:chExt cx="0" cy="0"/>
-        </a:xfrm>
-      </p:grpSpPr>
-      <p:sp>
-        <p:nvSpPr>
-          <p:cNvPr id="78" name="Google Shape;78;p17"/>
-          <p:cNvSpPr txBox="1">
-            <a:spLocks noGrp="1"/>
-          </p:cNvSpPr>
-          <p:nvPr>
-            <p:ph type="title"/>
-          </p:nvPr>
-        </p:nvSpPr>
-        <p:spPr>
-          <a:xfrm>
-            <a:off x="311700" y="445025"/>
-            <a:ext cx="8520600" cy="572700"/>
-          </a:xfrm>
-          <a:prstGeom prst="rect">
-            <a:avLst/>
-          </a:prstGeom>
-        </p:spPr>
-        <p:txBody>
-          <a:bodyPr spcFirstLastPara="1" wrap="square" lIns="91425" tIns="91425" rIns="91425" bIns="91425" anchor="t" anchorCtr="0">
-            <a:noAutofit/>
-          </a:bodyPr>
-          <a:lstStyle/>
-          <a:p>
-            <a:pPr marL="0" lvl="0" indent="0" algn="l" rtl="0">
-              <a:spcBef>
-                <a:spcPts val="0"/>
-              </a:spcBef>
-              <a:spcAft>
-                <a:spcPts val="0"/>
-              </a:spcAft>
-              <a:buNone/>
-            </a:pPr>
-            <a:r>
-              <a:rPr lang="en" dirty="0"/>
-              <a:t>Component 2 v6 - Test Plan (and screenshot)</a:t>
-            </a:r>
-            <a:endParaRPr dirty="0"/>
-          </a:p>
-        </p:txBody>
-      </p:sp>
-      <p:graphicFrame>
-        <p:nvGraphicFramePr>
-          <p:cNvPr id="79" name="Google Shape;79;p17"/>
-          <p:cNvGraphicFramePr/>
-          <p:nvPr/>
-        </p:nvGraphicFramePr>
-        <p:xfrm>
-          <a:off x="311700" y="3947315"/>
-          <a:ext cx="8520600" cy="914340"/>
-        </p:xfrm>
-        <a:graphic>
-          <a:graphicData uri="http://schemas.openxmlformats.org/drawingml/2006/table">
-            <a:tbl>
-              <a:tblPr>
-                <a:noFill/>
-                <a:tableStyleId>{E1099E06-0E6B-448D-9D27-60429F06E6F4}</a:tableStyleId>
-              </a:tblPr>
-              <a:tblGrid>
-                <a:gridCol w="4260300">
-                  <a:extLst>
-                    <a:ext uri="{9D8B030D-6E8A-4147-A177-3AD203B41FA5}">
-                      <a16:colId xmlns:a16="http://schemas.microsoft.com/office/drawing/2014/main" val="20000"/>
-                    </a:ext>
-                  </a:extLst>
-                </a:gridCol>
-                <a:gridCol w="4260300">
-                  <a:extLst>
-                    <a:ext uri="{9D8B030D-6E8A-4147-A177-3AD203B41FA5}">
-                      <a16:colId xmlns:a16="http://schemas.microsoft.com/office/drawing/2014/main" val="20001"/>
-                    </a:ext>
-                  </a:extLst>
-                </a:gridCol>
-              </a:tblGrid>
-              <a:tr h="381000">
-                <a:tc>
-                  <a:txBody>
-                    <a:bodyPr/>
-                    <a:lstStyle/>
-                    <a:p>
-                      <a:pPr marL="0" lvl="0" indent="0" algn="l" rtl="0">
-                        <a:spcBef>
-                          <a:spcPts val="0"/>
-                        </a:spcBef>
-                        <a:spcAft>
-                          <a:spcPts val="0"/>
-                        </a:spcAft>
-                        <a:buNone/>
-                      </a:pPr>
-                      <a:r>
-                        <a:rPr lang="en" sz="1800" b="1" dirty="0"/>
-                        <a:t>Test Case</a:t>
-                      </a:r>
-                      <a:endParaRPr sz="1800" b="1" dirty="0"/>
-                    </a:p>
-                  </a:txBody>
-                  <a:tcPr marL="91425" marR="91425" marT="91425" marB="91425">
-                    <a:solidFill>
-                      <a:srgbClr val="CCCCCC"/>
-                    </a:solidFill>
-                  </a:tcPr>
-                </a:tc>
-                <a:tc>
-                  <a:txBody>
-                    <a:bodyPr/>
-                    <a:lstStyle/>
-                    <a:p>
-                      <a:pPr marL="0" lvl="0" indent="0" algn="l" rtl="0">
-                        <a:spcBef>
-                          <a:spcPts val="0"/>
-                        </a:spcBef>
-                        <a:spcAft>
-                          <a:spcPts val="0"/>
-                        </a:spcAft>
-                        <a:buNone/>
-                      </a:pPr>
-                      <a:r>
-                        <a:rPr lang="en" sz="1800" b="1"/>
-                        <a:t>Expected Values</a:t>
-                      </a:r>
-                      <a:endParaRPr sz="1800" b="1"/>
-                    </a:p>
-                  </a:txBody>
-                  <a:tcPr marL="91425" marR="91425" marT="91425" marB="91425">
-                    <a:solidFill>
-                      <a:srgbClr val="CCCCCC"/>
-                    </a:solidFill>
-                  </a:tcPr>
-                </a:tc>
-                <a:extLst>
-                  <a:ext uri="{0D108BD9-81ED-4DB2-BD59-A6C34878D82A}">
-                    <a16:rowId xmlns:a16="http://schemas.microsoft.com/office/drawing/2014/main" val="10000"/>
-                  </a:ext>
-                </a:extLst>
-              </a:tr>
-              <a:tr h="396200">
-                <a:tc>
-                  <a:txBody>
-                    <a:bodyPr/>
-                    <a:lstStyle/>
-                    <a:p>
-                      <a:pPr marL="0" lvl="0" indent="0" algn="l" rtl="0">
-                        <a:spcBef>
-                          <a:spcPts val="0"/>
-                        </a:spcBef>
-                        <a:spcAft>
-                          <a:spcPts val="0"/>
-                        </a:spcAft>
-                        <a:buNone/>
-                      </a:pPr>
-                      <a:endParaRPr sz="1800"/>
-                    </a:p>
-                  </a:txBody>
-                  <a:tcPr marL="91425" marR="91425" marT="91425" marB="91425"/>
-                </a:tc>
-                <a:tc>
-                  <a:txBody>
-                    <a:bodyPr/>
-                    <a:lstStyle/>
-                    <a:p>
-                      <a:pPr marL="0" lvl="0" indent="0" algn="l" rtl="0">
-                        <a:spcBef>
-                          <a:spcPts val="0"/>
-                        </a:spcBef>
-                        <a:spcAft>
-                          <a:spcPts val="0"/>
-                        </a:spcAft>
-                        <a:buNone/>
-                      </a:pPr>
-                      <a:endParaRPr sz="1800" dirty="0"/>
-                    </a:p>
-                  </a:txBody>
-                  <a:tcPr marL="91425" marR="91425" marT="91425" marB="91425"/>
-                </a:tc>
-                <a:extLst>
-                  <a:ext uri="{0D108BD9-81ED-4DB2-BD59-A6C34878D82A}">
-                    <a16:rowId xmlns:a16="http://schemas.microsoft.com/office/drawing/2014/main" val="10001"/>
-                  </a:ext>
-                </a:extLst>
-              </a:tr>
-            </a:tbl>
-          </a:graphicData>
-        </a:graphic>
-      </p:graphicFrame>
-    </p:spTree>
-    <p:extLst>
-      <p:ext uri="{BB962C8B-B14F-4D97-AF65-F5344CB8AC3E}">
-        <p14:creationId xmlns:p14="http://schemas.microsoft.com/office/powerpoint/2010/main" val="901836945"/>
-      </p:ext>
-    </p:extLst>
-  </p:cSld>
-  <p:clrMapOvr>
-    <a:masterClrMapping/>
-  </p:clrMapOvr>
-</p:sld>
-</file>
-
 <file path=ppt/slides/slide14.xml><?xml version="1.0" encoding="utf-8"?>
 <p:sld xmlns:a="http://schemas.openxmlformats.org/drawingml/2006/main" xmlns:r="http://schemas.openxmlformats.org/officeDocument/2006/relationships" xmlns:p="http://schemas.openxmlformats.org/presentationml/2006/main">
   <p:cSld>
@@ -10652,6 +10860,116 @@
 </file>
 
 <file path=ppt/slides/slide8.xml><?xml version="1.0" encoding="utf-8"?>
+<p:sld xmlns:a="http://schemas.openxmlformats.org/drawingml/2006/main" xmlns:r="http://schemas.openxmlformats.org/officeDocument/2006/relationships" xmlns:p="http://schemas.openxmlformats.org/presentationml/2006/main">
+  <p:cSld>
+    <p:bg>
+      <p:bgPr>
+        <a:solidFill>
+          <a:srgbClr val="D9EAD3"/>
+        </a:solidFill>
+        <a:effectLst/>
+      </p:bgPr>
+    </p:bg>
+    <p:spTree>
+      <p:nvGrpSpPr>
+        <p:cNvPr id="1" name="Shape 72"/>
+        <p:cNvGrpSpPr/>
+        <p:nvPr/>
+      </p:nvGrpSpPr>
+      <p:grpSpPr>
+        <a:xfrm>
+          <a:off x="0" y="0"/>
+          <a:ext cx="0" cy="0"/>
+          <a:chOff x="0" y="0"/>
+          <a:chExt cx="0" cy="0"/>
+        </a:xfrm>
+      </p:grpSpPr>
+      <p:sp>
+        <p:nvSpPr>
+          <p:cNvPr id="73" name="Google Shape;73;p16"/>
+          <p:cNvSpPr txBox="1">
+            <a:spLocks noGrp="1"/>
+          </p:cNvSpPr>
+          <p:nvPr>
+            <p:ph type="title"/>
+          </p:nvPr>
+        </p:nvSpPr>
+        <p:spPr>
+          <a:xfrm>
+            <a:off x="311700" y="445025"/>
+            <a:ext cx="8520600" cy="572700"/>
+          </a:xfrm>
+          <a:prstGeom prst="rect">
+            <a:avLst/>
+          </a:prstGeom>
+        </p:spPr>
+        <p:txBody>
+          <a:bodyPr spcFirstLastPara="1" wrap="square" lIns="91425" tIns="91425" rIns="91425" bIns="91425" anchor="t" anchorCtr="0">
+            <a:noAutofit/>
+          </a:bodyPr>
+          <a:lstStyle/>
+          <a:p>
+            <a:pPr marL="0" lvl="0" indent="0" algn="l" rtl="0">
+              <a:spcBef>
+                <a:spcPts val="0"/>
+              </a:spcBef>
+              <a:spcAft>
+                <a:spcPts val="0"/>
+              </a:spcAft>
+              <a:buNone/>
+            </a:pPr>
+            <a:r>
+              <a:rPr lang="en" dirty="0"/>
+              <a:t>Component 2 (Trello screenshot)</a:t>
+            </a:r>
+            <a:endParaRPr dirty="0"/>
+          </a:p>
+        </p:txBody>
+      </p:sp>
+      <p:pic>
+        <p:nvPicPr>
+          <p:cNvPr id="3" name="Picture 2">
+            <a:extLst>
+              <a:ext uri="{FF2B5EF4-FFF2-40B4-BE49-F238E27FC236}">
+                <a16:creationId xmlns:a16="http://schemas.microsoft.com/office/drawing/2014/main" id="{8D7ED994-57E6-6E42-B2BC-D7E9F161D3DB}"/>
+              </a:ext>
+            </a:extLst>
+          </p:cNvPr>
+          <p:cNvPicPr>
+            <a:picLocks noChangeAspect="1"/>
+          </p:cNvPicPr>
+          <p:nvPr/>
+        </p:nvPicPr>
+        <p:blipFill>
+          <a:blip r:embed="rId3"/>
+          <a:stretch>
+            <a:fillRect/>
+          </a:stretch>
+        </p:blipFill>
+        <p:spPr>
+          <a:xfrm>
+            <a:off x="311700" y="1017725"/>
+            <a:ext cx="7772400" cy="3375096"/>
+          </a:xfrm>
+          <a:prstGeom prst="rect">
+            <a:avLst/>
+          </a:prstGeom>
+        </p:spPr>
+      </p:pic>
+    </p:spTree>
+    <p:extLst>
+      <p:ext uri="{BB962C8B-B14F-4D97-AF65-F5344CB8AC3E}">
+        <p14:creationId xmlns:p14="http://schemas.microsoft.com/office/powerpoint/2010/main" val="4046945229"/>
+      </p:ext>
+    </p:extLst>
+  </p:cSld>
+  <p:clrMapOvr>
+    <a:masterClrMapping/>
+  </p:clrMapOvr>
+</p:sld>
+</file>
+
+<file path=ppt/slides/slide9.xml><?xml version="1.0" encoding="utf-8"?>
 <p:sld xmlns:a="http://schemas.openxmlformats.org/drawingml/2006/main" xmlns:r="http://schemas.openxmlformats.org/officeDocument/2006/relationships" xmlns:p="http://schemas.openxmlformats.org/presentationml/2006/main">
   <p:cSld>
     <p:spTree>
@@ -11021,406 +11339,6 @@
     <p:extLst>
       <p:ext uri="{BB962C8B-B14F-4D97-AF65-F5344CB8AC3E}">
         <p14:creationId xmlns:p14="http://schemas.microsoft.com/office/powerpoint/2010/main" val="504931959"/>
-      </p:ext>
-    </p:extLst>
-  </p:cSld>
-  <p:clrMapOvr>
-    <a:masterClrMapping/>
-  </p:clrMapOvr>
-</p:sld>
-</file>
-
-<file path=ppt/slides/slide9.xml><?xml version="1.0" encoding="utf-8"?>
-<p:sld xmlns:a="http://schemas.openxmlformats.org/drawingml/2006/main" xmlns:r="http://schemas.openxmlformats.org/officeDocument/2006/relationships" xmlns:p="http://schemas.openxmlformats.org/presentationml/2006/main">
-  <p:cSld>
-    <p:spTree>
-      <p:nvGrpSpPr>
-        <p:cNvPr id="1" name="Shape 77"/>
-        <p:cNvGrpSpPr/>
-        <p:nvPr/>
-      </p:nvGrpSpPr>
-      <p:grpSpPr>
-        <a:xfrm>
-          <a:off x="0" y="0"/>
-          <a:ext cx="0" cy="0"/>
-          <a:chOff x="0" y="0"/>
-          <a:chExt cx="0" cy="0"/>
-        </a:xfrm>
-      </p:grpSpPr>
-      <p:sp>
-        <p:nvSpPr>
-          <p:cNvPr id="78" name="Google Shape;78;p17"/>
-          <p:cNvSpPr txBox="1">
-            <a:spLocks noGrp="1"/>
-          </p:cNvSpPr>
-          <p:nvPr>
-            <p:ph type="title"/>
-          </p:nvPr>
-        </p:nvSpPr>
-        <p:spPr>
-          <a:xfrm>
-            <a:off x="311700" y="445025"/>
-            <a:ext cx="8520600" cy="572700"/>
-          </a:xfrm>
-          <a:prstGeom prst="rect">
-            <a:avLst/>
-          </a:prstGeom>
-        </p:spPr>
-        <p:txBody>
-          <a:bodyPr spcFirstLastPara="1" wrap="square" lIns="91425" tIns="91425" rIns="91425" bIns="91425" anchor="t" anchorCtr="0">
-            <a:noAutofit/>
-          </a:bodyPr>
-          <a:lstStyle/>
-          <a:p>
-            <a:pPr marL="0" lvl="0" indent="0" algn="l" rtl="0">
-              <a:spcBef>
-                <a:spcPts val="0"/>
-              </a:spcBef>
-              <a:spcAft>
-                <a:spcPts val="0"/>
-              </a:spcAft>
-              <a:buNone/>
-            </a:pPr>
-            <a:r>
-              <a:rPr lang="en" dirty="0"/>
-              <a:t>Component 2 v2 - Test Plan (and screenshot)</a:t>
-            </a:r>
-            <a:endParaRPr dirty="0"/>
-          </a:p>
-        </p:txBody>
-      </p:sp>
-      <p:graphicFrame>
-        <p:nvGraphicFramePr>
-          <p:cNvPr id="79" name="Google Shape;79;p17"/>
-          <p:cNvGraphicFramePr/>
-          <p:nvPr>
-            <p:extLst>
-              <p:ext uri="{D42A27DB-BD31-4B8C-83A1-F6EECF244321}">
-                <p14:modId xmlns:p14="http://schemas.microsoft.com/office/powerpoint/2010/main" val="2887257958"/>
-              </p:ext>
-            </p:extLst>
-          </p:nvPr>
-        </p:nvGraphicFramePr>
-        <p:xfrm>
-          <a:off x="311700" y="3318304"/>
-          <a:ext cx="8520600" cy="1737300"/>
-        </p:xfrm>
-        <a:graphic>
-          <a:graphicData uri="http://schemas.openxmlformats.org/drawingml/2006/table">
-            <a:tbl>
-              <a:tblPr>
-                <a:noFill/>
-                <a:tableStyleId>{E1099E06-0E6B-448D-9D27-60429F06E6F4}</a:tableStyleId>
-              </a:tblPr>
-              <a:tblGrid>
-                <a:gridCol w="4260300">
-                  <a:extLst>
-                    <a:ext uri="{9D8B030D-6E8A-4147-A177-3AD203B41FA5}">
-                      <a16:colId xmlns:a16="http://schemas.microsoft.com/office/drawing/2014/main" val="20000"/>
-                    </a:ext>
-                  </a:extLst>
-                </a:gridCol>
-                <a:gridCol w="4260300">
-                  <a:extLst>
-                    <a:ext uri="{9D8B030D-6E8A-4147-A177-3AD203B41FA5}">
-                      <a16:colId xmlns:a16="http://schemas.microsoft.com/office/drawing/2014/main" val="20001"/>
-                    </a:ext>
-                  </a:extLst>
-                </a:gridCol>
-              </a:tblGrid>
-              <a:tr h="381000">
-                <a:tc>
-                  <a:txBody>
-                    <a:bodyPr/>
-                    <a:lstStyle/>
-                    <a:p>
-                      <a:pPr marL="0" lvl="0" indent="0" algn="l" rtl="0">
-                        <a:spcBef>
-                          <a:spcPts val="0"/>
-                        </a:spcBef>
-                        <a:spcAft>
-                          <a:spcPts val="0"/>
-                        </a:spcAft>
-                        <a:buNone/>
-                      </a:pPr>
-                      <a:r>
-                        <a:rPr lang="en" sz="1800" b="1" dirty="0"/>
-                        <a:t>Test Case</a:t>
-                      </a:r>
-                      <a:endParaRPr sz="1800" b="1" dirty="0"/>
-                    </a:p>
-                  </a:txBody>
-                  <a:tcPr marL="91425" marR="91425" marT="91425" marB="91425">
-                    <a:solidFill>
-                      <a:srgbClr val="CCCCCC"/>
-                    </a:solidFill>
-                  </a:tcPr>
-                </a:tc>
-                <a:tc>
-                  <a:txBody>
-                    <a:bodyPr/>
-                    <a:lstStyle/>
-                    <a:p>
-                      <a:pPr marL="0" lvl="0" indent="0" algn="l" rtl="0">
-                        <a:spcBef>
-                          <a:spcPts val="0"/>
-                        </a:spcBef>
-                        <a:spcAft>
-                          <a:spcPts val="0"/>
-                        </a:spcAft>
-                        <a:buNone/>
-                      </a:pPr>
-                      <a:r>
-                        <a:rPr lang="en" sz="1800" b="1"/>
-                        <a:t>Expected Values</a:t>
-                      </a:r>
-                      <a:endParaRPr sz="1800" b="1"/>
-                    </a:p>
-                  </a:txBody>
-                  <a:tcPr marL="91425" marR="91425" marT="91425" marB="91425">
-                    <a:solidFill>
-                      <a:srgbClr val="CCCCCC"/>
-                    </a:solidFill>
-                  </a:tcPr>
-                </a:tc>
-                <a:extLst>
-                  <a:ext uri="{0D108BD9-81ED-4DB2-BD59-A6C34878D82A}">
-                    <a16:rowId xmlns:a16="http://schemas.microsoft.com/office/drawing/2014/main" val="10000"/>
-                  </a:ext>
-                </a:extLst>
-              </a:tr>
-              <a:tr h="396200">
-                <a:tc>
-                  <a:txBody>
-                    <a:bodyPr/>
-                    <a:lstStyle/>
-                    <a:p>
-                      <a:pPr marL="0" marR="0" lvl="0" indent="0" algn="l" defTabSz="914400" rtl="0" eaLnBrk="1" fontAlgn="auto" latinLnBrk="0" hangingPunct="1">
-                        <a:lnSpc>
-                          <a:spcPct val="100000"/>
-                        </a:lnSpc>
-                        <a:spcBef>
-                          <a:spcPts val="0"/>
-                        </a:spcBef>
-                        <a:spcAft>
-                          <a:spcPts val="0"/>
-                        </a:spcAft>
-                        <a:buClr>
-                          <a:srgbClr val="000000"/>
-                        </a:buClr>
-                        <a:buSzTx/>
-                        <a:buFont typeface="Arial"/>
-                        <a:buNone/>
-                        <a:tabLst/>
-                        <a:defRPr/>
-                      </a:pPr>
-                      <a:r>
-                        <a:rPr lang="en-US" sz="1800" dirty="0"/>
-                        <a:t>Run program</a:t>
-                      </a:r>
-                    </a:p>
-                    <a:p>
-                      <a:pPr marL="0" lvl="0" indent="0" algn="l" rtl="0">
-                        <a:spcBef>
-                          <a:spcPts val="0"/>
-                        </a:spcBef>
-                        <a:spcAft>
-                          <a:spcPts val="0"/>
-                        </a:spcAft>
-                        <a:buNone/>
-                      </a:pPr>
-                      <a:endParaRPr sz="1800" dirty="0"/>
-                    </a:p>
-                  </a:txBody>
-                  <a:tcPr marL="91425" marR="91425" marT="91425" marB="91425"/>
-                </a:tc>
-                <a:tc>
-                  <a:txBody>
-                    <a:bodyPr/>
-                    <a:lstStyle/>
-                    <a:p>
-                      <a:pPr marL="0" lvl="0" indent="0" algn="l" rtl="0">
-                        <a:spcBef>
-                          <a:spcPts val="0"/>
-                        </a:spcBef>
-                        <a:spcAft>
-                          <a:spcPts val="0"/>
-                        </a:spcAft>
-                        <a:buNone/>
-                      </a:pPr>
-                      <a:r>
-                        <a:rPr lang="en-US" sz="1800" dirty="0"/>
-                        <a:t>Enter p and the program prints pickup</a:t>
-                      </a:r>
-                    </a:p>
-                    <a:p>
-                      <a:pPr marL="0" lvl="0" indent="0" algn="l" rtl="0">
-                        <a:spcBef>
-                          <a:spcPts val="0"/>
-                        </a:spcBef>
-                        <a:spcAft>
-                          <a:spcPts val="0"/>
-                        </a:spcAft>
-                        <a:buNone/>
-                      </a:pPr>
-                      <a:r>
-                        <a:rPr lang="en-US" sz="1800" dirty="0"/>
-                        <a:t>Enter d and the program prints delivery</a:t>
-                      </a:r>
-                    </a:p>
-                    <a:p>
-                      <a:pPr marL="0" lvl="0" indent="0" algn="l" rtl="0">
-                        <a:spcBef>
-                          <a:spcPts val="0"/>
-                        </a:spcBef>
-                        <a:spcAft>
-                          <a:spcPts val="0"/>
-                        </a:spcAft>
-                        <a:buNone/>
-                      </a:pPr>
-                      <a:r>
-                        <a:rPr lang="en-US" sz="1800" dirty="0"/>
-                        <a:t>Enter invalid and the program prints error message</a:t>
-                      </a:r>
-                      <a:endParaRPr sz="1800" dirty="0"/>
-                    </a:p>
-                  </a:txBody>
-                  <a:tcPr marL="91425" marR="91425" marT="91425" marB="91425"/>
-                </a:tc>
-                <a:extLst>
-                  <a:ext uri="{0D108BD9-81ED-4DB2-BD59-A6C34878D82A}">
-                    <a16:rowId xmlns:a16="http://schemas.microsoft.com/office/drawing/2014/main" val="10001"/>
-                  </a:ext>
-                </a:extLst>
-              </a:tr>
-            </a:tbl>
-          </a:graphicData>
-        </a:graphic>
-      </p:graphicFrame>
-      <p:pic>
-        <p:nvPicPr>
-          <p:cNvPr id="3" name="Picture 2">
-            <a:extLst>
-              <a:ext uri="{FF2B5EF4-FFF2-40B4-BE49-F238E27FC236}">
-                <a16:creationId xmlns:a16="http://schemas.microsoft.com/office/drawing/2014/main" id="{8CC747B7-A3CA-B39D-2EBC-D286BD91E4A1}"/>
-              </a:ext>
-            </a:extLst>
-          </p:cNvPr>
-          <p:cNvPicPr>
-            <a:picLocks noChangeAspect="1"/>
-          </p:cNvPicPr>
-          <p:nvPr/>
-        </p:nvPicPr>
-        <p:blipFill>
-          <a:blip r:embed="rId3"/>
-          <a:stretch>
-            <a:fillRect/>
-          </a:stretch>
-        </p:blipFill>
-        <p:spPr>
-          <a:xfrm>
-            <a:off x="4722215" y="1017725"/>
-            <a:ext cx="2795019" cy="572699"/>
-          </a:xfrm>
-          <a:prstGeom prst="rect">
-            <a:avLst/>
-          </a:prstGeom>
-        </p:spPr>
-      </p:pic>
-      <p:pic>
-        <p:nvPicPr>
-          <p:cNvPr id="4" name="Picture 3">
-            <a:extLst>
-              <a:ext uri="{FF2B5EF4-FFF2-40B4-BE49-F238E27FC236}">
-                <a16:creationId xmlns:a16="http://schemas.microsoft.com/office/drawing/2014/main" id="{33957045-31F2-DDA5-95F2-9B376BFFB7F9}"/>
-              </a:ext>
-            </a:extLst>
-          </p:cNvPr>
-          <p:cNvPicPr>
-            <a:picLocks noChangeAspect="1"/>
-          </p:cNvPicPr>
-          <p:nvPr/>
-        </p:nvPicPr>
-        <p:blipFill>
-          <a:blip r:embed="rId4"/>
-          <a:stretch>
-            <a:fillRect/>
-          </a:stretch>
-        </p:blipFill>
-        <p:spPr>
-          <a:xfrm>
-            <a:off x="760509" y="1017725"/>
-            <a:ext cx="3366218" cy="2128069"/>
-          </a:xfrm>
-          <a:prstGeom prst="rect">
-            <a:avLst/>
-          </a:prstGeom>
-        </p:spPr>
-      </p:pic>
-      <p:pic>
-        <p:nvPicPr>
-          <p:cNvPr id="5" name="Picture 4">
-            <a:extLst>
-              <a:ext uri="{FF2B5EF4-FFF2-40B4-BE49-F238E27FC236}">
-                <a16:creationId xmlns:a16="http://schemas.microsoft.com/office/drawing/2014/main" id="{2589F411-DBDF-DC6E-DFB7-B57AB6951E47}"/>
-              </a:ext>
-            </a:extLst>
-          </p:cNvPr>
-          <p:cNvPicPr>
-            <a:picLocks noChangeAspect="1"/>
-          </p:cNvPicPr>
-          <p:nvPr/>
-        </p:nvPicPr>
-        <p:blipFill>
-          <a:blip r:embed="rId5"/>
-          <a:stretch>
-            <a:fillRect/>
-          </a:stretch>
-        </p:blipFill>
-        <p:spPr>
-          <a:xfrm>
-            <a:off x="4722215" y="1762934"/>
-            <a:ext cx="2795019" cy="544569"/>
-          </a:xfrm>
-          <a:prstGeom prst="rect">
-            <a:avLst/>
-          </a:prstGeom>
-        </p:spPr>
-      </p:pic>
-      <p:pic>
-        <p:nvPicPr>
-          <p:cNvPr id="6" name="Picture 5">
-            <a:extLst>
-              <a:ext uri="{FF2B5EF4-FFF2-40B4-BE49-F238E27FC236}">
-                <a16:creationId xmlns:a16="http://schemas.microsoft.com/office/drawing/2014/main" id="{CA8593E5-2016-F55C-2FB7-85DDC464C2A6}"/>
-              </a:ext>
-            </a:extLst>
-          </p:cNvPr>
-          <p:cNvPicPr>
-            <a:picLocks noChangeAspect="1"/>
-          </p:cNvPicPr>
-          <p:nvPr/>
-        </p:nvPicPr>
-        <p:blipFill>
-          <a:blip r:embed="rId6"/>
-          <a:stretch>
-            <a:fillRect/>
-          </a:stretch>
-        </p:blipFill>
-        <p:spPr>
-          <a:xfrm>
-            <a:off x="4722215" y="2480013"/>
-            <a:ext cx="2795019" cy="559004"/>
-          </a:xfrm>
-          <a:prstGeom prst="rect">
-            <a:avLst/>
-          </a:prstGeom>
-        </p:spPr>
-      </p:pic>
-    </p:spTree>
-    <p:extLst>
-      <p:ext uri="{BB962C8B-B14F-4D97-AF65-F5344CB8AC3E}">
-        <p14:creationId xmlns:p14="http://schemas.microsoft.com/office/powerpoint/2010/main" val="3935105615"/>
       </p:ext>
     </p:extLst>
   </p:cSld>

--- a/Python.pptx
+++ b/Python.pptx
@@ -5,7 +5,7 @@
     <p:sldMasterId id="2147483659" r:id="rId1"/>
   </p:sldMasterIdLst>
   <p:notesMasterIdLst>
-    <p:notesMasterId r:id="rId17"/>
+    <p:notesMasterId r:id="rId20"/>
   </p:notesMasterIdLst>
   <p:sldIdLst>
     <p:sldId id="256" r:id="rId2"/>
@@ -21,8 +21,11 @@
     <p:sldId id="267" r:id="rId12"/>
     <p:sldId id="268" r:id="rId13"/>
     <p:sldId id="270" r:id="rId14"/>
-    <p:sldId id="261" r:id="rId15"/>
-    <p:sldId id="262" r:id="rId16"/>
+    <p:sldId id="274" r:id="rId15"/>
+    <p:sldId id="272" r:id="rId16"/>
+    <p:sldId id="273" r:id="rId17"/>
+    <p:sldId id="261" r:id="rId18"/>
+    <p:sldId id="262" r:id="rId19"/>
   </p:sldIdLst>
   <p:sldSz cx="9144000" cy="5143500" type="screen16x9"/>
   <p:notesSz cx="6858000" cy="9144000"/>
@@ -277,7 +280,7 @@
 <file path=ppt/revisionInfo.xml><?xml version="1.0" encoding="utf-8"?>
 <p1510:revInfo xmlns:a="http://schemas.openxmlformats.org/drawingml/2006/main" xmlns:r="http://schemas.openxmlformats.org/officeDocument/2006/relationships" xmlns:p1510="http://schemas.microsoft.com/office/powerpoint/2015/10/main">
   <p1510:revLst>
-    <p1510:client id="{268579DD-9F3E-DD42-ADBD-2C5BCBEBF3D0}" v="46" dt="2023-05-09T09:23:21.769"/>
+    <p1510:client id="{268579DD-9F3E-DD42-ADBD-2C5BCBEBF3D0}" v="52" dt="2023-05-09T22:24:03.900"/>
   </p1510:revLst>
 </p1510:revInfo>
 </file>
@@ -287,7 +290,7 @@
   <pc:docChgLst>
     <pc:chgData name="Kaitlin Eustaquio" userId="1db1b819-5a69-4e28-a1f3-107bdd323ba9" providerId="ADAL" clId="{268579DD-9F3E-DD42-ADBD-2C5BCBEBF3D0}"/>
     <pc:docChg chg="undo redo custSel addSld delSld modSld sldOrd">
-      <pc:chgData name="Kaitlin Eustaquio" userId="1db1b819-5a69-4e28-a1f3-107bdd323ba9" providerId="ADAL" clId="{268579DD-9F3E-DD42-ADBD-2C5BCBEBF3D0}" dt="2023-05-09T09:23:23.649" v="1066" actId="1076"/>
+      <pc:chgData name="Kaitlin Eustaquio" userId="1db1b819-5a69-4e28-a1f3-107bdd323ba9" providerId="ADAL" clId="{268579DD-9F3E-DD42-ADBD-2C5BCBEBF3D0}" dt="2023-05-09T22:24:31.400" v="1435" actId="20577"/>
       <pc:docMkLst>
         <pc:docMk/>
       </pc:docMkLst>
@@ -829,6 +832,123 @@
           </ac:picMkLst>
         </pc:picChg>
       </pc:sldChg>
+      <pc:sldChg chg="addSp delSp modSp add mod">
+        <pc:chgData name="Kaitlin Eustaquio" userId="1db1b819-5a69-4e28-a1f3-107bdd323ba9" providerId="ADAL" clId="{268579DD-9F3E-DD42-ADBD-2C5BCBEBF3D0}" dt="2023-05-09T22:24:31.400" v="1435" actId="20577"/>
+        <pc:sldMkLst>
+          <pc:docMk/>
+          <pc:sldMk cId="327100971" sldId="272"/>
+        </pc:sldMkLst>
+        <pc:spChg chg="mod">
+          <ac:chgData name="Kaitlin Eustaquio" userId="1db1b819-5a69-4e28-a1f3-107bdd323ba9" providerId="ADAL" clId="{268579DD-9F3E-DD42-ADBD-2C5BCBEBF3D0}" dt="2023-05-09T22:14:40.417" v="1075" actId="20577"/>
+          <ac:spMkLst>
+            <pc:docMk/>
+            <pc:sldMk cId="327100971" sldId="272"/>
+            <ac:spMk id="78" creationId="{00000000-0000-0000-0000-000000000000}"/>
+          </ac:spMkLst>
+        </pc:spChg>
+        <pc:graphicFrameChg chg="mod modGraphic">
+          <ac:chgData name="Kaitlin Eustaquio" userId="1db1b819-5a69-4e28-a1f3-107bdd323ba9" providerId="ADAL" clId="{268579DD-9F3E-DD42-ADBD-2C5BCBEBF3D0}" dt="2023-05-09T22:24:31.400" v="1435" actId="20577"/>
+          <ac:graphicFrameMkLst>
+            <pc:docMk/>
+            <pc:sldMk cId="327100971" sldId="272"/>
+            <ac:graphicFrameMk id="79" creationId="{00000000-0000-0000-0000-000000000000}"/>
+          </ac:graphicFrameMkLst>
+        </pc:graphicFrameChg>
+        <pc:picChg chg="del">
+          <ac:chgData name="Kaitlin Eustaquio" userId="1db1b819-5a69-4e28-a1f3-107bdd323ba9" providerId="ADAL" clId="{268579DD-9F3E-DD42-ADBD-2C5BCBEBF3D0}" dt="2023-05-09T22:14:45.434" v="1077" actId="478"/>
+          <ac:picMkLst>
+            <pc:docMk/>
+            <pc:sldMk cId="327100971" sldId="272"/>
+            <ac:picMk id="2" creationId="{3A059A3D-2D6D-6EC3-1F9C-01790C3245D2}"/>
+          </ac:picMkLst>
+        </pc:picChg>
+        <pc:picChg chg="del">
+          <ac:chgData name="Kaitlin Eustaquio" userId="1db1b819-5a69-4e28-a1f3-107bdd323ba9" providerId="ADAL" clId="{268579DD-9F3E-DD42-ADBD-2C5BCBEBF3D0}" dt="2023-05-09T22:14:46.872" v="1078" actId="478"/>
+          <ac:picMkLst>
+            <pc:docMk/>
+            <pc:sldMk cId="327100971" sldId="272"/>
+            <ac:picMk id="3" creationId="{A3AFA3B7-9BA2-E798-A022-B59AB610D355}"/>
+          </ac:picMkLst>
+        </pc:picChg>
+        <pc:picChg chg="add mod">
+          <ac:chgData name="Kaitlin Eustaquio" userId="1db1b819-5a69-4e28-a1f3-107bdd323ba9" providerId="ADAL" clId="{268579DD-9F3E-DD42-ADBD-2C5BCBEBF3D0}" dt="2023-05-09T22:14:57.586" v="1084" actId="1076"/>
+          <ac:picMkLst>
+            <pc:docMk/>
+            <pc:sldMk cId="327100971" sldId="272"/>
+            <ac:picMk id="4" creationId="{CA5E05E2-FA1D-91D1-F910-92CD036387D1}"/>
+          </ac:picMkLst>
+        </pc:picChg>
+        <pc:picChg chg="add mod">
+          <ac:chgData name="Kaitlin Eustaquio" userId="1db1b819-5a69-4e28-a1f3-107bdd323ba9" providerId="ADAL" clId="{268579DD-9F3E-DD42-ADBD-2C5BCBEBF3D0}" dt="2023-05-09T22:20:33.607" v="1097" actId="1076"/>
+          <ac:picMkLst>
+            <pc:docMk/>
+            <pc:sldMk cId="327100971" sldId="272"/>
+            <ac:picMk id="5" creationId="{22C30162-A008-3B98-5A49-0D2845551CC7}"/>
+          </ac:picMkLst>
+        </pc:picChg>
+        <pc:picChg chg="add mod">
+          <ac:chgData name="Kaitlin Eustaquio" userId="1db1b819-5a69-4e28-a1f3-107bdd323ba9" providerId="ADAL" clId="{268579DD-9F3E-DD42-ADBD-2C5BCBEBF3D0}" dt="2023-05-09T22:21:10.733" v="1101" actId="1076"/>
+          <ac:picMkLst>
+            <pc:docMk/>
+            <pc:sldMk cId="327100971" sldId="272"/>
+            <ac:picMk id="6" creationId="{3DF9A685-816B-AB9E-BC4D-9510EF3C6FB2}"/>
+          </ac:picMkLst>
+        </pc:picChg>
+        <pc:picChg chg="add mod">
+          <ac:chgData name="Kaitlin Eustaquio" userId="1db1b819-5a69-4e28-a1f3-107bdd323ba9" providerId="ADAL" clId="{268579DD-9F3E-DD42-ADBD-2C5BCBEBF3D0}" dt="2023-05-09T22:21:32.036" v="1105" actId="1076"/>
+          <ac:picMkLst>
+            <pc:docMk/>
+            <pc:sldMk cId="327100971" sldId="272"/>
+            <ac:picMk id="7" creationId="{C89605FF-7ED4-FF30-FC94-EE71A8645BC5}"/>
+          </ac:picMkLst>
+        </pc:picChg>
+      </pc:sldChg>
+      <pc:sldChg chg="modSp add mod">
+        <pc:chgData name="Kaitlin Eustaquio" userId="1db1b819-5a69-4e28-a1f3-107bdd323ba9" providerId="ADAL" clId="{268579DD-9F3E-DD42-ADBD-2C5BCBEBF3D0}" dt="2023-05-09T22:14:51.796" v="1081" actId="20577"/>
+        <pc:sldMkLst>
+          <pc:docMk/>
+          <pc:sldMk cId="344265545" sldId="273"/>
+        </pc:sldMkLst>
+        <pc:spChg chg="mod">
+          <ac:chgData name="Kaitlin Eustaquio" userId="1db1b819-5a69-4e28-a1f3-107bdd323ba9" providerId="ADAL" clId="{268579DD-9F3E-DD42-ADBD-2C5BCBEBF3D0}" dt="2023-05-09T22:14:51.796" v="1081" actId="20577"/>
+          <ac:spMkLst>
+            <pc:docMk/>
+            <pc:sldMk cId="344265545" sldId="273"/>
+            <ac:spMk id="78" creationId="{00000000-0000-0000-0000-000000000000}"/>
+          </ac:spMkLst>
+        </pc:spChg>
+      </pc:sldChg>
+      <pc:sldChg chg="addSp delSp modSp add mod ord">
+        <pc:chgData name="Kaitlin Eustaquio" userId="1db1b819-5a69-4e28-a1f3-107bdd323ba9" providerId="ADAL" clId="{268579DD-9F3E-DD42-ADBD-2C5BCBEBF3D0}" dt="2023-05-09T22:19:24.089" v="1093" actId="1076"/>
+        <pc:sldMkLst>
+          <pc:docMk/>
+          <pc:sldMk cId="537567697" sldId="274"/>
+        </pc:sldMkLst>
+        <pc:spChg chg="mod">
+          <ac:chgData name="Kaitlin Eustaquio" userId="1db1b819-5a69-4e28-a1f3-107bdd323ba9" providerId="ADAL" clId="{268579DD-9F3E-DD42-ADBD-2C5BCBEBF3D0}" dt="2023-05-09T22:15:27.737" v="1090" actId="20577"/>
+          <ac:spMkLst>
+            <pc:docMk/>
+            <pc:sldMk cId="537567697" sldId="274"/>
+            <ac:spMk id="73" creationId="{00000000-0000-0000-0000-000000000000}"/>
+          </ac:spMkLst>
+        </pc:spChg>
+        <pc:picChg chg="del">
+          <ac:chgData name="Kaitlin Eustaquio" userId="1db1b819-5a69-4e28-a1f3-107bdd323ba9" providerId="ADAL" clId="{268579DD-9F3E-DD42-ADBD-2C5BCBEBF3D0}" dt="2023-05-09T22:15:30.148" v="1091" actId="478"/>
+          <ac:picMkLst>
+            <pc:docMk/>
+            <pc:sldMk cId="537567697" sldId="274"/>
+            <ac:picMk id="2" creationId="{643D12D5-043B-0FD8-8E8F-FC86355C8336}"/>
+          </ac:picMkLst>
+        </pc:picChg>
+        <pc:picChg chg="add mod">
+          <ac:chgData name="Kaitlin Eustaquio" userId="1db1b819-5a69-4e28-a1f3-107bdd323ba9" providerId="ADAL" clId="{268579DD-9F3E-DD42-ADBD-2C5BCBEBF3D0}" dt="2023-05-09T22:19:24.089" v="1093" actId="1076"/>
+          <ac:picMkLst>
+            <pc:docMk/>
+            <pc:sldMk cId="537567697" sldId="274"/>
+            <ac:picMk id="3" creationId="{94A5EB3F-8528-F273-CAAD-DAC9680C1164}"/>
+          </ac:picMkLst>
+        </pc:picChg>
+      </pc:sldChg>
     </pc:docChg>
   </pc:docChgLst>
 </pc:chgInfo>
@@ -1820,6 +1940,333 @@
   <p:cSld>
     <p:spTree>
       <p:nvGrpSpPr>
+        <p:cNvPr id="1" name="Shape 69"/>
+        <p:cNvGrpSpPr/>
+        <p:nvPr/>
+      </p:nvGrpSpPr>
+      <p:grpSpPr>
+        <a:xfrm>
+          <a:off x="0" y="0"/>
+          <a:ext cx="0" cy="0"/>
+          <a:chOff x="0" y="0"/>
+          <a:chExt cx="0" cy="0"/>
+        </a:xfrm>
+      </p:grpSpPr>
+      <p:sp>
+        <p:nvSpPr>
+          <p:cNvPr id="70" name="Google Shape;70;gac10fef634_0_16:notes"/>
+          <p:cNvSpPr>
+            <a:spLocks noGrp="1" noRot="1" noChangeAspect="1"/>
+          </p:cNvSpPr>
+          <p:nvPr>
+            <p:ph type="sldImg" idx="2"/>
+          </p:nvPr>
+        </p:nvSpPr>
+        <p:spPr>
+          <a:xfrm>
+            <a:off x="381000" y="685800"/>
+            <a:ext cx="6096000" cy="3429000"/>
+          </a:xfrm>
+          <a:custGeom>
+            <a:avLst/>
+            <a:gdLst/>
+            <a:ahLst/>
+            <a:cxnLst/>
+            <a:rect l="l" t="t" r="r" b="b"/>
+            <a:pathLst>
+              <a:path w="120000" h="120000" extrusionOk="0">
+                <a:moveTo>
+                  <a:pt x="0" y="0"/>
+                </a:moveTo>
+                <a:lnTo>
+                  <a:pt x="120000" y="0"/>
+                </a:lnTo>
+                <a:lnTo>
+                  <a:pt x="120000" y="120000"/>
+                </a:lnTo>
+                <a:lnTo>
+                  <a:pt x="0" y="120000"/>
+                </a:lnTo>
+                <a:close/>
+              </a:path>
+            </a:pathLst>
+          </a:custGeom>
+        </p:spPr>
+      </p:sp>
+      <p:sp>
+        <p:nvSpPr>
+          <p:cNvPr id="71" name="Google Shape;71;gac10fef634_0_16:notes"/>
+          <p:cNvSpPr txBox="1">
+            <a:spLocks noGrp="1"/>
+          </p:cNvSpPr>
+          <p:nvPr>
+            <p:ph type="body" idx="1"/>
+          </p:nvPr>
+        </p:nvSpPr>
+        <p:spPr>
+          <a:xfrm>
+            <a:off x="685800" y="4343400"/>
+            <a:ext cx="5486400" cy="4114800"/>
+          </a:xfrm>
+          <a:prstGeom prst="rect">
+            <a:avLst/>
+          </a:prstGeom>
+        </p:spPr>
+        <p:txBody>
+          <a:bodyPr spcFirstLastPara="1" wrap="square" lIns="91425" tIns="91425" rIns="91425" bIns="91425" anchor="t" anchorCtr="0">
+            <a:noAutofit/>
+          </a:bodyPr>
+          <a:lstStyle/>
+          <a:p>
+            <a:pPr marL="0" lvl="0" indent="0" algn="l" rtl="0">
+              <a:spcBef>
+                <a:spcPts val="0"/>
+              </a:spcBef>
+              <a:spcAft>
+                <a:spcPts val="0"/>
+              </a:spcAft>
+              <a:buNone/>
+            </a:pPr>
+            <a:endParaRPr/>
+          </a:p>
+        </p:txBody>
+      </p:sp>
+    </p:spTree>
+    <p:extLst>
+      <p:ext uri="{BB962C8B-B14F-4D97-AF65-F5344CB8AC3E}">
+        <p14:creationId xmlns:p14="http://schemas.microsoft.com/office/powerpoint/2010/main" val="3299577108"/>
+      </p:ext>
+    </p:extLst>
+  </p:cSld>
+  <p:clrMapOvr>
+    <a:masterClrMapping/>
+  </p:clrMapOvr>
+</p:notes>
+</file>
+
+<file path=ppt/notesSlides/notesSlide15.xml><?xml version="1.0" encoding="utf-8"?>
+<p:notes xmlns:a="http://schemas.openxmlformats.org/drawingml/2006/main" xmlns:r="http://schemas.openxmlformats.org/officeDocument/2006/relationships" xmlns:p="http://schemas.openxmlformats.org/presentationml/2006/main" showMasterSp="0" showMasterPhAnim="0">
+  <p:cSld>
+    <p:spTree>
+      <p:nvGrpSpPr>
+        <p:cNvPr id="1" name="Shape 74"/>
+        <p:cNvGrpSpPr/>
+        <p:nvPr/>
+      </p:nvGrpSpPr>
+      <p:grpSpPr>
+        <a:xfrm>
+          <a:off x="0" y="0"/>
+          <a:ext cx="0" cy="0"/>
+          <a:chOff x="0" y="0"/>
+          <a:chExt cx="0" cy="0"/>
+        </a:xfrm>
+      </p:grpSpPr>
+      <p:sp>
+        <p:nvSpPr>
+          <p:cNvPr id="75" name="Google Shape;75;gac10fef634_0_20:notes"/>
+          <p:cNvSpPr>
+            <a:spLocks noGrp="1" noRot="1" noChangeAspect="1"/>
+          </p:cNvSpPr>
+          <p:nvPr>
+            <p:ph type="sldImg" idx="2"/>
+          </p:nvPr>
+        </p:nvSpPr>
+        <p:spPr>
+          <a:xfrm>
+            <a:off x="381000" y="685800"/>
+            <a:ext cx="6096000" cy="3429000"/>
+          </a:xfrm>
+          <a:custGeom>
+            <a:avLst/>
+            <a:gdLst/>
+            <a:ahLst/>
+            <a:cxnLst/>
+            <a:rect l="l" t="t" r="r" b="b"/>
+            <a:pathLst>
+              <a:path w="120000" h="120000" extrusionOk="0">
+                <a:moveTo>
+                  <a:pt x="0" y="0"/>
+                </a:moveTo>
+                <a:lnTo>
+                  <a:pt x="120000" y="0"/>
+                </a:lnTo>
+                <a:lnTo>
+                  <a:pt x="120000" y="120000"/>
+                </a:lnTo>
+                <a:lnTo>
+                  <a:pt x="0" y="120000"/>
+                </a:lnTo>
+                <a:close/>
+              </a:path>
+            </a:pathLst>
+          </a:custGeom>
+        </p:spPr>
+      </p:sp>
+      <p:sp>
+        <p:nvSpPr>
+          <p:cNvPr id="76" name="Google Shape;76;gac10fef634_0_20:notes"/>
+          <p:cNvSpPr txBox="1">
+            <a:spLocks noGrp="1"/>
+          </p:cNvSpPr>
+          <p:nvPr>
+            <p:ph type="body" idx="1"/>
+          </p:nvPr>
+        </p:nvSpPr>
+        <p:spPr>
+          <a:xfrm>
+            <a:off x="685800" y="4343400"/>
+            <a:ext cx="5486400" cy="4114800"/>
+          </a:xfrm>
+          <a:prstGeom prst="rect">
+            <a:avLst/>
+          </a:prstGeom>
+        </p:spPr>
+        <p:txBody>
+          <a:bodyPr spcFirstLastPara="1" wrap="square" lIns="91425" tIns="91425" rIns="91425" bIns="91425" anchor="t" anchorCtr="0">
+            <a:noAutofit/>
+          </a:bodyPr>
+          <a:lstStyle/>
+          <a:p>
+            <a:pPr marL="0" lvl="0" indent="0" algn="l" rtl="0">
+              <a:spcBef>
+                <a:spcPts val="0"/>
+              </a:spcBef>
+              <a:spcAft>
+                <a:spcPts val="0"/>
+              </a:spcAft>
+              <a:buNone/>
+            </a:pPr>
+            <a:endParaRPr/>
+          </a:p>
+        </p:txBody>
+      </p:sp>
+    </p:spTree>
+    <p:extLst>
+      <p:ext uri="{BB962C8B-B14F-4D97-AF65-F5344CB8AC3E}">
+        <p14:creationId xmlns:p14="http://schemas.microsoft.com/office/powerpoint/2010/main" val="3722010440"/>
+      </p:ext>
+    </p:extLst>
+  </p:cSld>
+  <p:clrMapOvr>
+    <a:masterClrMapping/>
+  </p:clrMapOvr>
+</p:notes>
+</file>
+
+<file path=ppt/notesSlides/notesSlide16.xml><?xml version="1.0" encoding="utf-8"?>
+<p:notes xmlns:a="http://schemas.openxmlformats.org/drawingml/2006/main" xmlns:r="http://schemas.openxmlformats.org/officeDocument/2006/relationships" xmlns:p="http://schemas.openxmlformats.org/presentationml/2006/main" showMasterSp="0" showMasterPhAnim="0">
+  <p:cSld>
+    <p:spTree>
+      <p:nvGrpSpPr>
+        <p:cNvPr id="1" name="Shape 74"/>
+        <p:cNvGrpSpPr/>
+        <p:nvPr/>
+      </p:nvGrpSpPr>
+      <p:grpSpPr>
+        <a:xfrm>
+          <a:off x="0" y="0"/>
+          <a:ext cx="0" cy="0"/>
+          <a:chOff x="0" y="0"/>
+          <a:chExt cx="0" cy="0"/>
+        </a:xfrm>
+      </p:grpSpPr>
+      <p:sp>
+        <p:nvSpPr>
+          <p:cNvPr id="75" name="Google Shape;75;gac10fef634_0_20:notes"/>
+          <p:cNvSpPr>
+            <a:spLocks noGrp="1" noRot="1" noChangeAspect="1"/>
+          </p:cNvSpPr>
+          <p:nvPr>
+            <p:ph type="sldImg" idx="2"/>
+          </p:nvPr>
+        </p:nvSpPr>
+        <p:spPr>
+          <a:xfrm>
+            <a:off x="381000" y="685800"/>
+            <a:ext cx="6096000" cy="3429000"/>
+          </a:xfrm>
+          <a:custGeom>
+            <a:avLst/>
+            <a:gdLst/>
+            <a:ahLst/>
+            <a:cxnLst/>
+            <a:rect l="l" t="t" r="r" b="b"/>
+            <a:pathLst>
+              <a:path w="120000" h="120000" extrusionOk="0">
+                <a:moveTo>
+                  <a:pt x="0" y="0"/>
+                </a:moveTo>
+                <a:lnTo>
+                  <a:pt x="120000" y="0"/>
+                </a:lnTo>
+                <a:lnTo>
+                  <a:pt x="120000" y="120000"/>
+                </a:lnTo>
+                <a:lnTo>
+                  <a:pt x="0" y="120000"/>
+                </a:lnTo>
+                <a:close/>
+              </a:path>
+            </a:pathLst>
+          </a:custGeom>
+        </p:spPr>
+      </p:sp>
+      <p:sp>
+        <p:nvSpPr>
+          <p:cNvPr id="76" name="Google Shape;76;gac10fef634_0_20:notes"/>
+          <p:cNvSpPr txBox="1">
+            <a:spLocks noGrp="1"/>
+          </p:cNvSpPr>
+          <p:nvPr>
+            <p:ph type="body" idx="1"/>
+          </p:nvPr>
+        </p:nvSpPr>
+        <p:spPr>
+          <a:xfrm>
+            <a:off x="685800" y="4343400"/>
+            <a:ext cx="5486400" cy="4114800"/>
+          </a:xfrm>
+          <a:prstGeom prst="rect">
+            <a:avLst/>
+          </a:prstGeom>
+        </p:spPr>
+        <p:txBody>
+          <a:bodyPr spcFirstLastPara="1" wrap="square" lIns="91425" tIns="91425" rIns="91425" bIns="91425" anchor="t" anchorCtr="0">
+            <a:noAutofit/>
+          </a:bodyPr>
+          <a:lstStyle/>
+          <a:p>
+            <a:pPr marL="0" lvl="0" indent="0" algn="l" rtl="0">
+              <a:spcBef>
+                <a:spcPts val="0"/>
+              </a:spcBef>
+              <a:spcAft>
+                <a:spcPts val="0"/>
+              </a:spcAft>
+              <a:buNone/>
+            </a:pPr>
+            <a:endParaRPr/>
+          </a:p>
+        </p:txBody>
+      </p:sp>
+    </p:spTree>
+    <p:extLst>
+      <p:ext uri="{BB962C8B-B14F-4D97-AF65-F5344CB8AC3E}">
+        <p14:creationId xmlns:p14="http://schemas.microsoft.com/office/powerpoint/2010/main" val="3989267326"/>
+      </p:ext>
+    </p:extLst>
+  </p:cSld>
+  <p:clrMapOvr>
+    <a:masterClrMapping/>
+  </p:clrMapOvr>
+</p:notes>
+</file>
+
+<file path=ppt/notesSlides/notesSlide17.xml><?xml version="1.0" encoding="utf-8"?>
+<p:notes xmlns:a="http://schemas.openxmlformats.org/drawingml/2006/main" xmlns:r="http://schemas.openxmlformats.org/officeDocument/2006/relationships" xmlns:p="http://schemas.openxmlformats.org/presentationml/2006/main" showMasterSp="0" showMasterPhAnim="0">
+  <p:cSld>
+    <p:spTree>
+      <p:nvGrpSpPr>
         <p:cNvPr id="1" name="Shape 80"/>
         <p:cNvGrpSpPr/>
         <p:nvPr/>
@@ -1940,7 +2387,7 @@
 </p:notes>
 </file>
 
-<file path=ppt/notesSlides/notesSlide15.xml><?xml version="1.0" encoding="utf-8"?>
+<file path=ppt/notesSlides/notesSlide18.xml><?xml version="1.0" encoding="utf-8"?>
 <p:notes xmlns:a="http://schemas.openxmlformats.org/drawingml/2006/main" xmlns:r="http://schemas.openxmlformats.org/officeDocument/2006/relationships" xmlns:p="http://schemas.openxmlformats.org/presentationml/2006/main" showMasterSp="0" showMasterPhAnim="0">
   <p:cSld>
     <p:spTree>
@@ -9576,6 +10023,789 @@
     </p:bg>
     <p:spTree>
       <p:nvGrpSpPr>
+        <p:cNvPr id="1" name="Shape 72"/>
+        <p:cNvGrpSpPr/>
+        <p:nvPr/>
+      </p:nvGrpSpPr>
+      <p:grpSpPr>
+        <a:xfrm>
+          <a:off x="0" y="0"/>
+          <a:ext cx="0" cy="0"/>
+          <a:chOff x="0" y="0"/>
+          <a:chExt cx="0" cy="0"/>
+        </a:xfrm>
+      </p:grpSpPr>
+      <p:sp>
+        <p:nvSpPr>
+          <p:cNvPr id="73" name="Google Shape;73;p16"/>
+          <p:cNvSpPr txBox="1">
+            <a:spLocks noGrp="1"/>
+          </p:cNvSpPr>
+          <p:nvPr>
+            <p:ph type="title"/>
+          </p:nvPr>
+        </p:nvSpPr>
+        <p:spPr>
+          <a:xfrm>
+            <a:off x="311700" y="445025"/>
+            <a:ext cx="8520600" cy="572700"/>
+          </a:xfrm>
+          <a:prstGeom prst="rect">
+            <a:avLst/>
+          </a:prstGeom>
+        </p:spPr>
+        <p:txBody>
+          <a:bodyPr spcFirstLastPara="1" wrap="square" lIns="91425" tIns="91425" rIns="91425" bIns="91425" anchor="t" anchorCtr="0">
+            <a:noAutofit/>
+          </a:bodyPr>
+          <a:lstStyle/>
+          <a:p>
+            <a:pPr marL="0" lvl="0" indent="0" algn="l" rtl="0">
+              <a:spcBef>
+                <a:spcPts val="0"/>
+              </a:spcBef>
+              <a:spcAft>
+                <a:spcPts val="0"/>
+              </a:spcAft>
+              <a:buNone/>
+            </a:pPr>
+            <a:r>
+              <a:rPr lang="en" dirty="0"/>
+              <a:t>Component 3 (Trello screenshot)</a:t>
+            </a:r>
+            <a:endParaRPr dirty="0"/>
+          </a:p>
+        </p:txBody>
+      </p:sp>
+      <p:pic>
+        <p:nvPicPr>
+          <p:cNvPr id="3" name="Picture 2">
+            <a:extLst>
+              <a:ext uri="{FF2B5EF4-FFF2-40B4-BE49-F238E27FC236}">
+                <a16:creationId xmlns:a16="http://schemas.microsoft.com/office/drawing/2014/main" id="{94A5EB3F-8528-F273-CAAD-DAC9680C1164}"/>
+              </a:ext>
+            </a:extLst>
+          </p:cNvPr>
+          <p:cNvPicPr>
+            <a:picLocks noChangeAspect="1"/>
+          </p:cNvPicPr>
+          <p:nvPr/>
+        </p:nvPicPr>
+        <p:blipFill>
+          <a:blip r:embed="rId3"/>
+          <a:stretch>
+            <a:fillRect/>
+          </a:stretch>
+        </p:blipFill>
+        <p:spPr>
+          <a:xfrm>
+            <a:off x="685800" y="1212016"/>
+            <a:ext cx="7772400" cy="3486459"/>
+          </a:xfrm>
+          <a:prstGeom prst="rect">
+            <a:avLst/>
+          </a:prstGeom>
+        </p:spPr>
+      </p:pic>
+    </p:spTree>
+    <p:extLst>
+      <p:ext uri="{BB962C8B-B14F-4D97-AF65-F5344CB8AC3E}">
+        <p14:creationId xmlns:p14="http://schemas.microsoft.com/office/powerpoint/2010/main" val="537567697"/>
+      </p:ext>
+    </p:extLst>
+  </p:cSld>
+  <p:clrMapOvr>
+    <a:masterClrMapping/>
+  </p:clrMapOvr>
+</p:sld>
+</file>
+
+<file path=ppt/slides/slide15.xml><?xml version="1.0" encoding="utf-8"?>
+<p:sld xmlns:a="http://schemas.openxmlformats.org/drawingml/2006/main" xmlns:r="http://schemas.openxmlformats.org/officeDocument/2006/relationships" xmlns:p="http://schemas.openxmlformats.org/presentationml/2006/main">
+  <p:cSld>
+    <p:spTree>
+      <p:nvGrpSpPr>
+        <p:cNvPr id="1" name="Shape 77"/>
+        <p:cNvGrpSpPr/>
+        <p:nvPr/>
+      </p:nvGrpSpPr>
+      <p:grpSpPr>
+        <a:xfrm>
+          <a:off x="0" y="0"/>
+          <a:ext cx="0" cy="0"/>
+          <a:chOff x="0" y="0"/>
+          <a:chExt cx="0" cy="0"/>
+        </a:xfrm>
+      </p:grpSpPr>
+      <p:sp>
+        <p:nvSpPr>
+          <p:cNvPr id="78" name="Google Shape;78;p17"/>
+          <p:cNvSpPr txBox="1">
+            <a:spLocks noGrp="1"/>
+          </p:cNvSpPr>
+          <p:nvPr>
+            <p:ph type="title"/>
+          </p:nvPr>
+        </p:nvSpPr>
+        <p:spPr>
+          <a:xfrm>
+            <a:off x="311700" y="445025"/>
+            <a:ext cx="8520600" cy="572700"/>
+          </a:xfrm>
+          <a:prstGeom prst="rect">
+            <a:avLst/>
+          </a:prstGeom>
+        </p:spPr>
+        <p:txBody>
+          <a:bodyPr spcFirstLastPara="1" wrap="square" lIns="91425" tIns="91425" rIns="91425" bIns="91425" anchor="t" anchorCtr="0">
+            <a:noAutofit/>
+          </a:bodyPr>
+          <a:lstStyle/>
+          <a:p>
+            <a:pPr marL="0" lvl="0" indent="0" algn="l" rtl="0">
+              <a:spcBef>
+                <a:spcPts val="0"/>
+              </a:spcBef>
+              <a:spcAft>
+                <a:spcPts val="0"/>
+              </a:spcAft>
+              <a:buNone/>
+            </a:pPr>
+            <a:r>
+              <a:rPr lang="en" dirty="0"/>
+              <a:t>Component 3 v1 - Test Plan (and screenshot)</a:t>
+            </a:r>
+            <a:endParaRPr dirty="0"/>
+          </a:p>
+        </p:txBody>
+      </p:sp>
+      <p:graphicFrame>
+        <p:nvGraphicFramePr>
+          <p:cNvPr id="79" name="Google Shape;79;p17"/>
+          <p:cNvGraphicFramePr/>
+          <p:nvPr>
+            <p:extLst>
+              <p:ext uri="{D42A27DB-BD31-4B8C-83A1-F6EECF244321}">
+                <p14:modId xmlns:p14="http://schemas.microsoft.com/office/powerpoint/2010/main" val="882775034"/>
+              </p:ext>
+            </p:extLst>
+          </p:nvPr>
+        </p:nvGraphicFramePr>
+        <p:xfrm>
+          <a:off x="311700" y="2731623"/>
+          <a:ext cx="8520600" cy="2011620"/>
+        </p:xfrm>
+        <a:graphic>
+          <a:graphicData uri="http://schemas.openxmlformats.org/drawingml/2006/table">
+            <a:tbl>
+              <a:tblPr>
+                <a:noFill/>
+                <a:tableStyleId>{E1099E06-0E6B-448D-9D27-60429F06E6F4}</a:tableStyleId>
+              </a:tblPr>
+              <a:tblGrid>
+                <a:gridCol w="2709796">
+                  <a:extLst>
+                    <a:ext uri="{9D8B030D-6E8A-4147-A177-3AD203B41FA5}">
+                      <a16:colId xmlns:a16="http://schemas.microsoft.com/office/drawing/2014/main" val="20000"/>
+                    </a:ext>
+                  </a:extLst>
+                </a:gridCol>
+                <a:gridCol w="5810804">
+                  <a:extLst>
+                    <a:ext uri="{9D8B030D-6E8A-4147-A177-3AD203B41FA5}">
+                      <a16:colId xmlns:a16="http://schemas.microsoft.com/office/drawing/2014/main" val="20001"/>
+                    </a:ext>
+                  </a:extLst>
+                </a:gridCol>
+              </a:tblGrid>
+              <a:tr h="381000">
+                <a:tc>
+                  <a:txBody>
+                    <a:bodyPr/>
+                    <a:lstStyle/>
+                    <a:p>
+                      <a:pPr marL="0" lvl="0" indent="0" algn="l" rtl="0">
+                        <a:spcBef>
+                          <a:spcPts val="0"/>
+                        </a:spcBef>
+                        <a:spcAft>
+                          <a:spcPts val="0"/>
+                        </a:spcAft>
+                        <a:buNone/>
+                      </a:pPr>
+                      <a:r>
+                        <a:rPr lang="en" sz="1800" b="1" dirty="0"/>
+                        <a:t>Test Case</a:t>
+                      </a:r>
+                      <a:endParaRPr sz="1800" b="1" dirty="0"/>
+                    </a:p>
+                  </a:txBody>
+                  <a:tcPr marL="91425" marR="91425" marT="91425" marB="91425">
+                    <a:solidFill>
+                      <a:srgbClr val="CCCCCC"/>
+                    </a:solidFill>
+                  </a:tcPr>
+                </a:tc>
+                <a:tc>
+                  <a:txBody>
+                    <a:bodyPr/>
+                    <a:lstStyle/>
+                    <a:p>
+                      <a:pPr marL="0" lvl="0" indent="0" algn="l" rtl="0">
+                        <a:spcBef>
+                          <a:spcPts val="0"/>
+                        </a:spcBef>
+                        <a:spcAft>
+                          <a:spcPts val="0"/>
+                        </a:spcAft>
+                        <a:buNone/>
+                      </a:pPr>
+                      <a:r>
+                        <a:rPr lang="en" sz="1800" b="1"/>
+                        <a:t>Expected Values</a:t>
+                      </a:r>
+                      <a:endParaRPr sz="1800" b="1"/>
+                    </a:p>
+                  </a:txBody>
+                  <a:tcPr marL="91425" marR="91425" marT="91425" marB="91425">
+                    <a:solidFill>
+                      <a:srgbClr val="CCCCCC"/>
+                    </a:solidFill>
+                  </a:tcPr>
+                </a:tc>
+                <a:extLst>
+                  <a:ext uri="{0D108BD9-81ED-4DB2-BD59-A6C34878D82A}">
+                    <a16:rowId xmlns:a16="http://schemas.microsoft.com/office/drawing/2014/main" val="10000"/>
+                  </a:ext>
+                </a:extLst>
+              </a:tr>
+              <a:tr h="396200">
+                <a:tc>
+                  <a:txBody>
+                    <a:bodyPr/>
+                    <a:lstStyle/>
+                    <a:p>
+                      <a:pPr marL="0" marR="0" lvl="0" indent="0" algn="l" defTabSz="914400" rtl="0" eaLnBrk="1" fontAlgn="auto" latinLnBrk="0" hangingPunct="1">
+                        <a:lnSpc>
+                          <a:spcPct val="100000"/>
+                        </a:lnSpc>
+                        <a:spcBef>
+                          <a:spcPts val="0"/>
+                        </a:spcBef>
+                        <a:spcAft>
+                          <a:spcPts val="0"/>
+                        </a:spcAft>
+                        <a:buClr>
+                          <a:srgbClr val="000000"/>
+                        </a:buClr>
+                        <a:buSzTx/>
+                        <a:buFont typeface="Arial"/>
+                        <a:buNone/>
+                        <a:tabLst/>
+                        <a:defRPr/>
+                      </a:pPr>
+                      <a:r>
+                        <a:rPr lang="en-US" sz="1800" dirty="0"/>
+                        <a:t>Input name</a:t>
+                      </a:r>
+                    </a:p>
+                    <a:p>
+                      <a:pPr marL="0" lvl="0" indent="0" algn="l" rtl="0">
+                        <a:spcBef>
+                          <a:spcPts val="0"/>
+                        </a:spcBef>
+                        <a:spcAft>
+                          <a:spcPts val="0"/>
+                        </a:spcAft>
+                        <a:buNone/>
+                      </a:pPr>
+                      <a:r>
+                        <a:rPr lang="en-US" sz="1800" dirty="0"/>
+                        <a:t>Input number</a:t>
+                      </a:r>
+                    </a:p>
+                    <a:p>
+                      <a:pPr marL="0" lvl="0" indent="0" algn="l" rtl="0">
+                        <a:spcBef>
+                          <a:spcPts val="0"/>
+                        </a:spcBef>
+                        <a:spcAft>
+                          <a:spcPts val="0"/>
+                        </a:spcAft>
+                        <a:buNone/>
+                      </a:pPr>
+                      <a:r>
+                        <a:rPr lang="en-US" sz="1800" dirty="0"/>
+                        <a:t>Left input blank</a:t>
+                      </a:r>
+                      <a:endParaRPr sz="1800" dirty="0"/>
+                    </a:p>
+                  </a:txBody>
+                  <a:tcPr marL="91425" marR="91425" marT="91425" marB="91425"/>
+                </a:tc>
+                <a:tc>
+                  <a:txBody>
+                    <a:bodyPr/>
+                    <a:lstStyle/>
+                    <a:p>
+                      <a:pPr marL="0" lvl="0" indent="0" algn="l" rtl="0">
+                        <a:spcBef>
+                          <a:spcPts val="0"/>
+                        </a:spcBef>
+                        <a:spcAft>
+                          <a:spcPts val="0"/>
+                        </a:spcAft>
+                        <a:buNone/>
+                      </a:pPr>
+                      <a:r>
+                        <a:rPr lang="en-US" sz="1800" dirty="0"/>
+                        <a:t>Name printed correctly, can input both integers and letters</a:t>
+                      </a:r>
+                    </a:p>
+                    <a:p>
+                      <a:pPr marL="0" marR="0" lvl="0" indent="0" algn="l" defTabSz="914400" rtl="0" eaLnBrk="1" fontAlgn="auto" latinLnBrk="0" hangingPunct="1">
+                        <a:lnSpc>
+                          <a:spcPct val="100000"/>
+                        </a:lnSpc>
+                        <a:spcBef>
+                          <a:spcPts val="0"/>
+                        </a:spcBef>
+                        <a:spcAft>
+                          <a:spcPts val="0"/>
+                        </a:spcAft>
+                        <a:buClr>
+                          <a:srgbClr val="000000"/>
+                        </a:buClr>
+                        <a:buSzTx/>
+                        <a:buFont typeface="Arial"/>
+                        <a:buNone/>
+                        <a:tabLst/>
+                        <a:defRPr/>
+                      </a:pPr>
+                      <a:r>
+                        <a:rPr lang="en-US" sz="1800" dirty="0"/>
+                        <a:t>Number printed correctly, can input both integers and letters</a:t>
+                      </a:r>
+                    </a:p>
+                    <a:p>
+                      <a:pPr marL="0" lvl="0" indent="0" algn="l" rtl="0">
+                        <a:spcBef>
+                          <a:spcPts val="0"/>
+                        </a:spcBef>
+                        <a:spcAft>
+                          <a:spcPts val="0"/>
+                        </a:spcAft>
+                        <a:buNone/>
+                      </a:pPr>
+                      <a:r>
+                        <a:rPr lang="en-US" sz="1800" dirty="0"/>
+                        <a:t>Accepted blank and printed </a:t>
+                      </a:r>
+                      <a:r>
+                        <a:rPr lang="en-US" sz="1800"/>
+                        <a:t>blank input</a:t>
+                      </a:r>
+                      <a:endParaRPr sz="1800" dirty="0"/>
+                    </a:p>
+                  </a:txBody>
+                  <a:tcPr marL="91425" marR="91425" marT="91425" marB="91425"/>
+                </a:tc>
+                <a:extLst>
+                  <a:ext uri="{0D108BD9-81ED-4DB2-BD59-A6C34878D82A}">
+                    <a16:rowId xmlns:a16="http://schemas.microsoft.com/office/drawing/2014/main" val="10001"/>
+                  </a:ext>
+                </a:extLst>
+              </a:tr>
+            </a:tbl>
+          </a:graphicData>
+        </a:graphic>
+      </p:graphicFrame>
+      <p:pic>
+        <p:nvPicPr>
+          <p:cNvPr id="4" name="Picture 3">
+            <a:extLst>
+              <a:ext uri="{FF2B5EF4-FFF2-40B4-BE49-F238E27FC236}">
+                <a16:creationId xmlns:a16="http://schemas.microsoft.com/office/drawing/2014/main" id="{CA5E05E2-FA1D-91D1-F910-92CD036387D1}"/>
+              </a:ext>
+            </a:extLst>
+          </p:cNvPr>
+          <p:cNvPicPr>
+            <a:picLocks noChangeAspect="1"/>
+          </p:cNvPicPr>
+          <p:nvPr/>
+        </p:nvPicPr>
+        <p:blipFill>
+          <a:blip r:embed="rId3"/>
+          <a:stretch>
+            <a:fillRect/>
+          </a:stretch>
+        </p:blipFill>
+        <p:spPr>
+          <a:xfrm>
+            <a:off x="491067" y="1113551"/>
+            <a:ext cx="2463800" cy="1298326"/>
+          </a:xfrm>
+          <a:prstGeom prst="rect">
+            <a:avLst/>
+          </a:prstGeom>
+        </p:spPr>
+      </p:pic>
+      <p:pic>
+        <p:nvPicPr>
+          <p:cNvPr id="5" name="Picture 4">
+            <a:extLst>
+              <a:ext uri="{FF2B5EF4-FFF2-40B4-BE49-F238E27FC236}">
+                <a16:creationId xmlns:a16="http://schemas.microsoft.com/office/drawing/2014/main" id="{22C30162-A008-3B98-5A49-0D2845551CC7}"/>
+              </a:ext>
+            </a:extLst>
+          </p:cNvPr>
+          <p:cNvPicPr>
+            <a:picLocks noChangeAspect="1"/>
+          </p:cNvPicPr>
+          <p:nvPr/>
+        </p:nvPicPr>
+        <p:blipFill>
+          <a:blip r:embed="rId4"/>
+          <a:stretch>
+            <a:fillRect/>
+          </a:stretch>
+        </p:blipFill>
+        <p:spPr>
+          <a:xfrm>
+            <a:off x="3800723" y="1102397"/>
+            <a:ext cx="1868557" cy="660317"/>
+          </a:xfrm>
+          <a:prstGeom prst="rect">
+            <a:avLst/>
+          </a:prstGeom>
+        </p:spPr>
+      </p:pic>
+      <p:pic>
+        <p:nvPicPr>
+          <p:cNvPr id="6" name="Picture 5">
+            <a:extLst>
+              <a:ext uri="{FF2B5EF4-FFF2-40B4-BE49-F238E27FC236}">
+                <a16:creationId xmlns:a16="http://schemas.microsoft.com/office/drawing/2014/main" id="{3DF9A685-816B-AB9E-BC4D-9510EF3C6FB2}"/>
+              </a:ext>
+            </a:extLst>
+          </p:cNvPr>
+          <p:cNvPicPr>
+            <a:picLocks noChangeAspect="1"/>
+          </p:cNvPicPr>
+          <p:nvPr/>
+        </p:nvPicPr>
+        <p:blipFill>
+          <a:blip r:embed="rId5"/>
+          <a:stretch>
+            <a:fillRect/>
+          </a:stretch>
+        </p:blipFill>
+        <p:spPr>
+          <a:xfrm>
+            <a:off x="4572000" y="1917009"/>
+            <a:ext cx="2802325" cy="660318"/>
+          </a:xfrm>
+          <a:prstGeom prst="rect">
+            <a:avLst/>
+          </a:prstGeom>
+        </p:spPr>
+      </p:pic>
+      <p:pic>
+        <p:nvPicPr>
+          <p:cNvPr id="7" name="Picture 6">
+            <a:extLst>
+              <a:ext uri="{FF2B5EF4-FFF2-40B4-BE49-F238E27FC236}">
+                <a16:creationId xmlns:a16="http://schemas.microsoft.com/office/drawing/2014/main" id="{C89605FF-7ED4-FF30-FC94-EE71A8645BC5}"/>
+              </a:ext>
+            </a:extLst>
+          </p:cNvPr>
+          <p:cNvPicPr>
+            <a:picLocks noChangeAspect="1"/>
+          </p:cNvPicPr>
+          <p:nvPr/>
+        </p:nvPicPr>
+        <p:blipFill>
+          <a:blip r:embed="rId6"/>
+          <a:stretch>
+            <a:fillRect/>
+          </a:stretch>
+        </p:blipFill>
+        <p:spPr>
+          <a:xfrm>
+            <a:off x="6258872" y="1102397"/>
+            <a:ext cx="1868557" cy="566866"/>
+          </a:xfrm>
+          <a:prstGeom prst="rect">
+            <a:avLst/>
+          </a:prstGeom>
+        </p:spPr>
+      </p:pic>
+    </p:spTree>
+    <p:extLst>
+      <p:ext uri="{BB962C8B-B14F-4D97-AF65-F5344CB8AC3E}">
+        <p14:creationId xmlns:p14="http://schemas.microsoft.com/office/powerpoint/2010/main" val="327100971"/>
+      </p:ext>
+    </p:extLst>
+  </p:cSld>
+  <p:clrMapOvr>
+    <a:masterClrMapping/>
+  </p:clrMapOvr>
+</p:sld>
+</file>
+
+<file path=ppt/slides/slide16.xml><?xml version="1.0" encoding="utf-8"?>
+<p:sld xmlns:a="http://schemas.openxmlformats.org/drawingml/2006/main" xmlns:r="http://schemas.openxmlformats.org/officeDocument/2006/relationships" xmlns:p="http://schemas.openxmlformats.org/presentationml/2006/main">
+  <p:cSld>
+    <p:spTree>
+      <p:nvGrpSpPr>
+        <p:cNvPr id="1" name="Shape 77"/>
+        <p:cNvGrpSpPr/>
+        <p:nvPr/>
+      </p:nvGrpSpPr>
+      <p:grpSpPr>
+        <a:xfrm>
+          <a:off x="0" y="0"/>
+          <a:ext cx="0" cy="0"/>
+          <a:chOff x="0" y="0"/>
+          <a:chExt cx="0" cy="0"/>
+        </a:xfrm>
+      </p:grpSpPr>
+      <p:sp>
+        <p:nvSpPr>
+          <p:cNvPr id="78" name="Google Shape;78;p17"/>
+          <p:cNvSpPr txBox="1">
+            <a:spLocks noGrp="1"/>
+          </p:cNvSpPr>
+          <p:nvPr>
+            <p:ph type="title"/>
+          </p:nvPr>
+        </p:nvSpPr>
+        <p:spPr>
+          <a:xfrm>
+            <a:off x="311700" y="445025"/>
+            <a:ext cx="8520600" cy="572700"/>
+          </a:xfrm>
+          <a:prstGeom prst="rect">
+            <a:avLst/>
+          </a:prstGeom>
+        </p:spPr>
+        <p:txBody>
+          <a:bodyPr spcFirstLastPara="1" wrap="square" lIns="91425" tIns="91425" rIns="91425" bIns="91425" anchor="t" anchorCtr="0">
+            <a:noAutofit/>
+          </a:bodyPr>
+          <a:lstStyle/>
+          <a:p>
+            <a:pPr marL="0" lvl="0" indent="0" algn="l" rtl="0">
+              <a:spcBef>
+                <a:spcPts val="0"/>
+              </a:spcBef>
+              <a:spcAft>
+                <a:spcPts val="0"/>
+              </a:spcAft>
+              <a:buNone/>
+            </a:pPr>
+            <a:r>
+              <a:rPr lang="en" dirty="0"/>
+              <a:t>Component 3 v2 - Test Plan (and screenshot)</a:t>
+            </a:r>
+            <a:endParaRPr dirty="0"/>
+          </a:p>
+        </p:txBody>
+      </p:sp>
+      <p:graphicFrame>
+        <p:nvGraphicFramePr>
+          <p:cNvPr id="79" name="Google Shape;79;p17"/>
+          <p:cNvGraphicFramePr/>
+          <p:nvPr/>
+        </p:nvGraphicFramePr>
+        <p:xfrm>
+          <a:off x="311700" y="2731623"/>
+          <a:ext cx="8520600" cy="1188660"/>
+        </p:xfrm>
+        <a:graphic>
+          <a:graphicData uri="http://schemas.openxmlformats.org/drawingml/2006/table">
+            <a:tbl>
+              <a:tblPr>
+                <a:noFill/>
+                <a:tableStyleId>{E1099E06-0E6B-448D-9D27-60429F06E6F4}</a:tableStyleId>
+              </a:tblPr>
+              <a:tblGrid>
+                <a:gridCol w="2709796">
+                  <a:extLst>
+                    <a:ext uri="{9D8B030D-6E8A-4147-A177-3AD203B41FA5}">
+                      <a16:colId xmlns:a16="http://schemas.microsoft.com/office/drawing/2014/main" val="20000"/>
+                    </a:ext>
+                  </a:extLst>
+                </a:gridCol>
+                <a:gridCol w="5810804">
+                  <a:extLst>
+                    <a:ext uri="{9D8B030D-6E8A-4147-A177-3AD203B41FA5}">
+                      <a16:colId xmlns:a16="http://schemas.microsoft.com/office/drawing/2014/main" val="20001"/>
+                    </a:ext>
+                  </a:extLst>
+                </a:gridCol>
+              </a:tblGrid>
+              <a:tr h="381000">
+                <a:tc>
+                  <a:txBody>
+                    <a:bodyPr/>
+                    <a:lstStyle/>
+                    <a:p>
+                      <a:pPr marL="0" lvl="0" indent="0" algn="l" rtl="0">
+                        <a:spcBef>
+                          <a:spcPts val="0"/>
+                        </a:spcBef>
+                        <a:spcAft>
+                          <a:spcPts val="0"/>
+                        </a:spcAft>
+                        <a:buNone/>
+                      </a:pPr>
+                      <a:r>
+                        <a:rPr lang="en" sz="1800" b="1" dirty="0"/>
+                        <a:t>Test Case</a:t>
+                      </a:r>
+                      <a:endParaRPr sz="1800" b="1" dirty="0"/>
+                    </a:p>
+                  </a:txBody>
+                  <a:tcPr marL="91425" marR="91425" marT="91425" marB="91425">
+                    <a:solidFill>
+                      <a:srgbClr val="CCCCCC"/>
+                    </a:solidFill>
+                  </a:tcPr>
+                </a:tc>
+                <a:tc>
+                  <a:txBody>
+                    <a:bodyPr/>
+                    <a:lstStyle/>
+                    <a:p>
+                      <a:pPr marL="0" lvl="0" indent="0" algn="l" rtl="0">
+                        <a:spcBef>
+                          <a:spcPts val="0"/>
+                        </a:spcBef>
+                        <a:spcAft>
+                          <a:spcPts val="0"/>
+                        </a:spcAft>
+                        <a:buNone/>
+                      </a:pPr>
+                      <a:r>
+                        <a:rPr lang="en" sz="1800" b="1"/>
+                        <a:t>Expected Values</a:t>
+                      </a:r>
+                      <a:endParaRPr sz="1800" b="1"/>
+                    </a:p>
+                  </a:txBody>
+                  <a:tcPr marL="91425" marR="91425" marT="91425" marB="91425">
+                    <a:solidFill>
+                      <a:srgbClr val="CCCCCC"/>
+                    </a:solidFill>
+                  </a:tcPr>
+                </a:tc>
+                <a:extLst>
+                  <a:ext uri="{0D108BD9-81ED-4DB2-BD59-A6C34878D82A}">
+                    <a16:rowId xmlns:a16="http://schemas.microsoft.com/office/drawing/2014/main" val="10000"/>
+                  </a:ext>
+                </a:extLst>
+              </a:tr>
+              <a:tr h="396200">
+                <a:tc>
+                  <a:txBody>
+                    <a:bodyPr/>
+                    <a:lstStyle/>
+                    <a:p>
+                      <a:pPr marL="0" marR="0" lvl="0" indent="0" algn="l" defTabSz="914400" rtl="0" eaLnBrk="1" fontAlgn="auto" latinLnBrk="0" hangingPunct="1">
+                        <a:lnSpc>
+                          <a:spcPct val="100000"/>
+                        </a:lnSpc>
+                        <a:spcBef>
+                          <a:spcPts val="0"/>
+                        </a:spcBef>
+                        <a:spcAft>
+                          <a:spcPts val="0"/>
+                        </a:spcAft>
+                        <a:buClr>
+                          <a:srgbClr val="000000"/>
+                        </a:buClr>
+                        <a:buSzTx/>
+                        <a:buFont typeface="Arial"/>
+                        <a:buNone/>
+                        <a:tabLst/>
+                        <a:defRPr/>
+                      </a:pPr>
+                      <a:r>
+                        <a:rPr lang="en-US" sz="1800" dirty="0"/>
+                        <a:t>Run program</a:t>
+                      </a:r>
+                    </a:p>
+                    <a:p>
+                      <a:pPr marL="0" lvl="0" indent="0" algn="l" rtl="0">
+                        <a:spcBef>
+                          <a:spcPts val="0"/>
+                        </a:spcBef>
+                        <a:spcAft>
+                          <a:spcPts val="0"/>
+                        </a:spcAft>
+                        <a:buNone/>
+                      </a:pPr>
+                      <a:endParaRPr sz="1800" dirty="0"/>
+                    </a:p>
+                  </a:txBody>
+                  <a:tcPr marL="91425" marR="91425" marT="91425" marB="91425"/>
+                </a:tc>
+                <a:tc>
+                  <a:txBody>
+                    <a:bodyPr/>
+                    <a:lstStyle/>
+                    <a:p>
+                      <a:pPr marL="0" lvl="0" indent="0" algn="l" rtl="0">
+                        <a:spcBef>
+                          <a:spcPts val="0"/>
+                        </a:spcBef>
+                        <a:spcAft>
+                          <a:spcPts val="0"/>
+                        </a:spcAft>
+                        <a:buNone/>
+                      </a:pPr>
+                      <a:endParaRPr sz="1800" dirty="0"/>
+                    </a:p>
+                  </a:txBody>
+                  <a:tcPr marL="91425" marR="91425" marT="91425" marB="91425"/>
+                </a:tc>
+                <a:extLst>
+                  <a:ext uri="{0D108BD9-81ED-4DB2-BD59-A6C34878D82A}">
+                    <a16:rowId xmlns:a16="http://schemas.microsoft.com/office/drawing/2014/main" val="10001"/>
+                  </a:ext>
+                </a:extLst>
+              </a:tr>
+            </a:tbl>
+          </a:graphicData>
+        </a:graphic>
+      </p:graphicFrame>
+    </p:spTree>
+    <p:extLst>
+      <p:ext uri="{BB962C8B-B14F-4D97-AF65-F5344CB8AC3E}">
+        <p14:creationId xmlns:p14="http://schemas.microsoft.com/office/powerpoint/2010/main" val="344265545"/>
+      </p:ext>
+    </p:extLst>
+  </p:cSld>
+  <p:clrMapOvr>
+    <a:masterClrMapping/>
+  </p:clrMapOvr>
+</p:sld>
+</file>
+
+<file path=ppt/slides/slide17.xml><?xml version="1.0" encoding="utf-8"?>
+<p:sld xmlns:a="http://schemas.openxmlformats.org/drawingml/2006/main" xmlns:r="http://schemas.openxmlformats.org/officeDocument/2006/relationships" xmlns:p="http://schemas.openxmlformats.org/presentationml/2006/main">
+  <p:cSld>
+    <p:bg>
+      <p:bgPr>
+        <a:solidFill>
+          <a:srgbClr val="D9EAD3"/>
+        </a:solidFill>
+        <a:effectLst/>
+      </p:bgPr>
+    </p:bg>
+    <p:spTree>
+      <p:nvGrpSpPr>
         <p:cNvPr id="1" name="Shape 83"/>
         <p:cNvGrpSpPr/>
         <p:nvPr/>
@@ -9680,7 +10910,7 @@
 </p:sld>
 </file>
 
-<file path=ppt/slides/slide15.xml><?xml version="1.0" encoding="utf-8"?>
+<file path=ppt/slides/slide18.xml><?xml version="1.0" encoding="utf-8"?>
 <p:sld xmlns:a="http://schemas.openxmlformats.org/drawingml/2006/main" xmlns:r="http://schemas.openxmlformats.org/officeDocument/2006/relationships" xmlns:p="http://schemas.openxmlformats.org/presentationml/2006/main">
   <p:cSld>
     <p:bg>

--- a/Python.pptx
+++ b/Python.pptx
@@ -5,7 +5,7 @@
     <p:sldMasterId id="2147483659" r:id="rId1"/>
   </p:sldMasterIdLst>
   <p:notesMasterIdLst>
-    <p:notesMasterId r:id="rId20"/>
+    <p:notesMasterId r:id="rId24"/>
   </p:notesMasterIdLst>
   <p:sldIdLst>
     <p:sldId id="256" r:id="rId2"/>
@@ -23,9 +23,13 @@
     <p:sldId id="270" r:id="rId14"/>
     <p:sldId id="274" r:id="rId15"/>
     <p:sldId id="272" r:id="rId16"/>
-    <p:sldId id="273" r:id="rId17"/>
-    <p:sldId id="261" r:id="rId18"/>
-    <p:sldId id="262" r:id="rId19"/>
+    <p:sldId id="275" r:id="rId17"/>
+    <p:sldId id="273" r:id="rId18"/>
+    <p:sldId id="276" r:id="rId19"/>
+    <p:sldId id="277" r:id="rId20"/>
+    <p:sldId id="278" r:id="rId21"/>
+    <p:sldId id="261" r:id="rId22"/>
+    <p:sldId id="262" r:id="rId23"/>
   </p:sldIdLst>
   <p:sldSz cx="9144000" cy="5143500" type="screen16x9"/>
   <p:notesSz cx="6858000" cy="9144000"/>
@@ -280,7 +284,7 @@
 <file path=ppt/revisionInfo.xml><?xml version="1.0" encoding="utf-8"?>
 <p1510:revInfo xmlns:a="http://schemas.openxmlformats.org/drawingml/2006/main" xmlns:r="http://schemas.openxmlformats.org/officeDocument/2006/relationships" xmlns:p1510="http://schemas.microsoft.com/office/powerpoint/2015/10/main">
   <p1510:revLst>
-    <p1510:client id="{268579DD-9F3E-DD42-ADBD-2C5BCBEBF3D0}" v="52" dt="2023-05-09T22:24:03.900"/>
+    <p1510:client id="{268579DD-9F3E-DD42-ADBD-2C5BCBEBF3D0}" v="58" dt="2023-05-09T22:47:39.991"/>
   </p1510:revLst>
 </p1510:revInfo>
 </file>
@@ -290,7 +294,7 @@
   <pc:docChgLst>
     <pc:chgData name="Kaitlin Eustaquio" userId="1db1b819-5a69-4e28-a1f3-107bdd323ba9" providerId="ADAL" clId="{268579DD-9F3E-DD42-ADBD-2C5BCBEBF3D0}"/>
     <pc:docChg chg="undo redo custSel addSld delSld modSld sldOrd">
-      <pc:chgData name="Kaitlin Eustaquio" userId="1db1b819-5a69-4e28-a1f3-107bdd323ba9" providerId="ADAL" clId="{268579DD-9F3E-DD42-ADBD-2C5BCBEBF3D0}" dt="2023-05-09T22:24:31.400" v="1435" actId="20577"/>
+      <pc:chgData name="Kaitlin Eustaquio" userId="1db1b819-5a69-4e28-a1f3-107bdd323ba9" providerId="ADAL" clId="{268579DD-9F3E-DD42-ADBD-2C5BCBEBF3D0}" dt="2023-05-09T22:48:43.699" v="1537" actId="20577"/>
       <pc:docMkLst>
         <pc:docMk/>
       </pc:docMkLst>
@@ -833,7 +837,7 @@
         </pc:picChg>
       </pc:sldChg>
       <pc:sldChg chg="addSp delSp modSp add mod">
-        <pc:chgData name="Kaitlin Eustaquio" userId="1db1b819-5a69-4e28-a1f3-107bdd323ba9" providerId="ADAL" clId="{268579DD-9F3E-DD42-ADBD-2C5BCBEBF3D0}" dt="2023-05-09T22:24:31.400" v="1435" actId="20577"/>
+        <pc:chgData name="Kaitlin Eustaquio" userId="1db1b819-5a69-4e28-a1f3-107bdd323ba9" providerId="ADAL" clId="{268579DD-9F3E-DD42-ADBD-2C5BCBEBF3D0}" dt="2023-05-09T22:48:43.699" v="1537" actId="20577"/>
         <pc:sldMkLst>
           <pc:docMk/>
           <pc:sldMk cId="327100971" sldId="272"/>
@@ -847,7 +851,7 @@
           </ac:spMkLst>
         </pc:spChg>
         <pc:graphicFrameChg chg="mod modGraphic">
-          <ac:chgData name="Kaitlin Eustaquio" userId="1db1b819-5a69-4e28-a1f3-107bdd323ba9" providerId="ADAL" clId="{268579DD-9F3E-DD42-ADBD-2C5BCBEBF3D0}" dt="2023-05-09T22:24:31.400" v="1435" actId="20577"/>
+          <ac:chgData name="Kaitlin Eustaquio" userId="1db1b819-5a69-4e28-a1f3-107bdd323ba9" providerId="ADAL" clId="{268579DD-9F3E-DD42-ADBD-2C5BCBEBF3D0}" dt="2023-05-09T22:48:43.699" v="1537" actId="20577"/>
           <ac:graphicFrameMkLst>
             <pc:docMk/>
             <pc:sldMk cId="327100971" sldId="272"/>
@@ -903,8 +907,8 @@
           </ac:picMkLst>
         </pc:picChg>
       </pc:sldChg>
-      <pc:sldChg chg="modSp add mod">
-        <pc:chgData name="Kaitlin Eustaquio" userId="1db1b819-5a69-4e28-a1f3-107bdd323ba9" providerId="ADAL" clId="{268579DD-9F3E-DD42-ADBD-2C5BCBEBF3D0}" dt="2023-05-09T22:14:51.796" v="1081" actId="20577"/>
+      <pc:sldChg chg="addSp delSp modSp add mod">
+        <pc:chgData name="Kaitlin Eustaquio" userId="1db1b819-5a69-4e28-a1f3-107bdd323ba9" providerId="ADAL" clId="{268579DD-9F3E-DD42-ADBD-2C5BCBEBF3D0}" dt="2023-05-09T22:48:35.223" v="1535" actId="14100"/>
         <pc:sldMkLst>
           <pc:docMk/>
           <pc:sldMk cId="344265545" sldId="273"/>
@@ -917,6 +921,38 @@
             <ac:spMk id="78" creationId="{00000000-0000-0000-0000-000000000000}"/>
           </ac:spMkLst>
         </pc:spChg>
+        <pc:graphicFrameChg chg="mod modGraphic">
+          <ac:chgData name="Kaitlin Eustaquio" userId="1db1b819-5a69-4e28-a1f3-107bdd323ba9" providerId="ADAL" clId="{268579DD-9F3E-DD42-ADBD-2C5BCBEBF3D0}" dt="2023-05-09T22:48:35.223" v="1535" actId="14100"/>
+          <ac:graphicFrameMkLst>
+            <pc:docMk/>
+            <pc:sldMk cId="344265545" sldId="273"/>
+            <ac:graphicFrameMk id="79" creationId="{00000000-0000-0000-0000-000000000000}"/>
+          </ac:graphicFrameMkLst>
+        </pc:graphicFrameChg>
+        <pc:picChg chg="add del mod">
+          <ac:chgData name="Kaitlin Eustaquio" userId="1db1b819-5a69-4e28-a1f3-107bdd323ba9" providerId="ADAL" clId="{268579DD-9F3E-DD42-ADBD-2C5BCBEBF3D0}" dt="2023-05-09T22:45:42.794" v="1448" actId="478"/>
+          <ac:picMkLst>
+            <pc:docMk/>
+            <pc:sldMk cId="344265545" sldId="273"/>
+            <ac:picMk id="2" creationId="{C9882287-406B-5BD4-0303-E9A1703EA4DB}"/>
+          </ac:picMkLst>
+        </pc:picChg>
+        <pc:picChg chg="add mod">
+          <ac:chgData name="Kaitlin Eustaquio" userId="1db1b819-5a69-4e28-a1f3-107bdd323ba9" providerId="ADAL" clId="{268579DD-9F3E-DD42-ADBD-2C5BCBEBF3D0}" dt="2023-05-09T22:46:36.270" v="1454" actId="14100"/>
+          <ac:picMkLst>
+            <pc:docMk/>
+            <pc:sldMk cId="344265545" sldId="273"/>
+            <ac:picMk id="3" creationId="{D2690DC6-F357-DEDC-99E9-849567D21E0C}"/>
+          </ac:picMkLst>
+        </pc:picChg>
+        <pc:picChg chg="add mod">
+          <ac:chgData name="Kaitlin Eustaquio" userId="1db1b819-5a69-4e28-a1f3-107bdd323ba9" providerId="ADAL" clId="{268579DD-9F3E-DD42-ADBD-2C5BCBEBF3D0}" dt="2023-05-09T22:46:33.768" v="1453" actId="1076"/>
+          <ac:picMkLst>
+            <pc:docMk/>
+            <pc:sldMk cId="344265545" sldId="273"/>
+            <ac:picMk id="4" creationId="{BAF7DAD9-277F-CB27-AFFD-B3627B1A1D08}"/>
+          </ac:picMkLst>
+        </pc:picChg>
       </pc:sldChg>
       <pc:sldChg chg="addSp delSp modSp add mod ord">
         <pc:chgData name="Kaitlin Eustaquio" userId="1db1b819-5a69-4e28-a1f3-107bdd323ba9" providerId="ADAL" clId="{268579DD-9F3E-DD42-ADBD-2C5BCBEBF3D0}" dt="2023-05-09T22:19:24.089" v="1093" actId="1076"/>
@@ -948,6 +984,98 @@
             <ac:picMk id="3" creationId="{94A5EB3F-8528-F273-CAAD-DAC9680C1164}"/>
           </ac:picMkLst>
         </pc:picChg>
+      </pc:sldChg>
+      <pc:sldChg chg="addSp delSp modSp add mod ord">
+        <pc:chgData name="Kaitlin Eustaquio" userId="1db1b819-5a69-4e28-a1f3-107bdd323ba9" providerId="ADAL" clId="{268579DD-9F3E-DD42-ADBD-2C5BCBEBF3D0}" dt="2023-05-09T22:40:42.701" v="1440" actId="1076"/>
+        <pc:sldMkLst>
+          <pc:docMk/>
+          <pc:sldMk cId="541863311" sldId="275"/>
+        </pc:sldMkLst>
+        <pc:picChg chg="add mod">
+          <ac:chgData name="Kaitlin Eustaquio" userId="1db1b819-5a69-4e28-a1f3-107bdd323ba9" providerId="ADAL" clId="{268579DD-9F3E-DD42-ADBD-2C5BCBEBF3D0}" dt="2023-05-09T22:40:42.701" v="1440" actId="1076"/>
+          <ac:picMkLst>
+            <pc:docMk/>
+            <pc:sldMk cId="541863311" sldId="275"/>
+            <ac:picMk id="2" creationId="{A8968B27-642E-E807-4206-8F53D340D365}"/>
+          </ac:picMkLst>
+        </pc:picChg>
+        <pc:picChg chg="del">
+          <ac:chgData name="Kaitlin Eustaquio" userId="1db1b819-5a69-4e28-a1f3-107bdd323ba9" providerId="ADAL" clId="{268579DD-9F3E-DD42-ADBD-2C5BCBEBF3D0}" dt="2023-05-09T22:39:51.235" v="1438" actId="478"/>
+          <ac:picMkLst>
+            <pc:docMk/>
+            <pc:sldMk cId="541863311" sldId="275"/>
+            <ac:picMk id="3" creationId="{94A5EB3F-8528-F273-CAAD-DAC9680C1164}"/>
+          </ac:picMkLst>
+        </pc:picChg>
+      </pc:sldChg>
+      <pc:sldChg chg="delSp modSp add mod">
+        <pc:chgData name="Kaitlin Eustaquio" userId="1db1b819-5a69-4e28-a1f3-107bdd323ba9" providerId="ADAL" clId="{268579DD-9F3E-DD42-ADBD-2C5BCBEBF3D0}" dt="2023-05-09T22:46:49.233" v="1462" actId="20577"/>
+        <pc:sldMkLst>
+          <pc:docMk/>
+          <pc:sldMk cId="1418460649" sldId="276"/>
+        </pc:sldMkLst>
+        <pc:spChg chg="mod">
+          <ac:chgData name="Kaitlin Eustaquio" userId="1db1b819-5a69-4e28-a1f3-107bdd323ba9" providerId="ADAL" clId="{268579DD-9F3E-DD42-ADBD-2C5BCBEBF3D0}" dt="2023-05-09T22:46:49.233" v="1462" actId="20577"/>
+          <ac:spMkLst>
+            <pc:docMk/>
+            <pc:sldMk cId="1418460649" sldId="276"/>
+            <ac:spMk id="78" creationId="{00000000-0000-0000-0000-000000000000}"/>
+          </ac:spMkLst>
+        </pc:spChg>
+        <pc:picChg chg="del">
+          <ac:chgData name="Kaitlin Eustaquio" userId="1db1b819-5a69-4e28-a1f3-107bdd323ba9" providerId="ADAL" clId="{268579DD-9F3E-DD42-ADBD-2C5BCBEBF3D0}" dt="2023-05-09T22:46:46.590" v="1459" actId="478"/>
+          <ac:picMkLst>
+            <pc:docMk/>
+            <pc:sldMk cId="1418460649" sldId="276"/>
+            <ac:picMk id="3" creationId="{D2690DC6-F357-DEDC-99E9-849567D21E0C}"/>
+          </ac:picMkLst>
+        </pc:picChg>
+        <pc:picChg chg="del">
+          <ac:chgData name="Kaitlin Eustaquio" userId="1db1b819-5a69-4e28-a1f3-107bdd323ba9" providerId="ADAL" clId="{268579DD-9F3E-DD42-ADBD-2C5BCBEBF3D0}" dt="2023-05-09T22:46:47.450" v="1460" actId="478"/>
+          <ac:picMkLst>
+            <pc:docMk/>
+            <pc:sldMk cId="1418460649" sldId="276"/>
+            <ac:picMk id="4" creationId="{BAF7DAD9-277F-CB27-AFFD-B3627B1A1D08}"/>
+          </ac:picMkLst>
+        </pc:picChg>
+      </pc:sldChg>
+      <pc:sldChg chg="delSp modSp add mod">
+        <pc:chgData name="Kaitlin Eustaquio" userId="1db1b819-5a69-4e28-a1f3-107bdd323ba9" providerId="ADAL" clId="{268579DD-9F3E-DD42-ADBD-2C5BCBEBF3D0}" dt="2023-05-09T22:46:55.581" v="1466" actId="20577"/>
+        <pc:sldMkLst>
+          <pc:docMk/>
+          <pc:sldMk cId="1311563989" sldId="277"/>
+        </pc:sldMkLst>
+        <pc:spChg chg="mod">
+          <ac:chgData name="Kaitlin Eustaquio" userId="1db1b819-5a69-4e28-a1f3-107bdd323ba9" providerId="ADAL" clId="{268579DD-9F3E-DD42-ADBD-2C5BCBEBF3D0}" dt="2023-05-09T22:46:55.581" v="1466" actId="20577"/>
+          <ac:spMkLst>
+            <pc:docMk/>
+            <pc:sldMk cId="1311563989" sldId="277"/>
+            <ac:spMk id="78" creationId="{00000000-0000-0000-0000-000000000000}"/>
+          </ac:spMkLst>
+        </pc:spChg>
+        <pc:picChg chg="del">
+          <ac:chgData name="Kaitlin Eustaquio" userId="1db1b819-5a69-4e28-a1f3-107bdd323ba9" providerId="ADAL" clId="{268579DD-9F3E-DD42-ADBD-2C5BCBEBF3D0}" dt="2023-05-09T22:46:51.454" v="1463" actId="478"/>
+          <ac:picMkLst>
+            <pc:docMk/>
+            <pc:sldMk cId="1311563989" sldId="277"/>
+            <ac:picMk id="3" creationId="{D2690DC6-F357-DEDC-99E9-849567D21E0C}"/>
+          </ac:picMkLst>
+        </pc:picChg>
+        <pc:picChg chg="del">
+          <ac:chgData name="Kaitlin Eustaquio" userId="1db1b819-5a69-4e28-a1f3-107bdd323ba9" providerId="ADAL" clId="{268579DD-9F3E-DD42-ADBD-2C5BCBEBF3D0}" dt="2023-05-09T22:46:52.578" v="1464" actId="478"/>
+          <ac:picMkLst>
+            <pc:docMk/>
+            <pc:sldMk cId="1311563989" sldId="277"/>
+            <ac:picMk id="4" creationId="{BAF7DAD9-277F-CB27-AFFD-B3627B1A1D08}"/>
+          </ac:picMkLst>
+        </pc:picChg>
+      </pc:sldChg>
+      <pc:sldChg chg="add">
+        <pc:chgData name="Kaitlin Eustaquio" userId="1db1b819-5a69-4e28-a1f3-107bdd323ba9" providerId="ADAL" clId="{268579DD-9F3E-DD42-ADBD-2C5BCBEBF3D0}" dt="2023-05-09T22:46:58.914" v="1467" actId="2890"/>
+        <pc:sldMkLst>
+          <pc:docMk/>
+          <pc:sldMk cId="2084576816" sldId="278"/>
+        </pc:sldMkLst>
       </pc:sldChg>
     </pc:docChg>
   </pc:docChgLst>
@@ -2158,6 +2286,115 @@
   <p:cSld>
     <p:spTree>
       <p:nvGrpSpPr>
+        <p:cNvPr id="1" name="Shape 69"/>
+        <p:cNvGrpSpPr/>
+        <p:nvPr/>
+      </p:nvGrpSpPr>
+      <p:grpSpPr>
+        <a:xfrm>
+          <a:off x="0" y="0"/>
+          <a:ext cx="0" cy="0"/>
+          <a:chOff x="0" y="0"/>
+          <a:chExt cx="0" cy="0"/>
+        </a:xfrm>
+      </p:grpSpPr>
+      <p:sp>
+        <p:nvSpPr>
+          <p:cNvPr id="70" name="Google Shape;70;gac10fef634_0_16:notes"/>
+          <p:cNvSpPr>
+            <a:spLocks noGrp="1" noRot="1" noChangeAspect="1"/>
+          </p:cNvSpPr>
+          <p:nvPr>
+            <p:ph type="sldImg" idx="2"/>
+          </p:nvPr>
+        </p:nvSpPr>
+        <p:spPr>
+          <a:xfrm>
+            <a:off x="381000" y="685800"/>
+            <a:ext cx="6096000" cy="3429000"/>
+          </a:xfrm>
+          <a:custGeom>
+            <a:avLst/>
+            <a:gdLst/>
+            <a:ahLst/>
+            <a:cxnLst/>
+            <a:rect l="l" t="t" r="r" b="b"/>
+            <a:pathLst>
+              <a:path w="120000" h="120000" extrusionOk="0">
+                <a:moveTo>
+                  <a:pt x="0" y="0"/>
+                </a:moveTo>
+                <a:lnTo>
+                  <a:pt x="120000" y="0"/>
+                </a:lnTo>
+                <a:lnTo>
+                  <a:pt x="120000" y="120000"/>
+                </a:lnTo>
+                <a:lnTo>
+                  <a:pt x="0" y="120000"/>
+                </a:lnTo>
+                <a:close/>
+              </a:path>
+            </a:pathLst>
+          </a:custGeom>
+        </p:spPr>
+      </p:sp>
+      <p:sp>
+        <p:nvSpPr>
+          <p:cNvPr id="71" name="Google Shape;71;gac10fef634_0_16:notes"/>
+          <p:cNvSpPr txBox="1">
+            <a:spLocks noGrp="1"/>
+          </p:cNvSpPr>
+          <p:nvPr>
+            <p:ph type="body" idx="1"/>
+          </p:nvPr>
+        </p:nvSpPr>
+        <p:spPr>
+          <a:xfrm>
+            <a:off x="685800" y="4343400"/>
+            <a:ext cx="5486400" cy="4114800"/>
+          </a:xfrm>
+          <a:prstGeom prst="rect">
+            <a:avLst/>
+          </a:prstGeom>
+        </p:spPr>
+        <p:txBody>
+          <a:bodyPr spcFirstLastPara="1" wrap="square" lIns="91425" tIns="91425" rIns="91425" bIns="91425" anchor="t" anchorCtr="0">
+            <a:noAutofit/>
+          </a:bodyPr>
+          <a:lstStyle/>
+          <a:p>
+            <a:pPr marL="0" lvl="0" indent="0" algn="l" rtl="0">
+              <a:spcBef>
+                <a:spcPts val="0"/>
+              </a:spcBef>
+              <a:spcAft>
+                <a:spcPts val="0"/>
+              </a:spcAft>
+              <a:buNone/>
+            </a:pPr>
+            <a:endParaRPr/>
+          </a:p>
+        </p:txBody>
+      </p:sp>
+    </p:spTree>
+    <p:extLst>
+      <p:ext uri="{BB962C8B-B14F-4D97-AF65-F5344CB8AC3E}">
+        <p14:creationId xmlns:p14="http://schemas.microsoft.com/office/powerpoint/2010/main" val="1815458439"/>
+      </p:ext>
+    </p:extLst>
+  </p:cSld>
+  <p:clrMapOvr>
+    <a:masterClrMapping/>
+  </p:clrMapOvr>
+</p:notes>
+</file>
+
+<file path=ppt/notesSlides/notesSlide17.xml><?xml version="1.0" encoding="utf-8"?>
+<p:notes xmlns:a="http://schemas.openxmlformats.org/drawingml/2006/main" xmlns:r="http://schemas.openxmlformats.org/officeDocument/2006/relationships" xmlns:p="http://schemas.openxmlformats.org/presentationml/2006/main" showMasterSp="0" showMasterPhAnim="0">
+  <p:cSld>
+    <p:spTree>
+      <p:nvGrpSpPr>
         <p:cNvPr id="1" name="Shape 74"/>
         <p:cNvGrpSpPr/>
         <p:nvPr/>
@@ -2262,12 +2499,12 @@
 </p:notes>
 </file>
 
-<file path=ppt/notesSlides/notesSlide17.xml><?xml version="1.0" encoding="utf-8"?>
+<file path=ppt/notesSlides/notesSlide18.xml><?xml version="1.0" encoding="utf-8"?>
 <p:notes xmlns:a="http://schemas.openxmlformats.org/drawingml/2006/main" xmlns:r="http://schemas.openxmlformats.org/officeDocument/2006/relationships" xmlns:p="http://schemas.openxmlformats.org/presentationml/2006/main" showMasterSp="0" showMasterPhAnim="0">
   <p:cSld>
     <p:spTree>
       <p:nvGrpSpPr>
-        <p:cNvPr id="1" name="Shape 80"/>
+        <p:cNvPr id="1" name="Shape 74"/>
         <p:cNvGrpSpPr/>
         <p:nvPr/>
       </p:nvGrpSpPr>
@@ -2281,7 +2518,7 @@
       </p:grpSpPr>
       <p:sp>
         <p:nvSpPr>
-          <p:cNvPr id="81" name="Google Shape;81;gac10fef634_0_25:notes"/>
+          <p:cNvPr id="75" name="Google Shape;75;gac10fef634_0_20:notes"/>
           <p:cNvSpPr>
             <a:spLocks noGrp="1" noRot="1" noChangeAspect="1"/>
           </p:cNvSpPr>
@@ -2322,7 +2559,7 @@
       </p:sp>
       <p:sp>
         <p:nvSpPr>
-          <p:cNvPr id="82" name="Google Shape;82;gac10fef634_0_25:notes"/>
+          <p:cNvPr id="76" name="Google Shape;76;gac10fef634_0_20:notes"/>
           <p:cNvSpPr txBox="1">
             <a:spLocks noGrp="1"/>
           </p:cNvSpPr>
@@ -2352,27 +2589,6 @@
               <a:spcAft>
                 <a:spcPts val="0"/>
               </a:spcAft>
-              <a:buClr>
-                <a:schemeClr val="dk1"/>
-              </a:buClr>
-              <a:buSzPts val="1100"/>
-              <a:buFont typeface="Arial"/>
-              <a:buNone/>
-            </a:pPr>
-            <a:r>
-              <a:rPr lang="en"/>
-              <a:t>Your version control evidence should go here.  This could be in the form of annotated screenshots which show you you managed this process or you could make a brief screencast explaining how you implemented version control.</a:t>
-            </a:r>
-            <a:endParaRPr/>
-          </a:p>
-          <a:p>
-            <a:pPr marL="0" lvl="0" indent="0" algn="l" rtl="0">
-              <a:spcBef>
-                <a:spcPts val="0"/>
-              </a:spcBef>
-              <a:spcAft>
-                <a:spcPts val="0"/>
-              </a:spcAft>
               <a:buNone/>
             </a:pPr>
             <a:endParaRPr/>
@@ -2380,6 +2596,11 @@
         </p:txBody>
       </p:sp>
     </p:spTree>
+    <p:extLst>
+      <p:ext uri="{BB962C8B-B14F-4D97-AF65-F5344CB8AC3E}">
+        <p14:creationId xmlns:p14="http://schemas.microsoft.com/office/powerpoint/2010/main" val="3055020734"/>
+      </p:ext>
+    </p:extLst>
   </p:cSld>
   <p:clrMapOvr>
     <a:masterClrMapping/>
@@ -2387,12 +2608,12 @@
 </p:notes>
 </file>
 
-<file path=ppt/notesSlides/notesSlide18.xml><?xml version="1.0" encoding="utf-8"?>
+<file path=ppt/notesSlides/notesSlide19.xml><?xml version="1.0" encoding="utf-8"?>
 <p:notes xmlns:a="http://schemas.openxmlformats.org/drawingml/2006/main" xmlns:r="http://schemas.openxmlformats.org/officeDocument/2006/relationships" xmlns:p="http://schemas.openxmlformats.org/presentationml/2006/main" showMasterSp="0" showMasterPhAnim="0">
   <p:cSld>
     <p:spTree>
       <p:nvGrpSpPr>
-        <p:cNvPr id="1" name="Shape 86"/>
+        <p:cNvPr id="1" name="Shape 74"/>
         <p:cNvGrpSpPr/>
         <p:nvPr/>
       </p:nvGrpSpPr>
@@ -2406,7 +2627,7 @@
       </p:grpSpPr>
       <p:sp>
         <p:nvSpPr>
-          <p:cNvPr id="87" name="Google Shape;87;gac10fef634_0_30:notes"/>
+          <p:cNvPr id="75" name="Google Shape;75;gac10fef634_0_20:notes"/>
           <p:cNvSpPr>
             <a:spLocks noGrp="1" noRot="1" noChangeAspect="1"/>
           </p:cNvSpPr>
@@ -2447,7 +2668,7 @@
       </p:sp>
       <p:sp>
         <p:nvSpPr>
-          <p:cNvPr id="88" name="Google Shape;88;gac10fef634_0_30:notes"/>
+          <p:cNvPr id="76" name="Google Shape;76;gac10fef634_0_20:notes"/>
           <p:cNvSpPr txBox="1">
             <a:spLocks noGrp="1"/>
           </p:cNvSpPr>
@@ -2479,15 +2700,16 @@
               </a:spcAft>
               <a:buNone/>
             </a:pPr>
-            <a:r>
-              <a:rPr lang="en"/>
-              <a:t>Discusses how the information from planning, testing and trialling of components assisted in the development of a high-quality outcome</a:t>
-            </a:r>
             <a:endParaRPr/>
           </a:p>
         </p:txBody>
       </p:sp>
     </p:spTree>
+    <p:extLst>
+      <p:ext uri="{BB962C8B-B14F-4D97-AF65-F5344CB8AC3E}">
+        <p14:creationId xmlns:p14="http://schemas.microsoft.com/office/powerpoint/2010/main" val="2649262329"/>
+      </p:ext>
+    </p:extLst>
   </p:cSld>
   <p:clrMapOvr>
     <a:masterClrMapping/>
@@ -2590,6 +2812,348 @@
             <a:r>
               <a:rPr lang="en"/>
               <a:t>Explain the relevant implications here.  Then as you work, develop your code, discuss how the implications are being met.</a:t>
+            </a:r>
+            <a:endParaRPr/>
+          </a:p>
+        </p:txBody>
+      </p:sp>
+    </p:spTree>
+  </p:cSld>
+  <p:clrMapOvr>
+    <a:masterClrMapping/>
+  </p:clrMapOvr>
+</p:notes>
+</file>
+
+<file path=ppt/notesSlides/notesSlide20.xml><?xml version="1.0" encoding="utf-8"?>
+<p:notes xmlns:a="http://schemas.openxmlformats.org/drawingml/2006/main" xmlns:r="http://schemas.openxmlformats.org/officeDocument/2006/relationships" xmlns:p="http://schemas.openxmlformats.org/presentationml/2006/main" showMasterSp="0" showMasterPhAnim="0">
+  <p:cSld>
+    <p:spTree>
+      <p:nvGrpSpPr>
+        <p:cNvPr id="1" name="Shape 74"/>
+        <p:cNvGrpSpPr/>
+        <p:nvPr/>
+      </p:nvGrpSpPr>
+      <p:grpSpPr>
+        <a:xfrm>
+          <a:off x="0" y="0"/>
+          <a:ext cx="0" cy="0"/>
+          <a:chOff x="0" y="0"/>
+          <a:chExt cx="0" cy="0"/>
+        </a:xfrm>
+      </p:grpSpPr>
+      <p:sp>
+        <p:nvSpPr>
+          <p:cNvPr id="75" name="Google Shape;75;gac10fef634_0_20:notes"/>
+          <p:cNvSpPr>
+            <a:spLocks noGrp="1" noRot="1" noChangeAspect="1"/>
+          </p:cNvSpPr>
+          <p:nvPr>
+            <p:ph type="sldImg" idx="2"/>
+          </p:nvPr>
+        </p:nvSpPr>
+        <p:spPr>
+          <a:xfrm>
+            <a:off x="381000" y="685800"/>
+            <a:ext cx="6096000" cy="3429000"/>
+          </a:xfrm>
+          <a:custGeom>
+            <a:avLst/>
+            <a:gdLst/>
+            <a:ahLst/>
+            <a:cxnLst/>
+            <a:rect l="l" t="t" r="r" b="b"/>
+            <a:pathLst>
+              <a:path w="120000" h="120000" extrusionOk="0">
+                <a:moveTo>
+                  <a:pt x="0" y="0"/>
+                </a:moveTo>
+                <a:lnTo>
+                  <a:pt x="120000" y="0"/>
+                </a:lnTo>
+                <a:lnTo>
+                  <a:pt x="120000" y="120000"/>
+                </a:lnTo>
+                <a:lnTo>
+                  <a:pt x="0" y="120000"/>
+                </a:lnTo>
+                <a:close/>
+              </a:path>
+            </a:pathLst>
+          </a:custGeom>
+        </p:spPr>
+      </p:sp>
+      <p:sp>
+        <p:nvSpPr>
+          <p:cNvPr id="76" name="Google Shape;76;gac10fef634_0_20:notes"/>
+          <p:cNvSpPr txBox="1">
+            <a:spLocks noGrp="1"/>
+          </p:cNvSpPr>
+          <p:nvPr>
+            <p:ph type="body" idx="1"/>
+          </p:nvPr>
+        </p:nvSpPr>
+        <p:spPr>
+          <a:xfrm>
+            <a:off x="685800" y="4343400"/>
+            <a:ext cx="5486400" cy="4114800"/>
+          </a:xfrm>
+          <a:prstGeom prst="rect">
+            <a:avLst/>
+          </a:prstGeom>
+        </p:spPr>
+        <p:txBody>
+          <a:bodyPr spcFirstLastPara="1" wrap="square" lIns="91425" tIns="91425" rIns="91425" bIns="91425" anchor="t" anchorCtr="0">
+            <a:noAutofit/>
+          </a:bodyPr>
+          <a:lstStyle/>
+          <a:p>
+            <a:pPr marL="0" lvl="0" indent="0" algn="l" rtl="0">
+              <a:spcBef>
+                <a:spcPts val="0"/>
+              </a:spcBef>
+              <a:spcAft>
+                <a:spcPts val="0"/>
+              </a:spcAft>
+              <a:buNone/>
+            </a:pPr>
+            <a:endParaRPr/>
+          </a:p>
+        </p:txBody>
+      </p:sp>
+    </p:spTree>
+    <p:extLst>
+      <p:ext uri="{BB962C8B-B14F-4D97-AF65-F5344CB8AC3E}">
+        <p14:creationId xmlns:p14="http://schemas.microsoft.com/office/powerpoint/2010/main" val="3159739832"/>
+      </p:ext>
+    </p:extLst>
+  </p:cSld>
+  <p:clrMapOvr>
+    <a:masterClrMapping/>
+  </p:clrMapOvr>
+</p:notes>
+</file>
+
+<file path=ppt/notesSlides/notesSlide21.xml><?xml version="1.0" encoding="utf-8"?>
+<p:notes xmlns:a="http://schemas.openxmlformats.org/drawingml/2006/main" xmlns:r="http://schemas.openxmlformats.org/officeDocument/2006/relationships" xmlns:p="http://schemas.openxmlformats.org/presentationml/2006/main" showMasterSp="0" showMasterPhAnim="0">
+  <p:cSld>
+    <p:spTree>
+      <p:nvGrpSpPr>
+        <p:cNvPr id="1" name="Shape 80"/>
+        <p:cNvGrpSpPr/>
+        <p:nvPr/>
+      </p:nvGrpSpPr>
+      <p:grpSpPr>
+        <a:xfrm>
+          <a:off x="0" y="0"/>
+          <a:ext cx="0" cy="0"/>
+          <a:chOff x="0" y="0"/>
+          <a:chExt cx="0" cy="0"/>
+        </a:xfrm>
+      </p:grpSpPr>
+      <p:sp>
+        <p:nvSpPr>
+          <p:cNvPr id="81" name="Google Shape;81;gac10fef634_0_25:notes"/>
+          <p:cNvSpPr>
+            <a:spLocks noGrp="1" noRot="1" noChangeAspect="1"/>
+          </p:cNvSpPr>
+          <p:nvPr>
+            <p:ph type="sldImg" idx="2"/>
+          </p:nvPr>
+        </p:nvSpPr>
+        <p:spPr>
+          <a:xfrm>
+            <a:off x="381000" y="685800"/>
+            <a:ext cx="6096000" cy="3429000"/>
+          </a:xfrm>
+          <a:custGeom>
+            <a:avLst/>
+            <a:gdLst/>
+            <a:ahLst/>
+            <a:cxnLst/>
+            <a:rect l="l" t="t" r="r" b="b"/>
+            <a:pathLst>
+              <a:path w="120000" h="120000" extrusionOk="0">
+                <a:moveTo>
+                  <a:pt x="0" y="0"/>
+                </a:moveTo>
+                <a:lnTo>
+                  <a:pt x="120000" y="0"/>
+                </a:lnTo>
+                <a:lnTo>
+                  <a:pt x="120000" y="120000"/>
+                </a:lnTo>
+                <a:lnTo>
+                  <a:pt x="0" y="120000"/>
+                </a:lnTo>
+                <a:close/>
+              </a:path>
+            </a:pathLst>
+          </a:custGeom>
+        </p:spPr>
+      </p:sp>
+      <p:sp>
+        <p:nvSpPr>
+          <p:cNvPr id="82" name="Google Shape;82;gac10fef634_0_25:notes"/>
+          <p:cNvSpPr txBox="1">
+            <a:spLocks noGrp="1"/>
+          </p:cNvSpPr>
+          <p:nvPr>
+            <p:ph type="body" idx="1"/>
+          </p:nvPr>
+        </p:nvSpPr>
+        <p:spPr>
+          <a:xfrm>
+            <a:off x="685800" y="4343400"/>
+            <a:ext cx="5486400" cy="4114800"/>
+          </a:xfrm>
+          <a:prstGeom prst="rect">
+            <a:avLst/>
+          </a:prstGeom>
+        </p:spPr>
+        <p:txBody>
+          <a:bodyPr spcFirstLastPara="1" wrap="square" lIns="91425" tIns="91425" rIns="91425" bIns="91425" anchor="t" anchorCtr="0">
+            <a:noAutofit/>
+          </a:bodyPr>
+          <a:lstStyle/>
+          <a:p>
+            <a:pPr marL="0" lvl="0" indent="0" algn="l" rtl="0">
+              <a:spcBef>
+                <a:spcPts val="0"/>
+              </a:spcBef>
+              <a:spcAft>
+                <a:spcPts val="0"/>
+              </a:spcAft>
+              <a:buClr>
+                <a:schemeClr val="dk1"/>
+              </a:buClr>
+              <a:buSzPts val="1100"/>
+              <a:buFont typeface="Arial"/>
+              <a:buNone/>
+            </a:pPr>
+            <a:r>
+              <a:rPr lang="en"/>
+              <a:t>Your version control evidence should go here.  This could be in the form of annotated screenshots which show you you managed this process or you could make a brief screencast explaining how you implemented version control.</a:t>
+            </a:r>
+            <a:endParaRPr/>
+          </a:p>
+          <a:p>
+            <a:pPr marL="0" lvl="0" indent="0" algn="l" rtl="0">
+              <a:spcBef>
+                <a:spcPts val="0"/>
+              </a:spcBef>
+              <a:spcAft>
+                <a:spcPts val="0"/>
+              </a:spcAft>
+              <a:buNone/>
+            </a:pPr>
+            <a:endParaRPr/>
+          </a:p>
+        </p:txBody>
+      </p:sp>
+    </p:spTree>
+  </p:cSld>
+  <p:clrMapOvr>
+    <a:masterClrMapping/>
+  </p:clrMapOvr>
+</p:notes>
+</file>
+
+<file path=ppt/notesSlides/notesSlide22.xml><?xml version="1.0" encoding="utf-8"?>
+<p:notes xmlns:a="http://schemas.openxmlformats.org/drawingml/2006/main" xmlns:r="http://schemas.openxmlformats.org/officeDocument/2006/relationships" xmlns:p="http://schemas.openxmlformats.org/presentationml/2006/main" showMasterSp="0" showMasterPhAnim="0">
+  <p:cSld>
+    <p:spTree>
+      <p:nvGrpSpPr>
+        <p:cNvPr id="1" name="Shape 86"/>
+        <p:cNvGrpSpPr/>
+        <p:nvPr/>
+      </p:nvGrpSpPr>
+      <p:grpSpPr>
+        <a:xfrm>
+          <a:off x="0" y="0"/>
+          <a:ext cx="0" cy="0"/>
+          <a:chOff x="0" y="0"/>
+          <a:chExt cx="0" cy="0"/>
+        </a:xfrm>
+      </p:grpSpPr>
+      <p:sp>
+        <p:nvSpPr>
+          <p:cNvPr id="87" name="Google Shape;87;gac10fef634_0_30:notes"/>
+          <p:cNvSpPr>
+            <a:spLocks noGrp="1" noRot="1" noChangeAspect="1"/>
+          </p:cNvSpPr>
+          <p:nvPr>
+            <p:ph type="sldImg" idx="2"/>
+          </p:nvPr>
+        </p:nvSpPr>
+        <p:spPr>
+          <a:xfrm>
+            <a:off x="381000" y="685800"/>
+            <a:ext cx="6096000" cy="3429000"/>
+          </a:xfrm>
+          <a:custGeom>
+            <a:avLst/>
+            <a:gdLst/>
+            <a:ahLst/>
+            <a:cxnLst/>
+            <a:rect l="l" t="t" r="r" b="b"/>
+            <a:pathLst>
+              <a:path w="120000" h="120000" extrusionOk="0">
+                <a:moveTo>
+                  <a:pt x="0" y="0"/>
+                </a:moveTo>
+                <a:lnTo>
+                  <a:pt x="120000" y="0"/>
+                </a:lnTo>
+                <a:lnTo>
+                  <a:pt x="120000" y="120000"/>
+                </a:lnTo>
+                <a:lnTo>
+                  <a:pt x="0" y="120000"/>
+                </a:lnTo>
+                <a:close/>
+              </a:path>
+            </a:pathLst>
+          </a:custGeom>
+        </p:spPr>
+      </p:sp>
+      <p:sp>
+        <p:nvSpPr>
+          <p:cNvPr id="88" name="Google Shape;88;gac10fef634_0_30:notes"/>
+          <p:cNvSpPr txBox="1">
+            <a:spLocks noGrp="1"/>
+          </p:cNvSpPr>
+          <p:nvPr>
+            <p:ph type="body" idx="1"/>
+          </p:nvPr>
+        </p:nvSpPr>
+        <p:spPr>
+          <a:xfrm>
+            <a:off x="685800" y="4343400"/>
+            <a:ext cx="5486400" cy="4114800"/>
+          </a:xfrm>
+          <a:prstGeom prst="rect">
+            <a:avLst/>
+          </a:prstGeom>
+        </p:spPr>
+        <p:txBody>
+          <a:bodyPr spcFirstLastPara="1" wrap="square" lIns="91425" tIns="91425" rIns="91425" bIns="91425" anchor="t" anchorCtr="0">
+            <a:noAutofit/>
+          </a:bodyPr>
+          <a:lstStyle/>
+          <a:p>
+            <a:pPr marL="0" lvl="0" indent="0" algn="l" rtl="0">
+              <a:spcBef>
+                <a:spcPts val="0"/>
+              </a:spcBef>
+              <a:spcAft>
+                <a:spcPts val="0"/>
+              </a:spcAft>
+              <a:buNone/>
+            </a:pPr>
+            <a:r>
+              <a:rPr lang="en"/>
+              <a:t>Discusses how the information from planning, testing and trialling of components assisted in the development of a high-quality outcome</a:t>
             </a:r>
             <a:endParaRPr/>
           </a:p>
@@ -10186,7 +10750,7 @@
           <p:nvPr>
             <p:extLst>
               <p:ext uri="{D42A27DB-BD31-4B8C-83A1-F6EECF244321}">
-                <p14:modId xmlns:p14="http://schemas.microsoft.com/office/powerpoint/2010/main" val="882775034"/>
+                <p14:modId xmlns:p14="http://schemas.microsoft.com/office/powerpoint/2010/main" val="56653778"/>
               </p:ext>
             </p:extLst>
           </p:nvPr>
@@ -10261,10 +10825,10 @@
                         <a:buNone/>
                       </a:pPr>
                       <a:r>
-                        <a:rPr lang="en" sz="1800" b="1"/>
+                        <a:rPr lang="en" sz="1800" b="1" dirty="0"/>
                         <a:t>Expected Values</a:t>
                       </a:r>
-                      <a:endParaRPr sz="1800" b="1"/>
+                      <a:endParaRPr sz="1800" b="1" dirty="0"/>
                     </a:p>
                   </a:txBody>
                   <a:tcPr marL="91425" marR="91425" marT="91425" marB="91425">
@@ -10310,6 +10874,28 @@
                       </a:r>
                     </a:p>
                     <a:p>
+                      <a:pPr marL="0" marR="0" lvl="0" indent="0" algn="l" defTabSz="914400" rtl="0" eaLnBrk="1" fontAlgn="auto" latinLnBrk="0" hangingPunct="1">
+                        <a:lnSpc>
+                          <a:spcPct val="100000"/>
+                        </a:lnSpc>
+                        <a:spcBef>
+                          <a:spcPts val="0"/>
+                        </a:spcBef>
+                        <a:spcAft>
+                          <a:spcPts val="0"/>
+                        </a:spcAft>
+                        <a:buClr>
+                          <a:srgbClr val="000000"/>
+                        </a:buClr>
+                        <a:buSzTx/>
+                        <a:buFont typeface="Arial"/>
+                        <a:buNone/>
+                        <a:tabLst/>
+                        <a:defRPr/>
+                      </a:pPr>
+                      <a:endParaRPr lang="en-US" sz="1800" dirty="0"/>
+                    </a:p>
+                    <a:p>
                       <a:pPr marL="0" lvl="0" indent="0" algn="l" rtl="0">
                         <a:spcBef>
                           <a:spcPts val="0"/>
@@ -10323,6 +10909,18 @@
                         <a:rPr lang="en-US" sz="1800" dirty="0"/>
                         <a:t>Input number</a:t>
                       </a:r>
+                    </a:p>
+                    <a:p>
+                      <a:pPr marL="0" lvl="0" indent="0" algn="l" rtl="0">
+                        <a:spcBef>
+                          <a:spcPts val="0"/>
+                        </a:spcBef>
+                        <a:spcAft>
+                          <a:spcPts val="0"/>
+                        </a:spcAft>
+                        <a:buNone/>
+                      </a:pPr>
+                      <a:endParaRPr lang="en-US" sz="1800" dirty="0"/>
                     </a:p>
                     <a:p>
                       <a:pPr marL="0" lvl="0" indent="0" algn="l" rtl="0">
@@ -10399,11 +10997,7 @@
                       </a:pPr>
                       <a:r>
                         <a:rPr lang="en-US" sz="1800" dirty="0"/>
-                        <a:t>Accepted blank and printed </a:t>
-                      </a:r>
-                      <a:r>
-                        <a:rPr lang="en-US" sz="1800"/>
-                        <a:t>blank input</a:t>
+                        <a:t>Accepted blank and printed blank input</a:t>
                       </a:r>
                       <a:endParaRPr sz="1800" dirty="0"/>
                     </a:p>
@@ -10556,6 +11150,116 @@
 <file path=ppt/slides/slide16.xml><?xml version="1.0" encoding="utf-8"?>
 <p:sld xmlns:a="http://schemas.openxmlformats.org/drawingml/2006/main" xmlns:r="http://schemas.openxmlformats.org/officeDocument/2006/relationships" xmlns:p="http://schemas.openxmlformats.org/presentationml/2006/main">
   <p:cSld>
+    <p:bg>
+      <p:bgPr>
+        <a:solidFill>
+          <a:srgbClr val="D9EAD3"/>
+        </a:solidFill>
+        <a:effectLst/>
+      </p:bgPr>
+    </p:bg>
+    <p:spTree>
+      <p:nvGrpSpPr>
+        <p:cNvPr id="1" name="Shape 72"/>
+        <p:cNvGrpSpPr/>
+        <p:nvPr/>
+      </p:nvGrpSpPr>
+      <p:grpSpPr>
+        <a:xfrm>
+          <a:off x="0" y="0"/>
+          <a:ext cx="0" cy="0"/>
+          <a:chOff x="0" y="0"/>
+          <a:chExt cx="0" cy="0"/>
+        </a:xfrm>
+      </p:grpSpPr>
+      <p:sp>
+        <p:nvSpPr>
+          <p:cNvPr id="73" name="Google Shape;73;p16"/>
+          <p:cNvSpPr txBox="1">
+            <a:spLocks noGrp="1"/>
+          </p:cNvSpPr>
+          <p:nvPr>
+            <p:ph type="title"/>
+          </p:nvPr>
+        </p:nvSpPr>
+        <p:spPr>
+          <a:xfrm>
+            <a:off x="311700" y="445025"/>
+            <a:ext cx="8520600" cy="572700"/>
+          </a:xfrm>
+          <a:prstGeom prst="rect">
+            <a:avLst/>
+          </a:prstGeom>
+        </p:spPr>
+        <p:txBody>
+          <a:bodyPr spcFirstLastPara="1" wrap="square" lIns="91425" tIns="91425" rIns="91425" bIns="91425" anchor="t" anchorCtr="0">
+            <a:noAutofit/>
+          </a:bodyPr>
+          <a:lstStyle/>
+          <a:p>
+            <a:pPr marL="0" lvl="0" indent="0" algn="l" rtl="0">
+              <a:spcBef>
+                <a:spcPts val="0"/>
+              </a:spcBef>
+              <a:spcAft>
+                <a:spcPts val="0"/>
+              </a:spcAft>
+              <a:buNone/>
+            </a:pPr>
+            <a:r>
+              <a:rPr lang="en" dirty="0"/>
+              <a:t>Component 3 (Trello screenshot)</a:t>
+            </a:r>
+            <a:endParaRPr dirty="0"/>
+          </a:p>
+        </p:txBody>
+      </p:sp>
+      <p:pic>
+        <p:nvPicPr>
+          <p:cNvPr id="2" name="Picture 1">
+            <a:extLst>
+              <a:ext uri="{FF2B5EF4-FFF2-40B4-BE49-F238E27FC236}">
+                <a16:creationId xmlns:a16="http://schemas.microsoft.com/office/drawing/2014/main" id="{A8968B27-642E-E807-4206-8F53D340D365}"/>
+              </a:ext>
+            </a:extLst>
+          </p:cNvPr>
+          <p:cNvPicPr>
+            <a:picLocks noChangeAspect="1"/>
+          </p:cNvPicPr>
+          <p:nvPr/>
+        </p:nvPicPr>
+        <p:blipFill>
+          <a:blip r:embed="rId3"/>
+          <a:stretch>
+            <a:fillRect/>
+          </a:stretch>
+        </p:blipFill>
+        <p:spPr>
+          <a:xfrm>
+            <a:off x="685800" y="1544303"/>
+            <a:ext cx="7772400" cy="2404752"/>
+          </a:xfrm>
+          <a:prstGeom prst="rect">
+            <a:avLst/>
+          </a:prstGeom>
+        </p:spPr>
+      </p:pic>
+    </p:spTree>
+    <p:extLst>
+      <p:ext uri="{BB962C8B-B14F-4D97-AF65-F5344CB8AC3E}">
+        <p14:creationId xmlns:p14="http://schemas.microsoft.com/office/powerpoint/2010/main" val="541863311"/>
+      </p:ext>
+    </p:extLst>
+  </p:cSld>
+  <p:clrMapOvr>
+    <a:masterClrMapping/>
+  </p:clrMapOvr>
+</p:sld>
+</file>
+
+<file path=ppt/slides/slide17.xml><?xml version="1.0" encoding="utf-8"?>
+<p:sld xmlns:a="http://schemas.openxmlformats.org/drawingml/2006/main" xmlns:r="http://schemas.openxmlformats.org/officeDocument/2006/relationships" xmlns:p="http://schemas.openxmlformats.org/presentationml/2006/main">
+  <p:cSld>
     <p:spTree>
       <p:nvGrpSpPr>
         <p:cNvPr id="1" name="Shape 77"/>
@@ -10616,10 +11320,411 @@
         <p:nvGraphicFramePr>
           <p:cNvPr id="79" name="Google Shape;79;p17"/>
           <p:cNvGraphicFramePr/>
+          <p:nvPr>
+            <p:extLst>
+              <p:ext uri="{D42A27DB-BD31-4B8C-83A1-F6EECF244321}">
+                <p14:modId xmlns:p14="http://schemas.microsoft.com/office/powerpoint/2010/main" val="1673226522"/>
+              </p:ext>
+            </p:extLst>
+          </p:nvPr>
+        </p:nvGraphicFramePr>
+        <p:xfrm>
+          <a:off x="311700" y="3008468"/>
+          <a:ext cx="8520600" cy="2021909"/>
+        </p:xfrm>
+        <a:graphic>
+          <a:graphicData uri="http://schemas.openxmlformats.org/drawingml/2006/table">
+            <a:tbl>
+              <a:tblPr>
+                <a:noFill/>
+                <a:tableStyleId>{E1099E06-0E6B-448D-9D27-60429F06E6F4}</a:tableStyleId>
+              </a:tblPr>
+              <a:tblGrid>
+                <a:gridCol w="2709796">
+                  <a:extLst>
+                    <a:ext uri="{9D8B030D-6E8A-4147-A177-3AD203B41FA5}">
+                      <a16:colId xmlns:a16="http://schemas.microsoft.com/office/drawing/2014/main" val="20000"/>
+                    </a:ext>
+                  </a:extLst>
+                </a:gridCol>
+                <a:gridCol w="5810804">
+                  <a:extLst>
+                    <a:ext uri="{9D8B030D-6E8A-4147-A177-3AD203B41FA5}">
+                      <a16:colId xmlns:a16="http://schemas.microsoft.com/office/drawing/2014/main" val="20001"/>
+                    </a:ext>
+                  </a:extLst>
+                </a:gridCol>
+              </a:tblGrid>
+              <a:tr h="420213">
+                <a:tc>
+                  <a:txBody>
+                    <a:bodyPr/>
+                    <a:lstStyle/>
+                    <a:p>
+                      <a:pPr marL="0" lvl="0" indent="0" algn="l" rtl="0">
+                        <a:spcBef>
+                          <a:spcPts val="0"/>
+                        </a:spcBef>
+                        <a:spcAft>
+                          <a:spcPts val="0"/>
+                        </a:spcAft>
+                        <a:buNone/>
+                      </a:pPr>
+                      <a:r>
+                        <a:rPr lang="en" sz="1800" b="1" dirty="0"/>
+                        <a:t>Test Case</a:t>
+                      </a:r>
+                      <a:endParaRPr sz="1800" b="1" dirty="0"/>
+                    </a:p>
+                  </a:txBody>
+                  <a:tcPr marL="91425" marR="91425" marT="91425" marB="91425">
+                    <a:solidFill>
+                      <a:srgbClr val="CCCCCC"/>
+                    </a:solidFill>
+                  </a:tcPr>
+                </a:tc>
+                <a:tc>
+                  <a:txBody>
+                    <a:bodyPr/>
+                    <a:lstStyle/>
+                    <a:p>
+                      <a:pPr marL="0" lvl="0" indent="0" algn="l" rtl="0">
+                        <a:spcBef>
+                          <a:spcPts val="0"/>
+                        </a:spcBef>
+                        <a:spcAft>
+                          <a:spcPts val="0"/>
+                        </a:spcAft>
+                        <a:buNone/>
+                      </a:pPr>
+                      <a:r>
+                        <a:rPr lang="en" sz="1800" b="1" dirty="0"/>
+                        <a:t>Expected Values</a:t>
+                      </a:r>
+                      <a:endParaRPr sz="1800" b="1" dirty="0"/>
+                    </a:p>
+                  </a:txBody>
+                  <a:tcPr marL="91425" marR="91425" marT="91425" marB="91425">
+                    <a:solidFill>
+                      <a:srgbClr val="CCCCCC"/>
+                    </a:solidFill>
+                  </a:tcPr>
+                </a:tc>
+                <a:extLst>
+                  <a:ext uri="{0D108BD9-81ED-4DB2-BD59-A6C34878D82A}">
+                    <a16:rowId xmlns:a16="http://schemas.microsoft.com/office/drawing/2014/main" val="10000"/>
+                  </a:ext>
+                </a:extLst>
+              </a:tr>
+              <a:tr h="1564739">
+                <a:tc>
+                  <a:txBody>
+                    <a:bodyPr/>
+                    <a:lstStyle/>
+                    <a:p>
+                      <a:pPr marL="0" marR="0" lvl="0" indent="0" algn="l" defTabSz="914400" rtl="0" eaLnBrk="1" fontAlgn="auto" latinLnBrk="0" hangingPunct="1">
+                        <a:lnSpc>
+                          <a:spcPct val="100000"/>
+                        </a:lnSpc>
+                        <a:spcBef>
+                          <a:spcPts val="0"/>
+                        </a:spcBef>
+                        <a:spcAft>
+                          <a:spcPts val="0"/>
+                        </a:spcAft>
+                        <a:buClr>
+                          <a:srgbClr val="000000"/>
+                        </a:buClr>
+                        <a:buSzTx/>
+                        <a:buFont typeface="Arial"/>
+                        <a:buNone/>
+                        <a:tabLst/>
+                        <a:defRPr/>
+                      </a:pPr>
+                      <a:r>
+                        <a:rPr lang="en-US" sz="1800" dirty="0"/>
+                        <a:t>Input name</a:t>
+                      </a:r>
+                    </a:p>
+                    <a:p>
+                      <a:pPr marL="0" marR="0" lvl="0" indent="0" algn="l" defTabSz="914400" rtl="0" eaLnBrk="1" fontAlgn="auto" latinLnBrk="0" hangingPunct="1">
+                        <a:lnSpc>
+                          <a:spcPct val="100000"/>
+                        </a:lnSpc>
+                        <a:spcBef>
+                          <a:spcPts val="0"/>
+                        </a:spcBef>
+                        <a:spcAft>
+                          <a:spcPts val="0"/>
+                        </a:spcAft>
+                        <a:buClr>
+                          <a:srgbClr val="000000"/>
+                        </a:buClr>
+                        <a:buSzTx/>
+                        <a:buFont typeface="Arial"/>
+                        <a:buNone/>
+                        <a:tabLst/>
+                        <a:defRPr/>
+                      </a:pPr>
+                      <a:endParaRPr lang="en-US" sz="1800" dirty="0"/>
+                    </a:p>
+                    <a:p>
+                      <a:pPr marL="0" lvl="0" indent="0" algn="l" rtl="0">
+                        <a:spcBef>
+                          <a:spcPts val="0"/>
+                        </a:spcBef>
+                        <a:spcAft>
+                          <a:spcPts val="0"/>
+                        </a:spcAft>
+                        <a:buNone/>
+                      </a:pPr>
+                      <a:r>
+                        <a:rPr lang="en-US" sz="1800" dirty="0"/>
+                        <a:t>Input number</a:t>
+                      </a:r>
+                    </a:p>
+                    <a:p>
+                      <a:pPr marL="0" lvl="0" indent="0" algn="l" rtl="0">
+                        <a:spcBef>
+                          <a:spcPts val="0"/>
+                        </a:spcBef>
+                        <a:spcAft>
+                          <a:spcPts val="0"/>
+                        </a:spcAft>
+                        <a:buNone/>
+                      </a:pPr>
+                      <a:endParaRPr lang="en-US" sz="1800" dirty="0"/>
+                    </a:p>
+                    <a:p>
+                      <a:pPr marL="0" lvl="0" indent="0" algn="l" rtl="0">
+                        <a:spcBef>
+                          <a:spcPts val="0"/>
+                        </a:spcBef>
+                        <a:spcAft>
+                          <a:spcPts val="0"/>
+                        </a:spcAft>
+                        <a:buNone/>
+                      </a:pPr>
+                      <a:r>
+                        <a:rPr lang="en-US" sz="1800" dirty="0"/>
+                        <a:t>Left input blank</a:t>
+                      </a:r>
+                    </a:p>
+                  </a:txBody>
+                  <a:tcPr marL="91425" marR="91425" marT="91425" marB="91425"/>
+                </a:tc>
+                <a:tc>
+                  <a:txBody>
+                    <a:bodyPr/>
+                    <a:lstStyle/>
+                    <a:p>
+                      <a:pPr marL="0" lvl="0" indent="0" algn="l" rtl="0">
+                        <a:spcBef>
+                          <a:spcPts val="0"/>
+                        </a:spcBef>
+                        <a:spcAft>
+                          <a:spcPts val="0"/>
+                        </a:spcAft>
+                        <a:buNone/>
+                      </a:pPr>
+                      <a:r>
+                        <a:rPr lang="en-US" sz="1800" dirty="0"/>
+                        <a:t>Name printed correctly, can input both integers and letters</a:t>
+                      </a:r>
+                    </a:p>
+                    <a:p>
+                      <a:pPr marL="0" marR="0" lvl="0" indent="0" algn="l" defTabSz="914400" rtl="0" eaLnBrk="1" fontAlgn="auto" latinLnBrk="0" hangingPunct="1">
+                        <a:lnSpc>
+                          <a:spcPct val="100000"/>
+                        </a:lnSpc>
+                        <a:spcBef>
+                          <a:spcPts val="0"/>
+                        </a:spcBef>
+                        <a:spcAft>
+                          <a:spcPts val="0"/>
+                        </a:spcAft>
+                        <a:buClr>
+                          <a:srgbClr val="000000"/>
+                        </a:buClr>
+                        <a:buSzTx/>
+                        <a:buFont typeface="Arial"/>
+                        <a:buNone/>
+                        <a:tabLst/>
+                        <a:defRPr/>
+                      </a:pPr>
+                      <a:r>
+                        <a:rPr lang="en-US" sz="1800" dirty="0"/>
+                        <a:t>Number printed correctly, can input both integers and letters</a:t>
+                      </a:r>
+                    </a:p>
+                    <a:p>
+                      <a:pPr marL="0" lvl="0" indent="0" algn="l" rtl="0">
+                        <a:spcBef>
+                          <a:spcPts val="0"/>
+                        </a:spcBef>
+                        <a:spcAft>
+                          <a:spcPts val="0"/>
+                        </a:spcAft>
+                        <a:buNone/>
+                      </a:pPr>
+                      <a:r>
+                        <a:rPr lang="en-US" sz="1800" dirty="0"/>
+                        <a:t>Prints error message and asks for input again</a:t>
+                      </a:r>
+                    </a:p>
+                  </a:txBody>
+                  <a:tcPr marL="91425" marR="91425" marT="91425" marB="91425"/>
+                </a:tc>
+                <a:extLst>
+                  <a:ext uri="{0D108BD9-81ED-4DB2-BD59-A6C34878D82A}">
+                    <a16:rowId xmlns:a16="http://schemas.microsoft.com/office/drawing/2014/main" val="10001"/>
+                  </a:ext>
+                </a:extLst>
+              </a:tr>
+            </a:tbl>
+          </a:graphicData>
+        </a:graphic>
+      </p:graphicFrame>
+      <p:pic>
+        <p:nvPicPr>
+          <p:cNvPr id="3" name="Picture 2">
+            <a:extLst>
+              <a:ext uri="{FF2B5EF4-FFF2-40B4-BE49-F238E27FC236}">
+                <a16:creationId xmlns:a16="http://schemas.microsoft.com/office/drawing/2014/main" id="{D2690DC6-F357-DEDC-99E9-849567D21E0C}"/>
+              </a:ext>
+            </a:extLst>
+          </p:cNvPr>
+          <p:cNvPicPr>
+            <a:picLocks noChangeAspect="1"/>
+          </p:cNvPicPr>
+          <p:nvPr/>
+        </p:nvPicPr>
+        <p:blipFill>
+          <a:blip r:embed="rId3"/>
+          <a:stretch>
+            <a:fillRect/>
+          </a:stretch>
+        </p:blipFill>
+        <p:spPr>
+          <a:xfrm>
+            <a:off x="605347" y="1166967"/>
+            <a:ext cx="1772332" cy="1727308"/>
+          </a:xfrm>
+          <a:prstGeom prst="rect">
+            <a:avLst/>
+          </a:prstGeom>
+        </p:spPr>
+      </p:pic>
+      <p:pic>
+        <p:nvPicPr>
+          <p:cNvPr id="4" name="Picture 3">
+            <a:extLst>
+              <a:ext uri="{FF2B5EF4-FFF2-40B4-BE49-F238E27FC236}">
+                <a16:creationId xmlns:a16="http://schemas.microsoft.com/office/drawing/2014/main" id="{BAF7DAD9-277F-CB27-AFFD-B3627B1A1D08}"/>
+              </a:ext>
+            </a:extLst>
+          </p:cNvPr>
+          <p:cNvPicPr>
+            <a:picLocks noChangeAspect="1"/>
+          </p:cNvPicPr>
+          <p:nvPr/>
+        </p:nvPicPr>
+        <p:blipFill>
+          <a:blip r:embed="rId4"/>
+          <a:stretch>
+            <a:fillRect/>
+          </a:stretch>
+        </p:blipFill>
+        <p:spPr>
+          <a:xfrm>
+            <a:off x="4572000" y="1166967"/>
+            <a:ext cx="3416300" cy="1841500"/>
+          </a:xfrm>
+          <a:prstGeom prst="rect">
+            <a:avLst/>
+          </a:prstGeom>
+        </p:spPr>
+      </p:pic>
+    </p:spTree>
+    <p:extLst>
+      <p:ext uri="{BB962C8B-B14F-4D97-AF65-F5344CB8AC3E}">
+        <p14:creationId xmlns:p14="http://schemas.microsoft.com/office/powerpoint/2010/main" val="344265545"/>
+      </p:ext>
+    </p:extLst>
+  </p:cSld>
+  <p:clrMapOvr>
+    <a:masterClrMapping/>
+  </p:clrMapOvr>
+</p:sld>
+</file>
+
+<file path=ppt/slides/slide18.xml><?xml version="1.0" encoding="utf-8"?>
+<p:sld xmlns:a="http://schemas.openxmlformats.org/drawingml/2006/main" xmlns:r="http://schemas.openxmlformats.org/officeDocument/2006/relationships" xmlns:p="http://schemas.openxmlformats.org/presentationml/2006/main">
+  <p:cSld>
+    <p:spTree>
+      <p:nvGrpSpPr>
+        <p:cNvPr id="1" name="Shape 77"/>
+        <p:cNvGrpSpPr/>
+        <p:nvPr/>
+      </p:nvGrpSpPr>
+      <p:grpSpPr>
+        <a:xfrm>
+          <a:off x="0" y="0"/>
+          <a:ext cx="0" cy="0"/>
+          <a:chOff x="0" y="0"/>
+          <a:chExt cx="0" cy="0"/>
+        </a:xfrm>
+      </p:grpSpPr>
+      <p:sp>
+        <p:nvSpPr>
+          <p:cNvPr id="78" name="Google Shape;78;p17"/>
+          <p:cNvSpPr txBox="1">
+            <a:spLocks noGrp="1"/>
+          </p:cNvSpPr>
+          <p:nvPr>
+            <p:ph type="title"/>
+          </p:nvPr>
+        </p:nvSpPr>
+        <p:spPr>
+          <a:xfrm>
+            <a:off x="311700" y="445025"/>
+            <a:ext cx="8520600" cy="572700"/>
+          </a:xfrm>
+          <a:prstGeom prst="rect">
+            <a:avLst/>
+          </a:prstGeom>
+        </p:spPr>
+        <p:txBody>
+          <a:bodyPr spcFirstLastPara="1" wrap="square" lIns="91425" tIns="91425" rIns="91425" bIns="91425" anchor="t" anchorCtr="0">
+            <a:noAutofit/>
+          </a:bodyPr>
+          <a:lstStyle/>
+          <a:p>
+            <a:pPr marL="0" lvl="0" indent="0" algn="l" rtl="0">
+              <a:spcBef>
+                <a:spcPts val="0"/>
+              </a:spcBef>
+              <a:spcAft>
+                <a:spcPts val="0"/>
+              </a:spcAft>
+              <a:buNone/>
+            </a:pPr>
+            <a:r>
+              <a:rPr lang="en" dirty="0"/>
+              <a:t>Component 3 v3 - Test Plan (and screenshot)</a:t>
+            </a:r>
+            <a:endParaRPr dirty="0"/>
+          </a:p>
+        </p:txBody>
+      </p:sp>
+      <p:graphicFrame>
+        <p:nvGraphicFramePr>
+          <p:cNvPr id="79" name="Google Shape;79;p17"/>
+          <p:cNvGraphicFramePr/>
           <p:nvPr/>
         </p:nvGraphicFramePr>
         <p:xfrm>
-          <a:off x="311700" y="2731623"/>
+          <a:off x="311700" y="3794967"/>
           <a:ext cx="8520600" cy="1188660"/>
         </p:xfrm>
         <a:graphic>
@@ -10688,10 +11793,10 @@
                         <a:buNone/>
                       </a:pPr>
                       <a:r>
-                        <a:rPr lang="en" sz="1800" b="1"/>
+                        <a:rPr lang="en" sz="1800" b="1" dirty="0"/>
                         <a:t>Expected Values</a:t>
                       </a:r>
-                      <a:endParaRPr sz="1800" b="1"/>
+                      <a:endParaRPr sz="1800" b="1" dirty="0"/>
                     </a:p>
                   </a:txBody>
                   <a:tcPr marL="91425" marR="91425" marT="91425" marB="91425">
@@ -10731,10 +11836,7 @@
                         <a:tabLst/>
                         <a:defRPr/>
                       </a:pPr>
-                      <a:r>
-                        <a:rPr lang="en-US" sz="1800" dirty="0"/>
-                        <a:t>Run program</a:t>
-                      </a:r>
+                      <a:endParaRPr lang="en-US" sz="1800" dirty="0"/>
                     </a:p>
                     <a:p>
                       <a:pPr marL="0" lvl="0" indent="0" algn="l" rtl="0">
@@ -10783,7 +11885,7 @@
     </p:spTree>
     <p:extLst>
       <p:ext uri="{BB962C8B-B14F-4D97-AF65-F5344CB8AC3E}">
-        <p14:creationId xmlns:p14="http://schemas.microsoft.com/office/powerpoint/2010/main" val="344265545"/>
+        <p14:creationId xmlns:p14="http://schemas.microsoft.com/office/powerpoint/2010/main" val="1418460649"/>
       </p:ext>
     </p:extLst>
   </p:cSld>
@@ -10793,20 +11895,12 @@
 </p:sld>
 </file>
 
-<file path=ppt/slides/slide17.xml><?xml version="1.0" encoding="utf-8"?>
+<file path=ppt/slides/slide19.xml><?xml version="1.0" encoding="utf-8"?>
 <p:sld xmlns:a="http://schemas.openxmlformats.org/drawingml/2006/main" xmlns:r="http://schemas.openxmlformats.org/officeDocument/2006/relationships" xmlns:p="http://schemas.openxmlformats.org/presentationml/2006/main">
   <p:cSld>
-    <p:bg>
-      <p:bgPr>
-        <a:solidFill>
-          <a:srgbClr val="D9EAD3"/>
-        </a:solidFill>
-        <a:effectLst/>
-      </p:bgPr>
-    </p:bg>
     <p:spTree>
       <p:nvGrpSpPr>
-        <p:cNvPr id="1" name="Shape 83"/>
+        <p:cNvPr id="1" name="Shape 77"/>
         <p:cNvGrpSpPr/>
         <p:nvPr/>
       </p:nvGrpSpPr>
@@ -10820,7 +11914,7 @@
       </p:grpSpPr>
       <p:sp>
         <p:nvSpPr>
-          <p:cNvPr id="84" name="Google Shape;84;p18"/>
+          <p:cNvPr id="78" name="Google Shape;78;p17"/>
           <p:cNvSpPr txBox="1">
             <a:spLocks noGrp="1"/>
           </p:cNvSpPr>
@@ -10853,135 +11947,184 @@
               <a:buNone/>
             </a:pPr>
             <a:r>
-              <a:rPr lang="en"/>
-              <a:t>Version Control Evidence</a:t>
+              <a:rPr lang="en" dirty="0"/>
+              <a:t>Component  v - Test Plan (and screenshot)</a:t>
             </a:r>
-            <a:endParaRPr/>
+            <a:endParaRPr dirty="0"/>
           </a:p>
         </p:txBody>
       </p:sp>
-      <p:sp>
-        <p:nvSpPr>
-          <p:cNvPr id="85" name="Google Shape;85;p18"/>
-          <p:cNvSpPr txBox="1">
-            <a:spLocks noGrp="1"/>
-          </p:cNvSpPr>
-          <p:nvPr>
-            <p:ph type="body" idx="1"/>
-          </p:nvPr>
-        </p:nvSpPr>
-        <p:spPr>
-          <a:xfrm>
-            <a:off x="311700" y="1152475"/>
-            <a:ext cx="8464200" cy="3739200"/>
-          </a:xfrm>
-          <a:prstGeom prst="rect">
-            <a:avLst/>
-          </a:prstGeom>
-        </p:spPr>
-        <p:txBody>
-          <a:bodyPr spcFirstLastPara="1" wrap="square" lIns="91425" tIns="91425" rIns="91425" bIns="91425" anchor="t" anchorCtr="0">
-            <a:noAutofit/>
-          </a:bodyPr>
-          <a:lstStyle/>
-          <a:p>
-            <a:pPr marL="0" lvl="0" indent="0" algn="l" rtl="0">
-              <a:spcBef>
-                <a:spcPts val="0"/>
-              </a:spcBef>
-              <a:spcAft>
-                <a:spcPts val="1600"/>
-              </a:spcAft>
-              <a:buNone/>
-            </a:pPr>
-            <a:r>
-              <a:rPr lang="en" i="1"/>
-              <a:t>Your version control evidence should go here.  This could be in the form of annotated screenshots which show you you managed this process or you could make a brief screencast explaining how you implemented version control.</a:t>
-            </a:r>
-            <a:endParaRPr i="1"/>
-          </a:p>
-        </p:txBody>
-      </p:sp>
+      <p:graphicFrame>
+        <p:nvGraphicFramePr>
+          <p:cNvPr id="79" name="Google Shape;79;p17"/>
+          <p:cNvGraphicFramePr/>
+          <p:nvPr/>
+        </p:nvGraphicFramePr>
+        <p:xfrm>
+          <a:off x="311700" y="3794967"/>
+          <a:ext cx="8520600" cy="1188660"/>
+        </p:xfrm>
+        <a:graphic>
+          <a:graphicData uri="http://schemas.openxmlformats.org/drawingml/2006/table">
+            <a:tbl>
+              <a:tblPr>
+                <a:noFill/>
+                <a:tableStyleId>{E1099E06-0E6B-448D-9D27-60429F06E6F4}</a:tableStyleId>
+              </a:tblPr>
+              <a:tblGrid>
+                <a:gridCol w="2709796">
+                  <a:extLst>
+                    <a:ext uri="{9D8B030D-6E8A-4147-A177-3AD203B41FA5}">
+                      <a16:colId xmlns:a16="http://schemas.microsoft.com/office/drawing/2014/main" val="20000"/>
+                    </a:ext>
+                  </a:extLst>
+                </a:gridCol>
+                <a:gridCol w="5810804">
+                  <a:extLst>
+                    <a:ext uri="{9D8B030D-6E8A-4147-A177-3AD203B41FA5}">
+                      <a16:colId xmlns:a16="http://schemas.microsoft.com/office/drawing/2014/main" val="20001"/>
+                    </a:ext>
+                  </a:extLst>
+                </a:gridCol>
+              </a:tblGrid>
+              <a:tr h="381000">
+                <a:tc>
+                  <a:txBody>
+                    <a:bodyPr/>
+                    <a:lstStyle/>
+                    <a:p>
+                      <a:pPr marL="0" lvl="0" indent="0" algn="l" rtl="0">
+                        <a:spcBef>
+                          <a:spcPts val="0"/>
+                        </a:spcBef>
+                        <a:spcAft>
+                          <a:spcPts val="0"/>
+                        </a:spcAft>
+                        <a:buNone/>
+                      </a:pPr>
+                      <a:r>
+                        <a:rPr lang="en" sz="1800" b="1" dirty="0"/>
+                        <a:t>Test Case</a:t>
+                      </a:r>
+                      <a:endParaRPr sz="1800" b="1" dirty="0"/>
+                    </a:p>
+                  </a:txBody>
+                  <a:tcPr marL="91425" marR="91425" marT="91425" marB="91425">
+                    <a:solidFill>
+                      <a:srgbClr val="CCCCCC"/>
+                    </a:solidFill>
+                  </a:tcPr>
+                </a:tc>
+                <a:tc>
+                  <a:txBody>
+                    <a:bodyPr/>
+                    <a:lstStyle/>
+                    <a:p>
+                      <a:pPr marL="0" lvl="0" indent="0" algn="l" rtl="0">
+                        <a:spcBef>
+                          <a:spcPts val="0"/>
+                        </a:spcBef>
+                        <a:spcAft>
+                          <a:spcPts val="0"/>
+                        </a:spcAft>
+                        <a:buNone/>
+                      </a:pPr>
+                      <a:r>
+                        <a:rPr lang="en" sz="1800" b="1" dirty="0"/>
+                        <a:t>Expected Values</a:t>
+                      </a:r>
+                      <a:endParaRPr sz="1800" b="1" dirty="0"/>
+                    </a:p>
+                  </a:txBody>
+                  <a:tcPr marL="91425" marR="91425" marT="91425" marB="91425">
+                    <a:solidFill>
+                      <a:srgbClr val="CCCCCC"/>
+                    </a:solidFill>
+                  </a:tcPr>
+                </a:tc>
+                <a:extLst>
+                  <a:ext uri="{0D108BD9-81ED-4DB2-BD59-A6C34878D82A}">
+                    <a16:rowId xmlns:a16="http://schemas.microsoft.com/office/drawing/2014/main" val="10000"/>
+                  </a:ext>
+                </a:extLst>
+              </a:tr>
+              <a:tr h="396200">
+                <a:tc>
+                  <a:txBody>
+                    <a:bodyPr/>
+                    <a:lstStyle/>
+                    <a:p>
+                      <a:pPr marL="0" marR="0" lvl="0" indent="0" algn="l" defTabSz="914400" rtl="0" eaLnBrk="1" fontAlgn="auto" latinLnBrk="0" hangingPunct="1">
+                        <a:lnSpc>
+                          <a:spcPct val="100000"/>
+                        </a:lnSpc>
+                        <a:spcBef>
+                          <a:spcPts val="0"/>
+                        </a:spcBef>
+                        <a:spcAft>
+                          <a:spcPts val="0"/>
+                        </a:spcAft>
+                        <a:buClr>
+                          <a:srgbClr val="000000"/>
+                        </a:buClr>
+                        <a:buSzTx/>
+                        <a:buFont typeface="Arial"/>
+                        <a:buNone/>
+                        <a:tabLst/>
+                        <a:defRPr/>
+                      </a:pPr>
+                      <a:endParaRPr lang="en-US" sz="1800" dirty="0"/>
+                    </a:p>
+                    <a:p>
+                      <a:pPr marL="0" lvl="0" indent="0" algn="l" rtl="0">
+                        <a:spcBef>
+                          <a:spcPts val="0"/>
+                        </a:spcBef>
+                        <a:spcAft>
+                          <a:spcPts val="0"/>
+                        </a:spcAft>
+                        <a:buNone/>
+                      </a:pPr>
+                      <a:endParaRPr sz="1800" dirty="0"/>
+                    </a:p>
+                  </a:txBody>
+                  <a:tcPr marL="91425" marR="91425" marT="91425" marB="91425"/>
+                </a:tc>
+                <a:tc>
+                  <a:txBody>
+                    <a:bodyPr/>
+                    <a:lstStyle/>
+                    <a:p>
+                      <a:pPr marL="0" lvl="0" indent="0" algn="l" rtl="0">
+                        <a:spcBef>
+                          <a:spcPts val="0"/>
+                        </a:spcBef>
+                        <a:spcAft>
+                          <a:spcPts val="0"/>
+                        </a:spcAft>
+                        <a:buNone/>
+                      </a:pPr>
+                      <a:endParaRPr sz="1800" dirty="0"/>
+                    </a:p>
+                  </a:txBody>
+                  <a:tcPr marL="91425" marR="91425" marT="91425" marB="91425"/>
+                </a:tc>
+                <a:extLst>
+                  <a:ext uri="{0D108BD9-81ED-4DB2-BD59-A6C34878D82A}">
+                    <a16:rowId xmlns:a16="http://schemas.microsoft.com/office/drawing/2014/main" val="10001"/>
+                  </a:ext>
+                </a:extLst>
+              </a:tr>
+            </a:tbl>
+          </a:graphicData>
+        </a:graphic>
+      </p:graphicFrame>
     </p:spTree>
-  </p:cSld>
-  <p:clrMapOvr>
-    <a:masterClrMapping/>
-  </p:clrMapOvr>
-</p:sld>
-</file>
-
-<file path=ppt/slides/slide18.xml><?xml version="1.0" encoding="utf-8"?>
-<p:sld xmlns:a="http://schemas.openxmlformats.org/drawingml/2006/main" xmlns:r="http://schemas.openxmlformats.org/officeDocument/2006/relationships" xmlns:p="http://schemas.openxmlformats.org/presentationml/2006/main">
-  <p:cSld>
-    <p:bg>
-      <p:bgPr>
-        <a:solidFill>
-          <a:srgbClr val="FFE599"/>
-        </a:solidFill>
-        <a:effectLst/>
-      </p:bgPr>
-    </p:bg>
-    <p:spTree>
-      <p:nvGrpSpPr>
-        <p:cNvPr id="1" name="Shape 89"/>
-        <p:cNvGrpSpPr/>
-        <p:nvPr/>
-      </p:nvGrpSpPr>
-      <p:grpSpPr>
-        <a:xfrm>
-          <a:off x="0" y="0"/>
-          <a:ext cx="0" cy="0"/>
-          <a:chOff x="0" y="0"/>
-          <a:chExt cx="0" cy="0"/>
-        </a:xfrm>
-      </p:grpSpPr>
-      <p:sp>
-        <p:nvSpPr>
-          <p:cNvPr id="90" name="Google Shape;90;p19"/>
-          <p:cNvSpPr txBox="1">
-            <a:spLocks noGrp="1"/>
-          </p:cNvSpPr>
-          <p:nvPr>
-            <p:ph type="body" idx="1"/>
-          </p:nvPr>
-        </p:nvSpPr>
-        <p:spPr>
-          <a:xfrm>
-            <a:off x="311700" y="397700"/>
-            <a:ext cx="8520600" cy="4171200"/>
-          </a:xfrm>
-          <a:prstGeom prst="rect">
-            <a:avLst/>
-          </a:prstGeom>
-        </p:spPr>
-        <p:txBody>
-          <a:bodyPr spcFirstLastPara="1" wrap="square" lIns="91425" tIns="91425" rIns="91425" bIns="91425" anchor="t" anchorCtr="0">
-            <a:noAutofit/>
-          </a:bodyPr>
-          <a:lstStyle/>
-          <a:p>
-            <a:pPr marL="0" lvl="0" indent="0" algn="l" rtl="0">
-              <a:spcBef>
-                <a:spcPts val="0"/>
-              </a:spcBef>
-              <a:spcAft>
-                <a:spcPts val="1600"/>
-              </a:spcAft>
-              <a:buNone/>
-            </a:pPr>
-            <a:r>
-              <a:rPr lang="en" b="1" i="1">
-                <a:solidFill>
-                  <a:srgbClr val="595959"/>
-                </a:solidFill>
-              </a:rPr>
-              <a:t>Discusses how the information from planning, testing and trialling of components assisted in the development of a high-quality outcome</a:t>
-            </a:r>
-            <a:endParaRPr/>
-          </a:p>
-        </p:txBody>
-      </p:sp>
-    </p:spTree>
+    <p:extLst>
+      <p:ext uri="{BB962C8B-B14F-4D97-AF65-F5344CB8AC3E}">
+        <p14:creationId xmlns:p14="http://schemas.microsoft.com/office/powerpoint/2010/main" val="1311563989"/>
+      </p:ext>
+    </p:extLst>
   </p:cSld>
   <p:clrMapOvr>
     <a:masterClrMapping/>
@@ -11140,6 +12283,439 @@
               <a:t> to learn how to do this.</a:t>
             </a:r>
             <a:endParaRPr dirty="0"/>
+          </a:p>
+        </p:txBody>
+      </p:sp>
+    </p:spTree>
+  </p:cSld>
+  <p:clrMapOvr>
+    <a:masterClrMapping/>
+  </p:clrMapOvr>
+</p:sld>
+</file>
+
+<file path=ppt/slides/slide20.xml><?xml version="1.0" encoding="utf-8"?>
+<p:sld xmlns:a="http://schemas.openxmlformats.org/drawingml/2006/main" xmlns:r="http://schemas.openxmlformats.org/officeDocument/2006/relationships" xmlns:p="http://schemas.openxmlformats.org/presentationml/2006/main">
+  <p:cSld>
+    <p:spTree>
+      <p:nvGrpSpPr>
+        <p:cNvPr id="1" name="Shape 77"/>
+        <p:cNvGrpSpPr/>
+        <p:nvPr/>
+      </p:nvGrpSpPr>
+      <p:grpSpPr>
+        <a:xfrm>
+          <a:off x="0" y="0"/>
+          <a:ext cx="0" cy="0"/>
+          <a:chOff x="0" y="0"/>
+          <a:chExt cx="0" cy="0"/>
+        </a:xfrm>
+      </p:grpSpPr>
+      <p:sp>
+        <p:nvSpPr>
+          <p:cNvPr id="78" name="Google Shape;78;p17"/>
+          <p:cNvSpPr txBox="1">
+            <a:spLocks noGrp="1"/>
+          </p:cNvSpPr>
+          <p:nvPr>
+            <p:ph type="title"/>
+          </p:nvPr>
+        </p:nvSpPr>
+        <p:spPr>
+          <a:xfrm>
+            <a:off x="311700" y="445025"/>
+            <a:ext cx="8520600" cy="572700"/>
+          </a:xfrm>
+          <a:prstGeom prst="rect">
+            <a:avLst/>
+          </a:prstGeom>
+        </p:spPr>
+        <p:txBody>
+          <a:bodyPr spcFirstLastPara="1" wrap="square" lIns="91425" tIns="91425" rIns="91425" bIns="91425" anchor="t" anchorCtr="0">
+            <a:noAutofit/>
+          </a:bodyPr>
+          <a:lstStyle/>
+          <a:p>
+            <a:pPr marL="0" lvl="0" indent="0" algn="l" rtl="0">
+              <a:spcBef>
+                <a:spcPts val="0"/>
+              </a:spcBef>
+              <a:spcAft>
+                <a:spcPts val="0"/>
+              </a:spcAft>
+              <a:buNone/>
+            </a:pPr>
+            <a:r>
+              <a:rPr lang="en" dirty="0"/>
+              <a:t>Component  v - Test Plan (and screenshot)</a:t>
+            </a:r>
+            <a:endParaRPr dirty="0"/>
+          </a:p>
+        </p:txBody>
+      </p:sp>
+      <p:graphicFrame>
+        <p:nvGraphicFramePr>
+          <p:cNvPr id="79" name="Google Shape;79;p17"/>
+          <p:cNvGraphicFramePr/>
+          <p:nvPr/>
+        </p:nvGraphicFramePr>
+        <p:xfrm>
+          <a:off x="311700" y="3794967"/>
+          <a:ext cx="8520600" cy="1188660"/>
+        </p:xfrm>
+        <a:graphic>
+          <a:graphicData uri="http://schemas.openxmlformats.org/drawingml/2006/table">
+            <a:tbl>
+              <a:tblPr>
+                <a:noFill/>
+                <a:tableStyleId>{E1099E06-0E6B-448D-9D27-60429F06E6F4}</a:tableStyleId>
+              </a:tblPr>
+              <a:tblGrid>
+                <a:gridCol w="2709796">
+                  <a:extLst>
+                    <a:ext uri="{9D8B030D-6E8A-4147-A177-3AD203B41FA5}">
+                      <a16:colId xmlns:a16="http://schemas.microsoft.com/office/drawing/2014/main" val="20000"/>
+                    </a:ext>
+                  </a:extLst>
+                </a:gridCol>
+                <a:gridCol w="5810804">
+                  <a:extLst>
+                    <a:ext uri="{9D8B030D-6E8A-4147-A177-3AD203B41FA5}">
+                      <a16:colId xmlns:a16="http://schemas.microsoft.com/office/drawing/2014/main" val="20001"/>
+                    </a:ext>
+                  </a:extLst>
+                </a:gridCol>
+              </a:tblGrid>
+              <a:tr h="381000">
+                <a:tc>
+                  <a:txBody>
+                    <a:bodyPr/>
+                    <a:lstStyle/>
+                    <a:p>
+                      <a:pPr marL="0" lvl="0" indent="0" algn="l" rtl="0">
+                        <a:spcBef>
+                          <a:spcPts val="0"/>
+                        </a:spcBef>
+                        <a:spcAft>
+                          <a:spcPts val="0"/>
+                        </a:spcAft>
+                        <a:buNone/>
+                      </a:pPr>
+                      <a:r>
+                        <a:rPr lang="en" sz="1800" b="1" dirty="0"/>
+                        <a:t>Test Case</a:t>
+                      </a:r>
+                      <a:endParaRPr sz="1800" b="1" dirty="0"/>
+                    </a:p>
+                  </a:txBody>
+                  <a:tcPr marL="91425" marR="91425" marT="91425" marB="91425">
+                    <a:solidFill>
+                      <a:srgbClr val="CCCCCC"/>
+                    </a:solidFill>
+                  </a:tcPr>
+                </a:tc>
+                <a:tc>
+                  <a:txBody>
+                    <a:bodyPr/>
+                    <a:lstStyle/>
+                    <a:p>
+                      <a:pPr marL="0" lvl="0" indent="0" algn="l" rtl="0">
+                        <a:spcBef>
+                          <a:spcPts val="0"/>
+                        </a:spcBef>
+                        <a:spcAft>
+                          <a:spcPts val="0"/>
+                        </a:spcAft>
+                        <a:buNone/>
+                      </a:pPr>
+                      <a:r>
+                        <a:rPr lang="en" sz="1800" b="1" dirty="0"/>
+                        <a:t>Expected Values</a:t>
+                      </a:r>
+                      <a:endParaRPr sz="1800" b="1" dirty="0"/>
+                    </a:p>
+                  </a:txBody>
+                  <a:tcPr marL="91425" marR="91425" marT="91425" marB="91425">
+                    <a:solidFill>
+                      <a:srgbClr val="CCCCCC"/>
+                    </a:solidFill>
+                  </a:tcPr>
+                </a:tc>
+                <a:extLst>
+                  <a:ext uri="{0D108BD9-81ED-4DB2-BD59-A6C34878D82A}">
+                    <a16:rowId xmlns:a16="http://schemas.microsoft.com/office/drawing/2014/main" val="10000"/>
+                  </a:ext>
+                </a:extLst>
+              </a:tr>
+              <a:tr h="396200">
+                <a:tc>
+                  <a:txBody>
+                    <a:bodyPr/>
+                    <a:lstStyle/>
+                    <a:p>
+                      <a:pPr marL="0" marR="0" lvl="0" indent="0" algn="l" defTabSz="914400" rtl="0" eaLnBrk="1" fontAlgn="auto" latinLnBrk="0" hangingPunct="1">
+                        <a:lnSpc>
+                          <a:spcPct val="100000"/>
+                        </a:lnSpc>
+                        <a:spcBef>
+                          <a:spcPts val="0"/>
+                        </a:spcBef>
+                        <a:spcAft>
+                          <a:spcPts val="0"/>
+                        </a:spcAft>
+                        <a:buClr>
+                          <a:srgbClr val="000000"/>
+                        </a:buClr>
+                        <a:buSzTx/>
+                        <a:buFont typeface="Arial"/>
+                        <a:buNone/>
+                        <a:tabLst/>
+                        <a:defRPr/>
+                      </a:pPr>
+                      <a:endParaRPr lang="en-US" sz="1800" dirty="0"/>
+                    </a:p>
+                    <a:p>
+                      <a:pPr marL="0" lvl="0" indent="0" algn="l" rtl="0">
+                        <a:spcBef>
+                          <a:spcPts val="0"/>
+                        </a:spcBef>
+                        <a:spcAft>
+                          <a:spcPts val="0"/>
+                        </a:spcAft>
+                        <a:buNone/>
+                      </a:pPr>
+                      <a:endParaRPr sz="1800" dirty="0"/>
+                    </a:p>
+                  </a:txBody>
+                  <a:tcPr marL="91425" marR="91425" marT="91425" marB="91425"/>
+                </a:tc>
+                <a:tc>
+                  <a:txBody>
+                    <a:bodyPr/>
+                    <a:lstStyle/>
+                    <a:p>
+                      <a:pPr marL="0" lvl="0" indent="0" algn="l" rtl="0">
+                        <a:spcBef>
+                          <a:spcPts val="0"/>
+                        </a:spcBef>
+                        <a:spcAft>
+                          <a:spcPts val="0"/>
+                        </a:spcAft>
+                        <a:buNone/>
+                      </a:pPr>
+                      <a:endParaRPr sz="1800" dirty="0"/>
+                    </a:p>
+                  </a:txBody>
+                  <a:tcPr marL="91425" marR="91425" marT="91425" marB="91425"/>
+                </a:tc>
+                <a:extLst>
+                  <a:ext uri="{0D108BD9-81ED-4DB2-BD59-A6C34878D82A}">
+                    <a16:rowId xmlns:a16="http://schemas.microsoft.com/office/drawing/2014/main" val="10001"/>
+                  </a:ext>
+                </a:extLst>
+              </a:tr>
+            </a:tbl>
+          </a:graphicData>
+        </a:graphic>
+      </p:graphicFrame>
+    </p:spTree>
+    <p:extLst>
+      <p:ext uri="{BB962C8B-B14F-4D97-AF65-F5344CB8AC3E}">
+        <p14:creationId xmlns:p14="http://schemas.microsoft.com/office/powerpoint/2010/main" val="2084576816"/>
+      </p:ext>
+    </p:extLst>
+  </p:cSld>
+  <p:clrMapOvr>
+    <a:masterClrMapping/>
+  </p:clrMapOvr>
+</p:sld>
+</file>
+
+<file path=ppt/slides/slide21.xml><?xml version="1.0" encoding="utf-8"?>
+<p:sld xmlns:a="http://schemas.openxmlformats.org/drawingml/2006/main" xmlns:r="http://schemas.openxmlformats.org/officeDocument/2006/relationships" xmlns:p="http://schemas.openxmlformats.org/presentationml/2006/main">
+  <p:cSld>
+    <p:bg>
+      <p:bgPr>
+        <a:solidFill>
+          <a:srgbClr val="D9EAD3"/>
+        </a:solidFill>
+        <a:effectLst/>
+      </p:bgPr>
+    </p:bg>
+    <p:spTree>
+      <p:nvGrpSpPr>
+        <p:cNvPr id="1" name="Shape 83"/>
+        <p:cNvGrpSpPr/>
+        <p:nvPr/>
+      </p:nvGrpSpPr>
+      <p:grpSpPr>
+        <a:xfrm>
+          <a:off x="0" y="0"/>
+          <a:ext cx="0" cy="0"/>
+          <a:chOff x="0" y="0"/>
+          <a:chExt cx="0" cy="0"/>
+        </a:xfrm>
+      </p:grpSpPr>
+      <p:sp>
+        <p:nvSpPr>
+          <p:cNvPr id="84" name="Google Shape;84;p18"/>
+          <p:cNvSpPr txBox="1">
+            <a:spLocks noGrp="1"/>
+          </p:cNvSpPr>
+          <p:nvPr>
+            <p:ph type="title"/>
+          </p:nvPr>
+        </p:nvSpPr>
+        <p:spPr>
+          <a:xfrm>
+            <a:off x="311700" y="445025"/>
+            <a:ext cx="8520600" cy="572700"/>
+          </a:xfrm>
+          <a:prstGeom prst="rect">
+            <a:avLst/>
+          </a:prstGeom>
+        </p:spPr>
+        <p:txBody>
+          <a:bodyPr spcFirstLastPara="1" wrap="square" lIns="91425" tIns="91425" rIns="91425" bIns="91425" anchor="t" anchorCtr="0">
+            <a:noAutofit/>
+          </a:bodyPr>
+          <a:lstStyle/>
+          <a:p>
+            <a:pPr marL="0" lvl="0" indent="0" algn="l" rtl="0">
+              <a:spcBef>
+                <a:spcPts val="0"/>
+              </a:spcBef>
+              <a:spcAft>
+                <a:spcPts val="0"/>
+              </a:spcAft>
+              <a:buNone/>
+            </a:pPr>
+            <a:r>
+              <a:rPr lang="en"/>
+              <a:t>Version Control Evidence</a:t>
+            </a:r>
+            <a:endParaRPr/>
+          </a:p>
+        </p:txBody>
+      </p:sp>
+      <p:sp>
+        <p:nvSpPr>
+          <p:cNvPr id="85" name="Google Shape;85;p18"/>
+          <p:cNvSpPr txBox="1">
+            <a:spLocks noGrp="1"/>
+          </p:cNvSpPr>
+          <p:nvPr>
+            <p:ph type="body" idx="1"/>
+          </p:nvPr>
+        </p:nvSpPr>
+        <p:spPr>
+          <a:xfrm>
+            <a:off x="311700" y="1152475"/>
+            <a:ext cx="8464200" cy="3739200"/>
+          </a:xfrm>
+          <a:prstGeom prst="rect">
+            <a:avLst/>
+          </a:prstGeom>
+        </p:spPr>
+        <p:txBody>
+          <a:bodyPr spcFirstLastPara="1" wrap="square" lIns="91425" tIns="91425" rIns="91425" bIns="91425" anchor="t" anchorCtr="0">
+            <a:noAutofit/>
+          </a:bodyPr>
+          <a:lstStyle/>
+          <a:p>
+            <a:pPr marL="0" lvl="0" indent="0" algn="l" rtl="0">
+              <a:spcBef>
+                <a:spcPts val="0"/>
+              </a:spcBef>
+              <a:spcAft>
+                <a:spcPts val="1600"/>
+              </a:spcAft>
+              <a:buNone/>
+            </a:pPr>
+            <a:r>
+              <a:rPr lang="en" i="1"/>
+              <a:t>Your version control evidence should go here.  This could be in the form of annotated screenshots which show you you managed this process or you could make a brief screencast explaining how you implemented version control.</a:t>
+            </a:r>
+            <a:endParaRPr i="1"/>
+          </a:p>
+        </p:txBody>
+      </p:sp>
+    </p:spTree>
+  </p:cSld>
+  <p:clrMapOvr>
+    <a:masterClrMapping/>
+  </p:clrMapOvr>
+</p:sld>
+</file>
+
+<file path=ppt/slides/slide22.xml><?xml version="1.0" encoding="utf-8"?>
+<p:sld xmlns:a="http://schemas.openxmlformats.org/drawingml/2006/main" xmlns:r="http://schemas.openxmlformats.org/officeDocument/2006/relationships" xmlns:p="http://schemas.openxmlformats.org/presentationml/2006/main">
+  <p:cSld>
+    <p:bg>
+      <p:bgPr>
+        <a:solidFill>
+          <a:srgbClr val="FFE599"/>
+        </a:solidFill>
+        <a:effectLst/>
+      </p:bgPr>
+    </p:bg>
+    <p:spTree>
+      <p:nvGrpSpPr>
+        <p:cNvPr id="1" name="Shape 89"/>
+        <p:cNvGrpSpPr/>
+        <p:nvPr/>
+      </p:nvGrpSpPr>
+      <p:grpSpPr>
+        <a:xfrm>
+          <a:off x="0" y="0"/>
+          <a:ext cx="0" cy="0"/>
+          <a:chOff x="0" y="0"/>
+          <a:chExt cx="0" cy="0"/>
+        </a:xfrm>
+      </p:grpSpPr>
+      <p:sp>
+        <p:nvSpPr>
+          <p:cNvPr id="90" name="Google Shape;90;p19"/>
+          <p:cNvSpPr txBox="1">
+            <a:spLocks noGrp="1"/>
+          </p:cNvSpPr>
+          <p:nvPr>
+            <p:ph type="body" idx="1"/>
+          </p:nvPr>
+        </p:nvSpPr>
+        <p:spPr>
+          <a:xfrm>
+            <a:off x="311700" y="397700"/>
+            <a:ext cx="8520600" cy="4171200"/>
+          </a:xfrm>
+          <a:prstGeom prst="rect">
+            <a:avLst/>
+          </a:prstGeom>
+        </p:spPr>
+        <p:txBody>
+          <a:bodyPr spcFirstLastPara="1" wrap="square" lIns="91425" tIns="91425" rIns="91425" bIns="91425" anchor="t" anchorCtr="0">
+            <a:noAutofit/>
+          </a:bodyPr>
+          <a:lstStyle/>
+          <a:p>
+            <a:pPr marL="0" lvl="0" indent="0" algn="l" rtl="0">
+              <a:spcBef>
+                <a:spcPts val="0"/>
+              </a:spcBef>
+              <a:spcAft>
+                <a:spcPts val="1600"/>
+              </a:spcAft>
+              <a:buNone/>
+            </a:pPr>
+            <a:r>
+              <a:rPr lang="en" b="1" i="1">
+                <a:solidFill>
+                  <a:srgbClr val="595959"/>
+                </a:solidFill>
+              </a:rPr>
+              <a:t>Discusses how the information from planning, testing and trialling of components assisted in the development of a high-quality outcome</a:t>
+            </a:r>
+            <a:endParaRPr/>
           </a:p>
         </p:txBody>
       </p:sp>

--- a/Python.pptx
+++ b/Python.pptx
@@ -5,7 +5,7 @@
     <p:sldMasterId id="2147483659" r:id="rId1"/>
   </p:sldMasterIdLst>
   <p:notesMasterIdLst>
-    <p:notesMasterId r:id="rId24"/>
+    <p:notesMasterId r:id="rId27"/>
   </p:notesMasterIdLst>
   <p:sldIdLst>
     <p:sldId id="256" r:id="rId2"/>
@@ -26,10 +26,13 @@
     <p:sldId id="275" r:id="rId17"/>
     <p:sldId id="273" r:id="rId18"/>
     <p:sldId id="276" r:id="rId19"/>
-    <p:sldId id="277" r:id="rId20"/>
-    <p:sldId id="278" r:id="rId21"/>
-    <p:sldId id="261" r:id="rId22"/>
-    <p:sldId id="262" r:id="rId23"/>
+    <p:sldId id="279" r:id="rId20"/>
+    <p:sldId id="277" r:id="rId21"/>
+    <p:sldId id="281" r:id="rId22"/>
+    <p:sldId id="278" r:id="rId23"/>
+    <p:sldId id="280" r:id="rId24"/>
+    <p:sldId id="261" r:id="rId25"/>
+    <p:sldId id="262" r:id="rId26"/>
   </p:sldIdLst>
   <p:sldSz cx="9144000" cy="5143500" type="screen16x9"/>
   <p:notesSz cx="6858000" cy="9144000"/>
@@ -284,7 +287,7 @@
 <file path=ppt/revisionInfo.xml><?xml version="1.0" encoding="utf-8"?>
 <p1510:revInfo xmlns:a="http://schemas.openxmlformats.org/drawingml/2006/main" xmlns:r="http://schemas.openxmlformats.org/officeDocument/2006/relationships" xmlns:p1510="http://schemas.microsoft.com/office/powerpoint/2015/10/main">
   <p1510:revLst>
-    <p1510:client id="{268579DD-9F3E-DD42-ADBD-2C5BCBEBF3D0}" v="58" dt="2023-05-09T22:47:39.991"/>
+    <p1510:client id="{268579DD-9F3E-DD42-ADBD-2C5BCBEBF3D0}" v="67" dt="2023-05-11T23:58:34.509"/>
   </p1510:revLst>
 </p1510:revInfo>
 </file>
@@ -294,7 +297,7 @@
   <pc:docChgLst>
     <pc:chgData name="Kaitlin Eustaquio" userId="1db1b819-5a69-4e28-a1f3-107bdd323ba9" providerId="ADAL" clId="{268579DD-9F3E-DD42-ADBD-2C5BCBEBF3D0}"/>
     <pc:docChg chg="undo redo custSel addSld delSld modSld sldOrd">
-      <pc:chgData name="Kaitlin Eustaquio" userId="1db1b819-5a69-4e28-a1f3-107bdd323ba9" providerId="ADAL" clId="{268579DD-9F3E-DD42-ADBD-2C5BCBEBF3D0}" dt="2023-05-09T22:48:43.699" v="1537" actId="20577"/>
+      <pc:chgData name="Kaitlin Eustaquio" userId="1db1b819-5a69-4e28-a1f3-107bdd323ba9" providerId="ADAL" clId="{268579DD-9F3E-DD42-ADBD-2C5BCBEBF3D0}" dt="2023-05-11T23:58:45.305" v="1580" actId="1076"/>
       <pc:docMkLst>
         <pc:docMk/>
       </pc:docMkLst>
@@ -986,17 +989,25 @@
         </pc:picChg>
       </pc:sldChg>
       <pc:sldChg chg="addSp delSp modSp add mod ord">
-        <pc:chgData name="Kaitlin Eustaquio" userId="1db1b819-5a69-4e28-a1f3-107bdd323ba9" providerId="ADAL" clId="{268579DD-9F3E-DD42-ADBD-2C5BCBEBF3D0}" dt="2023-05-09T22:40:42.701" v="1440" actId="1076"/>
+        <pc:chgData name="Kaitlin Eustaquio" userId="1db1b819-5a69-4e28-a1f3-107bdd323ba9" providerId="ADAL" clId="{268579DD-9F3E-DD42-ADBD-2C5BCBEBF3D0}" dt="2023-05-11T23:42:54.002" v="1557"/>
         <pc:sldMkLst>
           <pc:docMk/>
           <pc:sldMk cId="541863311" sldId="275"/>
         </pc:sldMkLst>
-        <pc:picChg chg="add mod">
-          <ac:chgData name="Kaitlin Eustaquio" userId="1db1b819-5a69-4e28-a1f3-107bdd323ba9" providerId="ADAL" clId="{268579DD-9F3E-DD42-ADBD-2C5BCBEBF3D0}" dt="2023-05-09T22:40:42.701" v="1440" actId="1076"/>
+        <pc:picChg chg="add del mod">
+          <ac:chgData name="Kaitlin Eustaquio" userId="1db1b819-5a69-4e28-a1f3-107bdd323ba9" providerId="ADAL" clId="{268579DD-9F3E-DD42-ADBD-2C5BCBEBF3D0}" dt="2023-05-11T23:42:53.679" v="1556" actId="478"/>
           <ac:picMkLst>
             <pc:docMk/>
             <pc:sldMk cId="541863311" sldId="275"/>
             <ac:picMk id="2" creationId="{A8968B27-642E-E807-4206-8F53D340D365}"/>
+          </ac:picMkLst>
+        </pc:picChg>
+        <pc:picChg chg="add mod">
+          <ac:chgData name="Kaitlin Eustaquio" userId="1db1b819-5a69-4e28-a1f3-107bdd323ba9" providerId="ADAL" clId="{268579DD-9F3E-DD42-ADBD-2C5BCBEBF3D0}" dt="2023-05-11T23:42:54.002" v="1557"/>
+          <ac:picMkLst>
+            <pc:docMk/>
+            <pc:sldMk cId="541863311" sldId="275"/>
+            <ac:picMk id="3" creationId="{5CABB977-C0C3-6673-4555-0FEE807674AB}"/>
           </ac:picMkLst>
         </pc:picChg>
         <pc:picChg chg="del">
@@ -1008,8 +1019,8 @@
           </ac:picMkLst>
         </pc:picChg>
       </pc:sldChg>
-      <pc:sldChg chg="delSp modSp add mod">
-        <pc:chgData name="Kaitlin Eustaquio" userId="1db1b819-5a69-4e28-a1f3-107bdd323ba9" providerId="ADAL" clId="{268579DD-9F3E-DD42-ADBD-2C5BCBEBF3D0}" dt="2023-05-09T22:46:49.233" v="1462" actId="20577"/>
+      <pc:sldChg chg="addSp delSp modSp add mod">
+        <pc:chgData name="Kaitlin Eustaquio" userId="1db1b819-5a69-4e28-a1f3-107bdd323ba9" providerId="ADAL" clId="{268579DD-9F3E-DD42-ADBD-2C5BCBEBF3D0}" dt="2023-05-11T23:34:04.152" v="1555" actId="20577"/>
         <pc:sldMkLst>
           <pc:docMk/>
           <pc:sldMk cId="1418460649" sldId="276"/>
@@ -1022,6 +1033,30 @@
             <ac:spMk id="78" creationId="{00000000-0000-0000-0000-000000000000}"/>
           </ac:spMkLst>
         </pc:spChg>
+        <pc:graphicFrameChg chg="mod modGraphic">
+          <ac:chgData name="Kaitlin Eustaquio" userId="1db1b819-5a69-4e28-a1f3-107bdd323ba9" providerId="ADAL" clId="{268579DD-9F3E-DD42-ADBD-2C5BCBEBF3D0}" dt="2023-05-11T23:34:04.152" v="1555" actId="20577"/>
+          <ac:graphicFrameMkLst>
+            <pc:docMk/>
+            <pc:sldMk cId="1418460649" sldId="276"/>
+            <ac:graphicFrameMk id="79" creationId="{00000000-0000-0000-0000-000000000000}"/>
+          </ac:graphicFrameMkLst>
+        </pc:graphicFrameChg>
+        <pc:picChg chg="add mod">
+          <ac:chgData name="Kaitlin Eustaquio" userId="1db1b819-5a69-4e28-a1f3-107bdd323ba9" providerId="ADAL" clId="{268579DD-9F3E-DD42-ADBD-2C5BCBEBF3D0}" dt="2023-05-11T23:33:10.335" v="1545" actId="1076"/>
+          <ac:picMkLst>
+            <pc:docMk/>
+            <pc:sldMk cId="1418460649" sldId="276"/>
+            <ac:picMk id="2" creationId="{3630D0C8-4DB2-8A6E-18FF-CD23C2FFF189}"/>
+          </ac:picMkLst>
+        </pc:picChg>
+        <pc:picChg chg="add mod">
+          <ac:chgData name="Kaitlin Eustaquio" userId="1db1b819-5a69-4e28-a1f3-107bdd323ba9" providerId="ADAL" clId="{268579DD-9F3E-DD42-ADBD-2C5BCBEBF3D0}" dt="2023-05-11T23:33:09.078" v="1544" actId="1076"/>
+          <ac:picMkLst>
+            <pc:docMk/>
+            <pc:sldMk cId="1418460649" sldId="276"/>
+            <ac:picMk id="3" creationId="{3581B48E-5CA6-E7A6-FFFF-6E971D8CE424}"/>
+          </ac:picMkLst>
+        </pc:picChg>
         <pc:picChg chg="del">
           <ac:chgData name="Kaitlin Eustaquio" userId="1db1b819-5a69-4e28-a1f3-107bdd323ba9" providerId="ADAL" clId="{268579DD-9F3E-DD42-ADBD-2C5BCBEBF3D0}" dt="2023-05-09T22:46:46.590" v="1459" actId="478"/>
           <ac:picMkLst>
@@ -1039,20 +1074,44 @@
           </ac:picMkLst>
         </pc:picChg>
       </pc:sldChg>
-      <pc:sldChg chg="delSp modSp add mod">
-        <pc:chgData name="Kaitlin Eustaquio" userId="1db1b819-5a69-4e28-a1f3-107bdd323ba9" providerId="ADAL" clId="{268579DD-9F3E-DD42-ADBD-2C5BCBEBF3D0}" dt="2023-05-09T22:46:55.581" v="1466" actId="20577"/>
+      <pc:sldChg chg="addSp delSp modSp add mod">
+        <pc:chgData name="Kaitlin Eustaquio" userId="1db1b819-5a69-4e28-a1f3-107bdd323ba9" providerId="ADAL" clId="{268579DD-9F3E-DD42-ADBD-2C5BCBEBF3D0}" dt="2023-05-11T23:58:45.305" v="1580" actId="1076"/>
         <pc:sldMkLst>
           <pc:docMk/>
           <pc:sldMk cId="1311563989" sldId="277"/>
         </pc:sldMkLst>
         <pc:spChg chg="mod">
-          <ac:chgData name="Kaitlin Eustaquio" userId="1db1b819-5a69-4e28-a1f3-107bdd323ba9" providerId="ADAL" clId="{268579DD-9F3E-DD42-ADBD-2C5BCBEBF3D0}" dt="2023-05-09T22:46:55.581" v="1466" actId="20577"/>
+          <ac:chgData name="Kaitlin Eustaquio" userId="1db1b819-5a69-4e28-a1f3-107bdd323ba9" providerId="ADAL" clId="{268579DD-9F3E-DD42-ADBD-2C5BCBEBF3D0}" dt="2023-05-11T23:57:20.537" v="1568" actId="20577"/>
           <ac:spMkLst>
             <pc:docMk/>
             <pc:sldMk cId="1311563989" sldId="277"/>
             <ac:spMk id="78" creationId="{00000000-0000-0000-0000-000000000000}"/>
           </ac:spMkLst>
         </pc:spChg>
+        <pc:graphicFrameChg chg="mod">
+          <ac:chgData name="Kaitlin Eustaquio" userId="1db1b819-5a69-4e28-a1f3-107bdd323ba9" providerId="ADAL" clId="{268579DD-9F3E-DD42-ADBD-2C5BCBEBF3D0}" dt="2023-05-11T23:58:45.305" v="1580" actId="1076"/>
+          <ac:graphicFrameMkLst>
+            <pc:docMk/>
+            <pc:sldMk cId="1311563989" sldId="277"/>
+            <ac:graphicFrameMk id="79" creationId="{00000000-0000-0000-0000-000000000000}"/>
+          </ac:graphicFrameMkLst>
+        </pc:graphicFrameChg>
+        <pc:picChg chg="add mod">
+          <ac:chgData name="Kaitlin Eustaquio" userId="1db1b819-5a69-4e28-a1f3-107bdd323ba9" providerId="ADAL" clId="{268579DD-9F3E-DD42-ADBD-2C5BCBEBF3D0}" dt="2023-05-11T23:58:39.684" v="1578" actId="14100"/>
+          <ac:picMkLst>
+            <pc:docMk/>
+            <pc:sldMk cId="1311563989" sldId="277"/>
+            <ac:picMk id="2" creationId="{E4DEDADA-749C-C5B9-6342-70C0AC123BC0}"/>
+          </ac:picMkLst>
+        </pc:picChg>
+        <pc:picChg chg="add mod">
+          <ac:chgData name="Kaitlin Eustaquio" userId="1db1b819-5a69-4e28-a1f3-107bdd323ba9" providerId="ADAL" clId="{268579DD-9F3E-DD42-ADBD-2C5BCBEBF3D0}" dt="2023-05-11T23:58:41.311" v="1579" actId="1076"/>
+          <ac:picMkLst>
+            <pc:docMk/>
+            <pc:sldMk cId="1311563989" sldId="277"/>
+            <ac:picMk id="3" creationId="{7E85D986-0C0C-9612-9274-A7BD5DE41ACF}"/>
+          </ac:picMkLst>
+        </pc:picChg>
         <pc:picChg chg="del">
           <ac:chgData name="Kaitlin Eustaquio" userId="1db1b819-5a69-4e28-a1f3-107bdd323ba9" providerId="ADAL" clId="{268579DD-9F3E-DD42-ADBD-2C5BCBEBF3D0}" dt="2023-05-09T22:46:51.454" v="1463" actId="478"/>
           <ac:picMkLst>
@@ -1075,6 +1134,51 @@
         <pc:sldMkLst>
           <pc:docMk/>
           <pc:sldMk cId="2084576816" sldId="278"/>
+        </pc:sldMkLst>
+      </pc:sldChg>
+      <pc:sldChg chg="addSp delSp modSp add mod ord">
+        <pc:chgData name="Kaitlin Eustaquio" userId="1db1b819-5a69-4e28-a1f3-107bdd323ba9" providerId="ADAL" clId="{268579DD-9F3E-DD42-ADBD-2C5BCBEBF3D0}" dt="2023-05-11T23:57:11.162" v="1566" actId="20578"/>
+        <pc:sldMkLst>
+          <pc:docMk/>
+          <pc:sldMk cId="2112270054" sldId="279"/>
+        </pc:sldMkLst>
+        <pc:picChg chg="add del mod">
+          <ac:chgData name="Kaitlin Eustaquio" userId="1db1b819-5a69-4e28-a1f3-107bdd323ba9" providerId="ADAL" clId="{268579DD-9F3E-DD42-ADBD-2C5BCBEBF3D0}" dt="2023-05-11T23:44:41.747" v="1564" actId="478"/>
+          <ac:picMkLst>
+            <pc:docMk/>
+            <pc:sldMk cId="2112270054" sldId="279"/>
+            <ac:picMk id="2" creationId="{966B401F-4D3B-87C2-E15C-F606CF70561C}"/>
+          </ac:picMkLst>
+        </pc:picChg>
+        <pc:picChg chg="del">
+          <ac:chgData name="Kaitlin Eustaquio" userId="1db1b819-5a69-4e28-a1f3-107bdd323ba9" providerId="ADAL" clId="{268579DD-9F3E-DD42-ADBD-2C5BCBEBF3D0}" dt="2023-05-11T23:43:59.995" v="1560" actId="478"/>
+          <ac:picMkLst>
+            <pc:docMk/>
+            <pc:sldMk cId="2112270054" sldId="279"/>
+            <ac:picMk id="3" creationId="{5CABB977-C0C3-6673-4555-0FEE807674AB}"/>
+          </ac:picMkLst>
+        </pc:picChg>
+        <pc:picChg chg="add mod">
+          <ac:chgData name="Kaitlin Eustaquio" userId="1db1b819-5a69-4e28-a1f3-107bdd323ba9" providerId="ADAL" clId="{268579DD-9F3E-DD42-ADBD-2C5BCBEBF3D0}" dt="2023-05-11T23:44:43.604" v="1565" actId="1076"/>
+          <ac:picMkLst>
+            <pc:docMk/>
+            <pc:sldMk cId="2112270054" sldId="279"/>
+            <ac:picMk id="4" creationId="{B32847C1-F9B1-34F7-8A1D-849C91B1EAC5}"/>
+          </ac:picMkLst>
+        </pc:picChg>
+      </pc:sldChg>
+      <pc:sldChg chg="add">
+        <pc:chgData name="Kaitlin Eustaquio" userId="1db1b819-5a69-4e28-a1f3-107bdd323ba9" providerId="ADAL" clId="{268579DD-9F3E-DD42-ADBD-2C5BCBEBF3D0}" dt="2023-05-11T23:57:23.936" v="1569" actId="2890"/>
+        <pc:sldMkLst>
+          <pc:docMk/>
+          <pc:sldMk cId="285503574" sldId="280"/>
+        </pc:sldMkLst>
+      </pc:sldChg>
+      <pc:sldChg chg="add">
+        <pc:chgData name="Kaitlin Eustaquio" userId="1db1b819-5a69-4e28-a1f3-107bdd323ba9" providerId="ADAL" clId="{268579DD-9F3E-DD42-ADBD-2C5BCBEBF3D0}" dt="2023-05-11T23:57:28.148" v="1570" actId="2890"/>
+        <pc:sldMkLst>
+          <pc:docMk/>
+          <pc:sldMk cId="3159212952" sldId="281"/>
         </pc:sldMkLst>
       </pc:sldChg>
     </pc:docChg>
@@ -2613,7 +2717,7 @@
   <p:cSld>
     <p:spTree>
       <p:nvGrpSpPr>
-        <p:cNvPr id="1" name="Shape 74"/>
+        <p:cNvPr id="1" name="Shape 69"/>
         <p:cNvGrpSpPr/>
         <p:nvPr/>
       </p:nvGrpSpPr>
@@ -2627,7 +2731,7 @@
       </p:grpSpPr>
       <p:sp>
         <p:nvSpPr>
-          <p:cNvPr id="75" name="Google Shape;75;gac10fef634_0_20:notes"/>
+          <p:cNvPr id="70" name="Google Shape;70;gac10fef634_0_16:notes"/>
           <p:cNvSpPr>
             <a:spLocks noGrp="1" noRot="1" noChangeAspect="1"/>
           </p:cNvSpPr>
@@ -2668,7 +2772,7 @@
       </p:sp>
       <p:sp>
         <p:nvSpPr>
-          <p:cNvPr id="76" name="Google Shape;76;gac10fef634_0_20:notes"/>
+          <p:cNvPr id="71" name="Google Shape;71;gac10fef634_0_16:notes"/>
           <p:cNvSpPr txBox="1">
             <a:spLocks noGrp="1"/>
           </p:cNvSpPr>
@@ -2707,7 +2811,7 @@
     </p:spTree>
     <p:extLst>
       <p:ext uri="{BB962C8B-B14F-4D97-AF65-F5344CB8AC3E}">
-        <p14:creationId xmlns:p14="http://schemas.microsoft.com/office/powerpoint/2010/main" val="2649262329"/>
+        <p14:creationId xmlns:p14="http://schemas.microsoft.com/office/powerpoint/2010/main" val="2468204167"/>
       </p:ext>
     </p:extLst>
   </p:cSld>
@@ -2924,6 +3028,224 @@
     </p:spTree>
     <p:extLst>
       <p:ext uri="{BB962C8B-B14F-4D97-AF65-F5344CB8AC3E}">
+        <p14:creationId xmlns:p14="http://schemas.microsoft.com/office/powerpoint/2010/main" val="2649262329"/>
+      </p:ext>
+    </p:extLst>
+  </p:cSld>
+  <p:clrMapOvr>
+    <a:masterClrMapping/>
+  </p:clrMapOvr>
+</p:notes>
+</file>
+
+<file path=ppt/notesSlides/notesSlide21.xml><?xml version="1.0" encoding="utf-8"?>
+<p:notes xmlns:a="http://schemas.openxmlformats.org/drawingml/2006/main" xmlns:r="http://schemas.openxmlformats.org/officeDocument/2006/relationships" xmlns:p="http://schemas.openxmlformats.org/presentationml/2006/main" showMasterSp="0" showMasterPhAnim="0">
+  <p:cSld>
+    <p:spTree>
+      <p:nvGrpSpPr>
+        <p:cNvPr id="1" name="Shape 74"/>
+        <p:cNvGrpSpPr/>
+        <p:nvPr/>
+      </p:nvGrpSpPr>
+      <p:grpSpPr>
+        <a:xfrm>
+          <a:off x="0" y="0"/>
+          <a:ext cx="0" cy="0"/>
+          <a:chOff x="0" y="0"/>
+          <a:chExt cx="0" cy="0"/>
+        </a:xfrm>
+      </p:grpSpPr>
+      <p:sp>
+        <p:nvSpPr>
+          <p:cNvPr id="75" name="Google Shape;75;gac10fef634_0_20:notes"/>
+          <p:cNvSpPr>
+            <a:spLocks noGrp="1" noRot="1" noChangeAspect="1"/>
+          </p:cNvSpPr>
+          <p:nvPr>
+            <p:ph type="sldImg" idx="2"/>
+          </p:nvPr>
+        </p:nvSpPr>
+        <p:spPr>
+          <a:xfrm>
+            <a:off x="381000" y="685800"/>
+            <a:ext cx="6096000" cy="3429000"/>
+          </a:xfrm>
+          <a:custGeom>
+            <a:avLst/>
+            <a:gdLst/>
+            <a:ahLst/>
+            <a:cxnLst/>
+            <a:rect l="l" t="t" r="r" b="b"/>
+            <a:pathLst>
+              <a:path w="120000" h="120000" extrusionOk="0">
+                <a:moveTo>
+                  <a:pt x="0" y="0"/>
+                </a:moveTo>
+                <a:lnTo>
+                  <a:pt x="120000" y="0"/>
+                </a:lnTo>
+                <a:lnTo>
+                  <a:pt x="120000" y="120000"/>
+                </a:lnTo>
+                <a:lnTo>
+                  <a:pt x="0" y="120000"/>
+                </a:lnTo>
+                <a:close/>
+              </a:path>
+            </a:pathLst>
+          </a:custGeom>
+        </p:spPr>
+      </p:sp>
+      <p:sp>
+        <p:nvSpPr>
+          <p:cNvPr id="76" name="Google Shape;76;gac10fef634_0_20:notes"/>
+          <p:cNvSpPr txBox="1">
+            <a:spLocks noGrp="1"/>
+          </p:cNvSpPr>
+          <p:nvPr>
+            <p:ph type="body" idx="1"/>
+          </p:nvPr>
+        </p:nvSpPr>
+        <p:spPr>
+          <a:xfrm>
+            <a:off x="685800" y="4343400"/>
+            <a:ext cx="5486400" cy="4114800"/>
+          </a:xfrm>
+          <a:prstGeom prst="rect">
+            <a:avLst/>
+          </a:prstGeom>
+        </p:spPr>
+        <p:txBody>
+          <a:bodyPr spcFirstLastPara="1" wrap="square" lIns="91425" tIns="91425" rIns="91425" bIns="91425" anchor="t" anchorCtr="0">
+            <a:noAutofit/>
+          </a:bodyPr>
+          <a:lstStyle/>
+          <a:p>
+            <a:pPr marL="0" lvl="0" indent="0" algn="l" rtl="0">
+              <a:spcBef>
+                <a:spcPts val="0"/>
+              </a:spcBef>
+              <a:spcAft>
+                <a:spcPts val="0"/>
+              </a:spcAft>
+              <a:buNone/>
+            </a:pPr>
+            <a:endParaRPr/>
+          </a:p>
+        </p:txBody>
+      </p:sp>
+    </p:spTree>
+    <p:extLst>
+      <p:ext uri="{BB962C8B-B14F-4D97-AF65-F5344CB8AC3E}">
+        <p14:creationId xmlns:p14="http://schemas.microsoft.com/office/powerpoint/2010/main" val="3777834425"/>
+      </p:ext>
+    </p:extLst>
+  </p:cSld>
+  <p:clrMapOvr>
+    <a:masterClrMapping/>
+  </p:clrMapOvr>
+</p:notes>
+</file>
+
+<file path=ppt/notesSlides/notesSlide22.xml><?xml version="1.0" encoding="utf-8"?>
+<p:notes xmlns:a="http://schemas.openxmlformats.org/drawingml/2006/main" xmlns:r="http://schemas.openxmlformats.org/officeDocument/2006/relationships" xmlns:p="http://schemas.openxmlformats.org/presentationml/2006/main" showMasterSp="0" showMasterPhAnim="0">
+  <p:cSld>
+    <p:spTree>
+      <p:nvGrpSpPr>
+        <p:cNvPr id="1" name="Shape 74"/>
+        <p:cNvGrpSpPr/>
+        <p:nvPr/>
+      </p:nvGrpSpPr>
+      <p:grpSpPr>
+        <a:xfrm>
+          <a:off x="0" y="0"/>
+          <a:ext cx="0" cy="0"/>
+          <a:chOff x="0" y="0"/>
+          <a:chExt cx="0" cy="0"/>
+        </a:xfrm>
+      </p:grpSpPr>
+      <p:sp>
+        <p:nvSpPr>
+          <p:cNvPr id="75" name="Google Shape;75;gac10fef634_0_20:notes"/>
+          <p:cNvSpPr>
+            <a:spLocks noGrp="1" noRot="1" noChangeAspect="1"/>
+          </p:cNvSpPr>
+          <p:nvPr>
+            <p:ph type="sldImg" idx="2"/>
+          </p:nvPr>
+        </p:nvSpPr>
+        <p:spPr>
+          <a:xfrm>
+            <a:off x="381000" y="685800"/>
+            <a:ext cx="6096000" cy="3429000"/>
+          </a:xfrm>
+          <a:custGeom>
+            <a:avLst/>
+            <a:gdLst/>
+            <a:ahLst/>
+            <a:cxnLst/>
+            <a:rect l="l" t="t" r="r" b="b"/>
+            <a:pathLst>
+              <a:path w="120000" h="120000" extrusionOk="0">
+                <a:moveTo>
+                  <a:pt x="0" y="0"/>
+                </a:moveTo>
+                <a:lnTo>
+                  <a:pt x="120000" y="0"/>
+                </a:lnTo>
+                <a:lnTo>
+                  <a:pt x="120000" y="120000"/>
+                </a:lnTo>
+                <a:lnTo>
+                  <a:pt x="0" y="120000"/>
+                </a:lnTo>
+                <a:close/>
+              </a:path>
+            </a:pathLst>
+          </a:custGeom>
+        </p:spPr>
+      </p:sp>
+      <p:sp>
+        <p:nvSpPr>
+          <p:cNvPr id="76" name="Google Shape;76;gac10fef634_0_20:notes"/>
+          <p:cNvSpPr txBox="1">
+            <a:spLocks noGrp="1"/>
+          </p:cNvSpPr>
+          <p:nvPr>
+            <p:ph type="body" idx="1"/>
+          </p:nvPr>
+        </p:nvSpPr>
+        <p:spPr>
+          <a:xfrm>
+            <a:off x="685800" y="4343400"/>
+            <a:ext cx="5486400" cy="4114800"/>
+          </a:xfrm>
+          <a:prstGeom prst="rect">
+            <a:avLst/>
+          </a:prstGeom>
+        </p:spPr>
+        <p:txBody>
+          <a:bodyPr spcFirstLastPara="1" wrap="square" lIns="91425" tIns="91425" rIns="91425" bIns="91425" anchor="t" anchorCtr="0">
+            <a:noAutofit/>
+          </a:bodyPr>
+          <a:lstStyle/>
+          <a:p>
+            <a:pPr marL="0" lvl="0" indent="0" algn="l" rtl="0">
+              <a:spcBef>
+                <a:spcPts val="0"/>
+              </a:spcBef>
+              <a:spcAft>
+                <a:spcPts val="0"/>
+              </a:spcAft>
+              <a:buNone/>
+            </a:pPr>
+            <a:endParaRPr/>
+          </a:p>
+        </p:txBody>
+      </p:sp>
+    </p:spTree>
+    <p:extLst>
+      <p:ext uri="{BB962C8B-B14F-4D97-AF65-F5344CB8AC3E}">
         <p14:creationId xmlns:p14="http://schemas.microsoft.com/office/powerpoint/2010/main" val="3159739832"/>
       </p:ext>
     </p:extLst>
@@ -2934,7 +3256,116 @@
 </p:notes>
 </file>
 
-<file path=ppt/notesSlides/notesSlide21.xml><?xml version="1.0" encoding="utf-8"?>
+<file path=ppt/notesSlides/notesSlide23.xml><?xml version="1.0" encoding="utf-8"?>
+<p:notes xmlns:a="http://schemas.openxmlformats.org/drawingml/2006/main" xmlns:r="http://schemas.openxmlformats.org/officeDocument/2006/relationships" xmlns:p="http://schemas.openxmlformats.org/presentationml/2006/main" showMasterSp="0" showMasterPhAnim="0">
+  <p:cSld>
+    <p:spTree>
+      <p:nvGrpSpPr>
+        <p:cNvPr id="1" name="Shape 74"/>
+        <p:cNvGrpSpPr/>
+        <p:nvPr/>
+      </p:nvGrpSpPr>
+      <p:grpSpPr>
+        <a:xfrm>
+          <a:off x="0" y="0"/>
+          <a:ext cx="0" cy="0"/>
+          <a:chOff x="0" y="0"/>
+          <a:chExt cx="0" cy="0"/>
+        </a:xfrm>
+      </p:grpSpPr>
+      <p:sp>
+        <p:nvSpPr>
+          <p:cNvPr id="75" name="Google Shape;75;gac10fef634_0_20:notes"/>
+          <p:cNvSpPr>
+            <a:spLocks noGrp="1" noRot="1" noChangeAspect="1"/>
+          </p:cNvSpPr>
+          <p:nvPr>
+            <p:ph type="sldImg" idx="2"/>
+          </p:nvPr>
+        </p:nvSpPr>
+        <p:spPr>
+          <a:xfrm>
+            <a:off x="381000" y="685800"/>
+            <a:ext cx="6096000" cy="3429000"/>
+          </a:xfrm>
+          <a:custGeom>
+            <a:avLst/>
+            <a:gdLst/>
+            <a:ahLst/>
+            <a:cxnLst/>
+            <a:rect l="l" t="t" r="r" b="b"/>
+            <a:pathLst>
+              <a:path w="120000" h="120000" extrusionOk="0">
+                <a:moveTo>
+                  <a:pt x="0" y="0"/>
+                </a:moveTo>
+                <a:lnTo>
+                  <a:pt x="120000" y="0"/>
+                </a:lnTo>
+                <a:lnTo>
+                  <a:pt x="120000" y="120000"/>
+                </a:lnTo>
+                <a:lnTo>
+                  <a:pt x="0" y="120000"/>
+                </a:lnTo>
+                <a:close/>
+              </a:path>
+            </a:pathLst>
+          </a:custGeom>
+        </p:spPr>
+      </p:sp>
+      <p:sp>
+        <p:nvSpPr>
+          <p:cNvPr id="76" name="Google Shape;76;gac10fef634_0_20:notes"/>
+          <p:cNvSpPr txBox="1">
+            <a:spLocks noGrp="1"/>
+          </p:cNvSpPr>
+          <p:nvPr>
+            <p:ph type="body" idx="1"/>
+          </p:nvPr>
+        </p:nvSpPr>
+        <p:spPr>
+          <a:xfrm>
+            <a:off x="685800" y="4343400"/>
+            <a:ext cx="5486400" cy="4114800"/>
+          </a:xfrm>
+          <a:prstGeom prst="rect">
+            <a:avLst/>
+          </a:prstGeom>
+        </p:spPr>
+        <p:txBody>
+          <a:bodyPr spcFirstLastPara="1" wrap="square" lIns="91425" tIns="91425" rIns="91425" bIns="91425" anchor="t" anchorCtr="0">
+            <a:noAutofit/>
+          </a:bodyPr>
+          <a:lstStyle/>
+          <a:p>
+            <a:pPr marL="0" lvl="0" indent="0" algn="l" rtl="0">
+              <a:spcBef>
+                <a:spcPts val="0"/>
+              </a:spcBef>
+              <a:spcAft>
+                <a:spcPts val="0"/>
+              </a:spcAft>
+              <a:buNone/>
+            </a:pPr>
+            <a:endParaRPr/>
+          </a:p>
+        </p:txBody>
+      </p:sp>
+    </p:spTree>
+    <p:extLst>
+      <p:ext uri="{BB962C8B-B14F-4D97-AF65-F5344CB8AC3E}">
+        <p14:creationId xmlns:p14="http://schemas.microsoft.com/office/powerpoint/2010/main" val="871215247"/>
+      </p:ext>
+    </p:extLst>
+  </p:cSld>
+  <p:clrMapOvr>
+    <a:masterClrMapping/>
+  </p:clrMapOvr>
+</p:notes>
+</file>
+
+<file path=ppt/notesSlides/notesSlide24.xml><?xml version="1.0" encoding="utf-8"?>
 <p:notes xmlns:a="http://schemas.openxmlformats.org/drawingml/2006/main" xmlns:r="http://schemas.openxmlformats.org/officeDocument/2006/relationships" xmlns:p="http://schemas.openxmlformats.org/presentationml/2006/main" showMasterSp="0" showMasterPhAnim="0">
   <p:cSld>
     <p:spTree>
@@ -3059,7 +3490,7 @@
 </p:notes>
 </file>
 
-<file path=ppt/notesSlides/notesSlide22.xml><?xml version="1.0" encoding="utf-8"?>
+<file path=ppt/notesSlides/notesSlide25.xml><?xml version="1.0" encoding="utf-8"?>
 <p:notes xmlns:a="http://schemas.openxmlformats.org/drawingml/2006/main" xmlns:r="http://schemas.openxmlformats.org/officeDocument/2006/relationships" xmlns:p="http://schemas.openxmlformats.org/presentationml/2006/main" showMasterSp="0" showMasterPhAnim="0">
   <p:cSld>
     <p:spTree>
@@ -11216,10 +11647,10 @@
       </p:sp>
       <p:pic>
         <p:nvPicPr>
-          <p:cNvPr id="2" name="Picture 1">
+          <p:cNvPr id="3" name="Picture 2">
             <a:extLst>
               <a:ext uri="{FF2B5EF4-FFF2-40B4-BE49-F238E27FC236}">
-                <a16:creationId xmlns:a16="http://schemas.microsoft.com/office/drawing/2014/main" id="{A8968B27-642E-E807-4206-8F53D340D365}"/>
+                <a16:creationId xmlns:a16="http://schemas.microsoft.com/office/drawing/2014/main" id="{5CABB977-C0C3-6673-4555-0FEE807674AB}"/>
               </a:ext>
             </a:extLst>
           </p:cNvPr>
@@ -11236,8 +11667,8 @@
         </p:blipFill>
         <p:spPr>
           <a:xfrm>
-            <a:off x="685800" y="1544303"/>
-            <a:ext cx="7772400" cy="2404752"/>
+            <a:off x="685800" y="1187460"/>
+            <a:ext cx="7772400" cy="2768580"/>
           </a:xfrm>
           <a:prstGeom prst="rect">
             <a:avLst/>
@@ -11721,11 +12152,17 @@
         <p:nvGraphicFramePr>
           <p:cNvPr id="79" name="Google Shape;79;p17"/>
           <p:cNvGraphicFramePr/>
-          <p:nvPr/>
+          <p:nvPr>
+            <p:extLst>
+              <p:ext uri="{D42A27DB-BD31-4B8C-83A1-F6EECF244321}">
+                <p14:modId xmlns:p14="http://schemas.microsoft.com/office/powerpoint/2010/main" val="3928897727"/>
+              </p:ext>
+            </p:extLst>
+          </p:nvPr>
         </p:nvGraphicFramePr>
         <p:xfrm>
-          <a:off x="311700" y="3794967"/>
-          <a:ext cx="8520600" cy="1188660"/>
+          <a:off x="311700" y="3039593"/>
+          <a:ext cx="8520600" cy="2011620"/>
         </p:xfrm>
         <a:graphic>
           <a:graphicData uri="http://schemas.openxmlformats.org/drawingml/2006/table">
@@ -11836,6 +12273,31 @@
                         <a:tabLst/>
                         <a:defRPr/>
                       </a:pPr>
+                      <a:r>
+                        <a:rPr lang="en-US" sz="1800" dirty="0"/>
+                        <a:t>Input name</a:t>
+                      </a:r>
+                    </a:p>
+                    <a:p>
+                      <a:pPr marL="0" marR="0" lvl="0" indent="0" algn="l" defTabSz="914400" rtl="0" eaLnBrk="1" fontAlgn="auto" latinLnBrk="0" hangingPunct="1">
+                        <a:lnSpc>
+                          <a:spcPct val="100000"/>
+                        </a:lnSpc>
+                        <a:spcBef>
+                          <a:spcPts val="0"/>
+                        </a:spcBef>
+                        <a:spcAft>
+                          <a:spcPts val="0"/>
+                        </a:spcAft>
+                        <a:buClr>
+                          <a:srgbClr val="000000"/>
+                        </a:buClr>
+                        <a:buSzTx/>
+                        <a:buFont typeface="Arial"/>
+                        <a:buNone/>
+                        <a:tabLst/>
+                        <a:defRPr/>
+                      </a:pPr>
                       <a:endParaRPr lang="en-US" sz="1800" dirty="0"/>
                     </a:p>
                     <a:p>
@@ -11848,7 +12310,37 @@
                         </a:spcAft>
                         <a:buNone/>
                       </a:pPr>
-                      <a:endParaRPr sz="1800" dirty="0"/>
+                      <a:r>
+                        <a:rPr lang="en-US" sz="1800" dirty="0"/>
+                        <a:t>Input number</a:t>
+                      </a:r>
+                    </a:p>
+                    <a:p>
+                      <a:pPr marL="0" lvl="0" indent="0" algn="l" rtl="0">
+                        <a:spcBef>
+                          <a:spcPts val="0"/>
+                        </a:spcBef>
+                        <a:spcAft>
+                          <a:spcPts val="0"/>
+                        </a:spcAft>
+                        <a:buNone/>
+                      </a:pPr>
+                      <a:endParaRPr lang="en-US" sz="1800" dirty="0"/>
+                    </a:p>
+                    <a:p>
+                      <a:pPr marL="0" lvl="0" indent="0" algn="l" rtl="0">
+                        <a:spcBef>
+                          <a:spcPts val="0"/>
+                        </a:spcBef>
+                        <a:spcAft>
+                          <a:spcPts val="0"/>
+                        </a:spcAft>
+                        <a:buNone/>
+                      </a:pPr>
+                      <a:r>
+                        <a:rPr lang="en-US" sz="1800" dirty="0"/>
+                        <a:t>Left input blank</a:t>
+                      </a:r>
                     </a:p>
                   </a:txBody>
                   <a:tcPr marL="91425" marR="91425" marT="91425" marB="91425"/>
@@ -11867,7 +12359,84 @@
                         </a:spcAft>
                         <a:buNone/>
                       </a:pPr>
-                      <a:endParaRPr sz="1800" dirty="0"/>
+                      <a:r>
+                        <a:rPr lang="en-US" sz="1800" dirty="0"/>
+                        <a:t>Printed correctly, can input both integers and letters</a:t>
+                      </a:r>
+                    </a:p>
+                    <a:p>
+                      <a:pPr marL="0" lvl="0" indent="0" algn="l" rtl="0">
+                        <a:spcBef>
+                          <a:spcPts val="0"/>
+                        </a:spcBef>
+                        <a:spcAft>
+                          <a:spcPts val="0"/>
+                        </a:spcAft>
+                        <a:buNone/>
+                      </a:pPr>
+                      <a:endParaRPr lang="en-US" sz="1800" dirty="0"/>
+                    </a:p>
+                    <a:p>
+                      <a:pPr marL="0" marR="0" lvl="0" indent="0" algn="l" defTabSz="914400" rtl="0" eaLnBrk="1" fontAlgn="auto" latinLnBrk="0" hangingPunct="1">
+                        <a:lnSpc>
+                          <a:spcPct val="100000"/>
+                        </a:lnSpc>
+                        <a:spcBef>
+                          <a:spcPts val="0"/>
+                        </a:spcBef>
+                        <a:spcAft>
+                          <a:spcPts val="0"/>
+                        </a:spcAft>
+                        <a:buClr>
+                          <a:srgbClr val="000000"/>
+                        </a:buClr>
+                        <a:buSzTx/>
+                        <a:buFont typeface="Arial"/>
+                        <a:buNone/>
+                        <a:tabLst/>
+                        <a:defRPr/>
+                      </a:pPr>
+                      <a:r>
+                        <a:rPr lang="en-US" sz="1800" dirty="0"/>
+                        <a:t>Printed correctly, can input both integers and letters</a:t>
+                      </a:r>
+                    </a:p>
+                    <a:p>
+                      <a:pPr marL="0" marR="0" lvl="0" indent="0" algn="l" defTabSz="914400" rtl="0" eaLnBrk="1" fontAlgn="auto" latinLnBrk="0" hangingPunct="1">
+                        <a:lnSpc>
+                          <a:spcPct val="100000"/>
+                        </a:lnSpc>
+                        <a:spcBef>
+                          <a:spcPts val="0"/>
+                        </a:spcBef>
+                        <a:spcAft>
+                          <a:spcPts val="0"/>
+                        </a:spcAft>
+                        <a:buClr>
+                          <a:srgbClr val="000000"/>
+                        </a:buClr>
+                        <a:buSzTx/>
+                        <a:buFont typeface="Arial"/>
+                        <a:buNone/>
+                        <a:tabLst/>
+                        <a:defRPr/>
+                      </a:pPr>
+                      <a:endParaRPr lang="en-US" sz="1800" dirty="0"/>
+                    </a:p>
+                    <a:p>
+                      <a:pPr marL="0" lvl="0" indent="0" algn="l" rtl="0">
+                        <a:spcBef>
+                          <a:spcPts val="0"/>
+                        </a:spcBef>
+                        <a:spcAft>
+                          <a:spcPts val="0"/>
+                        </a:spcAft>
+                        <a:buNone/>
+                      </a:pPr>
+                      <a:r>
+                        <a:rPr lang="en-US" sz="1800" dirty="0"/>
+                        <a:t>Prints error message and asks for input again</a:t>
+                      </a:r>
                     </a:p>
                   </a:txBody>
                   <a:tcPr marL="91425" marR="91425" marT="91425" marB="91425"/>
@@ -11882,6 +12451,66 @@
           </a:graphicData>
         </a:graphic>
       </p:graphicFrame>
+      <p:pic>
+        <p:nvPicPr>
+          <p:cNvPr id="2" name="Picture 1">
+            <a:extLst>
+              <a:ext uri="{FF2B5EF4-FFF2-40B4-BE49-F238E27FC236}">
+                <a16:creationId xmlns:a16="http://schemas.microsoft.com/office/drawing/2014/main" id="{3630D0C8-4DB2-8A6E-18FF-CD23C2FFF189}"/>
+              </a:ext>
+            </a:extLst>
+          </p:cNvPr>
+          <p:cNvPicPr>
+            <a:picLocks noChangeAspect="1"/>
+          </p:cNvPicPr>
+          <p:nvPr/>
+        </p:nvPicPr>
+        <p:blipFill>
+          <a:blip r:embed="rId3"/>
+          <a:stretch>
+            <a:fillRect/>
+          </a:stretch>
+        </p:blipFill>
+        <p:spPr>
+          <a:xfrm>
+            <a:off x="4693193" y="990627"/>
+            <a:ext cx="3505200" cy="1955800"/>
+          </a:xfrm>
+          <a:prstGeom prst="rect">
+            <a:avLst/>
+          </a:prstGeom>
+        </p:spPr>
+      </p:pic>
+      <p:pic>
+        <p:nvPicPr>
+          <p:cNvPr id="3" name="Picture 2">
+            <a:extLst>
+              <a:ext uri="{FF2B5EF4-FFF2-40B4-BE49-F238E27FC236}">
+                <a16:creationId xmlns:a16="http://schemas.microsoft.com/office/drawing/2014/main" id="{3581B48E-5CA6-E7A6-FFFF-6E971D8CE424}"/>
+              </a:ext>
+            </a:extLst>
+          </p:cNvPr>
+          <p:cNvPicPr>
+            <a:picLocks noChangeAspect="1"/>
+          </p:cNvPicPr>
+          <p:nvPr/>
+        </p:nvPicPr>
+        <p:blipFill>
+          <a:blip r:embed="rId4"/>
+          <a:stretch>
+            <a:fillRect/>
+          </a:stretch>
+        </p:blipFill>
+        <p:spPr>
+          <a:xfrm>
+            <a:off x="945607" y="941843"/>
+            <a:ext cx="2425747" cy="2026938"/>
+          </a:xfrm>
+          <a:prstGeom prst="rect">
+            <a:avLst/>
+          </a:prstGeom>
+        </p:spPr>
+      </p:pic>
     </p:spTree>
     <p:extLst>
       <p:ext uri="{BB962C8B-B14F-4D97-AF65-F5344CB8AC3E}">
@@ -11898,9 +12527,17 @@
 <file path=ppt/slides/slide19.xml><?xml version="1.0" encoding="utf-8"?>
 <p:sld xmlns:a="http://schemas.openxmlformats.org/drawingml/2006/main" xmlns:r="http://schemas.openxmlformats.org/officeDocument/2006/relationships" xmlns:p="http://schemas.openxmlformats.org/presentationml/2006/main">
   <p:cSld>
+    <p:bg>
+      <p:bgPr>
+        <a:solidFill>
+          <a:srgbClr val="D9EAD3"/>
+        </a:solidFill>
+        <a:effectLst/>
+      </p:bgPr>
+    </p:bg>
     <p:spTree>
       <p:nvGrpSpPr>
-        <p:cNvPr id="1" name="Shape 77"/>
+        <p:cNvPr id="1" name="Shape 72"/>
         <p:cNvGrpSpPr/>
         <p:nvPr/>
       </p:nvGrpSpPr>
@@ -11914,7 +12551,7 @@
       </p:grpSpPr>
       <p:sp>
         <p:nvSpPr>
-          <p:cNvPr id="78" name="Google Shape;78;p17"/>
+          <p:cNvPr id="73" name="Google Shape;73;p16"/>
           <p:cNvSpPr txBox="1">
             <a:spLocks noGrp="1"/>
           </p:cNvSpPr>
@@ -11948,181 +12585,46 @@
             </a:pPr>
             <a:r>
               <a:rPr lang="en" dirty="0"/>
-              <a:t>Component  v - Test Plan (and screenshot)</a:t>
+              <a:t>Component 3 (Trello screenshot)</a:t>
             </a:r>
             <a:endParaRPr dirty="0"/>
           </a:p>
         </p:txBody>
       </p:sp>
-      <p:graphicFrame>
-        <p:nvGraphicFramePr>
-          <p:cNvPr id="79" name="Google Shape;79;p17"/>
-          <p:cNvGraphicFramePr/>
+      <p:pic>
+        <p:nvPicPr>
+          <p:cNvPr id="4" name="Picture 3">
+            <a:extLst>
+              <a:ext uri="{FF2B5EF4-FFF2-40B4-BE49-F238E27FC236}">
+                <a16:creationId xmlns:a16="http://schemas.microsoft.com/office/drawing/2014/main" id="{B32847C1-F9B1-34F7-8A1D-849C91B1EAC5}"/>
+              </a:ext>
+            </a:extLst>
+          </p:cNvPr>
+          <p:cNvPicPr>
+            <a:picLocks noChangeAspect="1"/>
+          </p:cNvPicPr>
           <p:nvPr/>
-        </p:nvGraphicFramePr>
-        <p:xfrm>
-          <a:off x="311700" y="3794967"/>
-          <a:ext cx="8520600" cy="1188660"/>
-        </p:xfrm>
-        <a:graphic>
-          <a:graphicData uri="http://schemas.openxmlformats.org/drawingml/2006/table">
-            <a:tbl>
-              <a:tblPr>
-                <a:noFill/>
-                <a:tableStyleId>{E1099E06-0E6B-448D-9D27-60429F06E6F4}</a:tableStyleId>
-              </a:tblPr>
-              <a:tblGrid>
-                <a:gridCol w="2709796">
-                  <a:extLst>
-                    <a:ext uri="{9D8B030D-6E8A-4147-A177-3AD203B41FA5}">
-                      <a16:colId xmlns:a16="http://schemas.microsoft.com/office/drawing/2014/main" val="20000"/>
-                    </a:ext>
-                  </a:extLst>
-                </a:gridCol>
-                <a:gridCol w="5810804">
-                  <a:extLst>
-                    <a:ext uri="{9D8B030D-6E8A-4147-A177-3AD203B41FA5}">
-                      <a16:colId xmlns:a16="http://schemas.microsoft.com/office/drawing/2014/main" val="20001"/>
-                    </a:ext>
-                  </a:extLst>
-                </a:gridCol>
-              </a:tblGrid>
-              <a:tr h="381000">
-                <a:tc>
-                  <a:txBody>
-                    <a:bodyPr/>
-                    <a:lstStyle/>
-                    <a:p>
-                      <a:pPr marL="0" lvl="0" indent="0" algn="l" rtl="0">
-                        <a:spcBef>
-                          <a:spcPts val="0"/>
-                        </a:spcBef>
-                        <a:spcAft>
-                          <a:spcPts val="0"/>
-                        </a:spcAft>
-                        <a:buNone/>
-                      </a:pPr>
-                      <a:r>
-                        <a:rPr lang="en" sz="1800" b="1" dirty="0"/>
-                        <a:t>Test Case</a:t>
-                      </a:r>
-                      <a:endParaRPr sz="1800" b="1" dirty="0"/>
-                    </a:p>
-                  </a:txBody>
-                  <a:tcPr marL="91425" marR="91425" marT="91425" marB="91425">
-                    <a:solidFill>
-                      <a:srgbClr val="CCCCCC"/>
-                    </a:solidFill>
-                  </a:tcPr>
-                </a:tc>
-                <a:tc>
-                  <a:txBody>
-                    <a:bodyPr/>
-                    <a:lstStyle/>
-                    <a:p>
-                      <a:pPr marL="0" lvl="0" indent="0" algn="l" rtl="0">
-                        <a:spcBef>
-                          <a:spcPts val="0"/>
-                        </a:spcBef>
-                        <a:spcAft>
-                          <a:spcPts val="0"/>
-                        </a:spcAft>
-                        <a:buNone/>
-                      </a:pPr>
-                      <a:r>
-                        <a:rPr lang="en" sz="1800" b="1" dirty="0"/>
-                        <a:t>Expected Values</a:t>
-                      </a:r>
-                      <a:endParaRPr sz="1800" b="1" dirty="0"/>
-                    </a:p>
-                  </a:txBody>
-                  <a:tcPr marL="91425" marR="91425" marT="91425" marB="91425">
-                    <a:solidFill>
-                      <a:srgbClr val="CCCCCC"/>
-                    </a:solidFill>
-                  </a:tcPr>
-                </a:tc>
-                <a:extLst>
-                  <a:ext uri="{0D108BD9-81ED-4DB2-BD59-A6C34878D82A}">
-                    <a16:rowId xmlns:a16="http://schemas.microsoft.com/office/drawing/2014/main" val="10000"/>
-                  </a:ext>
-                </a:extLst>
-              </a:tr>
-              <a:tr h="396200">
-                <a:tc>
-                  <a:txBody>
-                    <a:bodyPr/>
-                    <a:lstStyle/>
-                    <a:p>
-                      <a:pPr marL="0" marR="0" lvl="0" indent="0" algn="l" defTabSz="914400" rtl="0" eaLnBrk="1" fontAlgn="auto" latinLnBrk="0" hangingPunct="1">
-                        <a:lnSpc>
-                          <a:spcPct val="100000"/>
-                        </a:lnSpc>
-                        <a:spcBef>
-                          <a:spcPts val="0"/>
-                        </a:spcBef>
-                        <a:spcAft>
-                          <a:spcPts val="0"/>
-                        </a:spcAft>
-                        <a:buClr>
-                          <a:srgbClr val="000000"/>
-                        </a:buClr>
-                        <a:buSzTx/>
-                        <a:buFont typeface="Arial"/>
-                        <a:buNone/>
-                        <a:tabLst/>
-                        <a:defRPr/>
-                      </a:pPr>
-                      <a:endParaRPr lang="en-US" sz="1800" dirty="0"/>
-                    </a:p>
-                    <a:p>
-                      <a:pPr marL="0" lvl="0" indent="0" algn="l" rtl="0">
-                        <a:spcBef>
-                          <a:spcPts val="0"/>
-                        </a:spcBef>
-                        <a:spcAft>
-                          <a:spcPts val="0"/>
-                        </a:spcAft>
-                        <a:buNone/>
-                      </a:pPr>
-                      <a:endParaRPr sz="1800" dirty="0"/>
-                    </a:p>
-                  </a:txBody>
-                  <a:tcPr marL="91425" marR="91425" marT="91425" marB="91425"/>
-                </a:tc>
-                <a:tc>
-                  <a:txBody>
-                    <a:bodyPr/>
-                    <a:lstStyle/>
-                    <a:p>
-                      <a:pPr marL="0" lvl="0" indent="0" algn="l" rtl="0">
-                        <a:spcBef>
-                          <a:spcPts val="0"/>
-                        </a:spcBef>
-                        <a:spcAft>
-                          <a:spcPts val="0"/>
-                        </a:spcAft>
-                        <a:buNone/>
-                      </a:pPr>
-                      <a:endParaRPr sz="1800" dirty="0"/>
-                    </a:p>
-                  </a:txBody>
-                  <a:tcPr marL="91425" marR="91425" marT="91425" marB="91425"/>
-                </a:tc>
-                <a:extLst>
-                  <a:ext uri="{0D108BD9-81ED-4DB2-BD59-A6C34878D82A}">
-                    <a16:rowId xmlns:a16="http://schemas.microsoft.com/office/drawing/2014/main" val="10001"/>
-                  </a:ext>
-                </a:extLst>
-              </a:tr>
-            </a:tbl>
-          </a:graphicData>
-        </a:graphic>
-      </p:graphicFrame>
+        </p:nvPicPr>
+        <p:blipFill>
+          <a:blip r:embed="rId3"/>
+          <a:stretch>
+            <a:fillRect/>
+          </a:stretch>
+        </p:blipFill>
+        <p:spPr>
+          <a:xfrm>
+            <a:off x="685800" y="959735"/>
+            <a:ext cx="7772400" cy="4183765"/>
+          </a:xfrm>
+          <a:prstGeom prst="rect">
+            <a:avLst/>
+          </a:prstGeom>
+        </p:spPr>
+      </p:pic>
     </p:spTree>
     <p:extLst>
       <p:ext uri="{BB962C8B-B14F-4D97-AF65-F5344CB8AC3E}">
-        <p14:creationId xmlns:p14="http://schemas.microsoft.com/office/powerpoint/2010/main" val="1311563989"/>
+        <p14:creationId xmlns:p14="http://schemas.microsoft.com/office/powerpoint/2010/main" val="2112270054"/>
       </p:ext>
     </p:extLst>
   </p:cSld>
@@ -12347,6 +12849,678 @@
             </a:pPr>
             <a:r>
               <a:rPr lang="en" dirty="0"/>
+              <a:t>Component 3 v4 - Test Plan (and screenshot)</a:t>
+            </a:r>
+            <a:endParaRPr dirty="0"/>
+          </a:p>
+        </p:txBody>
+      </p:sp>
+      <p:graphicFrame>
+        <p:nvGraphicFramePr>
+          <p:cNvPr id="79" name="Google Shape;79;p17"/>
+          <p:cNvGraphicFramePr/>
+          <p:nvPr>
+            <p:extLst>
+              <p:ext uri="{D42A27DB-BD31-4B8C-83A1-F6EECF244321}">
+                <p14:modId xmlns:p14="http://schemas.microsoft.com/office/powerpoint/2010/main" val="3973408417"/>
+              </p:ext>
+            </p:extLst>
+          </p:nvPr>
+        </p:nvGraphicFramePr>
+        <p:xfrm>
+          <a:off x="311700" y="2944178"/>
+          <a:ext cx="8520600" cy="2011620"/>
+        </p:xfrm>
+        <a:graphic>
+          <a:graphicData uri="http://schemas.openxmlformats.org/drawingml/2006/table">
+            <a:tbl>
+              <a:tblPr>
+                <a:noFill/>
+                <a:tableStyleId>{E1099E06-0E6B-448D-9D27-60429F06E6F4}</a:tableStyleId>
+              </a:tblPr>
+              <a:tblGrid>
+                <a:gridCol w="2709796">
+                  <a:extLst>
+                    <a:ext uri="{9D8B030D-6E8A-4147-A177-3AD203B41FA5}">
+                      <a16:colId xmlns:a16="http://schemas.microsoft.com/office/drawing/2014/main" val="20000"/>
+                    </a:ext>
+                  </a:extLst>
+                </a:gridCol>
+                <a:gridCol w="5810804">
+                  <a:extLst>
+                    <a:ext uri="{9D8B030D-6E8A-4147-A177-3AD203B41FA5}">
+                      <a16:colId xmlns:a16="http://schemas.microsoft.com/office/drawing/2014/main" val="20001"/>
+                    </a:ext>
+                  </a:extLst>
+                </a:gridCol>
+              </a:tblGrid>
+              <a:tr h="381000">
+                <a:tc>
+                  <a:txBody>
+                    <a:bodyPr/>
+                    <a:lstStyle/>
+                    <a:p>
+                      <a:pPr marL="0" lvl="0" indent="0" algn="l" rtl="0">
+                        <a:spcBef>
+                          <a:spcPts val="0"/>
+                        </a:spcBef>
+                        <a:spcAft>
+                          <a:spcPts val="0"/>
+                        </a:spcAft>
+                        <a:buNone/>
+                      </a:pPr>
+                      <a:r>
+                        <a:rPr lang="en" sz="1800" b="1" dirty="0"/>
+                        <a:t>Test Case</a:t>
+                      </a:r>
+                      <a:endParaRPr sz="1800" b="1" dirty="0"/>
+                    </a:p>
+                  </a:txBody>
+                  <a:tcPr marL="91425" marR="91425" marT="91425" marB="91425">
+                    <a:solidFill>
+                      <a:srgbClr val="CCCCCC"/>
+                    </a:solidFill>
+                  </a:tcPr>
+                </a:tc>
+                <a:tc>
+                  <a:txBody>
+                    <a:bodyPr/>
+                    <a:lstStyle/>
+                    <a:p>
+                      <a:pPr marL="0" lvl="0" indent="0" algn="l" rtl="0">
+                        <a:spcBef>
+                          <a:spcPts val="0"/>
+                        </a:spcBef>
+                        <a:spcAft>
+                          <a:spcPts val="0"/>
+                        </a:spcAft>
+                        <a:buNone/>
+                      </a:pPr>
+                      <a:r>
+                        <a:rPr lang="en" sz="1800" b="1" dirty="0"/>
+                        <a:t>Expected Values</a:t>
+                      </a:r>
+                      <a:endParaRPr sz="1800" b="1" dirty="0"/>
+                    </a:p>
+                  </a:txBody>
+                  <a:tcPr marL="91425" marR="91425" marT="91425" marB="91425">
+                    <a:solidFill>
+                      <a:srgbClr val="CCCCCC"/>
+                    </a:solidFill>
+                  </a:tcPr>
+                </a:tc>
+                <a:extLst>
+                  <a:ext uri="{0D108BD9-81ED-4DB2-BD59-A6C34878D82A}">
+                    <a16:rowId xmlns:a16="http://schemas.microsoft.com/office/drawing/2014/main" val="10000"/>
+                  </a:ext>
+                </a:extLst>
+              </a:tr>
+              <a:tr h="396200">
+                <a:tc>
+                  <a:txBody>
+                    <a:bodyPr/>
+                    <a:lstStyle/>
+                    <a:p>
+                      <a:pPr marL="0" marR="0" lvl="0" indent="0" algn="l" defTabSz="914400" rtl="0" eaLnBrk="1" fontAlgn="auto" latinLnBrk="0" hangingPunct="1">
+                        <a:lnSpc>
+                          <a:spcPct val="100000"/>
+                        </a:lnSpc>
+                        <a:spcBef>
+                          <a:spcPts val="0"/>
+                        </a:spcBef>
+                        <a:spcAft>
+                          <a:spcPts val="0"/>
+                        </a:spcAft>
+                        <a:buClr>
+                          <a:srgbClr val="000000"/>
+                        </a:buClr>
+                        <a:buSzTx/>
+                        <a:buFont typeface="Arial"/>
+                        <a:buNone/>
+                        <a:tabLst/>
+                        <a:defRPr/>
+                      </a:pPr>
+                      <a:r>
+                        <a:rPr lang="en-US" sz="1800" dirty="0"/>
+                        <a:t>Input name</a:t>
+                      </a:r>
+                    </a:p>
+                    <a:p>
+                      <a:pPr marL="0" marR="0" lvl="0" indent="0" algn="l" defTabSz="914400" rtl="0" eaLnBrk="1" fontAlgn="auto" latinLnBrk="0" hangingPunct="1">
+                        <a:lnSpc>
+                          <a:spcPct val="100000"/>
+                        </a:lnSpc>
+                        <a:spcBef>
+                          <a:spcPts val="0"/>
+                        </a:spcBef>
+                        <a:spcAft>
+                          <a:spcPts val="0"/>
+                        </a:spcAft>
+                        <a:buClr>
+                          <a:srgbClr val="000000"/>
+                        </a:buClr>
+                        <a:buSzTx/>
+                        <a:buFont typeface="Arial"/>
+                        <a:buNone/>
+                        <a:tabLst/>
+                        <a:defRPr/>
+                      </a:pPr>
+                      <a:endParaRPr lang="en-US" sz="1800" dirty="0"/>
+                    </a:p>
+                    <a:p>
+                      <a:pPr marL="0" lvl="0" indent="0" algn="l" rtl="0">
+                        <a:spcBef>
+                          <a:spcPts val="0"/>
+                        </a:spcBef>
+                        <a:spcAft>
+                          <a:spcPts val="0"/>
+                        </a:spcAft>
+                        <a:buNone/>
+                      </a:pPr>
+                      <a:r>
+                        <a:rPr lang="en-US" sz="1800" dirty="0"/>
+                        <a:t>Input number</a:t>
+                      </a:r>
+                    </a:p>
+                    <a:p>
+                      <a:pPr marL="0" lvl="0" indent="0" algn="l" rtl="0">
+                        <a:spcBef>
+                          <a:spcPts val="0"/>
+                        </a:spcBef>
+                        <a:spcAft>
+                          <a:spcPts val="0"/>
+                        </a:spcAft>
+                        <a:buNone/>
+                      </a:pPr>
+                      <a:endParaRPr lang="en-US" sz="1800" dirty="0"/>
+                    </a:p>
+                    <a:p>
+                      <a:pPr marL="0" lvl="0" indent="0" algn="l" rtl="0">
+                        <a:spcBef>
+                          <a:spcPts val="0"/>
+                        </a:spcBef>
+                        <a:spcAft>
+                          <a:spcPts val="0"/>
+                        </a:spcAft>
+                        <a:buNone/>
+                      </a:pPr>
+                      <a:r>
+                        <a:rPr lang="en-US" sz="1800" dirty="0"/>
+                        <a:t>Left input blank</a:t>
+                      </a:r>
+                    </a:p>
+                  </a:txBody>
+                  <a:tcPr marL="91425" marR="91425" marT="91425" marB="91425"/>
+                </a:tc>
+                <a:tc>
+                  <a:txBody>
+                    <a:bodyPr/>
+                    <a:lstStyle/>
+                    <a:p>
+                      <a:pPr marL="0" lvl="0" indent="0" algn="l" rtl="0">
+                        <a:spcBef>
+                          <a:spcPts val="0"/>
+                        </a:spcBef>
+                        <a:spcAft>
+                          <a:spcPts val="0"/>
+                        </a:spcAft>
+                        <a:buNone/>
+                      </a:pPr>
+                      <a:r>
+                        <a:rPr lang="en-US" sz="1800" dirty="0"/>
+                        <a:t>Printed correctly, can input both integers and letters</a:t>
+                      </a:r>
+                    </a:p>
+                    <a:p>
+                      <a:pPr marL="0" lvl="0" indent="0" algn="l" rtl="0">
+                        <a:spcBef>
+                          <a:spcPts val="0"/>
+                        </a:spcBef>
+                        <a:spcAft>
+                          <a:spcPts val="0"/>
+                        </a:spcAft>
+                        <a:buNone/>
+                      </a:pPr>
+                      <a:endParaRPr lang="en-US" sz="1800" dirty="0"/>
+                    </a:p>
+                    <a:p>
+                      <a:pPr marL="0" marR="0" lvl="0" indent="0" algn="l" defTabSz="914400" rtl="0" eaLnBrk="1" fontAlgn="auto" latinLnBrk="0" hangingPunct="1">
+                        <a:lnSpc>
+                          <a:spcPct val="100000"/>
+                        </a:lnSpc>
+                        <a:spcBef>
+                          <a:spcPts val="0"/>
+                        </a:spcBef>
+                        <a:spcAft>
+                          <a:spcPts val="0"/>
+                        </a:spcAft>
+                        <a:buClr>
+                          <a:srgbClr val="000000"/>
+                        </a:buClr>
+                        <a:buSzTx/>
+                        <a:buFont typeface="Arial"/>
+                        <a:buNone/>
+                        <a:tabLst/>
+                        <a:defRPr/>
+                      </a:pPr>
+                      <a:r>
+                        <a:rPr lang="en-US" sz="1800" dirty="0"/>
+                        <a:t>Printed correctly, can input both integers and letters</a:t>
+                      </a:r>
+                    </a:p>
+                    <a:p>
+                      <a:pPr marL="0" marR="0" lvl="0" indent="0" algn="l" defTabSz="914400" rtl="0" eaLnBrk="1" fontAlgn="auto" latinLnBrk="0" hangingPunct="1">
+                        <a:lnSpc>
+                          <a:spcPct val="100000"/>
+                        </a:lnSpc>
+                        <a:spcBef>
+                          <a:spcPts val="0"/>
+                        </a:spcBef>
+                        <a:spcAft>
+                          <a:spcPts val="0"/>
+                        </a:spcAft>
+                        <a:buClr>
+                          <a:srgbClr val="000000"/>
+                        </a:buClr>
+                        <a:buSzTx/>
+                        <a:buFont typeface="Arial"/>
+                        <a:buNone/>
+                        <a:tabLst/>
+                        <a:defRPr/>
+                      </a:pPr>
+                      <a:endParaRPr lang="en-US" sz="1800" dirty="0"/>
+                    </a:p>
+                    <a:p>
+                      <a:pPr marL="0" lvl="0" indent="0" algn="l" rtl="0">
+                        <a:spcBef>
+                          <a:spcPts val="0"/>
+                        </a:spcBef>
+                        <a:spcAft>
+                          <a:spcPts val="0"/>
+                        </a:spcAft>
+                        <a:buNone/>
+                      </a:pPr>
+                      <a:r>
+                        <a:rPr lang="en-US" sz="1800" dirty="0"/>
+                        <a:t>Prints error message and asks for input again</a:t>
+                      </a:r>
+                    </a:p>
+                  </a:txBody>
+                  <a:tcPr marL="91425" marR="91425" marT="91425" marB="91425"/>
+                </a:tc>
+                <a:extLst>
+                  <a:ext uri="{0D108BD9-81ED-4DB2-BD59-A6C34878D82A}">
+                    <a16:rowId xmlns:a16="http://schemas.microsoft.com/office/drawing/2014/main" val="10001"/>
+                  </a:ext>
+                </a:extLst>
+              </a:tr>
+            </a:tbl>
+          </a:graphicData>
+        </a:graphic>
+      </p:graphicFrame>
+      <p:pic>
+        <p:nvPicPr>
+          <p:cNvPr id="2" name="Picture 1">
+            <a:extLst>
+              <a:ext uri="{FF2B5EF4-FFF2-40B4-BE49-F238E27FC236}">
+                <a16:creationId xmlns:a16="http://schemas.microsoft.com/office/drawing/2014/main" id="{E4DEDADA-749C-C5B9-6342-70C0AC123BC0}"/>
+              </a:ext>
+            </a:extLst>
+          </p:cNvPr>
+          <p:cNvPicPr>
+            <a:picLocks noChangeAspect="1"/>
+          </p:cNvPicPr>
+          <p:nvPr/>
+        </p:nvPicPr>
+        <p:blipFill>
+          <a:blip r:embed="rId3"/>
+          <a:stretch>
+            <a:fillRect/>
+          </a:stretch>
+        </p:blipFill>
+        <p:spPr>
+          <a:xfrm>
+            <a:off x="637872" y="1102427"/>
+            <a:ext cx="1653912" cy="1469324"/>
+          </a:xfrm>
+          <a:prstGeom prst="rect">
+            <a:avLst/>
+          </a:prstGeom>
+        </p:spPr>
+      </p:pic>
+      <p:pic>
+        <p:nvPicPr>
+          <p:cNvPr id="3" name="Picture 2">
+            <a:extLst>
+              <a:ext uri="{FF2B5EF4-FFF2-40B4-BE49-F238E27FC236}">
+                <a16:creationId xmlns:a16="http://schemas.microsoft.com/office/drawing/2014/main" id="{7E85D986-0C0C-9612-9274-A7BD5DE41ACF}"/>
+              </a:ext>
+            </a:extLst>
+          </p:cNvPr>
+          <p:cNvPicPr>
+            <a:picLocks noChangeAspect="1"/>
+          </p:cNvPicPr>
+          <p:nvPr/>
+        </p:nvPicPr>
+        <p:blipFill>
+          <a:blip r:embed="rId4"/>
+          <a:stretch>
+            <a:fillRect/>
+          </a:stretch>
+        </p:blipFill>
+        <p:spPr>
+          <a:xfrm>
+            <a:off x="4222142" y="1017725"/>
+            <a:ext cx="3378200" cy="1714500"/>
+          </a:xfrm>
+          <a:prstGeom prst="rect">
+            <a:avLst/>
+          </a:prstGeom>
+        </p:spPr>
+      </p:pic>
+    </p:spTree>
+    <p:extLst>
+      <p:ext uri="{BB962C8B-B14F-4D97-AF65-F5344CB8AC3E}">
+        <p14:creationId xmlns:p14="http://schemas.microsoft.com/office/powerpoint/2010/main" val="1311563989"/>
+      </p:ext>
+    </p:extLst>
+  </p:cSld>
+  <p:clrMapOvr>
+    <a:masterClrMapping/>
+  </p:clrMapOvr>
+</p:sld>
+</file>
+
+<file path=ppt/slides/slide21.xml><?xml version="1.0" encoding="utf-8"?>
+<p:sld xmlns:a="http://schemas.openxmlformats.org/drawingml/2006/main" xmlns:r="http://schemas.openxmlformats.org/officeDocument/2006/relationships" xmlns:p="http://schemas.openxmlformats.org/presentationml/2006/main">
+  <p:cSld>
+    <p:spTree>
+      <p:nvGrpSpPr>
+        <p:cNvPr id="1" name="Shape 77"/>
+        <p:cNvGrpSpPr/>
+        <p:nvPr/>
+      </p:nvGrpSpPr>
+      <p:grpSpPr>
+        <a:xfrm>
+          <a:off x="0" y="0"/>
+          <a:ext cx="0" cy="0"/>
+          <a:chOff x="0" y="0"/>
+          <a:chExt cx="0" cy="0"/>
+        </a:xfrm>
+      </p:grpSpPr>
+      <p:sp>
+        <p:nvSpPr>
+          <p:cNvPr id="78" name="Google Shape;78;p17"/>
+          <p:cNvSpPr txBox="1">
+            <a:spLocks noGrp="1"/>
+          </p:cNvSpPr>
+          <p:nvPr>
+            <p:ph type="title"/>
+          </p:nvPr>
+        </p:nvSpPr>
+        <p:spPr>
+          <a:xfrm>
+            <a:off x="311700" y="445025"/>
+            <a:ext cx="8520600" cy="572700"/>
+          </a:xfrm>
+          <a:prstGeom prst="rect">
+            <a:avLst/>
+          </a:prstGeom>
+        </p:spPr>
+        <p:txBody>
+          <a:bodyPr spcFirstLastPara="1" wrap="square" lIns="91425" tIns="91425" rIns="91425" bIns="91425" anchor="t" anchorCtr="0">
+            <a:noAutofit/>
+          </a:bodyPr>
+          <a:lstStyle/>
+          <a:p>
+            <a:pPr marL="0" lvl="0" indent="0" algn="l" rtl="0">
+              <a:spcBef>
+                <a:spcPts val="0"/>
+              </a:spcBef>
+              <a:spcAft>
+                <a:spcPts val="0"/>
+              </a:spcAft>
+              <a:buNone/>
+            </a:pPr>
+            <a:r>
+              <a:rPr lang="en" dirty="0"/>
+              <a:t>Component 3 v4 - Test Plan (and screenshot)</a:t>
+            </a:r>
+            <a:endParaRPr dirty="0"/>
+          </a:p>
+        </p:txBody>
+      </p:sp>
+      <p:graphicFrame>
+        <p:nvGraphicFramePr>
+          <p:cNvPr id="79" name="Google Shape;79;p17"/>
+          <p:cNvGraphicFramePr/>
+          <p:nvPr/>
+        </p:nvGraphicFramePr>
+        <p:xfrm>
+          <a:off x="311700" y="3794967"/>
+          <a:ext cx="8520600" cy="1188660"/>
+        </p:xfrm>
+        <a:graphic>
+          <a:graphicData uri="http://schemas.openxmlformats.org/drawingml/2006/table">
+            <a:tbl>
+              <a:tblPr>
+                <a:noFill/>
+                <a:tableStyleId>{E1099E06-0E6B-448D-9D27-60429F06E6F4}</a:tableStyleId>
+              </a:tblPr>
+              <a:tblGrid>
+                <a:gridCol w="2709796">
+                  <a:extLst>
+                    <a:ext uri="{9D8B030D-6E8A-4147-A177-3AD203B41FA5}">
+                      <a16:colId xmlns:a16="http://schemas.microsoft.com/office/drawing/2014/main" val="20000"/>
+                    </a:ext>
+                  </a:extLst>
+                </a:gridCol>
+                <a:gridCol w="5810804">
+                  <a:extLst>
+                    <a:ext uri="{9D8B030D-6E8A-4147-A177-3AD203B41FA5}">
+                      <a16:colId xmlns:a16="http://schemas.microsoft.com/office/drawing/2014/main" val="20001"/>
+                    </a:ext>
+                  </a:extLst>
+                </a:gridCol>
+              </a:tblGrid>
+              <a:tr h="381000">
+                <a:tc>
+                  <a:txBody>
+                    <a:bodyPr/>
+                    <a:lstStyle/>
+                    <a:p>
+                      <a:pPr marL="0" lvl="0" indent="0" algn="l" rtl="0">
+                        <a:spcBef>
+                          <a:spcPts val="0"/>
+                        </a:spcBef>
+                        <a:spcAft>
+                          <a:spcPts val="0"/>
+                        </a:spcAft>
+                        <a:buNone/>
+                      </a:pPr>
+                      <a:r>
+                        <a:rPr lang="en" sz="1800" b="1" dirty="0"/>
+                        <a:t>Test Case</a:t>
+                      </a:r>
+                      <a:endParaRPr sz="1800" b="1" dirty="0"/>
+                    </a:p>
+                  </a:txBody>
+                  <a:tcPr marL="91425" marR="91425" marT="91425" marB="91425">
+                    <a:solidFill>
+                      <a:srgbClr val="CCCCCC"/>
+                    </a:solidFill>
+                  </a:tcPr>
+                </a:tc>
+                <a:tc>
+                  <a:txBody>
+                    <a:bodyPr/>
+                    <a:lstStyle/>
+                    <a:p>
+                      <a:pPr marL="0" lvl="0" indent="0" algn="l" rtl="0">
+                        <a:spcBef>
+                          <a:spcPts val="0"/>
+                        </a:spcBef>
+                        <a:spcAft>
+                          <a:spcPts val="0"/>
+                        </a:spcAft>
+                        <a:buNone/>
+                      </a:pPr>
+                      <a:r>
+                        <a:rPr lang="en" sz="1800" b="1" dirty="0"/>
+                        <a:t>Expected Values</a:t>
+                      </a:r>
+                      <a:endParaRPr sz="1800" b="1" dirty="0"/>
+                    </a:p>
+                  </a:txBody>
+                  <a:tcPr marL="91425" marR="91425" marT="91425" marB="91425">
+                    <a:solidFill>
+                      <a:srgbClr val="CCCCCC"/>
+                    </a:solidFill>
+                  </a:tcPr>
+                </a:tc>
+                <a:extLst>
+                  <a:ext uri="{0D108BD9-81ED-4DB2-BD59-A6C34878D82A}">
+                    <a16:rowId xmlns:a16="http://schemas.microsoft.com/office/drawing/2014/main" val="10000"/>
+                  </a:ext>
+                </a:extLst>
+              </a:tr>
+              <a:tr h="396200">
+                <a:tc>
+                  <a:txBody>
+                    <a:bodyPr/>
+                    <a:lstStyle/>
+                    <a:p>
+                      <a:pPr marL="0" marR="0" lvl="0" indent="0" algn="l" defTabSz="914400" rtl="0" eaLnBrk="1" fontAlgn="auto" latinLnBrk="0" hangingPunct="1">
+                        <a:lnSpc>
+                          <a:spcPct val="100000"/>
+                        </a:lnSpc>
+                        <a:spcBef>
+                          <a:spcPts val="0"/>
+                        </a:spcBef>
+                        <a:spcAft>
+                          <a:spcPts val="0"/>
+                        </a:spcAft>
+                        <a:buClr>
+                          <a:srgbClr val="000000"/>
+                        </a:buClr>
+                        <a:buSzTx/>
+                        <a:buFont typeface="Arial"/>
+                        <a:buNone/>
+                        <a:tabLst/>
+                        <a:defRPr/>
+                      </a:pPr>
+                      <a:endParaRPr lang="en-US" sz="1800" dirty="0"/>
+                    </a:p>
+                    <a:p>
+                      <a:pPr marL="0" lvl="0" indent="0" algn="l" rtl="0">
+                        <a:spcBef>
+                          <a:spcPts val="0"/>
+                        </a:spcBef>
+                        <a:spcAft>
+                          <a:spcPts val="0"/>
+                        </a:spcAft>
+                        <a:buNone/>
+                      </a:pPr>
+                      <a:endParaRPr sz="1800" dirty="0"/>
+                    </a:p>
+                  </a:txBody>
+                  <a:tcPr marL="91425" marR="91425" marT="91425" marB="91425"/>
+                </a:tc>
+                <a:tc>
+                  <a:txBody>
+                    <a:bodyPr/>
+                    <a:lstStyle/>
+                    <a:p>
+                      <a:pPr marL="0" lvl="0" indent="0" algn="l" rtl="0">
+                        <a:spcBef>
+                          <a:spcPts val="0"/>
+                        </a:spcBef>
+                        <a:spcAft>
+                          <a:spcPts val="0"/>
+                        </a:spcAft>
+                        <a:buNone/>
+                      </a:pPr>
+                      <a:endParaRPr sz="1800" dirty="0"/>
+                    </a:p>
+                  </a:txBody>
+                  <a:tcPr marL="91425" marR="91425" marT="91425" marB="91425"/>
+                </a:tc>
+                <a:extLst>
+                  <a:ext uri="{0D108BD9-81ED-4DB2-BD59-A6C34878D82A}">
+                    <a16:rowId xmlns:a16="http://schemas.microsoft.com/office/drawing/2014/main" val="10001"/>
+                  </a:ext>
+                </a:extLst>
+              </a:tr>
+            </a:tbl>
+          </a:graphicData>
+        </a:graphic>
+      </p:graphicFrame>
+    </p:spTree>
+    <p:extLst>
+      <p:ext uri="{BB962C8B-B14F-4D97-AF65-F5344CB8AC3E}">
+        <p14:creationId xmlns:p14="http://schemas.microsoft.com/office/powerpoint/2010/main" val="3159212952"/>
+      </p:ext>
+    </p:extLst>
+  </p:cSld>
+  <p:clrMapOvr>
+    <a:masterClrMapping/>
+  </p:clrMapOvr>
+</p:sld>
+</file>
+
+<file path=ppt/slides/slide22.xml><?xml version="1.0" encoding="utf-8"?>
+<p:sld xmlns:a="http://schemas.openxmlformats.org/drawingml/2006/main" xmlns:r="http://schemas.openxmlformats.org/officeDocument/2006/relationships" xmlns:p="http://schemas.openxmlformats.org/presentationml/2006/main">
+  <p:cSld>
+    <p:spTree>
+      <p:nvGrpSpPr>
+        <p:cNvPr id="1" name="Shape 77"/>
+        <p:cNvGrpSpPr/>
+        <p:nvPr/>
+      </p:nvGrpSpPr>
+      <p:grpSpPr>
+        <a:xfrm>
+          <a:off x="0" y="0"/>
+          <a:ext cx="0" cy="0"/>
+          <a:chOff x="0" y="0"/>
+          <a:chExt cx="0" cy="0"/>
+        </a:xfrm>
+      </p:grpSpPr>
+      <p:sp>
+        <p:nvSpPr>
+          <p:cNvPr id="78" name="Google Shape;78;p17"/>
+          <p:cNvSpPr txBox="1">
+            <a:spLocks noGrp="1"/>
+          </p:cNvSpPr>
+          <p:nvPr>
+            <p:ph type="title"/>
+          </p:nvPr>
+        </p:nvSpPr>
+        <p:spPr>
+          <a:xfrm>
+            <a:off x="311700" y="445025"/>
+            <a:ext cx="8520600" cy="572700"/>
+          </a:xfrm>
+          <a:prstGeom prst="rect">
+            <a:avLst/>
+          </a:prstGeom>
+        </p:spPr>
+        <p:txBody>
+          <a:bodyPr spcFirstLastPara="1" wrap="square" lIns="91425" tIns="91425" rIns="91425" bIns="91425" anchor="t" anchorCtr="0">
+            <a:noAutofit/>
+          </a:bodyPr>
+          <a:lstStyle/>
+          <a:p>
+            <a:pPr marL="0" lvl="0" indent="0" algn="l" rtl="0">
+              <a:spcBef>
+                <a:spcPts val="0"/>
+              </a:spcBef>
+              <a:spcAft>
+                <a:spcPts val="0"/>
+              </a:spcAft>
+              <a:buNone/>
+            </a:pPr>
+            <a:r>
+              <a:rPr lang="en" dirty="0"/>
               <a:t>Component  v - Test Plan (and screenshot)</a:t>
             </a:r>
             <a:endParaRPr dirty="0"/>
@@ -12531,7 +13705,244 @@
 </p:sld>
 </file>
 
-<file path=ppt/slides/slide21.xml><?xml version="1.0" encoding="utf-8"?>
+<file path=ppt/slides/slide23.xml><?xml version="1.0" encoding="utf-8"?>
+<p:sld xmlns:a="http://schemas.openxmlformats.org/drawingml/2006/main" xmlns:r="http://schemas.openxmlformats.org/officeDocument/2006/relationships" xmlns:p="http://schemas.openxmlformats.org/presentationml/2006/main">
+  <p:cSld>
+    <p:spTree>
+      <p:nvGrpSpPr>
+        <p:cNvPr id="1" name="Shape 77"/>
+        <p:cNvGrpSpPr/>
+        <p:nvPr/>
+      </p:nvGrpSpPr>
+      <p:grpSpPr>
+        <a:xfrm>
+          <a:off x="0" y="0"/>
+          <a:ext cx="0" cy="0"/>
+          <a:chOff x="0" y="0"/>
+          <a:chExt cx="0" cy="0"/>
+        </a:xfrm>
+      </p:grpSpPr>
+      <p:sp>
+        <p:nvSpPr>
+          <p:cNvPr id="78" name="Google Shape;78;p17"/>
+          <p:cNvSpPr txBox="1">
+            <a:spLocks noGrp="1"/>
+          </p:cNvSpPr>
+          <p:nvPr>
+            <p:ph type="title"/>
+          </p:nvPr>
+        </p:nvSpPr>
+        <p:spPr>
+          <a:xfrm>
+            <a:off x="311700" y="445025"/>
+            <a:ext cx="8520600" cy="572700"/>
+          </a:xfrm>
+          <a:prstGeom prst="rect">
+            <a:avLst/>
+          </a:prstGeom>
+        </p:spPr>
+        <p:txBody>
+          <a:bodyPr spcFirstLastPara="1" wrap="square" lIns="91425" tIns="91425" rIns="91425" bIns="91425" anchor="t" anchorCtr="0">
+            <a:noAutofit/>
+          </a:bodyPr>
+          <a:lstStyle/>
+          <a:p>
+            <a:pPr marL="0" lvl="0" indent="0" algn="l" rtl="0">
+              <a:spcBef>
+                <a:spcPts val="0"/>
+              </a:spcBef>
+              <a:spcAft>
+                <a:spcPts val="0"/>
+              </a:spcAft>
+              <a:buNone/>
+            </a:pPr>
+            <a:r>
+              <a:rPr lang="en" dirty="0"/>
+              <a:t>Component  v - Test Plan (and screenshot)</a:t>
+            </a:r>
+            <a:endParaRPr dirty="0"/>
+          </a:p>
+        </p:txBody>
+      </p:sp>
+      <p:graphicFrame>
+        <p:nvGraphicFramePr>
+          <p:cNvPr id="79" name="Google Shape;79;p17"/>
+          <p:cNvGraphicFramePr/>
+          <p:nvPr/>
+        </p:nvGraphicFramePr>
+        <p:xfrm>
+          <a:off x="311700" y="3794967"/>
+          <a:ext cx="8520600" cy="1188660"/>
+        </p:xfrm>
+        <a:graphic>
+          <a:graphicData uri="http://schemas.openxmlformats.org/drawingml/2006/table">
+            <a:tbl>
+              <a:tblPr>
+                <a:noFill/>
+                <a:tableStyleId>{E1099E06-0E6B-448D-9D27-60429F06E6F4}</a:tableStyleId>
+              </a:tblPr>
+              <a:tblGrid>
+                <a:gridCol w="2709796">
+                  <a:extLst>
+                    <a:ext uri="{9D8B030D-6E8A-4147-A177-3AD203B41FA5}">
+                      <a16:colId xmlns:a16="http://schemas.microsoft.com/office/drawing/2014/main" val="20000"/>
+                    </a:ext>
+                  </a:extLst>
+                </a:gridCol>
+                <a:gridCol w="5810804">
+                  <a:extLst>
+                    <a:ext uri="{9D8B030D-6E8A-4147-A177-3AD203B41FA5}">
+                      <a16:colId xmlns:a16="http://schemas.microsoft.com/office/drawing/2014/main" val="20001"/>
+                    </a:ext>
+                  </a:extLst>
+                </a:gridCol>
+              </a:tblGrid>
+              <a:tr h="381000">
+                <a:tc>
+                  <a:txBody>
+                    <a:bodyPr/>
+                    <a:lstStyle/>
+                    <a:p>
+                      <a:pPr marL="0" lvl="0" indent="0" algn="l" rtl="0">
+                        <a:spcBef>
+                          <a:spcPts val="0"/>
+                        </a:spcBef>
+                        <a:spcAft>
+                          <a:spcPts val="0"/>
+                        </a:spcAft>
+                        <a:buNone/>
+                      </a:pPr>
+                      <a:r>
+                        <a:rPr lang="en" sz="1800" b="1" dirty="0"/>
+                        <a:t>Test Case</a:t>
+                      </a:r>
+                      <a:endParaRPr sz="1800" b="1" dirty="0"/>
+                    </a:p>
+                  </a:txBody>
+                  <a:tcPr marL="91425" marR="91425" marT="91425" marB="91425">
+                    <a:solidFill>
+                      <a:srgbClr val="CCCCCC"/>
+                    </a:solidFill>
+                  </a:tcPr>
+                </a:tc>
+                <a:tc>
+                  <a:txBody>
+                    <a:bodyPr/>
+                    <a:lstStyle/>
+                    <a:p>
+                      <a:pPr marL="0" lvl="0" indent="0" algn="l" rtl="0">
+                        <a:spcBef>
+                          <a:spcPts val="0"/>
+                        </a:spcBef>
+                        <a:spcAft>
+                          <a:spcPts val="0"/>
+                        </a:spcAft>
+                        <a:buNone/>
+                      </a:pPr>
+                      <a:r>
+                        <a:rPr lang="en" sz="1800" b="1" dirty="0"/>
+                        <a:t>Expected Values</a:t>
+                      </a:r>
+                      <a:endParaRPr sz="1800" b="1" dirty="0"/>
+                    </a:p>
+                  </a:txBody>
+                  <a:tcPr marL="91425" marR="91425" marT="91425" marB="91425">
+                    <a:solidFill>
+                      <a:srgbClr val="CCCCCC"/>
+                    </a:solidFill>
+                  </a:tcPr>
+                </a:tc>
+                <a:extLst>
+                  <a:ext uri="{0D108BD9-81ED-4DB2-BD59-A6C34878D82A}">
+                    <a16:rowId xmlns:a16="http://schemas.microsoft.com/office/drawing/2014/main" val="10000"/>
+                  </a:ext>
+                </a:extLst>
+              </a:tr>
+              <a:tr h="396200">
+                <a:tc>
+                  <a:txBody>
+                    <a:bodyPr/>
+                    <a:lstStyle/>
+                    <a:p>
+                      <a:pPr marL="0" marR="0" lvl="0" indent="0" algn="l" defTabSz="914400" rtl="0" eaLnBrk="1" fontAlgn="auto" latinLnBrk="0" hangingPunct="1">
+                        <a:lnSpc>
+                          <a:spcPct val="100000"/>
+                        </a:lnSpc>
+                        <a:spcBef>
+                          <a:spcPts val="0"/>
+                        </a:spcBef>
+                        <a:spcAft>
+                          <a:spcPts val="0"/>
+                        </a:spcAft>
+                        <a:buClr>
+                          <a:srgbClr val="000000"/>
+                        </a:buClr>
+                        <a:buSzTx/>
+                        <a:buFont typeface="Arial"/>
+                        <a:buNone/>
+                        <a:tabLst/>
+                        <a:defRPr/>
+                      </a:pPr>
+                      <a:endParaRPr lang="en-US" sz="1800" dirty="0"/>
+                    </a:p>
+                    <a:p>
+                      <a:pPr marL="0" lvl="0" indent="0" algn="l" rtl="0">
+                        <a:spcBef>
+                          <a:spcPts val="0"/>
+                        </a:spcBef>
+                        <a:spcAft>
+                          <a:spcPts val="0"/>
+                        </a:spcAft>
+                        <a:buNone/>
+                      </a:pPr>
+                      <a:endParaRPr sz="1800" dirty="0"/>
+                    </a:p>
+                  </a:txBody>
+                  <a:tcPr marL="91425" marR="91425" marT="91425" marB="91425"/>
+                </a:tc>
+                <a:tc>
+                  <a:txBody>
+                    <a:bodyPr/>
+                    <a:lstStyle/>
+                    <a:p>
+                      <a:pPr marL="0" lvl="0" indent="0" algn="l" rtl="0">
+                        <a:spcBef>
+                          <a:spcPts val="0"/>
+                        </a:spcBef>
+                        <a:spcAft>
+                          <a:spcPts val="0"/>
+                        </a:spcAft>
+                        <a:buNone/>
+                      </a:pPr>
+                      <a:endParaRPr sz="1800" dirty="0"/>
+                    </a:p>
+                  </a:txBody>
+                  <a:tcPr marL="91425" marR="91425" marT="91425" marB="91425"/>
+                </a:tc>
+                <a:extLst>
+                  <a:ext uri="{0D108BD9-81ED-4DB2-BD59-A6C34878D82A}">
+                    <a16:rowId xmlns:a16="http://schemas.microsoft.com/office/drawing/2014/main" val="10001"/>
+                  </a:ext>
+                </a:extLst>
+              </a:tr>
+            </a:tbl>
+          </a:graphicData>
+        </a:graphic>
+      </p:graphicFrame>
+    </p:spTree>
+    <p:extLst>
+      <p:ext uri="{BB962C8B-B14F-4D97-AF65-F5344CB8AC3E}">
+        <p14:creationId xmlns:p14="http://schemas.microsoft.com/office/powerpoint/2010/main" val="285503574"/>
+      </p:ext>
+    </p:extLst>
+  </p:cSld>
+  <p:clrMapOvr>
+    <a:masterClrMapping/>
+  </p:clrMapOvr>
+</p:sld>
+</file>
+
+<file path=ppt/slides/slide24.xml><?xml version="1.0" encoding="utf-8"?>
 <p:sld xmlns:a="http://schemas.openxmlformats.org/drawingml/2006/main" xmlns:r="http://schemas.openxmlformats.org/officeDocument/2006/relationships" xmlns:p="http://schemas.openxmlformats.org/presentationml/2006/main">
   <p:cSld>
     <p:bg>
@@ -12648,7 +14059,7 @@
 </p:sld>
 </file>
 
-<file path=ppt/slides/slide22.xml><?xml version="1.0" encoding="utf-8"?>
+<file path=ppt/slides/slide25.xml><?xml version="1.0" encoding="utf-8"?>
 <p:sld xmlns:a="http://schemas.openxmlformats.org/drawingml/2006/main" xmlns:r="http://schemas.openxmlformats.org/officeDocument/2006/relationships" xmlns:p="http://schemas.openxmlformats.org/presentationml/2006/main">
   <p:cSld>
     <p:bg>

--- a/Python.pptx
+++ b/Python.pptx
@@ -5,7 +5,7 @@
     <p:sldMasterId id="2147483659" r:id="rId1"/>
   </p:sldMasterIdLst>
   <p:notesMasterIdLst>
-    <p:notesMasterId r:id="rId27"/>
+    <p:notesMasterId r:id="rId31"/>
   </p:notesMasterIdLst>
   <p:sldIdLst>
     <p:sldId id="256" r:id="rId2"/>
@@ -28,11 +28,15 @@
     <p:sldId id="276" r:id="rId19"/>
     <p:sldId id="279" r:id="rId20"/>
     <p:sldId id="277" r:id="rId21"/>
-    <p:sldId id="281" r:id="rId22"/>
-    <p:sldId id="278" r:id="rId23"/>
-    <p:sldId id="280" r:id="rId24"/>
-    <p:sldId id="261" r:id="rId25"/>
-    <p:sldId id="262" r:id="rId26"/>
+    <p:sldId id="282" r:id="rId22"/>
+    <p:sldId id="281" r:id="rId23"/>
+    <p:sldId id="285" r:id="rId24"/>
+    <p:sldId id="278" r:id="rId25"/>
+    <p:sldId id="284" r:id="rId26"/>
+    <p:sldId id="283" r:id="rId27"/>
+    <p:sldId id="280" r:id="rId28"/>
+    <p:sldId id="261" r:id="rId29"/>
+    <p:sldId id="262" r:id="rId30"/>
   </p:sldIdLst>
   <p:sldSz cx="9144000" cy="5143500" type="screen16x9"/>
   <p:notesSz cx="6858000" cy="9144000"/>
@@ -287,7 +291,7 @@
 <file path=ppt/revisionInfo.xml><?xml version="1.0" encoding="utf-8"?>
 <p1510:revInfo xmlns:a="http://schemas.openxmlformats.org/drawingml/2006/main" xmlns:r="http://schemas.openxmlformats.org/officeDocument/2006/relationships" xmlns:p1510="http://schemas.microsoft.com/office/powerpoint/2015/10/main">
   <p1510:revLst>
-    <p1510:client id="{268579DD-9F3E-DD42-ADBD-2C5BCBEBF3D0}" v="67" dt="2023-05-11T23:58:34.509"/>
+    <p1510:client id="{268579DD-9F3E-DD42-ADBD-2C5BCBEBF3D0}" v="74" dt="2023-05-12T08:02:56.160"/>
   </p1510:revLst>
 </p1510:revInfo>
 </file>
@@ -297,7 +301,7 @@
   <pc:docChgLst>
     <pc:chgData name="Kaitlin Eustaquio" userId="1db1b819-5a69-4e28-a1f3-107bdd323ba9" providerId="ADAL" clId="{268579DD-9F3E-DD42-ADBD-2C5BCBEBF3D0}"/>
     <pc:docChg chg="undo redo custSel addSld delSld modSld sldOrd">
-      <pc:chgData name="Kaitlin Eustaquio" userId="1db1b819-5a69-4e28-a1f3-107bdd323ba9" providerId="ADAL" clId="{268579DD-9F3E-DD42-ADBD-2C5BCBEBF3D0}" dt="2023-05-11T23:58:45.305" v="1580" actId="1076"/>
+      <pc:chgData name="Kaitlin Eustaquio" userId="1db1b819-5a69-4e28-a1f3-107bdd323ba9" providerId="ADAL" clId="{268579DD-9F3E-DD42-ADBD-2C5BCBEBF3D0}" dt="2023-05-12T08:03:47.103" v="1702" actId="14734"/>
       <pc:docMkLst>
         <pc:docMk/>
       </pc:docMkLst>
@@ -1129,12 +1133,20 @@
           </ac:picMkLst>
         </pc:picChg>
       </pc:sldChg>
-      <pc:sldChg chg="add">
-        <pc:chgData name="Kaitlin Eustaquio" userId="1db1b819-5a69-4e28-a1f3-107bdd323ba9" providerId="ADAL" clId="{268579DD-9F3E-DD42-ADBD-2C5BCBEBF3D0}" dt="2023-05-09T22:46:58.914" v="1467" actId="2890"/>
+      <pc:sldChg chg="modSp add mod">
+        <pc:chgData name="Kaitlin Eustaquio" userId="1db1b819-5a69-4e28-a1f3-107bdd323ba9" providerId="ADAL" clId="{268579DD-9F3E-DD42-ADBD-2C5BCBEBF3D0}" dt="2023-05-12T08:03:47.103" v="1702" actId="14734"/>
         <pc:sldMkLst>
           <pc:docMk/>
           <pc:sldMk cId="2084576816" sldId="278"/>
         </pc:sldMkLst>
+        <pc:graphicFrameChg chg="mod modGraphic">
+          <ac:chgData name="Kaitlin Eustaquio" userId="1db1b819-5a69-4e28-a1f3-107bdd323ba9" providerId="ADAL" clId="{268579DD-9F3E-DD42-ADBD-2C5BCBEBF3D0}" dt="2023-05-12T08:03:47.103" v="1702" actId="14734"/>
+          <ac:graphicFrameMkLst>
+            <pc:docMk/>
+            <pc:sldMk cId="2084576816" sldId="278"/>
+            <ac:graphicFrameMk id="79" creationId="{00000000-0000-0000-0000-000000000000}"/>
+          </ac:graphicFrameMkLst>
+        </pc:graphicFrameChg>
       </pc:sldChg>
       <pc:sldChg chg="addSp delSp modSp add mod ord">
         <pc:chgData name="Kaitlin Eustaquio" userId="1db1b819-5a69-4e28-a1f3-107bdd323ba9" providerId="ADAL" clId="{268579DD-9F3E-DD42-ADBD-2C5BCBEBF3D0}" dt="2023-05-11T23:57:11.162" v="1566" actId="20578"/>
@@ -1174,12 +1186,112 @@
           <pc:sldMk cId="285503574" sldId="280"/>
         </pc:sldMkLst>
       </pc:sldChg>
-      <pc:sldChg chg="add">
-        <pc:chgData name="Kaitlin Eustaquio" userId="1db1b819-5a69-4e28-a1f3-107bdd323ba9" providerId="ADAL" clId="{268579DD-9F3E-DD42-ADBD-2C5BCBEBF3D0}" dt="2023-05-11T23:57:28.148" v="1570" actId="2890"/>
+      <pc:sldChg chg="addSp modSp add mod">
+        <pc:chgData name="Kaitlin Eustaquio" userId="1db1b819-5a69-4e28-a1f3-107bdd323ba9" providerId="ADAL" clId="{268579DD-9F3E-DD42-ADBD-2C5BCBEBF3D0}" dt="2023-05-12T07:58:59.453" v="1679" actId="20577"/>
         <pc:sldMkLst>
           <pc:docMk/>
           <pc:sldMk cId="3159212952" sldId="281"/>
         </pc:sldMkLst>
+        <pc:spChg chg="mod">
+          <ac:chgData name="Kaitlin Eustaquio" userId="1db1b819-5a69-4e28-a1f3-107bdd323ba9" providerId="ADAL" clId="{268579DD-9F3E-DD42-ADBD-2C5BCBEBF3D0}" dt="2023-05-12T07:50:38.979" v="1591" actId="20577"/>
+          <ac:spMkLst>
+            <pc:docMk/>
+            <pc:sldMk cId="3159212952" sldId="281"/>
+            <ac:spMk id="78" creationId="{00000000-0000-0000-0000-000000000000}"/>
+          </ac:spMkLst>
+        </pc:spChg>
+        <pc:graphicFrameChg chg="mod modGraphic">
+          <ac:chgData name="Kaitlin Eustaquio" userId="1db1b819-5a69-4e28-a1f3-107bdd323ba9" providerId="ADAL" clId="{268579DD-9F3E-DD42-ADBD-2C5BCBEBF3D0}" dt="2023-05-12T07:58:59.453" v="1679" actId="20577"/>
+          <ac:graphicFrameMkLst>
+            <pc:docMk/>
+            <pc:sldMk cId="3159212952" sldId="281"/>
+            <ac:graphicFrameMk id="79" creationId="{00000000-0000-0000-0000-000000000000}"/>
+          </ac:graphicFrameMkLst>
+        </pc:graphicFrameChg>
+        <pc:picChg chg="add mod">
+          <ac:chgData name="Kaitlin Eustaquio" userId="1db1b819-5a69-4e28-a1f3-107bdd323ba9" providerId="ADAL" clId="{268579DD-9F3E-DD42-ADBD-2C5BCBEBF3D0}" dt="2023-05-12T07:56:10.436" v="1603" actId="1076"/>
+          <ac:picMkLst>
+            <pc:docMk/>
+            <pc:sldMk cId="3159212952" sldId="281"/>
+            <ac:picMk id="2" creationId="{BF868FE8-10FF-CCE7-3014-6BC0092D05C5}"/>
+          </ac:picMkLst>
+        </pc:picChg>
+        <pc:picChg chg="add mod">
+          <ac:chgData name="Kaitlin Eustaquio" userId="1db1b819-5a69-4e28-a1f3-107bdd323ba9" providerId="ADAL" clId="{268579DD-9F3E-DD42-ADBD-2C5BCBEBF3D0}" dt="2023-05-12T07:56:11.291" v="1604" actId="1076"/>
+          <ac:picMkLst>
+            <pc:docMk/>
+            <pc:sldMk cId="3159212952" sldId="281"/>
+            <ac:picMk id="3" creationId="{65B2AC28-EA39-641B-E7FB-7020C3EFC983}"/>
+          </ac:picMkLst>
+        </pc:picChg>
+      </pc:sldChg>
+      <pc:sldChg chg="addSp delSp modSp add mod ord">
+        <pc:chgData name="Kaitlin Eustaquio" userId="1db1b819-5a69-4e28-a1f3-107bdd323ba9" providerId="ADAL" clId="{268579DD-9F3E-DD42-ADBD-2C5BCBEBF3D0}" dt="2023-05-12T07:50:33.386" v="1587" actId="20577"/>
+        <pc:sldMkLst>
+          <pc:docMk/>
+          <pc:sldMk cId="1700137483" sldId="282"/>
+        </pc:sldMkLst>
+        <pc:spChg chg="mod">
+          <ac:chgData name="Kaitlin Eustaquio" userId="1db1b819-5a69-4e28-a1f3-107bdd323ba9" providerId="ADAL" clId="{268579DD-9F3E-DD42-ADBD-2C5BCBEBF3D0}" dt="2023-05-12T07:50:33.386" v="1587" actId="20577"/>
+          <ac:spMkLst>
+            <pc:docMk/>
+            <pc:sldMk cId="1700137483" sldId="282"/>
+            <ac:spMk id="73" creationId="{00000000-0000-0000-0000-000000000000}"/>
+          </ac:spMkLst>
+        </pc:spChg>
+        <pc:picChg chg="add mod">
+          <ac:chgData name="Kaitlin Eustaquio" userId="1db1b819-5a69-4e28-a1f3-107bdd323ba9" providerId="ADAL" clId="{268579DD-9F3E-DD42-ADBD-2C5BCBEBF3D0}" dt="2023-05-12T07:49:39.424" v="1585" actId="1076"/>
+          <ac:picMkLst>
+            <pc:docMk/>
+            <pc:sldMk cId="1700137483" sldId="282"/>
+            <ac:picMk id="2" creationId="{7A58FA95-01F5-FD8E-98A3-D72859C225BC}"/>
+          </ac:picMkLst>
+        </pc:picChg>
+        <pc:picChg chg="del">
+          <ac:chgData name="Kaitlin Eustaquio" userId="1db1b819-5a69-4e28-a1f3-107bdd323ba9" providerId="ADAL" clId="{268579DD-9F3E-DD42-ADBD-2C5BCBEBF3D0}" dt="2023-05-12T07:49:37.865" v="1583" actId="478"/>
+          <ac:picMkLst>
+            <pc:docMk/>
+            <pc:sldMk cId="1700137483" sldId="282"/>
+            <ac:picMk id="4" creationId="{B32847C1-F9B1-34F7-8A1D-849C91B1EAC5}"/>
+          </ac:picMkLst>
+        </pc:picChg>
+      </pc:sldChg>
+      <pc:sldChg chg="add">
+        <pc:chgData name="Kaitlin Eustaquio" userId="1db1b819-5a69-4e28-a1f3-107bdd323ba9" providerId="ADAL" clId="{268579DD-9F3E-DD42-ADBD-2C5BCBEBF3D0}" dt="2023-05-12T08:00:08.624" v="1680" actId="2890"/>
+        <pc:sldMkLst>
+          <pc:docMk/>
+          <pc:sldMk cId="3342802139" sldId="283"/>
+        </pc:sldMkLst>
+      </pc:sldChg>
+      <pc:sldChg chg="add">
+        <pc:chgData name="Kaitlin Eustaquio" userId="1db1b819-5a69-4e28-a1f3-107bdd323ba9" providerId="ADAL" clId="{268579DD-9F3E-DD42-ADBD-2C5BCBEBF3D0}" dt="2023-05-12T08:00:10.417" v="1681" actId="2890"/>
+        <pc:sldMkLst>
+          <pc:docMk/>
+          <pc:sldMk cId="974398969" sldId="284"/>
+        </pc:sldMkLst>
+      </pc:sldChg>
+      <pc:sldChg chg="addSp delSp modSp add mod ord">
+        <pc:chgData name="Kaitlin Eustaquio" userId="1db1b819-5a69-4e28-a1f3-107bdd323ba9" providerId="ADAL" clId="{268579DD-9F3E-DD42-ADBD-2C5BCBEBF3D0}" dt="2023-05-12T08:02:42.495" v="1686" actId="1076"/>
+        <pc:sldMkLst>
+          <pc:docMk/>
+          <pc:sldMk cId="2472364702" sldId="285"/>
+        </pc:sldMkLst>
+        <pc:picChg chg="del">
+          <ac:chgData name="Kaitlin Eustaquio" userId="1db1b819-5a69-4e28-a1f3-107bdd323ba9" providerId="ADAL" clId="{268579DD-9F3E-DD42-ADBD-2C5BCBEBF3D0}" dt="2023-05-12T08:02:41.211" v="1684" actId="478"/>
+          <ac:picMkLst>
+            <pc:docMk/>
+            <pc:sldMk cId="2472364702" sldId="285"/>
+            <ac:picMk id="2" creationId="{7A58FA95-01F5-FD8E-98A3-D72859C225BC}"/>
+          </ac:picMkLst>
+        </pc:picChg>
+        <pc:picChg chg="add mod">
+          <ac:chgData name="Kaitlin Eustaquio" userId="1db1b819-5a69-4e28-a1f3-107bdd323ba9" providerId="ADAL" clId="{268579DD-9F3E-DD42-ADBD-2C5BCBEBF3D0}" dt="2023-05-12T08:02:42.495" v="1686" actId="1076"/>
+          <ac:picMkLst>
+            <pc:docMk/>
+            <pc:sldMk cId="2472364702" sldId="285"/>
+            <ac:picMk id="3" creationId="{B7CE1929-3C4A-9E09-8A51-05B56744F7BD}"/>
+          </ac:picMkLst>
+        </pc:picChg>
       </pc:sldChg>
     </pc:docChg>
   </pc:docChgLst>
@@ -3043,7 +3155,7 @@
   <p:cSld>
     <p:spTree>
       <p:nvGrpSpPr>
-        <p:cNvPr id="1" name="Shape 74"/>
+        <p:cNvPr id="1" name="Shape 69"/>
         <p:cNvGrpSpPr/>
         <p:nvPr/>
       </p:nvGrpSpPr>
@@ -3057,7 +3169,7 @@
       </p:grpSpPr>
       <p:sp>
         <p:nvSpPr>
-          <p:cNvPr id="75" name="Google Shape;75;gac10fef634_0_20:notes"/>
+          <p:cNvPr id="70" name="Google Shape;70;gac10fef634_0_16:notes"/>
           <p:cNvSpPr>
             <a:spLocks noGrp="1" noRot="1" noChangeAspect="1"/>
           </p:cNvSpPr>
@@ -3098,7 +3210,7 @@
       </p:sp>
       <p:sp>
         <p:nvSpPr>
-          <p:cNvPr id="76" name="Google Shape;76;gac10fef634_0_20:notes"/>
+          <p:cNvPr id="71" name="Google Shape;71;gac10fef634_0_16:notes"/>
           <p:cNvSpPr txBox="1">
             <a:spLocks noGrp="1"/>
           </p:cNvSpPr>
@@ -3137,7 +3249,7 @@
     </p:spTree>
     <p:extLst>
       <p:ext uri="{BB962C8B-B14F-4D97-AF65-F5344CB8AC3E}">
-        <p14:creationId xmlns:p14="http://schemas.microsoft.com/office/powerpoint/2010/main" val="3777834425"/>
+        <p14:creationId xmlns:p14="http://schemas.microsoft.com/office/powerpoint/2010/main" val="3490831961"/>
       </p:ext>
     </p:extLst>
   </p:cSld>
@@ -3246,7 +3358,7 @@
     </p:spTree>
     <p:extLst>
       <p:ext uri="{BB962C8B-B14F-4D97-AF65-F5344CB8AC3E}">
-        <p14:creationId xmlns:p14="http://schemas.microsoft.com/office/powerpoint/2010/main" val="3159739832"/>
+        <p14:creationId xmlns:p14="http://schemas.microsoft.com/office/powerpoint/2010/main" val="3777834425"/>
       </p:ext>
     </p:extLst>
   </p:cSld>
@@ -3257,6 +3369,115 @@
 </file>
 
 <file path=ppt/notesSlides/notesSlide23.xml><?xml version="1.0" encoding="utf-8"?>
+<p:notes xmlns:a="http://schemas.openxmlformats.org/drawingml/2006/main" xmlns:r="http://schemas.openxmlformats.org/officeDocument/2006/relationships" xmlns:p="http://schemas.openxmlformats.org/presentationml/2006/main" showMasterSp="0" showMasterPhAnim="0">
+  <p:cSld>
+    <p:spTree>
+      <p:nvGrpSpPr>
+        <p:cNvPr id="1" name="Shape 69"/>
+        <p:cNvGrpSpPr/>
+        <p:nvPr/>
+      </p:nvGrpSpPr>
+      <p:grpSpPr>
+        <a:xfrm>
+          <a:off x="0" y="0"/>
+          <a:ext cx="0" cy="0"/>
+          <a:chOff x="0" y="0"/>
+          <a:chExt cx="0" cy="0"/>
+        </a:xfrm>
+      </p:grpSpPr>
+      <p:sp>
+        <p:nvSpPr>
+          <p:cNvPr id="70" name="Google Shape;70;gac10fef634_0_16:notes"/>
+          <p:cNvSpPr>
+            <a:spLocks noGrp="1" noRot="1" noChangeAspect="1"/>
+          </p:cNvSpPr>
+          <p:nvPr>
+            <p:ph type="sldImg" idx="2"/>
+          </p:nvPr>
+        </p:nvSpPr>
+        <p:spPr>
+          <a:xfrm>
+            <a:off x="381000" y="685800"/>
+            <a:ext cx="6096000" cy="3429000"/>
+          </a:xfrm>
+          <a:custGeom>
+            <a:avLst/>
+            <a:gdLst/>
+            <a:ahLst/>
+            <a:cxnLst/>
+            <a:rect l="l" t="t" r="r" b="b"/>
+            <a:pathLst>
+              <a:path w="120000" h="120000" extrusionOk="0">
+                <a:moveTo>
+                  <a:pt x="0" y="0"/>
+                </a:moveTo>
+                <a:lnTo>
+                  <a:pt x="120000" y="0"/>
+                </a:lnTo>
+                <a:lnTo>
+                  <a:pt x="120000" y="120000"/>
+                </a:lnTo>
+                <a:lnTo>
+                  <a:pt x="0" y="120000"/>
+                </a:lnTo>
+                <a:close/>
+              </a:path>
+            </a:pathLst>
+          </a:custGeom>
+        </p:spPr>
+      </p:sp>
+      <p:sp>
+        <p:nvSpPr>
+          <p:cNvPr id="71" name="Google Shape;71;gac10fef634_0_16:notes"/>
+          <p:cNvSpPr txBox="1">
+            <a:spLocks noGrp="1"/>
+          </p:cNvSpPr>
+          <p:nvPr>
+            <p:ph type="body" idx="1"/>
+          </p:nvPr>
+        </p:nvSpPr>
+        <p:spPr>
+          <a:xfrm>
+            <a:off x="685800" y="4343400"/>
+            <a:ext cx="5486400" cy="4114800"/>
+          </a:xfrm>
+          <a:prstGeom prst="rect">
+            <a:avLst/>
+          </a:prstGeom>
+        </p:spPr>
+        <p:txBody>
+          <a:bodyPr spcFirstLastPara="1" wrap="square" lIns="91425" tIns="91425" rIns="91425" bIns="91425" anchor="t" anchorCtr="0">
+            <a:noAutofit/>
+          </a:bodyPr>
+          <a:lstStyle/>
+          <a:p>
+            <a:pPr marL="0" lvl="0" indent="0" algn="l" rtl="0">
+              <a:spcBef>
+                <a:spcPts val="0"/>
+              </a:spcBef>
+              <a:spcAft>
+                <a:spcPts val="0"/>
+              </a:spcAft>
+              <a:buNone/>
+            </a:pPr>
+            <a:endParaRPr/>
+          </a:p>
+        </p:txBody>
+      </p:sp>
+    </p:spTree>
+    <p:extLst>
+      <p:ext uri="{BB962C8B-B14F-4D97-AF65-F5344CB8AC3E}">
+        <p14:creationId xmlns:p14="http://schemas.microsoft.com/office/powerpoint/2010/main" val="3742646267"/>
+      </p:ext>
+    </p:extLst>
+  </p:cSld>
+  <p:clrMapOvr>
+    <a:masterClrMapping/>
+  </p:clrMapOvr>
+</p:notes>
+</file>
+
+<file path=ppt/notesSlides/notesSlide24.xml><?xml version="1.0" encoding="utf-8"?>
 <p:notes xmlns:a="http://schemas.openxmlformats.org/drawingml/2006/main" xmlns:r="http://schemas.openxmlformats.org/officeDocument/2006/relationships" xmlns:p="http://schemas.openxmlformats.org/presentationml/2006/main" showMasterSp="0" showMasterPhAnim="0">
   <p:cSld>
     <p:spTree>
@@ -3355,6 +3576,333 @@
     </p:spTree>
     <p:extLst>
       <p:ext uri="{BB962C8B-B14F-4D97-AF65-F5344CB8AC3E}">
+        <p14:creationId xmlns:p14="http://schemas.microsoft.com/office/powerpoint/2010/main" val="3159739832"/>
+      </p:ext>
+    </p:extLst>
+  </p:cSld>
+  <p:clrMapOvr>
+    <a:masterClrMapping/>
+  </p:clrMapOvr>
+</p:notes>
+</file>
+
+<file path=ppt/notesSlides/notesSlide25.xml><?xml version="1.0" encoding="utf-8"?>
+<p:notes xmlns:a="http://schemas.openxmlformats.org/drawingml/2006/main" xmlns:r="http://schemas.openxmlformats.org/officeDocument/2006/relationships" xmlns:p="http://schemas.openxmlformats.org/presentationml/2006/main" showMasterSp="0" showMasterPhAnim="0">
+  <p:cSld>
+    <p:spTree>
+      <p:nvGrpSpPr>
+        <p:cNvPr id="1" name="Shape 74"/>
+        <p:cNvGrpSpPr/>
+        <p:nvPr/>
+      </p:nvGrpSpPr>
+      <p:grpSpPr>
+        <a:xfrm>
+          <a:off x="0" y="0"/>
+          <a:ext cx="0" cy="0"/>
+          <a:chOff x="0" y="0"/>
+          <a:chExt cx="0" cy="0"/>
+        </a:xfrm>
+      </p:grpSpPr>
+      <p:sp>
+        <p:nvSpPr>
+          <p:cNvPr id="75" name="Google Shape;75;gac10fef634_0_20:notes"/>
+          <p:cNvSpPr>
+            <a:spLocks noGrp="1" noRot="1" noChangeAspect="1"/>
+          </p:cNvSpPr>
+          <p:nvPr>
+            <p:ph type="sldImg" idx="2"/>
+          </p:nvPr>
+        </p:nvSpPr>
+        <p:spPr>
+          <a:xfrm>
+            <a:off x="381000" y="685800"/>
+            <a:ext cx="6096000" cy="3429000"/>
+          </a:xfrm>
+          <a:custGeom>
+            <a:avLst/>
+            <a:gdLst/>
+            <a:ahLst/>
+            <a:cxnLst/>
+            <a:rect l="l" t="t" r="r" b="b"/>
+            <a:pathLst>
+              <a:path w="120000" h="120000" extrusionOk="0">
+                <a:moveTo>
+                  <a:pt x="0" y="0"/>
+                </a:moveTo>
+                <a:lnTo>
+                  <a:pt x="120000" y="0"/>
+                </a:lnTo>
+                <a:lnTo>
+                  <a:pt x="120000" y="120000"/>
+                </a:lnTo>
+                <a:lnTo>
+                  <a:pt x="0" y="120000"/>
+                </a:lnTo>
+                <a:close/>
+              </a:path>
+            </a:pathLst>
+          </a:custGeom>
+        </p:spPr>
+      </p:sp>
+      <p:sp>
+        <p:nvSpPr>
+          <p:cNvPr id="76" name="Google Shape;76;gac10fef634_0_20:notes"/>
+          <p:cNvSpPr txBox="1">
+            <a:spLocks noGrp="1"/>
+          </p:cNvSpPr>
+          <p:nvPr>
+            <p:ph type="body" idx="1"/>
+          </p:nvPr>
+        </p:nvSpPr>
+        <p:spPr>
+          <a:xfrm>
+            <a:off x="685800" y="4343400"/>
+            <a:ext cx="5486400" cy="4114800"/>
+          </a:xfrm>
+          <a:prstGeom prst="rect">
+            <a:avLst/>
+          </a:prstGeom>
+        </p:spPr>
+        <p:txBody>
+          <a:bodyPr spcFirstLastPara="1" wrap="square" lIns="91425" tIns="91425" rIns="91425" bIns="91425" anchor="t" anchorCtr="0">
+            <a:noAutofit/>
+          </a:bodyPr>
+          <a:lstStyle/>
+          <a:p>
+            <a:pPr marL="0" lvl="0" indent="0" algn="l" rtl="0">
+              <a:spcBef>
+                <a:spcPts val="0"/>
+              </a:spcBef>
+              <a:spcAft>
+                <a:spcPts val="0"/>
+              </a:spcAft>
+              <a:buNone/>
+            </a:pPr>
+            <a:endParaRPr/>
+          </a:p>
+        </p:txBody>
+      </p:sp>
+    </p:spTree>
+    <p:extLst>
+      <p:ext uri="{BB962C8B-B14F-4D97-AF65-F5344CB8AC3E}">
+        <p14:creationId xmlns:p14="http://schemas.microsoft.com/office/powerpoint/2010/main" val="1193034252"/>
+      </p:ext>
+    </p:extLst>
+  </p:cSld>
+  <p:clrMapOvr>
+    <a:masterClrMapping/>
+  </p:clrMapOvr>
+</p:notes>
+</file>
+
+<file path=ppt/notesSlides/notesSlide26.xml><?xml version="1.0" encoding="utf-8"?>
+<p:notes xmlns:a="http://schemas.openxmlformats.org/drawingml/2006/main" xmlns:r="http://schemas.openxmlformats.org/officeDocument/2006/relationships" xmlns:p="http://schemas.openxmlformats.org/presentationml/2006/main" showMasterSp="0" showMasterPhAnim="0">
+  <p:cSld>
+    <p:spTree>
+      <p:nvGrpSpPr>
+        <p:cNvPr id="1" name="Shape 74"/>
+        <p:cNvGrpSpPr/>
+        <p:nvPr/>
+      </p:nvGrpSpPr>
+      <p:grpSpPr>
+        <a:xfrm>
+          <a:off x="0" y="0"/>
+          <a:ext cx="0" cy="0"/>
+          <a:chOff x="0" y="0"/>
+          <a:chExt cx="0" cy="0"/>
+        </a:xfrm>
+      </p:grpSpPr>
+      <p:sp>
+        <p:nvSpPr>
+          <p:cNvPr id="75" name="Google Shape;75;gac10fef634_0_20:notes"/>
+          <p:cNvSpPr>
+            <a:spLocks noGrp="1" noRot="1" noChangeAspect="1"/>
+          </p:cNvSpPr>
+          <p:nvPr>
+            <p:ph type="sldImg" idx="2"/>
+          </p:nvPr>
+        </p:nvSpPr>
+        <p:spPr>
+          <a:xfrm>
+            <a:off x="381000" y="685800"/>
+            <a:ext cx="6096000" cy="3429000"/>
+          </a:xfrm>
+          <a:custGeom>
+            <a:avLst/>
+            <a:gdLst/>
+            <a:ahLst/>
+            <a:cxnLst/>
+            <a:rect l="l" t="t" r="r" b="b"/>
+            <a:pathLst>
+              <a:path w="120000" h="120000" extrusionOk="0">
+                <a:moveTo>
+                  <a:pt x="0" y="0"/>
+                </a:moveTo>
+                <a:lnTo>
+                  <a:pt x="120000" y="0"/>
+                </a:lnTo>
+                <a:lnTo>
+                  <a:pt x="120000" y="120000"/>
+                </a:lnTo>
+                <a:lnTo>
+                  <a:pt x="0" y="120000"/>
+                </a:lnTo>
+                <a:close/>
+              </a:path>
+            </a:pathLst>
+          </a:custGeom>
+        </p:spPr>
+      </p:sp>
+      <p:sp>
+        <p:nvSpPr>
+          <p:cNvPr id="76" name="Google Shape;76;gac10fef634_0_20:notes"/>
+          <p:cNvSpPr txBox="1">
+            <a:spLocks noGrp="1"/>
+          </p:cNvSpPr>
+          <p:nvPr>
+            <p:ph type="body" idx="1"/>
+          </p:nvPr>
+        </p:nvSpPr>
+        <p:spPr>
+          <a:xfrm>
+            <a:off x="685800" y="4343400"/>
+            <a:ext cx="5486400" cy="4114800"/>
+          </a:xfrm>
+          <a:prstGeom prst="rect">
+            <a:avLst/>
+          </a:prstGeom>
+        </p:spPr>
+        <p:txBody>
+          <a:bodyPr spcFirstLastPara="1" wrap="square" lIns="91425" tIns="91425" rIns="91425" bIns="91425" anchor="t" anchorCtr="0">
+            <a:noAutofit/>
+          </a:bodyPr>
+          <a:lstStyle/>
+          <a:p>
+            <a:pPr marL="0" lvl="0" indent="0" algn="l" rtl="0">
+              <a:spcBef>
+                <a:spcPts val="0"/>
+              </a:spcBef>
+              <a:spcAft>
+                <a:spcPts val="0"/>
+              </a:spcAft>
+              <a:buNone/>
+            </a:pPr>
+            <a:endParaRPr/>
+          </a:p>
+        </p:txBody>
+      </p:sp>
+    </p:spTree>
+    <p:extLst>
+      <p:ext uri="{BB962C8B-B14F-4D97-AF65-F5344CB8AC3E}">
+        <p14:creationId xmlns:p14="http://schemas.microsoft.com/office/powerpoint/2010/main" val="3577058465"/>
+      </p:ext>
+    </p:extLst>
+  </p:cSld>
+  <p:clrMapOvr>
+    <a:masterClrMapping/>
+  </p:clrMapOvr>
+</p:notes>
+</file>
+
+<file path=ppt/notesSlides/notesSlide27.xml><?xml version="1.0" encoding="utf-8"?>
+<p:notes xmlns:a="http://schemas.openxmlformats.org/drawingml/2006/main" xmlns:r="http://schemas.openxmlformats.org/officeDocument/2006/relationships" xmlns:p="http://schemas.openxmlformats.org/presentationml/2006/main" showMasterSp="0" showMasterPhAnim="0">
+  <p:cSld>
+    <p:spTree>
+      <p:nvGrpSpPr>
+        <p:cNvPr id="1" name="Shape 74"/>
+        <p:cNvGrpSpPr/>
+        <p:nvPr/>
+      </p:nvGrpSpPr>
+      <p:grpSpPr>
+        <a:xfrm>
+          <a:off x="0" y="0"/>
+          <a:ext cx="0" cy="0"/>
+          <a:chOff x="0" y="0"/>
+          <a:chExt cx="0" cy="0"/>
+        </a:xfrm>
+      </p:grpSpPr>
+      <p:sp>
+        <p:nvSpPr>
+          <p:cNvPr id="75" name="Google Shape;75;gac10fef634_0_20:notes"/>
+          <p:cNvSpPr>
+            <a:spLocks noGrp="1" noRot="1" noChangeAspect="1"/>
+          </p:cNvSpPr>
+          <p:nvPr>
+            <p:ph type="sldImg" idx="2"/>
+          </p:nvPr>
+        </p:nvSpPr>
+        <p:spPr>
+          <a:xfrm>
+            <a:off x="381000" y="685800"/>
+            <a:ext cx="6096000" cy="3429000"/>
+          </a:xfrm>
+          <a:custGeom>
+            <a:avLst/>
+            <a:gdLst/>
+            <a:ahLst/>
+            <a:cxnLst/>
+            <a:rect l="l" t="t" r="r" b="b"/>
+            <a:pathLst>
+              <a:path w="120000" h="120000" extrusionOk="0">
+                <a:moveTo>
+                  <a:pt x="0" y="0"/>
+                </a:moveTo>
+                <a:lnTo>
+                  <a:pt x="120000" y="0"/>
+                </a:lnTo>
+                <a:lnTo>
+                  <a:pt x="120000" y="120000"/>
+                </a:lnTo>
+                <a:lnTo>
+                  <a:pt x="0" y="120000"/>
+                </a:lnTo>
+                <a:close/>
+              </a:path>
+            </a:pathLst>
+          </a:custGeom>
+        </p:spPr>
+      </p:sp>
+      <p:sp>
+        <p:nvSpPr>
+          <p:cNvPr id="76" name="Google Shape;76;gac10fef634_0_20:notes"/>
+          <p:cNvSpPr txBox="1">
+            <a:spLocks noGrp="1"/>
+          </p:cNvSpPr>
+          <p:nvPr>
+            <p:ph type="body" idx="1"/>
+          </p:nvPr>
+        </p:nvSpPr>
+        <p:spPr>
+          <a:xfrm>
+            <a:off x="685800" y="4343400"/>
+            <a:ext cx="5486400" cy="4114800"/>
+          </a:xfrm>
+          <a:prstGeom prst="rect">
+            <a:avLst/>
+          </a:prstGeom>
+        </p:spPr>
+        <p:txBody>
+          <a:bodyPr spcFirstLastPara="1" wrap="square" lIns="91425" tIns="91425" rIns="91425" bIns="91425" anchor="t" anchorCtr="0">
+            <a:noAutofit/>
+          </a:bodyPr>
+          <a:lstStyle/>
+          <a:p>
+            <a:pPr marL="0" lvl="0" indent="0" algn="l" rtl="0">
+              <a:spcBef>
+                <a:spcPts val="0"/>
+              </a:spcBef>
+              <a:spcAft>
+                <a:spcPts val="0"/>
+              </a:spcAft>
+              <a:buNone/>
+            </a:pPr>
+            <a:endParaRPr/>
+          </a:p>
+        </p:txBody>
+      </p:sp>
+    </p:spTree>
+    <p:extLst>
+      <p:ext uri="{BB962C8B-B14F-4D97-AF65-F5344CB8AC3E}">
         <p14:creationId xmlns:p14="http://schemas.microsoft.com/office/powerpoint/2010/main" val="871215247"/>
       </p:ext>
     </p:extLst>
@@ -3365,7 +3913,7 @@
 </p:notes>
 </file>
 
-<file path=ppt/notesSlides/notesSlide24.xml><?xml version="1.0" encoding="utf-8"?>
+<file path=ppt/notesSlides/notesSlide28.xml><?xml version="1.0" encoding="utf-8"?>
 <p:notes xmlns:a="http://schemas.openxmlformats.org/drawingml/2006/main" xmlns:r="http://schemas.openxmlformats.org/officeDocument/2006/relationships" xmlns:p="http://schemas.openxmlformats.org/presentationml/2006/main" showMasterSp="0" showMasterPhAnim="0">
   <p:cSld>
     <p:spTree>
@@ -3490,7 +4038,7 @@
 </p:notes>
 </file>
 
-<file path=ppt/notesSlides/notesSlide25.xml><?xml version="1.0" encoding="utf-8"?>
+<file path=ppt/notesSlides/notesSlide29.xml><?xml version="1.0" encoding="utf-8"?>
 <p:notes xmlns:a="http://schemas.openxmlformats.org/drawingml/2006/main" xmlns:r="http://schemas.openxmlformats.org/officeDocument/2006/relationships" xmlns:p="http://schemas.openxmlformats.org/presentationml/2006/main" showMasterSp="0" showMasterPhAnim="0">
   <p:cSld>
     <p:spTree>
@@ -13234,9 +13782,17 @@
 <file path=ppt/slides/slide21.xml><?xml version="1.0" encoding="utf-8"?>
 <p:sld xmlns:a="http://schemas.openxmlformats.org/drawingml/2006/main" xmlns:r="http://schemas.openxmlformats.org/officeDocument/2006/relationships" xmlns:p="http://schemas.openxmlformats.org/presentationml/2006/main">
   <p:cSld>
+    <p:bg>
+      <p:bgPr>
+        <a:solidFill>
+          <a:srgbClr val="D9EAD3"/>
+        </a:solidFill>
+        <a:effectLst/>
+      </p:bgPr>
+    </p:bg>
     <p:spTree>
       <p:nvGrpSpPr>
-        <p:cNvPr id="1" name="Shape 77"/>
+        <p:cNvPr id="1" name="Shape 72"/>
         <p:cNvGrpSpPr/>
         <p:nvPr/>
       </p:nvGrpSpPr>
@@ -13250,7 +13806,7 @@
       </p:grpSpPr>
       <p:sp>
         <p:nvSpPr>
-          <p:cNvPr id="78" name="Google Shape;78;p17"/>
+          <p:cNvPr id="73" name="Google Shape;73;p16"/>
           <p:cNvSpPr txBox="1">
             <a:spLocks noGrp="1"/>
           </p:cNvSpPr>
@@ -13284,181 +13840,46 @@
             </a:pPr>
             <a:r>
               <a:rPr lang="en" dirty="0"/>
-              <a:t>Component 3 v4 - Test Plan (and screenshot)</a:t>
+              <a:t>Component 4 (Trello screenshot)</a:t>
             </a:r>
             <a:endParaRPr dirty="0"/>
           </a:p>
         </p:txBody>
       </p:sp>
-      <p:graphicFrame>
-        <p:nvGraphicFramePr>
-          <p:cNvPr id="79" name="Google Shape;79;p17"/>
-          <p:cNvGraphicFramePr/>
+      <p:pic>
+        <p:nvPicPr>
+          <p:cNvPr id="2" name="Picture 1">
+            <a:extLst>
+              <a:ext uri="{FF2B5EF4-FFF2-40B4-BE49-F238E27FC236}">
+                <a16:creationId xmlns:a16="http://schemas.microsoft.com/office/drawing/2014/main" id="{7A58FA95-01F5-FD8E-98A3-D72859C225BC}"/>
+              </a:ext>
+            </a:extLst>
+          </p:cNvPr>
+          <p:cNvPicPr>
+            <a:picLocks noChangeAspect="1"/>
+          </p:cNvPicPr>
           <p:nvPr/>
-        </p:nvGraphicFramePr>
-        <p:xfrm>
-          <a:off x="311700" y="3794967"/>
-          <a:ext cx="8520600" cy="1188660"/>
-        </p:xfrm>
-        <a:graphic>
-          <a:graphicData uri="http://schemas.openxmlformats.org/drawingml/2006/table">
-            <a:tbl>
-              <a:tblPr>
-                <a:noFill/>
-                <a:tableStyleId>{E1099E06-0E6B-448D-9D27-60429F06E6F4}</a:tableStyleId>
-              </a:tblPr>
-              <a:tblGrid>
-                <a:gridCol w="2709796">
-                  <a:extLst>
-                    <a:ext uri="{9D8B030D-6E8A-4147-A177-3AD203B41FA5}">
-                      <a16:colId xmlns:a16="http://schemas.microsoft.com/office/drawing/2014/main" val="20000"/>
-                    </a:ext>
-                  </a:extLst>
-                </a:gridCol>
-                <a:gridCol w="5810804">
-                  <a:extLst>
-                    <a:ext uri="{9D8B030D-6E8A-4147-A177-3AD203B41FA5}">
-                      <a16:colId xmlns:a16="http://schemas.microsoft.com/office/drawing/2014/main" val="20001"/>
-                    </a:ext>
-                  </a:extLst>
-                </a:gridCol>
-              </a:tblGrid>
-              <a:tr h="381000">
-                <a:tc>
-                  <a:txBody>
-                    <a:bodyPr/>
-                    <a:lstStyle/>
-                    <a:p>
-                      <a:pPr marL="0" lvl="0" indent="0" algn="l" rtl="0">
-                        <a:spcBef>
-                          <a:spcPts val="0"/>
-                        </a:spcBef>
-                        <a:spcAft>
-                          <a:spcPts val="0"/>
-                        </a:spcAft>
-                        <a:buNone/>
-                      </a:pPr>
-                      <a:r>
-                        <a:rPr lang="en" sz="1800" b="1" dirty="0"/>
-                        <a:t>Test Case</a:t>
-                      </a:r>
-                      <a:endParaRPr sz="1800" b="1" dirty="0"/>
-                    </a:p>
-                  </a:txBody>
-                  <a:tcPr marL="91425" marR="91425" marT="91425" marB="91425">
-                    <a:solidFill>
-                      <a:srgbClr val="CCCCCC"/>
-                    </a:solidFill>
-                  </a:tcPr>
-                </a:tc>
-                <a:tc>
-                  <a:txBody>
-                    <a:bodyPr/>
-                    <a:lstStyle/>
-                    <a:p>
-                      <a:pPr marL="0" lvl="0" indent="0" algn="l" rtl="0">
-                        <a:spcBef>
-                          <a:spcPts val="0"/>
-                        </a:spcBef>
-                        <a:spcAft>
-                          <a:spcPts val="0"/>
-                        </a:spcAft>
-                        <a:buNone/>
-                      </a:pPr>
-                      <a:r>
-                        <a:rPr lang="en" sz="1800" b="1" dirty="0"/>
-                        <a:t>Expected Values</a:t>
-                      </a:r>
-                      <a:endParaRPr sz="1800" b="1" dirty="0"/>
-                    </a:p>
-                  </a:txBody>
-                  <a:tcPr marL="91425" marR="91425" marT="91425" marB="91425">
-                    <a:solidFill>
-                      <a:srgbClr val="CCCCCC"/>
-                    </a:solidFill>
-                  </a:tcPr>
-                </a:tc>
-                <a:extLst>
-                  <a:ext uri="{0D108BD9-81ED-4DB2-BD59-A6C34878D82A}">
-                    <a16:rowId xmlns:a16="http://schemas.microsoft.com/office/drawing/2014/main" val="10000"/>
-                  </a:ext>
-                </a:extLst>
-              </a:tr>
-              <a:tr h="396200">
-                <a:tc>
-                  <a:txBody>
-                    <a:bodyPr/>
-                    <a:lstStyle/>
-                    <a:p>
-                      <a:pPr marL="0" marR="0" lvl="0" indent="0" algn="l" defTabSz="914400" rtl="0" eaLnBrk="1" fontAlgn="auto" latinLnBrk="0" hangingPunct="1">
-                        <a:lnSpc>
-                          <a:spcPct val="100000"/>
-                        </a:lnSpc>
-                        <a:spcBef>
-                          <a:spcPts val="0"/>
-                        </a:spcBef>
-                        <a:spcAft>
-                          <a:spcPts val="0"/>
-                        </a:spcAft>
-                        <a:buClr>
-                          <a:srgbClr val="000000"/>
-                        </a:buClr>
-                        <a:buSzTx/>
-                        <a:buFont typeface="Arial"/>
-                        <a:buNone/>
-                        <a:tabLst/>
-                        <a:defRPr/>
-                      </a:pPr>
-                      <a:endParaRPr lang="en-US" sz="1800" dirty="0"/>
-                    </a:p>
-                    <a:p>
-                      <a:pPr marL="0" lvl="0" indent="0" algn="l" rtl="0">
-                        <a:spcBef>
-                          <a:spcPts val="0"/>
-                        </a:spcBef>
-                        <a:spcAft>
-                          <a:spcPts val="0"/>
-                        </a:spcAft>
-                        <a:buNone/>
-                      </a:pPr>
-                      <a:endParaRPr sz="1800" dirty="0"/>
-                    </a:p>
-                  </a:txBody>
-                  <a:tcPr marL="91425" marR="91425" marT="91425" marB="91425"/>
-                </a:tc>
-                <a:tc>
-                  <a:txBody>
-                    <a:bodyPr/>
-                    <a:lstStyle/>
-                    <a:p>
-                      <a:pPr marL="0" lvl="0" indent="0" algn="l" rtl="0">
-                        <a:spcBef>
-                          <a:spcPts val="0"/>
-                        </a:spcBef>
-                        <a:spcAft>
-                          <a:spcPts val="0"/>
-                        </a:spcAft>
-                        <a:buNone/>
-                      </a:pPr>
-                      <a:endParaRPr sz="1800" dirty="0"/>
-                    </a:p>
-                  </a:txBody>
-                  <a:tcPr marL="91425" marR="91425" marT="91425" marB="91425"/>
-                </a:tc>
-                <a:extLst>
-                  <a:ext uri="{0D108BD9-81ED-4DB2-BD59-A6C34878D82A}">
-                    <a16:rowId xmlns:a16="http://schemas.microsoft.com/office/drawing/2014/main" val="10001"/>
-                  </a:ext>
-                </a:extLst>
-              </a:tr>
-            </a:tbl>
-          </a:graphicData>
-        </a:graphic>
-      </p:graphicFrame>
+        </p:nvPicPr>
+        <p:blipFill>
+          <a:blip r:embed="rId3"/>
+          <a:stretch>
+            <a:fillRect/>
+          </a:stretch>
+        </p:blipFill>
+        <p:spPr>
+          <a:xfrm>
+            <a:off x="606287" y="1450487"/>
+            <a:ext cx="7772400" cy="3247988"/>
+          </a:xfrm>
+          <a:prstGeom prst="rect">
+            <a:avLst/>
+          </a:prstGeom>
+        </p:spPr>
+      </p:pic>
     </p:spTree>
     <p:extLst>
       <p:ext uri="{BB962C8B-B14F-4D97-AF65-F5344CB8AC3E}">
-        <p14:creationId xmlns:p14="http://schemas.microsoft.com/office/powerpoint/2010/main" val="3159212952"/>
+        <p14:creationId xmlns:p14="http://schemas.microsoft.com/office/powerpoint/2010/main" val="1700137483"/>
       </p:ext>
     </p:extLst>
   </p:cSld>
@@ -13521,7 +13942,7 @@
             </a:pPr>
             <a:r>
               <a:rPr lang="en" dirty="0"/>
-              <a:t>Component  v - Test Plan (and screenshot)</a:t>
+              <a:t>Component 4 v1 - Test Plan (and screenshot)</a:t>
             </a:r>
             <a:endParaRPr dirty="0"/>
           </a:p>
@@ -13531,11 +13952,17 @@
         <p:nvGraphicFramePr>
           <p:cNvPr id="79" name="Google Shape;79;p17"/>
           <p:cNvGraphicFramePr/>
-          <p:nvPr/>
+          <p:nvPr>
+            <p:extLst>
+              <p:ext uri="{D42A27DB-BD31-4B8C-83A1-F6EECF244321}">
+                <p14:modId xmlns:p14="http://schemas.microsoft.com/office/powerpoint/2010/main" val="2006041584"/>
+              </p:ext>
+            </p:extLst>
+          </p:nvPr>
         </p:nvGraphicFramePr>
         <p:xfrm>
-          <a:off x="311700" y="3794967"/>
-          <a:ext cx="8520600" cy="1188660"/>
+          <a:off x="222637" y="3099769"/>
+          <a:ext cx="8609663" cy="2011620"/>
         </p:xfrm>
         <a:graphic>
           <a:graphicData uri="http://schemas.openxmlformats.org/drawingml/2006/table">
@@ -13545,14 +13972,14 @@
                 <a:tableStyleId>{E1099E06-0E6B-448D-9D27-60429F06E6F4}</a:tableStyleId>
               </a:tblPr>
               <a:tblGrid>
-                <a:gridCol w="2709796">
+                <a:gridCol w="3196424">
                   <a:extLst>
                     <a:ext uri="{9D8B030D-6E8A-4147-A177-3AD203B41FA5}">
                       <a16:colId xmlns:a16="http://schemas.microsoft.com/office/drawing/2014/main" val="20000"/>
                     </a:ext>
                   </a:extLst>
                 </a:gridCol>
-                <a:gridCol w="5810804">
+                <a:gridCol w="5413239">
                   <a:extLst>
                     <a:ext uri="{9D8B030D-6E8A-4147-A177-3AD203B41FA5}">
                       <a16:colId xmlns:a16="http://schemas.microsoft.com/office/drawing/2014/main" val="20001"/>
@@ -13560,7 +13987,7 @@
                   </a:extLst>
                 </a:gridCol>
               </a:tblGrid>
-              <a:tr h="381000">
+              <a:tr h="356212">
                 <a:tc>
                   <a:txBody>
                     <a:bodyPr/>
@@ -13646,7 +14073,10 @@
                         <a:tabLst/>
                         <a:defRPr/>
                       </a:pPr>
-                      <a:endParaRPr lang="en-US" sz="1800" dirty="0"/>
+                      <a:r>
+                        <a:rPr lang="en-US" sz="1800" dirty="0"/>
+                        <a:t>Input name</a:t>
+                      </a:r>
                     </a:p>
                     <a:p>
                       <a:pPr marL="0" lvl="0" indent="0" algn="l" rtl="0">
@@ -13658,7 +14088,40 @@
                         </a:spcAft>
                         <a:buNone/>
                       </a:pPr>
-                      <a:endParaRPr sz="1800" dirty="0"/>
+                      <a:r>
+                        <a:rPr lang="en-US" sz="1800" dirty="0"/>
+                        <a:t>Input number</a:t>
+                      </a:r>
+                    </a:p>
+                    <a:p>
+                      <a:pPr marL="0" lvl="0" indent="0" algn="l" rtl="0">
+                        <a:spcBef>
+                          <a:spcPts val="0"/>
+                        </a:spcBef>
+                        <a:spcAft>
+                          <a:spcPts val="0"/>
+                        </a:spcAft>
+                        <a:buNone/>
+                      </a:pPr>
+                      <a:r>
+                        <a:rPr lang="en-US" sz="1800" dirty="0"/>
+                        <a:t>Input address (house number, street name, suburb)</a:t>
+                      </a:r>
+                    </a:p>
+                    <a:p>
+                      <a:pPr marL="0" lvl="0" indent="0" algn="l" rtl="0">
+                        <a:spcBef>
+                          <a:spcPts val="0"/>
+                        </a:spcBef>
+                        <a:spcAft>
+                          <a:spcPts val="0"/>
+                        </a:spcAft>
+                        <a:buNone/>
+                      </a:pPr>
+                      <a:r>
+                        <a:rPr lang="en-US" sz="1800" dirty="0"/>
+                        <a:t>Left input blank</a:t>
+                      </a:r>
                     </a:p>
                   </a:txBody>
                   <a:tcPr marL="91425" marR="91425" marT="91425" marB="91425"/>
@@ -13677,7 +14140,614 @@
                         </a:spcAft>
                         <a:buNone/>
                       </a:pPr>
-                      <a:endParaRPr sz="1800" dirty="0"/>
+                      <a:r>
+                        <a:rPr lang="en-US" sz="1800" dirty="0"/>
+                        <a:t>Printed correctly, can input both integers and letters</a:t>
+                      </a:r>
+                    </a:p>
+                    <a:p>
+                      <a:pPr marL="0" marR="0" lvl="0" indent="0" algn="l" defTabSz="914400" rtl="0" eaLnBrk="1" fontAlgn="auto" latinLnBrk="0" hangingPunct="1">
+                        <a:lnSpc>
+                          <a:spcPct val="100000"/>
+                        </a:lnSpc>
+                        <a:spcBef>
+                          <a:spcPts val="0"/>
+                        </a:spcBef>
+                        <a:spcAft>
+                          <a:spcPts val="0"/>
+                        </a:spcAft>
+                        <a:buClr>
+                          <a:srgbClr val="000000"/>
+                        </a:buClr>
+                        <a:buSzTx/>
+                        <a:buFont typeface="Arial"/>
+                        <a:buNone/>
+                        <a:tabLst/>
+                        <a:defRPr/>
+                      </a:pPr>
+                      <a:r>
+                        <a:rPr lang="en-US" sz="1800" dirty="0"/>
+                        <a:t>Printed correctly, can input both integers and letters</a:t>
+                      </a:r>
+                    </a:p>
+                    <a:p>
+                      <a:pPr marL="0" marR="0" lvl="0" indent="0" algn="l" defTabSz="914400" rtl="0" eaLnBrk="1" fontAlgn="auto" latinLnBrk="0" hangingPunct="1">
+                        <a:lnSpc>
+                          <a:spcPct val="100000"/>
+                        </a:lnSpc>
+                        <a:spcBef>
+                          <a:spcPts val="0"/>
+                        </a:spcBef>
+                        <a:spcAft>
+                          <a:spcPts val="0"/>
+                        </a:spcAft>
+                        <a:buClr>
+                          <a:srgbClr val="000000"/>
+                        </a:buClr>
+                        <a:buSzTx/>
+                        <a:buFont typeface="Arial"/>
+                        <a:buNone/>
+                        <a:tabLst/>
+                        <a:defRPr/>
+                      </a:pPr>
+                      <a:r>
+                        <a:rPr lang="en-US" sz="1800" dirty="0"/>
+                        <a:t>Printed correctly, can input both integers and letters</a:t>
+                      </a:r>
+                    </a:p>
+                    <a:p>
+                      <a:pPr marL="0" marR="0" lvl="0" indent="0" algn="l" defTabSz="914400" rtl="0" eaLnBrk="1" fontAlgn="auto" latinLnBrk="0" hangingPunct="1">
+                        <a:lnSpc>
+                          <a:spcPct val="100000"/>
+                        </a:lnSpc>
+                        <a:spcBef>
+                          <a:spcPts val="0"/>
+                        </a:spcBef>
+                        <a:spcAft>
+                          <a:spcPts val="0"/>
+                        </a:spcAft>
+                        <a:buClr>
+                          <a:srgbClr val="000000"/>
+                        </a:buClr>
+                        <a:buSzTx/>
+                        <a:buFont typeface="Arial"/>
+                        <a:buNone/>
+                        <a:tabLst/>
+                        <a:defRPr/>
+                      </a:pPr>
+                      <a:endParaRPr lang="en-US" sz="1800" dirty="0"/>
+                    </a:p>
+                    <a:p>
+                      <a:pPr marL="0" lvl="0" indent="0" algn="l" rtl="0">
+                        <a:spcBef>
+                          <a:spcPts val="0"/>
+                        </a:spcBef>
+                        <a:spcAft>
+                          <a:spcPts val="0"/>
+                        </a:spcAft>
+                        <a:buNone/>
+                      </a:pPr>
+                      <a:r>
+                        <a:rPr lang="en-US" sz="1800" dirty="0"/>
+                        <a:t>Prints error message and asks for input again</a:t>
+                      </a:r>
+                    </a:p>
+                  </a:txBody>
+                  <a:tcPr marL="91425" marR="91425" marT="91425" marB="91425"/>
+                </a:tc>
+                <a:extLst>
+                  <a:ext uri="{0D108BD9-81ED-4DB2-BD59-A6C34878D82A}">
+                    <a16:rowId xmlns:a16="http://schemas.microsoft.com/office/drawing/2014/main" val="10001"/>
+                  </a:ext>
+                </a:extLst>
+              </a:tr>
+            </a:tbl>
+          </a:graphicData>
+        </a:graphic>
+      </p:graphicFrame>
+      <p:pic>
+        <p:nvPicPr>
+          <p:cNvPr id="2" name="Picture 1">
+            <a:extLst>
+              <a:ext uri="{FF2B5EF4-FFF2-40B4-BE49-F238E27FC236}">
+                <a16:creationId xmlns:a16="http://schemas.microsoft.com/office/drawing/2014/main" id="{BF868FE8-10FF-CCE7-3014-6BC0092D05C5}"/>
+              </a:ext>
+            </a:extLst>
+          </p:cNvPr>
+          <p:cNvPicPr>
+            <a:picLocks noChangeAspect="1"/>
+          </p:cNvPicPr>
+          <p:nvPr/>
+        </p:nvPicPr>
+        <p:blipFill>
+          <a:blip r:embed="rId3"/>
+          <a:stretch>
+            <a:fillRect/>
+          </a:stretch>
+        </p:blipFill>
+        <p:spPr>
+          <a:xfrm>
+            <a:off x="1077167" y="900761"/>
+            <a:ext cx="1483153" cy="2127026"/>
+          </a:xfrm>
+          <a:prstGeom prst="rect">
+            <a:avLst/>
+          </a:prstGeom>
+        </p:spPr>
+      </p:pic>
+      <p:pic>
+        <p:nvPicPr>
+          <p:cNvPr id="3" name="Picture 2">
+            <a:extLst>
+              <a:ext uri="{FF2B5EF4-FFF2-40B4-BE49-F238E27FC236}">
+                <a16:creationId xmlns:a16="http://schemas.microsoft.com/office/drawing/2014/main" id="{65B2AC28-EA39-641B-E7FB-7020C3EFC983}"/>
+              </a:ext>
+            </a:extLst>
+          </p:cNvPr>
+          <p:cNvPicPr>
+            <a:picLocks noChangeAspect="1"/>
+          </p:cNvPicPr>
+          <p:nvPr/>
+        </p:nvPicPr>
+        <p:blipFill>
+          <a:blip r:embed="rId4"/>
+          <a:stretch>
+            <a:fillRect/>
+          </a:stretch>
+        </p:blipFill>
+        <p:spPr>
+          <a:xfrm>
+            <a:off x="5319423" y="959243"/>
+            <a:ext cx="1935110" cy="2010062"/>
+          </a:xfrm>
+          <a:prstGeom prst="rect">
+            <a:avLst/>
+          </a:prstGeom>
+        </p:spPr>
+      </p:pic>
+    </p:spTree>
+    <p:extLst>
+      <p:ext uri="{BB962C8B-B14F-4D97-AF65-F5344CB8AC3E}">
+        <p14:creationId xmlns:p14="http://schemas.microsoft.com/office/powerpoint/2010/main" val="3159212952"/>
+      </p:ext>
+    </p:extLst>
+  </p:cSld>
+  <p:clrMapOvr>
+    <a:masterClrMapping/>
+  </p:clrMapOvr>
+</p:sld>
+</file>
+
+<file path=ppt/slides/slide23.xml><?xml version="1.0" encoding="utf-8"?>
+<p:sld xmlns:a="http://schemas.openxmlformats.org/drawingml/2006/main" xmlns:r="http://schemas.openxmlformats.org/officeDocument/2006/relationships" xmlns:p="http://schemas.openxmlformats.org/presentationml/2006/main">
+  <p:cSld>
+    <p:bg>
+      <p:bgPr>
+        <a:solidFill>
+          <a:srgbClr val="D9EAD3"/>
+        </a:solidFill>
+        <a:effectLst/>
+      </p:bgPr>
+    </p:bg>
+    <p:spTree>
+      <p:nvGrpSpPr>
+        <p:cNvPr id="1" name="Shape 72"/>
+        <p:cNvGrpSpPr/>
+        <p:nvPr/>
+      </p:nvGrpSpPr>
+      <p:grpSpPr>
+        <a:xfrm>
+          <a:off x="0" y="0"/>
+          <a:ext cx="0" cy="0"/>
+          <a:chOff x="0" y="0"/>
+          <a:chExt cx="0" cy="0"/>
+        </a:xfrm>
+      </p:grpSpPr>
+      <p:sp>
+        <p:nvSpPr>
+          <p:cNvPr id="73" name="Google Shape;73;p16"/>
+          <p:cNvSpPr txBox="1">
+            <a:spLocks noGrp="1"/>
+          </p:cNvSpPr>
+          <p:nvPr>
+            <p:ph type="title"/>
+          </p:nvPr>
+        </p:nvSpPr>
+        <p:spPr>
+          <a:xfrm>
+            <a:off x="311700" y="445025"/>
+            <a:ext cx="8520600" cy="572700"/>
+          </a:xfrm>
+          <a:prstGeom prst="rect">
+            <a:avLst/>
+          </a:prstGeom>
+        </p:spPr>
+        <p:txBody>
+          <a:bodyPr spcFirstLastPara="1" wrap="square" lIns="91425" tIns="91425" rIns="91425" bIns="91425" anchor="t" anchorCtr="0">
+            <a:noAutofit/>
+          </a:bodyPr>
+          <a:lstStyle/>
+          <a:p>
+            <a:pPr marL="0" lvl="0" indent="0" algn="l" rtl="0">
+              <a:spcBef>
+                <a:spcPts val="0"/>
+              </a:spcBef>
+              <a:spcAft>
+                <a:spcPts val="0"/>
+              </a:spcAft>
+              <a:buNone/>
+            </a:pPr>
+            <a:r>
+              <a:rPr lang="en" dirty="0"/>
+              <a:t>Component 4 (Trello screenshot)</a:t>
+            </a:r>
+            <a:endParaRPr dirty="0"/>
+          </a:p>
+        </p:txBody>
+      </p:sp>
+      <p:pic>
+        <p:nvPicPr>
+          <p:cNvPr id="3" name="Picture 2">
+            <a:extLst>
+              <a:ext uri="{FF2B5EF4-FFF2-40B4-BE49-F238E27FC236}">
+                <a16:creationId xmlns:a16="http://schemas.microsoft.com/office/drawing/2014/main" id="{B7CE1929-3C4A-9E09-8A51-05B56744F7BD}"/>
+              </a:ext>
+            </a:extLst>
+          </p:cNvPr>
+          <p:cNvPicPr>
+            <a:picLocks noChangeAspect="1"/>
+          </p:cNvPicPr>
+          <p:nvPr/>
+        </p:nvPicPr>
+        <p:blipFill>
+          <a:blip r:embed="rId3"/>
+          <a:stretch>
+            <a:fillRect/>
+          </a:stretch>
+        </p:blipFill>
+        <p:spPr>
+          <a:xfrm>
+            <a:off x="590384" y="1571237"/>
+            <a:ext cx="7772400" cy="2859768"/>
+          </a:xfrm>
+          <a:prstGeom prst="rect">
+            <a:avLst/>
+          </a:prstGeom>
+        </p:spPr>
+      </p:pic>
+    </p:spTree>
+    <p:extLst>
+      <p:ext uri="{BB962C8B-B14F-4D97-AF65-F5344CB8AC3E}">
+        <p14:creationId xmlns:p14="http://schemas.microsoft.com/office/powerpoint/2010/main" val="2472364702"/>
+      </p:ext>
+    </p:extLst>
+  </p:cSld>
+  <p:clrMapOvr>
+    <a:masterClrMapping/>
+  </p:clrMapOvr>
+</p:sld>
+</file>
+
+<file path=ppt/slides/slide24.xml><?xml version="1.0" encoding="utf-8"?>
+<p:sld xmlns:a="http://schemas.openxmlformats.org/drawingml/2006/main" xmlns:r="http://schemas.openxmlformats.org/officeDocument/2006/relationships" xmlns:p="http://schemas.openxmlformats.org/presentationml/2006/main">
+  <p:cSld>
+    <p:spTree>
+      <p:nvGrpSpPr>
+        <p:cNvPr id="1" name="Shape 77"/>
+        <p:cNvGrpSpPr/>
+        <p:nvPr/>
+      </p:nvGrpSpPr>
+      <p:grpSpPr>
+        <a:xfrm>
+          <a:off x="0" y="0"/>
+          <a:ext cx="0" cy="0"/>
+          <a:chOff x="0" y="0"/>
+          <a:chExt cx="0" cy="0"/>
+        </a:xfrm>
+      </p:grpSpPr>
+      <p:sp>
+        <p:nvSpPr>
+          <p:cNvPr id="78" name="Google Shape;78;p17"/>
+          <p:cNvSpPr txBox="1">
+            <a:spLocks noGrp="1"/>
+          </p:cNvSpPr>
+          <p:nvPr>
+            <p:ph type="title"/>
+          </p:nvPr>
+        </p:nvSpPr>
+        <p:spPr>
+          <a:xfrm>
+            <a:off x="311700" y="445025"/>
+            <a:ext cx="8520600" cy="572700"/>
+          </a:xfrm>
+          <a:prstGeom prst="rect">
+            <a:avLst/>
+          </a:prstGeom>
+        </p:spPr>
+        <p:txBody>
+          <a:bodyPr spcFirstLastPara="1" wrap="square" lIns="91425" tIns="91425" rIns="91425" bIns="91425" anchor="t" anchorCtr="0">
+            <a:noAutofit/>
+          </a:bodyPr>
+          <a:lstStyle/>
+          <a:p>
+            <a:pPr marL="0" lvl="0" indent="0" algn="l" rtl="0">
+              <a:spcBef>
+                <a:spcPts val="0"/>
+              </a:spcBef>
+              <a:spcAft>
+                <a:spcPts val="0"/>
+              </a:spcAft>
+              <a:buNone/>
+            </a:pPr>
+            <a:r>
+              <a:rPr lang="en" dirty="0"/>
+              <a:t>Component  v - Test Plan (and screenshot)</a:t>
+            </a:r>
+            <a:endParaRPr dirty="0"/>
+          </a:p>
+        </p:txBody>
+      </p:sp>
+      <p:graphicFrame>
+        <p:nvGraphicFramePr>
+          <p:cNvPr id="79" name="Google Shape;79;p17"/>
+          <p:cNvGraphicFramePr/>
+          <p:nvPr>
+            <p:extLst>
+              <p:ext uri="{D42A27DB-BD31-4B8C-83A1-F6EECF244321}">
+                <p14:modId xmlns:p14="http://schemas.microsoft.com/office/powerpoint/2010/main" val="3199833984"/>
+              </p:ext>
+            </p:extLst>
+          </p:nvPr>
+        </p:nvGraphicFramePr>
+        <p:xfrm>
+          <a:off x="311700" y="2857560"/>
+          <a:ext cx="8520600" cy="2285940"/>
+        </p:xfrm>
+        <a:graphic>
+          <a:graphicData uri="http://schemas.openxmlformats.org/drawingml/2006/table">
+            <a:tbl>
+              <a:tblPr>
+                <a:noFill/>
+                <a:tableStyleId>{E1099E06-0E6B-448D-9D27-60429F06E6F4}</a:tableStyleId>
+              </a:tblPr>
+              <a:tblGrid>
+                <a:gridCol w="3051702">
+                  <a:extLst>
+                    <a:ext uri="{9D8B030D-6E8A-4147-A177-3AD203B41FA5}">
+                      <a16:colId xmlns:a16="http://schemas.microsoft.com/office/drawing/2014/main" val="20000"/>
+                    </a:ext>
+                  </a:extLst>
+                </a:gridCol>
+                <a:gridCol w="5468898">
+                  <a:extLst>
+                    <a:ext uri="{9D8B030D-6E8A-4147-A177-3AD203B41FA5}">
+                      <a16:colId xmlns:a16="http://schemas.microsoft.com/office/drawing/2014/main" val="20001"/>
+                    </a:ext>
+                  </a:extLst>
+                </a:gridCol>
+              </a:tblGrid>
+              <a:tr h="381000">
+                <a:tc>
+                  <a:txBody>
+                    <a:bodyPr/>
+                    <a:lstStyle/>
+                    <a:p>
+                      <a:pPr marL="0" lvl="0" indent="0" algn="l" rtl="0">
+                        <a:spcBef>
+                          <a:spcPts val="0"/>
+                        </a:spcBef>
+                        <a:spcAft>
+                          <a:spcPts val="0"/>
+                        </a:spcAft>
+                        <a:buNone/>
+                      </a:pPr>
+                      <a:r>
+                        <a:rPr lang="en" sz="1800" b="1" dirty="0"/>
+                        <a:t>Test Case</a:t>
+                      </a:r>
+                      <a:endParaRPr sz="1800" b="1" dirty="0"/>
+                    </a:p>
+                  </a:txBody>
+                  <a:tcPr marL="91425" marR="91425" marT="91425" marB="91425">
+                    <a:solidFill>
+                      <a:srgbClr val="CCCCCC"/>
+                    </a:solidFill>
+                  </a:tcPr>
+                </a:tc>
+                <a:tc>
+                  <a:txBody>
+                    <a:bodyPr/>
+                    <a:lstStyle/>
+                    <a:p>
+                      <a:pPr marL="0" lvl="0" indent="0" algn="l" rtl="0">
+                        <a:spcBef>
+                          <a:spcPts val="0"/>
+                        </a:spcBef>
+                        <a:spcAft>
+                          <a:spcPts val="0"/>
+                        </a:spcAft>
+                        <a:buNone/>
+                      </a:pPr>
+                      <a:r>
+                        <a:rPr lang="en" sz="1800" b="1" dirty="0"/>
+                        <a:t>Expected Values</a:t>
+                      </a:r>
+                      <a:endParaRPr sz="1800" b="1" dirty="0"/>
+                    </a:p>
+                  </a:txBody>
+                  <a:tcPr marL="91425" marR="91425" marT="91425" marB="91425">
+                    <a:solidFill>
+                      <a:srgbClr val="CCCCCC"/>
+                    </a:solidFill>
+                  </a:tcPr>
+                </a:tc>
+                <a:extLst>
+                  <a:ext uri="{0D108BD9-81ED-4DB2-BD59-A6C34878D82A}">
+                    <a16:rowId xmlns:a16="http://schemas.microsoft.com/office/drawing/2014/main" val="10000"/>
+                  </a:ext>
+                </a:extLst>
+              </a:tr>
+              <a:tr h="396200">
+                <a:tc>
+                  <a:txBody>
+                    <a:bodyPr/>
+                    <a:lstStyle/>
+                    <a:p>
+                      <a:pPr marL="0" marR="0" lvl="0" indent="0" algn="l" defTabSz="914400" rtl="0" eaLnBrk="1" fontAlgn="auto" latinLnBrk="0" hangingPunct="1">
+                        <a:lnSpc>
+                          <a:spcPct val="100000"/>
+                        </a:lnSpc>
+                        <a:spcBef>
+                          <a:spcPts val="0"/>
+                        </a:spcBef>
+                        <a:spcAft>
+                          <a:spcPts val="0"/>
+                        </a:spcAft>
+                        <a:buClr>
+                          <a:srgbClr val="000000"/>
+                        </a:buClr>
+                        <a:buSzTx/>
+                        <a:buFont typeface="Arial"/>
+                        <a:buNone/>
+                        <a:tabLst/>
+                        <a:defRPr/>
+                      </a:pPr>
+                      <a:r>
+                        <a:rPr lang="en-US" sz="1800" dirty="0"/>
+                        <a:t>Input name</a:t>
+                      </a:r>
+                    </a:p>
+                    <a:p>
+                      <a:pPr marL="0" lvl="0" indent="0" algn="l" rtl="0">
+                        <a:spcBef>
+                          <a:spcPts val="0"/>
+                        </a:spcBef>
+                        <a:spcAft>
+                          <a:spcPts val="0"/>
+                        </a:spcAft>
+                        <a:buNone/>
+                      </a:pPr>
+                      <a:r>
+                        <a:rPr lang="en-US" sz="1800" dirty="0"/>
+                        <a:t>Input number</a:t>
+                      </a:r>
+                    </a:p>
+                    <a:p>
+                      <a:pPr marL="0" lvl="0" indent="0" algn="l" rtl="0">
+                        <a:spcBef>
+                          <a:spcPts val="0"/>
+                        </a:spcBef>
+                        <a:spcAft>
+                          <a:spcPts val="0"/>
+                        </a:spcAft>
+                        <a:buNone/>
+                      </a:pPr>
+                      <a:r>
+                        <a:rPr lang="en-US" sz="1800" dirty="0"/>
+                        <a:t>Input address (house number, street name, suburb)</a:t>
+                      </a:r>
+                    </a:p>
+                    <a:p>
+                      <a:pPr marL="0" lvl="0" indent="0" algn="l" rtl="0">
+                        <a:spcBef>
+                          <a:spcPts val="0"/>
+                        </a:spcBef>
+                        <a:spcAft>
+                          <a:spcPts val="0"/>
+                        </a:spcAft>
+                        <a:buNone/>
+                      </a:pPr>
+                      <a:r>
+                        <a:rPr lang="en-US" sz="1800" dirty="0"/>
+                        <a:t>Left input blank</a:t>
+                      </a:r>
+                    </a:p>
+                  </a:txBody>
+                  <a:tcPr marL="91425" marR="91425" marT="91425" marB="91425"/>
+                </a:tc>
+                <a:tc>
+                  <a:txBody>
+                    <a:bodyPr/>
+                    <a:lstStyle/>
+                    <a:p>
+                      <a:pPr marL="0" lvl="0" indent="0" algn="l" rtl="0">
+                        <a:spcBef>
+                          <a:spcPts val="0"/>
+                        </a:spcBef>
+                        <a:spcAft>
+                          <a:spcPts val="0"/>
+                        </a:spcAft>
+                        <a:buNone/>
+                      </a:pPr>
+                      <a:r>
+                        <a:rPr lang="en-US" sz="1800" dirty="0"/>
+                        <a:t>Printed correctly, can input both integers and letters</a:t>
+                      </a:r>
+                    </a:p>
+                    <a:p>
+                      <a:pPr marL="0" marR="0" lvl="0" indent="0" algn="l" defTabSz="914400" rtl="0" eaLnBrk="1" fontAlgn="auto" latinLnBrk="0" hangingPunct="1">
+                        <a:lnSpc>
+                          <a:spcPct val="100000"/>
+                        </a:lnSpc>
+                        <a:spcBef>
+                          <a:spcPts val="0"/>
+                        </a:spcBef>
+                        <a:spcAft>
+                          <a:spcPts val="0"/>
+                        </a:spcAft>
+                        <a:buClr>
+                          <a:srgbClr val="000000"/>
+                        </a:buClr>
+                        <a:buSzTx/>
+                        <a:buFont typeface="Arial"/>
+                        <a:buNone/>
+                        <a:tabLst/>
+                        <a:defRPr/>
+                      </a:pPr>
+                      <a:r>
+                        <a:rPr lang="en-US" sz="1800" dirty="0"/>
+                        <a:t>Printed correctly, can input both integers and letters</a:t>
+                      </a:r>
+                    </a:p>
+                    <a:p>
+                      <a:pPr marL="0" marR="0" lvl="0" indent="0" algn="l" defTabSz="914400" rtl="0" eaLnBrk="1" fontAlgn="auto" latinLnBrk="0" hangingPunct="1">
+                        <a:lnSpc>
+                          <a:spcPct val="100000"/>
+                        </a:lnSpc>
+                        <a:spcBef>
+                          <a:spcPts val="0"/>
+                        </a:spcBef>
+                        <a:spcAft>
+                          <a:spcPts val="0"/>
+                        </a:spcAft>
+                        <a:buClr>
+                          <a:srgbClr val="000000"/>
+                        </a:buClr>
+                        <a:buSzTx/>
+                        <a:buFont typeface="Arial"/>
+                        <a:buNone/>
+                        <a:tabLst/>
+                        <a:defRPr/>
+                      </a:pPr>
+                      <a:r>
+                        <a:rPr lang="en-US" sz="1800" dirty="0"/>
+                        <a:t>Printed correctly, can input both integers and letters</a:t>
+                      </a:r>
+                    </a:p>
+                    <a:p>
+                      <a:pPr marL="0" lvl="0" indent="0" algn="l" rtl="0">
+                        <a:spcBef>
+                          <a:spcPts val="0"/>
+                        </a:spcBef>
+                        <a:spcAft>
+                          <a:spcPts val="0"/>
+                        </a:spcAft>
+                        <a:buNone/>
+                      </a:pPr>
+                      <a:r>
+                        <a:rPr lang="en-US" sz="1800" dirty="0"/>
+                        <a:t>Prints error message and asks for input again</a:t>
+                      </a:r>
                     </a:p>
                   </a:txBody>
                   <a:tcPr marL="91425" marR="91425" marT="91425" marB="91425"/>
@@ -13705,7 +14775,7 @@
 </p:sld>
 </file>
 
-<file path=ppt/slides/slide23.xml><?xml version="1.0" encoding="utf-8"?>
+<file path=ppt/slides/slide25.xml><?xml version="1.0" encoding="utf-8"?>
 <p:sld xmlns:a="http://schemas.openxmlformats.org/drawingml/2006/main" xmlns:r="http://schemas.openxmlformats.org/officeDocument/2006/relationships" xmlns:p="http://schemas.openxmlformats.org/presentationml/2006/main">
   <p:cSld>
     <p:spTree>
@@ -13932,6 +15002,480 @@
     </p:spTree>
     <p:extLst>
       <p:ext uri="{BB962C8B-B14F-4D97-AF65-F5344CB8AC3E}">
+        <p14:creationId xmlns:p14="http://schemas.microsoft.com/office/powerpoint/2010/main" val="974398969"/>
+      </p:ext>
+    </p:extLst>
+  </p:cSld>
+  <p:clrMapOvr>
+    <a:masterClrMapping/>
+  </p:clrMapOvr>
+</p:sld>
+</file>
+
+<file path=ppt/slides/slide26.xml><?xml version="1.0" encoding="utf-8"?>
+<p:sld xmlns:a="http://schemas.openxmlformats.org/drawingml/2006/main" xmlns:r="http://schemas.openxmlformats.org/officeDocument/2006/relationships" xmlns:p="http://schemas.openxmlformats.org/presentationml/2006/main">
+  <p:cSld>
+    <p:spTree>
+      <p:nvGrpSpPr>
+        <p:cNvPr id="1" name="Shape 77"/>
+        <p:cNvGrpSpPr/>
+        <p:nvPr/>
+      </p:nvGrpSpPr>
+      <p:grpSpPr>
+        <a:xfrm>
+          <a:off x="0" y="0"/>
+          <a:ext cx="0" cy="0"/>
+          <a:chOff x="0" y="0"/>
+          <a:chExt cx="0" cy="0"/>
+        </a:xfrm>
+      </p:grpSpPr>
+      <p:sp>
+        <p:nvSpPr>
+          <p:cNvPr id="78" name="Google Shape;78;p17"/>
+          <p:cNvSpPr txBox="1">
+            <a:spLocks noGrp="1"/>
+          </p:cNvSpPr>
+          <p:nvPr>
+            <p:ph type="title"/>
+          </p:nvPr>
+        </p:nvSpPr>
+        <p:spPr>
+          <a:xfrm>
+            <a:off x="311700" y="445025"/>
+            <a:ext cx="8520600" cy="572700"/>
+          </a:xfrm>
+          <a:prstGeom prst="rect">
+            <a:avLst/>
+          </a:prstGeom>
+        </p:spPr>
+        <p:txBody>
+          <a:bodyPr spcFirstLastPara="1" wrap="square" lIns="91425" tIns="91425" rIns="91425" bIns="91425" anchor="t" anchorCtr="0">
+            <a:noAutofit/>
+          </a:bodyPr>
+          <a:lstStyle/>
+          <a:p>
+            <a:pPr marL="0" lvl="0" indent="0" algn="l" rtl="0">
+              <a:spcBef>
+                <a:spcPts val="0"/>
+              </a:spcBef>
+              <a:spcAft>
+                <a:spcPts val="0"/>
+              </a:spcAft>
+              <a:buNone/>
+            </a:pPr>
+            <a:r>
+              <a:rPr lang="en" dirty="0"/>
+              <a:t>Component  v - Test Plan (and screenshot)</a:t>
+            </a:r>
+            <a:endParaRPr dirty="0"/>
+          </a:p>
+        </p:txBody>
+      </p:sp>
+      <p:graphicFrame>
+        <p:nvGraphicFramePr>
+          <p:cNvPr id="79" name="Google Shape;79;p17"/>
+          <p:cNvGraphicFramePr/>
+          <p:nvPr/>
+        </p:nvGraphicFramePr>
+        <p:xfrm>
+          <a:off x="311700" y="3794967"/>
+          <a:ext cx="8520600" cy="1188660"/>
+        </p:xfrm>
+        <a:graphic>
+          <a:graphicData uri="http://schemas.openxmlformats.org/drawingml/2006/table">
+            <a:tbl>
+              <a:tblPr>
+                <a:noFill/>
+                <a:tableStyleId>{E1099E06-0E6B-448D-9D27-60429F06E6F4}</a:tableStyleId>
+              </a:tblPr>
+              <a:tblGrid>
+                <a:gridCol w="2709796">
+                  <a:extLst>
+                    <a:ext uri="{9D8B030D-6E8A-4147-A177-3AD203B41FA5}">
+                      <a16:colId xmlns:a16="http://schemas.microsoft.com/office/drawing/2014/main" val="20000"/>
+                    </a:ext>
+                  </a:extLst>
+                </a:gridCol>
+                <a:gridCol w="5810804">
+                  <a:extLst>
+                    <a:ext uri="{9D8B030D-6E8A-4147-A177-3AD203B41FA5}">
+                      <a16:colId xmlns:a16="http://schemas.microsoft.com/office/drawing/2014/main" val="20001"/>
+                    </a:ext>
+                  </a:extLst>
+                </a:gridCol>
+              </a:tblGrid>
+              <a:tr h="381000">
+                <a:tc>
+                  <a:txBody>
+                    <a:bodyPr/>
+                    <a:lstStyle/>
+                    <a:p>
+                      <a:pPr marL="0" lvl="0" indent="0" algn="l" rtl="0">
+                        <a:spcBef>
+                          <a:spcPts val="0"/>
+                        </a:spcBef>
+                        <a:spcAft>
+                          <a:spcPts val="0"/>
+                        </a:spcAft>
+                        <a:buNone/>
+                      </a:pPr>
+                      <a:r>
+                        <a:rPr lang="en" sz="1800" b="1" dirty="0"/>
+                        <a:t>Test Case</a:t>
+                      </a:r>
+                      <a:endParaRPr sz="1800" b="1" dirty="0"/>
+                    </a:p>
+                  </a:txBody>
+                  <a:tcPr marL="91425" marR="91425" marT="91425" marB="91425">
+                    <a:solidFill>
+                      <a:srgbClr val="CCCCCC"/>
+                    </a:solidFill>
+                  </a:tcPr>
+                </a:tc>
+                <a:tc>
+                  <a:txBody>
+                    <a:bodyPr/>
+                    <a:lstStyle/>
+                    <a:p>
+                      <a:pPr marL="0" lvl="0" indent="0" algn="l" rtl="0">
+                        <a:spcBef>
+                          <a:spcPts val="0"/>
+                        </a:spcBef>
+                        <a:spcAft>
+                          <a:spcPts val="0"/>
+                        </a:spcAft>
+                        <a:buNone/>
+                      </a:pPr>
+                      <a:r>
+                        <a:rPr lang="en" sz="1800" b="1" dirty="0"/>
+                        <a:t>Expected Values</a:t>
+                      </a:r>
+                      <a:endParaRPr sz="1800" b="1" dirty="0"/>
+                    </a:p>
+                  </a:txBody>
+                  <a:tcPr marL="91425" marR="91425" marT="91425" marB="91425">
+                    <a:solidFill>
+                      <a:srgbClr val="CCCCCC"/>
+                    </a:solidFill>
+                  </a:tcPr>
+                </a:tc>
+                <a:extLst>
+                  <a:ext uri="{0D108BD9-81ED-4DB2-BD59-A6C34878D82A}">
+                    <a16:rowId xmlns:a16="http://schemas.microsoft.com/office/drawing/2014/main" val="10000"/>
+                  </a:ext>
+                </a:extLst>
+              </a:tr>
+              <a:tr h="396200">
+                <a:tc>
+                  <a:txBody>
+                    <a:bodyPr/>
+                    <a:lstStyle/>
+                    <a:p>
+                      <a:pPr marL="0" marR="0" lvl="0" indent="0" algn="l" defTabSz="914400" rtl="0" eaLnBrk="1" fontAlgn="auto" latinLnBrk="0" hangingPunct="1">
+                        <a:lnSpc>
+                          <a:spcPct val="100000"/>
+                        </a:lnSpc>
+                        <a:spcBef>
+                          <a:spcPts val="0"/>
+                        </a:spcBef>
+                        <a:spcAft>
+                          <a:spcPts val="0"/>
+                        </a:spcAft>
+                        <a:buClr>
+                          <a:srgbClr val="000000"/>
+                        </a:buClr>
+                        <a:buSzTx/>
+                        <a:buFont typeface="Arial"/>
+                        <a:buNone/>
+                        <a:tabLst/>
+                        <a:defRPr/>
+                      </a:pPr>
+                      <a:endParaRPr lang="en-US" sz="1800" dirty="0"/>
+                    </a:p>
+                    <a:p>
+                      <a:pPr marL="0" lvl="0" indent="0" algn="l" rtl="0">
+                        <a:spcBef>
+                          <a:spcPts val="0"/>
+                        </a:spcBef>
+                        <a:spcAft>
+                          <a:spcPts val="0"/>
+                        </a:spcAft>
+                        <a:buNone/>
+                      </a:pPr>
+                      <a:endParaRPr sz="1800" dirty="0"/>
+                    </a:p>
+                  </a:txBody>
+                  <a:tcPr marL="91425" marR="91425" marT="91425" marB="91425"/>
+                </a:tc>
+                <a:tc>
+                  <a:txBody>
+                    <a:bodyPr/>
+                    <a:lstStyle/>
+                    <a:p>
+                      <a:pPr marL="0" lvl="0" indent="0" algn="l" rtl="0">
+                        <a:spcBef>
+                          <a:spcPts val="0"/>
+                        </a:spcBef>
+                        <a:spcAft>
+                          <a:spcPts val="0"/>
+                        </a:spcAft>
+                        <a:buNone/>
+                      </a:pPr>
+                      <a:endParaRPr sz="1800" dirty="0"/>
+                    </a:p>
+                  </a:txBody>
+                  <a:tcPr marL="91425" marR="91425" marT="91425" marB="91425"/>
+                </a:tc>
+                <a:extLst>
+                  <a:ext uri="{0D108BD9-81ED-4DB2-BD59-A6C34878D82A}">
+                    <a16:rowId xmlns:a16="http://schemas.microsoft.com/office/drawing/2014/main" val="10001"/>
+                  </a:ext>
+                </a:extLst>
+              </a:tr>
+            </a:tbl>
+          </a:graphicData>
+        </a:graphic>
+      </p:graphicFrame>
+    </p:spTree>
+    <p:extLst>
+      <p:ext uri="{BB962C8B-B14F-4D97-AF65-F5344CB8AC3E}">
+        <p14:creationId xmlns:p14="http://schemas.microsoft.com/office/powerpoint/2010/main" val="3342802139"/>
+      </p:ext>
+    </p:extLst>
+  </p:cSld>
+  <p:clrMapOvr>
+    <a:masterClrMapping/>
+  </p:clrMapOvr>
+</p:sld>
+</file>
+
+<file path=ppt/slides/slide27.xml><?xml version="1.0" encoding="utf-8"?>
+<p:sld xmlns:a="http://schemas.openxmlformats.org/drawingml/2006/main" xmlns:r="http://schemas.openxmlformats.org/officeDocument/2006/relationships" xmlns:p="http://schemas.openxmlformats.org/presentationml/2006/main">
+  <p:cSld>
+    <p:spTree>
+      <p:nvGrpSpPr>
+        <p:cNvPr id="1" name="Shape 77"/>
+        <p:cNvGrpSpPr/>
+        <p:nvPr/>
+      </p:nvGrpSpPr>
+      <p:grpSpPr>
+        <a:xfrm>
+          <a:off x="0" y="0"/>
+          <a:ext cx="0" cy="0"/>
+          <a:chOff x="0" y="0"/>
+          <a:chExt cx="0" cy="0"/>
+        </a:xfrm>
+      </p:grpSpPr>
+      <p:sp>
+        <p:nvSpPr>
+          <p:cNvPr id="78" name="Google Shape;78;p17"/>
+          <p:cNvSpPr txBox="1">
+            <a:spLocks noGrp="1"/>
+          </p:cNvSpPr>
+          <p:nvPr>
+            <p:ph type="title"/>
+          </p:nvPr>
+        </p:nvSpPr>
+        <p:spPr>
+          <a:xfrm>
+            <a:off x="311700" y="445025"/>
+            <a:ext cx="8520600" cy="572700"/>
+          </a:xfrm>
+          <a:prstGeom prst="rect">
+            <a:avLst/>
+          </a:prstGeom>
+        </p:spPr>
+        <p:txBody>
+          <a:bodyPr spcFirstLastPara="1" wrap="square" lIns="91425" tIns="91425" rIns="91425" bIns="91425" anchor="t" anchorCtr="0">
+            <a:noAutofit/>
+          </a:bodyPr>
+          <a:lstStyle/>
+          <a:p>
+            <a:pPr marL="0" lvl="0" indent="0" algn="l" rtl="0">
+              <a:spcBef>
+                <a:spcPts val="0"/>
+              </a:spcBef>
+              <a:spcAft>
+                <a:spcPts val="0"/>
+              </a:spcAft>
+              <a:buNone/>
+            </a:pPr>
+            <a:r>
+              <a:rPr lang="en" dirty="0"/>
+              <a:t>Component  v - Test Plan (and screenshot)</a:t>
+            </a:r>
+            <a:endParaRPr dirty="0"/>
+          </a:p>
+        </p:txBody>
+      </p:sp>
+      <p:graphicFrame>
+        <p:nvGraphicFramePr>
+          <p:cNvPr id="79" name="Google Shape;79;p17"/>
+          <p:cNvGraphicFramePr/>
+          <p:nvPr/>
+        </p:nvGraphicFramePr>
+        <p:xfrm>
+          <a:off x="311700" y="3794967"/>
+          <a:ext cx="8520600" cy="1188660"/>
+        </p:xfrm>
+        <a:graphic>
+          <a:graphicData uri="http://schemas.openxmlformats.org/drawingml/2006/table">
+            <a:tbl>
+              <a:tblPr>
+                <a:noFill/>
+                <a:tableStyleId>{E1099E06-0E6B-448D-9D27-60429F06E6F4}</a:tableStyleId>
+              </a:tblPr>
+              <a:tblGrid>
+                <a:gridCol w="2709796">
+                  <a:extLst>
+                    <a:ext uri="{9D8B030D-6E8A-4147-A177-3AD203B41FA5}">
+                      <a16:colId xmlns:a16="http://schemas.microsoft.com/office/drawing/2014/main" val="20000"/>
+                    </a:ext>
+                  </a:extLst>
+                </a:gridCol>
+                <a:gridCol w="5810804">
+                  <a:extLst>
+                    <a:ext uri="{9D8B030D-6E8A-4147-A177-3AD203B41FA5}">
+                      <a16:colId xmlns:a16="http://schemas.microsoft.com/office/drawing/2014/main" val="20001"/>
+                    </a:ext>
+                  </a:extLst>
+                </a:gridCol>
+              </a:tblGrid>
+              <a:tr h="381000">
+                <a:tc>
+                  <a:txBody>
+                    <a:bodyPr/>
+                    <a:lstStyle/>
+                    <a:p>
+                      <a:pPr marL="0" lvl="0" indent="0" algn="l" rtl="0">
+                        <a:spcBef>
+                          <a:spcPts val="0"/>
+                        </a:spcBef>
+                        <a:spcAft>
+                          <a:spcPts val="0"/>
+                        </a:spcAft>
+                        <a:buNone/>
+                      </a:pPr>
+                      <a:r>
+                        <a:rPr lang="en" sz="1800" b="1" dirty="0"/>
+                        <a:t>Test Case</a:t>
+                      </a:r>
+                      <a:endParaRPr sz="1800" b="1" dirty="0"/>
+                    </a:p>
+                  </a:txBody>
+                  <a:tcPr marL="91425" marR="91425" marT="91425" marB="91425">
+                    <a:solidFill>
+                      <a:srgbClr val="CCCCCC"/>
+                    </a:solidFill>
+                  </a:tcPr>
+                </a:tc>
+                <a:tc>
+                  <a:txBody>
+                    <a:bodyPr/>
+                    <a:lstStyle/>
+                    <a:p>
+                      <a:pPr marL="0" lvl="0" indent="0" algn="l" rtl="0">
+                        <a:spcBef>
+                          <a:spcPts val="0"/>
+                        </a:spcBef>
+                        <a:spcAft>
+                          <a:spcPts val="0"/>
+                        </a:spcAft>
+                        <a:buNone/>
+                      </a:pPr>
+                      <a:r>
+                        <a:rPr lang="en" sz="1800" b="1" dirty="0"/>
+                        <a:t>Expected Values</a:t>
+                      </a:r>
+                      <a:endParaRPr sz="1800" b="1" dirty="0"/>
+                    </a:p>
+                  </a:txBody>
+                  <a:tcPr marL="91425" marR="91425" marT="91425" marB="91425">
+                    <a:solidFill>
+                      <a:srgbClr val="CCCCCC"/>
+                    </a:solidFill>
+                  </a:tcPr>
+                </a:tc>
+                <a:extLst>
+                  <a:ext uri="{0D108BD9-81ED-4DB2-BD59-A6C34878D82A}">
+                    <a16:rowId xmlns:a16="http://schemas.microsoft.com/office/drawing/2014/main" val="10000"/>
+                  </a:ext>
+                </a:extLst>
+              </a:tr>
+              <a:tr h="396200">
+                <a:tc>
+                  <a:txBody>
+                    <a:bodyPr/>
+                    <a:lstStyle/>
+                    <a:p>
+                      <a:pPr marL="0" marR="0" lvl="0" indent="0" algn="l" defTabSz="914400" rtl="0" eaLnBrk="1" fontAlgn="auto" latinLnBrk="0" hangingPunct="1">
+                        <a:lnSpc>
+                          <a:spcPct val="100000"/>
+                        </a:lnSpc>
+                        <a:spcBef>
+                          <a:spcPts val="0"/>
+                        </a:spcBef>
+                        <a:spcAft>
+                          <a:spcPts val="0"/>
+                        </a:spcAft>
+                        <a:buClr>
+                          <a:srgbClr val="000000"/>
+                        </a:buClr>
+                        <a:buSzTx/>
+                        <a:buFont typeface="Arial"/>
+                        <a:buNone/>
+                        <a:tabLst/>
+                        <a:defRPr/>
+                      </a:pPr>
+                      <a:endParaRPr lang="en-US" sz="1800" dirty="0"/>
+                    </a:p>
+                    <a:p>
+                      <a:pPr marL="0" lvl="0" indent="0" algn="l" rtl="0">
+                        <a:spcBef>
+                          <a:spcPts val="0"/>
+                        </a:spcBef>
+                        <a:spcAft>
+                          <a:spcPts val="0"/>
+                        </a:spcAft>
+                        <a:buNone/>
+                      </a:pPr>
+                      <a:endParaRPr sz="1800" dirty="0"/>
+                    </a:p>
+                  </a:txBody>
+                  <a:tcPr marL="91425" marR="91425" marT="91425" marB="91425"/>
+                </a:tc>
+                <a:tc>
+                  <a:txBody>
+                    <a:bodyPr/>
+                    <a:lstStyle/>
+                    <a:p>
+                      <a:pPr marL="0" lvl="0" indent="0" algn="l" rtl="0">
+                        <a:spcBef>
+                          <a:spcPts val="0"/>
+                        </a:spcBef>
+                        <a:spcAft>
+                          <a:spcPts val="0"/>
+                        </a:spcAft>
+                        <a:buNone/>
+                      </a:pPr>
+                      <a:endParaRPr sz="1800" dirty="0"/>
+                    </a:p>
+                  </a:txBody>
+                  <a:tcPr marL="91425" marR="91425" marT="91425" marB="91425"/>
+                </a:tc>
+                <a:extLst>
+                  <a:ext uri="{0D108BD9-81ED-4DB2-BD59-A6C34878D82A}">
+                    <a16:rowId xmlns:a16="http://schemas.microsoft.com/office/drawing/2014/main" val="10001"/>
+                  </a:ext>
+                </a:extLst>
+              </a:tr>
+            </a:tbl>
+          </a:graphicData>
+        </a:graphic>
+      </p:graphicFrame>
+    </p:spTree>
+    <p:extLst>
+      <p:ext uri="{BB962C8B-B14F-4D97-AF65-F5344CB8AC3E}">
         <p14:creationId xmlns:p14="http://schemas.microsoft.com/office/powerpoint/2010/main" val="285503574"/>
       </p:ext>
     </p:extLst>
@@ -13942,7 +15486,7 @@
 </p:sld>
 </file>
 
-<file path=ppt/slides/slide24.xml><?xml version="1.0" encoding="utf-8"?>
+<file path=ppt/slides/slide28.xml><?xml version="1.0" encoding="utf-8"?>
 <p:sld xmlns:a="http://schemas.openxmlformats.org/drawingml/2006/main" xmlns:r="http://schemas.openxmlformats.org/officeDocument/2006/relationships" xmlns:p="http://schemas.openxmlformats.org/presentationml/2006/main">
   <p:cSld>
     <p:bg>
@@ -14059,7 +15603,7 @@
 </p:sld>
 </file>
 
-<file path=ppt/slides/slide25.xml><?xml version="1.0" encoding="utf-8"?>
+<file path=ppt/slides/slide29.xml><?xml version="1.0" encoding="utf-8"?>
 <p:sld xmlns:a="http://schemas.openxmlformats.org/drawingml/2006/main" xmlns:r="http://schemas.openxmlformats.org/officeDocument/2006/relationships" xmlns:p="http://schemas.openxmlformats.org/presentationml/2006/main">
   <p:cSld>
     <p:bg>

--- a/Python.pptx
+++ b/Python.pptx
@@ -31,8 +31,8 @@
     <p:sldId id="282" r:id="rId22"/>
     <p:sldId id="281" r:id="rId23"/>
     <p:sldId id="285" r:id="rId24"/>
-    <p:sldId id="278" r:id="rId25"/>
-    <p:sldId id="284" r:id="rId26"/>
+    <p:sldId id="284" r:id="rId25"/>
+    <p:sldId id="278" r:id="rId26"/>
     <p:sldId id="283" r:id="rId27"/>
     <p:sldId id="280" r:id="rId28"/>
     <p:sldId id="261" r:id="rId29"/>
@@ -291,7 +291,7 @@
 <file path=ppt/revisionInfo.xml><?xml version="1.0" encoding="utf-8"?>
 <p1510:revInfo xmlns:a="http://schemas.openxmlformats.org/drawingml/2006/main" xmlns:r="http://schemas.openxmlformats.org/officeDocument/2006/relationships" xmlns:p1510="http://schemas.microsoft.com/office/powerpoint/2015/10/main">
   <p1510:revLst>
-    <p1510:client id="{268579DD-9F3E-DD42-ADBD-2C5BCBEBF3D0}" v="74" dt="2023-05-12T08:02:56.160"/>
+    <p1510:client id="{268579DD-9F3E-DD42-ADBD-2C5BCBEBF3D0}" v="79" dt="2023-05-12T08:15:47.599"/>
   </p1510:revLst>
 </p1510:revInfo>
 </file>
@@ -301,7 +301,7 @@
   <pc:docChgLst>
     <pc:chgData name="Kaitlin Eustaquio" userId="1db1b819-5a69-4e28-a1f3-107bdd323ba9" providerId="ADAL" clId="{268579DD-9F3E-DD42-ADBD-2C5BCBEBF3D0}"/>
     <pc:docChg chg="undo redo custSel addSld delSld modSld sldOrd">
-      <pc:chgData name="Kaitlin Eustaquio" userId="1db1b819-5a69-4e28-a1f3-107bdd323ba9" providerId="ADAL" clId="{268579DD-9F3E-DD42-ADBD-2C5BCBEBF3D0}" dt="2023-05-12T08:03:47.103" v="1702" actId="14734"/>
+      <pc:chgData name="Kaitlin Eustaquio" userId="1db1b819-5a69-4e28-a1f3-107bdd323ba9" providerId="ADAL" clId="{268579DD-9F3E-DD42-ADBD-2C5BCBEBF3D0}" dt="2023-05-12T08:25:08.315" v="1724" actId="20577"/>
       <pc:docMkLst>
         <pc:docMk/>
       </pc:docMkLst>
@@ -1263,12 +1263,60 @@
           <pc:sldMk cId="3342802139" sldId="283"/>
         </pc:sldMkLst>
       </pc:sldChg>
-      <pc:sldChg chg="add">
-        <pc:chgData name="Kaitlin Eustaquio" userId="1db1b819-5a69-4e28-a1f3-107bdd323ba9" providerId="ADAL" clId="{268579DD-9F3E-DD42-ADBD-2C5BCBEBF3D0}" dt="2023-05-12T08:00:10.417" v="1681" actId="2890"/>
+      <pc:sldChg chg="addSp delSp modSp add mod ord">
+        <pc:chgData name="Kaitlin Eustaquio" userId="1db1b819-5a69-4e28-a1f3-107bdd323ba9" providerId="ADAL" clId="{268579DD-9F3E-DD42-ADBD-2C5BCBEBF3D0}" dt="2023-05-12T08:25:08.315" v="1724" actId="20577"/>
         <pc:sldMkLst>
           <pc:docMk/>
           <pc:sldMk cId="974398969" sldId="284"/>
         </pc:sldMkLst>
+        <pc:spChg chg="mod">
+          <ac:chgData name="Kaitlin Eustaquio" userId="1db1b819-5a69-4e28-a1f3-107bdd323ba9" providerId="ADAL" clId="{268579DD-9F3E-DD42-ADBD-2C5BCBEBF3D0}" dt="2023-05-12T08:25:08.315" v="1724" actId="20577"/>
+          <ac:spMkLst>
+            <pc:docMk/>
+            <pc:sldMk cId="974398969" sldId="284"/>
+            <ac:spMk id="78" creationId="{00000000-0000-0000-0000-000000000000}"/>
+          </ac:spMkLst>
+        </pc:spChg>
+        <pc:graphicFrameChg chg="add del mod">
+          <ac:chgData name="Kaitlin Eustaquio" userId="1db1b819-5a69-4e28-a1f3-107bdd323ba9" providerId="ADAL" clId="{268579DD-9F3E-DD42-ADBD-2C5BCBEBF3D0}" dt="2023-05-12T08:15:44.306" v="1710"/>
+          <ac:graphicFrameMkLst>
+            <pc:docMk/>
+            <pc:sldMk cId="974398969" sldId="284"/>
+            <ac:graphicFrameMk id="4" creationId="{FAA4DD35-15F0-C1FB-9C17-2D0B2998ED58}"/>
+          </ac:graphicFrameMkLst>
+        </pc:graphicFrameChg>
+        <pc:graphicFrameChg chg="add mod">
+          <ac:chgData name="Kaitlin Eustaquio" userId="1db1b819-5a69-4e28-a1f3-107bdd323ba9" providerId="ADAL" clId="{268579DD-9F3E-DD42-ADBD-2C5BCBEBF3D0}" dt="2023-05-12T08:15:47.598" v="1712"/>
+          <ac:graphicFrameMkLst>
+            <pc:docMk/>
+            <pc:sldMk cId="974398969" sldId="284"/>
+            <ac:graphicFrameMk id="5" creationId="{6D075708-EECE-F282-82A1-7FF1ADD73AB2}"/>
+          </ac:graphicFrameMkLst>
+        </pc:graphicFrameChg>
+        <pc:graphicFrameChg chg="del">
+          <ac:chgData name="Kaitlin Eustaquio" userId="1db1b819-5a69-4e28-a1f3-107bdd323ba9" providerId="ADAL" clId="{268579DD-9F3E-DD42-ADBD-2C5BCBEBF3D0}" dt="2023-05-12T08:15:46.368" v="1711" actId="478"/>
+          <ac:graphicFrameMkLst>
+            <pc:docMk/>
+            <pc:sldMk cId="974398969" sldId="284"/>
+            <ac:graphicFrameMk id="79" creationId="{00000000-0000-0000-0000-000000000000}"/>
+          </ac:graphicFrameMkLst>
+        </pc:graphicFrameChg>
+        <pc:picChg chg="add mod">
+          <ac:chgData name="Kaitlin Eustaquio" userId="1db1b819-5a69-4e28-a1f3-107bdd323ba9" providerId="ADAL" clId="{268579DD-9F3E-DD42-ADBD-2C5BCBEBF3D0}" dt="2023-05-12T08:16:02.599" v="1719" actId="1076"/>
+          <ac:picMkLst>
+            <pc:docMk/>
+            <pc:sldMk cId="974398969" sldId="284"/>
+            <ac:picMk id="2" creationId="{571D5578-9C96-BB38-69FC-5D9410B6AA4D}"/>
+          </ac:picMkLst>
+        </pc:picChg>
+        <pc:picChg chg="add mod">
+          <ac:chgData name="Kaitlin Eustaquio" userId="1db1b819-5a69-4e28-a1f3-107bdd323ba9" providerId="ADAL" clId="{268579DD-9F3E-DD42-ADBD-2C5BCBEBF3D0}" dt="2023-05-12T08:15:57.909" v="1715" actId="1076"/>
+          <ac:picMkLst>
+            <pc:docMk/>
+            <pc:sldMk cId="974398969" sldId="284"/>
+            <ac:picMk id="3" creationId="{4DC98D71-EA0C-4341-66A9-017C7A06F4F8}"/>
+          </ac:picMkLst>
+        </pc:picChg>
       </pc:sldChg>
       <pc:sldChg chg="addSp delSp modSp add mod ord">
         <pc:chgData name="Kaitlin Eustaquio" userId="1db1b819-5a69-4e28-a1f3-107bdd323ba9" providerId="ADAL" clId="{268579DD-9F3E-DD42-ADBD-2C5BCBEBF3D0}" dt="2023-05-12T08:02:42.495" v="1686" actId="1076"/>
@@ -3576,7 +3624,7 @@
     </p:spTree>
     <p:extLst>
       <p:ext uri="{BB962C8B-B14F-4D97-AF65-F5344CB8AC3E}">
-        <p14:creationId xmlns:p14="http://schemas.microsoft.com/office/powerpoint/2010/main" val="3159739832"/>
+        <p14:creationId xmlns:p14="http://schemas.microsoft.com/office/powerpoint/2010/main" val="1193034252"/>
       </p:ext>
     </p:extLst>
   </p:cSld>
@@ -3685,7 +3733,7 @@
     </p:spTree>
     <p:extLst>
       <p:ext uri="{BB962C8B-B14F-4D97-AF65-F5344CB8AC3E}">
-        <p14:creationId xmlns:p14="http://schemas.microsoft.com/office/powerpoint/2010/main" val="1193034252"/>
+        <p14:creationId xmlns:p14="http://schemas.microsoft.com/office/powerpoint/2010/main" val="3159739832"/>
       </p:ext>
     </p:extLst>
   </p:cSld>
@@ -14481,6 +14529,419 @@
             </a:pPr>
             <a:r>
               <a:rPr lang="en" dirty="0"/>
+              <a:t>Component 4 v2 - Test Plan (and screenshot)</a:t>
+            </a:r>
+            <a:endParaRPr dirty="0"/>
+          </a:p>
+        </p:txBody>
+      </p:sp>
+      <p:pic>
+        <p:nvPicPr>
+          <p:cNvPr id="2" name="Picture 1">
+            <a:extLst>
+              <a:ext uri="{FF2B5EF4-FFF2-40B4-BE49-F238E27FC236}">
+                <a16:creationId xmlns:a16="http://schemas.microsoft.com/office/drawing/2014/main" id="{571D5578-9C96-BB38-69FC-5D9410B6AA4D}"/>
+              </a:ext>
+            </a:extLst>
+          </p:cNvPr>
+          <p:cNvPicPr>
+            <a:picLocks noChangeAspect="1"/>
+          </p:cNvPicPr>
+          <p:nvPr/>
+        </p:nvPicPr>
+        <p:blipFill>
+          <a:blip r:embed="rId3"/>
+          <a:stretch>
+            <a:fillRect/>
+          </a:stretch>
+        </p:blipFill>
+        <p:spPr>
+          <a:xfrm>
+            <a:off x="5696060" y="1017725"/>
+            <a:ext cx="1577198" cy="1708135"/>
+          </a:xfrm>
+          <a:prstGeom prst="rect">
+            <a:avLst/>
+          </a:prstGeom>
+        </p:spPr>
+      </p:pic>
+      <p:pic>
+        <p:nvPicPr>
+          <p:cNvPr id="3" name="Picture 2">
+            <a:extLst>
+              <a:ext uri="{FF2B5EF4-FFF2-40B4-BE49-F238E27FC236}">
+                <a16:creationId xmlns:a16="http://schemas.microsoft.com/office/drawing/2014/main" id="{4DC98D71-EA0C-4341-66A9-017C7A06F4F8}"/>
+              </a:ext>
+            </a:extLst>
+          </p:cNvPr>
+          <p:cNvPicPr>
+            <a:picLocks noChangeAspect="1"/>
+          </p:cNvPicPr>
+          <p:nvPr/>
+        </p:nvPicPr>
+        <p:blipFill>
+          <a:blip r:embed="rId4"/>
+          <a:stretch>
+            <a:fillRect/>
+          </a:stretch>
+        </p:blipFill>
+        <p:spPr>
+          <a:xfrm>
+            <a:off x="1369243" y="1074132"/>
+            <a:ext cx="995012" cy="1695628"/>
+          </a:xfrm>
+          <a:prstGeom prst="rect">
+            <a:avLst/>
+          </a:prstGeom>
+        </p:spPr>
+      </p:pic>
+      <p:graphicFrame>
+        <p:nvGraphicFramePr>
+          <p:cNvPr id="5" name="Google Shape;79;p17">
+            <a:extLst>
+              <a:ext uri="{FF2B5EF4-FFF2-40B4-BE49-F238E27FC236}">
+                <a16:creationId xmlns:a16="http://schemas.microsoft.com/office/drawing/2014/main" id="{6D075708-EECE-F282-82A1-7FF1ADD73AB2}"/>
+              </a:ext>
+            </a:extLst>
+          </p:cNvPr>
+          <p:cNvGraphicFramePr/>
+          <p:nvPr>
+            <p:extLst>
+              <p:ext uri="{D42A27DB-BD31-4B8C-83A1-F6EECF244321}">
+                <p14:modId xmlns:p14="http://schemas.microsoft.com/office/powerpoint/2010/main" val="3572504259"/>
+              </p:ext>
+            </p:extLst>
+          </p:nvPr>
+        </p:nvGraphicFramePr>
+        <p:xfrm>
+          <a:off x="311700" y="2857560"/>
+          <a:ext cx="8520600" cy="2285940"/>
+        </p:xfrm>
+        <a:graphic>
+          <a:graphicData uri="http://schemas.openxmlformats.org/drawingml/2006/table">
+            <a:tbl>
+              <a:tblPr>
+                <a:noFill/>
+                <a:tableStyleId>{E1099E06-0E6B-448D-9D27-60429F06E6F4}</a:tableStyleId>
+              </a:tblPr>
+              <a:tblGrid>
+                <a:gridCol w="3051702">
+                  <a:extLst>
+                    <a:ext uri="{9D8B030D-6E8A-4147-A177-3AD203B41FA5}">
+                      <a16:colId xmlns:a16="http://schemas.microsoft.com/office/drawing/2014/main" val="20000"/>
+                    </a:ext>
+                  </a:extLst>
+                </a:gridCol>
+                <a:gridCol w="5468898">
+                  <a:extLst>
+                    <a:ext uri="{9D8B030D-6E8A-4147-A177-3AD203B41FA5}">
+                      <a16:colId xmlns:a16="http://schemas.microsoft.com/office/drawing/2014/main" val="20001"/>
+                    </a:ext>
+                  </a:extLst>
+                </a:gridCol>
+              </a:tblGrid>
+              <a:tr h="381000">
+                <a:tc>
+                  <a:txBody>
+                    <a:bodyPr/>
+                    <a:lstStyle/>
+                    <a:p>
+                      <a:pPr marL="0" lvl="0" indent="0" algn="l" rtl="0">
+                        <a:spcBef>
+                          <a:spcPts val="0"/>
+                        </a:spcBef>
+                        <a:spcAft>
+                          <a:spcPts val="0"/>
+                        </a:spcAft>
+                        <a:buNone/>
+                      </a:pPr>
+                      <a:r>
+                        <a:rPr lang="en" sz="1800" b="1" dirty="0"/>
+                        <a:t>Test Case</a:t>
+                      </a:r>
+                      <a:endParaRPr sz="1800" b="1" dirty="0"/>
+                    </a:p>
+                  </a:txBody>
+                  <a:tcPr marL="91425" marR="91425" marT="91425" marB="91425">
+                    <a:solidFill>
+                      <a:srgbClr val="CCCCCC"/>
+                    </a:solidFill>
+                  </a:tcPr>
+                </a:tc>
+                <a:tc>
+                  <a:txBody>
+                    <a:bodyPr/>
+                    <a:lstStyle/>
+                    <a:p>
+                      <a:pPr marL="0" lvl="0" indent="0" algn="l" rtl="0">
+                        <a:spcBef>
+                          <a:spcPts val="0"/>
+                        </a:spcBef>
+                        <a:spcAft>
+                          <a:spcPts val="0"/>
+                        </a:spcAft>
+                        <a:buNone/>
+                      </a:pPr>
+                      <a:r>
+                        <a:rPr lang="en" sz="1800" b="1" dirty="0"/>
+                        <a:t>Expected Values</a:t>
+                      </a:r>
+                      <a:endParaRPr sz="1800" b="1" dirty="0"/>
+                    </a:p>
+                  </a:txBody>
+                  <a:tcPr marL="91425" marR="91425" marT="91425" marB="91425">
+                    <a:solidFill>
+                      <a:srgbClr val="CCCCCC"/>
+                    </a:solidFill>
+                  </a:tcPr>
+                </a:tc>
+                <a:extLst>
+                  <a:ext uri="{0D108BD9-81ED-4DB2-BD59-A6C34878D82A}">
+                    <a16:rowId xmlns:a16="http://schemas.microsoft.com/office/drawing/2014/main" val="10000"/>
+                  </a:ext>
+                </a:extLst>
+              </a:tr>
+              <a:tr h="396200">
+                <a:tc>
+                  <a:txBody>
+                    <a:bodyPr/>
+                    <a:lstStyle/>
+                    <a:p>
+                      <a:pPr marL="0" marR="0" lvl="0" indent="0" algn="l" defTabSz="914400" rtl="0" eaLnBrk="1" fontAlgn="auto" latinLnBrk="0" hangingPunct="1">
+                        <a:lnSpc>
+                          <a:spcPct val="100000"/>
+                        </a:lnSpc>
+                        <a:spcBef>
+                          <a:spcPts val="0"/>
+                        </a:spcBef>
+                        <a:spcAft>
+                          <a:spcPts val="0"/>
+                        </a:spcAft>
+                        <a:buClr>
+                          <a:srgbClr val="000000"/>
+                        </a:buClr>
+                        <a:buSzTx/>
+                        <a:buFont typeface="Arial"/>
+                        <a:buNone/>
+                        <a:tabLst/>
+                        <a:defRPr/>
+                      </a:pPr>
+                      <a:r>
+                        <a:rPr lang="en-US" sz="1800" dirty="0"/>
+                        <a:t>Input name</a:t>
+                      </a:r>
+                    </a:p>
+                    <a:p>
+                      <a:pPr marL="0" lvl="0" indent="0" algn="l" rtl="0">
+                        <a:spcBef>
+                          <a:spcPts val="0"/>
+                        </a:spcBef>
+                        <a:spcAft>
+                          <a:spcPts val="0"/>
+                        </a:spcAft>
+                        <a:buNone/>
+                      </a:pPr>
+                      <a:r>
+                        <a:rPr lang="en-US" sz="1800" dirty="0"/>
+                        <a:t>Input number</a:t>
+                      </a:r>
+                    </a:p>
+                    <a:p>
+                      <a:pPr marL="0" lvl="0" indent="0" algn="l" rtl="0">
+                        <a:spcBef>
+                          <a:spcPts val="0"/>
+                        </a:spcBef>
+                        <a:spcAft>
+                          <a:spcPts val="0"/>
+                        </a:spcAft>
+                        <a:buNone/>
+                      </a:pPr>
+                      <a:r>
+                        <a:rPr lang="en-US" sz="1800" dirty="0"/>
+                        <a:t>Input address (house number, street name, suburb)</a:t>
+                      </a:r>
+                    </a:p>
+                    <a:p>
+                      <a:pPr marL="0" lvl="0" indent="0" algn="l" rtl="0">
+                        <a:spcBef>
+                          <a:spcPts val="0"/>
+                        </a:spcBef>
+                        <a:spcAft>
+                          <a:spcPts val="0"/>
+                        </a:spcAft>
+                        <a:buNone/>
+                      </a:pPr>
+                      <a:r>
+                        <a:rPr lang="en-US" sz="1800" dirty="0"/>
+                        <a:t>Left input blank</a:t>
+                      </a:r>
+                    </a:p>
+                  </a:txBody>
+                  <a:tcPr marL="91425" marR="91425" marT="91425" marB="91425"/>
+                </a:tc>
+                <a:tc>
+                  <a:txBody>
+                    <a:bodyPr/>
+                    <a:lstStyle/>
+                    <a:p>
+                      <a:pPr marL="0" lvl="0" indent="0" algn="l" rtl="0">
+                        <a:spcBef>
+                          <a:spcPts val="0"/>
+                        </a:spcBef>
+                        <a:spcAft>
+                          <a:spcPts val="0"/>
+                        </a:spcAft>
+                        <a:buNone/>
+                      </a:pPr>
+                      <a:r>
+                        <a:rPr lang="en-US" sz="1800" dirty="0"/>
+                        <a:t>Printed correctly, can input both integers and letters</a:t>
+                      </a:r>
+                    </a:p>
+                    <a:p>
+                      <a:pPr marL="0" marR="0" lvl="0" indent="0" algn="l" defTabSz="914400" rtl="0" eaLnBrk="1" fontAlgn="auto" latinLnBrk="0" hangingPunct="1">
+                        <a:lnSpc>
+                          <a:spcPct val="100000"/>
+                        </a:lnSpc>
+                        <a:spcBef>
+                          <a:spcPts val="0"/>
+                        </a:spcBef>
+                        <a:spcAft>
+                          <a:spcPts val="0"/>
+                        </a:spcAft>
+                        <a:buClr>
+                          <a:srgbClr val="000000"/>
+                        </a:buClr>
+                        <a:buSzTx/>
+                        <a:buFont typeface="Arial"/>
+                        <a:buNone/>
+                        <a:tabLst/>
+                        <a:defRPr/>
+                      </a:pPr>
+                      <a:r>
+                        <a:rPr lang="en-US" sz="1800" dirty="0"/>
+                        <a:t>Printed correctly, can input both integers and letters</a:t>
+                      </a:r>
+                    </a:p>
+                    <a:p>
+                      <a:pPr marL="0" marR="0" lvl="0" indent="0" algn="l" defTabSz="914400" rtl="0" eaLnBrk="1" fontAlgn="auto" latinLnBrk="0" hangingPunct="1">
+                        <a:lnSpc>
+                          <a:spcPct val="100000"/>
+                        </a:lnSpc>
+                        <a:spcBef>
+                          <a:spcPts val="0"/>
+                        </a:spcBef>
+                        <a:spcAft>
+                          <a:spcPts val="0"/>
+                        </a:spcAft>
+                        <a:buClr>
+                          <a:srgbClr val="000000"/>
+                        </a:buClr>
+                        <a:buSzTx/>
+                        <a:buFont typeface="Arial"/>
+                        <a:buNone/>
+                        <a:tabLst/>
+                        <a:defRPr/>
+                      </a:pPr>
+                      <a:r>
+                        <a:rPr lang="en-US" sz="1800" dirty="0"/>
+                        <a:t>Printed correctly, can input both integers and letters</a:t>
+                      </a:r>
+                    </a:p>
+                    <a:p>
+                      <a:pPr marL="0" lvl="0" indent="0" algn="l" rtl="0">
+                        <a:spcBef>
+                          <a:spcPts val="0"/>
+                        </a:spcBef>
+                        <a:spcAft>
+                          <a:spcPts val="0"/>
+                        </a:spcAft>
+                        <a:buNone/>
+                      </a:pPr>
+                      <a:r>
+                        <a:rPr lang="en-US" sz="1800" dirty="0"/>
+                        <a:t>Prints error message and asks for input again</a:t>
+                      </a:r>
+                    </a:p>
+                  </a:txBody>
+                  <a:tcPr marL="91425" marR="91425" marT="91425" marB="91425"/>
+                </a:tc>
+                <a:extLst>
+                  <a:ext uri="{0D108BD9-81ED-4DB2-BD59-A6C34878D82A}">
+                    <a16:rowId xmlns:a16="http://schemas.microsoft.com/office/drawing/2014/main" val="10001"/>
+                  </a:ext>
+                </a:extLst>
+              </a:tr>
+            </a:tbl>
+          </a:graphicData>
+        </a:graphic>
+      </p:graphicFrame>
+    </p:spTree>
+    <p:extLst>
+      <p:ext uri="{BB962C8B-B14F-4D97-AF65-F5344CB8AC3E}">
+        <p14:creationId xmlns:p14="http://schemas.microsoft.com/office/powerpoint/2010/main" val="974398969"/>
+      </p:ext>
+    </p:extLst>
+  </p:cSld>
+  <p:clrMapOvr>
+    <a:masterClrMapping/>
+  </p:clrMapOvr>
+</p:sld>
+</file>
+
+<file path=ppt/slides/slide25.xml><?xml version="1.0" encoding="utf-8"?>
+<p:sld xmlns:a="http://schemas.openxmlformats.org/drawingml/2006/main" xmlns:r="http://schemas.openxmlformats.org/officeDocument/2006/relationships" xmlns:p="http://schemas.openxmlformats.org/presentationml/2006/main">
+  <p:cSld>
+    <p:spTree>
+      <p:nvGrpSpPr>
+        <p:cNvPr id="1" name="Shape 77"/>
+        <p:cNvGrpSpPr/>
+        <p:nvPr/>
+      </p:nvGrpSpPr>
+      <p:grpSpPr>
+        <a:xfrm>
+          <a:off x="0" y="0"/>
+          <a:ext cx="0" cy="0"/>
+          <a:chOff x="0" y="0"/>
+          <a:chExt cx="0" cy="0"/>
+        </a:xfrm>
+      </p:grpSpPr>
+      <p:sp>
+        <p:nvSpPr>
+          <p:cNvPr id="78" name="Google Shape;78;p17"/>
+          <p:cNvSpPr txBox="1">
+            <a:spLocks noGrp="1"/>
+          </p:cNvSpPr>
+          <p:nvPr>
+            <p:ph type="title"/>
+          </p:nvPr>
+        </p:nvSpPr>
+        <p:spPr>
+          <a:xfrm>
+            <a:off x="311700" y="445025"/>
+            <a:ext cx="8520600" cy="572700"/>
+          </a:xfrm>
+          <a:prstGeom prst="rect">
+            <a:avLst/>
+          </a:prstGeom>
+        </p:spPr>
+        <p:txBody>
+          <a:bodyPr spcFirstLastPara="1" wrap="square" lIns="91425" tIns="91425" rIns="91425" bIns="91425" anchor="t" anchorCtr="0">
+            <a:noAutofit/>
+          </a:bodyPr>
+          <a:lstStyle/>
+          <a:p>
+            <a:pPr marL="0" lvl="0" indent="0" algn="l" rtl="0">
+              <a:spcBef>
+                <a:spcPts val="0"/>
+              </a:spcBef>
+              <a:spcAft>
+                <a:spcPts val="0"/>
+              </a:spcAft>
+              <a:buNone/>
+            </a:pPr>
+            <a:r>
+              <a:rPr lang="en" dirty="0"/>
               <a:t>Component  v - Test Plan (and screenshot)</a:t>
             </a:r>
             <a:endParaRPr dirty="0"/>
@@ -14766,243 +15227,6 @@
     <p:extLst>
       <p:ext uri="{BB962C8B-B14F-4D97-AF65-F5344CB8AC3E}">
         <p14:creationId xmlns:p14="http://schemas.microsoft.com/office/powerpoint/2010/main" val="2084576816"/>
-      </p:ext>
-    </p:extLst>
-  </p:cSld>
-  <p:clrMapOvr>
-    <a:masterClrMapping/>
-  </p:clrMapOvr>
-</p:sld>
-</file>
-
-<file path=ppt/slides/slide25.xml><?xml version="1.0" encoding="utf-8"?>
-<p:sld xmlns:a="http://schemas.openxmlformats.org/drawingml/2006/main" xmlns:r="http://schemas.openxmlformats.org/officeDocument/2006/relationships" xmlns:p="http://schemas.openxmlformats.org/presentationml/2006/main">
-  <p:cSld>
-    <p:spTree>
-      <p:nvGrpSpPr>
-        <p:cNvPr id="1" name="Shape 77"/>
-        <p:cNvGrpSpPr/>
-        <p:nvPr/>
-      </p:nvGrpSpPr>
-      <p:grpSpPr>
-        <a:xfrm>
-          <a:off x="0" y="0"/>
-          <a:ext cx="0" cy="0"/>
-          <a:chOff x="0" y="0"/>
-          <a:chExt cx="0" cy="0"/>
-        </a:xfrm>
-      </p:grpSpPr>
-      <p:sp>
-        <p:nvSpPr>
-          <p:cNvPr id="78" name="Google Shape;78;p17"/>
-          <p:cNvSpPr txBox="1">
-            <a:spLocks noGrp="1"/>
-          </p:cNvSpPr>
-          <p:nvPr>
-            <p:ph type="title"/>
-          </p:nvPr>
-        </p:nvSpPr>
-        <p:spPr>
-          <a:xfrm>
-            <a:off x="311700" y="445025"/>
-            <a:ext cx="8520600" cy="572700"/>
-          </a:xfrm>
-          <a:prstGeom prst="rect">
-            <a:avLst/>
-          </a:prstGeom>
-        </p:spPr>
-        <p:txBody>
-          <a:bodyPr spcFirstLastPara="1" wrap="square" lIns="91425" tIns="91425" rIns="91425" bIns="91425" anchor="t" anchorCtr="0">
-            <a:noAutofit/>
-          </a:bodyPr>
-          <a:lstStyle/>
-          <a:p>
-            <a:pPr marL="0" lvl="0" indent="0" algn="l" rtl="0">
-              <a:spcBef>
-                <a:spcPts val="0"/>
-              </a:spcBef>
-              <a:spcAft>
-                <a:spcPts val="0"/>
-              </a:spcAft>
-              <a:buNone/>
-            </a:pPr>
-            <a:r>
-              <a:rPr lang="en" dirty="0"/>
-              <a:t>Component  v - Test Plan (and screenshot)</a:t>
-            </a:r>
-            <a:endParaRPr dirty="0"/>
-          </a:p>
-        </p:txBody>
-      </p:sp>
-      <p:graphicFrame>
-        <p:nvGraphicFramePr>
-          <p:cNvPr id="79" name="Google Shape;79;p17"/>
-          <p:cNvGraphicFramePr/>
-          <p:nvPr/>
-        </p:nvGraphicFramePr>
-        <p:xfrm>
-          <a:off x="311700" y="3794967"/>
-          <a:ext cx="8520600" cy="1188660"/>
-        </p:xfrm>
-        <a:graphic>
-          <a:graphicData uri="http://schemas.openxmlformats.org/drawingml/2006/table">
-            <a:tbl>
-              <a:tblPr>
-                <a:noFill/>
-                <a:tableStyleId>{E1099E06-0E6B-448D-9D27-60429F06E6F4}</a:tableStyleId>
-              </a:tblPr>
-              <a:tblGrid>
-                <a:gridCol w="2709796">
-                  <a:extLst>
-                    <a:ext uri="{9D8B030D-6E8A-4147-A177-3AD203B41FA5}">
-                      <a16:colId xmlns:a16="http://schemas.microsoft.com/office/drawing/2014/main" val="20000"/>
-                    </a:ext>
-                  </a:extLst>
-                </a:gridCol>
-                <a:gridCol w="5810804">
-                  <a:extLst>
-                    <a:ext uri="{9D8B030D-6E8A-4147-A177-3AD203B41FA5}">
-                      <a16:colId xmlns:a16="http://schemas.microsoft.com/office/drawing/2014/main" val="20001"/>
-                    </a:ext>
-                  </a:extLst>
-                </a:gridCol>
-              </a:tblGrid>
-              <a:tr h="381000">
-                <a:tc>
-                  <a:txBody>
-                    <a:bodyPr/>
-                    <a:lstStyle/>
-                    <a:p>
-                      <a:pPr marL="0" lvl="0" indent="0" algn="l" rtl="0">
-                        <a:spcBef>
-                          <a:spcPts val="0"/>
-                        </a:spcBef>
-                        <a:spcAft>
-                          <a:spcPts val="0"/>
-                        </a:spcAft>
-                        <a:buNone/>
-                      </a:pPr>
-                      <a:r>
-                        <a:rPr lang="en" sz="1800" b="1" dirty="0"/>
-                        <a:t>Test Case</a:t>
-                      </a:r>
-                      <a:endParaRPr sz="1800" b="1" dirty="0"/>
-                    </a:p>
-                  </a:txBody>
-                  <a:tcPr marL="91425" marR="91425" marT="91425" marB="91425">
-                    <a:solidFill>
-                      <a:srgbClr val="CCCCCC"/>
-                    </a:solidFill>
-                  </a:tcPr>
-                </a:tc>
-                <a:tc>
-                  <a:txBody>
-                    <a:bodyPr/>
-                    <a:lstStyle/>
-                    <a:p>
-                      <a:pPr marL="0" lvl="0" indent="0" algn="l" rtl="0">
-                        <a:spcBef>
-                          <a:spcPts val="0"/>
-                        </a:spcBef>
-                        <a:spcAft>
-                          <a:spcPts val="0"/>
-                        </a:spcAft>
-                        <a:buNone/>
-                      </a:pPr>
-                      <a:r>
-                        <a:rPr lang="en" sz="1800" b="1" dirty="0"/>
-                        <a:t>Expected Values</a:t>
-                      </a:r>
-                      <a:endParaRPr sz="1800" b="1" dirty="0"/>
-                    </a:p>
-                  </a:txBody>
-                  <a:tcPr marL="91425" marR="91425" marT="91425" marB="91425">
-                    <a:solidFill>
-                      <a:srgbClr val="CCCCCC"/>
-                    </a:solidFill>
-                  </a:tcPr>
-                </a:tc>
-                <a:extLst>
-                  <a:ext uri="{0D108BD9-81ED-4DB2-BD59-A6C34878D82A}">
-                    <a16:rowId xmlns:a16="http://schemas.microsoft.com/office/drawing/2014/main" val="10000"/>
-                  </a:ext>
-                </a:extLst>
-              </a:tr>
-              <a:tr h="396200">
-                <a:tc>
-                  <a:txBody>
-                    <a:bodyPr/>
-                    <a:lstStyle/>
-                    <a:p>
-                      <a:pPr marL="0" marR="0" lvl="0" indent="0" algn="l" defTabSz="914400" rtl="0" eaLnBrk="1" fontAlgn="auto" latinLnBrk="0" hangingPunct="1">
-                        <a:lnSpc>
-                          <a:spcPct val="100000"/>
-                        </a:lnSpc>
-                        <a:spcBef>
-                          <a:spcPts val="0"/>
-                        </a:spcBef>
-                        <a:spcAft>
-                          <a:spcPts val="0"/>
-                        </a:spcAft>
-                        <a:buClr>
-                          <a:srgbClr val="000000"/>
-                        </a:buClr>
-                        <a:buSzTx/>
-                        <a:buFont typeface="Arial"/>
-                        <a:buNone/>
-                        <a:tabLst/>
-                        <a:defRPr/>
-                      </a:pPr>
-                      <a:endParaRPr lang="en-US" sz="1800" dirty="0"/>
-                    </a:p>
-                    <a:p>
-                      <a:pPr marL="0" lvl="0" indent="0" algn="l" rtl="0">
-                        <a:spcBef>
-                          <a:spcPts val="0"/>
-                        </a:spcBef>
-                        <a:spcAft>
-                          <a:spcPts val="0"/>
-                        </a:spcAft>
-                        <a:buNone/>
-                      </a:pPr>
-                      <a:endParaRPr sz="1800" dirty="0"/>
-                    </a:p>
-                  </a:txBody>
-                  <a:tcPr marL="91425" marR="91425" marT="91425" marB="91425"/>
-                </a:tc>
-                <a:tc>
-                  <a:txBody>
-                    <a:bodyPr/>
-                    <a:lstStyle/>
-                    <a:p>
-                      <a:pPr marL="0" lvl="0" indent="0" algn="l" rtl="0">
-                        <a:spcBef>
-                          <a:spcPts val="0"/>
-                        </a:spcBef>
-                        <a:spcAft>
-                          <a:spcPts val="0"/>
-                        </a:spcAft>
-                        <a:buNone/>
-                      </a:pPr>
-                      <a:endParaRPr sz="1800" dirty="0"/>
-                    </a:p>
-                  </a:txBody>
-                  <a:tcPr marL="91425" marR="91425" marT="91425" marB="91425"/>
-                </a:tc>
-                <a:extLst>
-                  <a:ext uri="{0D108BD9-81ED-4DB2-BD59-A6C34878D82A}">
-                    <a16:rowId xmlns:a16="http://schemas.microsoft.com/office/drawing/2014/main" val="10001"/>
-                  </a:ext>
-                </a:extLst>
-              </a:tr>
-            </a:tbl>
-          </a:graphicData>
-        </a:graphic>
-      </p:graphicFrame>
-    </p:spTree>
-    <p:extLst>
-      <p:ext uri="{BB962C8B-B14F-4D97-AF65-F5344CB8AC3E}">
-        <p14:creationId xmlns:p14="http://schemas.microsoft.com/office/powerpoint/2010/main" val="974398969"/>
       </p:ext>
     </p:extLst>
   </p:cSld>

--- a/Python.pptx
+++ b/Python.pptx
@@ -5,7 +5,7 @@
     <p:sldMasterId id="2147483659" r:id="rId1"/>
   </p:sldMasterIdLst>
   <p:notesMasterIdLst>
-    <p:notesMasterId r:id="rId31"/>
+    <p:notesMasterId r:id="rId32"/>
   </p:notesMasterIdLst>
   <p:sldIdLst>
     <p:sldId id="256" r:id="rId2"/>
@@ -32,11 +32,12 @@
     <p:sldId id="281" r:id="rId23"/>
     <p:sldId id="285" r:id="rId24"/>
     <p:sldId id="284" r:id="rId25"/>
-    <p:sldId id="278" r:id="rId26"/>
-    <p:sldId id="283" r:id="rId27"/>
-    <p:sldId id="280" r:id="rId28"/>
-    <p:sldId id="261" r:id="rId29"/>
-    <p:sldId id="262" r:id="rId30"/>
+    <p:sldId id="286" r:id="rId26"/>
+    <p:sldId id="278" r:id="rId27"/>
+    <p:sldId id="283" r:id="rId28"/>
+    <p:sldId id="280" r:id="rId29"/>
+    <p:sldId id="261" r:id="rId30"/>
+    <p:sldId id="262" r:id="rId31"/>
   </p:sldIdLst>
   <p:sldSz cx="9144000" cy="5143500" type="screen16x9"/>
   <p:notesSz cx="6858000" cy="9144000"/>
@@ -291,7 +292,7 @@
 <file path=ppt/revisionInfo.xml><?xml version="1.0" encoding="utf-8"?>
 <p1510:revInfo xmlns:a="http://schemas.openxmlformats.org/drawingml/2006/main" xmlns:r="http://schemas.openxmlformats.org/officeDocument/2006/relationships" xmlns:p1510="http://schemas.microsoft.com/office/powerpoint/2015/10/main">
   <p1510:revLst>
-    <p1510:client id="{268579DD-9F3E-DD42-ADBD-2C5BCBEBF3D0}" v="79" dt="2023-05-12T08:15:47.599"/>
+    <p1510:client id="{268579DD-9F3E-DD42-ADBD-2C5BCBEBF3D0}" v="83" dt="2023-05-12T22:51:07.958"/>
   </p1510:revLst>
 </p1510:revInfo>
 </file>
@@ -301,7 +302,7 @@
   <pc:docChgLst>
     <pc:chgData name="Kaitlin Eustaquio" userId="1db1b819-5a69-4e28-a1f3-107bdd323ba9" providerId="ADAL" clId="{268579DD-9F3E-DD42-ADBD-2C5BCBEBF3D0}"/>
     <pc:docChg chg="undo redo custSel addSld delSld modSld sldOrd">
-      <pc:chgData name="Kaitlin Eustaquio" userId="1db1b819-5a69-4e28-a1f3-107bdd323ba9" providerId="ADAL" clId="{268579DD-9F3E-DD42-ADBD-2C5BCBEBF3D0}" dt="2023-05-12T08:25:08.315" v="1724" actId="20577"/>
+      <pc:chgData name="Kaitlin Eustaquio" userId="1db1b819-5a69-4e28-a1f3-107bdd323ba9" providerId="ADAL" clId="{268579DD-9F3E-DD42-ADBD-2C5BCBEBF3D0}" dt="2023-05-12T22:52:43.336" v="1842" actId="14100"/>
       <pc:docMkLst>
         <pc:docMk/>
       </pc:docMkLst>
@@ -1133,20 +1134,44 @@
           </ac:picMkLst>
         </pc:picChg>
       </pc:sldChg>
-      <pc:sldChg chg="modSp add mod">
-        <pc:chgData name="Kaitlin Eustaquio" userId="1db1b819-5a69-4e28-a1f3-107bdd323ba9" providerId="ADAL" clId="{268579DD-9F3E-DD42-ADBD-2C5BCBEBF3D0}" dt="2023-05-12T08:03:47.103" v="1702" actId="14734"/>
+      <pc:sldChg chg="addSp modSp add mod">
+        <pc:chgData name="Kaitlin Eustaquio" userId="1db1b819-5a69-4e28-a1f3-107bdd323ba9" providerId="ADAL" clId="{268579DD-9F3E-DD42-ADBD-2C5BCBEBF3D0}" dt="2023-05-12T22:52:43.336" v="1842" actId="14100"/>
         <pc:sldMkLst>
           <pc:docMk/>
           <pc:sldMk cId="2084576816" sldId="278"/>
         </pc:sldMkLst>
+        <pc:spChg chg="mod">
+          <ac:chgData name="Kaitlin Eustaquio" userId="1db1b819-5a69-4e28-a1f3-107bdd323ba9" providerId="ADAL" clId="{268579DD-9F3E-DD42-ADBD-2C5BCBEBF3D0}" dt="2023-05-12T22:51:35.120" v="1749" actId="20577"/>
+          <ac:spMkLst>
+            <pc:docMk/>
+            <pc:sldMk cId="2084576816" sldId="278"/>
+            <ac:spMk id="78" creationId="{00000000-0000-0000-0000-000000000000}"/>
+          </ac:spMkLst>
+        </pc:spChg>
         <pc:graphicFrameChg chg="mod modGraphic">
-          <ac:chgData name="Kaitlin Eustaquio" userId="1db1b819-5a69-4e28-a1f3-107bdd323ba9" providerId="ADAL" clId="{268579DD-9F3E-DD42-ADBD-2C5BCBEBF3D0}" dt="2023-05-12T08:03:47.103" v="1702" actId="14734"/>
+          <ac:chgData name="Kaitlin Eustaquio" userId="1db1b819-5a69-4e28-a1f3-107bdd323ba9" providerId="ADAL" clId="{268579DD-9F3E-DD42-ADBD-2C5BCBEBF3D0}" dt="2023-05-12T22:52:41.265" v="1841" actId="1076"/>
           <ac:graphicFrameMkLst>
             <pc:docMk/>
             <pc:sldMk cId="2084576816" sldId="278"/>
             <ac:graphicFrameMk id="79" creationId="{00000000-0000-0000-0000-000000000000}"/>
           </ac:graphicFrameMkLst>
         </pc:graphicFrameChg>
+        <pc:picChg chg="add mod">
+          <ac:chgData name="Kaitlin Eustaquio" userId="1db1b819-5a69-4e28-a1f3-107bdd323ba9" providerId="ADAL" clId="{268579DD-9F3E-DD42-ADBD-2C5BCBEBF3D0}" dt="2023-05-12T22:52:43.336" v="1842" actId="14100"/>
+          <ac:picMkLst>
+            <pc:docMk/>
+            <pc:sldMk cId="2084576816" sldId="278"/>
+            <ac:picMk id="2" creationId="{C5505578-1FAD-7D1F-CE70-9F4EB17E34D7}"/>
+          </ac:picMkLst>
+        </pc:picChg>
+        <pc:picChg chg="add mod">
+          <ac:chgData name="Kaitlin Eustaquio" userId="1db1b819-5a69-4e28-a1f3-107bdd323ba9" providerId="ADAL" clId="{268579DD-9F3E-DD42-ADBD-2C5BCBEBF3D0}" dt="2023-05-12T22:51:09.909" v="1741" actId="1076"/>
+          <ac:picMkLst>
+            <pc:docMk/>
+            <pc:sldMk cId="2084576816" sldId="278"/>
+            <ac:picMk id="3" creationId="{B3C4142C-E7E7-CF17-9DDA-51DBEBF065AD}"/>
+          </ac:picMkLst>
+        </pc:picChg>
       </pc:sldChg>
       <pc:sldChg chg="addSp delSp modSp add mod ord">
         <pc:chgData name="Kaitlin Eustaquio" userId="1db1b819-5a69-4e28-a1f3-107bdd323ba9" providerId="ADAL" clId="{268579DD-9F3E-DD42-ADBD-2C5BCBEBF3D0}" dt="2023-05-11T23:57:11.162" v="1566" actId="20578"/>
@@ -1338,6 +1363,45 @@
             <pc:docMk/>
             <pc:sldMk cId="2472364702" sldId="285"/>
             <ac:picMk id="3" creationId="{B7CE1929-3C4A-9E09-8A51-05B56744F7BD}"/>
+          </ac:picMkLst>
+        </pc:picChg>
+      </pc:sldChg>
+      <pc:sldChg chg="addSp delSp modSp add mod ord">
+        <pc:chgData name="Kaitlin Eustaquio" userId="1db1b819-5a69-4e28-a1f3-107bdd323ba9" providerId="ADAL" clId="{268579DD-9F3E-DD42-ADBD-2C5BCBEBF3D0}" dt="2023-05-12T22:41:22.363" v="1735" actId="1076"/>
+        <pc:sldMkLst>
+          <pc:docMk/>
+          <pc:sldMk cId="2717932625" sldId="286"/>
+        </pc:sldMkLst>
+        <pc:spChg chg="mod">
+          <ac:chgData name="Kaitlin Eustaquio" userId="1db1b819-5a69-4e28-a1f3-107bdd323ba9" providerId="ADAL" clId="{268579DD-9F3E-DD42-ADBD-2C5BCBEBF3D0}" dt="2023-05-12T22:32:37.475" v="1729" actId="20577"/>
+          <ac:spMkLst>
+            <pc:docMk/>
+            <pc:sldMk cId="2717932625" sldId="286"/>
+            <ac:spMk id="73" creationId="{00000000-0000-0000-0000-000000000000}"/>
+          </ac:spMkLst>
+        </pc:spChg>
+        <pc:picChg chg="add del mod">
+          <ac:chgData name="Kaitlin Eustaquio" userId="1db1b819-5a69-4e28-a1f3-107bdd323ba9" providerId="ADAL" clId="{268579DD-9F3E-DD42-ADBD-2C5BCBEBF3D0}" dt="2023-05-12T22:41:21.142" v="1733" actId="478"/>
+          <ac:picMkLst>
+            <pc:docMk/>
+            <pc:sldMk cId="2717932625" sldId="286"/>
+            <ac:picMk id="2" creationId="{CD155FE5-83FE-661F-212A-01D3473A19D6}"/>
+          </ac:picMkLst>
+        </pc:picChg>
+        <pc:picChg chg="del">
+          <ac:chgData name="Kaitlin Eustaquio" userId="1db1b819-5a69-4e28-a1f3-107bdd323ba9" providerId="ADAL" clId="{268579DD-9F3E-DD42-ADBD-2C5BCBEBF3D0}" dt="2023-05-12T22:32:55.468" v="1730" actId="478"/>
+          <ac:picMkLst>
+            <pc:docMk/>
+            <pc:sldMk cId="2717932625" sldId="286"/>
+            <ac:picMk id="3" creationId="{B7CE1929-3C4A-9E09-8A51-05B56744F7BD}"/>
+          </ac:picMkLst>
+        </pc:picChg>
+        <pc:picChg chg="add mod">
+          <ac:chgData name="Kaitlin Eustaquio" userId="1db1b819-5a69-4e28-a1f3-107bdd323ba9" providerId="ADAL" clId="{268579DD-9F3E-DD42-ADBD-2C5BCBEBF3D0}" dt="2023-05-12T22:41:22.363" v="1735" actId="1076"/>
+          <ac:picMkLst>
+            <pc:docMk/>
+            <pc:sldMk cId="2717932625" sldId="286"/>
+            <ac:picMk id="4" creationId="{751601ED-46CD-AB30-F95F-6F56141A40CC}"/>
           </ac:picMkLst>
         </pc:picChg>
       </pc:sldChg>
@@ -3639,7 +3703,7 @@
   <p:cSld>
     <p:spTree>
       <p:nvGrpSpPr>
-        <p:cNvPr id="1" name="Shape 74"/>
+        <p:cNvPr id="1" name="Shape 69"/>
         <p:cNvGrpSpPr/>
         <p:nvPr/>
       </p:nvGrpSpPr>
@@ -3653,7 +3717,7 @@
       </p:grpSpPr>
       <p:sp>
         <p:nvSpPr>
-          <p:cNvPr id="75" name="Google Shape;75;gac10fef634_0_20:notes"/>
+          <p:cNvPr id="70" name="Google Shape;70;gac10fef634_0_16:notes"/>
           <p:cNvSpPr>
             <a:spLocks noGrp="1" noRot="1" noChangeAspect="1"/>
           </p:cNvSpPr>
@@ -3694,7 +3758,7 @@
       </p:sp>
       <p:sp>
         <p:nvSpPr>
-          <p:cNvPr id="76" name="Google Shape;76;gac10fef634_0_20:notes"/>
+          <p:cNvPr id="71" name="Google Shape;71;gac10fef634_0_16:notes"/>
           <p:cNvSpPr txBox="1">
             <a:spLocks noGrp="1"/>
           </p:cNvSpPr>
@@ -3733,7 +3797,7 @@
     </p:spTree>
     <p:extLst>
       <p:ext uri="{BB962C8B-B14F-4D97-AF65-F5344CB8AC3E}">
-        <p14:creationId xmlns:p14="http://schemas.microsoft.com/office/powerpoint/2010/main" val="3159739832"/>
+        <p14:creationId xmlns:p14="http://schemas.microsoft.com/office/powerpoint/2010/main" val="3286326785"/>
       </p:ext>
     </p:extLst>
   </p:cSld>
@@ -3842,7 +3906,7 @@
     </p:spTree>
     <p:extLst>
       <p:ext uri="{BB962C8B-B14F-4D97-AF65-F5344CB8AC3E}">
-        <p14:creationId xmlns:p14="http://schemas.microsoft.com/office/powerpoint/2010/main" val="3577058465"/>
+        <p14:creationId xmlns:p14="http://schemas.microsoft.com/office/powerpoint/2010/main" val="3159739832"/>
       </p:ext>
     </p:extLst>
   </p:cSld>
@@ -3951,6 +4015,115 @@
     </p:spTree>
     <p:extLst>
       <p:ext uri="{BB962C8B-B14F-4D97-AF65-F5344CB8AC3E}">
+        <p14:creationId xmlns:p14="http://schemas.microsoft.com/office/powerpoint/2010/main" val="3577058465"/>
+      </p:ext>
+    </p:extLst>
+  </p:cSld>
+  <p:clrMapOvr>
+    <a:masterClrMapping/>
+  </p:clrMapOvr>
+</p:notes>
+</file>
+
+<file path=ppt/notesSlides/notesSlide28.xml><?xml version="1.0" encoding="utf-8"?>
+<p:notes xmlns:a="http://schemas.openxmlformats.org/drawingml/2006/main" xmlns:r="http://schemas.openxmlformats.org/officeDocument/2006/relationships" xmlns:p="http://schemas.openxmlformats.org/presentationml/2006/main" showMasterSp="0" showMasterPhAnim="0">
+  <p:cSld>
+    <p:spTree>
+      <p:nvGrpSpPr>
+        <p:cNvPr id="1" name="Shape 74"/>
+        <p:cNvGrpSpPr/>
+        <p:nvPr/>
+      </p:nvGrpSpPr>
+      <p:grpSpPr>
+        <a:xfrm>
+          <a:off x="0" y="0"/>
+          <a:ext cx="0" cy="0"/>
+          <a:chOff x="0" y="0"/>
+          <a:chExt cx="0" cy="0"/>
+        </a:xfrm>
+      </p:grpSpPr>
+      <p:sp>
+        <p:nvSpPr>
+          <p:cNvPr id="75" name="Google Shape;75;gac10fef634_0_20:notes"/>
+          <p:cNvSpPr>
+            <a:spLocks noGrp="1" noRot="1" noChangeAspect="1"/>
+          </p:cNvSpPr>
+          <p:nvPr>
+            <p:ph type="sldImg" idx="2"/>
+          </p:nvPr>
+        </p:nvSpPr>
+        <p:spPr>
+          <a:xfrm>
+            <a:off x="381000" y="685800"/>
+            <a:ext cx="6096000" cy="3429000"/>
+          </a:xfrm>
+          <a:custGeom>
+            <a:avLst/>
+            <a:gdLst/>
+            <a:ahLst/>
+            <a:cxnLst/>
+            <a:rect l="l" t="t" r="r" b="b"/>
+            <a:pathLst>
+              <a:path w="120000" h="120000" extrusionOk="0">
+                <a:moveTo>
+                  <a:pt x="0" y="0"/>
+                </a:moveTo>
+                <a:lnTo>
+                  <a:pt x="120000" y="0"/>
+                </a:lnTo>
+                <a:lnTo>
+                  <a:pt x="120000" y="120000"/>
+                </a:lnTo>
+                <a:lnTo>
+                  <a:pt x="0" y="120000"/>
+                </a:lnTo>
+                <a:close/>
+              </a:path>
+            </a:pathLst>
+          </a:custGeom>
+        </p:spPr>
+      </p:sp>
+      <p:sp>
+        <p:nvSpPr>
+          <p:cNvPr id="76" name="Google Shape;76;gac10fef634_0_20:notes"/>
+          <p:cNvSpPr txBox="1">
+            <a:spLocks noGrp="1"/>
+          </p:cNvSpPr>
+          <p:nvPr>
+            <p:ph type="body" idx="1"/>
+          </p:nvPr>
+        </p:nvSpPr>
+        <p:spPr>
+          <a:xfrm>
+            <a:off x="685800" y="4343400"/>
+            <a:ext cx="5486400" cy="4114800"/>
+          </a:xfrm>
+          <a:prstGeom prst="rect">
+            <a:avLst/>
+          </a:prstGeom>
+        </p:spPr>
+        <p:txBody>
+          <a:bodyPr spcFirstLastPara="1" wrap="square" lIns="91425" tIns="91425" rIns="91425" bIns="91425" anchor="t" anchorCtr="0">
+            <a:noAutofit/>
+          </a:bodyPr>
+          <a:lstStyle/>
+          <a:p>
+            <a:pPr marL="0" lvl="0" indent="0" algn="l" rtl="0">
+              <a:spcBef>
+                <a:spcPts val="0"/>
+              </a:spcBef>
+              <a:spcAft>
+                <a:spcPts val="0"/>
+              </a:spcAft>
+              <a:buNone/>
+            </a:pPr>
+            <a:endParaRPr/>
+          </a:p>
+        </p:txBody>
+      </p:sp>
+    </p:spTree>
+    <p:extLst>
+      <p:ext uri="{BB962C8B-B14F-4D97-AF65-F5344CB8AC3E}">
         <p14:creationId xmlns:p14="http://schemas.microsoft.com/office/powerpoint/2010/main" val="871215247"/>
       </p:ext>
     </p:extLst>
@@ -3961,7 +4134,7 @@
 </p:notes>
 </file>
 
-<file path=ppt/notesSlides/notesSlide28.xml><?xml version="1.0" encoding="utf-8"?>
+<file path=ppt/notesSlides/notesSlide29.xml><?xml version="1.0" encoding="utf-8"?>
 <p:notes xmlns:a="http://schemas.openxmlformats.org/drawingml/2006/main" xmlns:r="http://schemas.openxmlformats.org/officeDocument/2006/relationships" xmlns:p="http://schemas.openxmlformats.org/presentationml/2006/main" showMasterSp="0" showMasterPhAnim="0">
   <p:cSld>
     <p:spTree>
@@ -4074,114 +4247,6 @@
               </a:spcAft>
               <a:buNone/>
             </a:pPr>
-            <a:endParaRPr/>
-          </a:p>
-        </p:txBody>
-      </p:sp>
-    </p:spTree>
-  </p:cSld>
-  <p:clrMapOvr>
-    <a:masterClrMapping/>
-  </p:clrMapOvr>
-</p:notes>
-</file>
-
-<file path=ppt/notesSlides/notesSlide29.xml><?xml version="1.0" encoding="utf-8"?>
-<p:notes xmlns:a="http://schemas.openxmlformats.org/drawingml/2006/main" xmlns:r="http://schemas.openxmlformats.org/officeDocument/2006/relationships" xmlns:p="http://schemas.openxmlformats.org/presentationml/2006/main" showMasterSp="0" showMasterPhAnim="0">
-  <p:cSld>
-    <p:spTree>
-      <p:nvGrpSpPr>
-        <p:cNvPr id="1" name="Shape 86"/>
-        <p:cNvGrpSpPr/>
-        <p:nvPr/>
-      </p:nvGrpSpPr>
-      <p:grpSpPr>
-        <a:xfrm>
-          <a:off x="0" y="0"/>
-          <a:ext cx="0" cy="0"/>
-          <a:chOff x="0" y="0"/>
-          <a:chExt cx="0" cy="0"/>
-        </a:xfrm>
-      </p:grpSpPr>
-      <p:sp>
-        <p:nvSpPr>
-          <p:cNvPr id="87" name="Google Shape;87;gac10fef634_0_30:notes"/>
-          <p:cNvSpPr>
-            <a:spLocks noGrp="1" noRot="1" noChangeAspect="1"/>
-          </p:cNvSpPr>
-          <p:nvPr>
-            <p:ph type="sldImg" idx="2"/>
-          </p:nvPr>
-        </p:nvSpPr>
-        <p:spPr>
-          <a:xfrm>
-            <a:off x="381000" y="685800"/>
-            <a:ext cx="6096000" cy="3429000"/>
-          </a:xfrm>
-          <a:custGeom>
-            <a:avLst/>
-            <a:gdLst/>
-            <a:ahLst/>
-            <a:cxnLst/>
-            <a:rect l="l" t="t" r="r" b="b"/>
-            <a:pathLst>
-              <a:path w="120000" h="120000" extrusionOk="0">
-                <a:moveTo>
-                  <a:pt x="0" y="0"/>
-                </a:moveTo>
-                <a:lnTo>
-                  <a:pt x="120000" y="0"/>
-                </a:lnTo>
-                <a:lnTo>
-                  <a:pt x="120000" y="120000"/>
-                </a:lnTo>
-                <a:lnTo>
-                  <a:pt x="0" y="120000"/>
-                </a:lnTo>
-                <a:close/>
-              </a:path>
-            </a:pathLst>
-          </a:custGeom>
-        </p:spPr>
-      </p:sp>
-      <p:sp>
-        <p:nvSpPr>
-          <p:cNvPr id="88" name="Google Shape;88;gac10fef634_0_30:notes"/>
-          <p:cNvSpPr txBox="1">
-            <a:spLocks noGrp="1"/>
-          </p:cNvSpPr>
-          <p:nvPr>
-            <p:ph type="body" idx="1"/>
-          </p:nvPr>
-        </p:nvSpPr>
-        <p:spPr>
-          <a:xfrm>
-            <a:off x="685800" y="4343400"/>
-            <a:ext cx="5486400" cy="4114800"/>
-          </a:xfrm>
-          <a:prstGeom prst="rect">
-            <a:avLst/>
-          </a:prstGeom>
-        </p:spPr>
-        <p:txBody>
-          <a:bodyPr spcFirstLastPara="1" wrap="square" lIns="91425" tIns="91425" rIns="91425" bIns="91425" anchor="t" anchorCtr="0">
-            <a:noAutofit/>
-          </a:bodyPr>
-          <a:lstStyle/>
-          <a:p>
-            <a:pPr marL="0" lvl="0" indent="0" algn="l" rtl="0">
-              <a:spcBef>
-                <a:spcPts val="0"/>
-              </a:spcBef>
-              <a:spcAft>
-                <a:spcPts val="0"/>
-              </a:spcAft>
-              <a:buNone/>
-            </a:pPr>
-            <a:r>
-              <a:rPr lang="en"/>
-              <a:t>Discusses how the information from planning, testing and trialling of components assisted in the development of a high-quality outcome</a:t>
-            </a:r>
             <a:endParaRPr/>
           </a:p>
         </p:txBody>
@@ -4307,6 +4372,114 @@
               </a:spcAft>
               <a:buNone/>
             </a:pPr>
+            <a:endParaRPr/>
+          </a:p>
+        </p:txBody>
+      </p:sp>
+    </p:spTree>
+  </p:cSld>
+  <p:clrMapOvr>
+    <a:masterClrMapping/>
+  </p:clrMapOvr>
+</p:notes>
+</file>
+
+<file path=ppt/notesSlides/notesSlide30.xml><?xml version="1.0" encoding="utf-8"?>
+<p:notes xmlns:a="http://schemas.openxmlformats.org/drawingml/2006/main" xmlns:r="http://schemas.openxmlformats.org/officeDocument/2006/relationships" xmlns:p="http://schemas.openxmlformats.org/presentationml/2006/main" showMasterSp="0" showMasterPhAnim="0">
+  <p:cSld>
+    <p:spTree>
+      <p:nvGrpSpPr>
+        <p:cNvPr id="1" name="Shape 86"/>
+        <p:cNvGrpSpPr/>
+        <p:nvPr/>
+      </p:nvGrpSpPr>
+      <p:grpSpPr>
+        <a:xfrm>
+          <a:off x="0" y="0"/>
+          <a:ext cx="0" cy="0"/>
+          <a:chOff x="0" y="0"/>
+          <a:chExt cx="0" cy="0"/>
+        </a:xfrm>
+      </p:grpSpPr>
+      <p:sp>
+        <p:nvSpPr>
+          <p:cNvPr id="87" name="Google Shape;87;gac10fef634_0_30:notes"/>
+          <p:cNvSpPr>
+            <a:spLocks noGrp="1" noRot="1" noChangeAspect="1"/>
+          </p:cNvSpPr>
+          <p:nvPr>
+            <p:ph type="sldImg" idx="2"/>
+          </p:nvPr>
+        </p:nvSpPr>
+        <p:spPr>
+          <a:xfrm>
+            <a:off x="381000" y="685800"/>
+            <a:ext cx="6096000" cy="3429000"/>
+          </a:xfrm>
+          <a:custGeom>
+            <a:avLst/>
+            <a:gdLst/>
+            <a:ahLst/>
+            <a:cxnLst/>
+            <a:rect l="l" t="t" r="r" b="b"/>
+            <a:pathLst>
+              <a:path w="120000" h="120000" extrusionOk="0">
+                <a:moveTo>
+                  <a:pt x="0" y="0"/>
+                </a:moveTo>
+                <a:lnTo>
+                  <a:pt x="120000" y="0"/>
+                </a:lnTo>
+                <a:lnTo>
+                  <a:pt x="120000" y="120000"/>
+                </a:lnTo>
+                <a:lnTo>
+                  <a:pt x="0" y="120000"/>
+                </a:lnTo>
+                <a:close/>
+              </a:path>
+            </a:pathLst>
+          </a:custGeom>
+        </p:spPr>
+      </p:sp>
+      <p:sp>
+        <p:nvSpPr>
+          <p:cNvPr id="88" name="Google Shape;88;gac10fef634_0_30:notes"/>
+          <p:cNvSpPr txBox="1">
+            <a:spLocks noGrp="1"/>
+          </p:cNvSpPr>
+          <p:nvPr>
+            <p:ph type="body" idx="1"/>
+          </p:nvPr>
+        </p:nvSpPr>
+        <p:spPr>
+          <a:xfrm>
+            <a:off x="685800" y="4343400"/>
+            <a:ext cx="5486400" cy="4114800"/>
+          </a:xfrm>
+          <a:prstGeom prst="rect">
+            <a:avLst/>
+          </a:prstGeom>
+        </p:spPr>
+        <p:txBody>
+          <a:bodyPr spcFirstLastPara="1" wrap="square" lIns="91425" tIns="91425" rIns="91425" bIns="91425" anchor="t" anchorCtr="0">
+            <a:noAutofit/>
+          </a:bodyPr>
+          <a:lstStyle/>
+          <a:p>
+            <a:pPr marL="0" lvl="0" indent="0" algn="l" rtl="0">
+              <a:spcBef>
+                <a:spcPts val="0"/>
+              </a:spcBef>
+              <a:spcAft>
+                <a:spcPts val="0"/>
+              </a:spcAft>
+              <a:buNone/>
+            </a:pPr>
+            <a:r>
+              <a:rPr lang="en"/>
+              <a:t>Discusses how the information from planning, testing and trialling of components assisted in the development of a high-quality outcome</a:t>
+            </a:r>
             <a:endParaRPr/>
           </a:p>
         </p:txBody>
@@ -14892,9 +15065,17 @@
 <file path=ppt/slides/slide25.xml><?xml version="1.0" encoding="utf-8"?>
 <p:sld xmlns:a="http://schemas.openxmlformats.org/drawingml/2006/main" xmlns:r="http://schemas.openxmlformats.org/officeDocument/2006/relationships" xmlns:p="http://schemas.openxmlformats.org/presentationml/2006/main">
   <p:cSld>
+    <p:bg>
+      <p:bgPr>
+        <a:solidFill>
+          <a:srgbClr val="D9EAD3"/>
+        </a:solidFill>
+        <a:effectLst/>
+      </p:bgPr>
+    </p:bg>
     <p:spTree>
       <p:nvGrpSpPr>
-        <p:cNvPr id="1" name="Shape 77"/>
+        <p:cNvPr id="1" name="Shape 72"/>
         <p:cNvGrpSpPr/>
         <p:nvPr/>
       </p:nvGrpSpPr>
@@ -14908,7 +15089,7 @@
       </p:grpSpPr>
       <p:sp>
         <p:nvSpPr>
-          <p:cNvPr id="78" name="Google Shape;78;p17"/>
+          <p:cNvPr id="73" name="Google Shape;73;p16"/>
           <p:cNvSpPr txBox="1">
             <a:spLocks noGrp="1"/>
           </p:cNvSpPr>
@@ -14942,291 +15123,46 @@
             </a:pPr>
             <a:r>
               <a:rPr lang="en" dirty="0"/>
-              <a:t>Component  v - Test Plan (and screenshot)</a:t>
+              <a:t>Component 5 (Trello screenshot)</a:t>
             </a:r>
             <a:endParaRPr dirty="0"/>
           </a:p>
         </p:txBody>
       </p:sp>
-      <p:graphicFrame>
-        <p:nvGraphicFramePr>
-          <p:cNvPr id="79" name="Google Shape;79;p17"/>
-          <p:cNvGraphicFramePr/>
-          <p:nvPr>
-            <p:extLst>
-              <p:ext uri="{D42A27DB-BD31-4B8C-83A1-F6EECF244321}">
-                <p14:modId xmlns:p14="http://schemas.microsoft.com/office/powerpoint/2010/main" val="3199833984"/>
-              </p:ext>
-            </p:extLst>
-          </p:nvPr>
-        </p:nvGraphicFramePr>
-        <p:xfrm>
-          <a:off x="311700" y="2857560"/>
-          <a:ext cx="8520600" cy="2285940"/>
-        </p:xfrm>
-        <a:graphic>
-          <a:graphicData uri="http://schemas.openxmlformats.org/drawingml/2006/table">
-            <a:tbl>
-              <a:tblPr>
-                <a:noFill/>
-                <a:tableStyleId>{E1099E06-0E6B-448D-9D27-60429F06E6F4}</a:tableStyleId>
-              </a:tblPr>
-              <a:tblGrid>
-                <a:gridCol w="3051702">
-                  <a:extLst>
-                    <a:ext uri="{9D8B030D-6E8A-4147-A177-3AD203B41FA5}">
-                      <a16:colId xmlns:a16="http://schemas.microsoft.com/office/drawing/2014/main" val="20000"/>
-                    </a:ext>
-                  </a:extLst>
-                </a:gridCol>
-                <a:gridCol w="5468898">
-                  <a:extLst>
-                    <a:ext uri="{9D8B030D-6E8A-4147-A177-3AD203B41FA5}">
-                      <a16:colId xmlns:a16="http://schemas.microsoft.com/office/drawing/2014/main" val="20001"/>
-                    </a:ext>
-                  </a:extLst>
-                </a:gridCol>
-              </a:tblGrid>
-              <a:tr h="381000">
-                <a:tc>
-                  <a:txBody>
-                    <a:bodyPr/>
-                    <a:lstStyle/>
-                    <a:p>
-                      <a:pPr marL="0" lvl="0" indent="0" algn="l" rtl="0">
-                        <a:spcBef>
-                          <a:spcPts val="0"/>
-                        </a:spcBef>
-                        <a:spcAft>
-                          <a:spcPts val="0"/>
-                        </a:spcAft>
-                        <a:buNone/>
-                      </a:pPr>
-                      <a:r>
-                        <a:rPr lang="en" sz="1800" b="1" dirty="0"/>
-                        <a:t>Test Case</a:t>
-                      </a:r>
-                      <a:endParaRPr sz="1800" b="1" dirty="0"/>
-                    </a:p>
-                  </a:txBody>
-                  <a:tcPr marL="91425" marR="91425" marT="91425" marB="91425">
-                    <a:solidFill>
-                      <a:srgbClr val="CCCCCC"/>
-                    </a:solidFill>
-                  </a:tcPr>
-                </a:tc>
-                <a:tc>
-                  <a:txBody>
-                    <a:bodyPr/>
-                    <a:lstStyle/>
-                    <a:p>
-                      <a:pPr marL="0" lvl="0" indent="0" algn="l" rtl="0">
-                        <a:spcBef>
-                          <a:spcPts val="0"/>
-                        </a:spcBef>
-                        <a:spcAft>
-                          <a:spcPts val="0"/>
-                        </a:spcAft>
-                        <a:buNone/>
-                      </a:pPr>
-                      <a:r>
-                        <a:rPr lang="en" sz="1800" b="1" dirty="0"/>
-                        <a:t>Expected Values</a:t>
-                      </a:r>
-                      <a:endParaRPr sz="1800" b="1" dirty="0"/>
-                    </a:p>
-                  </a:txBody>
-                  <a:tcPr marL="91425" marR="91425" marT="91425" marB="91425">
-                    <a:solidFill>
-                      <a:srgbClr val="CCCCCC"/>
-                    </a:solidFill>
-                  </a:tcPr>
-                </a:tc>
-                <a:extLst>
-                  <a:ext uri="{0D108BD9-81ED-4DB2-BD59-A6C34878D82A}">
-                    <a16:rowId xmlns:a16="http://schemas.microsoft.com/office/drawing/2014/main" val="10000"/>
-                  </a:ext>
-                </a:extLst>
-              </a:tr>
-              <a:tr h="396200">
-                <a:tc>
-                  <a:txBody>
-                    <a:bodyPr/>
-                    <a:lstStyle/>
-                    <a:p>
-                      <a:pPr marL="0" marR="0" lvl="0" indent="0" algn="l" defTabSz="914400" rtl="0" eaLnBrk="1" fontAlgn="auto" latinLnBrk="0" hangingPunct="1">
-                        <a:lnSpc>
-                          <a:spcPct val="100000"/>
-                        </a:lnSpc>
-                        <a:spcBef>
-                          <a:spcPts val="0"/>
-                        </a:spcBef>
-                        <a:spcAft>
-                          <a:spcPts val="0"/>
-                        </a:spcAft>
-                        <a:buClr>
-                          <a:srgbClr val="000000"/>
-                        </a:buClr>
-                        <a:buSzTx/>
-                        <a:buFont typeface="Arial"/>
-                        <a:buNone/>
-                        <a:tabLst/>
-                        <a:defRPr/>
-                      </a:pPr>
-                      <a:r>
-                        <a:rPr lang="en-US" sz="1800" dirty="0"/>
-                        <a:t>Input name</a:t>
-                      </a:r>
-                    </a:p>
-                    <a:p>
-                      <a:pPr marL="0" lvl="0" indent="0" algn="l" rtl="0">
-                        <a:spcBef>
-                          <a:spcPts val="0"/>
-                        </a:spcBef>
-                        <a:spcAft>
-                          <a:spcPts val="0"/>
-                        </a:spcAft>
-                        <a:buNone/>
-                      </a:pPr>
-                      <a:r>
-                        <a:rPr lang="en-US" sz="1800" dirty="0"/>
-                        <a:t>Input number</a:t>
-                      </a:r>
-                    </a:p>
-                    <a:p>
-                      <a:pPr marL="0" lvl="0" indent="0" algn="l" rtl="0">
-                        <a:spcBef>
-                          <a:spcPts val="0"/>
-                        </a:spcBef>
-                        <a:spcAft>
-                          <a:spcPts val="0"/>
-                        </a:spcAft>
-                        <a:buNone/>
-                      </a:pPr>
-                      <a:r>
-                        <a:rPr lang="en-US" sz="1800" dirty="0"/>
-                        <a:t>Input address (house number, street name, suburb)</a:t>
-                      </a:r>
-                    </a:p>
-                    <a:p>
-                      <a:pPr marL="0" lvl="0" indent="0" algn="l" rtl="0">
-                        <a:spcBef>
-                          <a:spcPts val="0"/>
-                        </a:spcBef>
-                        <a:spcAft>
-                          <a:spcPts val="0"/>
-                        </a:spcAft>
-                        <a:buNone/>
-                      </a:pPr>
-                      <a:r>
-                        <a:rPr lang="en-US" sz="1800" dirty="0"/>
-                        <a:t>Left input blank</a:t>
-                      </a:r>
-                    </a:p>
-                  </a:txBody>
-                  <a:tcPr marL="91425" marR="91425" marT="91425" marB="91425"/>
-                </a:tc>
-                <a:tc>
-                  <a:txBody>
-                    <a:bodyPr/>
-                    <a:lstStyle/>
-                    <a:p>
-                      <a:pPr marL="0" lvl="0" indent="0" algn="l" rtl="0">
-                        <a:spcBef>
-                          <a:spcPts val="0"/>
-                        </a:spcBef>
-                        <a:spcAft>
-                          <a:spcPts val="0"/>
-                        </a:spcAft>
-                        <a:buNone/>
-                      </a:pPr>
-                      <a:r>
-                        <a:rPr lang="en-US" sz="1800" dirty="0"/>
-                        <a:t>Printed correctly, can input both integers and letters</a:t>
-                      </a:r>
-                    </a:p>
-                    <a:p>
-                      <a:pPr marL="0" marR="0" lvl="0" indent="0" algn="l" defTabSz="914400" rtl="0" eaLnBrk="1" fontAlgn="auto" latinLnBrk="0" hangingPunct="1">
-                        <a:lnSpc>
-                          <a:spcPct val="100000"/>
-                        </a:lnSpc>
-                        <a:spcBef>
-                          <a:spcPts val="0"/>
-                        </a:spcBef>
-                        <a:spcAft>
-                          <a:spcPts val="0"/>
-                        </a:spcAft>
-                        <a:buClr>
-                          <a:srgbClr val="000000"/>
-                        </a:buClr>
-                        <a:buSzTx/>
-                        <a:buFont typeface="Arial"/>
-                        <a:buNone/>
-                        <a:tabLst/>
-                        <a:defRPr/>
-                      </a:pPr>
-                      <a:r>
-                        <a:rPr lang="en-US" sz="1800" dirty="0"/>
-                        <a:t>Printed correctly, can input both integers and letters</a:t>
-                      </a:r>
-                    </a:p>
-                    <a:p>
-                      <a:pPr marL="0" marR="0" lvl="0" indent="0" algn="l" defTabSz="914400" rtl="0" eaLnBrk="1" fontAlgn="auto" latinLnBrk="0" hangingPunct="1">
-                        <a:lnSpc>
-                          <a:spcPct val="100000"/>
-                        </a:lnSpc>
-                        <a:spcBef>
-                          <a:spcPts val="0"/>
-                        </a:spcBef>
-                        <a:spcAft>
-                          <a:spcPts val="0"/>
-                        </a:spcAft>
-                        <a:buClr>
-                          <a:srgbClr val="000000"/>
-                        </a:buClr>
-                        <a:buSzTx/>
-                        <a:buFont typeface="Arial"/>
-                        <a:buNone/>
-                        <a:tabLst/>
-                        <a:defRPr/>
-                      </a:pPr>
-                      <a:r>
-                        <a:rPr lang="en-US" sz="1800" dirty="0"/>
-                        <a:t>Printed correctly, can input both integers and letters</a:t>
-                      </a:r>
-                    </a:p>
-                    <a:p>
-                      <a:pPr marL="0" lvl="0" indent="0" algn="l" rtl="0">
-                        <a:spcBef>
-                          <a:spcPts val="0"/>
-                        </a:spcBef>
-                        <a:spcAft>
-                          <a:spcPts val="0"/>
-                        </a:spcAft>
-                        <a:buNone/>
-                      </a:pPr>
-                      <a:r>
-                        <a:rPr lang="en-US" sz="1800" dirty="0"/>
-                        <a:t>Prints error message and asks for input again</a:t>
-                      </a:r>
-                    </a:p>
-                  </a:txBody>
-                  <a:tcPr marL="91425" marR="91425" marT="91425" marB="91425"/>
-                </a:tc>
-                <a:extLst>
-                  <a:ext uri="{0D108BD9-81ED-4DB2-BD59-A6C34878D82A}">
-                    <a16:rowId xmlns:a16="http://schemas.microsoft.com/office/drawing/2014/main" val="10001"/>
-                  </a:ext>
-                </a:extLst>
-              </a:tr>
-            </a:tbl>
-          </a:graphicData>
-        </a:graphic>
-      </p:graphicFrame>
+      <p:pic>
+        <p:nvPicPr>
+          <p:cNvPr id="4" name="Picture 3">
+            <a:extLst>
+              <a:ext uri="{FF2B5EF4-FFF2-40B4-BE49-F238E27FC236}">
+                <a16:creationId xmlns:a16="http://schemas.microsoft.com/office/drawing/2014/main" id="{751601ED-46CD-AB30-F95F-6F56141A40CC}"/>
+              </a:ext>
+            </a:extLst>
+          </p:cNvPr>
+          <p:cNvPicPr>
+            <a:picLocks noChangeAspect="1"/>
+          </p:cNvPicPr>
+          <p:nvPr/>
+        </p:nvPicPr>
+        <p:blipFill>
+          <a:blip r:embed="rId3"/>
+          <a:stretch>
+            <a:fillRect/>
+          </a:stretch>
+        </p:blipFill>
+        <p:spPr>
+          <a:xfrm>
+            <a:off x="606287" y="1495023"/>
+            <a:ext cx="7772400" cy="2757753"/>
+          </a:xfrm>
+          <a:prstGeom prst="rect">
+            <a:avLst/>
+          </a:prstGeom>
+        </p:spPr>
+      </p:pic>
     </p:spTree>
     <p:extLst>
       <p:ext uri="{BB962C8B-B14F-4D97-AF65-F5344CB8AC3E}">
-        <p14:creationId xmlns:p14="http://schemas.microsoft.com/office/powerpoint/2010/main" val="2084576816"/>
+        <p14:creationId xmlns:p14="http://schemas.microsoft.com/office/powerpoint/2010/main" val="2717932625"/>
       </p:ext>
     </p:extLst>
   </p:cSld>
@@ -15289,7 +15225,7 @@
             </a:pPr>
             <a:r>
               <a:rPr lang="en" dirty="0"/>
-              <a:t>Component  v - Test Plan (and screenshot)</a:t>
+              <a:t>Component  5 v1 - Test Plan (and screenshot)</a:t>
             </a:r>
             <a:endParaRPr dirty="0"/>
           </a:p>
@@ -15299,11 +15235,17 @@
         <p:nvGraphicFramePr>
           <p:cNvPr id="79" name="Google Shape;79;p17"/>
           <p:cNvGraphicFramePr/>
-          <p:nvPr/>
+          <p:nvPr>
+            <p:extLst>
+              <p:ext uri="{D42A27DB-BD31-4B8C-83A1-F6EECF244321}">
+                <p14:modId xmlns:p14="http://schemas.microsoft.com/office/powerpoint/2010/main" val="3602379208"/>
+              </p:ext>
+            </p:extLst>
+          </p:nvPr>
         </p:nvGraphicFramePr>
         <p:xfrm>
-          <a:off x="311700" y="3794967"/>
-          <a:ext cx="8520600" cy="1188660"/>
+          <a:off x="311700" y="3765232"/>
+          <a:ext cx="8520600" cy="914340"/>
         </p:xfrm>
         <a:graphic>
           <a:graphicData uri="http://schemas.openxmlformats.org/drawingml/2006/table">
@@ -15313,14 +15255,14 @@
                 <a:tableStyleId>{E1099E06-0E6B-448D-9D27-60429F06E6F4}</a:tableStyleId>
               </a:tblPr>
               <a:tblGrid>
-                <a:gridCol w="2709796">
+                <a:gridCol w="3051702">
                   <a:extLst>
                     <a:ext uri="{9D8B030D-6E8A-4147-A177-3AD203B41FA5}">
                       <a16:colId xmlns:a16="http://schemas.microsoft.com/office/drawing/2014/main" val="20000"/>
                     </a:ext>
                   </a:extLst>
                 </a:gridCol>
-                <a:gridCol w="5810804">
+                <a:gridCol w="5468898">
                   <a:extLst>
                     <a:ext uri="{9D8B030D-6E8A-4147-A177-3AD203B41FA5}">
                       <a16:colId xmlns:a16="http://schemas.microsoft.com/office/drawing/2014/main" val="20001"/>
@@ -15395,28 +15337,6 @@
                     <a:bodyPr/>
                     <a:lstStyle/>
                     <a:p>
-                      <a:pPr marL="0" marR="0" lvl="0" indent="0" algn="l" defTabSz="914400" rtl="0" eaLnBrk="1" fontAlgn="auto" latinLnBrk="0" hangingPunct="1">
-                        <a:lnSpc>
-                          <a:spcPct val="100000"/>
-                        </a:lnSpc>
-                        <a:spcBef>
-                          <a:spcPts val="0"/>
-                        </a:spcBef>
-                        <a:spcAft>
-                          <a:spcPts val="0"/>
-                        </a:spcAft>
-                        <a:buClr>
-                          <a:srgbClr val="000000"/>
-                        </a:buClr>
-                        <a:buSzTx/>
-                        <a:buFont typeface="Arial"/>
-                        <a:buNone/>
-                        <a:tabLst/>
-                        <a:defRPr/>
-                      </a:pPr>
-                      <a:endParaRPr lang="en-US" sz="1800" dirty="0"/>
-                    </a:p>
-                    <a:p>
                       <a:pPr marL="0" lvl="0" indent="0" algn="l" rtl="0">
                         <a:spcBef>
                           <a:spcPts val="0"/>
@@ -15426,7 +15346,10 @@
                         </a:spcAft>
                         <a:buNone/>
                       </a:pPr>
-                      <a:endParaRPr sz="1800" dirty="0"/>
+                      <a:r>
+                        <a:rPr lang="en-US" sz="1800" dirty="0"/>
+                        <a:t>Run file</a:t>
+                      </a:r>
                     </a:p>
                   </a:txBody>
                   <a:tcPr marL="91425" marR="91425" marT="91425" marB="91425"/>
@@ -15445,7 +15368,10 @@
                         </a:spcAft>
                         <a:buNone/>
                       </a:pPr>
-                      <a:endParaRPr sz="1800" dirty="0"/>
+                      <a:r>
+                        <a:rPr lang="en-US" sz="1800" dirty="0"/>
+                        <a:t>Printed a list with index number, pizzas and prices</a:t>
+                      </a:r>
                     </a:p>
                   </a:txBody>
                   <a:tcPr marL="91425" marR="91425" marT="91425" marB="91425"/>
@@ -15460,10 +15386,70 @@
           </a:graphicData>
         </a:graphic>
       </p:graphicFrame>
+      <p:pic>
+        <p:nvPicPr>
+          <p:cNvPr id="2" name="Picture 1">
+            <a:extLst>
+              <a:ext uri="{FF2B5EF4-FFF2-40B4-BE49-F238E27FC236}">
+                <a16:creationId xmlns:a16="http://schemas.microsoft.com/office/drawing/2014/main" id="{C5505578-1FAD-7D1F-CE70-9F4EB17E34D7}"/>
+              </a:ext>
+            </a:extLst>
+          </p:cNvPr>
+          <p:cNvPicPr>
+            <a:picLocks noChangeAspect="1"/>
+          </p:cNvPicPr>
+          <p:nvPr/>
+        </p:nvPicPr>
+        <p:blipFill>
+          <a:blip r:embed="rId3"/>
+          <a:stretch>
+            <a:fillRect/>
+          </a:stretch>
+        </p:blipFill>
+        <p:spPr>
+          <a:xfrm>
+            <a:off x="248479" y="1206893"/>
+            <a:ext cx="5421940" cy="1281865"/>
+          </a:xfrm>
+          <a:prstGeom prst="rect">
+            <a:avLst/>
+          </a:prstGeom>
+        </p:spPr>
+      </p:pic>
+      <p:pic>
+        <p:nvPicPr>
+          <p:cNvPr id="3" name="Picture 2">
+            <a:extLst>
+              <a:ext uri="{FF2B5EF4-FFF2-40B4-BE49-F238E27FC236}">
+                <a16:creationId xmlns:a16="http://schemas.microsoft.com/office/drawing/2014/main" id="{B3C4142C-E7E7-CF17-9DDA-51DBEBF065AD}"/>
+              </a:ext>
+            </a:extLst>
+          </p:cNvPr>
+          <p:cNvPicPr>
+            <a:picLocks noChangeAspect="1"/>
+          </p:cNvPicPr>
+          <p:nvPr/>
+        </p:nvPicPr>
+        <p:blipFill>
+          <a:blip r:embed="rId4"/>
+          <a:stretch>
+            <a:fillRect/>
+          </a:stretch>
+        </p:blipFill>
+        <p:spPr>
+          <a:xfrm>
+            <a:off x="6118639" y="921098"/>
+            <a:ext cx="1823484" cy="1629840"/>
+          </a:xfrm>
+          <a:prstGeom prst="rect">
+            <a:avLst/>
+          </a:prstGeom>
+        </p:spPr>
+      </p:pic>
     </p:spTree>
     <p:extLst>
       <p:ext uri="{BB962C8B-B14F-4D97-AF65-F5344CB8AC3E}">
-        <p14:creationId xmlns:p14="http://schemas.microsoft.com/office/powerpoint/2010/main" val="3342802139"/>
+        <p14:creationId xmlns:p14="http://schemas.microsoft.com/office/powerpoint/2010/main" val="2084576816"/>
       </p:ext>
     </p:extLst>
   </p:cSld>
@@ -15700,6 +15686,243 @@
     </p:spTree>
     <p:extLst>
       <p:ext uri="{BB962C8B-B14F-4D97-AF65-F5344CB8AC3E}">
+        <p14:creationId xmlns:p14="http://schemas.microsoft.com/office/powerpoint/2010/main" val="3342802139"/>
+      </p:ext>
+    </p:extLst>
+  </p:cSld>
+  <p:clrMapOvr>
+    <a:masterClrMapping/>
+  </p:clrMapOvr>
+</p:sld>
+</file>
+
+<file path=ppt/slides/slide28.xml><?xml version="1.0" encoding="utf-8"?>
+<p:sld xmlns:a="http://schemas.openxmlformats.org/drawingml/2006/main" xmlns:r="http://schemas.openxmlformats.org/officeDocument/2006/relationships" xmlns:p="http://schemas.openxmlformats.org/presentationml/2006/main">
+  <p:cSld>
+    <p:spTree>
+      <p:nvGrpSpPr>
+        <p:cNvPr id="1" name="Shape 77"/>
+        <p:cNvGrpSpPr/>
+        <p:nvPr/>
+      </p:nvGrpSpPr>
+      <p:grpSpPr>
+        <a:xfrm>
+          <a:off x="0" y="0"/>
+          <a:ext cx="0" cy="0"/>
+          <a:chOff x="0" y="0"/>
+          <a:chExt cx="0" cy="0"/>
+        </a:xfrm>
+      </p:grpSpPr>
+      <p:sp>
+        <p:nvSpPr>
+          <p:cNvPr id="78" name="Google Shape;78;p17"/>
+          <p:cNvSpPr txBox="1">
+            <a:spLocks noGrp="1"/>
+          </p:cNvSpPr>
+          <p:nvPr>
+            <p:ph type="title"/>
+          </p:nvPr>
+        </p:nvSpPr>
+        <p:spPr>
+          <a:xfrm>
+            <a:off x="311700" y="445025"/>
+            <a:ext cx="8520600" cy="572700"/>
+          </a:xfrm>
+          <a:prstGeom prst="rect">
+            <a:avLst/>
+          </a:prstGeom>
+        </p:spPr>
+        <p:txBody>
+          <a:bodyPr spcFirstLastPara="1" wrap="square" lIns="91425" tIns="91425" rIns="91425" bIns="91425" anchor="t" anchorCtr="0">
+            <a:noAutofit/>
+          </a:bodyPr>
+          <a:lstStyle/>
+          <a:p>
+            <a:pPr marL="0" lvl="0" indent="0" algn="l" rtl="0">
+              <a:spcBef>
+                <a:spcPts val="0"/>
+              </a:spcBef>
+              <a:spcAft>
+                <a:spcPts val="0"/>
+              </a:spcAft>
+              <a:buNone/>
+            </a:pPr>
+            <a:r>
+              <a:rPr lang="en" dirty="0"/>
+              <a:t>Component  v - Test Plan (and screenshot)</a:t>
+            </a:r>
+            <a:endParaRPr dirty="0"/>
+          </a:p>
+        </p:txBody>
+      </p:sp>
+      <p:graphicFrame>
+        <p:nvGraphicFramePr>
+          <p:cNvPr id="79" name="Google Shape;79;p17"/>
+          <p:cNvGraphicFramePr/>
+          <p:nvPr/>
+        </p:nvGraphicFramePr>
+        <p:xfrm>
+          <a:off x="311700" y="3794967"/>
+          <a:ext cx="8520600" cy="1188660"/>
+        </p:xfrm>
+        <a:graphic>
+          <a:graphicData uri="http://schemas.openxmlformats.org/drawingml/2006/table">
+            <a:tbl>
+              <a:tblPr>
+                <a:noFill/>
+                <a:tableStyleId>{E1099E06-0E6B-448D-9D27-60429F06E6F4}</a:tableStyleId>
+              </a:tblPr>
+              <a:tblGrid>
+                <a:gridCol w="2709796">
+                  <a:extLst>
+                    <a:ext uri="{9D8B030D-6E8A-4147-A177-3AD203B41FA5}">
+                      <a16:colId xmlns:a16="http://schemas.microsoft.com/office/drawing/2014/main" val="20000"/>
+                    </a:ext>
+                  </a:extLst>
+                </a:gridCol>
+                <a:gridCol w="5810804">
+                  <a:extLst>
+                    <a:ext uri="{9D8B030D-6E8A-4147-A177-3AD203B41FA5}">
+                      <a16:colId xmlns:a16="http://schemas.microsoft.com/office/drawing/2014/main" val="20001"/>
+                    </a:ext>
+                  </a:extLst>
+                </a:gridCol>
+              </a:tblGrid>
+              <a:tr h="381000">
+                <a:tc>
+                  <a:txBody>
+                    <a:bodyPr/>
+                    <a:lstStyle/>
+                    <a:p>
+                      <a:pPr marL="0" lvl="0" indent="0" algn="l" rtl="0">
+                        <a:spcBef>
+                          <a:spcPts val="0"/>
+                        </a:spcBef>
+                        <a:spcAft>
+                          <a:spcPts val="0"/>
+                        </a:spcAft>
+                        <a:buNone/>
+                      </a:pPr>
+                      <a:r>
+                        <a:rPr lang="en" sz="1800" b="1" dirty="0"/>
+                        <a:t>Test Case</a:t>
+                      </a:r>
+                      <a:endParaRPr sz="1800" b="1" dirty="0"/>
+                    </a:p>
+                  </a:txBody>
+                  <a:tcPr marL="91425" marR="91425" marT="91425" marB="91425">
+                    <a:solidFill>
+                      <a:srgbClr val="CCCCCC"/>
+                    </a:solidFill>
+                  </a:tcPr>
+                </a:tc>
+                <a:tc>
+                  <a:txBody>
+                    <a:bodyPr/>
+                    <a:lstStyle/>
+                    <a:p>
+                      <a:pPr marL="0" lvl="0" indent="0" algn="l" rtl="0">
+                        <a:spcBef>
+                          <a:spcPts val="0"/>
+                        </a:spcBef>
+                        <a:spcAft>
+                          <a:spcPts val="0"/>
+                        </a:spcAft>
+                        <a:buNone/>
+                      </a:pPr>
+                      <a:r>
+                        <a:rPr lang="en" sz="1800" b="1" dirty="0"/>
+                        <a:t>Expected Values</a:t>
+                      </a:r>
+                      <a:endParaRPr sz="1800" b="1" dirty="0"/>
+                    </a:p>
+                  </a:txBody>
+                  <a:tcPr marL="91425" marR="91425" marT="91425" marB="91425">
+                    <a:solidFill>
+                      <a:srgbClr val="CCCCCC"/>
+                    </a:solidFill>
+                  </a:tcPr>
+                </a:tc>
+                <a:extLst>
+                  <a:ext uri="{0D108BD9-81ED-4DB2-BD59-A6C34878D82A}">
+                    <a16:rowId xmlns:a16="http://schemas.microsoft.com/office/drawing/2014/main" val="10000"/>
+                  </a:ext>
+                </a:extLst>
+              </a:tr>
+              <a:tr h="396200">
+                <a:tc>
+                  <a:txBody>
+                    <a:bodyPr/>
+                    <a:lstStyle/>
+                    <a:p>
+                      <a:pPr marL="0" marR="0" lvl="0" indent="0" algn="l" defTabSz="914400" rtl="0" eaLnBrk="1" fontAlgn="auto" latinLnBrk="0" hangingPunct="1">
+                        <a:lnSpc>
+                          <a:spcPct val="100000"/>
+                        </a:lnSpc>
+                        <a:spcBef>
+                          <a:spcPts val="0"/>
+                        </a:spcBef>
+                        <a:spcAft>
+                          <a:spcPts val="0"/>
+                        </a:spcAft>
+                        <a:buClr>
+                          <a:srgbClr val="000000"/>
+                        </a:buClr>
+                        <a:buSzTx/>
+                        <a:buFont typeface="Arial"/>
+                        <a:buNone/>
+                        <a:tabLst/>
+                        <a:defRPr/>
+                      </a:pPr>
+                      <a:endParaRPr lang="en-US" sz="1800" dirty="0"/>
+                    </a:p>
+                    <a:p>
+                      <a:pPr marL="0" lvl="0" indent="0" algn="l" rtl="0">
+                        <a:spcBef>
+                          <a:spcPts val="0"/>
+                        </a:spcBef>
+                        <a:spcAft>
+                          <a:spcPts val="0"/>
+                        </a:spcAft>
+                        <a:buNone/>
+                      </a:pPr>
+                      <a:endParaRPr sz="1800" dirty="0"/>
+                    </a:p>
+                  </a:txBody>
+                  <a:tcPr marL="91425" marR="91425" marT="91425" marB="91425"/>
+                </a:tc>
+                <a:tc>
+                  <a:txBody>
+                    <a:bodyPr/>
+                    <a:lstStyle/>
+                    <a:p>
+                      <a:pPr marL="0" lvl="0" indent="0" algn="l" rtl="0">
+                        <a:spcBef>
+                          <a:spcPts val="0"/>
+                        </a:spcBef>
+                        <a:spcAft>
+                          <a:spcPts val="0"/>
+                        </a:spcAft>
+                        <a:buNone/>
+                      </a:pPr>
+                      <a:endParaRPr sz="1800" dirty="0"/>
+                    </a:p>
+                  </a:txBody>
+                  <a:tcPr marL="91425" marR="91425" marT="91425" marB="91425"/>
+                </a:tc>
+                <a:extLst>
+                  <a:ext uri="{0D108BD9-81ED-4DB2-BD59-A6C34878D82A}">
+                    <a16:rowId xmlns:a16="http://schemas.microsoft.com/office/drawing/2014/main" val="10001"/>
+                  </a:ext>
+                </a:extLst>
+              </a:tr>
+            </a:tbl>
+          </a:graphicData>
+        </a:graphic>
+      </p:graphicFrame>
+    </p:spTree>
+    <p:extLst>
+      <p:ext uri="{BB962C8B-B14F-4D97-AF65-F5344CB8AC3E}">
         <p14:creationId xmlns:p14="http://schemas.microsoft.com/office/powerpoint/2010/main" val="285503574"/>
       </p:ext>
     </p:extLst>
@@ -15710,7 +15933,7 @@
 </p:sld>
 </file>
 
-<file path=ppt/slides/slide28.xml><?xml version="1.0" encoding="utf-8"?>
+<file path=ppt/slides/slide29.xml><?xml version="1.0" encoding="utf-8"?>
 <p:sld xmlns:a="http://schemas.openxmlformats.org/drawingml/2006/main" xmlns:r="http://schemas.openxmlformats.org/officeDocument/2006/relationships" xmlns:p="http://schemas.openxmlformats.org/presentationml/2006/main">
   <p:cSld>
     <p:bg>
@@ -15816,85 +16039,6 @@
               <a:t>Your version control evidence should go here.  This could be in the form of annotated screenshots which show you you managed this process or you could make a brief screencast explaining how you implemented version control.</a:t>
             </a:r>
             <a:endParaRPr i="1"/>
-          </a:p>
-        </p:txBody>
-      </p:sp>
-    </p:spTree>
-  </p:cSld>
-  <p:clrMapOvr>
-    <a:masterClrMapping/>
-  </p:clrMapOvr>
-</p:sld>
-</file>
-
-<file path=ppt/slides/slide29.xml><?xml version="1.0" encoding="utf-8"?>
-<p:sld xmlns:a="http://schemas.openxmlformats.org/drawingml/2006/main" xmlns:r="http://schemas.openxmlformats.org/officeDocument/2006/relationships" xmlns:p="http://schemas.openxmlformats.org/presentationml/2006/main">
-  <p:cSld>
-    <p:bg>
-      <p:bgPr>
-        <a:solidFill>
-          <a:srgbClr val="FFE599"/>
-        </a:solidFill>
-        <a:effectLst/>
-      </p:bgPr>
-    </p:bg>
-    <p:spTree>
-      <p:nvGrpSpPr>
-        <p:cNvPr id="1" name="Shape 89"/>
-        <p:cNvGrpSpPr/>
-        <p:nvPr/>
-      </p:nvGrpSpPr>
-      <p:grpSpPr>
-        <a:xfrm>
-          <a:off x="0" y="0"/>
-          <a:ext cx="0" cy="0"/>
-          <a:chOff x="0" y="0"/>
-          <a:chExt cx="0" cy="0"/>
-        </a:xfrm>
-      </p:grpSpPr>
-      <p:sp>
-        <p:nvSpPr>
-          <p:cNvPr id="90" name="Google Shape;90;p19"/>
-          <p:cNvSpPr txBox="1">
-            <a:spLocks noGrp="1"/>
-          </p:cNvSpPr>
-          <p:nvPr>
-            <p:ph type="body" idx="1"/>
-          </p:nvPr>
-        </p:nvSpPr>
-        <p:spPr>
-          <a:xfrm>
-            <a:off x="311700" y="397700"/>
-            <a:ext cx="8520600" cy="4171200"/>
-          </a:xfrm>
-          <a:prstGeom prst="rect">
-            <a:avLst/>
-          </a:prstGeom>
-        </p:spPr>
-        <p:txBody>
-          <a:bodyPr spcFirstLastPara="1" wrap="square" lIns="91425" tIns="91425" rIns="91425" bIns="91425" anchor="t" anchorCtr="0">
-            <a:noAutofit/>
-          </a:bodyPr>
-          <a:lstStyle/>
-          <a:p>
-            <a:pPr marL="0" lvl="0" indent="0" algn="l" rtl="0">
-              <a:spcBef>
-                <a:spcPts val="0"/>
-              </a:spcBef>
-              <a:spcAft>
-                <a:spcPts val="1600"/>
-              </a:spcAft>
-              <a:buNone/>
-            </a:pPr>
-            <a:r>
-              <a:rPr lang="en" b="1" i="1">
-                <a:solidFill>
-                  <a:srgbClr val="595959"/>
-                </a:solidFill>
-              </a:rPr>
-              <a:t>Discusses how the information from planning, testing and trialling of components assisted in the development of a high-quality outcome</a:t>
-            </a:r>
-            <a:endParaRPr/>
           </a:p>
         </p:txBody>
       </p:sp>
@@ -16003,6 +16147,85 @@
           </a:prstGeom>
         </p:spPr>
       </p:pic>
+    </p:spTree>
+  </p:cSld>
+  <p:clrMapOvr>
+    <a:masterClrMapping/>
+  </p:clrMapOvr>
+</p:sld>
+</file>
+
+<file path=ppt/slides/slide30.xml><?xml version="1.0" encoding="utf-8"?>
+<p:sld xmlns:a="http://schemas.openxmlformats.org/drawingml/2006/main" xmlns:r="http://schemas.openxmlformats.org/officeDocument/2006/relationships" xmlns:p="http://schemas.openxmlformats.org/presentationml/2006/main">
+  <p:cSld>
+    <p:bg>
+      <p:bgPr>
+        <a:solidFill>
+          <a:srgbClr val="FFE599"/>
+        </a:solidFill>
+        <a:effectLst/>
+      </p:bgPr>
+    </p:bg>
+    <p:spTree>
+      <p:nvGrpSpPr>
+        <p:cNvPr id="1" name="Shape 89"/>
+        <p:cNvGrpSpPr/>
+        <p:nvPr/>
+      </p:nvGrpSpPr>
+      <p:grpSpPr>
+        <a:xfrm>
+          <a:off x="0" y="0"/>
+          <a:ext cx="0" cy="0"/>
+          <a:chOff x="0" y="0"/>
+          <a:chExt cx="0" cy="0"/>
+        </a:xfrm>
+      </p:grpSpPr>
+      <p:sp>
+        <p:nvSpPr>
+          <p:cNvPr id="90" name="Google Shape;90;p19"/>
+          <p:cNvSpPr txBox="1">
+            <a:spLocks noGrp="1"/>
+          </p:cNvSpPr>
+          <p:nvPr>
+            <p:ph type="body" idx="1"/>
+          </p:nvPr>
+        </p:nvSpPr>
+        <p:spPr>
+          <a:xfrm>
+            <a:off x="311700" y="397700"/>
+            <a:ext cx="8520600" cy="4171200"/>
+          </a:xfrm>
+          <a:prstGeom prst="rect">
+            <a:avLst/>
+          </a:prstGeom>
+        </p:spPr>
+        <p:txBody>
+          <a:bodyPr spcFirstLastPara="1" wrap="square" lIns="91425" tIns="91425" rIns="91425" bIns="91425" anchor="t" anchorCtr="0">
+            <a:noAutofit/>
+          </a:bodyPr>
+          <a:lstStyle/>
+          <a:p>
+            <a:pPr marL="0" lvl="0" indent="0" algn="l" rtl="0">
+              <a:spcBef>
+                <a:spcPts val="0"/>
+              </a:spcBef>
+              <a:spcAft>
+                <a:spcPts val="1600"/>
+              </a:spcAft>
+              <a:buNone/>
+            </a:pPr>
+            <a:r>
+              <a:rPr lang="en" b="1" i="1">
+                <a:solidFill>
+                  <a:srgbClr val="595959"/>
+                </a:solidFill>
+              </a:rPr>
+              <a:t>Discusses how the information from planning, testing and trialling of components assisted in the development of a high-quality outcome</a:t>
+            </a:r>
+            <a:endParaRPr/>
+          </a:p>
+        </p:txBody>
+      </p:sp>
     </p:spTree>
   </p:cSld>
   <p:clrMapOvr>

--- a/Python.pptx
+++ b/Python.pptx
@@ -5,7 +5,7 @@
     <p:sldMasterId id="2147483659" r:id="rId1"/>
   </p:sldMasterIdLst>
   <p:notesMasterIdLst>
-    <p:notesMasterId r:id="rId32"/>
+    <p:notesMasterId r:id="rId36"/>
   </p:notesMasterIdLst>
   <p:sldIdLst>
     <p:sldId id="256" r:id="rId2"/>
@@ -34,10 +34,14 @@
     <p:sldId id="284" r:id="rId25"/>
     <p:sldId id="286" r:id="rId26"/>
     <p:sldId id="278" r:id="rId27"/>
-    <p:sldId id="283" r:id="rId28"/>
-    <p:sldId id="280" r:id="rId29"/>
-    <p:sldId id="261" r:id="rId30"/>
-    <p:sldId id="262" r:id="rId31"/>
+    <p:sldId id="289" r:id="rId28"/>
+    <p:sldId id="283" r:id="rId29"/>
+    <p:sldId id="290" r:id="rId30"/>
+    <p:sldId id="280" r:id="rId31"/>
+    <p:sldId id="287" r:id="rId32"/>
+    <p:sldId id="288" r:id="rId33"/>
+    <p:sldId id="261" r:id="rId34"/>
+    <p:sldId id="262" r:id="rId35"/>
   </p:sldIdLst>
   <p:sldSz cx="9144000" cy="5143500" type="screen16x9"/>
   <p:notesSz cx="6858000" cy="9144000"/>
@@ -292,7 +296,7 @@
 <file path=ppt/revisionInfo.xml><?xml version="1.0" encoding="utf-8"?>
 <p1510:revInfo xmlns:a="http://schemas.openxmlformats.org/drawingml/2006/main" xmlns:r="http://schemas.openxmlformats.org/officeDocument/2006/relationships" xmlns:p1510="http://schemas.microsoft.com/office/powerpoint/2015/10/main">
   <p1510:revLst>
-    <p1510:client id="{268579DD-9F3E-DD42-ADBD-2C5BCBEBF3D0}" v="83" dt="2023-05-12T22:51:07.958"/>
+    <p1510:client id="{268579DD-9F3E-DD42-ADBD-2C5BCBEBF3D0}" v="92" dt="2023-05-12T23:20:14.935"/>
   </p1510:revLst>
 </p1510:revInfo>
 </file>
@@ -302,7 +306,7 @@
   <pc:docChgLst>
     <pc:chgData name="Kaitlin Eustaquio" userId="1db1b819-5a69-4e28-a1f3-107bdd323ba9" providerId="ADAL" clId="{268579DD-9F3E-DD42-ADBD-2C5BCBEBF3D0}"/>
     <pc:docChg chg="undo redo custSel addSld delSld modSld sldOrd">
-      <pc:chgData name="Kaitlin Eustaquio" userId="1db1b819-5a69-4e28-a1f3-107bdd323ba9" providerId="ADAL" clId="{268579DD-9F3E-DD42-ADBD-2C5BCBEBF3D0}" dt="2023-05-12T22:52:43.336" v="1842" actId="14100"/>
+      <pc:chgData name="Kaitlin Eustaquio" userId="1db1b819-5a69-4e28-a1f3-107bdd323ba9" providerId="ADAL" clId="{268579DD-9F3E-DD42-ADBD-2C5BCBEBF3D0}" dt="2023-05-12T23:20:16.614" v="2006" actId="1076"/>
       <pc:docMkLst>
         <pc:docMk/>
       </pc:docMkLst>
@@ -1135,13 +1139,13 @@
         </pc:picChg>
       </pc:sldChg>
       <pc:sldChg chg="addSp modSp add mod">
-        <pc:chgData name="Kaitlin Eustaquio" userId="1db1b819-5a69-4e28-a1f3-107bdd323ba9" providerId="ADAL" clId="{268579DD-9F3E-DD42-ADBD-2C5BCBEBF3D0}" dt="2023-05-12T22:52:43.336" v="1842" actId="14100"/>
+        <pc:chgData name="Kaitlin Eustaquio" userId="1db1b819-5a69-4e28-a1f3-107bdd323ba9" providerId="ADAL" clId="{268579DD-9F3E-DD42-ADBD-2C5BCBEBF3D0}" dt="2023-05-12T23:05:08.159" v="1853" actId="20577"/>
         <pc:sldMkLst>
           <pc:docMk/>
           <pc:sldMk cId="2084576816" sldId="278"/>
         </pc:sldMkLst>
         <pc:spChg chg="mod">
-          <ac:chgData name="Kaitlin Eustaquio" userId="1db1b819-5a69-4e28-a1f3-107bdd323ba9" providerId="ADAL" clId="{268579DD-9F3E-DD42-ADBD-2C5BCBEBF3D0}" dt="2023-05-12T22:51:35.120" v="1749" actId="20577"/>
+          <ac:chgData name="Kaitlin Eustaquio" userId="1db1b819-5a69-4e28-a1f3-107bdd323ba9" providerId="ADAL" clId="{268579DD-9F3E-DD42-ADBD-2C5BCBEBF3D0}" dt="2023-05-12T23:05:08.159" v="1853" actId="20577"/>
           <ac:spMkLst>
             <pc:docMk/>
             <pc:sldMk cId="2084576816" sldId="278"/>
@@ -1204,12 +1208,44 @@
           </ac:picMkLst>
         </pc:picChg>
       </pc:sldChg>
-      <pc:sldChg chg="add">
-        <pc:chgData name="Kaitlin Eustaquio" userId="1db1b819-5a69-4e28-a1f3-107bdd323ba9" providerId="ADAL" clId="{268579DD-9F3E-DD42-ADBD-2C5BCBEBF3D0}" dt="2023-05-11T23:57:23.936" v="1569" actId="2890"/>
+      <pc:sldChg chg="addSp modSp add mod">
+        <pc:chgData name="Kaitlin Eustaquio" userId="1db1b819-5a69-4e28-a1f3-107bdd323ba9" providerId="ADAL" clId="{268579DD-9F3E-DD42-ADBD-2C5BCBEBF3D0}" dt="2023-05-12T23:19:41.839" v="2000" actId="20577"/>
         <pc:sldMkLst>
           <pc:docMk/>
           <pc:sldMk cId="285503574" sldId="280"/>
         </pc:sldMkLst>
+        <pc:spChg chg="mod">
+          <ac:chgData name="Kaitlin Eustaquio" userId="1db1b819-5a69-4e28-a1f3-107bdd323ba9" providerId="ADAL" clId="{268579DD-9F3E-DD42-ADBD-2C5BCBEBF3D0}" dt="2023-05-12T23:18:29.563" v="1987" actId="20577"/>
+          <ac:spMkLst>
+            <pc:docMk/>
+            <pc:sldMk cId="285503574" sldId="280"/>
+            <ac:spMk id="78" creationId="{00000000-0000-0000-0000-000000000000}"/>
+          </ac:spMkLst>
+        </pc:spChg>
+        <pc:graphicFrameChg chg="mod modGraphic">
+          <ac:chgData name="Kaitlin Eustaquio" userId="1db1b819-5a69-4e28-a1f3-107bdd323ba9" providerId="ADAL" clId="{268579DD-9F3E-DD42-ADBD-2C5BCBEBF3D0}" dt="2023-05-12T23:19:41.839" v="2000" actId="20577"/>
+          <ac:graphicFrameMkLst>
+            <pc:docMk/>
+            <pc:sldMk cId="285503574" sldId="280"/>
+            <ac:graphicFrameMk id="79" creationId="{00000000-0000-0000-0000-000000000000}"/>
+          </ac:graphicFrameMkLst>
+        </pc:graphicFrameChg>
+        <pc:picChg chg="add mod">
+          <ac:chgData name="Kaitlin Eustaquio" userId="1db1b819-5a69-4e28-a1f3-107bdd323ba9" providerId="ADAL" clId="{268579DD-9F3E-DD42-ADBD-2C5BCBEBF3D0}" dt="2023-05-12T23:18:15.159" v="1940" actId="1076"/>
+          <ac:picMkLst>
+            <pc:docMk/>
+            <pc:sldMk cId="285503574" sldId="280"/>
+            <ac:picMk id="2" creationId="{745DA61A-B777-B77B-49B9-DD0C59A8CC5A}"/>
+          </ac:picMkLst>
+        </pc:picChg>
+        <pc:picChg chg="add mod">
+          <ac:chgData name="Kaitlin Eustaquio" userId="1db1b819-5a69-4e28-a1f3-107bdd323ba9" providerId="ADAL" clId="{268579DD-9F3E-DD42-ADBD-2C5BCBEBF3D0}" dt="2023-05-12T23:19:36.670" v="1998" actId="1076"/>
+          <ac:picMkLst>
+            <pc:docMk/>
+            <pc:sldMk cId="285503574" sldId="280"/>
+            <ac:picMk id="3" creationId="{0E2D8B92-567B-80C1-A2D2-A106EEE95A5E}"/>
+          </ac:picMkLst>
+        </pc:picChg>
       </pc:sldChg>
       <pc:sldChg chg="addSp modSp add mod">
         <pc:chgData name="Kaitlin Eustaquio" userId="1db1b819-5a69-4e28-a1f3-107bdd323ba9" providerId="ADAL" clId="{268579DD-9F3E-DD42-ADBD-2C5BCBEBF3D0}" dt="2023-05-12T07:58:59.453" v="1679" actId="20577"/>
@@ -1281,12 +1317,44 @@
           </ac:picMkLst>
         </pc:picChg>
       </pc:sldChg>
-      <pc:sldChg chg="add">
-        <pc:chgData name="Kaitlin Eustaquio" userId="1db1b819-5a69-4e28-a1f3-107bdd323ba9" providerId="ADAL" clId="{268579DD-9F3E-DD42-ADBD-2C5BCBEBF3D0}" dt="2023-05-12T08:00:08.624" v="1680" actId="2890"/>
+      <pc:sldChg chg="addSp modSp add mod">
+        <pc:chgData name="Kaitlin Eustaquio" userId="1db1b819-5a69-4e28-a1f3-107bdd323ba9" providerId="ADAL" clId="{268579DD-9F3E-DD42-ADBD-2C5BCBEBF3D0}" dt="2023-05-12T23:07:05.881" v="1937" actId="20577"/>
         <pc:sldMkLst>
           <pc:docMk/>
           <pc:sldMk cId="3342802139" sldId="283"/>
         </pc:sldMkLst>
+        <pc:spChg chg="mod">
+          <ac:chgData name="Kaitlin Eustaquio" userId="1db1b819-5a69-4e28-a1f3-107bdd323ba9" providerId="ADAL" clId="{268579DD-9F3E-DD42-ADBD-2C5BCBEBF3D0}" dt="2023-05-12T23:05:05.027" v="1852" actId="20577"/>
+          <ac:spMkLst>
+            <pc:docMk/>
+            <pc:sldMk cId="3342802139" sldId="283"/>
+            <ac:spMk id="78" creationId="{00000000-0000-0000-0000-000000000000}"/>
+          </ac:spMkLst>
+        </pc:spChg>
+        <pc:graphicFrameChg chg="mod modGraphic">
+          <ac:chgData name="Kaitlin Eustaquio" userId="1db1b819-5a69-4e28-a1f3-107bdd323ba9" providerId="ADAL" clId="{268579DD-9F3E-DD42-ADBD-2C5BCBEBF3D0}" dt="2023-05-12T23:07:05.881" v="1937" actId="20577"/>
+          <ac:graphicFrameMkLst>
+            <pc:docMk/>
+            <pc:sldMk cId="3342802139" sldId="283"/>
+            <ac:graphicFrameMk id="79" creationId="{00000000-0000-0000-0000-000000000000}"/>
+          </ac:graphicFrameMkLst>
+        </pc:graphicFrameChg>
+        <pc:picChg chg="add mod">
+          <ac:chgData name="Kaitlin Eustaquio" userId="1db1b819-5a69-4e28-a1f3-107bdd323ba9" providerId="ADAL" clId="{268579DD-9F3E-DD42-ADBD-2C5BCBEBF3D0}" dt="2023-05-12T23:04:24.191" v="1845" actId="1076"/>
+          <ac:picMkLst>
+            <pc:docMk/>
+            <pc:sldMk cId="3342802139" sldId="283"/>
+            <ac:picMk id="2" creationId="{3236A923-6721-A1F9-6B12-D6730F7FAE83}"/>
+          </ac:picMkLst>
+        </pc:picChg>
+        <pc:picChg chg="add mod">
+          <ac:chgData name="Kaitlin Eustaquio" userId="1db1b819-5a69-4e28-a1f3-107bdd323ba9" providerId="ADAL" clId="{268579DD-9F3E-DD42-ADBD-2C5BCBEBF3D0}" dt="2023-05-12T23:04:42.564" v="1850" actId="1076"/>
+          <ac:picMkLst>
+            <pc:docMk/>
+            <pc:sldMk cId="3342802139" sldId="283"/>
+            <ac:picMk id="3" creationId="{7CB40C7D-EC6B-EDA3-ACCE-A49314AF2DC7}"/>
+          </ac:picMkLst>
+        </pc:picChg>
       </pc:sldChg>
       <pc:sldChg chg="addSp delSp modSp add mod ord">
         <pc:chgData name="Kaitlin Eustaquio" userId="1db1b819-5a69-4e28-a1f3-107bdd323ba9" providerId="ADAL" clId="{268579DD-9F3E-DD42-ADBD-2C5BCBEBF3D0}" dt="2023-05-12T08:25:08.315" v="1724" actId="20577"/>
@@ -1402,6 +1470,66 @@
             <pc:docMk/>
             <pc:sldMk cId="2717932625" sldId="286"/>
             <ac:picMk id="4" creationId="{751601ED-46CD-AB30-F95F-6F56141A40CC}"/>
+          </ac:picMkLst>
+        </pc:picChg>
+      </pc:sldChg>
+      <pc:sldChg chg="add">
+        <pc:chgData name="Kaitlin Eustaquio" userId="1db1b819-5a69-4e28-a1f3-107bdd323ba9" providerId="ADAL" clId="{268579DD-9F3E-DD42-ADBD-2C5BCBEBF3D0}" dt="2023-05-12T23:04:26.255" v="1846" actId="2890"/>
+        <pc:sldMkLst>
+          <pc:docMk/>
+          <pc:sldMk cId="4238012587" sldId="287"/>
+        </pc:sldMkLst>
+      </pc:sldChg>
+      <pc:sldChg chg="add">
+        <pc:chgData name="Kaitlin Eustaquio" userId="1db1b819-5a69-4e28-a1f3-107bdd323ba9" providerId="ADAL" clId="{268579DD-9F3E-DD42-ADBD-2C5BCBEBF3D0}" dt="2023-05-12T23:04:28.177" v="1847" actId="2890"/>
+        <pc:sldMkLst>
+          <pc:docMk/>
+          <pc:sldMk cId="548698543" sldId="288"/>
+        </pc:sldMkLst>
+      </pc:sldChg>
+      <pc:sldChg chg="addSp delSp modSp add mod ord">
+        <pc:chgData name="Kaitlin Eustaquio" userId="1db1b819-5a69-4e28-a1f3-107bdd323ba9" providerId="ADAL" clId="{268579DD-9F3E-DD42-ADBD-2C5BCBEBF3D0}" dt="2023-05-12T23:06:06.359" v="1859" actId="1076"/>
+        <pc:sldMkLst>
+          <pc:docMk/>
+          <pc:sldMk cId="3197614128" sldId="289"/>
+        </pc:sldMkLst>
+        <pc:picChg chg="add mod">
+          <ac:chgData name="Kaitlin Eustaquio" userId="1db1b819-5a69-4e28-a1f3-107bdd323ba9" providerId="ADAL" clId="{268579DD-9F3E-DD42-ADBD-2C5BCBEBF3D0}" dt="2023-05-12T23:06:06.359" v="1859" actId="1076"/>
+          <ac:picMkLst>
+            <pc:docMk/>
+            <pc:sldMk cId="3197614128" sldId="289"/>
+            <ac:picMk id="2" creationId="{E32CAF4D-6A5B-B3C3-8A2D-3AA729B27A4C}"/>
+          </ac:picMkLst>
+        </pc:picChg>
+        <pc:picChg chg="del">
+          <ac:chgData name="Kaitlin Eustaquio" userId="1db1b819-5a69-4e28-a1f3-107bdd323ba9" providerId="ADAL" clId="{268579DD-9F3E-DD42-ADBD-2C5BCBEBF3D0}" dt="2023-05-12T23:05:51.135" v="1856" actId="478"/>
+          <ac:picMkLst>
+            <pc:docMk/>
+            <pc:sldMk cId="3197614128" sldId="289"/>
+            <ac:picMk id="4" creationId="{751601ED-46CD-AB30-F95F-6F56141A40CC}"/>
+          </ac:picMkLst>
+        </pc:picChg>
+      </pc:sldChg>
+      <pc:sldChg chg="addSp delSp modSp add mod ord">
+        <pc:chgData name="Kaitlin Eustaquio" userId="1db1b819-5a69-4e28-a1f3-107bdd323ba9" providerId="ADAL" clId="{268579DD-9F3E-DD42-ADBD-2C5BCBEBF3D0}" dt="2023-05-12T23:20:16.614" v="2006" actId="1076"/>
+        <pc:sldMkLst>
+          <pc:docMk/>
+          <pc:sldMk cId="3176143633" sldId="290"/>
+        </pc:sldMkLst>
+        <pc:picChg chg="del">
+          <ac:chgData name="Kaitlin Eustaquio" userId="1db1b819-5a69-4e28-a1f3-107bdd323ba9" providerId="ADAL" clId="{268579DD-9F3E-DD42-ADBD-2C5BCBEBF3D0}" dt="2023-05-12T23:20:14.550" v="2003" actId="478"/>
+          <ac:picMkLst>
+            <pc:docMk/>
+            <pc:sldMk cId="3176143633" sldId="290"/>
+            <ac:picMk id="2" creationId="{E32CAF4D-6A5B-B3C3-8A2D-3AA729B27A4C}"/>
+          </ac:picMkLst>
+        </pc:picChg>
+        <pc:picChg chg="add mod">
+          <ac:chgData name="Kaitlin Eustaquio" userId="1db1b819-5a69-4e28-a1f3-107bdd323ba9" providerId="ADAL" clId="{268579DD-9F3E-DD42-ADBD-2C5BCBEBF3D0}" dt="2023-05-12T23:20:16.614" v="2006" actId="1076"/>
+          <ac:picMkLst>
+            <pc:docMk/>
+            <pc:sldMk cId="3176143633" sldId="290"/>
+            <ac:picMk id="3" creationId="{FF5ECA33-F661-E01D-6B84-6A4AE5107FC4}"/>
           </ac:picMkLst>
         </pc:picChg>
       </pc:sldChg>
@@ -3921,7 +4049,7 @@
   <p:cSld>
     <p:spTree>
       <p:nvGrpSpPr>
-        <p:cNvPr id="1" name="Shape 74"/>
+        <p:cNvPr id="1" name="Shape 69"/>
         <p:cNvGrpSpPr/>
         <p:nvPr/>
       </p:nvGrpSpPr>
@@ -3935,7 +4063,7 @@
       </p:grpSpPr>
       <p:sp>
         <p:nvSpPr>
-          <p:cNvPr id="75" name="Google Shape;75;gac10fef634_0_20:notes"/>
+          <p:cNvPr id="70" name="Google Shape;70;gac10fef634_0_16:notes"/>
           <p:cNvSpPr>
             <a:spLocks noGrp="1" noRot="1" noChangeAspect="1"/>
           </p:cNvSpPr>
@@ -3976,7 +4104,7 @@
       </p:sp>
       <p:sp>
         <p:nvSpPr>
-          <p:cNvPr id="76" name="Google Shape;76;gac10fef634_0_20:notes"/>
+          <p:cNvPr id="71" name="Google Shape;71;gac10fef634_0_16:notes"/>
           <p:cNvSpPr txBox="1">
             <a:spLocks noGrp="1"/>
           </p:cNvSpPr>
@@ -4015,7 +4143,7 @@
     </p:spTree>
     <p:extLst>
       <p:ext uri="{BB962C8B-B14F-4D97-AF65-F5344CB8AC3E}">
-        <p14:creationId xmlns:p14="http://schemas.microsoft.com/office/powerpoint/2010/main" val="3577058465"/>
+        <p14:creationId xmlns:p14="http://schemas.microsoft.com/office/powerpoint/2010/main" val="1231545455"/>
       </p:ext>
     </p:extLst>
   </p:cSld>
@@ -4124,7 +4252,7 @@
     </p:spTree>
     <p:extLst>
       <p:ext uri="{BB962C8B-B14F-4D97-AF65-F5344CB8AC3E}">
-        <p14:creationId xmlns:p14="http://schemas.microsoft.com/office/powerpoint/2010/main" val="871215247"/>
+        <p14:creationId xmlns:p14="http://schemas.microsoft.com/office/powerpoint/2010/main" val="3577058465"/>
       </p:ext>
     </p:extLst>
   </p:cSld>
@@ -4139,7 +4267,7 @@
   <p:cSld>
     <p:spTree>
       <p:nvGrpSpPr>
-        <p:cNvPr id="1" name="Shape 80"/>
+        <p:cNvPr id="1" name="Shape 69"/>
         <p:cNvGrpSpPr/>
         <p:nvPr/>
       </p:nvGrpSpPr>
@@ -4153,7 +4281,7 @@
       </p:grpSpPr>
       <p:sp>
         <p:nvSpPr>
-          <p:cNvPr id="81" name="Google Shape;81;gac10fef634_0_25:notes"/>
+          <p:cNvPr id="70" name="Google Shape;70;gac10fef634_0_16:notes"/>
           <p:cNvSpPr>
             <a:spLocks noGrp="1" noRot="1" noChangeAspect="1"/>
           </p:cNvSpPr>
@@ -4194,7 +4322,7 @@
       </p:sp>
       <p:sp>
         <p:nvSpPr>
-          <p:cNvPr id="82" name="Google Shape;82;gac10fef634_0_25:notes"/>
+          <p:cNvPr id="71" name="Google Shape;71;gac10fef634_0_16:notes"/>
           <p:cNvSpPr txBox="1">
             <a:spLocks noGrp="1"/>
           </p:cNvSpPr>
@@ -4224,27 +4352,6 @@
               <a:spcAft>
                 <a:spcPts val="0"/>
               </a:spcAft>
-              <a:buClr>
-                <a:schemeClr val="dk1"/>
-              </a:buClr>
-              <a:buSzPts val="1100"/>
-              <a:buFont typeface="Arial"/>
-              <a:buNone/>
-            </a:pPr>
-            <a:r>
-              <a:rPr lang="en"/>
-              <a:t>Your version control evidence should go here.  This could be in the form of annotated screenshots which show you you managed this process or you could make a brief screencast explaining how you implemented version control.</a:t>
-            </a:r>
-            <a:endParaRPr/>
-          </a:p>
-          <a:p>
-            <a:pPr marL="0" lvl="0" indent="0" algn="l" rtl="0">
-              <a:spcBef>
-                <a:spcPts val="0"/>
-              </a:spcBef>
-              <a:spcAft>
-                <a:spcPts val="0"/>
-              </a:spcAft>
               <a:buNone/>
             </a:pPr>
             <a:endParaRPr/>
@@ -4252,6 +4359,11 @@
         </p:txBody>
       </p:sp>
     </p:spTree>
+    <p:extLst>
+      <p:ext uri="{BB962C8B-B14F-4D97-AF65-F5344CB8AC3E}">
+        <p14:creationId xmlns:p14="http://schemas.microsoft.com/office/powerpoint/2010/main" val="689379655"/>
+      </p:ext>
+    </p:extLst>
   </p:cSld>
   <p:clrMapOvr>
     <a:masterClrMapping/>
@@ -4385,6 +4497,458 @@
 </file>
 
 <file path=ppt/notesSlides/notesSlide30.xml><?xml version="1.0" encoding="utf-8"?>
+<p:notes xmlns:a="http://schemas.openxmlformats.org/drawingml/2006/main" xmlns:r="http://schemas.openxmlformats.org/officeDocument/2006/relationships" xmlns:p="http://schemas.openxmlformats.org/presentationml/2006/main" showMasterSp="0" showMasterPhAnim="0">
+  <p:cSld>
+    <p:spTree>
+      <p:nvGrpSpPr>
+        <p:cNvPr id="1" name="Shape 74"/>
+        <p:cNvGrpSpPr/>
+        <p:nvPr/>
+      </p:nvGrpSpPr>
+      <p:grpSpPr>
+        <a:xfrm>
+          <a:off x="0" y="0"/>
+          <a:ext cx="0" cy="0"/>
+          <a:chOff x="0" y="0"/>
+          <a:chExt cx="0" cy="0"/>
+        </a:xfrm>
+      </p:grpSpPr>
+      <p:sp>
+        <p:nvSpPr>
+          <p:cNvPr id="75" name="Google Shape;75;gac10fef634_0_20:notes"/>
+          <p:cNvSpPr>
+            <a:spLocks noGrp="1" noRot="1" noChangeAspect="1"/>
+          </p:cNvSpPr>
+          <p:nvPr>
+            <p:ph type="sldImg" idx="2"/>
+          </p:nvPr>
+        </p:nvSpPr>
+        <p:spPr>
+          <a:xfrm>
+            <a:off x="381000" y="685800"/>
+            <a:ext cx="6096000" cy="3429000"/>
+          </a:xfrm>
+          <a:custGeom>
+            <a:avLst/>
+            <a:gdLst/>
+            <a:ahLst/>
+            <a:cxnLst/>
+            <a:rect l="l" t="t" r="r" b="b"/>
+            <a:pathLst>
+              <a:path w="120000" h="120000" extrusionOk="0">
+                <a:moveTo>
+                  <a:pt x="0" y="0"/>
+                </a:moveTo>
+                <a:lnTo>
+                  <a:pt x="120000" y="0"/>
+                </a:lnTo>
+                <a:lnTo>
+                  <a:pt x="120000" y="120000"/>
+                </a:lnTo>
+                <a:lnTo>
+                  <a:pt x="0" y="120000"/>
+                </a:lnTo>
+                <a:close/>
+              </a:path>
+            </a:pathLst>
+          </a:custGeom>
+        </p:spPr>
+      </p:sp>
+      <p:sp>
+        <p:nvSpPr>
+          <p:cNvPr id="76" name="Google Shape;76;gac10fef634_0_20:notes"/>
+          <p:cNvSpPr txBox="1">
+            <a:spLocks noGrp="1"/>
+          </p:cNvSpPr>
+          <p:nvPr>
+            <p:ph type="body" idx="1"/>
+          </p:nvPr>
+        </p:nvSpPr>
+        <p:spPr>
+          <a:xfrm>
+            <a:off x="685800" y="4343400"/>
+            <a:ext cx="5486400" cy="4114800"/>
+          </a:xfrm>
+          <a:prstGeom prst="rect">
+            <a:avLst/>
+          </a:prstGeom>
+        </p:spPr>
+        <p:txBody>
+          <a:bodyPr spcFirstLastPara="1" wrap="square" lIns="91425" tIns="91425" rIns="91425" bIns="91425" anchor="t" anchorCtr="0">
+            <a:noAutofit/>
+          </a:bodyPr>
+          <a:lstStyle/>
+          <a:p>
+            <a:pPr marL="0" lvl="0" indent="0" algn="l" rtl="0">
+              <a:spcBef>
+                <a:spcPts val="0"/>
+              </a:spcBef>
+              <a:spcAft>
+                <a:spcPts val="0"/>
+              </a:spcAft>
+              <a:buNone/>
+            </a:pPr>
+            <a:endParaRPr/>
+          </a:p>
+        </p:txBody>
+      </p:sp>
+    </p:spTree>
+    <p:extLst>
+      <p:ext uri="{BB962C8B-B14F-4D97-AF65-F5344CB8AC3E}">
+        <p14:creationId xmlns:p14="http://schemas.microsoft.com/office/powerpoint/2010/main" val="871215247"/>
+      </p:ext>
+    </p:extLst>
+  </p:cSld>
+  <p:clrMapOvr>
+    <a:masterClrMapping/>
+  </p:clrMapOvr>
+</p:notes>
+</file>
+
+<file path=ppt/notesSlides/notesSlide31.xml><?xml version="1.0" encoding="utf-8"?>
+<p:notes xmlns:a="http://schemas.openxmlformats.org/drawingml/2006/main" xmlns:r="http://schemas.openxmlformats.org/officeDocument/2006/relationships" xmlns:p="http://schemas.openxmlformats.org/presentationml/2006/main" showMasterSp="0" showMasterPhAnim="0">
+  <p:cSld>
+    <p:spTree>
+      <p:nvGrpSpPr>
+        <p:cNvPr id="1" name="Shape 74"/>
+        <p:cNvGrpSpPr/>
+        <p:nvPr/>
+      </p:nvGrpSpPr>
+      <p:grpSpPr>
+        <a:xfrm>
+          <a:off x="0" y="0"/>
+          <a:ext cx="0" cy="0"/>
+          <a:chOff x="0" y="0"/>
+          <a:chExt cx="0" cy="0"/>
+        </a:xfrm>
+      </p:grpSpPr>
+      <p:sp>
+        <p:nvSpPr>
+          <p:cNvPr id="75" name="Google Shape;75;gac10fef634_0_20:notes"/>
+          <p:cNvSpPr>
+            <a:spLocks noGrp="1" noRot="1" noChangeAspect="1"/>
+          </p:cNvSpPr>
+          <p:nvPr>
+            <p:ph type="sldImg" idx="2"/>
+          </p:nvPr>
+        </p:nvSpPr>
+        <p:spPr>
+          <a:xfrm>
+            <a:off x="381000" y="685800"/>
+            <a:ext cx="6096000" cy="3429000"/>
+          </a:xfrm>
+          <a:custGeom>
+            <a:avLst/>
+            <a:gdLst/>
+            <a:ahLst/>
+            <a:cxnLst/>
+            <a:rect l="l" t="t" r="r" b="b"/>
+            <a:pathLst>
+              <a:path w="120000" h="120000" extrusionOk="0">
+                <a:moveTo>
+                  <a:pt x="0" y="0"/>
+                </a:moveTo>
+                <a:lnTo>
+                  <a:pt x="120000" y="0"/>
+                </a:lnTo>
+                <a:lnTo>
+                  <a:pt x="120000" y="120000"/>
+                </a:lnTo>
+                <a:lnTo>
+                  <a:pt x="0" y="120000"/>
+                </a:lnTo>
+                <a:close/>
+              </a:path>
+            </a:pathLst>
+          </a:custGeom>
+        </p:spPr>
+      </p:sp>
+      <p:sp>
+        <p:nvSpPr>
+          <p:cNvPr id="76" name="Google Shape;76;gac10fef634_0_20:notes"/>
+          <p:cNvSpPr txBox="1">
+            <a:spLocks noGrp="1"/>
+          </p:cNvSpPr>
+          <p:nvPr>
+            <p:ph type="body" idx="1"/>
+          </p:nvPr>
+        </p:nvSpPr>
+        <p:spPr>
+          <a:xfrm>
+            <a:off x="685800" y="4343400"/>
+            <a:ext cx="5486400" cy="4114800"/>
+          </a:xfrm>
+          <a:prstGeom prst="rect">
+            <a:avLst/>
+          </a:prstGeom>
+        </p:spPr>
+        <p:txBody>
+          <a:bodyPr spcFirstLastPara="1" wrap="square" lIns="91425" tIns="91425" rIns="91425" bIns="91425" anchor="t" anchorCtr="0">
+            <a:noAutofit/>
+          </a:bodyPr>
+          <a:lstStyle/>
+          <a:p>
+            <a:pPr marL="0" lvl="0" indent="0" algn="l" rtl="0">
+              <a:spcBef>
+                <a:spcPts val="0"/>
+              </a:spcBef>
+              <a:spcAft>
+                <a:spcPts val="0"/>
+              </a:spcAft>
+              <a:buNone/>
+            </a:pPr>
+            <a:endParaRPr/>
+          </a:p>
+        </p:txBody>
+      </p:sp>
+    </p:spTree>
+    <p:extLst>
+      <p:ext uri="{BB962C8B-B14F-4D97-AF65-F5344CB8AC3E}">
+        <p14:creationId xmlns:p14="http://schemas.microsoft.com/office/powerpoint/2010/main" val="3436546787"/>
+      </p:ext>
+    </p:extLst>
+  </p:cSld>
+  <p:clrMapOvr>
+    <a:masterClrMapping/>
+  </p:clrMapOvr>
+</p:notes>
+</file>
+
+<file path=ppt/notesSlides/notesSlide32.xml><?xml version="1.0" encoding="utf-8"?>
+<p:notes xmlns:a="http://schemas.openxmlformats.org/drawingml/2006/main" xmlns:r="http://schemas.openxmlformats.org/officeDocument/2006/relationships" xmlns:p="http://schemas.openxmlformats.org/presentationml/2006/main" showMasterSp="0" showMasterPhAnim="0">
+  <p:cSld>
+    <p:spTree>
+      <p:nvGrpSpPr>
+        <p:cNvPr id="1" name="Shape 74"/>
+        <p:cNvGrpSpPr/>
+        <p:nvPr/>
+      </p:nvGrpSpPr>
+      <p:grpSpPr>
+        <a:xfrm>
+          <a:off x="0" y="0"/>
+          <a:ext cx="0" cy="0"/>
+          <a:chOff x="0" y="0"/>
+          <a:chExt cx="0" cy="0"/>
+        </a:xfrm>
+      </p:grpSpPr>
+      <p:sp>
+        <p:nvSpPr>
+          <p:cNvPr id="75" name="Google Shape;75;gac10fef634_0_20:notes"/>
+          <p:cNvSpPr>
+            <a:spLocks noGrp="1" noRot="1" noChangeAspect="1"/>
+          </p:cNvSpPr>
+          <p:nvPr>
+            <p:ph type="sldImg" idx="2"/>
+          </p:nvPr>
+        </p:nvSpPr>
+        <p:spPr>
+          <a:xfrm>
+            <a:off x="381000" y="685800"/>
+            <a:ext cx="6096000" cy="3429000"/>
+          </a:xfrm>
+          <a:custGeom>
+            <a:avLst/>
+            <a:gdLst/>
+            <a:ahLst/>
+            <a:cxnLst/>
+            <a:rect l="l" t="t" r="r" b="b"/>
+            <a:pathLst>
+              <a:path w="120000" h="120000" extrusionOk="0">
+                <a:moveTo>
+                  <a:pt x="0" y="0"/>
+                </a:moveTo>
+                <a:lnTo>
+                  <a:pt x="120000" y="0"/>
+                </a:lnTo>
+                <a:lnTo>
+                  <a:pt x="120000" y="120000"/>
+                </a:lnTo>
+                <a:lnTo>
+                  <a:pt x="0" y="120000"/>
+                </a:lnTo>
+                <a:close/>
+              </a:path>
+            </a:pathLst>
+          </a:custGeom>
+        </p:spPr>
+      </p:sp>
+      <p:sp>
+        <p:nvSpPr>
+          <p:cNvPr id="76" name="Google Shape;76;gac10fef634_0_20:notes"/>
+          <p:cNvSpPr txBox="1">
+            <a:spLocks noGrp="1"/>
+          </p:cNvSpPr>
+          <p:nvPr>
+            <p:ph type="body" idx="1"/>
+          </p:nvPr>
+        </p:nvSpPr>
+        <p:spPr>
+          <a:xfrm>
+            <a:off x="685800" y="4343400"/>
+            <a:ext cx="5486400" cy="4114800"/>
+          </a:xfrm>
+          <a:prstGeom prst="rect">
+            <a:avLst/>
+          </a:prstGeom>
+        </p:spPr>
+        <p:txBody>
+          <a:bodyPr spcFirstLastPara="1" wrap="square" lIns="91425" tIns="91425" rIns="91425" bIns="91425" anchor="t" anchorCtr="0">
+            <a:noAutofit/>
+          </a:bodyPr>
+          <a:lstStyle/>
+          <a:p>
+            <a:pPr marL="0" lvl="0" indent="0" algn="l" rtl="0">
+              <a:spcBef>
+                <a:spcPts val="0"/>
+              </a:spcBef>
+              <a:spcAft>
+                <a:spcPts val="0"/>
+              </a:spcAft>
+              <a:buNone/>
+            </a:pPr>
+            <a:endParaRPr/>
+          </a:p>
+        </p:txBody>
+      </p:sp>
+    </p:spTree>
+    <p:extLst>
+      <p:ext uri="{BB962C8B-B14F-4D97-AF65-F5344CB8AC3E}">
+        <p14:creationId xmlns:p14="http://schemas.microsoft.com/office/powerpoint/2010/main" val="2380486112"/>
+      </p:ext>
+    </p:extLst>
+  </p:cSld>
+  <p:clrMapOvr>
+    <a:masterClrMapping/>
+  </p:clrMapOvr>
+</p:notes>
+</file>
+
+<file path=ppt/notesSlides/notesSlide33.xml><?xml version="1.0" encoding="utf-8"?>
+<p:notes xmlns:a="http://schemas.openxmlformats.org/drawingml/2006/main" xmlns:r="http://schemas.openxmlformats.org/officeDocument/2006/relationships" xmlns:p="http://schemas.openxmlformats.org/presentationml/2006/main" showMasterSp="0" showMasterPhAnim="0">
+  <p:cSld>
+    <p:spTree>
+      <p:nvGrpSpPr>
+        <p:cNvPr id="1" name="Shape 80"/>
+        <p:cNvGrpSpPr/>
+        <p:nvPr/>
+      </p:nvGrpSpPr>
+      <p:grpSpPr>
+        <a:xfrm>
+          <a:off x="0" y="0"/>
+          <a:ext cx="0" cy="0"/>
+          <a:chOff x="0" y="0"/>
+          <a:chExt cx="0" cy="0"/>
+        </a:xfrm>
+      </p:grpSpPr>
+      <p:sp>
+        <p:nvSpPr>
+          <p:cNvPr id="81" name="Google Shape;81;gac10fef634_0_25:notes"/>
+          <p:cNvSpPr>
+            <a:spLocks noGrp="1" noRot="1" noChangeAspect="1"/>
+          </p:cNvSpPr>
+          <p:nvPr>
+            <p:ph type="sldImg" idx="2"/>
+          </p:nvPr>
+        </p:nvSpPr>
+        <p:spPr>
+          <a:xfrm>
+            <a:off x="381000" y="685800"/>
+            <a:ext cx="6096000" cy="3429000"/>
+          </a:xfrm>
+          <a:custGeom>
+            <a:avLst/>
+            <a:gdLst/>
+            <a:ahLst/>
+            <a:cxnLst/>
+            <a:rect l="l" t="t" r="r" b="b"/>
+            <a:pathLst>
+              <a:path w="120000" h="120000" extrusionOk="0">
+                <a:moveTo>
+                  <a:pt x="0" y="0"/>
+                </a:moveTo>
+                <a:lnTo>
+                  <a:pt x="120000" y="0"/>
+                </a:lnTo>
+                <a:lnTo>
+                  <a:pt x="120000" y="120000"/>
+                </a:lnTo>
+                <a:lnTo>
+                  <a:pt x="0" y="120000"/>
+                </a:lnTo>
+                <a:close/>
+              </a:path>
+            </a:pathLst>
+          </a:custGeom>
+        </p:spPr>
+      </p:sp>
+      <p:sp>
+        <p:nvSpPr>
+          <p:cNvPr id="82" name="Google Shape;82;gac10fef634_0_25:notes"/>
+          <p:cNvSpPr txBox="1">
+            <a:spLocks noGrp="1"/>
+          </p:cNvSpPr>
+          <p:nvPr>
+            <p:ph type="body" idx="1"/>
+          </p:nvPr>
+        </p:nvSpPr>
+        <p:spPr>
+          <a:xfrm>
+            <a:off x="685800" y="4343400"/>
+            <a:ext cx="5486400" cy="4114800"/>
+          </a:xfrm>
+          <a:prstGeom prst="rect">
+            <a:avLst/>
+          </a:prstGeom>
+        </p:spPr>
+        <p:txBody>
+          <a:bodyPr spcFirstLastPara="1" wrap="square" lIns="91425" tIns="91425" rIns="91425" bIns="91425" anchor="t" anchorCtr="0">
+            <a:noAutofit/>
+          </a:bodyPr>
+          <a:lstStyle/>
+          <a:p>
+            <a:pPr marL="0" lvl="0" indent="0" algn="l" rtl="0">
+              <a:spcBef>
+                <a:spcPts val="0"/>
+              </a:spcBef>
+              <a:spcAft>
+                <a:spcPts val="0"/>
+              </a:spcAft>
+              <a:buClr>
+                <a:schemeClr val="dk1"/>
+              </a:buClr>
+              <a:buSzPts val="1100"/>
+              <a:buFont typeface="Arial"/>
+              <a:buNone/>
+            </a:pPr>
+            <a:r>
+              <a:rPr lang="en"/>
+              <a:t>Your version control evidence should go here.  This could be in the form of annotated screenshots which show you you managed this process or you could make a brief screencast explaining how you implemented version control.</a:t>
+            </a:r>
+            <a:endParaRPr/>
+          </a:p>
+          <a:p>
+            <a:pPr marL="0" lvl="0" indent="0" algn="l" rtl="0">
+              <a:spcBef>
+                <a:spcPts val="0"/>
+              </a:spcBef>
+              <a:spcAft>
+                <a:spcPts val="0"/>
+              </a:spcAft>
+              <a:buNone/>
+            </a:pPr>
+            <a:endParaRPr/>
+          </a:p>
+        </p:txBody>
+      </p:sp>
+    </p:spTree>
+  </p:cSld>
+  <p:clrMapOvr>
+    <a:masterClrMapping/>
+  </p:clrMapOvr>
+</p:notes>
+</file>
+
+<file path=ppt/notesSlides/notesSlide34.xml><?xml version="1.0" encoding="utf-8"?>
 <p:notes xmlns:a="http://schemas.openxmlformats.org/drawingml/2006/main" xmlns:r="http://schemas.openxmlformats.org/officeDocument/2006/relationships" xmlns:p="http://schemas.openxmlformats.org/presentationml/2006/main" showMasterSp="0" showMasterPhAnim="0">
   <p:cSld>
     <p:spTree>
@@ -15225,7 +15789,7 @@
             </a:pPr>
             <a:r>
               <a:rPr lang="en" dirty="0"/>
-              <a:t>Component  5 v1 - Test Plan (and screenshot)</a:t>
+              <a:t>Component 5 v1 - Test Plan (and screenshot)</a:t>
             </a:r>
             <a:endParaRPr dirty="0"/>
           </a:p>
@@ -15462,9 +16026,17 @@
 <file path=ppt/slides/slide27.xml><?xml version="1.0" encoding="utf-8"?>
 <p:sld xmlns:a="http://schemas.openxmlformats.org/drawingml/2006/main" xmlns:r="http://schemas.openxmlformats.org/officeDocument/2006/relationships" xmlns:p="http://schemas.openxmlformats.org/presentationml/2006/main">
   <p:cSld>
+    <p:bg>
+      <p:bgPr>
+        <a:solidFill>
+          <a:srgbClr val="D9EAD3"/>
+        </a:solidFill>
+        <a:effectLst/>
+      </p:bgPr>
+    </p:bg>
     <p:spTree>
       <p:nvGrpSpPr>
-        <p:cNvPr id="1" name="Shape 77"/>
+        <p:cNvPr id="1" name="Shape 72"/>
         <p:cNvGrpSpPr/>
         <p:nvPr/>
       </p:nvGrpSpPr>
@@ -15478,7 +16050,7 @@
       </p:grpSpPr>
       <p:sp>
         <p:nvSpPr>
-          <p:cNvPr id="78" name="Google Shape;78;p17"/>
+          <p:cNvPr id="73" name="Google Shape;73;p16"/>
           <p:cNvSpPr txBox="1">
             <a:spLocks noGrp="1"/>
           </p:cNvSpPr>
@@ -15512,181 +16084,46 @@
             </a:pPr>
             <a:r>
               <a:rPr lang="en" dirty="0"/>
-              <a:t>Component  v - Test Plan (and screenshot)</a:t>
+              <a:t>Component 5 (Trello screenshot)</a:t>
             </a:r>
             <a:endParaRPr dirty="0"/>
           </a:p>
         </p:txBody>
       </p:sp>
-      <p:graphicFrame>
-        <p:nvGraphicFramePr>
-          <p:cNvPr id="79" name="Google Shape;79;p17"/>
-          <p:cNvGraphicFramePr/>
+      <p:pic>
+        <p:nvPicPr>
+          <p:cNvPr id="2" name="Picture 1">
+            <a:extLst>
+              <a:ext uri="{FF2B5EF4-FFF2-40B4-BE49-F238E27FC236}">
+                <a16:creationId xmlns:a16="http://schemas.microsoft.com/office/drawing/2014/main" id="{E32CAF4D-6A5B-B3C3-8A2D-3AA729B27A4C}"/>
+              </a:ext>
+            </a:extLst>
+          </p:cNvPr>
+          <p:cNvPicPr>
+            <a:picLocks noChangeAspect="1"/>
+          </p:cNvPicPr>
           <p:nvPr/>
-        </p:nvGraphicFramePr>
-        <p:xfrm>
-          <a:off x="311700" y="3794967"/>
-          <a:ext cx="8520600" cy="1188660"/>
-        </p:xfrm>
-        <a:graphic>
-          <a:graphicData uri="http://schemas.openxmlformats.org/drawingml/2006/table">
-            <a:tbl>
-              <a:tblPr>
-                <a:noFill/>
-                <a:tableStyleId>{E1099E06-0E6B-448D-9D27-60429F06E6F4}</a:tableStyleId>
-              </a:tblPr>
-              <a:tblGrid>
-                <a:gridCol w="2709796">
-                  <a:extLst>
-                    <a:ext uri="{9D8B030D-6E8A-4147-A177-3AD203B41FA5}">
-                      <a16:colId xmlns:a16="http://schemas.microsoft.com/office/drawing/2014/main" val="20000"/>
-                    </a:ext>
-                  </a:extLst>
-                </a:gridCol>
-                <a:gridCol w="5810804">
-                  <a:extLst>
-                    <a:ext uri="{9D8B030D-6E8A-4147-A177-3AD203B41FA5}">
-                      <a16:colId xmlns:a16="http://schemas.microsoft.com/office/drawing/2014/main" val="20001"/>
-                    </a:ext>
-                  </a:extLst>
-                </a:gridCol>
-              </a:tblGrid>
-              <a:tr h="381000">
-                <a:tc>
-                  <a:txBody>
-                    <a:bodyPr/>
-                    <a:lstStyle/>
-                    <a:p>
-                      <a:pPr marL="0" lvl="0" indent="0" algn="l" rtl="0">
-                        <a:spcBef>
-                          <a:spcPts val="0"/>
-                        </a:spcBef>
-                        <a:spcAft>
-                          <a:spcPts val="0"/>
-                        </a:spcAft>
-                        <a:buNone/>
-                      </a:pPr>
-                      <a:r>
-                        <a:rPr lang="en" sz="1800" b="1" dirty="0"/>
-                        <a:t>Test Case</a:t>
-                      </a:r>
-                      <a:endParaRPr sz="1800" b="1" dirty="0"/>
-                    </a:p>
-                  </a:txBody>
-                  <a:tcPr marL="91425" marR="91425" marT="91425" marB="91425">
-                    <a:solidFill>
-                      <a:srgbClr val="CCCCCC"/>
-                    </a:solidFill>
-                  </a:tcPr>
-                </a:tc>
-                <a:tc>
-                  <a:txBody>
-                    <a:bodyPr/>
-                    <a:lstStyle/>
-                    <a:p>
-                      <a:pPr marL="0" lvl="0" indent="0" algn="l" rtl="0">
-                        <a:spcBef>
-                          <a:spcPts val="0"/>
-                        </a:spcBef>
-                        <a:spcAft>
-                          <a:spcPts val="0"/>
-                        </a:spcAft>
-                        <a:buNone/>
-                      </a:pPr>
-                      <a:r>
-                        <a:rPr lang="en" sz="1800" b="1" dirty="0"/>
-                        <a:t>Expected Values</a:t>
-                      </a:r>
-                      <a:endParaRPr sz="1800" b="1" dirty="0"/>
-                    </a:p>
-                  </a:txBody>
-                  <a:tcPr marL="91425" marR="91425" marT="91425" marB="91425">
-                    <a:solidFill>
-                      <a:srgbClr val="CCCCCC"/>
-                    </a:solidFill>
-                  </a:tcPr>
-                </a:tc>
-                <a:extLst>
-                  <a:ext uri="{0D108BD9-81ED-4DB2-BD59-A6C34878D82A}">
-                    <a16:rowId xmlns:a16="http://schemas.microsoft.com/office/drawing/2014/main" val="10000"/>
-                  </a:ext>
-                </a:extLst>
-              </a:tr>
-              <a:tr h="396200">
-                <a:tc>
-                  <a:txBody>
-                    <a:bodyPr/>
-                    <a:lstStyle/>
-                    <a:p>
-                      <a:pPr marL="0" marR="0" lvl="0" indent="0" algn="l" defTabSz="914400" rtl="0" eaLnBrk="1" fontAlgn="auto" latinLnBrk="0" hangingPunct="1">
-                        <a:lnSpc>
-                          <a:spcPct val="100000"/>
-                        </a:lnSpc>
-                        <a:spcBef>
-                          <a:spcPts val="0"/>
-                        </a:spcBef>
-                        <a:spcAft>
-                          <a:spcPts val="0"/>
-                        </a:spcAft>
-                        <a:buClr>
-                          <a:srgbClr val="000000"/>
-                        </a:buClr>
-                        <a:buSzTx/>
-                        <a:buFont typeface="Arial"/>
-                        <a:buNone/>
-                        <a:tabLst/>
-                        <a:defRPr/>
-                      </a:pPr>
-                      <a:endParaRPr lang="en-US" sz="1800" dirty="0"/>
-                    </a:p>
-                    <a:p>
-                      <a:pPr marL="0" lvl="0" indent="0" algn="l" rtl="0">
-                        <a:spcBef>
-                          <a:spcPts val="0"/>
-                        </a:spcBef>
-                        <a:spcAft>
-                          <a:spcPts val="0"/>
-                        </a:spcAft>
-                        <a:buNone/>
-                      </a:pPr>
-                      <a:endParaRPr sz="1800" dirty="0"/>
-                    </a:p>
-                  </a:txBody>
-                  <a:tcPr marL="91425" marR="91425" marT="91425" marB="91425"/>
-                </a:tc>
-                <a:tc>
-                  <a:txBody>
-                    <a:bodyPr/>
-                    <a:lstStyle/>
-                    <a:p>
-                      <a:pPr marL="0" lvl="0" indent="0" algn="l" rtl="0">
-                        <a:spcBef>
-                          <a:spcPts val="0"/>
-                        </a:spcBef>
-                        <a:spcAft>
-                          <a:spcPts val="0"/>
-                        </a:spcAft>
-                        <a:buNone/>
-                      </a:pPr>
-                      <a:endParaRPr sz="1800" dirty="0"/>
-                    </a:p>
-                  </a:txBody>
-                  <a:tcPr marL="91425" marR="91425" marT="91425" marB="91425"/>
-                </a:tc>
-                <a:extLst>
-                  <a:ext uri="{0D108BD9-81ED-4DB2-BD59-A6C34878D82A}">
-                    <a16:rowId xmlns:a16="http://schemas.microsoft.com/office/drawing/2014/main" val="10001"/>
-                  </a:ext>
-                </a:extLst>
-              </a:tr>
-            </a:tbl>
-          </a:graphicData>
-        </a:graphic>
-      </p:graphicFrame>
+        </p:nvPicPr>
+        <p:blipFill>
+          <a:blip r:embed="rId3"/>
+          <a:stretch>
+            <a:fillRect/>
+          </a:stretch>
+        </p:blipFill>
+        <p:spPr>
+          <a:xfrm>
+            <a:off x="693751" y="1418370"/>
+            <a:ext cx="7416579" cy="3007645"/>
+          </a:xfrm>
+          <a:prstGeom prst="rect">
+            <a:avLst/>
+          </a:prstGeom>
+        </p:spPr>
+      </p:pic>
     </p:spTree>
     <p:extLst>
       <p:ext uri="{BB962C8B-B14F-4D97-AF65-F5344CB8AC3E}">
-        <p14:creationId xmlns:p14="http://schemas.microsoft.com/office/powerpoint/2010/main" val="3342802139"/>
+        <p14:creationId xmlns:p14="http://schemas.microsoft.com/office/powerpoint/2010/main" val="3197614128"/>
       </p:ext>
     </p:extLst>
   </p:cSld>
@@ -15749,7 +16186,7 @@
             </a:pPr>
             <a:r>
               <a:rPr lang="en" dirty="0"/>
-              <a:t>Component  v - Test Plan (and screenshot)</a:t>
+              <a:t>Component 5 v2 - Test Plan (and screenshot)</a:t>
             </a:r>
             <a:endParaRPr dirty="0"/>
           </a:p>
@@ -15759,11 +16196,17 @@
         <p:nvGraphicFramePr>
           <p:cNvPr id="79" name="Google Shape;79;p17"/>
           <p:cNvGraphicFramePr/>
-          <p:nvPr/>
+          <p:nvPr>
+            <p:extLst>
+              <p:ext uri="{D42A27DB-BD31-4B8C-83A1-F6EECF244321}">
+                <p14:modId xmlns:p14="http://schemas.microsoft.com/office/powerpoint/2010/main" val="226944335"/>
+              </p:ext>
+            </p:extLst>
+          </p:nvPr>
         </p:nvGraphicFramePr>
         <p:xfrm>
-          <a:off x="311700" y="3794967"/>
-          <a:ext cx="8520600" cy="1188660"/>
+          <a:off x="311700" y="3397402"/>
+          <a:ext cx="8520600" cy="1462980"/>
         </p:xfrm>
         <a:graphic>
           <a:graphicData uri="http://schemas.openxmlformats.org/drawingml/2006/table">
@@ -15855,28 +16298,6 @@
                     <a:bodyPr/>
                     <a:lstStyle/>
                     <a:p>
-                      <a:pPr marL="0" marR="0" lvl="0" indent="0" algn="l" defTabSz="914400" rtl="0" eaLnBrk="1" fontAlgn="auto" latinLnBrk="0" hangingPunct="1">
-                        <a:lnSpc>
-                          <a:spcPct val="100000"/>
-                        </a:lnSpc>
-                        <a:spcBef>
-                          <a:spcPts val="0"/>
-                        </a:spcBef>
-                        <a:spcAft>
-                          <a:spcPts val="0"/>
-                        </a:spcAft>
-                        <a:buClr>
-                          <a:srgbClr val="000000"/>
-                        </a:buClr>
-                        <a:buSzTx/>
-                        <a:buFont typeface="Arial"/>
-                        <a:buNone/>
-                        <a:tabLst/>
-                        <a:defRPr/>
-                      </a:pPr>
-                      <a:endParaRPr lang="en-US" sz="1800" dirty="0"/>
-                    </a:p>
-                    <a:p>
                       <a:pPr marL="0" lvl="0" indent="0" algn="l" rtl="0">
                         <a:spcBef>
                           <a:spcPts val="0"/>
@@ -15886,7 +16307,10 @@
                         </a:spcAft>
                         <a:buNone/>
                       </a:pPr>
-                      <a:endParaRPr sz="1800" dirty="0"/>
+                      <a:r>
+                        <a:rPr lang="en-US" sz="1800" dirty="0"/>
+                        <a:t>Run file</a:t>
+                      </a:r>
                     </a:p>
                   </a:txBody>
                   <a:tcPr marL="91425" marR="91425" marT="91425" marB="91425"/>
@@ -15905,7 +16329,25 @@
                         </a:spcAft>
                         <a:buNone/>
                       </a:pPr>
-                      <a:endParaRPr sz="1800" dirty="0"/>
+                      <a:r>
+                        <a:rPr lang="en-US" sz="1800" dirty="0"/>
+                        <a:t>Printed a list with index number, pizzas and prices.</a:t>
+                      </a:r>
+                    </a:p>
+                    <a:p>
+                      <a:pPr marL="0" lvl="0" indent="0" algn="l" rtl="0">
+                        <a:spcBef>
+                          <a:spcPts val="0"/>
+                        </a:spcBef>
+                        <a:spcAft>
+                          <a:spcPts val="0"/>
+                        </a:spcAft>
+                        <a:buNone/>
+                      </a:pPr>
+                      <a:r>
+                        <a:rPr lang="en-US" sz="1800" dirty="0"/>
+                        <a:t>Price formatted to 2 decimal places and dollar sign. Starts at 1</a:t>
+                      </a:r>
                     </a:p>
                   </a:txBody>
                   <a:tcPr marL="91425" marR="91425" marT="91425" marB="91425"/>
@@ -15920,10 +16362,70 @@
           </a:graphicData>
         </a:graphic>
       </p:graphicFrame>
+      <p:pic>
+        <p:nvPicPr>
+          <p:cNvPr id="2" name="Picture 1">
+            <a:extLst>
+              <a:ext uri="{FF2B5EF4-FFF2-40B4-BE49-F238E27FC236}">
+                <a16:creationId xmlns:a16="http://schemas.microsoft.com/office/drawing/2014/main" id="{3236A923-6721-A1F9-6B12-D6730F7FAE83}"/>
+              </a:ext>
+            </a:extLst>
+          </p:cNvPr>
+          <p:cNvPicPr>
+            <a:picLocks noChangeAspect="1"/>
+          </p:cNvPicPr>
+          <p:nvPr/>
+        </p:nvPicPr>
+        <p:blipFill>
+          <a:blip r:embed="rId3"/>
+          <a:stretch>
+            <a:fillRect/>
+          </a:stretch>
+        </p:blipFill>
+        <p:spPr>
+          <a:xfrm>
+            <a:off x="240527" y="1156416"/>
+            <a:ext cx="3886200" cy="952248"/>
+          </a:xfrm>
+          <a:prstGeom prst="rect">
+            <a:avLst/>
+          </a:prstGeom>
+        </p:spPr>
+      </p:pic>
+      <p:pic>
+        <p:nvPicPr>
+          <p:cNvPr id="3" name="Picture 2">
+            <a:extLst>
+              <a:ext uri="{FF2B5EF4-FFF2-40B4-BE49-F238E27FC236}">
+                <a16:creationId xmlns:a16="http://schemas.microsoft.com/office/drawing/2014/main" id="{7CB40C7D-EC6B-EDA3-ACCE-A49314AF2DC7}"/>
+              </a:ext>
+            </a:extLst>
+          </p:cNvPr>
+          <p:cNvPicPr>
+            <a:picLocks noChangeAspect="1"/>
+          </p:cNvPicPr>
+          <p:nvPr/>
+        </p:nvPicPr>
+        <p:blipFill>
+          <a:blip r:embed="rId4"/>
+          <a:stretch>
+            <a:fillRect/>
+          </a:stretch>
+        </p:blipFill>
+        <p:spPr>
+          <a:xfrm>
+            <a:off x="5886891" y="1156416"/>
+            <a:ext cx="2261470" cy="1536093"/>
+          </a:xfrm>
+          <a:prstGeom prst="rect">
+            <a:avLst/>
+          </a:prstGeom>
+        </p:spPr>
+      </p:pic>
     </p:spTree>
     <p:extLst>
       <p:ext uri="{BB962C8B-B14F-4D97-AF65-F5344CB8AC3E}">
-        <p14:creationId xmlns:p14="http://schemas.microsoft.com/office/powerpoint/2010/main" val="285503574"/>
+        <p14:creationId xmlns:p14="http://schemas.microsoft.com/office/powerpoint/2010/main" val="3342802139"/>
       </p:ext>
     </p:extLst>
   </p:cSld>
@@ -15946,7 +16448,7 @@
     </p:bg>
     <p:spTree>
       <p:nvGrpSpPr>
-        <p:cNvPr id="1" name="Shape 83"/>
+        <p:cNvPr id="1" name="Shape 72"/>
         <p:cNvGrpSpPr/>
         <p:nvPr/>
       </p:nvGrpSpPr>
@@ -15960,7 +16462,7 @@
       </p:grpSpPr>
       <p:sp>
         <p:nvSpPr>
-          <p:cNvPr id="84" name="Google Shape;84;p18"/>
+          <p:cNvPr id="73" name="Google Shape;73;p16"/>
           <p:cNvSpPr txBox="1">
             <a:spLocks noGrp="1"/>
           </p:cNvSpPr>
@@ -15993,56 +16495,49 @@
               <a:buNone/>
             </a:pPr>
             <a:r>
-              <a:rPr lang="en"/>
-              <a:t>Version Control Evidence</a:t>
+              <a:rPr lang="en" dirty="0"/>
+              <a:t>Component 5 (Trello screenshot)</a:t>
             </a:r>
-            <a:endParaRPr/>
+            <a:endParaRPr dirty="0"/>
           </a:p>
         </p:txBody>
       </p:sp>
-      <p:sp>
-        <p:nvSpPr>
-          <p:cNvPr id="85" name="Google Shape;85;p18"/>
-          <p:cNvSpPr txBox="1">
-            <a:spLocks noGrp="1"/>
-          </p:cNvSpPr>
-          <p:nvPr>
-            <p:ph type="body" idx="1"/>
-          </p:nvPr>
-        </p:nvSpPr>
+      <p:pic>
+        <p:nvPicPr>
+          <p:cNvPr id="3" name="Picture 2">
+            <a:extLst>
+              <a:ext uri="{FF2B5EF4-FFF2-40B4-BE49-F238E27FC236}">
+                <a16:creationId xmlns:a16="http://schemas.microsoft.com/office/drawing/2014/main" id="{FF5ECA33-F661-E01D-6B84-6A4AE5107FC4}"/>
+              </a:ext>
+            </a:extLst>
+          </p:cNvPr>
+          <p:cNvPicPr>
+            <a:picLocks noChangeAspect="1"/>
+          </p:cNvPicPr>
+          <p:nvPr/>
+        </p:nvPicPr>
+        <p:blipFill>
+          <a:blip r:embed="rId3"/>
+          <a:stretch>
+            <a:fillRect/>
+          </a:stretch>
+        </p:blipFill>
         <p:spPr>
           <a:xfrm>
-            <a:off x="311700" y="1152475"/>
-            <a:ext cx="8464200" cy="3739200"/>
+            <a:off x="765313" y="1112562"/>
+            <a:ext cx="7772400" cy="3761213"/>
           </a:xfrm>
           <a:prstGeom prst="rect">
             <a:avLst/>
           </a:prstGeom>
         </p:spPr>
-        <p:txBody>
-          <a:bodyPr spcFirstLastPara="1" wrap="square" lIns="91425" tIns="91425" rIns="91425" bIns="91425" anchor="t" anchorCtr="0">
-            <a:noAutofit/>
-          </a:bodyPr>
-          <a:lstStyle/>
-          <a:p>
-            <a:pPr marL="0" lvl="0" indent="0" algn="l" rtl="0">
-              <a:spcBef>
-                <a:spcPts val="0"/>
-              </a:spcBef>
-              <a:spcAft>
-                <a:spcPts val="1600"/>
-              </a:spcAft>
-              <a:buNone/>
-            </a:pPr>
-            <a:r>
-              <a:rPr lang="en" i="1"/>
-              <a:t>Your version control evidence should go here.  This could be in the form of annotated screenshots which show you you managed this process or you could make a brief screencast explaining how you implemented version control.</a:t>
-            </a:r>
-            <a:endParaRPr i="1"/>
-          </a:p>
-        </p:txBody>
-      </p:sp>
+      </p:pic>
     </p:spTree>
+    <p:extLst>
+      <p:ext uri="{BB962C8B-B14F-4D97-AF65-F5344CB8AC3E}">
+        <p14:creationId xmlns:p14="http://schemas.microsoft.com/office/powerpoint/2010/main" val="3176143633"/>
+      </p:ext>
+    </p:extLst>
   </p:cSld>
   <p:clrMapOvr>
     <a:masterClrMapping/>
@@ -16156,6 +16651,943 @@
 </file>
 
 <file path=ppt/slides/slide30.xml><?xml version="1.0" encoding="utf-8"?>
+<p:sld xmlns:a="http://schemas.openxmlformats.org/drawingml/2006/main" xmlns:r="http://schemas.openxmlformats.org/officeDocument/2006/relationships" xmlns:p="http://schemas.openxmlformats.org/presentationml/2006/main">
+  <p:cSld>
+    <p:spTree>
+      <p:nvGrpSpPr>
+        <p:cNvPr id="1" name="Shape 77"/>
+        <p:cNvGrpSpPr/>
+        <p:nvPr/>
+      </p:nvGrpSpPr>
+      <p:grpSpPr>
+        <a:xfrm>
+          <a:off x="0" y="0"/>
+          <a:ext cx="0" cy="0"/>
+          <a:chOff x="0" y="0"/>
+          <a:chExt cx="0" cy="0"/>
+        </a:xfrm>
+      </p:grpSpPr>
+      <p:sp>
+        <p:nvSpPr>
+          <p:cNvPr id="78" name="Google Shape;78;p17"/>
+          <p:cNvSpPr txBox="1">
+            <a:spLocks noGrp="1"/>
+          </p:cNvSpPr>
+          <p:nvPr>
+            <p:ph type="title"/>
+          </p:nvPr>
+        </p:nvSpPr>
+        <p:spPr>
+          <a:xfrm>
+            <a:off x="311700" y="445025"/>
+            <a:ext cx="8520600" cy="572700"/>
+          </a:xfrm>
+          <a:prstGeom prst="rect">
+            <a:avLst/>
+          </a:prstGeom>
+        </p:spPr>
+        <p:txBody>
+          <a:bodyPr spcFirstLastPara="1" wrap="square" lIns="91425" tIns="91425" rIns="91425" bIns="91425" anchor="t" anchorCtr="0">
+            <a:noAutofit/>
+          </a:bodyPr>
+          <a:lstStyle/>
+          <a:p>
+            <a:pPr marL="0" lvl="0" indent="0" algn="l" rtl="0">
+              <a:spcBef>
+                <a:spcPts val="0"/>
+              </a:spcBef>
+              <a:spcAft>
+                <a:spcPts val="0"/>
+              </a:spcAft>
+              <a:buNone/>
+            </a:pPr>
+            <a:r>
+              <a:rPr lang="en" dirty="0"/>
+              <a:t>Component  v – integrated to main program</a:t>
+            </a:r>
+            <a:endParaRPr dirty="0"/>
+          </a:p>
+        </p:txBody>
+      </p:sp>
+      <p:graphicFrame>
+        <p:nvGraphicFramePr>
+          <p:cNvPr id="79" name="Google Shape;79;p17"/>
+          <p:cNvGraphicFramePr/>
+          <p:nvPr>
+            <p:extLst>
+              <p:ext uri="{D42A27DB-BD31-4B8C-83A1-F6EECF244321}">
+                <p14:modId xmlns:p14="http://schemas.microsoft.com/office/powerpoint/2010/main" val="3718377636"/>
+              </p:ext>
+            </p:extLst>
+          </p:nvPr>
+        </p:nvGraphicFramePr>
+        <p:xfrm>
+          <a:off x="311700" y="3473699"/>
+          <a:ext cx="8520600" cy="1462980"/>
+        </p:xfrm>
+        <a:graphic>
+          <a:graphicData uri="http://schemas.openxmlformats.org/drawingml/2006/table">
+            <a:tbl>
+              <a:tblPr>
+                <a:noFill/>
+                <a:tableStyleId>{E1099E06-0E6B-448D-9D27-60429F06E6F4}</a:tableStyleId>
+              </a:tblPr>
+              <a:tblGrid>
+                <a:gridCol w="2709796">
+                  <a:extLst>
+                    <a:ext uri="{9D8B030D-6E8A-4147-A177-3AD203B41FA5}">
+                      <a16:colId xmlns:a16="http://schemas.microsoft.com/office/drawing/2014/main" val="20000"/>
+                    </a:ext>
+                  </a:extLst>
+                </a:gridCol>
+                <a:gridCol w="5810804">
+                  <a:extLst>
+                    <a:ext uri="{9D8B030D-6E8A-4147-A177-3AD203B41FA5}">
+                      <a16:colId xmlns:a16="http://schemas.microsoft.com/office/drawing/2014/main" val="20001"/>
+                    </a:ext>
+                  </a:extLst>
+                </a:gridCol>
+              </a:tblGrid>
+              <a:tr h="390762">
+                <a:tc>
+                  <a:txBody>
+                    <a:bodyPr/>
+                    <a:lstStyle/>
+                    <a:p>
+                      <a:pPr marL="0" lvl="0" indent="0" algn="l" rtl="0">
+                        <a:spcBef>
+                          <a:spcPts val="0"/>
+                        </a:spcBef>
+                        <a:spcAft>
+                          <a:spcPts val="0"/>
+                        </a:spcAft>
+                        <a:buNone/>
+                      </a:pPr>
+                      <a:r>
+                        <a:rPr lang="en" sz="1800" b="1" dirty="0"/>
+                        <a:t>Test Case</a:t>
+                      </a:r>
+                      <a:endParaRPr sz="1800" b="1" dirty="0"/>
+                    </a:p>
+                  </a:txBody>
+                  <a:tcPr marL="91425" marR="91425" marT="91425" marB="91425">
+                    <a:solidFill>
+                      <a:srgbClr val="CCCCCC"/>
+                    </a:solidFill>
+                  </a:tcPr>
+                </a:tc>
+                <a:tc>
+                  <a:txBody>
+                    <a:bodyPr/>
+                    <a:lstStyle/>
+                    <a:p>
+                      <a:pPr marL="0" lvl="0" indent="0" algn="l" rtl="0">
+                        <a:spcBef>
+                          <a:spcPts val="0"/>
+                        </a:spcBef>
+                        <a:spcAft>
+                          <a:spcPts val="0"/>
+                        </a:spcAft>
+                        <a:buNone/>
+                      </a:pPr>
+                      <a:r>
+                        <a:rPr lang="en" sz="1800" b="1" dirty="0"/>
+                        <a:t>Expected Values</a:t>
+                      </a:r>
+                      <a:endParaRPr sz="1800" b="1" dirty="0"/>
+                    </a:p>
+                  </a:txBody>
+                  <a:tcPr marL="91425" marR="91425" marT="91425" marB="91425">
+                    <a:solidFill>
+                      <a:srgbClr val="CCCCCC"/>
+                    </a:solidFill>
+                  </a:tcPr>
+                </a:tc>
+                <a:extLst>
+                  <a:ext uri="{0D108BD9-81ED-4DB2-BD59-A6C34878D82A}">
+                    <a16:rowId xmlns:a16="http://schemas.microsoft.com/office/drawing/2014/main" val="10000"/>
+                  </a:ext>
+                </a:extLst>
+              </a:tr>
+              <a:tr h="396200">
+                <a:tc>
+                  <a:txBody>
+                    <a:bodyPr/>
+                    <a:lstStyle/>
+                    <a:p>
+                      <a:pPr marL="0" marR="0" lvl="0" indent="0" algn="l" defTabSz="914400" rtl="0" eaLnBrk="1" fontAlgn="auto" latinLnBrk="0" hangingPunct="1">
+                        <a:lnSpc>
+                          <a:spcPct val="100000"/>
+                        </a:lnSpc>
+                        <a:spcBef>
+                          <a:spcPts val="0"/>
+                        </a:spcBef>
+                        <a:spcAft>
+                          <a:spcPts val="0"/>
+                        </a:spcAft>
+                        <a:buClr>
+                          <a:srgbClr val="000000"/>
+                        </a:buClr>
+                        <a:buSzTx/>
+                        <a:buFont typeface="Arial"/>
+                        <a:buNone/>
+                        <a:tabLst/>
+                        <a:defRPr/>
+                      </a:pPr>
+                      <a:r>
+                        <a:rPr lang="en-US" sz="1800" dirty="0"/>
+                        <a:t>Run file</a:t>
+                      </a:r>
+                    </a:p>
+                    <a:p>
+                      <a:pPr marL="0" marR="0" lvl="0" indent="0" algn="l" defTabSz="914400" rtl="0" eaLnBrk="1" fontAlgn="auto" latinLnBrk="0" hangingPunct="1">
+                        <a:lnSpc>
+                          <a:spcPct val="100000"/>
+                        </a:lnSpc>
+                        <a:spcBef>
+                          <a:spcPts val="0"/>
+                        </a:spcBef>
+                        <a:spcAft>
+                          <a:spcPts val="0"/>
+                        </a:spcAft>
+                        <a:buClr>
+                          <a:srgbClr val="000000"/>
+                        </a:buClr>
+                        <a:buSzTx/>
+                        <a:buFont typeface="Arial"/>
+                        <a:buNone/>
+                        <a:tabLst/>
+                        <a:defRPr/>
+                      </a:pPr>
+                      <a:endParaRPr lang="en-US" sz="1800" dirty="0"/>
+                    </a:p>
+                    <a:p>
+                      <a:pPr marL="0" lvl="0" indent="0" algn="l" rtl="0">
+                        <a:spcBef>
+                          <a:spcPts val="0"/>
+                        </a:spcBef>
+                        <a:spcAft>
+                          <a:spcPts val="0"/>
+                        </a:spcAft>
+                        <a:buNone/>
+                      </a:pPr>
+                      <a:endParaRPr sz="1800" dirty="0"/>
+                    </a:p>
+                  </a:txBody>
+                  <a:tcPr marL="91425" marR="91425" marT="91425" marB="91425"/>
+                </a:tc>
+                <a:tc>
+                  <a:txBody>
+                    <a:bodyPr/>
+                    <a:lstStyle/>
+                    <a:p>
+                      <a:pPr marL="0" lvl="0" indent="0" algn="l" rtl="0">
+                        <a:spcBef>
+                          <a:spcPts val="0"/>
+                        </a:spcBef>
+                        <a:spcAft>
+                          <a:spcPts val="0"/>
+                        </a:spcAft>
+                        <a:buNone/>
+                      </a:pPr>
+                      <a:r>
+                        <a:rPr lang="en-US" sz="1800" dirty="0"/>
+                        <a:t>Printed a list with index number, pizzas and prices.</a:t>
+                      </a:r>
+                    </a:p>
+                    <a:p>
+                      <a:pPr marL="0" lvl="0" indent="0" algn="l" rtl="0">
+                        <a:spcBef>
+                          <a:spcPts val="0"/>
+                        </a:spcBef>
+                        <a:spcAft>
+                          <a:spcPts val="0"/>
+                        </a:spcAft>
+                        <a:buNone/>
+                      </a:pPr>
+                      <a:r>
+                        <a:rPr lang="en-US" sz="1800" dirty="0"/>
+                        <a:t>Price formatted to 2 decimal places and dollar sign. Starts at 1</a:t>
+                      </a:r>
+                    </a:p>
+                  </a:txBody>
+                  <a:tcPr marL="91425" marR="91425" marT="91425" marB="91425"/>
+                </a:tc>
+                <a:extLst>
+                  <a:ext uri="{0D108BD9-81ED-4DB2-BD59-A6C34878D82A}">
+                    <a16:rowId xmlns:a16="http://schemas.microsoft.com/office/drawing/2014/main" val="10001"/>
+                  </a:ext>
+                </a:extLst>
+              </a:tr>
+            </a:tbl>
+          </a:graphicData>
+        </a:graphic>
+      </p:graphicFrame>
+      <p:pic>
+        <p:nvPicPr>
+          <p:cNvPr id="2" name="Picture 1">
+            <a:extLst>
+              <a:ext uri="{FF2B5EF4-FFF2-40B4-BE49-F238E27FC236}">
+                <a16:creationId xmlns:a16="http://schemas.microsoft.com/office/drawing/2014/main" id="{745DA61A-B777-B77B-49B9-DD0C59A8CC5A}"/>
+              </a:ext>
+            </a:extLst>
+          </p:cNvPr>
+          <p:cNvPicPr>
+            <a:picLocks noChangeAspect="1"/>
+          </p:cNvPicPr>
+          <p:nvPr/>
+        </p:nvPicPr>
+        <p:blipFill>
+          <a:blip r:embed="rId3"/>
+          <a:stretch>
+            <a:fillRect/>
+          </a:stretch>
+        </p:blipFill>
+        <p:spPr>
+          <a:xfrm>
+            <a:off x="216673" y="1348533"/>
+            <a:ext cx="5387203" cy="1125460"/>
+          </a:xfrm>
+          <a:prstGeom prst="rect">
+            <a:avLst/>
+          </a:prstGeom>
+        </p:spPr>
+      </p:pic>
+      <p:pic>
+        <p:nvPicPr>
+          <p:cNvPr id="3" name="Picture 2">
+            <a:extLst>
+              <a:ext uri="{FF2B5EF4-FFF2-40B4-BE49-F238E27FC236}">
+                <a16:creationId xmlns:a16="http://schemas.microsoft.com/office/drawing/2014/main" id="{0E2D8B92-567B-80C1-A2D2-A106EEE95A5E}"/>
+              </a:ext>
+            </a:extLst>
+          </p:cNvPr>
+          <p:cNvPicPr>
+            <a:picLocks noChangeAspect="1"/>
+          </p:cNvPicPr>
+          <p:nvPr/>
+        </p:nvPicPr>
+        <p:blipFill>
+          <a:blip r:embed="rId4"/>
+          <a:stretch>
+            <a:fillRect/>
+          </a:stretch>
+        </p:blipFill>
+        <p:spPr>
+          <a:xfrm>
+            <a:off x="6119040" y="1042716"/>
+            <a:ext cx="2248844" cy="2405992"/>
+          </a:xfrm>
+          <a:prstGeom prst="rect">
+            <a:avLst/>
+          </a:prstGeom>
+        </p:spPr>
+      </p:pic>
+    </p:spTree>
+    <p:extLst>
+      <p:ext uri="{BB962C8B-B14F-4D97-AF65-F5344CB8AC3E}">
+        <p14:creationId xmlns:p14="http://schemas.microsoft.com/office/powerpoint/2010/main" val="285503574"/>
+      </p:ext>
+    </p:extLst>
+  </p:cSld>
+  <p:clrMapOvr>
+    <a:masterClrMapping/>
+  </p:clrMapOvr>
+</p:sld>
+</file>
+
+<file path=ppt/slides/slide31.xml><?xml version="1.0" encoding="utf-8"?>
+<p:sld xmlns:a="http://schemas.openxmlformats.org/drawingml/2006/main" xmlns:r="http://schemas.openxmlformats.org/officeDocument/2006/relationships" xmlns:p="http://schemas.openxmlformats.org/presentationml/2006/main">
+  <p:cSld>
+    <p:spTree>
+      <p:nvGrpSpPr>
+        <p:cNvPr id="1" name="Shape 77"/>
+        <p:cNvGrpSpPr/>
+        <p:nvPr/>
+      </p:nvGrpSpPr>
+      <p:grpSpPr>
+        <a:xfrm>
+          <a:off x="0" y="0"/>
+          <a:ext cx="0" cy="0"/>
+          <a:chOff x="0" y="0"/>
+          <a:chExt cx="0" cy="0"/>
+        </a:xfrm>
+      </p:grpSpPr>
+      <p:sp>
+        <p:nvSpPr>
+          <p:cNvPr id="78" name="Google Shape;78;p17"/>
+          <p:cNvSpPr txBox="1">
+            <a:spLocks noGrp="1"/>
+          </p:cNvSpPr>
+          <p:nvPr>
+            <p:ph type="title"/>
+          </p:nvPr>
+        </p:nvSpPr>
+        <p:spPr>
+          <a:xfrm>
+            <a:off x="311700" y="445025"/>
+            <a:ext cx="8520600" cy="572700"/>
+          </a:xfrm>
+          <a:prstGeom prst="rect">
+            <a:avLst/>
+          </a:prstGeom>
+        </p:spPr>
+        <p:txBody>
+          <a:bodyPr spcFirstLastPara="1" wrap="square" lIns="91425" tIns="91425" rIns="91425" bIns="91425" anchor="t" anchorCtr="0">
+            <a:noAutofit/>
+          </a:bodyPr>
+          <a:lstStyle/>
+          <a:p>
+            <a:pPr marL="0" lvl="0" indent="0" algn="l" rtl="0">
+              <a:spcBef>
+                <a:spcPts val="0"/>
+              </a:spcBef>
+              <a:spcAft>
+                <a:spcPts val="0"/>
+              </a:spcAft>
+              <a:buNone/>
+            </a:pPr>
+            <a:r>
+              <a:rPr lang="en" dirty="0"/>
+              <a:t>Component  v - Test Plan (and screenshot)</a:t>
+            </a:r>
+            <a:endParaRPr dirty="0"/>
+          </a:p>
+        </p:txBody>
+      </p:sp>
+      <p:graphicFrame>
+        <p:nvGraphicFramePr>
+          <p:cNvPr id="79" name="Google Shape;79;p17"/>
+          <p:cNvGraphicFramePr/>
+          <p:nvPr/>
+        </p:nvGraphicFramePr>
+        <p:xfrm>
+          <a:off x="311700" y="3794967"/>
+          <a:ext cx="8520600" cy="1188660"/>
+        </p:xfrm>
+        <a:graphic>
+          <a:graphicData uri="http://schemas.openxmlformats.org/drawingml/2006/table">
+            <a:tbl>
+              <a:tblPr>
+                <a:noFill/>
+                <a:tableStyleId>{E1099E06-0E6B-448D-9D27-60429F06E6F4}</a:tableStyleId>
+              </a:tblPr>
+              <a:tblGrid>
+                <a:gridCol w="2709796">
+                  <a:extLst>
+                    <a:ext uri="{9D8B030D-6E8A-4147-A177-3AD203B41FA5}">
+                      <a16:colId xmlns:a16="http://schemas.microsoft.com/office/drawing/2014/main" val="20000"/>
+                    </a:ext>
+                  </a:extLst>
+                </a:gridCol>
+                <a:gridCol w="5810804">
+                  <a:extLst>
+                    <a:ext uri="{9D8B030D-6E8A-4147-A177-3AD203B41FA5}">
+                      <a16:colId xmlns:a16="http://schemas.microsoft.com/office/drawing/2014/main" val="20001"/>
+                    </a:ext>
+                  </a:extLst>
+                </a:gridCol>
+              </a:tblGrid>
+              <a:tr h="381000">
+                <a:tc>
+                  <a:txBody>
+                    <a:bodyPr/>
+                    <a:lstStyle/>
+                    <a:p>
+                      <a:pPr marL="0" lvl="0" indent="0" algn="l" rtl="0">
+                        <a:spcBef>
+                          <a:spcPts val="0"/>
+                        </a:spcBef>
+                        <a:spcAft>
+                          <a:spcPts val="0"/>
+                        </a:spcAft>
+                        <a:buNone/>
+                      </a:pPr>
+                      <a:r>
+                        <a:rPr lang="en" sz="1800" b="1" dirty="0"/>
+                        <a:t>Test Case</a:t>
+                      </a:r>
+                      <a:endParaRPr sz="1800" b="1" dirty="0"/>
+                    </a:p>
+                  </a:txBody>
+                  <a:tcPr marL="91425" marR="91425" marT="91425" marB="91425">
+                    <a:solidFill>
+                      <a:srgbClr val="CCCCCC"/>
+                    </a:solidFill>
+                  </a:tcPr>
+                </a:tc>
+                <a:tc>
+                  <a:txBody>
+                    <a:bodyPr/>
+                    <a:lstStyle/>
+                    <a:p>
+                      <a:pPr marL="0" lvl="0" indent="0" algn="l" rtl="0">
+                        <a:spcBef>
+                          <a:spcPts val="0"/>
+                        </a:spcBef>
+                        <a:spcAft>
+                          <a:spcPts val="0"/>
+                        </a:spcAft>
+                        <a:buNone/>
+                      </a:pPr>
+                      <a:r>
+                        <a:rPr lang="en" sz="1800" b="1" dirty="0"/>
+                        <a:t>Expected Values</a:t>
+                      </a:r>
+                      <a:endParaRPr sz="1800" b="1" dirty="0"/>
+                    </a:p>
+                  </a:txBody>
+                  <a:tcPr marL="91425" marR="91425" marT="91425" marB="91425">
+                    <a:solidFill>
+                      <a:srgbClr val="CCCCCC"/>
+                    </a:solidFill>
+                  </a:tcPr>
+                </a:tc>
+                <a:extLst>
+                  <a:ext uri="{0D108BD9-81ED-4DB2-BD59-A6C34878D82A}">
+                    <a16:rowId xmlns:a16="http://schemas.microsoft.com/office/drawing/2014/main" val="10000"/>
+                  </a:ext>
+                </a:extLst>
+              </a:tr>
+              <a:tr h="396200">
+                <a:tc>
+                  <a:txBody>
+                    <a:bodyPr/>
+                    <a:lstStyle/>
+                    <a:p>
+                      <a:pPr marL="0" marR="0" lvl="0" indent="0" algn="l" defTabSz="914400" rtl="0" eaLnBrk="1" fontAlgn="auto" latinLnBrk="0" hangingPunct="1">
+                        <a:lnSpc>
+                          <a:spcPct val="100000"/>
+                        </a:lnSpc>
+                        <a:spcBef>
+                          <a:spcPts val="0"/>
+                        </a:spcBef>
+                        <a:spcAft>
+                          <a:spcPts val="0"/>
+                        </a:spcAft>
+                        <a:buClr>
+                          <a:srgbClr val="000000"/>
+                        </a:buClr>
+                        <a:buSzTx/>
+                        <a:buFont typeface="Arial"/>
+                        <a:buNone/>
+                        <a:tabLst/>
+                        <a:defRPr/>
+                      </a:pPr>
+                      <a:endParaRPr lang="en-US" sz="1800" dirty="0"/>
+                    </a:p>
+                    <a:p>
+                      <a:pPr marL="0" lvl="0" indent="0" algn="l" rtl="0">
+                        <a:spcBef>
+                          <a:spcPts val="0"/>
+                        </a:spcBef>
+                        <a:spcAft>
+                          <a:spcPts val="0"/>
+                        </a:spcAft>
+                        <a:buNone/>
+                      </a:pPr>
+                      <a:endParaRPr sz="1800" dirty="0"/>
+                    </a:p>
+                  </a:txBody>
+                  <a:tcPr marL="91425" marR="91425" marT="91425" marB="91425"/>
+                </a:tc>
+                <a:tc>
+                  <a:txBody>
+                    <a:bodyPr/>
+                    <a:lstStyle/>
+                    <a:p>
+                      <a:pPr marL="0" lvl="0" indent="0" algn="l" rtl="0">
+                        <a:spcBef>
+                          <a:spcPts val="0"/>
+                        </a:spcBef>
+                        <a:spcAft>
+                          <a:spcPts val="0"/>
+                        </a:spcAft>
+                        <a:buNone/>
+                      </a:pPr>
+                      <a:endParaRPr sz="1800" dirty="0"/>
+                    </a:p>
+                  </a:txBody>
+                  <a:tcPr marL="91425" marR="91425" marT="91425" marB="91425"/>
+                </a:tc>
+                <a:extLst>
+                  <a:ext uri="{0D108BD9-81ED-4DB2-BD59-A6C34878D82A}">
+                    <a16:rowId xmlns:a16="http://schemas.microsoft.com/office/drawing/2014/main" val="10001"/>
+                  </a:ext>
+                </a:extLst>
+              </a:tr>
+            </a:tbl>
+          </a:graphicData>
+        </a:graphic>
+      </p:graphicFrame>
+    </p:spTree>
+    <p:extLst>
+      <p:ext uri="{BB962C8B-B14F-4D97-AF65-F5344CB8AC3E}">
+        <p14:creationId xmlns:p14="http://schemas.microsoft.com/office/powerpoint/2010/main" val="4238012587"/>
+      </p:ext>
+    </p:extLst>
+  </p:cSld>
+  <p:clrMapOvr>
+    <a:masterClrMapping/>
+  </p:clrMapOvr>
+</p:sld>
+</file>
+
+<file path=ppt/slides/slide32.xml><?xml version="1.0" encoding="utf-8"?>
+<p:sld xmlns:a="http://schemas.openxmlformats.org/drawingml/2006/main" xmlns:r="http://schemas.openxmlformats.org/officeDocument/2006/relationships" xmlns:p="http://schemas.openxmlformats.org/presentationml/2006/main">
+  <p:cSld>
+    <p:spTree>
+      <p:nvGrpSpPr>
+        <p:cNvPr id="1" name="Shape 77"/>
+        <p:cNvGrpSpPr/>
+        <p:nvPr/>
+      </p:nvGrpSpPr>
+      <p:grpSpPr>
+        <a:xfrm>
+          <a:off x="0" y="0"/>
+          <a:ext cx="0" cy="0"/>
+          <a:chOff x="0" y="0"/>
+          <a:chExt cx="0" cy="0"/>
+        </a:xfrm>
+      </p:grpSpPr>
+      <p:sp>
+        <p:nvSpPr>
+          <p:cNvPr id="78" name="Google Shape;78;p17"/>
+          <p:cNvSpPr txBox="1">
+            <a:spLocks noGrp="1"/>
+          </p:cNvSpPr>
+          <p:nvPr>
+            <p:ph type="title"/>
+          </p:nvPr>
+        </p:nvSpPr>
+        <p:spPr>
+          <a:xfrm>
+            <a:off x="311700" y="445025"/>
+            <a:ext cx="8520600" cy="572700"/>
+          </a:xfrm>
+          <a:prstGeom prst="rect">
+            <a:avLst/>
+          </a:prstGeom>
+        </p:spPr>
+        <p:txBody>
+          <a:bodyPr spcFirstLastPara="1" wrap="square" lIns="91425" tIns="91425" rIns="91425" bIns="91425" anchor="t" anchorCtr="0">
+            <a:noAutofit/>
+          </a:bodyPr>
+          <a:lstStyle/>
+          <a:p>
+            <a:pPr marL="0" lvl="0" indent="0" algn="l" rtl="0">
+              <a:spcBef>
+                <a:spcPts val="0"/>
+              </a:spcBef>
+              <a:spcAft>
+                <a:spcPts val="0"/>
+              </a:spcAft>
+              <a:buNone/>
+            </a:pPr>
+            <a:r>
+              <a:rPr lang="en" dirty="0"/>
+              <a:t>Component  v - Test Plan (and screenshot)</a:t>
+            </a:r>
+            <a:endParaRPr dirty="0"/>
+          </a:p>
+        </p:txBody>
+      </p:sp>
+      <p:graphicFrame>
+        <p:nvGraphicFramePr>
+          <p:cNvPr id="79" name="Google Shape;79;p17"/>
+          <p:cNvGraphicFramePr/>
+          <p:nvPr/>
+        </p:nvGraphicFramePr>
+        <p:xfrm>
+          <a:off x="311700" y="3794967"/>
+          <a:ext cx="8520600" cy="1188660"/>
+        </p:xfrm>
+        <a:graphic>
+          <a:graphicData uri="http://schemas.openxmlformats.org/drawingml/2006/table">
+            <a:tbl>
+              <a:tblPr>
+                <a:noFill/>
+                <a:tableStyleId>{E1099E06-0E6B-448D-9D27-60429F06E6F4}</a:tableStyleId>
+              </a:tblPr>
+              <a:tblGrid>
+                <a:gridCol w="2709796">
+                  <a:extLst>
+                    <a:ext uri="{9D8B030D-6E8A-4147-A177-3AD203B41FA5}">
+                      <a16:colId xmlns:a16="http://schemas.microsoft.com/office/drawing/2014/main" val="20000"/>
+                    </a:ext>
+                  </a:extLst>
+                </a:gridCol>
+                <a:gridCol w="5810804">
+                  <a:extLst>
+                    <a:ext uri="{9D8B030D-6E8A-4147-A177-3AD203B41FA5}">
+                      <a16:colId xmlns:a16="http://schemas.microsoft.com/office/drawing/2014/main" val="20001"/>
+                    </a:ext>
+                  </a:extLst>
+                </a:gridCol>
+              </a:tblGrid>
+              <a:tr h="381000">
+                <a:tc>
+                  <a:txBody>
+                    <a:bodyPr/>
+                    <a:lstStyle/>
+                    <a:p>
+                      <a:pPr marL="0" lvl="0" indent="0" algn="l" rtl="0">
+                        <a:spcBef>
+                          <a:spcPts val="0"/>
+                        </a:spcBef>
+                        <a:spcAft>
+                          <a:spcPts val="0"/>
+                        </a:spcAft>
+                        <a:buNone/>
+                      </a:pPr>
+                      <a:r>
+                        <a:rPr lang="en" sz="1800" b="1" dirty="0"/>
+                        <a:t>Test Case</a:t>
+                      </a:r>
+                      <a:endParaRPr sz="1800" b="1" dirty="0"/>
+                    </a:p>
+                  </a:txBody>
+                  <a:tcPr marL="91425" marR="91425" marT="91425" marB="91425">
+                    <a:solidFill>
+                      <a:srgbClr val="CCCCCC"/>
+                    </a:solidFill>
+                  </a:tcPr>
+                </a:tc>
+                <a:tc>
+                  <a:txBody>
+                    <a:bodyPr/>
+                    <a:lstStyle/>
+                    <a:p>
+                      <a:pPr marL="0" lvl="0" indent="0" algn="l" rtl="0">
+                        <a:spcBef>
+                          <a:spcPts val="0"/>
+                        </a:spcBef>
+                        <a:spcAft>
+                          <a:spcPts val="0"/>
+                        </a:spcAft>
+                        <a:buNone/>
+                      </a:pPr>
+                      <a:r>
+                        <a:rPr lang="en" sz="1800" b="1" dirty="0"/>
+                        <a:t>Expected Values</a:t>
+                      </a:r>
+                      <a:endParaRPr sz="1800" b="1" dirty="0"/>
+                    </a:p>
+                  </a:txBody>
+                  <a:tcPr marL="91425" marR="91425" marT="91425" marB="91425">
+                    <a:solidFill>
+                      <a:srgbClr val="CCCCCC"/>
+                    </a:solidFill>
+                  </a:tcPr>
+                </a:tc>
+                <a:extLst>
+                  <a:ext uri="{0D108BD9-81ED-4DB2-BD59-A6C34878D82A}">
+                    <a16:rowId xmlns:a16="http://schemas.microsoft.com/office/drawing/2014/main" val="10000"/>
+                  </a:ext>
+                </a:extLst>
+              </a:tr>
+              <a:tr h="396200">
+                <a:tc>
+                  <a:txBody>
+                    <a:bodyPr/>
+                    <a:lstStyle/>
+                    <a:p>
+                      <a:pPr marL="0" marR="0" lvl="0" indent="0" algn="l" defTabSz="914400" rtl="0" eaLnBrk="1" fontAlgn="auto" latinLnBrk="0" hangingPunct="1">
+                        <a:lnSpc>
+                          <a:spcPct val="100000"/>
+                        </a:lnSpc>
+                        <a:spcBef>
+                          <a:spcPts val="0"/>
+                        </a:spcBef>
+                        <a:spcAft>
+                          <a:spcPts val="0"/>
+                        </a:spcAft>
+                        <a:buClr>
+                          <a:srgbClr val="000000"/>
+                        </a:buClr>
+                        <a:buSzTx/>
+                        <a:buFont typeface="Arial"/>
+                        <a:buNone/>
+                        <a:tabLst/>
+                        <a:defRPr/>
+                      </a:pPr>
+                      <a:endParaRPr lang="en-US" sz="1800" dirty="0"/>
+                    </a:p>
+                    <a:p>
+                      <a:pPr marL="0" lvl="0" indent="0" algn="l" rtl="0">
+                        <a:spcBef>
+                          <a:spcPts val="0"/>
+                        </a:spcBef>
+                        <a:spcAft>
+                          <a:spcPts val="0"/>
+                        </a:spcAft>
+                        <a:buNone/>
+                      </a:pPr>
+                      <a:endParaRPr sz="1800" dirty="0"/>
+                    </a:p>
+                  </a:txBody>
+                  <a:tcPr marL="91425" marR="91425" marT="91425" marB="91425"/>
+                </a:tc>
+                <a:tc>
+                  <a:txBody>
+                    <a:bodyPr/>
+                    <a:lstStyle/>
+                    <a:p>
+                      <a:pPr marL="0" lvl="0" indent="0" algn="l" rtl="0">
+                        <a:spcBef>
+                          <a:spcPts val="0"/>
+                        </a:spcBef>
+                        <a:spcAft>
+                          <a:spcPts val="0"/>
+                        </a:spcAft>
+                        <a:buNone/>
+                      </a:pPr>
+                      <a:endParaRPr sz="1800" dirty="0"/>
+                    </a:p>
+                  </a:txBody>
+                  <a:tcPr marL="91425" marR="91425" marT="91425" marB="91425"/>
+                </a:tc>
+                <a:extLst>
+                  <a:ext uri="{0D108BD9-81ED-4DB2-BD59-A6C34878D82A}">
+                    <a16:rowId xmlns:a16="http://schemas.microsoft.com/office/drawing/2014/main" val="10001"/>
+                  </a:ext>
+                </a:extLst>
+              </a:tr>
+            </a:tbl>
+          </a:graphicData>
+        </a:graphic>
+      </p:graphicFrame>
+    </p:spTree>
+    <p:extLst>
+      <p:ext uri="{BB962C8B-B14F-4D97-AF65-F5344CB8AC3E}">
+        <p14:creationId xmlns:p14="http://schemas.microsoft.com/office/powerpoint/2010/main" val="548698543"/>
+      </p:ext>
+    </p:extLst>
+  </p:cSld>
+  <p:clrMapOvr>
+    <a:masterClrMapping/>
+  </p:clrMapOvr>
+</p:sld>
+</file>
+
+<file path=ppt/slides/slide33.xml><?xml version="1.0" encoding="utf-8"?>
+<p:sld xmlns:a="http://schemas.openxmlformats.org/drawingml/2006/main" xmlns:r="http://schemas.openxmlformats.org/officeDocument/2006/relationships" xmlns:p="http://schemas.openxmlformats.org/presentationml/2006/main">
+  <p:cSld>
+    <p:bg>
+      <p:bgPr>
+        <a:solidFill>
+          <a:srgbClr val="D9EAD3"/>
+        </a:solidFill>
+        <a:effectLst/>
+      </p:bgPr>
+    </p:bg>
+    <p:spTree>
+      <p:nvGrpSpPr>
+        <p:cNvPr id="1" name="Shape 83"/>
+        <p:cNvGrpSpPr/>
+        <p:nvPr/>
+      </p:nvGrpSpPr>
+      <p:grpSpPr>
+        <a:xfrm>
+          <a:off x="0" y="0"/>
+          <a:ext cx="0" cy="0"/>
+          <a:chOff x="0" y="0"/>
+          <a:chExt cx="0" cy="0"/>
+        </a:xfrm>
+      </p:grpSpPr>
+      <p:sp>
+        <p:nvSpPr>
+          <p:cNvPr id="84" name="Google Shape;84;p18"/>
+          <p:cNvSpPr txBox="1">
+            <a:spLocks noGrp="1"/>
+          </p:cNvSpPr>
+          <p:nvPr>
+            <p:ph type="title"/>
+          </p:nvPr>
+        </p:nvSpPr>
+        <p:spPr>
+          <a:xfrm>
+            <a:off x="311700" y="445025"/>
+            <a:ext cx="8520600" cy="572700"/>
+          </a:xfrm>
+          <a:prstGeom prst="rect">
+            <a:avLst/>
+          </a:prstGeom>
+        </p:spPr>
+        <p:txBody>
+          <a:bodyPr spcFirstLastPara="1" wrap="square" lIns="91425" tIns="91425" rIns="91425" bIns="91425" anchor="t" anchorCtr="0">
+            <a:noAutofit/>
+          </a:bodyPr>
+          <a:lstStyle/>
+          <a:p>
+            <a:pPr marL="0" lvl="0" indent="0" algn="l" rtl="0">
+              <a:spcBef>
+                <a:spcPts val="0"/>
+              </a:spcBef>
+              <a:spcAft>
+                <a:spcPts val="0"/>
+              </a:spcAft>
+              <a:buNone/>
+            </a:pPr>
+            <a:r>
+              <a:rPr lang="en"/>
+              <a:t>Version Control Evidence</a:t>
+            </a:r>
+            <a:endParaRPr/>
+          </a:p>
+        </p:txBody>
+      </p:sp>
+      <p:sp>
+        <p:nvSpPr>
+          <p:cNvPr id="85" name="Google Shape;85;p18"/>
+          <p:cNvSpPr txBox="1">
+            <a:spLocks noGrp="1"/>
+          </p:cNvSpPr>
+          <p:nvPr>
+            <p:ph type="body" idx="1"/>
+          </p:nvPr>
+        </p:nvSpPr>
+        <p:spPr>
+          <a:xfrm>
+            <a:off x="311700" y="1152475"/>
+            <a:ext cx="8464200" cy="3739200"/>
+          </a:xfrm>
+          <a:prstGeom prst="rect">
+            <a:avLst/>
+          </a:prstGeom>
+        </p:spPr>
+        <p:txBody>
+          <a:bodyPr spcFirstLastPara="1" wrap="square" lIns="91425" tIns="91425" rIns="91425" bIns="91425" anchor="t" anchorCtr="0">
+            <a:noAutofit/>
+          </a:bodyPr>
+          <a:lstStyle/>
+          <a:p>
+            <a:pPr marL="0" lvl="0" indent="0" algn="l" rtl="0">
+              <a:spcBef>
+                <a:spcPts val="0"/>
+              </a:spcBef>
+              <a:spcAft>
+                <a:spcPts val="1600"/>
+              </a:spcAft>
+              <a:buNone/>
+            </a:pPr>
+            <a:r>
+              <a:rPr lang="en" i="1"/>
+              <a:t>Your version control evidence should go here.  This could be in the form of annotated screenshots which show you you managed this process or you could make a brief screencast explaining how you implemented version control.</a:t>
+            </a:r>
+            <a:endParaRPr i="1"/>
+          </a:p>
+        </p:txBody>
+      </p:sp>
+    </p:spTree>
+  </p:cSld>
+  <p:clrMapOvr>
+    <a:masterClrMapping/>
+  </p:clrMapOvr>
+</p:sld>
+</file>
+
+<file path=ppt/slides/slide34.xml><?xml version="1.0" encoding="utf-8"?>
 <p:sld xmlns:a="http://schemas.openxmlformats.org/drawingml/2006/main" xmlns:r="http://schemas.openxmlformats.org/officeDocument/2006/relationships" xmlns:p="http://schemas.openxmlformats.org/presentationml/2006/main">
   <p:cSld>
     <p:bg>

--- a/Python.pptx
+++ b/Python.pptx
@@ -5,7 +5,7 @@
     <p:sldMasterId id="2147483659" r:id="rId1"/>
   </p:sldMasterIdLst>
   <p:notesMasterIdLst>
-    <p:notesMasterId r:id="rId36"/>
+    <p:notesMasterId r:id="rId37"/>
   </p:notesMasterIdLst>
   <p:sldIdLst>
     <p:sldId id="256" r:id="rId2"/>
@@ -38,10 +38,11 @@
     <p:sldId id="283" r:id="rId29"/>
     <p:sldId id="290" r:id="rId30"/>
     <p:sldId id="280" r:id="rId31"/>
-    <p:sldId id="287" r:id="rId32"/>
-    <p:sldId id="288" r:id="rId33"/>
-    <p:sldId id="261" r:id="rId34"/>
-    <p:sldId id="262" r:id="rId35"/>
+    <p:sldId id="291" r:id="rId32"/>
+    <p:sldId id="287" r:id="rId33"/>
+    <p:sldId id="288" r:id="rId34"/>
+    <p:sldId id="261" r:id="rId35"/>
+    <p:sldId id="262" r:id="rId36"/>
   </p:sldIdLst>
   <p:sldSz cx="9144000" cy="5143500" type="screen16x9"/>
   <p:notesSz cx="6858000" cy="9144000"/>
@@ -296,7 +297,7 @@
 <file path=ppt/revisionInfo.xml><?xml version="1.0" encoding="utf-8"?>
 <p1510:revInfo xmlns:a="http://schemas.openxmlformats.org/drawingml/2006/main" xmlns:r="http://schemas.openxmlformats.org/officeDocument/2006/relationships" xmlns:p1510="http://schemas.microsoft.com/office/powerpoint/2015/10/main">
   <p1510:revLst>
-    <p1510:client id="{268579DD-9F3E-DD42-ADBD-2C5BCBEBF3D0}" v="92" dt="2023-05-12T23:20:14.935"/>
+    <p1510:client id="{268579DD-9F3E-DD42-ADBD-2C5BCBEBF3D0}" v="95" dt="2023-05-14T21:35:00.656"/>
   </p1510:revLst>
 </p1510:revInfo>
 </file>
@@ -306,7 +307,7 @@
   <pc:docChgLst>
     <pc:chgData name="Kaitlin Eustaquio" userId="1db1b819-5a69-4e28-a1f3-107bdd323ba9" providerId="ADAL" clId="{268579DD-9F3E-DD42-ADBD-2C5BCBEBF3D0}"/>
     <pc:docChg chg="undo redo custSel addSld delSld modSld sldOrd">
-      <pc:chgData name="Kaitlin Eustaquio" userId="1db1b819-5a69-4e28-a1f3-107bdd323ba9" providerId="ADAL" clId="{268579DD-9F3E-DD42-ADBD-2C5BCBEBF3D0}" dt="2023-05-12T23:20:16.614" v="2006" actId="1076"/>
+      <pc:chgData name="Kaitlin Eustaquio" userId="1db1b819-5a69-4e28-a1f3-107bdd323ba9" providerId="ADAL" clId="{268579DD-9F3E-DD42-ADBD-2C5BCBEBF3D0}" dt="2023-05-14T21:39:36.218" v="2107" actId="20577"/>
       <pc:docMkLst>
         <pc:docMk/>
       </pc:docMkLst>
@@ -1209,13 +1210,13 @@
         </pc:picChg>
       </pc:sldChg>
       <pc:sldChg chg="addSp modSp add mod">
-        <pc:chgData name="Kaitlin Eustaquio" userId="1db1b819-5a69-4e28-a1f3-107bdd323ba9" providerId="ADAL" clId="{268579DD-9F3E-DD42-ADBD-2C5BCBEBF3D0}" dt="2023-05-12T23:19:41.839" v="2000" actId="20577"/>
+        <pc:chgData name="Kaitlin Eustaquio" userId="1db1b819-5a69-4e28-a1f3-107bdd323ba9" providerId="ADAL" clId="{268579DD-9F3E-DD42-ADBD-2C5BCBEBF3D0}" dt="2023-05-12T23:31:05.057" v="2015" actId="20577"/>
         <pc:sldMkLst>
           <pc:docMk/>
           <pc:sldMk cId="285503574" sldId="280"/>
         </pc:sldMkLst>
         <pc:spChg chg="mod">
-          <ac:chgData name="Kaitlin Eustaquio" userId="1db1b819-5a69-4e28-a1f3-107bdd323ba9" providerId="ADAL" clId="{268579DD-9F3E-DD42-ADBD-2C5BCBEBF3D0}" dt="2023-05-12T23:18:29.563" v="1987" actId="20577"/>
+          <ac:chgData name="Kaitlin Eustaquio" userId="1db1b819-5a69-4e28-a1f3-107bdd323ba9" providerId="ADAL" clId="{268579DD-9F3E-DD42-ADBD-2C5BCBEBF3D0}" dt="2023-05-12T23:31:05.057" v="2015" actId="20577"/>
           <ac:spMkLst>
             <pc:docMk/>
             <pc:sldMk cId="285503574" sldId="280"/>
@@ -1473,12 +1474,44 @@
           </ac:picMkLst>
         </pc:picChg>
       </pc:sldChg>
-      <pc:sldChg chg="add">
-        <pc:chgData name="Kaitlin Eustaquio" userId="1db1b819-5a69-4e28-a1f3-107bdd323ba9" providerId="ADAL" clId="{268579DD-9F3E-DD42-ADBD-2C5BCBEBF3D0}" dt="2023-05-12T23:04:26.255" v="1846" actId="2890"/>
+      <pc:sldChg chg="addSp modSp add mod">
+        <pc:chgData name="Kaitlin Eustaquio" userId="1db1b819-5a69-4e28-a1f3-107bdd323ba9" providerId="ADAL" clId="{268579DD-9F3E-DD42-ADBD-2C5BCBEBF3D0}" dt="2023-05-14T21:39:36.218" v="2107" actId="20577"/>
         <pc:sldMkLst>
           <pc:docMk/>
           <pc:sldMk cId="4238012587" sldId="287"/>
         </pc:sldMkLst>
+        <pc:spChg chg="mod">
+          <ac:chgData name="Kaitlin Eustaquio" userId="1db1b819-5a69-4e28-a1f3-107bdd323ba9" providerId="ADAL" clId="{268579DD-9F3E-DD42-ADBD-2C5BCBEBF3D0}" dt="2023-05-14T21:39:36.218" v="2107" actId="20577"/>
+          <ac:spMkLst>
+            <pc:docMk/>
+            <pc:sldMk cId="4238012587" sldId="287"/>
+            <ac:spMk id="78" creationId="{00000000-0000-0000-0000-000000000000}"/>
+          </ac:spMkLst>
+        </pc:spChg>
+        <pc:graphicFrameChg chg="mod modGraphic">
+          <ac:chgData name="Kaitlin Eustaquio" userId="1db1b819-5a69-4e28-a1f3-107bdd323ba9" providerId="ADAL" clId="{268579DD-9F3E-DD42-ADBD-2C5BCBEBF3D0}" dt="2023-05-14T21:36:54.789" v="2103" actId="20577"/>
+          <ac:graphicFrameMkLst>
+            <pc:docMk/>
+            <pc:sldMk cId="4238012587" sldId="287"/>
+            <ac:graphicFrameMk id="79" creationId="{00000000-0000-0000-0000-000000000000}"/>
+          </ac:graphicFrameMkLst>
+        </pc:graphicFrameChg>
+        <pc:picChg chg="add mod">
+          <ac:chgData name="Kaitlin Eustaquio" userId="1db1b819-5a69-4e28-a1f3-107bdd323ba9" providerId="ADAL" clId="{268579DD-9F3E-DD42-ADBD-2C5BCBEBF3D0}" dt="2023-05-14T21:35:03.673" v="2024" actId="1076"/>
+          <ac:picMkLst>
+            <pc:docMk/>
+            <pc:sldMk cId="4238012587" sldId="287"/>
+            <ac:picMk id="2" creationId="{3A4097AD-402C-ED5E-232E-7CE475547DB8}"/>
+          </ac:picMkLst>
+        </pc:picChg>
+        <pc:picChg chg="add mod">
+          <ac:chgData name="Kaitlin Eustaquio" userId="1db1b819-5a69-4e28-a1f3-107bdd323ba9" providerId="ADAL" clId="{268579DD-9F3E-DD42-ADBD-2C5BCBEBF3D0}" dt="2023-05-14T21:35:05.686" v="2025" actId="1076"/>
+          <ac:picMkLst>
+            <pc:docMk/>
+            <pc:sldMk cId="4238012587" sldId="287"/>
+            <ac:picMk id="3" creationId="{6B576D70-A659-3FF6-2030-5D06B22ADE21}"/>
+          </ac:picMkLst>
+        </pc:picChg>
       </pc:sldChg>
       <pc:sldChg chg="add">
         <pc:chgData name="Kaitlin Eustaquio" userId="1db1b819-5a69-4e28-a1f3-107bdd323ba9" providerId="ADAL" clId="{268579DD-9F3E-DD42-ADBD-2C5BCBEBF3D0}" dt="2023-05-12T23:04:28.177" v="1847" actId="2890"/>
@@ -1529,6 +1562,37 @@
           <ac:picMkLst>
             <pc:docMk/>
             <pc:sldMk cId="3176143633" sldId="290"/>
+            <ac:picMk id="3" creationId="{FF5ECA33-F661-E01D-6B84-6A4AE5107FC4}"/>
+          </ac:picMkLst>
+        </pc:picChg>
+      </pc:sldChg>
+      <pc:sldChg chg="addSp delSp modSp add mod ord">
+        <pc:chgData name="Kaitlin Eustaquio" userId="1db1b819-5a69-4e28-a1f3-107bdd323ba9" providerId="ADAL" clId="{268579DD-9F3E-DD42-ADBD-2C5BCBEBF3D0}" dt="2023-05-12T23:31:08.554" v="2017" actId="20577"/>
+        <pc:sldMkLst>
+          <pc:docMk/>
+          <pc:sldMk cId="1944067173" sldId="291"/>
+        </pc:sldMkLst>
+        <pc:spChg chg="mod">
+          <ac:chgData name="Kaitlin Eustaquio" userId="1db1b819-5a69-4e28-a1f3-107bdd323ba9" providerId="ADAL" clId="{268579DD-9F3E-DD42-ADBD-2C5BCBEBF3D0}" dt="2023-05-12T23:31:08.554" v="2017" actId="20577"/>
+          <ac:spMkLst>
+            <pc:docMk/>
+            <pc:sldMk cId="1944067173" sldId="291"/>
+            <ac:spMk id="73" creationId="{00000000-0000-0000-0000-000000000000}"/>
+          </ac:spMkLst>
+        </pc:spChg>
+        <pc:picChg chg="add mod">
+          <ac:chgData name="Kaitlin Eustaquio" userId="1db1b819-5a69-4e28-a1f3-107bdd323ba9" providerId="ADAL" clId="{268579DD-9F3E-DD42-ADBD-2C5BCBEBF3D0}" dt="2023-05-12T23:30:51.445" v="2011" actId="1076"/>
+          <ac:picMkLst>
+            <pc:docMk/>
+            <pc:sldMk cId="1944067173" sldId="291"/>
+            <ac:picMk id="2" creationId="{24692111-2576-0306-C59B-5AA681C43897}"/>
+          </ac:picMkLst>
+        </pc:picChg>
+        <pc:picChg chg="del">
+          <ac:chgData name="Kaitlin Eustaquio" userId="1db1b819-5a69-4e28-a1f3-107bdd323ba9" providerId="ADAL" clId="{268579DD-9F3E-DD42-ADBD-2C5BCBEBF3D0}" dt="2023-05-12T23:30:18.169" v="2009" actId="478"/>
+          <ac:picMkLst>
+            <pc:docMk/>
+            <pc:sldMk cId="1944067173" sldId="291"/>
             <ac:picMk id="3" creationId="{FF5ECA33-F661-E01D-6B84-6A4AE5107FC4}"/>
           </ac:picMkLst>
         </pc:picChg>
@@ -4610,7 +4674,7 @@
   <p:cSld>
     <p:spTree>
       <p:nvGrpSpPr>
-        <p:cNvPr id="1" name="Shape 74"/>
+        <p:cNvPr id="1" name="Shape 69"/>
         <p:cNvGrpSpPr/>
         <p:nvPr/>
       </p:nvGrpSpPr>
@@ -4624,7 +4688,7 @@
       </p:grpSpPr>
       <p:sp>
         <p:nvSpPr>
-          <p:cNvPr id="75" name="Google Shape;75;gac10fef634_0_20:notes"/>
+          <p:cNvPr id="70" name="Google Shape;70;gac10fef634_0_16:notes"/>
           <p:cNvSpPr>
             <a:spLocks noGrp="1" noRot="1" noChangeAspect="1"/>
           </p:cNvSpPr>
@@ -4665,7 +4729,7 @@
       </p:sp>
       <p:sp>
         <p:nvSpPr>
-          <p:cNvPr id="76" name="Google Shape;76;gac10fef634_0_20:notes"/>
+          <p:cNvPr id="71" name="Google Shape;71;gac10fef634_0_16:notes"/>
           <p:cNvSpPr txBox="1">
             <a:spLocks noGrp="1"/>
           </p:cNvSpPr>
@@ -4704,7 +4768,7 @@
     </p:spTree>
     <p:extLst>
       <p:ext uri="{BB962C8B-B14F-4D97-AF65-F5344CB8AC3E}">
-        <p14:creationId xmlns:p14="http://schemas.microsoft.com/office/powerpoint/2010/main" val="3436546787"/>
+        <p14:creationId xmlns:p14="http://schemas.microsoft.com/office/powerpoint/2010/main" val="2178355057"/>
       </p:ext>
     </p:extLst>
   </p:cSld>
@@ -4813,6 +4877,115 @@
     </p:spTree>
     <p:extLst>
       <p:ext uri="{BB962C8B-B14F-4D97-AF65-F5344CB8AC3E}">
+        <p14:creationId xmlns:p14="http://schemas.microsoft.com/office/powerpoint/2010/main" val="3436546787"/>
+      </p:ext>
+    </p:extLst>
+  </p:cSld>
+  <p:clrMapOvr>
+    <a:masterClrMapping/>
+  </p:clrMapOvr>
+</p:notes>
+</file>
+
+<file path=ppt/notesSlides/notesSlide33.xml><?xml version="1.0" encoding="utf-8"?>
+<p:notes xmlns:a="http://schemas.openxmlformats.org/drawingml/2006/main" xmlns:r="http://schemas.openxmlformats.org/officeDocument/2006/relationships" xmlns:p="http://schemas.openxmlformats.org/presentationml/2006/main" showMasterSp="0" showMasterPhAnim="0">
+  <p:cSld>
+    <p:spTree>
+      <p:nvGrpSpPr>
+        <p:cNvPr id="1" name="Shape 74"/>
+        <p:cNvGrpSpPr/>
+        <p:nvPr/>
+      </p:nvGrpSpPr>
+      <p:grpSpPr>
+        <a:xfrm>
+          <a:off x="0" y="0"/>
+          <a:ext cx="0" cy="0"/>
+          <a:chOff x="0" y="0"/>
+          <a:chExt cx="0" cy="0"/>
+        </a:xfrm>
+      </p:grpSpPr>
+      <p:sp>
+        <p:nvSpPr>
+          <p:cNvPr id="75" name="Google Shape;75;gac10fef634_0_20:notes"/>
+          <p:cNvSpPr>
+            <a:spLocks noGrp="1" noRot="1" noChangeAspect="1"/>
+          </p:cNvSpPr>
+          <p:nvPr>
+            <p:ph type="sldImg" idx="2"/>
+          </p:nvPr>
+        </p:nvSpPr>
+        <p:spPr>
+          <a:xfrm>
+            <a:off x="381000" y="685800"/>
+            <a:ext cx="6096000" cy="3429000"/>
+          </a:xfrm>
+          <a:custGeom>
+            <a:avLst/>
+            <a:gdLst/>
+            <a:ahLst/>
+            <a:cxnLst/>
+            <a:rect l="l" t="t" r="r" b="b"/>
+            <a:pathLst>
+              <a:path w="120000" h="120000" extrusionOk="0">
+                <a:moveTo>
+                  <a:pt x="0" y="0"/>
+                </a:moveTo>
+                <a:lnTo>
+                  <a:pt x="120000" y="0"/>
+                </a:lnTo>
+                <a:lnTo>
+                  <a:pt x="120000" y="120000"/>
+                </a:lnTo>
+                <a:lnTo>
+                  <a:pt x="0" y="120000"/>
+                </a:lnTo>
+                <a:close/>
+              </a:path>
+            </a:pathLst>
+          </a:custGeom>
+        </p:spPr>
+      </p:sp>
+      <p:sp>
+        <p:nvSpPr>
+          <p:cNvPr id="76" name="Google Shape;76;gac10fef634_0_20:notes"/>
+          <p:cNvSpPr txBox="1">
+            <a:spLocks noGrp="1"/>
+          </p:cNvSpPr>
+          <p:nvPr>
+            <p:ph type="body" idx="1"/>
+          </p:nvPr>
+        </p:nvSpPr>
+        <p:spPr>
+          <a:xfrm>
+            <a:off x="685800" y="4343400"/>
+            <a:ext cx="5486400" cy="4114800"/>
+          </a:xfrm>
+          <a:prstGeom prst="rect">
+            <a:avLst/>
+          </a:prstGeom>
+        </p:spPr>
+        <p:txBody>
+          <a:bodyPr spcFirstLastPara="1" wrap="square" lIns="91425" tIns="91425" rIns="91425" bIns="91425" anchor="t" anchorCtr="0">
+            <a:noAutofit/>
+          </a:bodyPr>
+          <a:lstStyle/>
+          <a:p>
+            <a:pPr marL="0" lvl="0" indent="0" algn="l" rtl="0">
+              <a:spcBef>
+                <a:spcPts val="0"/>
+              </a:spcBef>
+              <a:spcAft>
+                <a:spcPts val="0"/>
+              </a:spcAft>
+              <a:buNone/>
+            </a:pPr>
+            <a:endParaRPr/>
+          </a:p>
+        </p:txBody>
+      </p:sp>
+    </p:spTree>
+    <p:extLst>
+      <p:ext uri="{BB962C8B-B14F-4D97-AF65-F5344CB8AC3E}">
         <p14:creationId xmlns:p14="http://schemas.microsoft.com/office/powerpoint/2010/main" val="2380486112"/>
       </p:ext>
     </p:extLst>
@@ -4823,7 +4996,7 @@
 </p:notes>
 </file>
 
-<file path=ppt/notesSlides/notesSlide33.xml><?xml version="1.0" encoding="utf-8"?>
+<file path=ppt/notesSlides/notesSlide34.xml><?xml version="1.0" encoding="utf-8"?>
 <p:notes xmlns:a="http://schemas.openxmlformats.org/drawingml/2006/main" xmlns:r="http://schemas.openxmlformats.org/officeDocument/2006/relationships" xmlns:p="http://schemas.openxmlformats.org/presentationml/2006/main" showMasterSp="0" showMasterPhAnim="0">
   <p:cSld>
     <p:spTree>
@@ -4948,7 +5121,7 @@
 </p:notes>
 </file>
 
-<file path=ppt/notesSlides/notesSlide34.xml><?xml version="1.0" encoding="utf-8"?>
+<file path=ppt/notesSlides/notesSlide35.xml><?xml version="1.0" encoding="utf-8"?>
 <p:notes xmlns:a="http://schemas.openxmlformats.org/drawingml/2006/main" xmlns:r="http://schemas.openxmlformats.org/officeDocument/2006/relationships" xmlns:p="http://schemas.openxmlformats.org/presentationml/2006/main" showMasterSp="0" showMasterPhAnim="0">
   <p:cSld>
     <p:spTree>
@@ -16703,7 +16876,7 @@
             </a:pPr>
             <a:r>
               <a:rPr lang="en" dirty="0"/>
-              <a:t>Component  v – integrated to main program</a:t>
+              <a:t>Component 5 v3 – integrated to main program</a:t>
             </a:r>
             <a:endParaRPr dirty="0"/>
           </a:p>
@@ -16999,9 +17172,17 @@
 <file path=ppt/slides/slide31.xml><?xml version="1.0" encoding="utf-8"?>
 <p:sld xmlns:a="http://schemas.openxmlformats.org/drawingml/2006/main" xmlns:r="http://schemas.openxmlformats.org/officeDocument/2006/relationships" xmlns:p="http://schemas.openxmlformats.org/presentationml/2006/main">
   <p:cSld>
+    <p:bg>
+      <p:bgPr>
+        <a:solidFill>
+          <a:srgbClr val="D9EAD3"/>
+        </a:solidFill>
+        <a:effectLst/>
+      </p:bgPr>
+    </p:bg>
     <p:spTree>
       <p:nvGrpSpPr>
-        <p:cNvPr id="1" name="Shape 77"/>
+        <p:cNvPr id="1" name="Shape 72"/>
         <p:cNvGrpSpPr/>
         <p:nvPr/>
       </p:nvGrpSpPr>
@@ -17015,7 +17196,7 @@
       </p:grpSpPr>
       <p:sp>
         <p:nvSpPr>
-          <p:cNvPr id="78" name="Google Shape;78;p17"/>
+          <p:cNvPr id="73" name="Google Shape;73;p16"/>
           <p:cNvSpPr txBox="1">
             <a:spLocks noGrp="1"/>
           </p:cNvSpPr>
@@ -17048,182 +17229,51 @@
               <a:buNone/>
             </a:pPr>
             <a:r>
+              <a:rPr lang="en"/>
+              <a:t>Component 6 </a:t>
+            </a:r>
+            <a:r>
               <a:rPr lang="en" dirty="0"/>
-              <a:t>Component  v - Test Plan (and screenshot)</a:t>
+              <a:t>(Trello screenshot)</a:t>
             </a:r>
             <a:endParaRPr dirty="0"/>
           </a:p>
         </p:txBody>
       </p:sp>
-      <p:graphicFrame>
-        <p:nvGraphicFramePr>
-          <p:cNvPr id="79" name="Google Shape;79;p17"/>
-          <p:cNvGraphicFramePr/>
+      <p:pic>
+        <p:nvPicPr>
+          <p:cNvPr id="2" name="Picture 1">
+            <a:extLst>
+              <a:ext uri="{FF2B5EF4-FFF2-40B4-BE49-F238E27FC236}">
+                <a16:creationId xmlns:a16="http://schemas.microsoft.com/office/drawing/2014/main" id="{24692111-2576-0306-C59B-5AA681C43897}"/>
+              </a:ext>
+            </a:extLst>
+          </p:cNvPr>
+          <p:cNvPicPr>
+            <a:picLocks noChangeAspect="1"/>
+          </p:cNvPicPr>
           <p:nvPr/>
-        </p:nvGraphicFramePr>
-        <p:xfrm>
-          <a:off x="311700" y="3794967"/>
-          <a:ext cx="8520600" cy="1188660"/>
-        </p:xfrm>
-        <a:graphic>
-          <a:graphicData uri="http://schemas.openxmlformats.org/drawingml/2006/table">
-            <a:tbl>
-              <a:tblPr>
-                <a:noFill/>
-                <a:tableStyleId>{E1099E06-0E6B-448D-9D27-60429F06E6F4}</a:tableStyleId>
-              </a:tblPr>
-              <a:tblGrid>
-                <a:gridCol w="2709796">
-                  <a:extLst>
-                    <a:ext uri="{9D8B030D-6E8A-4147-A177-3AD203B41FA5}">
-                      <a16:colId xmlns:a16="http://schemas.microsoft.com/office/drawing/2014/main" val="20000"/>
-                    </a:ext>
-                  </a:extLst>
-                </a:gridCol>
-                <a:gridCol w="5810804">
-                  <a:extLst>
-                    <a:ext uri="{9D8B030D-6E8A-4147-A177-3AD203B41FA5}">
-                      <a16:colId xmlns:a16="http://schemas.microsoft.com/office/drawing/2014/main" val="20001"/>
-                    </a:ext>
-                  </a:extLst>
-                </a:gridCol>
-              </a:tblGrid>
-              <a:tr h="381000">
-                <a:tc>
-                  <a:txBody>
-                    <a:bodyPr/>
-                    <a:lstStyle/>
-                    <a:p>
-                      <a:pPr marL="0" lvl="0" indent="0" algn="l" rtl="0">
-                        <a:spcBef>
-                          <a:spcPts val="0"/>
-                        </a:spcBef>
-                        <a:spcAft>
-                          <a:spcPts val="0"/>
-                        </a:spcAft>
-                        <a:buNone/>
-                      </a:pPr>
-                      <a:r>
-                        <a:rPr lang="en" sz="1800" b="1" dirty="0"/>
-                        <a:t>Test Case</a:t>
-                      </a:r>
-                      <a:endParaRPr sz="1800" b="1" dirty="0"/>
-                    </a:p>
-                  </a:txBody>
-                  <a:tcPr marL="91425" marR="91425" marT="91425" marB="91425">
-                    <a:solidFill>
-                      <a:srgbClr val="CCCCCC"/>
-                    </a:solidFill>
-                  </a:tcPr>
-                </a:tc>
-                <a:tc>
-                  <a:txBody>
-                    <a:bodyPr/>
-                    <a:lstStyle/>
-                    <a:p>
-                      <a:pPr marL="0" lvl="0" indent="0" algn="l" rtl="0">
-                        <a:spcBef>
-                          <a:spcPts val="0"/>
-                        </a:spcBef>
-                        <a:spcAft>
-                          <a:spcPts val="0"/>
-                        </a:spcAft>
-                        <a:buNone/>
-                      </a:pPr>
-                      <a:r>
-                        <a:rPr lang="en" sz="1800" b="1" dirty="0"/>
-                        <a:t>Expected Values</a:t>
-                      </a:r>
-                      <a:endParaRPr sz="1800" b="1" dirty="0"/>
-                    </a:p>
-                  </a:txBody>
-                  <a:tcPr marL="91425" marR="91425" marT="91425" marB="91425">
-                    <a:solidFill>
-                      <a:srgbClr val="CCCCCC"/>
-                    </a:solidFill>
-                  </a:tcPr>
-                </a:tc>
-                <a:extLst>
-                  <a:ext uri="{0D108BD9-81ED-4DB2-BD59-A6C34878D82A}">
-                    <a16:rowId xmlns:a16="http://schemas.microsoft.com/office/drawing/2014/main" val="10000"/>
-                  </a:ext>
-                </a:extLst>
-              </a:tr>
-              <a:tr h="396200">
-                <a:tc>
-                  <a:txBody>
-                    <a:bodyPr/>
-                    <a:lstStyle/>
-                    <a:p>
-                      <a:pPr marL="0" marR="0" lvl="0" indent="0" algn="l" defTabSz="914400" rtl="0" eaLnBrk="1" fontAlgn="auto" latinLnBrk="0" hangingPunct="1">
-                        <a:lnSpc>
-                          <a:spcPct val="100000"/>
-                        </a:lnSpc>
-                        <a:spcBef>
-                          <a:spcPts val="0"/>
-                        </a:spcBef>
-                        <a:spcAft>
-                          <a:spcPts val="0"/>
-                        </a:spcAft>
-                        <a:buClr>
-                          <a:srgbClr val="000000"/>
-                        </a:buClr>
-                        <a:buSzTx/>
-                        <a:buFont typeface="Arial"/>
-                        <a:buNone/>
-                        <a:tabLst/>
-                        <a:defRPr/>
-                      </a:pPr>
-                      <a:endParaRPr lang="en-US" sz="1800" dirty="0"/>
-                    </a:p>
-                    <a:p>
-                      <a:pPr marL="0" lvl="0" indent="0" algn="l" rtl="0">
-                        <a:spcBef>
-                          <a:spcPts val="0"/>
-                        </a:spcBef>
-                        <a:spcAft>
-                          <a:spcPts val="0"/>
-                        </a:spcAft>
-                        <a:buNone/>
-                      </a:pPr>
-                      <a:endParaRPr sz="1800" dirty="0"/>
-                    </a:p>
-                  </a:txBody>
-                  <a:tcPr marL="91425" marR="91425" marT="91425" marB="91425"/>
-                </a:tc>
-                <a:tc>
-                  <a:txBody>
-                    <a:bodyPr/>
-                    <a:lstStyle/>
-                    <a:p>
-                      <a:pPr marL="0" lvl="0" indent="0" algn="l" rtl="0">
-                        <a:spcBef>
-                          <a:spcPts val="0"/>
-                        </a:spcBef>
-                        <a:spcAft>
-                          <a:spcPts val="0"/>
-                        </a:spcAft>
-                        <a:buNone/>
-                      </a:pPr>
-                      <a:endParaRPr sz="1800" dirty="0"/>
-                    </a:p>
-                  </a:txBody>
-                  <a:tcPr marL="91425" marR="91425" marT="91425" marB="91425"/>
-                </a:tc>
-                <a:extLst>
-                  <a:ext uri="{0D108BD9-81ED-4DB2-BD59-A6C34878D82A}">
-                    <a16:rowId xmlns:a16="http://schemas.microsoft.com/office/drawing/2014/main" val="10001"/>
-                  </a:ext>
-                </a:extLst>
-              </a:tr>
-            </a:tbl>
-          </a:graphicData>
-        </a:graphic>
-      </p:graphicFrame>
+        </p:nvPicPr>
+        <p:blipFill>
+          <a:blip r:embed="rId3"/>
+          <a:stretch>
+            <a:fillRect/>
+          </a:stretch>
+        </p:blipFill>
+        <p:spPr>
+          <a:xfrm>
+            <a:off x="606286" y="1017725"/>
+            <a:ext cx="7772400" cy="3619616"/>
+          </a:xfrm>
+          <a:prstGeom prst="rect">
+            <a:avLst/>
+          </a:prstGeom>
+        </p:spPr>
+      </p:pic>
     </p:spTree>
     <p:extLst>
       <p:ext uri="{BB962C8B-B14F-4D97-AF65-F5344CB8AC3E}">
-        <p14:creationId xmlns:p14="http://schemas.microsoft.com/office/powerpoint/2010/main" val="4238012587"/>
+        <p14:creationId xmlns:p14="http://schemas.microsoft.com/office/powerpoint/2010/main" val="1944067173"/>
       </p:ext>
     </p:extLst>
   </p:cSld>
@@ -17285,6 +17335,320 @@
               <a:buNone/>
             </a:pPr>
             <a:r>
+              <a:rPr lang="en"/>
+              <a:t>Component 6 v1 </a:t>
+            </a:r>
+            <a:r>
+              <a:rPr lang="en" dirty="0"/>
+              <a:t>- Test Plan (and screenshot)</a:t>
+            </a:r>
+            <a:endParaRPr dirty="0"/>
+          </a:p>
+        </p:txBody>
+      </p:sp>
+      <p:graphicFrame>
+        <p:nvGraphicFramePr>
+          <p:cNvPr id="79" name="Google Shape;79;p17"/>
+          <p:cNvGraphicFramePr/>
+          <p:nvPr>
+            <p:extLst>
+              <p:ext uri="{D42A27DB-BD31-4B8C-83A1-F6EECF244321}">
+                <p14:modId xmlns:p14="http://schemas.microsoft.com/office/powerpoint/2010/main" val="408711179"/>
+              </p:ext>
+            </p:extLst>
+          </p:nvPr>
+        </p:nvGraphicFramePr>
+        <p:xfrm>
+          <a:off x="311700" y="3261567"/>
+          <a:ext cx="8520600" cy="1188660"/>
+        </p:xfrm>
+        <a:graphic>
+          <a:graphicData uri="http://schemas.openxmlformats.org/drawingml/2006/table">
+            <a:tbl>
+              <a:tblPr>
+                <a:noFill/>
+                <a:tableStyleId>{E1099E06-0E6B-448D-9D27-60429F06E6F4}</a:tableStyleId>
+              </a:tblPr>
+              <a:tblGrid>
+                <a:gridCol w="2709796">
+                  <a:extLst>
+                    <a:ext uri="{9D8B030D-6E8A-4147-A177-3AD203B41FA5}">
+                      <a16:colId xmlns:a16="http://schemas.microsoft.com/office/drawing/2014/main" val="20000"/>
+                    </a:ext>
+                  </a:extLst>
+                </a:gridCol>
+                <a:gridCol w="5810804">
+                  <a:extLst>
+                    <a:ext uri="{9D8B030D-6E8A-4147-A177-3AD203B41FA5}">
+                      <a16:colId xmlns:a16="http://schemas.microsoft.com/office/drawing/2014/main" val="20001"/>
+                    </a:ext>
+                  </a:extLst>
+                </a:gridCol>
+              </a:tblGrid>
+              <a:tr h="381000">
+                <a:tc>
+                  <a:txBody>
+                    <a:bodyPr/>
+                    <a:lstStyle/>
+                    <a:p>
+                      <a:pPr marL="0" lvl="0" indent="0" algn="l" rtl="0">
+                        <a:spcBef>
+                          <a:spcPts val="0"/>
+                        </a:spcBef>
+                        <a:spcAft>
+                          <a:spcPts val="0"/>
+                        </a:spcAft>
+                        <a:buNone/>
+                      </a:pPr>
+                      <a:r>
+                        <a:rPr lang="en" sz="1800" b="1" dirty="0"/>
+                        <a:t>Test Case</a:t>
+                      </a:r>
+                      <a:endParaRPr sz="1800" b="1" dirty="0"/>
+                    </a:p>
+                  </a:txBody>
+                  <a:tcPr marL="91425" marR="91425" marT="91425" marB="91425">
+                    <a:solidFill>
+                      <a:srgbClr val="CCCCCC"/>
+                    </a:solidFill>
+                  </a:tcPr>
+                </a:tc>
+                <a:tc>
+                  <a:txBody>
+                    <a:bodyPr/>
+                    <a:lstStyle/>
+                    <a:p>
+                      <a:pPr marL="0" lvl="0" indent="0" algn="l" rtl="0">
+                        <a:spcBef>
+                          <a:spcPts val="0"/>
+                        </a:spcBef>
+                        <a:spcAft>
+                          <a:spcPts val="0"/>
+                        </a:spcAft>
+                        <a:buNone/>
+                      </a:pPr>
+                      <a:r>
+                        <a:rPr lang="en" sz="1800" b="1" dirty="0"/>
+                        <a:t>Expected Values</a:t>
+                      </a:r>
+                      <a:endParaRPr sz="1800" b="1" dirty="0"/>
+                    </a:p>
+                  </a:txBody>
+                  <a:tcPr marL="91425" marR="91425" marT="91425" marB="91425">
+                    <a:solidFill>
+                      <a:srgbClr val="CCCCCC"/>
+                    </a:solidFill>
+                  </a:tcPr>
+                </a:tc>
+                <a:extLst>
+                  <a:ext uri="{0D108BD9-81ED-4DB2-BD59-A6C34878D82A}">
+                    <a16:rowId xmlns:a16="http://schemas.microsoft.com/office/drawing/2014/main" val="10000"/>
+                  </a:ext>
+                </a:extLst>
+              </a:tr>
+              <a:tr h="396200">
+                <a:tc>
+                  <a:txBody>
+                    <a:bodyPr/>
+                    <a:lstStyle/>
+                    <a:p>
+                      <a:pPr marL="0" marR="0" lvl="0" indent="0" algn="l" defTabSz="914400" rtl="0" eaLnBrk="1" fontAlgn="auto" latinLnBrk="0" hangingPunct="1">
+                        <a:lnSpc>
+                          <a:spcPct val="100000"/>
+                        </a:lnSpc>
+                        <a:spcBef>
+                          <a:spcPts val="0"/>
+                        </a:spcBef>
+                        <a:spcAft>
+                          <a:spcPts val="0"/>
+                        </a:spcAft>
+                        <a:buClr>
+                          <a:srgbClr val="000000"/>
+                        </a:buClr>
+                        <a:buSzTx/>
+                        <a:buFont typeface="Arial"/>
+                        <a:buNone/>
+                        <a:tabLst/>
+                        <a:defRPr/>
+                      </a:pPr>
+                      <a:r>
+                        <a:rPr lang="en-US" sz="1800" dirty="0"/>
+                        <a:t>Entered 6 pizzas</a:t>
+                      </a:r>
+                    </a:p>
+                    <a:p>
+                      <a:pPr marL="0" lvl="0" indent="0" algn="l" rtl="0">
+                        <a:spcBef>
+                          <a:spcPts val="0"/>
+                        </a:spcBef>
+                        <a:spcAft>
+                          <a:spcPts val="0"/>
+                        </a:spcAft>
+                        <a:buNone/>
+                      </a:pPr>
+                      <a:endParaRPr sz="1800" dirty="0"/>
+                    </a:p>
+                  </a:txBody>
+                  <a:tcPr marL="91425" marR="91425" marT="91425" marB="91425"/>
+                </a:tc>
+                <a:tc>
+                  <a:txBody>
+                    <a:bodyPr/>
+                    <a:lstStyle/>
+                    <a:p>
+                      <a:pPr marL="0" lvl="0" indent="0" algn="l" rtl="0">
+                        <a:spcBef>
+                          <a:spcPts val="0"/>
+                        </a:spcBef>
+                        <a:spcAft>
+                          <a:spcPts val="0"/>
+                        </a:spcAft>
+                        <a:buNone/>
+                      </a:pPr>
+                      <a:r>
+                        <a:rPr lang="en-US" sz="1800" dirty="0"/>
+                        <a:t>Stepped through the menu choice 6 times</a:t>
+                      </a:r>
+                      <a:endParaRPr sz="1800" dirty="0"/>
+                    </a:p>
+                  </a:txBody>
+                  <a:tcPr marL="91425" marR="91425" marT="91425" marB="91425"/>
+                </a:tc>
+                <a:extLst>
+                  <a:ext uri="{0D108BD9-81ED-4DB2-BD59-A6C34878D82A}">
+                    <a16:rowId xmlns:a16="http://schemas.microsoft.com/office/drawing/2014/main" val="10001"/>
+                  </a:ext>
+                </a:extLst>
+              </a:tr>
+            </a:tbl>
+          </a:graphicData>
+        </a:graphic>
+      </p:graphicFrame>
+      <p:pic>
+        <p:nvPicPr>
+          <p:cNvPr id="2" name="Picture 1">
+            <a:extLst>
+              <a:ext uri="{FF2B5EF4-FFF2-40B4-BE49-F238E27FC236}">
+                <a16:creationId xmlns:a16="http://schemas.microsoft.com/office/drawing/2014/main" id="{3A4097AD-402C-ED5E-232E-7CE475547DB8}"/>
+              </a:ext>
+            </a:extLst>
+          </p:cNvPr>
+          <p:cNvPicPr>
+            <a:picLocks noChangeAspect="1"/>
+          </p:cNvPicPr>
+          <p:nvPr/>
+        </p:nvPicPr>
+        <p:blipFill>
+          <a:blip r:embed="rId3"/>
+          <a:stretch>
+            <a:fillRect/>
+          </a:stretch>
+        </p:blipFill>
+        <p:spPr>
+          <a:xfrm>
+            <a:off x="1267709" y="1017725"/>
+            <a:ext cx="2231036" cy="2163233"/>
+          </a:xfrm>
+          <a:prstGeom prst="rect">
+            <a:avLst/>
+          </a:prstGeom>
+        </p:spPr>
+      </p:pic>
+      <p:pic>
+        <p:nvPicPr>
+          <p:cNvPr id="3" name="Picture 2">
+            <a:extLst>
+              <a:ext uri="{FF2B5EF4-FFF2-40B4-BE49-F238E27FC236}">
+                <a16:creationId xmlns:a16="http://schemas.microsoft.com/office/drawing/2014/main" id="{6B576D70-A659-3FF6-2030-5D06B22ADE21}"/>
+              </a:ext>
+            </a:extLst>
+          </p:cNvPr>
+          <p:cNvPicPr>
+            <a:picLocks noChangeAspect="1"/>
+          </p:cNvPicPr>
+          <p:nvPr/>
+        </p:nvPicPr>
+        <p:blipFill>
+          <a:blip r:embed="rId4"/>
+          <a:stretch>
+            <a:fillRect/>
+          </a:stretch>
+        </p:blipFill>
+        <p:spPr>
+          <a:xfrm>
+            <a:off x="4174067" y="1017725"/>
+            <a:ext cx="4173230" cy="2061921"/>
+          </a:xfrm>
+          <a:prstGeom prst="rect">
+            <a:avLst/>
+          </a:prstGeom>
+        </p:spPr>
+      </p:pic>
+    </p:spTree>
+    <p:extLst>
+      <p:ext uri="{BB962C8B-B14F-4D97-AF65-F5344CB8AC3E}">
+        <p14:creationId xmlns:p14="http://schemas.microsoft.com/office/powerpoint/2010/main" val="4238012587"/>
+      </p:ext>
+    </p:extLst>
+  </p:cSld>
+  <p:clrMapOvr>
+    <a:masterClrMapping/>
+  </p:clrMapOvr>
+</p:sld>
+</file>
+
+<file path=ppt/slides/slide33.xml><?xml version="1.0" encoding="utf-8"?>
+<p:sld xmlns:a="http://schemas.openxmlformats.org/drawingml/2006/main" xmlns:r="http://schemas.openxmlformats.org/officeDocument/2006/relationships" xmlns:p="http://schemas.openxmlformats.org/presentationml/2006/main">
+  <p:cSld>
+    <p:spTree>
+      <p:nvGrpSpPr>
+        <p:cNvPr id="1" name="Shape 77"/>
+        <p:cNvGrpSpPr/>
+        <p:nvPr/>
+      </p:nvGrpSpPr>
+      <p:grpSpPr>
+        <a:xfrm>
+          <a:off x="0" y="0"/>
+          <a:ext cx="0" cy="0"/>
+          <a:chOff x="0" y="0"/>
+          <a:chExt cx="0" cy="0"/>
+        </a:xfrm>
+      </p:grpSpPr>
+      <p:sp>
+        <p:nvSpPr>
+          <p:cNvPr id="78" name="Google Shape;78;p17"/>
+          <p:cNvSpPr txBox="1">
+            <a:spLocks noGrp="1"/>
+          </p:cNvSpPr>
+          <p:nvPr>
+            <p:ph type="title"/>
+          </p:nvPr>
+        </p:nvSpPr>
+        <p:spPr>
+          <a:xfrm>
+            <a:off x="311700" y="445025"/>
+            <a:ext cx="8520600" cy="572700"/>
+          </a:xfrm>
+          <a:prstGeom prst="rect">
+            <a:avLst/>
+          </a:prstGeom>
+        </p:spPr>
+        <p:txBody>
+          <a:bodyPr spcFirstLastPara="1" wrap="square" lIns="91425" tIns="91425" rIns="91425" bIns="91425" anchor="t" anchorCtr="0">
+            <a:noAutofit/>
+          </a:bodyPr>
+          <a:lstStyle/>
+          <a:p>
+            <a:pPr marL="0" lvl="0" indent="0" algn="l" rtl="0">
+              <a:spcBef>
+                <a:spcPts val="0"/>
+              </a:spcBef>
+              <a:spcAft>
+                <a:spcPts val="0"/>
+              </a:spcAft>
+              <a:buNone/>
+            </a:pPr>
+            <a:r>
               <a:rPr lang="en" dirty="0"/>
               <a:t>Component  v - Test Plan (and screenshot)</a:t>
             </a:r>
@@ -17470,7 +17834,7 @@
 </p:sld>
 </file>
 
-<file path=ppt/slides/slide33.xml><?xml version="1.0" encoding="utf-8"?>
+<file path=ppt/slides/slide34.xml><?xml version="1.0" encoding="utf-8"?>
 <p:sld xmlns:a="http://schemas.openxmlformats.org/drawingml/2006/main" xmlns:r="http://schemas.openxmlformats.org/officeDocument/2006/relationships" xmlns:p="http://schemas.openxmlformats.org/presentationml/2006/main">
   <p:cSld>
     <p:bg>
@@ -17587,7 +17951,7 @@
 </p:sld>
 </file>
 
-<file path=ppt/slides/slide34.xml><?xml version="1.0" encoding="utf-8"?>
+<file path=ppt/slides/slide35.xml><?xml version="1.0" encoding="utf-8"?>
 <p:sld xmlns:a="http://schemas.openxmlformats.org/drawingml/2006/main" xmlns:r="http://schemas.openxmlformats.org/officeDocument/2006/relationships" xmlns:p="http://schemas.openxmlformats.org/presentationml/2006/main">
   <p:cSld>
     <p:bg>

--- a/Python.pptx
+++ b/Python.pptx
@@ -5,7 +5,7 @@
     <p:sldMasterId id="2147483659" r:id="rId1"/>
   </p:sldMasterIdLst>
   <p:notesMasterIdLst>
-    <p:notesMasterId r:id="rId37"/>
+    <p:notesMasterId r:id="rId42"/>
   </p:notesMasterIdLst>
   <p:sldIdLst>
     <p:sldId id="256" r:id="rId2"/>
@@ -40,9 +40,14 @@
     <p:sldId id="280" r:id="rId31"/>
     <p:sldId id="291" r:id="rId32"/>
     <p:sldId id="287" r:id="rId33"/>
-    <p:sldId id="288" r:id="rId34"/>
-    <p:sldId id="261" r:id="rId35"/>
-    <p:sldId id="262" r:id="rId36"/>
+    <p:sldId id="292" r:id="rId34"/>
+    <p:sldId id="288" r:id="rId35"/>
+    <p:sldId id="296" r:id="rId36"/>
+    <p:sldId id="295" r:id="rId37"/>
+    <p:sldId id="294" r:id="rId38"/>
+    <p:sldId id="293" r:id="rId39"/>
+    <p:sldId id="261" r:id="rId40"/>
+    <p:sldId id="262" r:id="rId41"/>
   </p:sldIdLst>
   <p:sldSz cx="9144000" cy="5143500" type="screen16x9"/>
   <p:notesSz cx="6858000" cy="9144000"/>
@@ -297,7 +302,7 @@
 <file path=ppt/revisionInfo.xml><?xml version="1.0" encoding="utf-8"?>
 <p1510:revInfo xmlns:a="http://schemas.openxmlformats.org/drawingml/2006/main" xmlns:r="http://schemas.openxmlformats.org/officeDocument/2006/relationships" xmlns:p1510="http://schemas.microsoft.com/office/powerpoint/2015/10/main">
   <p1510:revLst>
-    <p1510:client id="{268579DD-9F3E-DD42-ADBD-2C5BCBEBF3D0}" v="95" dt="2023-05-14T21:35:00.656"/>
+    <p1510:client id="{268579DD-9F3E-DD42-ADBD-2C5BCBEBF3D0}" v="99" dt="2023-05-16T02:51:24.354"/>
   </p1510:revLst>
 </p1510:revInfo>
 </file>
@@ -307,7 +312,7 @@
   <pc:docChgLst>
     <pc:chgData name="Kaitlin Eustaquio" userId="1db1b819-5a69-4e28-a1f3-107bdd323ba9" providerId="ADAL" clId="{268579DD-9F3E-DD42-ADBD-2C5BCBEBF3D0}"/>
     <pc:docChg chg="undo redo custSel addSld delSld modSld sldOrd">
-      <pc:chgData name="Kaitlin Eustaquio" userId="1db1b819-5a69-4e28-a1f3-107bdd323ba9" providerId="ADAL" clId="{268579DD-9F3E-DD42-ADBD-2C5BCBEBF3D0}" dt="2023-05-14T21:39:36.218" v="2107" actId="20577"/>
+      <pc:chgData name="Kaitlin Eustaquio" userId="1db1b819-5a69-4e28-a1f3-107bdd323ba9" providerId="ADAL" clId="{268579DD-9F3E-DD42-ADBD-2C5BCBEBF3D0}" dt="2023-05-16T02:52:18.608" v="2432" actId="20577"/>
       <pc:docMkLst>
         <pc:docMk/>
       </pc:docMkLst>
@@ -1597,6 +1602,81 @@
           </ac:picMkLst>
         </pc:picChg>
       </pc:sldChg>
+      <pc:sldChg chg="addSp delSp modSp add mod ord">
+        <pc:chgData name="Kaitlin Eustaquio" userId="1db1b819-5a69-4e28-a1f3-107bdd323ba9" providerId="ADAL" clId="{268579DD-9F3E-DD42-ADBD-2C5BCBEBF3D0}" dt="2023-05-16T02:30:09.880" v="2114" actId="1076"/>
+        <pc:sldMkLst>
+          <pc:docMk/>
+          <pc:sldMk cId="1440993590" sldId="292"/>
+        </pc:sldMkLst>
+        <pc:picChg chg="del">
+          <ac:chgData name="Kaitlin Eustaquio" userId="1db1b819-5a69-4e28-a1f3-107bdd323ba9" providerId="ADAL" clId="{268579DD-9F3E-DD42-ADBD-2C5BCBEBF3D0}" dt="2023-05-16T02:30:05.384" v="2110" actId="478"/>
+          <ac:picMkLst>
+            <pc:docMk/>
+            <pc:sldMk cId="1440993590" sldId="292"/>
+            <ac:picMk id="2" creationId="{24692111-2576-0306-C59B-5AA681C43897}"/>
+          </ac:picMkLst>
+        </pc:picChg>
+        <pc:picChg chg="add mod">
+          <ac:chgData name="Kaitlin Eustaquio" userId="1db1b819-5a69-4e28-a1f3-107bdd323ba9" providerId="ADAL" clId="{268579DD-9F3E-DD42-ADBD-2C5BCBEBF3D0}" dt="2023-05-16T02:30:09.880" v="2114" actId="1076"/>
+          <ac:picMkLst>
+            <pc:docMk/>
+            <pc:sldMk cId="1440993590" sldId="292"/>
+            <ac:picMk id="3" creationId="{C97ED042-3250-119B-D71A-D56AD12CC0C9}"/>
+          </ac:picMkLst>
+        </pc:picChg>
+      </pc:sldChg>
+      <pc:sldChg chg="add">
+        <pc:chgData name="Kaitlin Eustaquio" userId="1db1b819-5a69-4e28-a1f3-107bdd323ba9" providerId="ADAL" clId="{268579DD-9F3E-DD42-ADBD-2C5BCBEBF3D0}" dt="2023-05-16T02:30:12.385" v="2115" actId="2890"/>
+        <pc:sldMkLst>
+          <pc:docMk/>
+          <pc:sldMk cId="3398702849" sldId="293"/>
+        </pc:sldMkLst>
+      </pc:sldChg>
+      <pc:sldChg chg="add">
+        <pc:chgData name="Kaitlin Eustaquio" userId="1db1b819-5a69-4e28-a1f3-107bdd323ba9" providerId="ADAL" clId="{268579DD-9F3E-DD42-ADBD-2C5BCBEBF3D0}" dt="2023-05-16T02:30:14.126" v="2116" actId="2890"/>
+        <pc:sldMkLst>
+          <pc:docMk/>
+          <pc:sldMk cId="1700163231" sldId="294"/>
+        </pc:sldMkLst>
+      </pc:sldChg>
+      <pc:sldChg chg="add">
+        <pc:chgData name="Kaitlin Eustaquio" userId="1db1b819-5a69-4e28-a1f3-107bdd323ba9" providerId="ADAL" clId="{268579DD-9F3E-DD42-ADBD-2C5BCBEBF3D0}" dt="2023-05-16T02:30:40.172" v="2117" actId="2890"/>
+        <pc:sldMkLst>
+          <pc:docMk/>
+          <pc:sldMk cId="2337919152" sldId="295"/>
+        </pc:sldMkLst>
+      </pc:sldChg>
+      <pc:sldChg chg="addSp modSp add mod">
+        <pc:chgData name="Kaitlin Eustaquio" userId="1db1b819-5a69-4e28-a1f3-107bdd323ba9" providerId="ADAL" clId="{268579DD-9F3E-DD42-ADBD-2C5BCBEBF3D0}" dt="2023-05-16T02:52:18.608" v="2432" actId="20577"/>
+        <pc:sldMkLst>
+          <pc:docMk/>
+          <pc:sldMk cId="839176086" sldId="296"/>
+        </pc:sldMkLst>
+        <pc:graphicFrameChg chg="mod modGraphic">
+          <ac:chgData name="Kaitlin Eustaquio" userId="1db1b819-5a69-4e28-a1f3-107bdd323ba9" providerId="ADAL" clId="{268579DD-9F3E-DD42-ADBD-2C5BCBEBF3D0}" dt="2023-05-16T02:52:18.608" v="2432" actId="20577"/>
+          <ac:graphicFrameMkLst>
+            <pc:docMk/>
+            <pc:sldMk cId="839176086" sldId="296"/>
+            <ac:graphicFrameMk id="79" creationId="{00000000-0000-0000-0000-000000000000}"/>
+          </ac:graphicFrameMkLst>
+        </pc:graphicFrameChg>
+        <pc:picChg chg="add mod">
+          <ac:chgData name="Kaitlin Eustaquio" userId="1db1b819-5a69-4e28-a1f3-107bdd323ba9" providerId="ADAL" clId="{268579DD-9F3E-DD42-ADBD-2C5BCBEBF3D0}" dt="2023-05-16T02:46:55.584" v="2121" actId="1076"/>
+          <ac:picMkLst>
+            <pc:docMk/>
+            <pc:sldMk cId="839176086" sldId="296"/>
+            <ac:picMk id="2" creationId="{70C9E6F6-3762-3950-6471-9B63E843D96F}"/>
+          </ac:picMkLst>
+        </pc:picChg>
+        <pc:picChg chg="add mod">
+          <ac:chgData name="Kaitlin Eustaquio" userId="1db1b819-5a69-4e28-a1f3-107bdd323ba9" providerId="ADAL" clId="{268579DD-9F3E-DD42-ADBD-2C5BCBEBF3D0}" dt="2023-05-16T02:48:06.990" v="2124" actId="1076"/>
+          <ac:picMkLst>
+            <pc:docMk/>
+            <pc:sldMk cId="839176086" sldId="296"/>
+            <ac:picMk id="3" creationId="{0CD4E232-D441-1E34-6100-A444C96D1F3A}"/>
+          </ac:picMkLst>
+        </pc:picChg>
+      </pc:sldChg>
     </pc:docChg>
   </pc:docChgLst>
 </pc:chgInfo>
@@ -4892,6 +4972,115 @@
   <p:cSld>
     <p:spTree>
       <p:nvGrpSpPr>
+        <p:cNvPr id="1" name="Shape 69"/>
+        <p:cNvGrpSpPr/>
+        <p:nvPr/>
+      </p:nvGrpSpPr>
+      <p:grpSpPr>
+        <a:xfrm>
+          <a:off x="0" y="0"/>
+          <a:ext cx="0" cy="0"/>
+          <a:chOff x="0" y="0"/>
+          <a:chExt cx="0" cy="0"/>
+        </a:xfrm>
+      </p:grpSpPr>
+      <p:sp>
+        <p:nvSpPr>
+          <p:cNvPr id="70" name="Google Shape;70;gac10fef634_0_16:notes"/>
+          <p:cNvSpPr>
+            <a:spLocks noGrp="1" noRot="1" noChangeAspect="1"/>
+          </p:cNvSpPr>
+          <p:nvPr>
+            <p:ph type="sldImg" idx="2"/>
+          </p:nvPr>
+        </p:nvSpPr>
+        <p:spPr>
+          <a:xfrm>
+            <a:off x="381000" y="685800"/>
+            <a:ext cx="6096000" cy="3429000"/>
+          </a:xfrm>
+          <a:custGeom>
+            <a:avLst/>
+            <a:gdLst/>
+            <a:ahLst/>
+            <a:cxnLst/>
+            <a:rect l="l" t="t" r="r" b="b"/>
+            <a:pathLst>
+              <a:path w="120000" h="120000" extrusionOk="0">
+                <a:moveTo>
+                  <a:pt x="0" y="0"/>
+                </a:moveTo>
+                <a:lnTo>
+                  <a:pt x="120000" y="0"/>
+                </a:lnTo>
+                <a:lnTo>
+                  <a:pt x="120000" y="120000"/>
+                </a:lnTo>
+                <a:lnTo>
+                  <a:pt x="0" y="120000"/>
+                </a:lnTo>
+                <a:close/>
+              </a:path>
+            </a:pathLst>
+          </a:custGeom>
+        </p:spPr>
+      </p:sp>
+      <p:sp>
+        <p:nvSpPr>
+          <p:cNvPr id="71" name="Google Shape;71;gac10fef634_0_16:notes"/>
+          <p:cNvSpPr txBox="1">
+            <a:spLocks noGrp="1"/>
+          </p:cNvSpPr>
+          <p:nvPr>
+            <p:ph type="body" idx="1"/>
+          </p:nvPr>
+        </p:nvSpPr>
+        <p:spPr>
+          <a:xfrm>
+            <a:off x="685800" y="4343400"/>
+            <a:ext cx="5486400" cy="4114800"/>
+          </a:xfrm>
+          <a:prstGeom prst="rect">
+            <a:avLst/>
+          </a:prstGeom>
+        </p:spPr>
+        <p:txBody>
+          <a:bodyPr spcFirstLastPara="1" wrap="square" lIns="91425" tIns="91425" rIns="91425" bIns="91425" anchor="t" anchorCtr="0">
+            <a:noAutofit/>
+          </a:bodyPr>
+          <a:lstStyle/>
+          <a:p>
+            <a:pPr marL="0" lvl="0" indent="0" algn="l" rtl="0">
+              <a:spcBef>
+                <a:spcPts val="0"/>
+              </a:spcBef>
+              <a:spcAft>
+                <a:spcPts val="0"/>
+              </a:spcAft>
+              <a:buNone/>
+            </a:pPr>
+            <a:endParaRPr/>
+          </a:p>
+        </p:txBody>
+      </p:sp>
+    </p:spTree>
+    <p:extLst>
+      <p:ext uri="{BB962C8B-B14F-4D97-AF65-F5344CB8AC3E}">
+        <p14:creationId xmlns:p14="http://schemas.microsoft.com/office/powerpoint/2010/main" val="1999037407"/>
+      </p:ext>
+    </p:extLst>
+  </p:cSld>
+  <p:clrMapOvr>
+    <a:masterClrMapping/>
+  </p:clrMapOvr>
+</p:notes>
+</file>
+
+<file path=ppt/notesSlides/notesSlide34.xml><?xml version="1.0" encoding="utf-8"?>
+<p:notes xmlns:a="http://schemas.openxmlformats.org/drawingml/2006/main" xmlns:r="http://schemas.openxmlformats.org/officeDocument/2006/relationships" xmlns:p="http://schemas.openxmlformats.org/presentationml/2006/main" showMasterSp="0" showMasterPhAnim="0">
+  <p:cSld>
+    <p:spTree>
+      <p:nvGrpSpPr>
         <p:cNvPr id="1" name="Shape 74"/>
         <p:cNvGrpSpPr/>
         <p:nvPr/>
@@ -4996,7 +5185,443 @@
 </p:notes>
 </file>
 
-<file path=ppt/notesSlides/notesSlide34.xml><?xml version="1.0" encoding="utf-8"?>
+<file path=ppt/notesSlides/notesSlide35.xml><?xml version="1.0" encoding="utf-8"?>
+<p:notes xmlns:a="http://schemas.openxmlformats.org/drawingml/2006/main" xmlns:r="http://schemas.openxmlformats.org/officeDocument/2006/relationships" xmlns:p="http://schemas.openxmlformats.org/presentationml/2006/main" showMasterSp="0" showMasterPhAnim="0">
+  <p:cSld>
+    <p:spTree>
+      <p:nvGrpSpPr>
+        <p:cNvPr id="1" name="Shape 74"/>
+        <p:cNvGrpSpPr/>
+        <p:nvPr/>
+      </p:nvGrpSpPr>
+      <p:grpSpPr>
+        <a:xfrm>
+          <a:off x="0" y="0"/>
+          <a:ext cx="0" cy="0"/>
+          <a:chOff x="0" y="0"/>
+          <a:chExt cx="0" cy="0"/>
+        </a:xfrm>
+      </p:grpSpPr>
+      <p:sp>
+        <p:nvSpPr>
+          <p:cNvPr id="75" name="Google Shape;75;gac10fef634_0_20:notes"/>
+          <p:cNvSpPr>
+            <a:spLocks noGrp="1" noRot="1" noChangeAspect="1"/>
+          </p:cNvSpPr>
+          <p:nvPr>
+            <p:ph type="sldImg" idx="2"/>
+          </p:nvPr>
+        </p:nvSpPr>
+        <p:spPr>
+          <a:xfrm>
+            <a:off x="381000" y="685800"/>
+            <a:ext cx="6096000" cy="3429000"/>
+          </a:xfrm>
+          <a:custGeom>
+            <a:avLst/>
+            <a:gdLst/>
+            <a:ahLst/>
+            <a:cxnLst/>
+            <a:rect l="l" t="t" r="r" b="b"/>
+            <a:pathLst>
+              <a:path w="120000" h="120000" extrusionOk="0">
+                <a:moveTo>
+                  <a:pt x="0" y="0"/>
+                </a:moveTo>
+                <a:lnTo>
+                  <a:pt x="120000" y="0"/>
+                </a:lnTo>
+                <a:lnTo>
+                  <a:pt x="120000" y="120000"/>
+                </a:lnTo>
+                <a:lnTo>
+                  <a:pt x="0" y="120000"/>
+                </a:lnTo>
+                <a:close/>
+              </a:path>
+            </a:pathLst>
+          </a:custGeom>
+        </p:spPr>
+      </p:sp>
+      <p:sp>
+        <p:nvSpPr>
+          <p:cNvPr id="76" name="Google Shape;76;gac10fef634_0_20:notes"/>
+          <p:cNvSpPr txBox="1">
+            <a:spLocks noGrp="1"/>
+          </p:cNvSpPr>
+          <p:nvPr>
+            <p:ph type="body" idx="1"/>
+          </p:nvPr>
+        </p:nvSpPr>
+        <p:spPr>
+          <a:xfrm>
+            <a:off x="685800" y="4343400"/>
+            <a:ext cx="5486400" cy="4114800"/>
+          </a:xfrm>
+          <a:prstGeom prst="rect">
+            <a:avLst/>
+          </a:prstGeom>
+        </p:spPr>
+        <p:txBody>
+          <a:bodyPr spcFirstLastPara="1" wrap="square" lIns="91425" tIns="91425" rIns="91425" bIns="91425" anchor="t" anchorCtr="0">
+            <a:noAutofit/>
+          </a:bodyPr>
+          <a:lstStyle/>
+          <a:p>
+            <a:pPr marL="0" lvl="0" indent="0" algn="l" rtl="0">
+              <a:spcBef>
+                <a:spcPts val="0"/>
+              </a:spcBef>
+              <a:spcAft>
+                <a:spcPts val="0"/>
+              </a:spcAft>
+              <a:buNone/>
+            </a:pPr>
+            <a:endParaRPr/>
+          </a:p>
+        </p:txBody>
+      </p:sp>
+    </p:spTree>
+    <p:extLst>
+      <p:ext uri="{BB962C8B-B14F-4D97-AF65-F5344CB8AC3E}">
+        <p14:creationId xmlns:p14="http://schemas.microsoft.com/office/powerpoint/2010/main" val="3132619895"/>
+      </p:ext>
+    </p:extLst>
+  </p:cSld>
+  <p:clrMapOvr>
+    <a:masterClrMapping/>
+  </p:clrMapOvr>
+</p:notes>
+</file>
+
+<file path=ppt/notesSlides/notesSlide36.xml><?xml version="1.0" encoding="utf-8"?>
+<p:notes xmlns:a="http://schemas.openxmlformats.org/drawingml/2006/main" xmlns:r="http://schemas.openxmlformats.org/officeDocument/2006/relationships" xmlns:p="http://schemas.openxmlformats.org/presentationml/2006/main" showMasterSp="0" showMasterPhAnim="0">
+  <p:cSld>
+    <p:spTree>
+      <p:nvGrpSpPr>
+        <p:cNvPr id="1" name="Shape 74"/>
+        <p:cNvGrpSpPr/>
+        <p:nvPr/>
+      </p:nvGrpSpPr>
+      <p:grpSpPr>
+        <a:xfrm>
+          <a:off x="0" y="0"/>
+          <a:ext cx="0" cy="0"/>
+          <a:chOff x="0" y="0"/>
+          <a:chExt cx="0" cy="0"/>
+        </a:xfrm>
+      </p:grpSpPr>
+      <p:sp>
+        <p:nvSpPr>
+          <p:cNvPr id="75" name="Google Shape;75;gac10fef634_0_20:notes"/>
+          <p:cNvSpPr>
+            <a:spLocks noGrp="1" noRot="1" noChangeAspect="1"/>
+          </p:cNvSpPr>
+          <p:nvPr>
+            <p:ph type="sldImg" idx="2"/>
+          </p:nvPr>
+        </p:nvSpPr>
+        <p:spPr>
+          <a:xfrm>
+            <a:off x="381000" y="685800"/>
+            <a:ext cx="6096000" cy="3429000"/>
+          </a:xfrm>
+          <a:custGeom>
+            <a:avLst/>
+            <a:gdLst/>
+            <a:ahLst/>
+            <a:cxnLst/>
+            <a:rect l="l" t="t" r="r" b="b"/>
+            <a:pathLst>
+              <a:path w="120000" h="120000" extrusionOk="0">
+                <a:moveTo>
+                  <a:pt x="0" y="0"/>
+                </a:moveTo>
+                <a:lnTo>
+                  <a:pt x="120000" y="0"/>
+                </a:lnTo>
+                <a:lnTo>
+                  <a:pt x="120000" y="120000"/>
+                </a:lnTo>
+                <a:lnTo>
+                  <a:pt x="0" y="120000"/>
+                </a:lnTo>
+                <a:close/>
+              </a:path>
+            </a:pathLst>
+          </a:custGeom>
+        </p:spPr>
+      </p:sp>
+      <p:sp>
+        <p:nvSpPr>
+          <p:cNvPr id="76" name="Google Shape;76;gac10fef634_0_20:notes"/>
+          <p:cNvSpPr txBox="1">
+            <a:spLocks noGrp="1"/>
+          </p:cNvSpPr>
+          <p:nvPr>
+            <p:ph type="body" idx="1"/>
+          </p:nvPr>
+        </p:nvSpPr>
+        <p:spPr>
+          <a:xfrm>
+            <a:off x="685800" y="4343400"/>
+            <a:ext cx="5486400" cy="4114800"/>
+          </a:xfrm>
+          <a:prstGeom prst="rect">
+            <a:avLst/>
+          </a:prstGeom>
+        </p:spPr>
+        <p:txBody>
+          <a:bodyPr spcFirstLastPara="1" wrap="square" lIns="91425" tIns="91425" rIns="91425" bIns="91425" anchor="t" anchorCtr="0">
+            <a:noAutofit/>
+          </a:bodyPr>
+          <a:lstStyle/>
+          <a:p>
+            <a:pPr marL="0" lvl="0" indent="0" algn="l" rtl="0">
+              <a:spcBef>
+                <a:spcPts val="0"/>
+              </a:spcBef>
+              <a:spcAft>
+                <a:spcPts val="0"/>
+              </a:spcAft>
+              <a:buNone/>
+            </a:pPr>
+            <a:endParaRPr/>
+          </a:p>
+        </p:txBody>
+      </p:sp>
+    </p:spTree>
+    <p:extLst>
+      <p:ext uri="{BB962C8B-B14F-4D97-AF65-F5344CB8AC3E}">
+        <p14:creationId xmlns:p14="http://schemas.microsoft.com/office/powerpoint/2010/main" val="2482371115"/>
+      </p:ext>
+    </p:extLst>
+  </p:cSld>
+  <p:clrMapOvr>
+    <a:masterClrMapping/>
+  </p:clrMapOvr>
+</p:notes>
+</file>
+
+<file path=ppt/notesSlides/notesSlide37.xml><?xml version="1.0" encoding="utf-8"?>
+<p:notes xmlns:a="http://schemas.openxmlformats.org/drawingml/2006/main" xmlns:r="http://schemas.openxmlformats.org/officeDocument/2006/relationships" xmlns:p="http://schemas.openxmlformats.org/presentationml/2006/main" showMasterSp="0" showMasterPhAnim="0">
+  <p:cSld>
+    <p:spTree>
+      <p:nvGrpSpPr>
+        <p:cNvPr id="1" name="Shape 74"/>
+        <p:cNvGrpSpPr/>
+        <p:nvPr/>
+      </p:nvGrpSpPr>
+      <p:grpSpPr>
+        <a:xfrm>
+          <a:off x="0" y="0"/>
+          <a:ext cx="0" cy="0"/>
+          <a:chOff x="0" y="0"/>
+          <a:chExt cx="0" cy="0"/>
+        </a:xfrm>
+      </p:grpSpPr>
+      <p:sp>
+        <p:nvSpPr>
+          <p:cNvPr id="75" name="Google Shape;75;gac10fef634_0_20:notes"/>
+          <p:cNvSpPr>
+            <a:spLocks noGrp="1" noRot="1" noChangeAspect="1"/>
+          </p:cNvSpPr>
+          <p:nvPr>
+            <p:ph type="sldImg" idx="2"/>
+          </p:nvPr>
+        </p:nvSpPr>
+        <p:spPr>
+          <a:xfrm>
+            <a:off x="381000" y="685800"/>
+            <a:ext cx="6096000" cy="3429000"/>
+          </a:xfrm>
+          <a:custGeom>
+            <a:avLst/>
+            <a:gdLst/>
+            <a:ahLst/>
+            <a:cxnLst/>
+            <a:rect l="l" t="t" r="r" b="b"/>
+            <a:pathLst>
+              <a:path w="120000" h="120000" extrusionOk="0">
+                <a:moveTo>
+                  <a:pt x="0" y="0"/>
+                </a:moveTo>
+                <a:lnTo>
+                  <a:pt x="120000" y="0"/>
+                </a:lnTo>
+                <a:lnTo>
+                  <a:pt x="120000" y="120000"/>
+                </a:lnTo>
+                <a:lnTo>
+                  <a:pt x="0" y="120000"/>
+                </a:lnTo>
+                <a:close/>
+              </a:path>
+            </a:pathLst>
+          </a:custGeom>
+        </p:spPr>
+      </p:sp>
+      <p:sp>
+        <p:nvSpPr>
+          <p:cNvPr id="76" name="Google Shape;76;gac10fef634_0_20:notes"/>
+          <p:cNvSpPr txBox="1">
+            <a:spLocks noGrp="1"/>
+          </p:cNvSpPr>
+          <p:nvPr>
+            <p:ph type="body" idx="1"/>
+          </p:nvPr>
+        </p:nvSpPr>
+        <p:spPr>
+          <a:xfrm>
+            <a:off x="685800" y="4343400"/>
+            <a:ext cx="5486400" cy="4114800"/>
+          </a:xfrm>
+          <a:prstGeom prst="rect">
+            <a:avLst/>
+          </a:prstGeom>
+        </p:spPr>
+        <p:txBody>
+          <a:bodyPr spcFirstLastPara="1" wrap="square" lIns="91425" tIns="91425" rIns="91425" bIns="91425" anchor="t" anchorCtr="0">
+            <a:noAutofit/>
+          </a:bodyPr>
+          <a:lstStyle/>
+          <a:p>
+            <a:pPr marL="0" lvl="0" indent="0" algn="l" rtl="0">
+              <a:spcBef>
+                <a:spcPts val="0"/>
+              </a:spcBef>
+              <a:spcAft>
+                <a:spcPts val="0"/>
+              </a:spcAft>
+              <a:buNone/>
+            </a:pPr>
+            <a:endParaRPr/>
+          </a:p>
+        </p:txBody>
+      </p:sp>
+    </p:spTree>
+    <p:extLst>
+      <p:ext uri="{BB962C8B-B14F-4D97-AF65-F5344CB8AC3E}">
+        <p14:creationId xmlns:p14="http://schemas.microsoft.com/office/powerpoint/2010/main" val="309023036"/>
+      </p:ext>
+    </p:extLst>
+  </p:cSld>
+  <p:clrMapOvr>
+    <a:masterClrMapping/>
+  </p:clrMapOvr>
+</p:notes>
+</file>
+
+<file path=ppt/notesSlides/notesSlide38.xml><?xml version="1.0" encoding="utf-8"?>
+<p:notes xmlns:a="http://schemas.openxmlformats.org/drawingml/2006/main" xmlns:r="http://schemas.openxmlformats.org/officeDocument/2006/relationships" xmlns:p="http://schemas.openxmlformats.org/presentationml/2006/main" showMasterSp="0" showMasterPhAnim="0">
+  <p:cSld>
+    <p:spTree>
+      <p:nvGrpSpPr>
+        <p:cNvPr id="1" name="Shape 74"/>
+        <p:cNvGrpSpPr/>
+        <p:nvPr/>
+      </p:nvGrpSpPr>
+      <p:grpSpPr>
+        <a:xfrm>
+          <a:off x="0" y="0"/>
+          <a:ext cx="0" cy="0"/>
+          <a:chOff x="0" y="0"/>
+          <a:chExt cx="0" cy="0"/>
+        </a:xfrm>
+      </p:grpSpPr>
+      <p:sp>
+        <p:nvSpPr>
+          <p:cNvPr id="75" name="Google Shape;75;gac10fef634_0_20:notes"/>
+          <p:cNvSpPr>
+            <a:spLocks noGrp="1" noRot="1" noChangeAspect="1"/>
+          </p:cNvSpPr>
+          <p:nvPr>
+            <p:ph type="sldImg" idx="2"/>
+          </p:nvPr>
+        </p:nvSpPr>
+        <p:spPr>
+          <a:xfrm>
+            <a:off x="381000" y="685800"/>
+            <a:ext cx="6096000" cy="3429000"/>
+          </a:xfrm>
+          <a:custGeom>
+            <a:avLst/>
+            <a:gdLst/>
+            <a:ahLst/>
+            <a:cxnLst/>
+            <a:rect l="l" t="t" r="r" b="b"/>
+            <a:pathLst>
+              <a:path w="120000" h="120000" extrusionOk="0">
+                <a:moveTo>
+                  <a:pt x="0" y="0"/>
+                </a:moveTo>
+                <a:lnTo>
+                  <a:pt x="120000" y="0"/>
+                </a:lnTo>
+                <a:lnTo>
+                  <a:pt x="120000" y="120000"/>
+                </a:lnTo>
+                <a:lnTo>
+                  <a:pt x="0" y="120000"/>
+                </a:lnTo>
+                <a:close/>
+              </a:path>
+            </a:pathLst>
+          </a:custGeom>
+        </p:spPr>
+      </p:sp>
+      <p:sp>
+        <p:nvSpPr>
+          <p:cNvPr id="76" name="Google Shape;76;gac10fef634_0_20:notes"/>
+          <p:cNvSpPr txBox="1">
+            <a:spLocks noGrp="1"/>
+          </p:cNvSpPr>
+          <p:nvPr>
+            <p:ph type="body" idx="1"/>
+          </p:nvPr>
+        </p:nvSpPr>
+        <p:spPr>
+          <a:xfrm>
+            <a:off x="685800" y="4343400"/>
+            <a:ext cx="5486400" cy="4114800"/>
+          </a:xfrm>
+          <a:prstGeom prst="rect">
+            <a:avLst/>
+          </a:prstGeom>
+        </p:spPr>
+        <p:txBody>
+          <a:bodyPr spcFirstLastPara="1" wrap="square" lIns="91425" tIns="91425" rIns="91425" bIns="91425" anchor="t" anchorCtr="0">
+            <a:noAutofit/>
+          </a:bodyPr>
+          <a:lstStyle/>
+          <a:p>
+            <a:pPr marL="0" lvl="0" indent="0" algn="l" rtl="0">
+              <a:spcBef>
+                <a:spcPts val="0"/>
+              </a:spcBef>
+              <a:spcAft>
+                <a:spcPts val="0"/>
+              </a:spcAft>
+              <a:buNone/>
+            </a:pPr>
+            <a:endParaRPr/>
+          </a:p>
+        </p:txBody>
+      </p:sp>
+    </p:spTree>
+    <p:extLst>
+      <p:ext uri="{BB962C8B-B14F-4D97-AF65-F5344CB8AC3E}">
+        <p14:creationId xmlns:p14="http://schemas.microsoft.com/office/powerpoint/2010/main" val="3651148150"/>
+      </p:ext>
+    </p:extLst>
+  </p:cSld>
+  <p:clrMapOvr>
+    <a:masterClrMapping/>
+  </p:clrMapOvr>
+</p:notes>
+</file>
+
+<file path=ppt/notesSlides/notesSlide39.xml><?xml version="1.0" encoding="utf-8"?>
 <p:notes xmlns:a="http://schemas.openxmlformats.org/drawingml/2006/main" xmlns:r="http://schemas.openxmlformats.org/officeDocument/2006/relationships" xmlns:p="http://schemas.openxmlformats.org/presentationml/2006/main" showMasterSp="0" showMasterPhAnim="0">
   <p:cSld>
     <p:spTree>
@@ -5109,114 +5734,6 @@
               </a:spcAft>
               <a:buNone/>
             </a:pPr>
-            <a:endParaRPr/>
-          </a:p>
-        </p:txBody>
-      </p:sp>
-    </p:spTree>
-  </p:cSld>
-  <p:clrMapOvr>
-    <a:masterClrMapping/>
-  </p:clrMapOvr>
-</p:notes>
-</file>
-
-<file path=ppt/notesSlides/notesSlide35.xml><?xml version="1.0" encoding="utf-8"?>
-<p:notes xmlns:a="http://schemas.openxmlformats.org/drawingml/2006/main" xmlns:r="http://schemas.openxmlformats.org/officeDocument/2006/relationships" xmlns:p="http://schemas.openxmlformats.org/presentationml/2006/main" showMasterSp="0" showMasterPhAnim="0">
-  <p:cSld>
-    <p:spTree>
-      <p:nvGrpSpPr>
-        <p:cNvPr id="1" name="Shape 86"/>
-        <p:cNvGrpSpPr/>
-        <p:nvPr/>
-      </p:nvGrpSpPr>
-      <p:grpSpPr>
-        <a:xfrm>
-          <a:off x="0" y="0"/>
-          <a:ext cx="0" cy="0"/>
-          <a:chOff x="0" y="0"/>
-          <a:chExt cx="0" cy="0"/>
-        </a:xfrm>
-      </p:grpSpPr>
-      <p:sp>
-        <p:nvSpPr>
-          <p:cNvPr id="87" name="Google Shape;87;gac10fef634_0_30:notes"/>
-          <p:cNvSpPr>
-            <a:spLocks noGrp="1" noRot="1" noChangeAspect="1"/>
-          </p:cNvSpPr>
-          <p:nvPr>
-            <p:ph type="sldImg" idx="2"/>
-          </p:nvPr>
-        </p:nvSpPr>
-        <p:spPr>
-          <a:xfrm>
-            <a:off x="381000" y="685800"/>
-            <a:ext cx="6096000" cy="3429000"/>
-          </a:xfrm>
-          <a:custGeom>
-            <a:avLst/>
-            <a:gdLst/>
-            <a:ahLst/>
-            <a:cxnLst/>
-            <a:rect l="l" t="t" r="r" b="b"/>
-            <a:pathLst>
-              <a:path w="120000" h="120000" extrusionOk="0">
-                <a:moveTo>
-                  <a:pt x="0" y="0"/>
-                </a:moveTo>
-                <a:lnTo>
-                  <a:pt x="120000" y="0"/>
-                </a:lnTo>
-                <a:lnTo>
-                  <a:pt x="120000" y="120000"/>
-                </a:lnTo>
-                <a:lnTo>
-                  <a:pt x="0" y="120000"/>
-                </a:lnTo>
-                <a:close/>
-              </a:path>
-            </a:pathLst>
-          </a:custGeom>
-        </p:spPr>
-      </p:sp>
-      <p:sp>
-        <p:nvSpPr>
-          <p:cNvPr id="88" name="Google Shape;88;gac10fef634_0_30:notes"/>
-          <p:cNvSpPr txBox="1">
-            <a:spLocks noGrp="1"/>
-          </p:cNvSpPr>
-          <p:nvPr>
-            <p:ph type="body" idx="1"/>
-          </p:nvPr>
-        </p:nvSpPr>
-        <p:spPr>
-          <a:xfrm>
-            <a:off x="685800" y="4343400"/>
-            <a:ext cx="5486400" cy="4114800"/>
-          </a:xfrm>
-          <a:prstGeom prst="rect">
-            <a:avLst/>
-          </a:prstGeom>
-        </p:spPr>
-        <p:txBody>
-          <a:bodyPr spcFirstLastPara="1" wrap="square" lIns="91425" tIns="91425" rIns="91425" bIns="91425" anchor="t" anchorCtr="0">
-            <a:noAutofit/>
-          </a:bodyPr>
-          <a:lstStyle/>
-          <a:p>
-            <a:pPr marL="0" lvl="0" indent="0" algn="l" rtl="0">
-              <a:spcBef>
-                <a:spcPts val="0"/>
-              </a:spcBef>
-              <a:spcAft>
-                <a:spcPts val="0"/>
-              </a:spcAft>
-              <a:buNone/>
-            </a:pPr>
-            <a:r>
-              <a:rPr lang="en"/>
-              <a:t>Discusses how the information from planning, testing and trialling of components assisted in the development of a high-quality outcome</a:t>
-            </a:r>
             <a:endParaRPr/>
           </a:p>
         </p:txBody>
@@ -5321,6 +5838,114 @@
               </a:spcAft>
               <a:buNone/>
             </a:pPr>
+            <a:endParaRPr/>
+          </a:p>
+        </p:txBody>
+      </p:sp>
+    </p:spTree>
+  </p:cSld>
+  <p:clrMapOvr>
+    <a:masterClrMapping/>
+  </p:clrMapOvr>
+</p:notes>
+</file>
+
+<file path=ppt/notesSlides/notesSlide40.xml><?xml version="1.0" encoding="utf-8"?>
+<p:notes xmlns:a="http://schemas.openxmlformats.org/drawingml/2006/main" xmlns:r="http://schemas.openxmlformats.org/officeDocument/2006/relationships" xmlns:p="http://schemas.openxmlformats.org/presentationml/2006/main" showMasterSp="0" showMasterPhAnim="0">
+  <p:cSld>
+    <p:spTree>
+      <p:nvGrpSpPr>
+        <p:cNvPr id="1" name="Shape 86"/>
+        <p:cNvGrpSpPr/>
+        <p:nvPr/>
+      </p:nvGrpSpPr>
+      <p:grpSpPr>
+        <a:xfrm>
+          <a:off x="0" y="0"/>
+          <a:ext cx="0" cy="0"/>
+          <a:chOff x="0" y="0"/>
+          <a:chExt cx="0" cy="0"/>
+        </a:xfrm>
+      </p:grpSpPr>
+      <p:sp>
+        <p:nvSpPr>
+          <p:cNvPr id="87" name="Google Shape;87;gac10fef634_0_30:notes"/>
+          <p:cNvSpPr>
+            <a:spLocks noGrp="1" noRot="1" noChangeAspect="1"/>
+          </p:cNvSpPr>
+          <p:nvPr>
+            <p:ph type="sldImg" idx="2"/>
+          </p:nvPr>
+        </p:nvSpPr>
+        <p:spPr>
+          <a:xfrm>
+            <a:off x="381000" y="685800"/>
+            <a:ext cx="6096000" cy="3429000"/>
+          </a:xfrm>
+          <a:custGeom>
+            <a:avLst/>
+            <a:gdLst/>
+            <a:ahLst/>
+            <a:cxnLst/>
+            <a:rect l="l" t="t" r="r" b="b"/>
+            <a:pathLst>
+              <a:path w="120000" h="120000" extrusionOk="0">
+                <a:moveTo>
+                  <a:pt x="0" y="0"/>
+                </a:moveTo>
+                <a:lnTo>
+                  <a:pt x="120000" y="0"/>
+                </a:lnTo>
+                <a:lnTo>
+                  <a:pt x="120000" y="120000"/>
+                </a:lnTo>
+                <a:lnTo>
+                  <a:pt x="0" y="120000"/>
+                </a:lnTo>
+                <a:close/>
+              </a:path>
+            </a:pathLst>
+          </a:custGeom>
+        </p:spPr>
+      </p:sp>
+      <p:sp>
+        <p:nvSpPr>
+          <p:cNvPr id="88" name="Google Shape;88;gac10fef634_0_30:notes"/>
+          <p:cNvSpPr txBox="1">
+            <a:spLocks noGrp="1"/>
+          </p:cNvSpPr>
+          <p:nvPr>
+            <p:ph type="body" idx="1"/>
+          </p:nvPr>
+        </p:nvSpPr>
+        <p:spPr>
+          <a:xfrm>
+            <a:off x="685800" y="4343400"/>
+            <a:ext cx="5486400" cy="4114800"/>
+          </a:xfrm>
+          <a:prstGeom prst="rect">
+            <a:avLst/>
+          </a:prstGeom>
+        </p:spPr>
+        <p:txBody>
+          <a:bodyPr spcFirstLastPara="1" wrap="square" lIns="91425" tIns="91425" rIns="91425" bIns="91425" anchor="t" anchorCtr="0">
+            <a:noAutofit/>
+          </a:bodyPr>
+          <a:lstStyle/>
+          <a:p>
+            <a:pPr marL="0" lvl="0" indent="0" algn="l" rtl="0">
+              <a:spcBef>
+                <a:spcPts val="0"/>
+              </a:spcBef>
+              <a:spcAft>
+                <a:spcPts val="0"/>
+              </a:spcAft>
+              <a:buNone/>
+            </a:pPr>
+            <a:r>
+              <a:rPr lang="en"/>
+              <a:t>Discusses how the information from planning, testing and trialling of components assisted in the development of a high-quality outcome</a:t>
+            </a:r>
             <a:endParaRPr/>
           </a:p>
         </p:txBody>
@@ -17335,12 +17960,8 @@
               <a:buNone/>
             </a:pPr>
             <a:r>
-              <a:rPr lang="en"/>
-              <a:t>Component 6 v1 </a:t>
-            </a:r>
-            <a:r>
               <a:rPr lang="en" dirty="0"/>
-              <a:t>- Test Plan (and screenshot)</a:t>
+              <a:t>Component 6 v1 - Test Plan (and screenshot)</a:t>
             </a:r>
             <a:endParaRPr dirty="0"/>
           </a:p>
@@ -17600,6 +18221,120 @@
 <file path=ppt/slides/slide33.xml><?xml version="1.0" encoding="utf-8"?>
 <p:sld xmlns:a="http://schemas.openxmlformats.org/drawingml/2006/main" xmlns:r="http://schemas.openxmlformats.org/officeDocument/2006/relationships" xmlns:p="http://schemas.openxmlformats.org/presentationml/2006/main">
   <p:cSld>
+    <p:bg>
+      <p:bgPr>
+        <a:solidFill>
+          <a:srgbClr val="D9EAD3"/>
+        </a:solidFill>
+        <a:effectLst/>
+      </p:bgPr>
+    </p:bg>
+    <p:spTree>
+      <p:nvGrpSpPr>
+        <p:cNvPr id="1" name="Shape 72"/>
+        <p:cNvGrpSpPr/>
+        <p:nvPr/>
+      </p:nvGrpSpPr>
+      <p:grpSpPr>
+        <a:xfrm>
+          <a:off x="0" y="0"/>
+          <a:ext cx="0" cy="0"/>
+          <a:chOff x="0" y="0"/>
+          <a:chExt cx="0" cy="0"/>
+        </a:xfrm>
+      </p:grpSpPr>
+      <p:sp>
+        <p:nvSpPr>
+          <p:cNvPr id="73" name="Google Shape;73;p16"/>
+          <p:cNvSpPr txBox="1">
+            <a:spLocks noGrp="1"/>
+          </p:cNvSpPr>
+          <p:nvPr>
+            <p:ph type="title"/>
+          </p:nvPr>
+        </p:nvSpPr>
+        <p:spPr>
+          <a:xfrm>
+            <a:off x="311700" y="445025"/>
+            <a:ext cx="8520600" cy="572700"/>
+          </a:xfrm>
+          <a:prstGeom prst="rect">
+            <a:avLst/>
+          </a:prstGeom>
+        </p:spPr>
+        <p:txBody>
+          <a:bodyPr spcFirstLastPara="1" wrap="square" lIns="91425" tIns="91425" rIns="91425" bIns="91425" anchor="t" anchorCtr="0">
+            <a:noAutofit/>
+          </a:bodyPr>
+          <a:lstStyle/>
+          <a:p>
+            <a:pPr marL="0" lvl="0" indent="0" algn="l" rtl="0">
+              <a:spcBef>
+                <a:spcPts val="0"/>
+              </a:spcBef>
+              <a:spcAft>
+                <a:spcPts val="0"/>
+              </a:spcAft>
+              <a:buNone/>
+            </a:pPr>
+            <a:r>
+              <a:rPr lang="en"/>
+              <a:t>Component 6 </a:t>
+            </a:r>
+            <a:r>
+              <a:rPr lang="en" dirty="0"/>
+              <a:t>(Trello screenshot)</a:t>
+            </a:r>
+            <a:endParaRPr dirty="0"/>
+          </a:p>
+        </p:txBody>
+      </p:sp>
+      <p:pic>
+        <p:nvPicPr>
+          <p:cNvPr id="3" name="Picture 2">
+            <a:extLst>
+              <a:ext uri="{FF2B5EF4-FFF2-40B4-BE49-F238E27FC236}">
+                <a16:creationId xmlns:a16="http://schemas.microsoft.com/office/drawing/2014/main" id="{C97ED042-3250-119B-D71A-D56AD12CC0C9}"/>
+              </a:ext>
+            </a:extLst>
+          </p:cNvPr>
+          <p:cNvPicPr>
+            <a:picLocks noChangeAspect="1"/>
+          </p:cNvPicPr>
+          <p:nvPr/>
+        </p:nvPicPr>
+        <p:blipFill>
+          <a:blip r:embed="rId3"/>
+          <a:stretch>
+            <a:fillRect/>
+          </a:stretch>
+        </p:blipFill>
+        <p:spPr>
+          <a:xfrm>
+            <a:off x="868680" y="1017725"/>
+            <a:ext cx="7216541" cy="3934285"/>
+          </a:xfrm>
+          <a:prstGeom prst="rect">
+            <a:avLst/>
+          </a:prstGeom>
+        </p:spPr>
+      </p:pic>
+    </p:spTree>
+    <p:extLst>
+      <p:ext uri="{BB962C8B-B14F-4D97-AF65-F5344CB8AC3E}">
+        <p14:creationId xmlns:p14="http://schemas.microsoft.com/office/powerpoint/2010/main" val="1440993590"/>
+      </p:ext>
+    </p:extLst>
+  </p:cSld>
+  <p:clrMapOvr>
+    <a:masterClrMapping/>
+  </p:clrMapOvr>
+</p:sld>
+</file>
+
+<file path=ppt/slides/slide34.xml><?xml version="1.0" encoding="utf-8"?>
+<p:sld xmlns:a="http://schemas.openxmlformats.org/drawingml/2006/main" xmlns:r="http://schemas.openxmlformats.org/officeDocument/2006/relationships" xmlns:p="http://schemas.openxmlformats.org/presentationml/2006/main">
+  <p:cSld>
     <p:spTree>
       <p:nvGrpSpPr>
         <p:cNvPr id="1" name="Shape 77"/>
@@ -17834,7 +18569,1194 @@
 </p:sld>
 </file>
 
-<file path=ppt/slides/slide34.xml><?xml version="1.0" encoding="utf-8"?>
+<file path=ppt/slides/slide35.xml><?xml version="1.0" encoding="utf-8"?>
+<p:sld xmlns:a="http://schemas.openxmlformats.org/drawingml/2006/main" xmlns:r="http://schemas.openxmlformats.org/officeDocument/2006/relationships" xmlns:p="http://schemas.openxmlformats.org/presentationml/2006/main">
+  <p:cSld>
+    <p:spTree>
+      <p:nvGrpSpPr>
+        <p:cNvPr id="1" name="Shape 77"/>
+        <p:cNvGrpSpPr/>
+        <p:nvPr/>
+      </p:nvGrpSpPr>
+      <p:grpSpPr>
+        <a:xfrm>
+          <a:off x="0" y="0"/>
+          <a:ext cx="0" cy="0"/>
+          <a:chOff x="0" y="0"/>
+          <a:chExt cx="0" cy="0"/>
+        </a:xfrm>
+      </p:grpSpPr>
+      <p:sp>
+        <p:nvSpPr>
+          <p:cNvPr id="78" name="Google Shape;78;p17"/>
+          <p:cNvSpPr txBox="1">
+            <a:spLocks noGrp="1"/>
+          </p:cNvSpPr>
+          <p:nvPr>
+            <p:ph type="title"/>
+          </p:nvPr>
+        </p:nvSpPr>
+        <p:spPr>
+          <a:xfrm>
+            <a:off x="311700" y="445025"/>
+            <a:ext cx="8520600" cy="572700"/>
+          </a:xfrm>
+          <a:prstGeom prst="rect">
+            <a:avLst/>
+          </a:prstGeom>
+        </p:spPr>
+        <p:txBody>
+          <a:bodyPr spcFirstLastPara="1" wrap="square" lIns="91425" tIns="91425" rIns="91425" bIns="91425" anchor="t" anchorCtr="0">
+            <a:noAutofit/>
+          </a:bodyPr>
+          <a:lstStyle/>
+          <a:p>
+            <a:pPr marL="0" lvl="0" indent="0" algn="l" rtl="0">
+              <a:spcBef>
+                <a:spcPts val="0"/>
+              </a:spcBef>
+              <a:spcAft>
+                <a:spcPts val="0"/>
+              </a:spcAft>
+              <a:buNone/>
+            </a:pPr>
+            <a:r>
+              <a:rPr lang="en" dirty="0"/>
+              <a:t>Component  v - Test Plan (and screenshot)</a:t>
+            </a:r>
+            <a:endParaRPr dirty="0"/>
+          </a:p>
+        </p:txBody>
+      </p:sp>
+      <p:graphicFrame>
+        <p:nvGraphicFramePr>
+          <p:cNvPr id="79" name="Google Shape;79;p17"/>
+          <p:cNvGraphicFramePr/>
+          <p:nvPr>
+            <p:extLst>
+              <p:ext uri="{D42A27DB-BD31-4B8C-83A1-F6EECF244321}">
+                <p14:modId xmlns:p14="http://schemas.microsoft.com/office/powerpoint/2010/main" val="277716855"/>
+              </p:ext>
+            </p:extLst>
+          </p:nvPr>
+        </p:nvGraphicFramePr>
+        <p:xfrm>
+          <a:off x="311700" y="3007389"/>
+          <a:ext cx="8520600" cy="2285940"/>
+        </p:xfrm>
+        <a:graphic>
+          <a:graphicData uri="http://schemas.openxmlformats.org/drawingml/2006/table">
+            <a:tbl>
+              <a:tblPr>
+                <a:noFill/>
+                <a:tableStyleId>{E1099E06-0E6B-448D-9D27-60429F06E6F4}</a:tableStyleId>
+              </a:tblPr>
+              <a:tblGrid>
+                <a:gridCol w="2709796">
+                  <a:extLst>
+                    <a:ext uri="{9D8B030D-6E8A-4147-A177-3AD203B41FA5}">
+                      <a16:colId xmlns:a16="http://schemas.microsoft.com/office/drawing/2014/main" val="20000"/>
+                    </a:ext>
+                  </a:extLst>
+                </a:gridCol>
+                <a:gridCol w="5810804">
+                  <a:extLst>
+                    <a:ext uri="{9D8B030D-6E8A-4147-A177-3AD203B41FA5}">
+                      <a16:colId xmlns:a16="http://schemas.microsoft.com/office/drawing/2014/main" val="20001"/>
+                    </a:ext>
+                  </a:extLst>
+                </a:gridCol>
+              </a:tblGrid>
+              <a:tr h="381000">
+                <a:tc>
+                  <a:txBody>
+                    <a:bodyPr/>
+                    <a:lstStyle/>
+                    <a:p>
+                      <a:pPr marL="0" lvl="0" indent="0" algn="l" rtl="0">
+                        <a:spcBef>
+                          <a:spcPts val="0"/>
+                        </a:spcBef>
+                        <a:spcAft>
+                          <a:spcPts val="0"/>
+                        </a:spcAft>
+                        <a:buNone/>
+                      </a:pPr>
+                      <a:r>
+                        <a:rPr lang="en" sz="1800" b="1" dirty="0"/>
+                        <a:t>Test Case</a:t>
+                      </a:r>
+                      <a:endParaRPr sz="1800" b="1" dirty="0"/>
+                    </a:p>
+                  </a:txBody>
+                  <a:tcPr marL="91425" marR="91425" marT="91425" marB="91425">
+                    <a:solidFill>
+                      <a:srgbClr val="CCCCCC"/>
+                    </a:solidFill>
+                  </a:tcPr>
+                </a:tc>
+                <a:tc>
+                  <a:txBody>
+                    <a:bodyPr/>
+                    <a:lstStyle/>
+                    <a:p>
+                      <a:pPr marL="0" lvl="0" indent="0" algn="l" rtl="0">
+                        <a:spcBef>
+                          <a:spcPts val="0"/>
+                        </a:spcBef>
+                        <a:spcAft>
+                          <a:spcPts val="0"/>
+                        </a:spcAft>
+                        <a:buNone/>
+                      </a:pPr>
+                      <a:r>
+                        <a:rPr lang="en" sz="1800" b="1" dirty="0"/>
+                        <a:t>Expected Values</a:t>
+                      </a:r>
+                      <a:endParaRPr sz="1800" b="1" dirty="0"/>
+                    </a:p>
+                  </a:txBody>
+                  <a:tcPr marL="91425" marR="91425" marT="91425" marB="91425">
+                    <a:solidFill>
+                      <a:srgbClr val="CCCCCC"/>
+                    </a:solidFill>
+                  </a:tcPr>
+                </a:tc>
+                <a:extLst>
+                  <a:ext uri="{0D108BD9-81ED-4DB2-BD59-A6C34878D82A}">
+                    <a16:rowId xmlns:a16="http://schemas.microsoft.com/office/drawing/2014/main" val="10000"/>
+                  </a:ext>
+                </a:extLst>
+              </a:tr>
+              <a:tr h="396200">
+                <a:tc>
+                  <a:txBody>
+                    <a:bodyPr/>
+                    <a:lstStyle/>
+                    <a:p>
+                      <a:pPr marL="0" marR="0" lvl="0" indent="0" algn="l" defTabSz="914400" rtl="0" eaLnBrk="1" fontAlgn="auto" latinLnBrk="0" hangingPunct="1">
+                        <a:lnSpc>
+                          <a:spcPct val="100000"/>
+                        </a:lnSpc>
+                        <a:spcBef>
+                          <a:spcPts val="0"/>
+                        </a:spcBef>
+                        <a:spcAft>
+                          <a:spcPts val="0"/>
+                        </a:spcAft>
+                        <a:buClr>
+                          <a:srgbClr val="000000"/>
+                        </a:buClr>
+                        <a:buSzTx/>
+                        <a:buFont typeface="Arial"/>
+                        <a:buNone/>
+                        <a:tabLst/>
+                        <a:defRPr/>
+                      </a:pPr>
+                      <a:r>
+                        <a:rPr lang="en-US" sz="1800" dirty="0"/>
+                        <a:t>Input not a number</a:t>
+                      </a:r>
+                    </a:p>
+                    <a:p>
+                      <a:pPr marL="0" marR="0" lvl="0" indent="0" algn="l" defTabSz="914400" rtl="0" eaLnBrk="1" fontAlgn="auto" latinLnBrk="0" hangingPunct="1">
+                        <a:lnSpc>
+                          <a:spcPct val="100000"/>
+                        </a:lnSpc>
+                        <a:spcBef>
+                          <a:spcPts val="0"/>
+                        </a:spcBef>
+                        <a:spcAft>
+                          <a:spcPts val="0"/>
+                        </a:spcAft>
+                        <a:buClr>
+                          <a:srgbClr val="000000"/>
+                        </a:buClr>
+                        <a:buSzTx/>
+                        <a:buFont typeface="Arial"/>
+                        <a:buNone/>
+                        <a:tabLst/>
+                        <a:defRPr/>
+                      </a:pPr>
+                      <a:r>
+                        <a:rPr lang="en-US" sz="1800" dirty="0"/>
+                        <a:t>Input a number above 5</a:t>
+                      </a:r>
+                    </a:p>
+                    <a:p>
+                      <a:pPr marL="0" marR="0" lvl="0" indent="0" algn="l" defTabSz="914400" rtl="0" eaLnBrk="1" fontAlgn="auto" latinLnBrk="0" hangingPunct="1">
+                        <a:lnSpc>
+                          <a:spcPct val="100000"/>
+                        </a:lnSpc>
+                        <a:spcBef>
+                          <a:spcPts val="0"/>
+                        </a:spcBef>
+                        <a:spcAft>
+                          <a:spcPts val="0"/>
+                        </a:spcAft>
+                        <a:buClr>
+                          <a:srgbClr val="000000"/>
+                        </a:buClr>
+                        <a:buSzTx/>
+                        <a:buFont typeface="Arial"/>
+                        <a:buNone/>
+                        <a:tabLst/>
+                        <a:defRPr/>
+                      </a:pPr>
+                      <a:r>
+                        <a:rPr lang="en-US" sz="1800" dirty="0"/>
+                        <a:t>Input 2</a:t>
+                      </a:r>
+                    </a:p>
+                    <a:p>
+                      <a:pPr marL="0" marR="0" lvl="0" indent="0" algn="l" defTabSz="914400" rtl="0" eaLnBrk="1" fontAlgn="auto" latinLnBrk="0" hangingPunct="1">
+                        <a:lnSpc>
+                          <a:spcPct val="100000"/>
+                        </a:lnSpc>
+                        <a:spcBef>
+                          <a:spcPts val="0"/>
+                        </a:spcBef>
+                        <a:spcAft>
+                          <a:spcPts val="0"/>
+                        </a:spcAft>
+                        <a:buClr>
+                          <a:srgbClr val="000000"/>
+                        </a:buClr>
+                        <a:buSzTx/>
+                        <a:buFont typeface="Arial"/>
+                        <a:buNone/>
+                        <a:tabLst/>
+                        <a:defRPr/>
+                      </a:pPr>
+                      <a:r>
+                        <a:rPr lang="en-US" sz="1800" dirty="0"/>
+                        <a:t>Input 4 and 8</a:t>
+                      </a:r>
+                    </a:p>
+                    <a:p>
+                      <a:pPr marL="0" lvl="0" indent="0" algn="l" rtl="0">
+                        <a:spcBef>
+                          <a:spcPts val="0"/>
+                        </a:spcBef>
+                        <a:spcAft>
+                          <a:spcPts val="0"/>
+                        </a:spcAft>
+                        <a:buNone/>
+                      </a:pPr>
+                      <a:endParaRPr sz="1800" dirty="0"/>
+                    </a:p>
+                  </a:txBody>
+                  <a:tcPr marL="91425" marR="91425" marT="91425" marB="91425"/>
+                </a:tc>
+                <a:tc>
+                  <a:txBody>
+                    <a:bodyPr/>
+                    <a:lstStyle/>
+                    <a:p>
+                      <a:pPr marL="0" lvl="0" indent="0" algn="l" rtl="0">
+                        <a:spcBef>
+                          <a:spcPts val="0"/>
+                        </a:spcBef>
+                        <a:spcAft>
+                          <a:spcPts val="0"/>
+                        </a:spcAft>
+                        <a:buNone/>
+                      </a:pPr>
+                      <a:r>
+                        <a:rPr lang="en-US" sz="1800" dirty="0"/>
+                        <a:t>Printed that is not a number and asks for input again</a:t>
+                      </a:r>
+                    </a:p>
+                    <a:p>
+                      <a:pPr marL="0" marR="0" lvl="0" indent="0" algn="l" defTabSz="914400" rtl="0" eaLnBrk="1" fontAlgn="auto" latinLnBrk="0" hangingPunct="1">
+                        <a:lnSpc>
+                          <a:spcPct val="100000"/>
+                        </a:lnSpc>
+                        <a:spcBef>
+                          <a:spcPts val="0"/>
+                        </a:spcBef>
+                        <a:spcAft>
+                          <a:spcPts val="0"/>
+                        </a:spcAft>
+                        <a:buClr>
+                          <a:srgbClr val="000000"/>
+                        </a:buClr>
+                        <a:buSzTx/>
+                        <a:buFont typeface="Arial"/>
+                        <a:buNone/>
+                        <a:tabLst/>
+                        <a:defRPr/>
+                      </a:pPr>
+                      <a:r>
+                        <a:rPr lang="en-US" sz="1800" dirty="0"/>
+                        <a:t>Printed number must be 1-5 and asks for input again</a:t>
+                      </a:r>
+                    </a:p>
+                    <a:p>
+                      <a:pPr marL="0" marR="0" lvl="0" indent="0" algn="l" defTabSz="914400" rtl="0" eaLnBrk="1" fontAlgn="auto" latinLnBrk="0" hangingPunct="1">
+                        <a:lnSpc>
+                          <a:spcPct val="100000"/>
+                        </a:lnSpc>
+                        <a:spcBef>
+                          <a:spcPts val="0"/>
+                        </a:spcBef>
+                        <a:spcAft>
+                          <a:spcPts val="0"/>
+                        </a:spcAft>
+                        <a:buClr>
+                          <a:srgbClr val="000000"/>
+                        </a:buClr>
+                        <a:buSzTx/>
+                        <a:buFont typeface="Arial"/>
+                        <a:buNone/>
+                        <a:tabLst/>
+                        <a:defRPr/>
+                      </a:pPr>
+                      <a:r>
+                        <a:rPr lang="en-US" sz="1800" dirty="0"/>
+                        <a:t>Accepted input and prints choose which pizzas</a:t>
+                      </a:r>
+                    </a:p>
+                    <a:p>
+                      <a:pPr marL="0" marR="0" lvl="0" indent="0" algn="l" defTabSz="914400" rtl="0" eaLnBrk="1" fontAlgn="auto" latinLnBrk="0" hangingPunct="1">
+                        <a:lnSpc>
+                          <a:spcPct val="100000"/>
+                        </a:lnSpc>
+                        <a:spcBef>
+                          <a:spcPts val="0"/>
+                        </a:spcBef>
+                        <a:spcAft>
+                          <a:spcPts val="0"/>
+                        </a:spcAft>
+                        <a:buClr>
+                          <a:srgbClr val="000000"/>
+                        </a:buClr>
+                        <a:buSzTx/>
+                        <a:buFont typeface="Arial"/>
+                        <a:buNone/>
+                        <a:tabLst/>
+                        <a:defRPr/>
+                      </a:pPr>
+                      <a:r>
+                        <a:rPr lang="en-US" sz="1800" dirty="0"/>
+                        <a:t>Correctly picks pizzas and costs and prints chosen pizza </a:t>
+                      </a:r>
+                      <a:r>
+                        <a:rPr lang="en-US" sz="1800"/>
+                        <a:t>and its cost</a:t>
+                      </a:r>
+                      <a:endParaRPr lang="en-US" sz="1800" dirty="0"/>
+                    </a:p>
+                    <a:p>
+                      <a:pPr marL="0" lvl="0" indent="0" algn="l" rtl="0">
+                        <a:spcBef>
+                          <a:spcPts val="0"/>
+                        </a:spcBef>
+                        <a:spcAft>
+                          <a:spcPts val="0"/>
+                        </a:spcAft>
+                        <a:buNone/>
+                      </a:pPr>
+                      <a:endParaRPr sz="1800" dirty="0"/>
+                    </a:p>
+                  </a:txBody>
+                  <a:tcPr marL="91425" marR="91425" marT="91425" marB="91425"/>
+                </a:tc>
+                <a:extLst>
+                  <a:ext uri="{0D108BD9-81ED-4DB2-BD59-A6C34878D82A}">
+                    <a16:rowId xmlns:a16="http://schemas.microsoft.com/office/drawing/2014/main" val="10001"/>
+                  </a:ext>
+                </a:extLst>
+              </a:tr>
+            </a:tbl>
+          </a:graphicData>
+        </a:graphic>
+      </p:graphicFrame>
+      <p:pic>
+        <p:nvPicPr>
+          <p:cNvPr id="2" name="Picture 1">
+            <a:extLst>
+              <a:ext uri="{FF2B5EF4-FFF2-40B4-BE49-F238E27FC236}">
+                <a16:creationId xmlns:a16="http://schemas.microsoft.com/office/drawing/2014/main" id="{70C9E6F6-3762-3950-6471-9B63E843D96F}"/>
+              </a:ext>
+            </a:extLst>
+          </p:cNvPr>
+          <p:cNvPicPr>
+            <a:picLocks noChangeAspect="1"/>
+          </p:cNvPicPr>
+          <p:nvPr/>
+        </p:nvPicPr>
+        <p:blipFill>
+          <a:blip r:embed="rId3"/>
+          <a:stretch>
+            <a:fillRect/>
+          </a:stretch>
+        </p:blipFill>
+        <p:spPr>
+          <a:xfrm>
+            <a:off x="311700" y="1203157"/>
+            <a:ext cx="3172848" cy="1618800"/>
+          </a:xfrm>
+          <a:prstGeom prst="rect">
+            <a:avLst/>
+          </a:prstGeom>
+        </p:spPr>
+      </p:pic>
+      <p:pic>
+        <p:nvPicPr>
+          <p:cNvPr id="3" name="Picture 2">
+            <a:extLst>
+              <a:ext uri="{FF2B5EF4-FFF2-40B4-BE49-F238E27FC236}">
+                <a16:creationId xmlns:a16="http://schemas.microsoft.com/office/drawing/2014/main" id="{0CD4E232-D441-1E34-6100-A444C96D1F3A}"/>
+              </a:ext>
+            </a:extLst>
+          </p:cNvPr>
+          <p:cNvPicPr>
+            <a:picLocks noChangeAspect="1"/>
+          </p:cNvPicPr>
+          <p:nvPr/>
+        </p:nvPicPr>
+        <p:blipFill>
+          <a:blip r:embed="rId4"/>
+          <a:stretch>
+            <a:fillRect/>
+          </a:stretch>
+        </p:blipFill>
+        <p:spPr>
+          <a:xfrm>
+            <a:off x="4783087" y="1203157"/>
+            <a:ext cx="3677519" cy="1471008"/>
+          </a:xfrm>
+          <a:prstGeom prst="rect">
+            <a:avLst/>
+          </a:prstGeom>
+        </p:spPr>
+      </p:pic>
+    </p:spTree>
+    <p:extLst>
+      <p:ext uri="{BB962C8B-B14F-4D97-AF65-F5344CB8AC3E}">
+        <p14:creationId xmlns:p14="http://schemas.microsoft.com/office/powerpoint/2010/main" val="839176086"/>
+      </p:ext>
+    </p:extLst>
+  </p:cSld>
+  <p:clrMapOvr>
+    <a:masterClrMapping/>
+  </p:clrMapOvr>
+</p:sld>
+</file>
+
+<file path=ppt/slides/slide36.xml><?xml version="1.0" encoding="utf-8"?>
+<p:sld xmlns:a="http://schemas.openxmlformats.org/drawingml/2006/main" xmlns:r="http://schemas.openxmlformats.org/officeDocument/2006/relationships" xmlns:p="http://schemas.openxmlformats.org/presentationml/2006/main">
+  <p:cSld>
+    <p:spTree>
+      <p:nvGrpSpPr>
+        <p:cNvPr id="1" name="Shape 77"/>
+        <p:cNvGrpSpPr/>
+        <p:nvPr/>
+      </p:nvGrpSpPr>
+      <p:grpSpPr>
+        <a:xfrm>
+          <a:off x="0" y="0"/>
+          <a:ext cx="0" cy="0"/>
+          <a:chOff x="0" y="0"/>
+          <a:chExt cx="0" cy="0"/>
+        </a:xfrm>
+      </p:grpSpPr>
+      <p:sp>
+        <p:nvSpPr>
+          <p:cNvPr id="78" name="Google Shape;78;p17"/>
+          <p:cNvSpPr txBox="1">
+            <a:spLocks noGrp="1"/>
+          </p:cNvSpPr>
+          <p:nvPr>
+            <p:ph type="title"/>
+          </p:nvPr>
+        </p:nvSpPr>
+        <p:spPr>
+          <a:xfrm>
+            <a:off x="311700" y="445025"/>
+            <a:ext cx="8520600" cy="572700"/>
+          </a:xfrm>
+          <a:prstGeom prst="rect">
+            <a:avLst/>
+          </a:prstGeom>
+        </p:spPr>
+        <p:txBody>
+          <a:bodyPr spcFirstLastPara="1" wrap="square" lIns="91425" tIns="91425" rIns="91425" bIns="91425" anchor="t" anchorCtr="0">
+            <a:noAutofit/>
+          </a:bodyPr>
+          <a:lstStyle/>
+          <a:p>
+            <a:pPr marL="0" lvl="0" indent="0" algn="l" rtl="0">
+              <a:spcBef>
+                <a:spcPts val="0"/>
+              </a:spcBef>
+              <a:spcAft>
+                <a:spcPts val="0"/>
+              </a:spcAft>
+              <a:buNone/>
+            </a:pPr>
+            <a:r>
+              <a:rPr lang="en" dirty="0"/>
+              <a:t>Component  v - Test Plan (and screenshot)</a:t>
+            </a:r>
+            <a:endParaRPr dirty="0"/>
+          </a:p>
+        </p:txBody>
+      </p:sp>
+      <p:graphicFrame>
+        <p:nvGraphicFramePr>
+          <p:cNvPr id="79" name="Google Shape;79;p17"/>
+          <p:cNvGraphicFramePr/>
+          <p:nvPr/>
+        </p:nvGraphicFramePr>
+        <p:xfrm>
+          <a:off x="311700" y="3794967"/>
+          <a:ext cx="8520600" cy="1188660"/>
+        </p:xfrm>
+        <a:graphic>
+          <a:graphicData uri="http://schemas.openxmlformats.org/drawingml/2006/table">
+            <a:tbl>
+              <a:tblPr>
+                <a:noFill/>
+                <a:tableStyleId>{E1099E06-0E6B-448D-9D27-60429F06E6F4}</a:tableStyleId>
+              </a:tblPr>
+              <a:tblGrid>
+                <a:gridCol w="2709796">
+                  <a:extLst>
+                    <a:ext uri="{9D8B030D-6E8A-4147-A177-3AD203B41FA5}">
+                      <a16:colId xmlns:a16="http://schemas.microsoft.com/office/drawing/2014/main" val="20000"/>
+                    </a:ext>
+                  </a:extLst>
+                </a:gridCol>
+                <a:gridCol w="5810804">
+                  <a:extLst>
+                    <a:ext uri="{9D8B030D-6E8A-4147-A177-3AD203B41FA5}">
+                      <a16:colId xmlns:a16="http://schemas.microsoft.com/office/drawing/2014/main" val="20001"/>
+                    </a:ext>
+                  </a:extLst>
+                </a:gridCol>
+              </a:tblGrid>
+              <a:tr h="381000">
+                <a:tc>
+                  <a:txBody>
+                    <a:bodyPr/>
+                    <a:lstStyle/>
+                    <a:p>
+                      <a:pPr marL="0" lvl="0" indent="0" algn="l" rtl="0">
+                        <a:spcBef>
+                          <a:spcPts val="0"/>
+                        </a:spcBef>
+                        <a:spcAft>
+                          <a:spcPts val="0"/>
+                        </a:spcAft>
+                        <a:buNone/>
+                      </a:pPr>
+                      <a:r>
+                        <a:rPr lang="en" sz="1800" b="1" dirty="0"/>
+                        <a:t>Test Case</a:t>
+                      </a:r>
+                      <a:endParaRPr sz="1800" b="1" dirty="0"/>
+                    </a:p>
+                  </a:txBody>
+                  <a:tcPr marL="91425" marR="91425" marT="91425" marB="91425">
+                    <a:solidFill>
+                      <a:srgbClr val="CCCCCC"/>
+                    </a:solidFill>
+                  </a:tcPr>
+                </a:tc>
+                <a:tc>
+                  <a:txBody>
+                    <a:bodyPr/>
+                    <a:lstStyle/>
+                    <a:p>
+                      <a:pPr marL="0" lvl="0" indent="0" algn="l" rtl="0">
+                        <a:spcBef>
+                          <a:spcPts val="0"/>
+                        </a:spcBef>
+                        <a:spcAft>
+                          <a:spcPts val="0"/>
+                        </a:spcAft>
+                        <a:buNone/>
+                      </a:pPr>
+                      <a:r>
+                        <a:rPr lang="en" sz="1800" b="1" dirty="0"/>
+                        <a:t>Expected Values</a:t>
+                      </a:r>
+                      <a:endParaRPr sz="1800" b="1" dirty="0"/>
+                    </a:p>
+                  </a:txBody>
+                  <a:tcPr marL="91425" marR="91425" marT="91425" marB="91425">
+                    <a:solidFill>
+                      <a:srgbClr val="CCCCCC"/>
+                    </a:solidFill>
+                  </a:tcPr>
+                </a:tc>
+                <a:extLst>
+                  <a:ext uri="{0D108BD9-81ED-4DB2-BD59-A6C34878D82A}">
+                    <a16:rowId xmlns:a16="http://schemas.microsoft.com/office/drawing/2014/main" val="10000"/>
+                  </a:ext>
+                </a:extLst>
+              </a:tr>
+              <a:tr h="396200">
+                <a:tc>
+                  <a:txBody>
+                    <a:bodyPr/>
+                    <a:lstStyle/>
+                    <a:p>
+                      <a:pPr marL="0" marR="0" lvl="0" indent="0" algn="l" defTabSz="914400" rtl="0" eaLnBrk="1" fontAlgn="auto" latinLnBrk="0" hangingPunct="1">
+                        <a:lnSpc>
+                          <a:spcPct val="100000"/>
+                        </a:lnSpc>
+                        <a:spcBef>
+                          <a:spcPts val="0"/>
+                        </a:spcBef>
+                        <a:spcAft>
+                          <a:spcPts val="0"/>
+                        </a:spcAft>
+                        <a:buClr>
+                          <a:srgbClr val="000000"/>
+                        </a:buClr>
+                        <a:buSzTx/>
+                        <a:buFont typeface="Arial"/>
+                        <a:buNone/>
+                        <a:tabLst/>
+                        <a:defRPr/>
+                      </a:pPr>
+                      <a:endParaRPr lang="en-US" sz="1800" dirty="0"/>
+                    </a:p>
+                    <a:p>
+                      <a:pPr marL="0" lvl="0" indent="0" algn="l" rtl="0">
+                        <a:spcBef>
+                          <a:spcPts val="0"/>
+                        </a:spcBef>
+                        <a:spcAft>
+                          <a:spcPts val="0"/>
+                        </a:spcAft>
+                        <a:buNone/>
+                      </a:pPr>
+                      <a:endParaRPr sz="1800" dirty="0"/>
+                    </a:p>
+                  </a:txBody>
+                  <a:tcPr marL="91425" marR="91425" marT="91425" marB="91425"/>
+                </a:tc>
+                <a:tc>
+                  <a:txBody>
+                    <a:bodyPr/>
+                    <a:lstStyle/>
+                    <a:p>
+                      <a:pPr marL="0" lvl="0" indent="0" algn="l" rtl="0">
+                        <a:spcBef>
+                          <a:spcPts val="0"/>
+                        </a:spcBef>
+                        <a:spcAft>
+                          <a:spcPts val="0"/>
+                        </a:spcAft>
+                        <a:buNone/>
+                      </a:pPr>
+                      <a:endParaRPr sz="1800" dirty="0"/>
+                    </a:p>
+                  </a:txBody>
+                  <a:tcPr marL="91425" marR="91425" marT="91425" marB="91425"/>
+                </a:tc>
+                <a:extLst>
+                  <a:ext uri="{0D108BD9-81ED-4DB2-BD59-A6C34878D82A}">
+                    <a16:rowId xmlns:a16="http://schemas.microsoft.com/office/drawing/2014/main" val="10001"/>
+                  </a:ext>
+                </a:extLst>
+              </a:tr>
+            </a:tbl>
+          </a:graphicData>
+        </a:graphic>
+      </p:graphicFrame>
+    </p:spTree>
+    <p:extLst>
+      <p:ext uri="{BB962C8B-B14F-4D97-AF65-F5344CB8AC3E}">
+        <p14:creationId xmlns:p14="http://schemas.microsoft.com/office/powerpoint/2010/main" val="2337919152"/>
+      </p:ext>
+    </p:extLst>
+  </p:cSld>
+  <p:clrMapOvr>
+    <a:masterClrMapping/>
+  </p:clrMapOvr>
+</p:sld>
+</file>
+
+<file path=ppt/slides/slide37.xml><?xml version="1.0" encoding="utf-8"?>
+<p:sld xmlns:a="http://schemas.openxmlformats.org/drawingml/2006/main" xmlns:r="http://schemas.openxmlformats.org/officeDocument/2006/relationships" xmlns:p="http://schemas.openxmlformats.org/presentationml/2006/main">
+  <p:cSld>
+    <p:spTree>
+      <p:nvGrpSpPr>
+        <p:cNvPr id="1" name="Shape 77"/>
+        <p:cNvGrpSpPr/>
+        <p:nvPr/>
+      </p:nvGrpSpPr>
+      <p:grpSpPr>
+        <a:xfrm>
+          <a:off x="0" y="0"/>
+          <a:ext cx="0" cy="0"/>
+          <a:chOff x="0" y="0"/>
+          <a:chExt cx="0" cy="0"/>
+        </a:xfrm>
+      </p:grpSpPr>
+      <p:sp>
+        <p:nvSpPr>
+          <p:cNvPr id="78" name="Google Shape;78;p17"/>
+          <p:cNvSpPr txBox="1">
+            <a:spLocks noGrp="1"/>
+          </p:cNvSpPr>
+          <p:nvPr>
+            <p:ph type="title"/>
+          </p:nvPr>
+        </p:nvSpPr>
+        <p:spPr>
+          <a:xfrm>
+            <a:off x="311700" y="445025"/>
+            <a:ext cx="8520600" cy="572700"/>
+          </a:xfrm>
+          <a:prstGeom prst="rect">
+            <a:avLst/>
+          </a:prstGeom>
+        </p:spPr>
+        <p:txBody>
+          <a:bodyPr spcFirstLastPara="1" wrap="square" lIns="91425" tIns="91425" rIns="91425" bIns="91425" anchor="t" anchorCtr="0">
+            <a:noAutofit/>
+          </a:bodyPr>
+          <a:lstStyle/>
+          <a:p>
+            <a:pPr marL="0" lvl="0" indent="0" algn="l" rtl="0">
+              <a:spcBef>
+                <a:spcPts val="0"/>
+              </a:spcBef>
+              <a:spcAft>
+                <a:spcPts val="0"/>
+              </a:spcAft>
+              <a:buNone/>
+            </a:pPr>
+            <a:r>
+              <a:rPr lang="en" dirty="0"/>
+              <a:t>Component  v - Test Plan (and screenshot)</a:t>
+            </a:r>
+            <a:endParaRPr dirty="0"/>
+          </a:p>
+        </p:txBody>
+      </p:sp>
+      <p:graphicFrame>
+        <p:nvGraphicFramePr>
+          <p:cNvPr id="79" name="Google Shape;79;p17"/>
+          <p:cNvGraphicFramePr/>
+          <p:nvPr/>
+        </p:nvGraphicFramePr>
+        <p:xfrm>
+          <a:off x="311700" y="3794967"/>
+          <a:ext cx="8520600" cy="1188660"/>
+        </p:xfrm>
+        <a:graphic>
+          <a:graphicData uri="http://schemas.openxmlformats.org/drawingml/2006/table">
+            <a:tbl>
+              <a:tblPr>
+                <a:noFill/>
+                <a:tableStyleId>{E1099E06-0E6B-448D-9D27-60429F06E6F4}</a:tableStyleId>
+              </a:tblPr>
+              <a:tblGrid>
+                <a:gridCol w="2709796">
+                  <a:extLst>
+                    <a:ext uri="{9D8B030D-6E8A-4147-A177-3AD203B41FA5}">
+                      <a16:colId xmlns:a16="http://schemas.microsoft.com/office/drawing/2014/main" val="20000"/>
+                    </a:ext>
+                  </a:extLst>
+                </a:gridCol>
+                <a:gridCol w="5810804">
+                  <a:extLst>
+                    <a:ext uri="{9D8B030D-6E8A-4147-A177-3AD203B41FA5}">
+                      <a16:colId xmlns:a16="http://schemas.microsoft.com/office/drawing/2014/main" val="20001"/>
+                    </a:ext>
+                  </a:extLst>
+                </a:gridCol>
+              </a:tblGrid>
+              <a:tr h="381000">
+                <a:tc>
+                  <a:txBody>
+                    <a:bodyPr/>
+                    <a:lstStyle/>
+                    <a:p>
+                      <a:pPr marL="0" lvl="0" indent="0" algn="l" rtl="0">
+                        <a:spcBef>
+                          <a:spcPts val="0"/>
+                        </a:spcBef>
+                        <a:spcAft>
+                          <a:spcPts val="0"/>
+                        </a:spcAft>
+                        <a:buNone/>
+                      </a:pPr>
+                      <a:r>
+                        <a:rPr lang="en" sz="1800" b="1" dirty="0"/>
+                        <a:t>Test Case</a:t>
+                      </a:r>
+                      <a:endParaRPr sz="1800" b="1" dirty="0"/>
+                    </a:p>
+                  </a:txBody>
+                  <a:tcPr marL="91425" marR="91425" marT="91425" marB="91425">
+                    <a:solidFill>
+                      <a:srgbClr val="CCCCCC"/>
+                    </a:solidFill>
+                  </a:tcPr>
+                </a:tc>
+                <a:tc>
+                  <a:txBody>
+                    <a:bodyPr/>
+                    <a:lstStyle/>
+                    <a:p>
+                      <a:pPr marL="0" lvl="0" indent="0" algn="l" rtl="0">
+                        <a:spcBef>
+                          <a:spcPts val="0"/>
+                        </a:spcBef>
+                        <a:spcAft>
+                          <a:spcPts val="0"/>
+                        </a:spcAft>
+                        <a:buNone/>
+                      </a:pPr>
+                      <a:r>
+                        <a:rPr lang="en" sz="1800" b="1" dirty="0"/>
+                        <a:t>Expected Values</a:t>
+                      </a:r>
+                      <a:endParaRPr sz="1800" b="1" dirty="0"/>
+                    </a:p>
+                  </a:txBody>
+                  <a:tcPr marL="91425" marR="91425" marT="91425" marB="91425">
+                    <a:solidFill>
+                      <a:srgbClr val="CCCCCC"/>
+                    </a:solidFill>
+                  </a:tcPr>
+                </a:tc>
+                <a:extLst>
+                  <a:ext uri="{0D108BD9-81ED-4DB2-BD59-A6C34878D82A}">
+                    <a16:rowId xmlns:a16="http://schemas.microsoft.com/office/drawing/2014/main" val="10000"/>
+                  </a:ext>
+                </a:extLst>
+              </a:tr>
+              <a:tr h="396200">
+                <a:tc>
+                  <a:txBody>
+                    <a:bodyPr/>
+                    <a:lstStyle/>
+                    <a:p>
+                      <a:pPr marL="0" marR="0" lvl="0" indent="0" algn="l" defTabSz="914400" rtl="0" eaLnBrk="1" fontAlgn="auto" latinLnBrk="0" hangingPunct="1">
+                        <a:lnSpc>
+                          <a:spcPct val="100000"/>
+                        </a:lnSpc>
+                        <a:spcBef>
+                          <a:spcPts val="0"/>
+                        </a:spcBef>
+                        <a:spcAft>
+                          <a:spcPts val="0"/>
+                        </a:spcAft>
+                        <a:buClr>
+                          <a:srgbClr val="000000"/>
+                        </a:buClr>
+                        <a:buSzTx/>
+                        <a:buFont typeface="Arial"/>
+                        <a:buNone/>
+                        <a:tabLst/>
+                        <a:defRPr/>
+                      </a:pPr>
+                      <a:endParaRPr lang="en-US" sz="1800" dirty="0"/>
+                    </a:p>
+                    <a:p>
+                      <a:pPr marL="0" lvl="0" indent="0" algn="l" rtl="0">
+                        <a:spcBef>
+                          <a:spcPts val="0"/>
+                        </a:spcBef>
+                        <a:spcAft>
+                          <a:spcPts val="0"/>
+                        </a:spcAft>
+                        <a:buNone/>
+                      </a:pPr>
+                      <a:endParaRPr sz="1800" dirty="0"/>
+                    </a:p>
+                  </a:txBody>
+                  <a:tcPr marL="91425" marR="91425" marT="91425" marB="91425"/>
+                </a:tc>
+                <a:tc>
+                  <a:txBody>
+                    <a:bodyPr/>
+                    <a:lstStyle/>
+                    <a:p>
+                      <a:pPr marL="0" lvl="0" indent="0" algn="l" rtl="0">
+                        <a:spcBef>
+                          <a:spcPts val="0"/>
+                        </a:spcBef>
+                        <a:spcAft>
+                          <a:spcPts val="0"/>
+                        </a:spcAft>
+                        <a:buNone/>
+                      </a:pPr>
+                      <a:endParaRPr sz="1800" dirty="0"/>
+                    </a:p>
+                  </a:txBody>
+                  <a:tcPr marL="91425" marR="91425" marT="91425" marB="91425"/>
+                </a:tc>
+                <a:extLst>
+                  <a:ext uri="{0D108BD9-81ED-4DB2-BD59-A6C34878D82A}">
+                    <a16:rowId xmlns:a16="http://schemas.microsoft.com/office/drawing/2014/main" val="10001"/>
+                  </a:ext>
+                </a:extLst>
+              </a:tr>
+            </a:tbl>
+          </a:graphicData>
+        </a:graphic>
+      </p:graphicFrame>
+    </p:spTree>
+    <p:extLst>
+      <p:ext uri="{BB962C8B-B14F-4D97-AF65-F5344CB8AC3E}">
+        <p14:creationId xmlns:p14="http://schemas.microsoft.com/office/powerpoint/2010/main" val="1700163231"/>
+      </p:ext>
+    </p:extLst>
+  </p:cSld>
+  <p:clrMapOvr>
+    <a:masterClrMapping/>
+  </p:clrMapOvr>
+</p:sld>
+</file>
+
+<file path=ppt/slides/slide38.xml><?xml version="1.0" encoding="utf-8"?>
+<p:sld xmlns:a="http://schemas.openxmlformats.org/drawingml/2006/main" xmlns:r="http://schemas.openxmlformats.org/officeDocument/2006/relationships" xmlns:p="http://schemas.openxmlformats.org/presentationml/2006/main">
+  <p:cSld>
+    <p:spTree>
+      <p:nvGrpSpPr>
+        <p:cNvPr id="1" name="Shape 77"/>
+        <p:cNvGrpSpPr/>
+        <p:nvPr/>
+      </p:nvGrpSpPr>
+      <p:grpSpPr>
+        <a:xfrm>
+          <a:off x="0" y="0"/>
+          <a:ext cx="0" cy="0"/>
+          <a:chOff x="0" y="0"/>
+          <a:chExt cx="0" cy="0"/>
+        </a:xfrm>
+      </p:grpSpPr>
+      <p:sp>
+        <p:nvSpPr>
+          <p:cNvPr id="78" name="Google Shape;78;p17"/>
+          <p:cNvSpPr txBox="1">
+            <a:spLocks noGrp="1"/>
+          </p:cNvSpPr>
+          <p:nvPr>
+            <p:ph type="title"/>
+          </p:nvPr>
+        </p:nvSpPr>
+        <p:spPr>
+          <a:xfrm>
+            <a:off x="311700" y="445025"/>
+            <a:ext cx="8520600" cy="572700"/>
+          </a:xfrm>
+          <a:prstGeom prst="rect">
+            <a:avLst/>
+          </a:prstGeom>
+        </p:spPr>
+        <p:txBody>
+          <a:bodyPr spcFirstLastPara="1" wrap="square" lIns="91425" tIns="91425" rIns="91425" bIns="91425" anchor="t" anchorCtr="0">
+            <a:noAutofit/>
+          </a:bodyPr>
+          <a:lstStyle/>
+          <a:p>
+            <a:pPr marL="0" lvl="0" indent="0" algn="l" rtl="0">
+              <a:spcBef>
+                <a:spcPts val="0"/>
+              </a:spcBef>
+              <a:spcAft>
+                <a:spcPts val="0"/>
+              </a:spcAft>
+              <a:buNone/>
+            </a:pPr>
+            <a:r>
+              <a:rPr lang="en" dirty="0"/>
+              <a:t>Component  v - Test Plan (and screenshot)</a:t>
+            </a:r>
+            <a:endParaRPr dirty="0"/>
+          </a:p>
+        </p:txBody>
+      </p:sp>
+      <p:graphicFrame>
+        <p:nvGraphicFramePr>
+          <p:cNvPr id="79" name="Google Shape;79;p17"/>
+          <p:cNvGraphicFramePr/>
+          <p:nvPr/>
+        </p:nvGraphicFramePr>
+        <p:xfrm>
+          <a:off x="311700" y="3794967"/>
+          <a:ext cx="8520600" cy="1188660"/>
+        </p:xfrm>
+        <a:graphic>
+          <a:graphicData uri="http://schemas.openxmlformats.org/drawingml/2006/table">
+            <a:tbl>
+              <a:tblPr>
+                <a:noFill/>
+                <a:tableStyleId>{E1099E06-0E6B-448D-9D27-60429F06E6F4}</a:tableStyleId>
+              </a:tblPr>
+              <a:tblGrid>
+                <a:gridCol w="2709796">
+                  <a:extLst>
+                    <a:ext uri="{9D8B030D-6E8A-4147-A177-3AD203B41FA5}">
+                      <a16:colId xmlns:a16="http://schemas.microsoft.com/office/drawing/2014/main" val="20000"/>
+                    </a:ext>
+                  </a:extLst>
+                </a:gridCol>
+                <a:gridCol w="5810804">
+                  <a:extLst>
+                    <a:ext uri="{9D8B030D-6E8A-4147-A177-3AD203B41FA5}">
+                      <a16:colId xmlns:a16="http://schemas.microsoft.com/office/drawing/2014/main" val="20001"/>
+                    </a:ext>
+                  </a:extLst>
+                </a:gridCol>
+              </a:tblGrid>
+              <a:tr h="381000">
+                <a:tc>
+                  <a:txBody>
+                    <a:bodyPr/>
+                    <a:lstStyle/>
+                    <a:p>
+                      <a:pPr marL="0" lvl="0" indent="0" algn="l" rtl="0">
+                        <a:spcBef>
+                          <a:spcPts val="0"/>
+                        </a:spcBef>
+                        <a:spcAft>
+                          <a:spcPts val="0"/>
+                        </a:spcAft>
+                        <a:buNone/>
+                      </a:pPr>
+                      <a:r>
+                        <a:rPr lang="en" sz="1800" b="1" dirty="0"/>
+                        <a:t>Test Case</a:t>
+                      </a:r>
+                      <a:endParaRPr sz="1800" b="1" dirty="0"/>
+                    </a:p>
+                  </a:txBody>
+                  <a:tcPr marL="91425" marR="91425" marT="91425" marB="91425">
+                    <a:solidFill>
+                      <a:srgbClr val="CCCCCC"/>
+                    </a:solidFill>
+                  </a:tcPr>
+                </a:tc>
+                <a:tc>
+                  <a:txBody>
+                    <a:bodyPr/>
+                    <a:lstStyle/>
+                    <a:p>
+                      <a:pPr marL="0" lvl="0" indent="0" algn="l" rtl="0">
+                        <a:spcBef>
+                          <a:spcPts val="0"/>
+                        </a:spcBef>
+                        <a:spcAft>
+                          <a:spcPts val="0"/>
+                        </a:spcAft>
+                        <a:buNone/>
+                      </a:pPr>
+                      <a:r>
+                        <a:rPr lang="en" sz="1800" b="1" dirty="0"/>
+                        <a:t>Expected Values</a:t>
+                      </a:r>
+                      <a:endParaRPr sz="1800" b="1" dirty="0"/>
+                    </a:p>
+                  </a:txBody>
+                  <a:tcPr marL="91425" marR="91425" marT="91425" marB="91425">
+                    <a:solidFill>
+                      <a:srgbClr val="CCCCCC"/>
+                    </a:solidFill>
+                  </a:tcPr>
+                </a:tc>
+                <a:extLst>
+                  <a:ext uri="{0D108BD9-81ED-4DB2-BD59-A6C34878D82A}">
+                    <a16:rowId xmlns:a16="http://schemas.microsoft.com/office/drawing/2014/main" val="10000"/>
+                  </a:ext>
+                </a:extLst>
+              </a:tr>
+              <a:tr h="396200">
+                <a:tc>
+                  <a:txBody>
+                    <a:bodyPr/>
+                    <a:lstStyle/>
+                    <a:p>
+                      <a:pPr marL="0" marR="0" lvl="0" indent="0" algn="l" defTabSz="914400" rtl="0" eaLnBrk="1" fontAlgn="auto" latinLnBrk="0" hangingPunct="1">
+                        <a:lnSpc>
+                          <a:spcPct val="100000"/>
+                        </a:lnSpc>
+                        <a:spcBef>
+                          <a:spcPts val="0"/>
+                        </a:spcBef>
+                        <a:spcAft>
+                          <a:spcPts val="0"/>
+                        </a:spcAft>
+                        <a:buClr>
+                          <a:srgbClr val="000000"/>
+                        </a:buClr>
+                        <a:buSzTx/>
+                        <a:buFont typeface="Arial"/>
+                        <a:buNone/>
+                        <a:tabLst/>
+                        <a:defRPr/>
+                      </a:pPr>
+                      <a:endParaRPr lang="en-US" sz="1800" dirty="0"/>
+                    </a:p>
+                    <a:p>
+                      <a:pPr marL="0" lvl="0" indent="0" algn="l" rtl="0">
+                        <a:spcBef>
+                          <a:spcPts val="0"/>
+                        </a:spcBef>
+                        <a:spcAft>
+                          <a:spcPts val="0"/>
+                        </a:spcAft>
+                        <a:buNone/>
+                      </a:pPr>
+                      <a:endParaRPr sz="1800" dirty="0"/>
+                    </a:p>
+                  </a:txBody>
+                  <a:tcPr marL="91425" marR="91425" marT="91425" marB="91425"/>
+                </a:tc>
+                <a:tc>
+                  <a:txBody>
+                    <a:bodyPr/>
+                    <a:lstStyle/>
+                    <a:p>
+                      <a:pPr marL="0" lvl="0" indent="0" algn="l" rtl="0">
+                        <a:spcBef>
+                          <a:spcPts val="0"/>
+                        </a:spcBef>
+                        <a:spcAft>
+                          <a:spcPts val="0"/>
+                        </a:spcAft>
+                        <a:buNone/>
+                      </a:pPr>
+                      <a:endParaRPr sz="1800" dirty="0"/>
+                    </a:p>
+                  </a:txBody>
+                  <a:tcPr marL="91425" marR="91425" marT="91425" marB="91425"/>
+                </a:tc>
+                <a:extLst>
+                  <a:ext uri="{0D108BD9-81ED-4DB2-BD59-A6C34878D82A}">
+                    <a16:rowId xmlns:a16="http://schemas.microsoft.com/office/drawing/2014/main" val="10001"/>
+                  </a:ext>
+                </a:extLst>
+              </a:tr>
+            </a:tbl>
+          </a:graphicData>
+        </a:graphic>
+      </p:graphicFrame>
+    </p:spTree>
+    <p:extLst>
+      <p:ext uri="{BB962C8B-B14F-4D97-AF65-F5344CB8AC3E}">
+        <p14:creationId xmlns:p14="http://schemas.microsoft.com/office/powerpoint/2010/main" val="3398702849"/>
+      </p:ext>
+    </p:extLst>
+  </p:cSld>
+  <p:clrMapOvr>
+    <a:masterClrMapping/>
+  </p:clrMapOvr>
+</p:sld>
+</file>
+
+<file path=ppt/slides/slide39.xml><?xml version="1.0" encoding="utf-8"?>
 <p:sld xmlns:a="http://schemas.openxmlformats.org/drawingml/2006/main" xmlns:r="http://schemas.openxmlformats.org/officeDocument/2006/relationships" xmlns:p="http://schemas.openxmlformats.org/presentationml/2006/main">
   <p:cSld>
     <p:bg>
@@ -17940,85 +19862,6 @@
               <a:t>Your version control evidence should go here.  This could be in the form of annotated screenshots which show you you managed this process or you could make a brief screencast explaining how you implemented version control.</a:t>
             </a:r>
             <a:endParaRPr i="1"/>
-          </a:p>
-        </p:txBody>
-      </p:sp>
-    </p:spTree>
-  </p:cSld>
-  <p:clrMapOvr>
-    <a:masterClrMapping/>
-  </p:clrMapOvr>
-</p:sld>
-</file>
-
-<file path=ppt/slides/slide35.xml><?xml version="1.0" encoding="utf-8"?>
-<p:sld xmlns:a="http://schemas.openxmlformats.org/drawingml/2006/main" xmlns:r="http://schemas.openxmlformats.org/officeDocument/2006/relationships" xmlns:p="http://schemas.openxmlformats.org/presentationml/2006/main">
-  <p:cSld>
-    <p:bg>
-      <p:bgPr>
-        <a:solidFill>
-          <a:srgbClr val="FFE599"/>
-        </a:solidFill>
-        <a:effectLst/>
-      </p:bgPr>
-    </p:bg>
-    <p:spTree>
-      <p:nvGrpSpPr>
-        <p:cNvPr id="1" name="Shape 89"/>
-        <p:cNvGrpSpPr/>
-        <p:nvPr/>
-      </p:nvGrpSpPr>
-      <p:grpSpPr>
-        <a:xfrm>
-          <a:off x="0" y="0"/>
-          <a:ext cx="0" cy="0"/>
-          <a:chOff x="0" y="0"/>
-          <a:chExt cx="0" cy="0"/>
-        </a:xfrm>
-      </p:grpSpPr>
-      <p:sp>
-        <p:nvSpPr>
-          <p:cNvPr id="90" name="Google Shape;90;p19"/>
-          <p:cNvSpPr txBox="1">
-            <a:spLocks noGrp="1"/>
-          </p:cNvSpPr>
-          <p:nvPr>
-            <p:ph type="body" idx="1"/>
-          </p:nvPr>
-        </p:nvSpPr>
-        <p:spPr>
-          <a:xfrm>
-            <a:off x="311700" y="397700"/>
-            <a:ext cx="8520600" cy="4171200"/>
-          </a:xfrm>
-          <a:prstGeom prst="rect">
-            <a:avLst/>
-          </a:prstGeom>
-        </p:spPr>
-        <p:txBody>
-          <a:bodyPr spcFirstLastPara="1" wrap="square" lIns="91425" tIns="91425" rIns="91425" bIns="91425" anchor="t" anchorCtr="0">
-            <a:noAutofit/>
-          </a:bodyPr>
-          <a:lstStyle/>
-          <a:p>
-            <a:pPr marL="0" lvl="0" indent="0" algn="l" rtl="0">
-              <a:spcBef>
-                <a:spcPts val="0"/>
-              </a:spcBef>
-              <a:spcAft>
-                <a:spcPts val="1600"/>
-              </a:spcAft>
-              <a:buNone/>
-            </a:pPr>
-            <a:r>
-              <a:rPr lang="en" b="1" i="1">
-                <a:solidFill>
-                  <a:srgbClr val="595959"/>
-                </a:solidFill>
-              </a:rPr>
-              <a:t>Discusses how the information from planning, testing and trialling of components assisted in the development of a high-quality outcome</a:t>
-            </a:r>
-            <a:endParaRPr/>
           </a:p>
         </p:txBody>
       </p:sp>
@@ -18157,6 +20000,85 @@
           </a:prstGeom>
         </p:spPr>
       </p:pic>
+    </p:spTree>
+  </p:cSld>
+  <p:clrMapOvr>
+    <a:masterClrMapping/>
+  </p:clrMapOvr>
+</p:sld>
+</file>
+
+<file path=ppt/slides/slide40.xml><?xml version="1.0" encoding="utf-8"?>
+<p:sld xmlns:a="http://schemas.openxmlformats.org/drawingml/2006/main" xmlns:r="http://schemas.openxmlformats.org/officeDocument/2006/relationships" xmlns:p="http://schemas.openxmlformats.org/presentationml/2006/main">
+  <p:cSld>
+    <p:bg>
+      <p:bgPr>
+        <a:solidFill>
+          <a:srgbClr val="FFE599"/>
+        </a:solidFill>
+        <a:effectLst/>
+      </p:bgPr>
+    </p:bg>
+    <p:spTree>
+      <p:nvGrpSpPr>
+        <p:cNvPr id="1" name="Shape 89"/>
+        <p:cNvGrpSpPr/>
+        <p:nvPr/>
+      </p:nvGrpSpPr>
+      <p:grpSpPr>
+        <a:xfrm>
+          <a:off x="0" y="0"/>
+          <a:ext cx="0" cy="0"/>
+          <a:chOff x="0" y="0"/>
+          <a:chExt cx="0" cy="0"/>
+        </a:xfrm>
+      </p:grpSpPr>
+      <p:sp>
+        <p:nvSpPr>
+          <p:cNvPr id="90" name="Google Shape;90;p19"/>
+          <p:cNvSpPr txBox="1">
+            <a:spLocks noGrp="1"/>
+          </p:cNvSpPr>
+          <p:nvPr>
+            <p:ph type="body" idx="1"/>
+          </p:nvPr>
+        </p:nvSpPr>
+        <p:spPr>
+          <a:xfrm>
+            <a:off x="311700" y="397700"/>
+            <a:ext cx="8520600" cy="4171200"/>
+          </a:xfrm>
+          <a:prstGeom prst="rect">
+            <a:avLst/>
+          </a:prstGeom>
+        </p:spPr>
+        <p:txBody>
+          <a:bodyPr spcFirstLastPara="1" wrap="square" lIns="91425" tIns="91425" rIns="91425" bIns="91425" anchor="t" anchorCtr="0">
+            <a:noAutofit/>
+          </a:bodyPr>
+          <a:lstStyle/>
+          <a:p>
+            <a:pPr marL="0" lvl="0" indent="0" algn="l" rtl="0">
+              <a:spcBef>
+                <a:spcPts val="0"/>
+              </a:spcBef>
+              <a:spcAft>
+                <a:spcPts val="1600"/>
+              </a:spcAft>
+              <a:buNone/>
+            </a:pPr>
+            <a:r>
+              <a:rPr lang="en" b="1" i="1">
+                <a:solidFill>
+                  <a:srgbClr val="595959"/>
+                </a:solidFill>
+              </a:rPr>
+              <a:t>Discusses how the information from planning, testing and trialling of components assisted in the development of a high-quality outcome</a:t>
+            </a:r>
+            <a:endParaRPr/>
+          </a:p>
+        </p:txBody>
+      </p:sp>
     </p:spTree>
   </p:cSld>
   <p:clrMapOvr>
